--- a/Eager/elk-experiment/appserver/system_design.pptx
+++ b/Eager/elk-experiment/appserver/system_design.pptx
@@ -9,6 +9,8 @@
     <p:sldId id="258" r:id="rId3"/>
     <p:sldId id="259" r:id="rId4"/>
     <p:sldId id="260" r:id="rId5"/>
+    <p:sldId id="261" r:id="rId6"/>
+    <p:sldId id="262" r:id="rId7"/>
   </p:sldIdLst>
   <p:sldSz cx="9144000" cy="6858000" type="screen4x3"/>
   <p:notesSz cx="6858000" cy="9144000"/>
@@ -291,7 +293,7 @@
           <a:p>
             <a:fld id="{94C3570C-2D75-5147-A673-6C02746C58AB}" type="datetimeFigureOut">
               <a:rPr lang="en-US" smtClean="0"/>
-              <a:t>2/28/16</a:t>
+              <a:t>3/2/16</a:t>
             </a:fld>
             <a:endParaRPr lang="en-US"/>
           </a:p>
@@ -461,7 +463,7 @@
           <a:p>
             <a:fld id="{94C3570C-2D75-5147-A673-6C02746C58AB}" type="datetimeFigureOut">
               <a:rPr lang="en-US" smtClean="0"/>
-              <a:t>2/28/16</a:t>
+              <a:t>3/2/16</a:t>
             </a:fld>
             <a:endParaRPr lang="en-US"/>
           </a:p>
@@ -641,7 +643,7 @@
           <a:p>
             <a:fld id="{94C3570C-2D75-5147-A673-6C02746C58AB}" type="datetimeFigureOut">
               <a:rPr lang="en-US" smtClean="0"/>
-              <a:t>2/28/16</a:t>
+              <a:t>3/2/16</a:t>
             </a:fld>
             <a:endParaRPr lang="en-US"/>
           </a:p>
@@ -811,7 +813,7 @@
           <a:p>
             <a:fld id="{94C3570C-2D75-5147-A673-6C02746C58AB}" type="datetimeFigureOut">
               <a:rPr lang="en-US" smtClean="0"/>
-              <a:t>2/28/16</a:t>
+              <a:t>3/2/16</a:t>
             </a:fld>
             <a:endParaRPr lang="en-US"/>
           </a:p>
@@ -1057,7 +1059,7 @@
           <a:p>
             <a:fld id="{94C3570C-2D75-5147-A673-6C02746C58AB}" type="datetimeFigureOut">
               <a:rPr lang="en-US" smtClean="0"/>
-              <a:t>2/28/16</a:t>
+              <a:t>3/2/16</a:t>
             </a:fld>
             <a:endParaRPr lang="en-US"/>
           </a:p>
@@ -1345,7 +1347,7 @@
           <a:p>
             <a:fld id="{94C3570C-2D75-5147-A673-6C02746C58AB}" type="datetimeFigureOut">
               <a:rPr lang="en-US" smtClean="0"/>
-              <a:t>2/28/16</a:t>
+              <a:t>3/2/16</a:t>
             </a:fld>
             <a:endParaRPr lang="en-US"/>
           </a:p>
@@ -1767,7 +1769,7 @@
           <a:p>
             <a:fld id="{94C3570C-2D75-5147-A673-6C02746C58AB}" type="datetimeFigureOut">
               <a:rPr lang="en-US" smtClean="0"/>
-              <a:t>2/28/16</a:t>
+              <a:t>3/2/16</a:t>
             </a:fld>
             <a:endParaRPr lang="en-US"/>
           </a:p>
@@ -1885,7 +1887,7 @@
           <a:p>
             <a:fld id="{94C3570C-2D75-5147-A673-6C02746C58AB}" type="datetimeFigureOut">
               <a:rPr lang="en-US" smtClean="0"/>
-              <a:t>2/28/16</a:t>
+              <a:t>3/2/16</a:t>
             </a:fld>
             <a:endParaRPr lang="en-US"/>
           </a:p>
@@ -1980,7 +1982,7 @@
           <a:p>
             <a:fld id="{94C3570C-2D75-5147-A673-6C02746C58AB}" type="datetimeFigureOut">
               <a:rPr lang="en-US" smtClean="0"/>
-              <a:t>2/28/16</a:t>
+              <a:t>3/2/16</a:t>
             </a:fld>
             <a:endParaRPr lang="en-US"/>
           </a:p>
@@ -2257,7 +2259,7 @@
           <a:p>
             <a:fld id="{94C3570C-2D75-5147-A673-6C02746C58AB}" type="datetimeFigureOut">
               <a:rPr lang="en-US" smtClean="0"/>
-              <a:t>2/28/16</a:t>
+              <a:t>3/2/16</a:t>
             </a:fld>
             <a:endParaRPr lang="en-US"/>
           </a:p>
@@ -2510,7 +2512,7 @@
           <a:p>
             <a:fld id="{94C3570C-2D75-5147-A673-6C02746C58AB}" type="datetimeFigureOut">
               <a:rPr lang="en-US" smtClean="0"/>
-              <a:t>2/28/16</a:t>
+              <a:t>3/2/16</a:t>
             </a:fld>
             <a:endParaRPr lang="en-US"/>
           </a:p>
@@ -2723,7 +2725,7 @@
           <a:p>
             <a:fld id="{94C3570C-2D75-5147-A673-6C02746C58AB}" type="datetimeFigureOut">
               <a:rPr lang="en-US" smtClean="0"/>
-              <a:t>2/28/16</a:t>
+              <a:t>3/2/16</a:t>
             </a:fld>
             <a:endParaRPr lang="en-US"/>
           </a:p>
@@ -3627,6 +3629,13 @@
   <p:clrMapOvr>
     <a:masterClrMapping/>
   </p:clrMapOvr>
+  <p:timing>
+    <p:tnLst>
+      <p:par>
+        <p:cTn xmlns:p14="http://schemas.microsoft.com/office/powerpoint/2010/main" id="1" dur="indefinite" restart="never" nodeType="tmRoot"/>
+      </p:par>
+    </p:tnLst>
+  </p:timing>
 </p:sld>
 </file>
 
@@ -3735,6 +3744,13 @@
   <p:clrMapOvr>
     <a:masterClrMapping/>
   </p:clrMapOvr>
+  <p:timing>
+    <p:tnLst>
+      <p:par>
+        <p:cTn xmlns:p14="http://schemas.microsoft.com/office/powerpoint/2010/main" id="1" dur="indefinite" restart="never" nodeType="tmRoot"/>
+      </p:par>
+    </p:tnLst>
+  </p:timing>
 </p:sld>
 </file>
 
@@ -3824,6 +3840,13 @@
   <p:clrMapOvr>
     <a:masterClrMapping/>
   </p:clrMapOvr>
+  <p:timing>
+    <p:tnLst>
+      <p:par>
+        <p:cTn xmlns:p14="http://schemas.microsoft.com/office/powerpoint/2010/main" id="1" dur="indefinite" restart="never" nodeType="tmRoot"/>
+      </p:par>
+    </p:tnLst>
+  </p:timing>
 </p:sld>
 </file>
 
@@ -3913,6 +3936,227 @@
     <p:extLst>
       <p:ext uri="{BB962C8B-B14F-4D97-AF65-F5344CB8AC3E}">
         <p14:creationId xmlns:p14="http://schemas.microsoft.com/office/powerpoint/2010/main" val="129284857"/>
+      </p:ext>
+    </p:extLst>
+  </p:cSld>
+  <p:clrMapOvr>
+    <a:masterClrMapping/>
+  </p:clrMapOvr>
+  <p:timing>
+    <p:tnLst>
+      <p:par>
+        <p:cTn xmlns:p14="http://schemas.microsoft.com/office/powerpoint/2010/main" id="1" dur="indefinite" restart="never" nodeType="tmRoot"/>
+      </p:par>
+    </p:tnLst>
+  </p:timing>
+</p:sld>
+</file>
+
+<file path=ppt/slides/slide5.xml><?xml version="1.0" encoding="utf-8"?>
+<p:sld xmlns:a="http://schemas.openxmlformats.org/drawingml/2006/main" xmlns:r="http://schemas.openxmlformats.org/officeDocument/2006/relationships" xmlns:p="http://schemas.openxmlformats.org/presentationml/2006/main">
+  <p:cSld>
+    <p:spTree>
+      <p:nvGrpSpPr>
+        <p:cNvPr id="1" name=""/>
+        <p:cNvGrpSpPr/>
+        <p:nvPr/>
+      </p:nvGrpSpPr>
+      <p:grpSpPr>
+        <a:xfrm>
+          <a:off x="0" y="0"/>
+          <a:ext cx="0" cy="0"/>
+          <a:chOff x="0" y="0"/>
+          <a:chExt cx="0" cy="0"/>
+        </a:xfrm>
+      </p:grpSpPr>
+      <p:sp>
+        <p:nvSpPr>
+          <p:cNvPr id="2" name="Title 1"/>
+          <p:cNvSpPr>
+            <a:spLocks noGrp="1"/>
+          </p:cNvSpPr>
+          <p:nvPr>
+            <p:ph type="title"/>
+          </p:nvPr>
+        </p:nvSpPr>
+        <p:spPr/>
+        <p:txBody>
+          <a:bodyPr/>
+          <a:lstStyle/>
+          <a:p>
+            <a:r>
+              <a:rPr lang="en-US" dirty="0" smtClean="0"/>
+              <a:t>Outline</a:t>
+            </a:r>
+            <a:endParaRPr lang="en-US" dirty="0"/>
+          </a:p>
+        </p:txBody>
+      </p:sp>
+      <p:sp>
+        <p:nvSpPr>
+          <p:cNvPr id="3" name="Content Placeholder 2"/>
+          <p:cNvSpPr>
+            <a:spLocks noGrp="1"/>
+          </p:cNvSpPr>
+          <p:nvPr>
+            <p:ph idx="1"/>
+          </p:nvPr>
+        </p:nvSpPr>
+        <p:spPr/>
+        <p:txBody>
+          <a:bodyPr>
+            <a:normAutofit lnSpcReduction="10000"/>
+          </a:bodyPr>
+          <a:lstStyle/>
+          <a:p>
+            <a:r>
+              <a:rPr lang="en-US" dirty="0" smtClean="0"/>
+              <a:t>Intro</a:t>
+            </a:r>
+          </a:p>
+          <a:p>
+            <a:r>
+              <a:rPr lang="en-US" dirty="0" smtClean="0"/>
+              <a:t>Motivation/Background</a:t>
+            </a:r>
+          </a:p>
+          <a:p>
+            <a:pPr lvl="1"/>
+            <a:r>
+              <a:rPr lang="en-US" dirty="0" smtClean="0"/>
+              <a:t>Thesis statement</a:t>
+            </a:r>
+          </a:p>
+          <a:p>
+            <a:r>
+              <a:rPr lang="en-US" dirty="0" smtClean="0"/>
+              <a:t>Result 1 (EAGER)</a:t>
+            </a:r>
+          </a:p>
+          <a:p>
+            <a:r>
+              <a:rPr lang="en-US" dirty="0" smtClean="0"/>
+              <a:t>Result 2 (</a:t>
+            </a:r>
+            <a:r>
+              <a:rPr lang="en-US" dirty="0" err="1" smtClean="0"/>
+              <a:t>Cerebro</a:t>
+            </a:r>
+            <a:r>
+              <a:rPr lang="en-US" dirty="0" smtClean="0"/>
+              <a:t>)</a:t>
+            </a:r>
+          </a:p>
+          <a:p>
+            <a:r>
+              <a:rPr lang="en-US" dirty="0" smtClean="0"/>
+              <a:t>Result 3 (Anomaly detection/Roots)</a:t>
+            </a:r>
+          </a:p>
+          <a:p>
+            <a:r>
+              <a:rPr lang="en-US" dirty="0" smtClean="0"/>
+              <a:t>Related work</a:t>
+            </a:r>
+          </a:p>
+          <a:p>
+            <a:r>
+              <a:rPr lang="en-US" dirty="0" smtClean="0"/>
+              <a:t>Future work</a:t>
+            </a:r>
+            <a:endParaRPr lang="en-US" dirty="0"/>
+          </a:p>
+        </p:txBody>
+      </p:sp>
+    </p:spTree>
+    <p:extLst>
+      <p:ext uri="{BB962C8B-B14F-4D97-AF65-F5344CB8AC3E}">
+        <p14:creationId xmlns:p14="http://schemas.microsoft.com/office/powerpoint/2010/main" val="2499342007"/>
+      </p:ext>
+    </p:extLst>
+  </p:cSld>
+  <p:clrMapOvr>
+    <a:masterClrMapping/>
+  </p:clrMapOvr>
+</p:sld>
+</file>
+
+<file path=ppt/slides/slide6.xml><?xml version="1.0" encoding="utf-8"?>
+<p:sld xmlns:a="http://schemas.openxmlformats.org/drawingml/2006/main" xmlns:r="http://schemas.openxmlformats.org/officeDocument/2006/relationships" xmlns:p="http://schemas.openxmlformats.org/presentationml/2006/main">
+  <p:cSld>
+    <p:spTree>
+      <p:nvGrpSpPr>
+        <p:cNvPr id="1" name=""/>
+        <p:cNvGrpSpPr/>
+        <p:nvPr/>
+      </p:nvGrpSpPr>
+      <p:grpSpPr>
+        <a:xfrm>
+          <a:off x="0" y="0"/>
+          <a:ext cx="0" cy="0"/>
+          <a:chOff x="0" y="0"/>
+          <a:chExt cx="0" cy="0"/>
+        </a:xfrm>
+      </p:grpSpPr>
+      <p:sp>
+        <p:nvSpPr>
+          <p:cNvPr id="2" name="Title 1"/>
+          <p:cNvSpPr>
+            <a:spLocks noGrp="1"/>
+          </p:cNvSpPr>
+          <p:nvPr>
+            <p:ph type="title"/>
+          </p:nvPr>
+        </p:nvSpPr>
+        <p:spPr/>
+        <p:txBody>
+          <a:bodyPr/>
+          <a:lstStyle/>
+          <a:p>
+            <a:r>
+              <a:rPr lang="en-US" dirty="0" smtClean="0"/>
+              <a:t>Thesis Question</a:t>
+            </a:r>
+            <a:endParaRPr lang="en-US" dirty="0"/>
+          </a:p>
+        </p:txBody>
+      </p:sp>
+      <p:sp>
+        <p:nvSpPr>
+          <p:cNvPr id="3" name="Content Placeholder 2"/>
+          <p:cNvSpPr>
+            <a:spLocks noGrp="1"/>
+          </p:cNvSpPr>
+          <p:nvPr>
+            <p:ph idx="1"/>
+          </p:nvPr>
+        </p:nvSpPr>
+        <p:spPr/>
+        <p:txBody>
+          <a:bodyPr>
+            <a:normAutofit fontScale="92500" lnSpcReduction="20000"/>
+          </a:bodyPr>
+          <a:lstStyle/>
+          <a:p>
+            <a:r>
+              <a:rPr lang="en-US" dirty="0" smtClean="0"/>
+              <a:t>Can we enforce design-time governance on web applications developed for a given Platform-as-a-Service cloud so as to ensure proper versioning, dependency management and conformance to other developer best practices, and also enforce run-time governance on them so as to automatically determine the expected runtime performance of the applications, detect SLA violations and detect performance anomalies and perform root cause analysis, with minimal developer </a:t>
+            </a:r>
+            <a:r>
+              <a:rPr lang="en-US" smtClean="0"/>
+              <a:t>intervention and no </a:t>
+            </a:r>
+            <a:r>
+              <a:rPr lang="en-US" dirty="0" smtClean="0"/>
+              <a:t>invasive instrumentation on the applications?</a:t>
+            </a:r>
+          </a:p>
+        </p:txBody>
+      </p:sp>
+    </p:spTree>
+    <p:extLst>
+      <p:ext uri="{BB962C8B-B14F-4D97-AF65-F5344CB8AC3E}">
+        <p14:creationId xmlns:p14="http://schemas.microsoft.com/office/powerpoint/2010/main" val="1996961093"/>
       </p:ext>
     </p:extLst>
   </p:cSld>

--- a/Eager/elk-experiment/appserver/system_design.pptx
+++ b/Eager/elk-experiment/appserver/system_design.pptx
@@ -11,6 +11,16 @@
     <p:sldId id="260" r:id="rId5"/>
     <p:sldId id="261" r:id="rId6"/>
     <p:sldId id="262" r:id="rId7"/>
+    <p:sldId id="264" r:id="rId8"/>
+    <p:sldId id="265" r:id="rId9"/>
+    <p:sldId id="267" r:id="rId10"/>
+    <p:sldId id="268" r:id="rId11"/>
+    <p:sldId id="269" r:id="rId12"/>
+    <p:sldId id="266" r:id="rId13"/>
+    <p:sldId id="270" r:id="rId14"/>
+    <p:sldId id="271" r:id="rId15"/>
+    <p:sldId id="272" r:id="rId16"/>
+    <p:sldId id="273" r:id="rId17"/>
   </p:sldIdLst>
   <p:sldSz cx="9144000" cy="6858000" type="screen4x3"/>
   <p:notesSz cx="6858000" cy="9144000"/>
@@ -3639,6 +3649,903 @@
 </p:sld>
 </file>
 
+<file path=ppt/slides/slide10.xml><?xml version="1.0" encoding="utf-8"?>
+<p:sld xmlns:a="http://schemas.openxmlformats.org/drawingml/2006/main" xmlns:r="http://schemas.openxmlformats.org/officeDocument/2006/relationships" xmlns:p="http://schemas.openxmlformats.org/presentationml/2006/main">
+  <p:cSld>
+    <p:spTree>
+      <p:nvGrpSpPr>
+        <p:cNvPr id="1" name=""/>
+        <p:cNvGrpSpPr/>
+        <p:nvPr/>
+      </p:nvGrpSpPr>
+      <p:grpSpPr>
+        <a:xfrm>
+          <a:off x="0" y="0"/>
+          <a:ext cx="0" cy="0"/>
+          <a:chOff x="0" y="0"/>
+          <a:chExt cx="0" cy="0"/>
+        </a:xfrm>
+      </p:grpSpPr>
+      <p:sp>
+        <p:nvSpPr>
+          <p:cNvPr id="2" name="Title 1"/>
+          <p:cNvSpPr>
+            <a:spLocks noGrp="1"/>
+          </p:cNvSpPr>
+          <p:nvPr>
+            <p:ph type="title"/>
+          </p:nvPr>
+        </p:nvSpPr>
+        <p:spPr/>
+        <p:txBody>
+          <a:bodyPr/>
+          <a:lstStyle/>
+          <a:p>
+            <a:r>
+              <a:rPr lang="en-US" dirty="0" smtClean="0"/>
+              <a:t>Cannot Reason about Performance</a:t>
+            </a:r>
+            <a:endParaRPr lang="en-US" dirty="0"/>
+          </a:p>
+        </p:txBody>
+      </p:sp>
+      <p:sp>
+        <p:nvSpPr>
+          <p:cNvPr id="3" name="Content Placeholder 2"/>
+          <p:cNvSpPr>
+            <a:spLocks noGrp="1"/>
+          </p:cNvSpPr>
+          <p:nvPr>
+            <p:ph idx="1"/>
+          </p:nvPr>
+        </p:nvSpPr>
+        <p:spPr/>
+        <p:txBody>
+          <a:bodyPr/>
+          <a:lstStyle/>
+          <a:p>
+            <a:r>
+              <a:rPr lang="en-US" dirty="0" smtClean="0"/>
+              <a:t>No reliable and systematic means for understanding performance limits</a:t>
+            </a:r>
+          </a:p>
+          <a:p>
+            <a:r>
+              <a:rPr lang="en-US" dirty="0" smtClean="0"/>
+              <a:t>Requires extensive testing</a:t>
+            </a:r>
+          </a:p>
+          <a:p>
+            <a:r>
+              <a:rPr lang="en-US" dirty="0" smtClean="0"/>
+              <a:t>Cannot form performance SLAs</a:t>
+            </a:r>
+            <a:endParaRPr lang="en-US" dirty="0"/>
+          </a:p>
+        </p:txBody>
+      </p:sp>
+      <p:pic>
+        <p:nvPicPr>
+          <p:cNvPr id="4" name="Picture 3" descr="gae_sla.png"/>
+          <p:cNvPicPr>
+            <a:picLocks noChangeAspect="1"/>
+          </p:cNvPicPr>
+          <p:nvPr/>
+        </p:nvPicPr>
+        <p:blipFill>
+          <a:blip r:embed="rId2">
+            <a:extLst>
+              <a:ext uri="{28A0092B-C50C-407E-A947-70E740481C1C}">
+                <a14:useLocalDpi xmlns:a14="http://schemas.microsoft.com/office/drawing/2010/main" val="0"/>
+              </a:ext>
+            </a:extLst>
+          </a:blip>
+          <a:stretch>
+            <a:fillRect/>
+          </a:stretch>
+        </p:blipFill>
+        <p:spPr>
+          <a:xfrm>
+            <a:off x="1108175" y="3931595"/>
+            <a:ext cx="7184460" cy="1487373"/>
+          </a:xfrm>
+          <a:prstGeom prst="rect">
+            <a:avLst/>
+          </a:prstGeom>
+        </p:spPr>
+      </p:pic>
+    </p:spTree>
+    <p:extLst>
+      <p:ext uri="{BB962C8B-B14F-4D97-AF65-F5344CB8AC3E}">
+        <p14:creationId xmlns:p14="http://schemas.microsoft.com/office/powerpoint/2010/main" val="813716038"/>
+      </p:ext>
+    </p:extLst>
+  </p:cSld>
+  <p:clrMapOvr>
+    <a:masterClrMapping/>
+  </p:clrMapOvr>
+</p:sld>
+</file>
+
+<file path=ppt/slides/slide11.xml><?xml version="1.0" encoding="utf-8"?>
+<p:sld xmlns:a="http://schemas.openxmlformats.org/drawingml/2006/main" xmlns:r="http://schemas.openxmlformats.org/officeDocument/2006/relationships" xmlns:p="http://schemas.openxmlformats.org/presentationml/2006/main">
+  <p:cSld>
+    <p:spTree>
+      <p:nvGrpSpPr>
+        <p:cNvPr id="1" name=""/>
+        <p:cNvGrpSpPr/>
+        <p:nvPr/>
+      </p:nvGrpSpPr>
+      <p:grpSpPr>
+        <a:xfrm>
+          <a:off x="0" y="0"/>
+          <a:ext cx="0" cy="0"/>
+          <a:chOff x="0" y="0"/>
+          <a:chExt cx="0" cy="0"/>
+        </a:xfrm>
+      </p:grpSpPr>
+      <p:sp>
+        <p:nvSpPr>
+          <p:cNvPr id="2" name="Title 1"/>
+          <p:cNvSpPr>
+            <a:spLocks noGrp="1"/>
+          </p:cNvSpPr>
+          <p:nvPr>
+            <p:ph type="title"/>
+          </p:nvPr>
+        </p:nvSpPr>
+        <p:spPr/>
+        <p:txBody>
+          <a:bodyPr>
+            <a:normAutofit fontScale="90000"/>
+          </a:bodyPr>
+          <a:lstStyle/>
+          <a:p>
+            <a:r>
+              <a:rPr lang="en-US" dirty="0" smtClean="0"/>
+              <a:t>Poor Support for Performance Anomaly Detection</a:t>
+            </a:r>
+            <a:endParaRPr lang="en-US" dirty="0"/>
+          </a:p>
+        </p:txBody>
+      </p:sp>
+      <p:sp>
+        <p:nvSpPr>
+          <p:cNvPr id="3" name="Content Placeholder 2"/>
+          <p:cNvSpPr>
+            <a:spLocks noGrp="1"/>
+          </p:cNvSpPr>
+          <p:nvPr>
+            <p:ph idx="1"/>
+          </p:nvPr>
+        </p:nvSpPr>
+        <p:spPr/>
+        <p:txBody>
+          <a:bodyPr/>
+          <a:lstStyle/>
+          <a:p>
+            <a:r>
+              <a:rPr lang="en-US" dirty="0" smtClean="0"/>
+              <a:t>Rudimentary monitoring features only</a:t>
+            </a:r>
+          </a:p>
+          <a:p>
+            <a:r>
+              <a:rPr lang="en-US" dirty="0" smtClean="0"/>
+              <a:t>Spawned a new business for cloud application monitoring</a:t>
+            </a:r>
+          </a:p>
+          <a:p>
+            <a:endParaRPr lang="en-US" dirty="0" smtClean="0"/>
+          </a:p>
+          <a:p>
+            <a:endParaRPr lang="en-US" dirty="0"/>
+          </a:p>
+          <a:p>
+            <a:endParaRPr lang="en-US" dirty="0" smtClean="0"/>
+          </a:p>
+          <a:p>
+            <a:r>
+              <a:rPr lang="en-US" dirty="0" smtClean="0"/>
+              <a:t>Limited support for anomaly detection and root cause analysis</a:t>
+            </a:r>
+            <a:endParaRPr lang="en-US" dirty="0"/>
+          </a:p>
+        </p:txBody>
+      </p:sp>
+      <p:pic>
+        <p:nvPicPr>
+          <p:cNvPr id="4" name="Picture 3" descr="NewRelic-logo-square.png"/>
+          <p:cNvPicPr>
+            <a:picLocks noChangeAspect="1"/>
+          </p:cNvPicPr>
+          <p:nvPr/>
+        </p:nvPicPr>
+        <p:blipFill>
+          <a:blip r:embed="rId2">
+            <a:extLst>
+              <a:ext uri="{28A0092B-C50C-407E-A947-70E740481C1C}">
+                <a14:useLocalDpi xmlns:a14="http://schemas.microsoft.com/office/drawing/2010/main" val="0"/>
+              </a:ext>
+            </a:extLst>
+          </a:blip>
+          <a:stretch>
+            <a:fillRect/>
+          </a:stretch>
+        </p:blipFill>
+        <p:spPr>
+          <a:xfrm>
+            <a:off x="1264313" y="3447740"/>
+            <a:ext cx="1686678" cy="1368111"/>
+          </a:xfrm>
+          <a:prstGeom prst="rect">
+            <a:avLst/>
+          </a:prstGeom>
+        </p:spPr>
+      </p:pic>
+    </p:spTree>
+    <p:extLst>
+      <p:ext uri="{BB962C8B-B14F-4D97-AF65-F5344CB8AC3E}">
+        <p14:creationId xmlns:p14="http://schemas.microsoft.com/office/powerpoint/2010/main" val="2244944627"/>
+      </p:ext>
+    </p:extLst>
+  </p:cSld>
+  <p:clrMapOvr>
+    <a:masterClrMapping/>
+  </p:clrMapOvr>
+</p:sld>
+</file>
+
+<file path=ppt/slides/slide12.xml><?xml version="1.0" encoding="utf-8"?>
+<p:sld xmlns:a="http://schemas.openxmlformats.org/drawingml/2006/main" xmlns:r="http://schemas.openxmlformats.org/officeDocument/2006/relationships" xmlns:p="http://schemas.openxmlformats.org/presentationml/2006/main">
+  <p:cSld>
+    <p:spTree>
+      <p:nvGrpSpPr>
+        <p:cNvPr id="1" name=""/>
+        <p:cNvGrpSpPr/>
+        <p:nvPr/>
+      </p:nvGrpSpPr>
+      <p:grpSpPr>
+        <a:xfrm>
+          <a:off x="0" y="0"/>
+          <a:ext cx="0" cy="0"/>
+          <a:chOff x="0" y="0"/>
+          <a:chExt cx="0" cy="0"/>
+        </a:xfrm>
+      </p:grpSpPr>
+      <p:sp>
+        <p:nvSpPr>
+          <p:cNvPr id="2" name="Title 1"/>
+          <p:cNvSpPr>
+            <a:spLocks noGrp="1"/>
+          </p:cNvSpPr>
+          <p:nvPr>
+            <p:ph type="title"/>
+          </p:nvPr>
+        </p:nvSpPr>
+        <p:spPr/>
+        <p:txBody>
+          <a:bodyPr/>
+          <a:lstStyle/>
+          <a:p>
+            <a:r>
+              <a:rPr lang="en-US" dirty="0" smtClean="0"/>
+              <a:t>Unresolved Issues in the Cloud</a:t>
+            </a:r>
+            <a:endParaRPr lang="en-US" dirty="0"/>
+          </a:p>
+        </p:txBody>
+      </p:sp>
+      <p:sp>
+        <p:nvSpPr>
+          <p:cNvPr id="3" name="Content Placeholder 2"/>
+          <p:cNvSpPr>
+            <a:spLocks noGrp="1"/>
+          </p:cNvSpPr>
+          <p:nvPr>
+            <p:ph idx="1"/>
+          </p:nvPr>
+        </p:nvSpPr>
+        <p:spPr/>
+        <p:txBody>
+          <a:bodyPr>
+            <a:normAutofit/>
+          </a:bodyPr>
+          <a:lstStyle/>
+          <a:p>
+            <a:r>
+              <a:rPr lang="en-US" dirty="0" smtClean="0"/>
+              <a:t>Does not enforce good coding practices</a:t>
+            </a:r>
+          </a:p>
+          <a:p>
+            <a:r>
+              <a:rPr lang="en-US" dirty="0" smtClean="0"/>
+              <a:t>Cannot reason about application performance</a:t>
+            </a:r>
+            <a:endParaRPr lang="en-US" dirty="0"/>
+          </a:p>
+          <a:p>
+            <a:r>
+              <a:rPr lang="en-US" dirty="0" smtClean="0"/>
+              <a:t>Difficult to detect performance anomalies and conduct root cause analysis</a:t>
+            </a:r>
+          </a:p>
+        </p:txBody>
+      </p:sp>
+      <p:sp>
+        <p:nvSpPr>
+          <p:cNvPr id="5" name="Left Brace 4"/>
+          <p:cNvSpPr/>
+          <p:nvPr/>
+        </p:nvSpPr>
+        <p:spPr>
+          <a:xfrm rot="16200000">
+            <a:off x="4169045" y="-53718"/>
+            <a:ext cx="778212" cy="8257297"/>
+          </a:xfrm>
+          <a:prstGeom prst="leftBrace">
+            <a:avLst>
+              <a:gd name="adj1" fmla="val 8333"/>
+              <a:gd name="adj2" fmla="val 50151"/>
+            </a:avLst>
+          </a:prstGeom>
+        </p:spPr>
+        <p:style>
+          <a:lnRef idx="2">
+            <a:schemeClr val="accent1"/>
+          </a:lnRef>
+          <a:fillRef idx="0">
+            <a:schemeClr val="accent1"/>
+          </a:fillRef>
+          <a:effectRef idx="1">
+            <a:schemeClr val="accent1"/>
+          </a:effectRef>
+          <a:fontRef idx="minor">
+            <a:schemeClr val="tx1"/>
+          </a:fontRef>
+        </p:style>
+        <p:txBody>
+          <a:bodyPr rtlCol="0" anchor="ctr"/>
+          <a:lstStyle/>
+          <a:p>
+            <a:pPr algn="ctr"/>
+            <a:endParaRPr lang="en-US"/>
+          </a:p>
+        </p:txBody>
+      </p:sp>
+      <p:sp>
+        <p:nvSpPr>
+          <p:cNvPr id="6" name="Cloud 5"/>
+          <p:cNvSpPr/>
+          <p:nvPr/>
+        </p:nvSpPr>
+        <p:spPr>
+          <a:xfrm rot="10800000">
+            <a:off x="2181130" y="4607007"/>
+            <a:ext cx="4978425" cy="2067323"/>
+          </a:xfrm>
+          <a:prstGeom prst="cloud">
+            <a:avLst/>
+          </a:prstGeom>
+          <a:noFill/>
+          <a:ln w="28575" cmpd="sng"/>
+        </p:spPr>
+        <p:style>
+          <a:lnRef idx="1">
+            <a:schemeClr val="accent1"/>
+          </a:lnRef>
+          <a:fillRef idx="3">
+            <a:schemeClr val="accent1"/>
+          </a:fillRef>
+          <a:effectRef idx="2">
+            <a:schemeClr val="accent1"/>
+          </a:effectRef>
+          <a:fontRef idx="minor">
+            <a:schemeClr val="lt1"/>
+          </a:fontRef>
+        </p:style>
+        <p:txBody>
+          <a:bodyPr rtlCol="0" anchor="ctr"/>
+          <a:lstStyle/>
+          <a:p>
+            <a:pPr algn="ctr"/>
+            <a:endParaRPr lang="en-US"/>
+          </a:p>
+        </p:txBody>
+      </p:sp>
+      <p:sp>
+        <p:nvSpPr>
+          <p:cNvPr id="8" name="TextBox 7"/>
+          <p:cNvSpPr txBox="1"/>
+          <p:nvPr/>
+        </p:nvSpPr>
+        <p:spPr>
+          <a:xfrm>
+            <a:off x="3495313" y="5202833"/>
+            <a:ext cx="2444975" cy="923330"/>
+          </a:xfrm>
+          <a:prstGeom prst="rect">
+            <a:avLst/>
+          </a:prstGeom>
+          <a:noFill/>
+        </p:spPr>
+        <p:txBody>
+          <a:bodyPr wrap="none" rtlCol="0">
+            <a:spAutoFit/>
+          </a:bodyPr>
+          <a:lstStyle/>
+          <a:p>
+            <a:pPr algn="ctr"/>
+            <a:r>
+              <a:rPr lang="en-US" dirty="0" smtClean="0"/>
+              <a:t>Simplified maintenance</a:t>
+            </a:r>
+          </a:p>
+          <a:p>
+            <a:pPr algn="ctr"/>
+            <a:r>
+              <a:rPr lang="en-US" dirty="0" smtClean="0"/>
+              <a:t>Reliable</a:t>
+            </a:r>
+          </a:p>
+          <a:p>
+            <a:pPr algn="ctr"/>
+            <a:r>
+              <a:rPr lang="en-US" dirty="0" smtClean="0"/>
+              <a:t>Dependable</a:t>
+            </a:r>
+            <a:endParaRPr lang="en-US" dirty="0"/>
+          </a:p>
+        </p:txBody>
+      </p:sp>
+    </p:spTree>
+    <p:extLst>
+      <p:ext uri="{BB962C8B-B14F-4D97-AF65-F5344CB8AC3E}">
+        <p14:creationId xmlns:p14="http://schemas.microsoft.com/office/powerpoint/2010/main" val="3706993838"/>
+      </p:ext>
+    </p:extLst>
+  </p:cSld>
+  <p:clrMapOvr>
+    <a:masterClrMapping/>
+  </p:clrMapOvr>
+</p:sld>
+</file>
+
+<file path=ppt/slides/slide13.xml><?xml version="1.0" encoding="utf-8"?>
+<p:sld xmlns:a="http://schemas.openxmlformats.org/drawingml/2006/main" xmlns:r="http://schemas.openxmlformats.org/officeDocument/2006/relationships" xmlns:p="http://schemas.openxmlformats.org/presentationml/2006/main">
+  <p:cSld>
+    <p:spTree>
+      <p:nvGrpSpPr>
+        <p:cNvPr id="1" name=""/>
+        <p:cNvGrpSpPr/>
+        <p:nvPr/>
+      </p:nvGrpSpPr>
+      <p:grpSpPr>
+        <a:xfrm>
+          <a:off x="0" y="0"/>
+          <a:ext cx="0" cy="0"/>
+          <a:chOff x="0" y="0"/>
+          <a:chExt cx="0" cy="0"/>
+        </a:xfrm>
+      </p:grpSpPr>
+      <p:sp>
+        <p:nvSpPr>
+          <p:cNvPr id="2" name="Title 1"/>
+          <p:cNvSpPr>
+            <a:spLocks noGrp="1"/>
+          </p:cNvSpPr>
+          <p:nvPr>
+            <p:ph type="title"/>
+          </p:nvPr>
+        </p:nvSpPr>
+        <p:spPr/>
+        <p:txBody>
+          <a:bodyPr/>
+          <a:lstStyle/>
+          <a:p>
+            <a:r>
+              <a:rPr lang="en-US" dirty="0" smtClean="0"/>
+              <a:t>Platform-as-a-Service</a:t>
+            </a:r>
+            <a:endParaRPr lang="en-US" dirty="0"/>
+          </a:p>
+        </p:txBody>
+      </p:sp>
+      <p:sp>
+        <p:nvSpPr>
+          <p:cNvPr id="3" name="Content Placeholder 2"/>
+          <p:cNvSpPr>
+            <a:spLocks noGrp="1"/>
+          </p:cNvSpPr>
+          <p:nvPr>
+            <p:ph idx="1"/>
+          </p:nvPr>
+        </p:nvSpPr>
+        <p:spPr/>
+        <p:txBody>
+          <a:bodyPr/>
+          <a:lstStyle/>
+          <a:p>
+            <a:r>
+              <a:rPr lang="en-US" dirty="0" smtClean="0"/>
+              <a:t>Managed programming platform that hides</a:t>
+            </a:r>
+            <a:r>
+              <a:rPr lang="is-IS" dirty="0" smtClean="0"/>
+              <a:t>…</a:t>
+            </a:r>
+            <a:endParaRPr lang="en-US" dirty="0" smtClean="0"/>
+          </a:p>
+          <a:p>
+            <a:pPr lvl="1"/>
+            <a:r>
+              <a:rPr lang="en-US" dirty="0" smtClean="0"/>
+              <a:t>Infrastructure details</a:t>
+            </a:r>
+          </a:p>
+          <a:p>
+            <a:pPr lvl="1"/>
+            <a:r>
+              <a:rPr lang="en-US" dirty="0" smtClean="0"/>
+              <a:t>VM and OS details</a:t>
+            </a:r>
+          </a:p>
+          <a:p>
+            <a:r>
+              <a:rPr lang="en-US" dirty="0" smtClean="0"/>
+              <a:t>Provides abstractions for common application utilities</a:t>
+            </a:r>
+          </a:p>
+          <a:p>
+            <a:pPr lvl="1"/>
+            <a:r>
+              <a:rPr lang="en-US" dirty="0" smtClean="0"/>
+              <a:t>Data storage, caching, queuing, security etc.</a:t>
+            </a:r>
+          </a:p>
+          <a:p>
+            <a:r>
+              <a:rPr lang="en-US" dirty="0" smtClean="0"/>
+              <a:t>Google App Engine</a:t>
+            </a:r>
+            <a:endParaRPr lang="en-US" dirty="0"/>
+          </a:p>
+        </p:txBody>
+      </p:sp>
+    </p:spTree>
+    <p:extLst>
+      <p:ext uri="{BB962C8B-B14F-4D97-AF65-F5344CB8AC3E}">
+        <p14:creationId xmlns:p14="http://schemas.microsoft.com/office/powerpoint/2010/main" val="495904172"/>
+      </p:ext>
+    </p:extLst>
+  </p:cSld>
+  <p:clrMapOvr>
+    <a:masterClrMapping/>
+  </p:clrMapOvr>
+</p:sld>
+</file>
+
+<file path=ppt/slides/slide14.xml><?xml version="1.0" encoding="utf-8"?>
+<p:sld xmlns:a="http://schemas.openxmlformats.org/drawingml/2006/main" xmlns:r="http://schemas.openxmlformats.org/officeDocument/2006/relationships" xmlns:p="http://schemas.openxmlformats.org/presentationml/2006/main">
+  <p:cSld>
+    <p:spTree>
+      <p:nvGrpSpPr>
+        <p:cNvPr id="1" name=""/>
+        <p:cNvGrpSpPr/>
+        <p:nvPr/>
+      </p:nvGrpSpPr>
+      <p:grpSpPr>
+        <a:xfrm>
+          <a:off x="0" y="0"/>
+          <a:ext cx="0" cy="0"/>
+          <a:chOff x="0" y="0"/>
+          <a:chExt cx="0" cy="0"/>
+        </a:xfrm>
+      </p:grpSpPr>
+      <p:sp>
+        <p:nvSpPr>
+          <p:cNvPr id="2" name="Title 1"/>
+          <p:cNvSpPr>
+            <a:spLocks noGrp="1"/>
+          </p:cNvSpPr>
+          <p:nvPr>
+            <p:ph type="title"/>
+          </p:nvPr>
+        </p:nvSpPr>
+        <p:spPr/>
+        <p:txBody>
+          <a:bodyPr/>
+          <a:lstStyle/>
+          <a:p>
+            <a:r>
+              <a:rPr lang="en-US" dirty="0" err="1" smtClean="0"/>
+              <a:t>PaaS</a:t>
+            </a:r>
+            <a:r>
+              <a:rPr lang="en-US" dirty="0" smtClean="0"/>
+              <a:t> Application Model</a:t>
+            </a:r>
+            <a:endParaRPr lang="en-US" dirty="0"/>
+          </a:p>
+        </p:txBody>
+      </p:sp>
+      <p:pic>
+        <p:nvPicPr>
+          <p:cNvPr id="4" name="Content Placeholder 3" descr="cloud_app_model.png"/>
+          <p:cNvPicPr>
+            <a:picLocks noGrp="1" noChangeAspect="1"/>
+          </p:cNvPicPr>
+          <p:nvPr>
+            <p:ph idx="1"/>
+          </p:nvPr>
+        </p:nvPicPr>
+        <p:blipFill>
+          <a:blip r:embed="rId2">
+            <a:extLst>
+              <a:ext uri="{28A0092B-C50C-407E-A947-70E740481C1C}">
+                <a14:useLocalDpi xmlns:a14="http://schemas.microsoft.com/office/drawing/2010/main" val="0"/>
+              </a:ext>
+            </a:extLst>
+          </a:blip>
+          <a:srcRect l="-27444" r="-27444"/>
+          <a:stretch>
+            <a:fillRect/>
+          </a:stretch>
+        </p:blipFill>
+        <p:spPr/>
+      </p:pic>
+    </p:spTree>
+    <p:extLst>
+      <p:ext uri="{BB962C8B-B14F-4D97-AF65-F5344CB8AC3E}">
+        <p14:creationId xmlns:p14="http://schemas.microsoft.com/office/powerpoint/2010/main" val="2422575195"/>
+      </p:ext>
+    </p:extLst>
+  </p:cSld>
+  <p:clrMapOvr>
+    <a:masterClrMapping/>
+  </p:clrMapOvr>
+</p:sld>
+</file>
+
+<file path=ppt/slides/slide15.xml><?xml version="1.0" encoding="utf-8"?>
+<p:sld xmlns:a="http://schemas.openxmlformats.org/drawingml/2006/main" xmlns:r="http://schemas.openxmlformats.org/officeDocument/2006/relationships" xmlns:p="http://schemas.openxmlformats.org/presentationml/2006/main">
+  <p:cSld>
+    <p:spTree>
+      <p:nvGrpSpPr>
+        <p:cNvPr id="1" name=""/>
+        <p:cNvGrpSpPr/>
+        <p:nvPr/>
+      </p:nvGrpSpPr>
+      <p:grpSpPr>
+        <a:xfrm>
+          <a:off x="0" y="0"/>
+          <a:ext cx="0" cy="0"/>
+          <a:chOff x="0" y="0"/>
+          <a:chExt cx="0" cy="0"/>
+        </a:xfrm>
+      </p:grpSpPr>
+      <p:sp>
+        <p:nvSpPr>
+          <p:cNvPr id="2" name="Title 1"/>
+          <p:cNvSpPr>
+            <a:spLocks noGrp="1"/>
+          </p:cNvSpPr>
+          <p:nvPr>
+            <p:ph type="title"/>
+          </p:nvPr>
+        </p:nvSpPr>
+        <p:spPr/>
+        <p:txBody>
+          <a:bodyPr/>
+          <a:lstStyle/>
+          <a:p>
+            <a:r>
+              <a:rPr lang="en-US" dirty="0" smtClean="0"/>
+              <a:t>Why </a:t>
+            </a:r>
+            <a:r>
+              <a:rPr lang="en-US" dirty="0" err="1" smtClean="0"/>
+              <a:t>PaaS</a:t>
+            </a:r>
+            <a:r>
+              <a:rPr lang="en-US" dirty="0" smtClean="0"/>
+              <a:t> Clouds?</a:t>
+            </a:r>
+            <a:endParaRPr lang="en-US" dirty="0"/>
+          </a:p>
+        </p:txBody>
+      </p:sp>
+      <p:sp>
+        <p:nvSpPr>
+          <p:cNvPr id="3" name="Content Placeholder 2"/>
+          <p:cNvSpPr>
+            <a:spLocks noGrp="1"/>
+          </p:cNvSpPr>
+          <p:nvPr>
+            <p:ph idx="1"/>
+          </p:nvPr>
+        </p:nvSpPr>
+        <p:spPr/>
+        <p:txBody>
+          <a:bodyPr/>
+          <a:lstStyle/>
+          <a:p>
+            <a:r>
+              <a:rPr lang="en-US" dirty="0" smtClean="0"/>
+              <a:t>Our research questions directly impact </a:t>
+            </a:r>
+            <a:r>
+              <a:rPr lang="en-US" dirty="0" err="1" smtClean="0"/>
+              <a:t>PaaS</a:t>
+            </a:r>
+            <a:r>
+              <a:rPr lang="en-US" dirty="0" smtClean="0"/>
+              <a:t> clouds</a:t>
+            </a:r>
+          </a:p>
+          <a:p>
+            <a:r>
+              <a:rPr lang="en-US" dirty="0" smtClean="0"/>
+              <a:t>A large number of applications are already deployed in </a:t>
+            </a:r>
+            <a:r>
+              <a:rPr lang="en-US" dirty="0" err="1" smtClean="0"/>
+              <a:t>PaaS</a:t>
+            </a:r>
+            <a:r>
+              <a:rPr lang="en-US" dirty="0" smtClean="0"/>
+              <a:t> clouds</a:t>
+            </a:r>
+          </a:p>
+          <a:p>
+            <a:pPr lvl="1"/>
+            <a:r>
+              <a:rPr lang="en-US" dirty="0" smtClean="0"/>
+              <a:t>GAE: 1M</a:t>
+            </a:r>
+          </a:p>
+          <a:p>
+            <a:pPr lvl="1"/>
+            <a:r>
+              <a:rPr lang="en-US" dirty="0" err="1" smtClean="0"/>
+              <a:t>Heroku</a:t>
+            </a:r>
+            <a:r>
+              <a:rPr lang="en-US" dirty="0" smtClean="0"/>
+              <a:t>: 1.5M</a:t>
+            </a:r>
+          </a:p>
+          <a:p>
+            <a:endParaRPr lang="en-US" dirty="0"/>
+          </a:p>
+        </p:txBody>
+      </p:sp>
+    </p:spTree>
+    <p:extLst>
+      <p:ext uri="{BB962C8B-B14F-4D97-AF65-F5344CB8AC3E}">
+        <p14:creationId xmlns:p14="http://schemas.microsoft.com/office/powerpoint/2010/main" val="3390838659"/>
+      </p:ext>
+    </p:extLst>
+  </p:cSld>
+  <p:clrMapOvr>
+    <a:masterClrMapping/>
+  </p:clrMapOvr>
+</p:sld>
+</file>
+
+<file path=ppt/slides/slide16.xml><?xml version="1.0" encoding="utf-8"?>
+<p:sld xmlns:a="http://schemas.openxmlformats.org/drawingml/2006/main" xmlns:r="http://schemas.openxmlformats.org/officeDocument/2006/relationships" xmlns:p="http://schemas.openxmlformats.org/presentationml/2006/main">
+  <p:cSld>
+    <p:spTree>
+      <p:nvGrpSpPr>
+        <p:cNvPr id="1" name=""/>
+        <p:cNvGrpSpPr/>
+        <p:nvPr/>
+      </p:nvGrpSpPr>
+      <p:grpSpPr>
+        <a:xfrm>
+          <a:off x="0" y="0"/>
+          <a:ext cx="0" cy="0"/>
+          <a:chOff x="0" y="0"/>
+          <a:chExt cx="0" cy="0"/>
+        </a:xfrm>
+      </p:grpSpPr>
+      <p:sp>
+        <p:nvSpPr>
+          <p:cNvPr id="2" name="Title 1"/>
+          <p:cNvSpPr>
+            <a:spLocks noGrp="1"/>
+          </p:cNvSpPr>
+          <p:nvPr>
+            <p:ph type="title"/>
+          </p:nvPr>
+        </p:nvSpPr>
+        <p:spPr/>
+        <p:txBody>
+          <a:bodyPr/>
+          <a:lstStyle/>
+          <a:p>
+            <a:r>
+              <a:rPr lang="en-US" dirty="0" smtClean="0"/>
+              <a:t>Prelude to Proposal</a:t>
+            </a:r>
+            <a:endParaRPr lang="en-US" dirty="0"/>
+          </a:p>
+        </p:txBody>
+      </p:sp>
+      <p:sp>
+        <p:nvSpPr>
+          <p:cNvPr id="3" name="Content Placeholder 2"/>
+          <p:cNvSpPr>
+            <a:spLocks noGrp="1"/>
+          </p:cNvSpPr>
+          <p:nvPr>
+            <p:ph idx="1"/>
+          </p:nvPr>
+        </p:nvSpPr>
+        <p:spPr/>
+        <p:txBody>
+          <a:bodyPr/>
+          <a:lstStyle/>
+          <a:p>
+            <a:r>
+              <a:rPr lang="en-US" dirty="0" smtClean="0"/>
+              <a:t>Automated governance for </a:t>
+            </a:r>
+            <a:r>
+              <a:rPr lang="en-US" dirty="0" err="1" smtClean="0"/>
+              <a:t>PaaS</a:t>
+            </a:r>
+            <a:r>
+              <a:rPr lang="en-US" dirty="0" smtClean="0"/>
+              <a:t> clouds</a:t>
+            </a:r>
+          </a:p>
+          <a:p>
+            <a:pPr lvl="1"/>
+            <a:r>
+              <a:rPr lang="en-US" dirty="0" smtClean="0"/>
+              <a:t>Specifying/Learning acceptable operational parameters</a:t>
+            </a:r>
+          </a:p>
+          <a:p>
+            <a:pPr lvl="1"/>
+            <a:r>
+              <a:rPr lang="en-US" dirty="0" smtClean="0"/>
+              <a:t>Enforcing acceptable operational parameters</a:t>
+            </a:r>
+          </a:p>
+          <a:p>
+            <a:pPr lvl="1"/>
+            <a:r>
+              <a:rPr lang="en-US" dirty="0" smtClean="0"/>
+              <a:t>Monitoring and detecting deviations from acceptable behavior</a:t>
+            </a:r>
+          </a:p>
+          <a:p>
+            <a:pPr lvl="1"/>
+            <a:r>
+              <a:rPr lang="en-US" dirty="0" smtClean="0"/>
+              <a:t>Taking corrective/preventive action if necessary</a:t>
+            </a:r>
+            <a:endParaRPr lang="en-US" dirty="0"/>
+          </a:p>
+        </p:txBody>
+      </p:sp>
+    </p:spTree>
+    <p:extLst>
+      <p:ext uri="{BB962C8B-B14F-4D97-AF65-F5344CB8AC3E}">
+        <p14:creationId xmlns:p14="http://schemas.microsoft.com/office/powerpoint/2010/main" val="3485380567"/>
+      </p:ext>
+    </p:extLst>
+  </p:cSld>
+  <p:clrMapOvr>
+    <a:masterClrMapping/>
+  </p:clrMapOvr>
+</p:sld>
+</file>
+
 <file path=ppt/slides/slide2.xml><?xml version="1.0" encoding="utf-8"?>
 <p:sld xmlns:a="http://schemas.openxmlformats.org/drawingml/2006/main" xmlns:r="http://schemas.openxmlformats.org/officeDocument/2006/relationships" xmlns:p="http://schemas.openxmlformats.org/presentationml/2006/main">
   <p:cSld>
@@ -4140,15 +5047,7 @@
           <a:p>
             <a:r>
               <a:rPr lang="en-US" dirty="0" smtClean="0"/>
-              <a:t>Can we enforce design-time governance on web applications developed for a given Platform-as-a-Service cloud so as to ensure proper versioning, dependency management and conformance to other developer best practices, and also enforce run-time governance on them so as to automatically determine the expected runtime performance of the applications, detect SLA violations and detect performance anomalies and perform root cause analysis, with minimal developer </a:t>
-            </a:r>
-            <a:r>
-              <a:rPr lang="en-US" smtClean="0"/>
-              <a:t>intervention and no </a:t>
-            </a:r>
-            <a:r>
-              <a:rPr lang="en-US" dirty="0" smtClean="0"/>
-              <a:t>invasive instrumentation on the applications?</a:t>
+              <a:t>Can we enforce design-time governance on web applications developed for a given Platform-as-a-Service cloud so as to ensure proper versioning, dependency management and conformance to other developer best practices, and also enforce run-time governance on them so as to automatically determine the expected runtime performance of the applications, detect SLA violations and detect performance anomalies and perform root cause analysis, with minimal developer intervention and no invasive instrumentation on the applications?</a:t>
             </a:r>
           </a:p>
         </p:txBody>
@@ -4157,6 +5056,2024 @@
     <p:extLst>
       <p:ext uri="{BB962C8B-B14F-4D97-AF65-F5344CB8AC3E}">
         <p14:creationId xmlns:p14="http://schemas.microsoft.com/office/powerpoint/2010/main" val="1996961093"/>
+      </p:ext>
+    </p:extLst>
+  </p:cSld>
+  <p:clrMapOvr>
+    <a:masterClrMapping/>
+  </p:clrMapOvr>
+</p:sld>
+</file>
+
+<file path=ppt/slides/slide7.xml><?xml version="1.0" encoding="utf-8"?>
+<p:sld xmlns:a="http://schemas.openxmlformats.org/drawingml/2006/main" xmlns:r="http://schemas.openxmlformats.org/officeDocument/2006/relationships" xmlns:p="http://schemas.openxmlformats.org/presentationml/2006/main">
+  <p:cSld>
+    <p:spTree>
+      <p:nvGrpSpPr>
+        <p:cNvPr id="1" name=""/>
+        <p:cNvGrpSpPr/>
+        <p:nvPr/>
+      </p:nvGrpSpPr>
+      <p:grpSpPr>
+        <a:xfrm>
+          <a:off x="0" y="0"/>
+          <a:ext cx="0" cy="0"/>
+          <a:chOff x="0" y="0"/>
+          <a:chExt cx="0" cy="0"/>
+        </a:xfrm>
+      </p:grpSpPr>
+      <p:sp>
+        <p:nvSpPr>
+          <p:cNvPr id="2" name="Title 1"/>
+          <p:cNvSpPr>
+            <a:spLocks noGrp="1"/>
+          </p:cNvSpPr>
+          <p:nvPr>
+            <p:ph type="title"/>
+          </p:nvPr>
+        </p:nvSpPr>
+        <p:spPr/>
+        <p:txBody>
+          <a:bodyPr/>
+          <a:lstStyle/>
+          <a:p>
+            <a:r>
+              <a:rPr lang="en-US" dirty="0" smtClean="0"/>
+              <a:t>Cloud Computing</a:t>
+            </a:r>
+            <a:endParaRPr lang="en-US" dirty="0"/>
+          </a:p>
+        </p:txBody>
+      </p:sp>
+      <p:sp>
+        <p:nvSpPr>
+          <p:cNvPr id="4" name="Cloud 3"/>
+          <p:cNvSpPr/>
+          <p:nvPr/>
+        </p:nvSpPr>
+        <p:spPr>
+          <a:xfrm rot="10800000">
+            <a:off x="313427" y="3511493"/>
+            <a:ext cx="6348073" cy="3088123"/>
+          </a:xfrm>
+          <a:prstGeom prst="cloud">
+            <a:avLst/>
+          </a:prstGeom>
+          <a:noFill/>
+          <a:ln w="28575" cmpd="sng"/>
+        </p:spPr>
+        <p:style>
+          <a:lnRef idx="1">
+            <a:schemeClr val="accent1"/>
+          </a:lnRef>
+          <a:fillRef idx="3">
+            <a:schemeClr val="accent1"/>
+          </a:fillRef>
+          <a:effectRef idx="2">
+            <a:schemeClr val="accent1"/>
+          </a:effectRef>
+          <a:fontRef idx="minor">
+            <a:schemeClr val="lt1"/>
+          </a:fontRef>
+        </p:style>
+        <p:txBody>
+          <a:bodyPr rtlCol="0" anchor="ctr"/>
+          <a:lstStyle/>
+          <a:p>
+            <a:pPr algn="ctr"/>
+            <a:endParaRPr lang="en-US"/>
+          </a:p>
+        </p:txBody>
+      </p:sp>
+      <p:sp>
+        <p:nvSpPr>
+          <p:cNvPr id="5" name="Rectangle 4"/>
+          <p:cNvSpPr/>
+          <p:nvPr/>
+        </p:nvSpPr>
+        <p:spPr>
+          <a:xfrm>
+            <a:off x="1533678" y="5441569"/>
+            <a:ext cx="3996901" cy="610154"/>
+          </a:xfrm>
+          <a:prstGeom prst="rect">
+            <a:avLst/>
+          </a:prstGeom>
+        </p:spPr>
+        <p:style>
+          <a:lnRef idx="1">
+            <a:schemeClr val="accent1"/>
+          </a:lnRef>
+          <a:fillRef idx="3">
+            <a:schemeClr val="accent1"/>
+          </a:fillRef>
+          <a:effectRef idx="2">
+            <a:schemeClr val="accent1"/>
+          </a:effectRef>
+          <a:fontRef idx="minor">
+            <a:schemeClr val="lt1"/>
+          </a:fontRef>
+        </p:style>
+        <p:txBody>
+          <a:bodyPr rtlCol="0" anchor="ctr"/>
+          <a:lstStyle/>
+          <a:p>
+            <a:pPr algn="ctr"/>
+            <a:r>
+              <a:rPr lang="en-US" dirty="0" smtClean="0"/>
+              <a:t>Managed Infrastructure</a:t>
+            </a:r>
+            <a:endParaRPr lang="en-US" dirty="0"/>
+          </a:p>
+        </p:txBody>
+      </p:sp>
+      <p:sp>
+        <p:nvSpPr>
+          <p:cNvPr id="6" name="Rectangle 5"/>
+          <p:cNvSpPr/>
+          <p:nvPr/>
+        </p:nvSpPr>
+        <p:spPr>
+          <a:xfrm>
+            <a:off x="1876091" y="4831412"/>
+            <a:ext cx="3312074" cy="610154"/>
+          </a:xfrm>
+          <a:prstGeom prst="rect">
+            <a:avLst/>
+          </a:prstGeom>
+        </p:spPr>
+        <p:style>
+          <a:lnRef idx="1">
+            <a:schemeClr val="accent1"/>
+          </a:lnRef>
+          <a:fillRef idx="3">
+            <a:schemeClr val="accent1"/>
+          </a:fillRef>
+          <a:effectRef idx="2">
+            <a:schemeClr val="accent1"/>
+          </a:effectRef>
+          <a:fontRef idx="minor">
+            <a:schemeClr val="lt1"/>
+          </a:fontRef>
+        </p:style>
+        <p:txBody>
+          <a:bodyPr rtlCol="0" anchor="ctr"/>
+          <a:lstStyle/>
+          <a:p>
+            <a:pPr algn="ctr"/>
+            <a:r>
+              <a:rPr lang="en-US" dirty="0" smtClean="0"/>
+              <a:t>Managed Programming Platform</a:t>
+            </a:r>
+            <a:endParaRPr lang="en-US" dirty="0"/>
+          </a:p>
+        </p:txBody>
+      </p:sp>
+      <p:sp>
+        <p:nvSpPr>
+          <p:cNvPr id="7" name="Rectangle 6"/>
+          <p:cNvSpPr/>
+          <p:nvPr/>
+        </p:nvSpPr>
+        <p:spPr>
+          <a:xfrm>
+            <a:off x="2249633" y="4221258"/>
+            <a:ext cx="2564990" cy="610154"/>
+          </a:xfrm>
+          <a:prstGeom prst="rect">
+            <a:avLst/>
+          </a:prstGeom>
+        </p:spPr>
+        <p:style>
+          <a:lnRef idx="1">
+            <a:schemeClr val="accent1"/>
+          </a:lnRef>
+          <a:fillRef idx="3">
+            <a:schemeClr val="accent1"/>
+          </a:fillRef>
+          <a:effectRef idx="2">
+            <a:schemeClr val="accent1"/>
+          </a:effectRef>
+          <a:fontRef idx="minor">
+            <a:schemeClr val="lt1"/>
+          </a:fontRef>
+        </p:style>
+        <p:txBody>
+          <a:bodyPr rtlCol="0" anchor="ctr"/>
+          <a:lstStyle/>
+          <a:p>
+            <a:pPr algn="ctr"/>
+            <a:r>
+              <a:rPr lang="en-US" dirty="0" smtClean="0"/>
+              <a:t>Managed Application </a:t>
+            </a:r>
+            <a:endParaRPr lang="en-US" dirty="0"/>
+          </a:p>
+        </p:txBody>
+      </p:sp>
+      <p:sp>
+        <p:nvSpPr>
+          <p:cNvPr id="9" name="Right Brace 8"/>
+          <p:cNvSpPr/>
+          <p:nvPr/>
+        </p:nvSpPr>
+        <p:spPr>
+          <a:xfrm>
+            <a:off x="6819095" y="3513368"/>
+            <a:ext cx="276068" cy="3088124"/>
+          </a:xfrm>
+          <a:prstGeom prst="rightBrace">
+            <a:avLst/>
+          </a:prstGeom>
+        </p:spPr>
+        <p:style>
+          <a:lnRef idx="2">
+            <a:schemeClr val="accent1"/>
+          </a:lnRef>
+          <a:fillRef idx="0">
+            <a:schemeClr val="accent1"/>
+          </a:fillRef>
+          <a:effectRef idx="1">
+            <a:schemeClr val="accent1"/>
+          </a:effectRef>
+          <a:fontRef idx="minor">
+            <a:schemeClr val="tx1"/>
+          </a:fontRef>
+        </p:style>
+        <p:txBody>
+          <a:bodyPr rtlCol="0" anchor="ctr"/>
+          <a:lstStyle/>
+          <a:p>
+            <a:pPr algn="ctr"/>
+            <a:endParaRPr lang="en-US"/>
+          </a:p>
+        </p:txBody>
+      </p:sp>
+      <p:sp>
+        <p:nvSpPr>
+          <p:cNvPr id="10" name="TextBox 9"/>
+          <p:cNvSpPr txBox="1"/>
+          <p:nvPr/>
+        </p:nvSpPr>
+        <p:spPr>
+          <a:xfrm>
+            <a:off x="7294379" y="4395588"/>
+            <a:ext cx="1695528" cy="1477328"/>
+          </a:xfrm>
+          <a:prstGeom prst="rect">
+            <a:avLst/>
+          </a:prstGeom>
+          <a:noFill/>
+        </p:spPr>
+        <p:txBody>
+          <a:bodyPr wrap="square" rtlCol="0">
+            <a:spAutoFit/>
+          </a:bodyPr>
+          <a:lstStyle/>
+          <a:p>
+            <a:r>
+              <a:rPr lang="en-US" dirty="0" smtClean="0"/>
+              <a:t>Scalability</a:t>
+            </a:r>
+          </a:p>
+          <a:p>
+            <a:r>
+              <a:rPr lang="en-US" dirty="0" smtClean="0"/>
+              <a:t>High availability</a:t>
+            </a:r>
+          </a:p>
+          <a:p>
+            <a:r>
+              <a:rPr lang="en-US" dirty="0" smtClean="0"/>
+              <a:t>Ease of use</a:t>
+            </a:r>
+          </a:p>
+          <a:p>
+            <a:r>
+              <a:rPr lang="en-US" dirty="0" smtClean="0"/>
+              <a:t>Cost effective</a:t>
+            </a:r>
+          </a:p>
+          <a:p>
+            <a:endParaRPr lang="en-US" dirty="0"/>
+          </a:p>
+        </p:txBody>
+      </p:sp>
+      <p:pic>
+        <p:nvPicPr>
+          <p:cNvPr id="11" name="Picture 10" descr="company.png"/>
+          <p:cNvPicPr>
+            <a:picLocks noChangeAspect="1"/>
+          </p:cNvPicPr>
+          <p:nvPr/>
+        </p:nvPicPr>
+        <p:blipFill>
+          <a:blip r:embed="rId2">
+            <a:extLst>
+              <a:ext uri="{28A0092B-C50C-407E-A947-70E740481C1C}">
+                <a14:useLocalDpi xmlns:a14="http://schemas.microsoft.com/office/drawing/2010/main" val="0"/>
+              </a:ext>
+            </a:extLst>
+          </a:blip>
+          <a:stretch>
+            <a:fillRect/>
+          </a:stretch>
+        </p:blipFill>
+        <p:spPr>
+          <a:xfrm>
+            <a:off x="457200" y="1591962"/>
+            <a:ext cx="1371600" cy="1371600"/>
+          </a:xfrm>
+          <a:prstGeom prst="rect">
+            <a:avLst/>
+          </a:prstGeom>
+        </p:spPr>
+      </p:pic>
+      <p:pic>
+        <p:nvPicPr>
+          <p:cNvPr id="12" name="Picture 11" descr="scientist-icon-53575.png"/>
+          <p:cNvPicPr>
+            <a:picLocks noChangeAspect="1"/>
+          </p:cNvPicPr>
+          <p:nvPr/>
+        </p:nvPicPr>
+        <p:blipFill>
+          <a:blip r:embed="rId3">
+            <a:extLst>
+              <a:ext uri="{28A0092B-C50C-407E-A947-70E740481C1C}">
+                <a14:useLocalDpi xmlns:a14="http://schemas.microsoft.com/office/drawing/2010/main" val="0"/>
+              </a:ext>
+            </a:extLst>
+          </a:blip>
+          <a:stretch>
+            <a:fillRect/>
+          </a:stretch>
+        </p:blipFill>
+        <p:spPr>
+          <a:xfrm>
+            <a:off x="2884143" y="1591962"/>
+            <a:ext cx="1371600" cy="1371600"/>
+          </a:xfrm>
+          <a:prstGeom prst="rect">
+            <a:avLst/>
+          </a:prstGeom>
+        </p:spPr>
+      </p:pic>
+      <p:pic>
+        <p:nvPicPr>
+          <p:cNvPr id="13" name="Picture 12" descr="mobile_user_400_clr_9132-262x300.png"/>
+          <p:cNvPicPr>
+            <a:picLocks noChangeAspect="1"/>
+          </p:cNvPicPr>
+          <p:nvPr/>
+        </p:nvPicPr>
+        <p:blipFill>
+          <a:blip r:embed="rId4">
+            <a:extLst>
+              <a:ext uri="{28A0092B-C50C-407E-A947-70E740481C1C}">
+                <a14:useLocalDpi xmlns:a14="http://schemas.microsoft.com/office/drawing/2010/main" val="0"/>
+              </a:ext>
+            </a:extLst>
+          </a:blip>
+          <a:stretch>
+            <a:fillRect/>
+          </a:stretch>
+        </p:blipFill>
+        <p:spPr>
+          <a:xfrm>
+            <a:off x="5188165" y="1591962"/>
+            <a:ext cx="1197864" cy="1371600"/>
+          </a:xfrm>
+          <a:prstGeom prst="rect">
+            <a:avLst/>
+          </a:prstGeom>
+        </p:spPr>
+      </p:pic>
+      <p:sp>
+        <p:nvSpPr>
+          <p:cNvPr id="14" name="Down Arrow 13"/>
+          <p:cNvSpPr/>
+          <p:nvPr/>
+        </p:nvSpPr>
+        <p:spPr>
+          <a:xfrm>
+            <a:off x="3473942" y="2963562"/>
+            <a:ext cx="298833" cy="423412"/>
+          </a:xfrm>
+          <a:prstGeom prst="downArrow">
+            <a:avLst/>
+          </a:prstGeom>
+        </p:spPr>
+        <p:style>
+          <a:lnRef idx="1">
+            <a:schemeClr val="accent1"/>
+          </a:lnRef>
+          <a:fillRef idx="3">
+            <a:schemeClr val="accent1"/>
+          </a:fillRef>
+          <a:effectRef idx="2">
+            <a:schemeClr val="accent1"/>
+          </a:effectRef>
+          <a:fontRef idx="minor">
+            <a:schemeClr val="lt1"/>
+          </a:fontRef>
+        </p:style>
+        <p:txBody>
+          <a:bodyPr rtlCol="0" anchor="ctr"/>
+          <a:lstStyle/>
+          <a:p>
+            <a:pPr algn="ctr"/>
+            <a:endParaRPr lang="en-US"/>
+          </a:p>
+        </p:txBody>
+      </p:sp>
+      <p:sp>
+        <p:nvSpPr>
+          <p:cNvPr id="16" name="Down Arrow 15"/>
+          <p:cNvSpPr/>
+          <p:nvPr/>
+        </p:nvSpPr>
+        <p:spPr>
+          <a:xfrm rot="18898302">
+            <a:off x="1612941" y="2979107"/>
+            <a:ext cx="301752" cy="698938"/>
+          </a:xfrm>
+          <a:prstGeom prst="downArrow">
+            <a:avLst/>
+          </a:prstGeom>
+        </p:spPr>
+        <p:style>
+          <a:lnRef idx="1">
+            <a:schemeClr val="accent1"/>
+          </a:lnRef>
+          <a:fillRef idx="3">
+            <a:schemeClr val="accent1"/>
+          </a:fillRef>
+          <a:effectRef idx="2">
+            <a:schemeClr val="accent1"/>
+          </a:effectRef>
+          <a:fontRef idx="minor">
+            <a:schemeClr val="lt1"/>
+          </a:fontRef>
+        </p:style>
+        <p:txBody>
+          <a:bodyPr rtlCol="0" anchor="ctr"/>
+          <a:lstStyle/>
+          <a:p>
+            <a:pPr algn="ctr"/>
+            <a:endParaRPr lang="en-US"/>
+          </a:p>
+        </p:txBody>
+      </p:sp>
+      <p:sp>
+        <p:nvSpPr>
+          <p:cNvPr id="17" name="Down Arrow 16"/>
+          <p:cNvSpPr/>
+          <p:nvPr/>
+        </p:nvSpPr>
+        <p:spPr>
+          <a:xfrm rot="3352521" flipH="1">
+            <a:off x="5131914" y="2934330"/>
+            <a:ext cx="301752" cy="702177"/>
+          </a:xfrm>
+          <a:prstGeom prst="downArrow">
+            <a:avLst/>
+          </a:prstGeom>
+        </p:spPr>
+        <p:style>
+          <a:lnRef idx="1">
+            <a:schemeClr val="accent1"/>
+          </a:lnRef>
+          <a:fillRef idx="3">
+            <a:schemeClr val="accent1"/>
+          </a:fillRef>
+          <a:effectRef idx="2">
+            <a:schemeClr val="accent1"/>
+          </a:effectRef>
+          <a:fontRef idx="minor">
+            <a:schemeClr val="lt1"/>
+          </a:fontRef>
+        </p:style>
+        <p:txBody>
+          <a:bodyPr rtlCol="0" anchor="ctr"/>
+          <a:lstStyle/>
+          <a:p>
+            <a:pPr algn="ctr"/>
+            <a:endParaRPr lang="en-US"/>
+          </a:p>
+        </p:txBody>
+      </p:sp>
+    </p:spTree>
+    <p:extLst>
+      <p:ext uri="{BB962C8B-B14F-4D97-AF65-F5344CB8AC3E}">
+        <p14:creationId xmlns:p14="http://schemas.microsoft.com/office/powerpoint/2010/main" val="673055693"/>
+      </p:ext>
+    </p:extLst>
+  </p:cSld>
+  <p:clrMapOvr>
+    <a:masterClrMapping/>
+  </p:clrMapOvr>
+</p:sld>
+</file>
+
+<file path=ppt/slides/slide8.xml><?xml version="1.0" encoding="utf-8"?>
+<p:sld xmlns:a="http://schemas.openxmlformats.org/drawingml/2006/main" xmlns:r="http://schemas.openxmlformats.org/officeDocument/2006/relationships" xmlns:p="http://schemas.openxmlformats.org/presentationml/2006/main">
+  <p:cSld>
+    <p:spTree>
+      <p:nvGrpSpPr>
+        <p:cNvPr id="1" name=""/>
+        <p:cNvGrpSpPr/>
+        <p:nvPr/>
+      </p:nvGrpSpPr>
+      <p:grpSpPr>
+        <a:xfrm>
+          <a:off x="0" y="0"/>
+          <a:ext cx="0" cy="0"/>
+          <a:chOff x="0" y="0"/>
+          <a:chExt cx="0" cy="0"/>
+        </a:xfrm>
+      </p:grpSpPr>
+      <p:sp>
+        <p:nvSpPr>
+          <p:cNvPr id="2" name="Title 1"/>
+          <p:cNvSpPr>
+            <a:spLocks noGrp="1"/>
+          </p:cNvSpPr>
+          <p:nvPr>
+            <p:ph type="title"/>
+          </p:nvPr>
+        </p:nvSpPr>
+        <p:spPr/>
+        <p:txBody>
+          <a:bodyPr/>
+          <a:lstStyle/>
+          <a:p>
+            <a:r>
+              <a:rPr lang="en-US" dirty="0" smtClean="0"/>
+              <a:t>Aftermath</a:t>
+            </a:r>
+            <a:endParaRPr lang="en-US" dirty="0"/>
+          </a:p>
+        </p:txBody>
+      </p:sp>
+      <p:cxnSp>
+        <p:nvCxnSpPr>
+          <p:cNvPr id="5" name="Straight Connector 4"/>
+          <p:cNvCxnSpPr/>
+          <p:nvPr/>
+        </p:nvCxnSpPr>
+        <p:spPr>
+          <a:xfrm flipH="1">
+            <a:off x="3031399" y="1730843"/>
+            <a:ext cx="24902" cy="5030600"/>
+          </a:xfrm>
+          <a:prstGeom prst="line">
+            <a:avLst/>
+          </a:prstGeom>
+        </p:spPr>
+        <p:style>
+          <a:lnRef idx="2">
+            <a:schemeClr val="accent1"/>
+          </a:lnRef>
+          <a:fillRef idx="0">
+            <a:schemeClr val="accent1"/>
+          </a:fillRef>
+          <a:effectRef idx="1">
+            <a:schemeClr val="accent1"/>
+          </a:effectRef>
+          <a:fontRef idx="minor">
+            <a:schemeClr val="tx1"/>
+          </a:fontRef>
+        </p:style>
+      </p:cxnSp>
+      <p:pic>
+        <p:nvPicPr>
+          <p:cNvPr id="8" name="Picture 7" descr="aws.png"/>
+          <p:cNvPicPr>
+            <a:picLocks noChangeAspect="1"/>
+          </p:cNvPicPr>
+          <p:nvPr/>
+        </p:nvPicPr>
+        <p:blipFill>
+          <a:blip r:embed="rId2">
+            <a:extLst>
+              <a:ext uri="{28A0092B-C50C-407E-A947-70E740481C1C}">
+                <a14:useLocalDpi xmlns:a14="http://schemas.microsoft.com/office/drawing/2010/main" val="0"/>
+              </a:ext>
+            </a:extLst>
+          </a:blip>
+          <a:stretch>
+            <a:fillRect/>
+          </a:stretch>
+        </p:blipFill>
+        <p:spPr>
+          <a:xfrm>
+            <a:off x="-149412" y="1181048"/>
+            <a:ext cx="1957400" cy="1957400"/>
+          </a:xfrm>
+          <a:prstGeom prst="rect">
+            <a:avLst/>
+          </a:prstGeom>
+        </p:spPr>
+      </p:pic>
+      <p:pic>
+        <p:nvPicPr>
+          <p:cNvPr id="9" name="Picture 8" descr="Google-CloudPlatform_VerticalLockup.png"/>
+          <p:cNvPicPr>
+            <a:picLocks noChangeAspect="1"/>
+          </p:cNvPicPr>
+          <p:nvPr/>
+        </p:nvPicPr>
+        <p:blipFill>
+          <a:blip r:embed="rId3">
+            <a:extLst>
+              <a:ext uri="{28A0092B-C50C-407E-A947-70E740481C1C}">
+                <a14:useLocalDpi xmlns:a14="http://schemas.microsoft.com/office/drawing/2010/main" val="0"/>
+              </a:ext>
+            </a:extLst>
+          </a:blip>
+          <a:stretch>
+            <a:fillRect/>
+          </a:stretch>
+        </p:blipFill>
+        <p:spPr>
+          <a:xfrm>
+            <a:off x="-151935" y="2739465"/>
+            <a:ext cx="1998701" cy="1399248"/>
+          </a:xfrm>
+          <a:prstGeom prst="rect">
+            <a:avLst/>
+          </a:prstGeom>
+        </p:spPr>
+      </p:pic>
+      <p:pic>
+        <p:nvPicPr>
+          <p:cNvPr id="10" name="Picture 9" descr="salesforce.png"/>
+          <p:cNvPicPr>
+            <a:picLocks noChangeAspect="1"/>
+          </p:cNvPicPr>
+          <p:nvPr/>
+        </p:nvPicPr>
+        <p:blipFill>
+          <a:blip r:embed="rId4">
+            <a:extLst>
+              <a:ext uri="{28A0092B-C50C-407E-A947-70E740481C1C}">
+                <a14:useLocalDpi xmlns:a14="http://schemas.microsoft.com/office/drawing/2010/main" val="0"/>
+              </a:ext>
+            </a:extLst>
+          </a:blip>
+          <a:stretch>
+            <a:fillRect/>
+          </a:stretch>
+        </p:blipFill>
+        <p:spPr>
+          <a:xfrm>
+            <a:off x="1566260" y="1938495"/>
+            <a:ext cx="1108855" cy="776585"/>
+          </a:xfrm>
+          <a:prstGeom prst="rect">
+            <a:avLst/>
+          </a:prstGeom>
+        </p:spPr>
+      </p:pic>
+      <p:pic>
+        <p:nvPicPr>
+          <p:cNvPr id="11" name="Picture 10" descr="Heroku.png"/>
+          <p:cNvPicPr>
+            <a:picLocks noChangeAspect="1"/>
+          </p:cNvPicPr>
+          <p:nvPr/>
+        </p:nvPicPr>
+        <p:blipFill>
+          <a:blip r:embed="rId5">
+            <a:extLst>
+              <a:ext uri="{28A0092B-C50C-407E-A947-70E740481C1C}">
+                <a14:useLocalDpi xmlns:a14="http://schemas.microsoft.com/office/drawing/2010/main" val="0"/>
+              </a:ext>
+            </a:extLst>
+          </a:blip>
+          <a:stretch>
+            <a:fillRect/>
+          </a:stretch>
+        </p:blipFill>
+        <p:spPr>
+          <a:xfrm>
+            <a:off x="343581" y="3885250"/>
+            <a:ext cx="2233860" cy="943185"/>
+          </a:xfrm>
+          <a:prstGeom prst="rect">
+            <a:avLst/>
+          </a:prstGeom>
+        </p:spPr>
+      </p:pic>
+      <p:pic>
+        <p:nvPicPr>
+          <p:cNvPr id="12" name="Picture 11" descr="azure.png"/>
+          <p:cNvPicPr>
+            <a:picLocks noChangeAspect="1"/>
+          </p:cNvPicPr>
+          <p:nvPr/>
+        </p:nvPicPr>
+        <p:blipFill>
+          <a:blip r:embed="rId6">
+            <a:extLst>
+              <a:ext uri="{28A0092B-C50C-407E-A947-70E740481C1C}">
+                <a14:useLocalDpi xmlns:a14="http://schemas.microsoft.com/office/drawing/2010/main" val="0"/>
+              </a:ext>
+            </a:extLst>
+          </a:blip>
+          <a:stretch>
+            <a:fillRect/>
+          </a:stretch>
+        </p:blipFill>
+        <p:spPr>
+          <a:xfrm>
+            <a:off x="124830" y="4629203"/>
+            <a:ext cx="1565208" cy="1173906"/>
+          </a:xfrm>
+          <a:prstGeom prst="rect">
+            <a:avLst/>
+          </a:prstGeom>
+        </p:spPr>
+      </p:pic>
+      <p:pic>
+        <p:nvPicPr>
+          <p:cNvPr id="13" name="Picture 12" descr="euca.png"/>
+          <p:cNvPicPr>
+            <a:picLocks noChangeAspect="1"/>
+          </p:cNvPicPr>
+          <p:nvPr/>
+        </p:nvPicPr>
+        <p:blipFill>
+          <a:blip r:embed="rId7">
+            <a:extLst>
+              <a:ext uri="{28A0092B-C50C-407E-A947-70E740481C1C}">
+                <a14:useLocalDpi xmlns:a14="http://schemas.microsoft.com/office/drawing/2010/main" val="0"/>
+              </a:ext>
+            </a:extLst>
+          </a:blip>
+          <a:stretch>
+            <a:fillRect/>
+          </a:stretch>
+        </p:blipFill>
+        <p:spPr>
+          <a:xfrm>
+            <a:off x="436108" y="5628614"/>
+            <a:ext cx="2089145" cy="423702"/>
+          </a:xfrm>
+          <a:prstGeom prst="rect">
+            <a:avLst/>
+          </a:prstGeom>
+        </p:spPr>
+      </p:pic>
+      <p:pic>
+        <p:nvPicPr>
+          <p:cNvPr id="14" name="Picture 13" descr="appscale.png"/>
+          <p:cNvPicPr>
+            <a:picLocks noChangeAspect="1"/>
+          </p:cNvPicPr>
+          <p:nvPr/>
+        </p:nvPicPr>
+        <p:blipFill>
+          <a:blip r:embed="rId8">
+            <a:extLst>
+              <a:ext uri="{28A0092B-C50C-407E-A947-70E740481C1C}">
+                <a14:useLocalDpi xmlns:a14="http://schemas.microsoft.com/office/drawing/2010/main" val="0"/>
+              </a:ext>
+            </a:extLst>
+          </a:blip>
+          <a:stretch>
+            <a:fillRect/>
+          </a:stretch>
+        </p:blipFill>
+        <p:spPr>
+          <a:xfrm>
+            <a:off x="1844357" y="4636740"/>
+            <a:ext cx="888654" cy="888654"/>
+          </a:xfrm>
+          <a:prstGeom prst="rect">
+            <a:avLst/>
+          </a:prstGeom>
+        </p:spPr>
+      </p:pic>
+      <p:pic>
+        <p:nvPicPr>
+          <p:cNvPr id="15" name="Picture 14" descr="vmware-logo.png"/>
+          <p:cNvPicPr>
+            <a:picLocks noChangeAspect="1"/>
+          </p:cNvPicPr>
+          <p:nvPr/>
+        </p:nvPicPr>
+        <p:blipFill>
+          <a:blip r:embed="rId9">
+            <a:extLst>
+              <a:ext uri="{28A0092B-C50C-407E-A947-70E740481C1C}">
+                <a14:useLocalDpi xmlns:a14="http://schemas.microsoft.com/office/drawing/2010/main" val="0"/>
+              </a:ext>
+            </a:extLst>
+          </a:blip>
+          <a:stretch>
+            <a:fillRect/>
+          </a:stretch>
+        </p:blipFill>
+        <p:spPr>
+          <a:xfrm>
+            <a:off x="1736985" y="2802244"/>
+            <a:ext cx="1103398" cy="797665"/>
+          </a:xfrm>
+          <a:prstGeom prst="rect">
+            <a:avLst/>
+          </a:prstGeom>
+        </p:spPr>
+      </p:pic>
+      <p:pic>
+        <p:nvPicPr>
+          <p:cNvPr id="16" name="Picture 15" descr="The_OpenStack_logo.svg.png"/>
+          <p:cNvPicPr>
+            <a:picLocks noChangeAspect="1"/>
+          </p:cNvPicPr>
+          <p:nvPr/>
+        </p:nvPicPr>
+        <p:blipFill>
+          <a:blip r:embed="rId10">
+            <a:extLst>
+              <a:ext uri="{28A0092B-C50C-407E-A947-70E740481C1C}">
+                <a14:useLocalDpi xmlns:a14="http://schemas.microsoft.com/office/drawing/2010/main" val="0"/>
+              </a:ext>
+            </a:extLst>
+          </a:blip>
+          <a:stretch>
+            <a:fillRect/>
+          </a:stretch>
+        </p:blipFill>
+        <p:spPr>
+          <a:xfrm>
+            <a:off x="447358" y="6052316"/>
+            <a:ext cx="805684" cy="805684"/>
+          </a:xfrm>
+          <a:prstGeom prst="rect">
+            <a:avLst/>
+          </a:prstGeom>
+        </p:spPr>
+      </p:pic>
+      <p:pic>
+        <p:nvPicPr>
+          <p:cNvPr id="17" name="Picture 16" descr="HP_Helion_cloud_icon.jpg"/>
+          <p:cNvPicPr>
+            <a:picLocks noChangeAspect="1"/>
+          </p:cNvPicPr>
+          <p:nvPr/>
+        </p:nvPicPr>
+        <p:blipFill>
+          <a:blip r:embed="rId11">
+            <a:extLst>
+              <a:ext uri="{28A0092B-C50C-407E-A947-70E740481C1C}">
+                <a14:useLocalDpi xmlns:a14="http://schemas.microsoft.com/office/drawing/2010/main" val="0"/>
+              </a:ext>
+            </a:extLst>
+          </a:blip>
+          <a:stretch>
+            <a:fillRect/>
+          </a:stretch>
+        </p:blipFill>
+        <p:spPr>
+          <a:xfrm>
+            <a:off x="1483424" y="6163846"/>
+            <a:ext cx="1041829" cy="597597"/>
+          </a:xfrm>
+          <a:prstGeom prst="rect">
+            <a:avLst/>
+          </a:prstGeom>
+        </p:spPr>
+      </p:pic>
+      <p:cxnSp>
+        <p:nvCxnSpPr>
+          <p:cNvPr id="19" name="Straight Connector 18"/>
+          <p:cNvCxnSpPr/>
+          <p:nvPr/>
+        </p:nvCxnSpPr>
+        <p:spPr>
+          <a:xfrm flipH="1">
+            <a:off x="6087700" y="1731359"/>
+            <a:ext cx="24902" cy="5030600"/>
+          </a:xfrm>
+          <a:prstGeom prst="line">
+            <a:avLst/>
+          </a:prstGeom>
+        </p:spPr>
+        <p:style>
+          <a:lnRef idx="2">
+            <a:schemeClr val="accent1"/>
+          </a:lnRef>
+          <a:fillRef idx="0">
+            <a:schemeClr val="accent1"/>
+          </a:fillRef>
+          <a:effectRef idx="1">
+            <a:schemeClr val="accent1"/>
+          </a:effectRef>
+          <a:fontRef idx="minor">
+            <a:schemeClr val="tx1"/>
+          </a:fontRef>
+        </p:style>
+      </p:cxnSp>
+      <p:pic>
+        <p:nvPicPr>
+          <p:cNvPr id="20" name="Picture 19" descr="airbnb.png"/>
+          <p:cNvPicPr>
+            <a:picLocks noChangeAspect="1"/>
+          </p:cNvPicPr>
+          <p:nvPr/>
+        </p:nvPicPr>
+        <p:blipFill>
+          <a:blip r:embed="rId12">
+            <a:extLst>
+              <a:ext uri="{28A0092B-C50C-407E-A947-70E740481C1C}">
+                <a14:useLocalDpi xmlns:a14="http://schemas.microsoft.com/office/drawing/2010/main" val="0"/>
+              </a:ext>
+            </a:extLst>
+          </a:blip>
+          <a:stretch>
+            <a:fillRect/>
+          </a:stretch>
+        </p:blipFill>
+        <p:spPr>
+          <a:xfrm>
+            <a:off x="3162658" y="1993079"/>
+            <a:ext cx="1780550" cy="556422"/>
+          </a:xfrm>
+          <a:prstGeom prst="rect">
+            <a:avLst/>
+          </a:prstGeom>
+        </p:spPr>
+      </p:pic>
+      <p:pic>
+        <p:nvPicPr>
+          <p:cNvPr id="22" name="Picture 21" descr="bmw-logo.jpg"/>
+          <p:cNvPicPr>
+            <a:picLocks noChangeAspect="1"/>
+          </p:cNvPicPr>
+          <p:nvPr/>
+        </p:nvPicPr>
+        <p:blipFill>
+          <a:blip r:embed="rId13">
+            <a:extLst>
+              <a:ext uri="{28A0092B-C50C-407E-A947-70E740481C1C}">
+                <a14:useLocalDpi xmlns:a14="http://schemas.microsoft.com/office/drawing/2010/main" val="0"/>
+              </a:ext>
+            </a:extLst>
+          </a:blip>
+          <a:stretch>
+            <a:fillRect/>
+          </a:stretch>
+        </p:blipFill>
+        <p:spPr>
+          <a:xfrm>
+            <a:off x="5092519" y="1803115"/>
+            <a:ext cx="995181" cy="746386"/>
+          </a:xfrm>
+          <a:prstGeom prst="rect">
+            <a:avLst/>
+          </a:prstGeom>
+        </p:spPr>
+      </p:pic>
+      <p:pic>
+        <p:nvPicPr>
+          <p:cNvPr id="23" name="Picture 22" descr="citrix-logo-black.jpg"/>
+          <p:cNvPicPr>
+            <a:picLocks noChangeAspect="1"/>
+          </p:cNvPicPr>
+          <p:nvPr/>
+        </p:nvPicPr>
+        <p:blipFill>
+          <a:blip r:embed="rId14">
+            <a:extLst>
+              <a:ext uri="{28A0092B-C50C-407E-A947-70E740481C1C}">
+                <a14:useLocalDpi xmlns:a14="http://schemas.microsoft.com/office/drawing/2010/main" val="0"/>
+              </a:ext>
+            </a:extLst>
+          </a:blip>
+          <a:stretch>
+            <a:fillRect/>
+          </a:stretch>
+        </p:blipFill>
+        <p:spPr>
+          <a:xfrm>
+            <a:off x="4407797" y="4073805"/>
+            <a:ext cx="1613096" cy="608137"/>
+          </a:xfrm>
+          <a:prstGeom prst="rect">
+            <a:avLst/>
+          </a:prstGeom>
+        </p:spPr>
+      </p:pic>
+      <p:pic>
+        <p:nvPicPr>
+          <p:cNvPr id="24" name="Picture 23" descr="cocacola.jpg"/>
+          <p:cNvPicPr>
+            <a:picLocks noChangeAspect="1"/>
+          </p:cNvPicPr>
+          <p:nvPr/>
+        </p:nvPicPr>
+        <p:blipFill>
+          <a:blip r:embed="rId15">
+            <a:extLst>
+              <a:ext uri="{28A0092B-C50C-407E-A947-70E740481C1C}">
+                <a14:useLocalDpi xmlns:a14="http://schemas.microsoft.com/office/drawing/2010/main" val="0"/>
+              </a:ext>
+            </a:extLst>
+          </a:blip>
+          <a:stretch>
+            <a:fillRect/>
+          </a:stretch>
+        </p:blipFill>
+        <p:spPr>
+          <a:xfrm>
+            <a:off x="3162658" y="3285172"/>
+            <a:ext cx="1553464" cy="870565"/>
+          </a:xfrm>
+          <a:prstGeom prst="rect">
+            <a:avLst/>
+          </a:prstGeom>
+        </p:spPr>
+      </p:pic>
+      <p:pic>
+        <p:nvPicPr>
+          <p:cNvPr id="21" name="Picture 20" descr="best_buy.png"/>
+          <p:cNvPicPr>
+            <a:picLocks noChangeAspect="1"/>
+          </p:cNvPicPr>
+          <p:nvPr/>
+        </p:nvPicPr>
+        <p:blipFill>
+          <a:blip r:embed="rId16">
+            <a:extLst>
+              <a:ext uri="{28A0092B-C50C-407E-A947-70E740481C1C}">
+                <a14:useLocalDpi xmlns:a14="http://schemas.microsoft.com/office/drawing/2010/main" val="0"/>
+              </a:ext>
+            </a:extLst>
+          </a:blip>
+          <a:stretch>
+            <a:fillRect/>
+          </a:stretch>
+        </p:blipFill>
+        <p:spPr>
+          <a:xfrm>
+            <a:off x="4594568" y="2794257"/>
+            <a:ext cx="1344752" cy="926198"/>
+          </a:xfrm>
+          <a:prstGeom prst="rect">
+            <a:avLst/>
+          </a:prstGeom>
+        </p:spPr>
+      </p:pic>
+      <p:pic>
+        <p:nvPicPr>
+          <p:cNvPr id="25" name="Picture 24" descr="coursera.png"/>
+          <p:cNvPicPr>
+            <a:picLocks noChangeAspect="1"/>
+          </p:cNvPicPr>
+          <p:nvPr/>
+        </p:nvPicPr>
+        <p:blipFill>
+          <a:blip r:embed="rId17">
+            <a:extLst>
+              <a:ext uri="{28A0092B-C50C-407E-A947-70E740481C1C}">
+                <a14:useLocalDpi xmlns:a14="http://schemas.microsoft.com/office/drawing/2010/main" val="0"/>
+              </a:ext>
+            </a:extLst>
+          </a:blip>
+          <a:stretch>
+            <a:fillRect/>
+          </a:stretch>
+        </p:blipFill>
+        <p:spPr>
+          <a:xfrm>
+            <a:off x="4884323" y="4675068"/>
+            <a:ext cx="1054997" cy="1054997"/>
+          </a:xfrm>
+          <a:prstGeom prst="rect">
+            <a:avLst/>
+          </a:prstGeom>
+        </p:spPr>
+      </p:pic>
+      <p:pic>
+        <p:nvPicPr>
+          <p:cNvPr id="26" name="Picture 25" descr="Netflix_Web_Logo.png"/>
+          <p:cNvPicPr>
+            <a:picLocks noChangeAspect="1"/>
+          </p:cNvPicPr>
+          <p:nvPr/>
+        </p:nvPicPr>
+        <p:blipFill>
+          <a:blip r:embed="rId18">
+            <a:extLst>
+              <a:ext uri="{28A0092B-C50C-407E-A947-70E740481C1C}">
+                <a14:useLocalDpi xmlns:a14="http://schemas.microsoft.com/office/drawing/2010/main" val="0"/>
+              </a:ext>
+            </a:extLst>
+          </a:blip>
+          <a:stretch>
+            <a:fillRect/>
+          </a:stretch>
+        </p:blipFill>
+        <p:spPr>
+          <a:xfrm>
+            <a:off x="3162658" y="5072450"/>
+            <a:ext cx="1567414" cy="726888"/>
+          </a:xfrm>
+          <a:prstGeom prst="rect">
+            <a:avLst/>
+          </a:prstGeom>
+        </p:spPr>
+      </p:pic>
+      <p:pic>
+        <p:nvPicPr>
+          <p:cNvPr id="27" name="Picture 26" descr="Snapchat.png"/>
+          <p:cNvPicPr>
+            <a:picLocks noChangeAspect="1"/>
+          </p:cNvPicPr>
+          <p:nvPr/>
+        </p:nvPicPr>
+        <p:blipFill>
+          <a:blip r:embed="rId19">
+            <a:extLst>
+              <a:ext uri="{28A0092B-C50C-407E-A947-70E740481C1C}">
+                <a14:useLocalDpi xmlns:a14="http://schemas.microsoft.com/office/drawing/2010/main" val="0"/>
+              </a:ext>
+            </a:extLst>
+          </a:blip>
+          <a:stretch>
+            <a:fillRect/>
+          </a:stretch>
+        </p:blipFill>
+        <p:spPr>
+          <a:xfrm>
+            <a:off x="3162658" y="5910166"/>
+            <a:ext cx="1626434" cy="832188"/>
+          </a:xfrm>
+          <a:prstGeom prst="rect">
+            <a:avLst/>
+          </a:prstGeom>
+        </p:spPr>
+      </p:pic>
+      <p:pic>
+        <p:nvPicPr>
+          <p:cNvPr id="28" name="Picture 27" descr="Rovio_logo.svg.png"/>
+          <p:cNvPicPr>
+            <a:picLocks noChangeAspect="1"/>
+          </p:cNvPicPr>
+          <p:nvPr/>
+        </p:nvPicPr>
+        <p:blipFill>
+          <a:blip r:embed="rId20">
+            <a:extLst>
+              <a:ext uri="{28A0092B-C50C-407E-A947-70E740481C1C}">
+                <a14:useLocalDpi xmlns:a14="http://schemas.microsoft.com/office/drawing/2010/main" val="0"/>
+              </a:ext>
+            </a:extLst>
+          </a:blip>
+          <a:stretch>
+            <a:fillRect/>
+          </a:stretch>
+        </p:blipFill>
+        <p:spPr>
+          <a:xfrm>
+            <a:off x="5092519" y="5803109"/>
+            <a:ext cx="571301" cy="900525"/>
+          </a:xfrm>
+          <a:prstGeom prst="rect">
+            <a:avLst/>
+          </a:prstGeom>
+        </p:spPr>
+      </p:pic>
+      <p:pic>
+        <p:nvPicPr>
+          <p:cNvPr id="29" name="Picture 28" descr="Lamborghini_Logo.svg.png"/>
+          <p:cNvPicPr>
+            <a:picLocks noChangeAspect="1"/>
+          </p:cNvPicPr>
+          <p:nvPr/>
+        </p:nvPicPr>
+        <p:blipFill>
+          <a:blip r:embed="rId21">
+            <a:extLst>
+              <a:ext uri="{28A0092B-C50C-407E-A947-70E740481C1C}">
+                <a14:useLocalDpi xmlns:a14="http://schemas.microsoft.com/office/drawing/2010/main" val="0"/>
+              </a:ext>
+            </a:extLst>
+          </a:blip>
+          <a:stretch>
+            <a:fillRect/>
+          </a:stretch>
+        </p:blipFill>
+        <p:spPr>
+          <a:xfrm>
+            <a:off x="3516971" y="2690176"/>
+            <a:ext cx="679153" cy="776175"/>
+          </a:xfrm>
+          <a:prstGeom prst="rect">
+            <a:avLst/>
+          </a:prstGeom>
+        </p:spPr>
+      </p:pic>
+      <p:pic>
+        <p:nvPicPr>
+          <p:cNvPr id="30" name="Picture 29" descr="khan-logo-vertical-transparent.png"/>
+          <p:cNvPicPr>
+            <a:picLocks noChangeAspect="1"/>
+          </p:cNvPicPr>
+          <p:nvPr/>
+        </p:nvPicPr>
+        <p:blipFill>
+          <a:blip r:embed="rId22">
+            <a:extLst>
+              <a:ext uri="{28A0092B-C50C-407E-A947-70E740481C1C}">
+                <a14:useLocalDpi xmlns:a14="http://schemas.microsoft.com/office/drawing/2010/main" val="0"/>
+              </a:ext>
+            </a:extLst>
+          </a:blip>
+          <a:stretch>
+            <a:fillRect/>
+          </a:stretch>
+        </p:blipFill>
+        <p:spPr>
+          <a:xfrm>
+            <a:off x="3441700" y="4065531"/>
+            <a:ext cx="654812" cy="919681"/>
+          </a:xfrm>
+          <a:prstGeom prst="rect">
+            <a:avLst/>
+          </a:prstGeom>
+        </p:spPr>
+      </p:pic>
+      <p:pic>
+        <p:nvPicPr>
+          <p:cNvPr id="31" name="Picture 30" descr="socc.png"/>
+          <p:cNvPicPr>
+            <a:picLocks noChangeAspect="1"/>
+          </p:cNvPicPr>
+          <p:nvPr/>
+        </p:nvPicPr>
+        <p:blipFill>
+          <a:blip r:embed="rId23">
+            <a:extLst>
+              <a:ext uri="{28A0092B-C50C-407E-A947-70E740481C1C}">
+                <a14:useLocalDpi xmlns:a14="http://schemas.microsoft.com/office/drawing/2010/main" val="0"/>
+              </a:ext>
+            </a:extLst>
+          </a:blip>
+          <a:stretch>
+            <a:fillRect/>
+          </a:stretch>
+        </p:blipFill>
+        <p:spPr>
+          <a:xfrm>
+            <a:off x="6315283" y="1590460"/>
+            <a:ext cx="2684122" cy="805237"/>
+          </a:xfrm>
+          <a:prstGeom prst="rect">
+            <a:avLst/>
+          </a:prstGeom>
+        </p:spPr>
+      </p:pic>
+      <p:sp>
+        <p:nvSpPr>
+          <p:cNvPr id="32" name="TextBox 31"/>
+          <p:cNvSpPr txBox="1"/>
+          <p:nvPr/>
+        </p:nvSpPr>
+        <p:spPr>
+          <a:xfrm>
+            <a:off x="6474729" y="2690176"/>
+            <a:ext cx="1270043" cy="369332"/>
+          </a:xfrm>
+          <a:prstGeom prst="rect">
+            <a:avLst/>
+          </a:prstGeom>
+          <a:noFill/>
+        </p:spPr>
+        <p:txBody>
+          <a:bodyPr wrap="square" rtlCol="0">
+            <a:spAutoFit/>
+          </a:bodyPr>
+          <a:lstStyle/>
+          <a:p>
+            <a:r>
+              <a:rPr lang="en-US" b="1" dirty="0" err="1" smtClean="0"/>
+              <a:t>CloudCom</a:t>
+            </a:r>
+            <a:endParaRPr lang="en-US" b="1" dirty="0"/>
+          </a:p>
+        </p:txBody>
+      </p:sp>
+      <p:sp>
+        <p:nvSpPr>
+          <p:cNvPr id="34" name="TextBox 33"/>
+          <p:cNvSpPr txBox="1"/>
+          <p:nvPr/>
+        </p:nvSpPr>
+        <p:spPr>
+          <a:xfrm>
+            <a:off x="7491464" y="3339190"/>
+            <a:ext cx="1270043" cy="369332"/>
+          </a:xfrm>
+          <a:prstGeom prst="rect">
+            <a:avLst/>
+          </a:prstGeom>
+          <a:noFill/>
+        </p:spPr>
+        <p:txBody>
+          <a:bodyPr wrap="square" rtlCol="0">
+            <a:spAutoFit/>
+          </a:bodyPr>
+          <a:lstStyle/>
+          <a:p>
+            <a:r>
+              <a:rPr lang="en-US" b="1" dirty="0" err="1" smtClean="0"/>
+              <a:t>HotCloud</a:t>
+            </a:r>
+            <a:endParaRPr lang="en-US" b="1" dirty="0"/>
+          </a:p>
+        </p:txBody>
+      </p:sp>
+      <p:sp>
+        <p:nvSpPr>
+          <p:cNvPr id="35" name="TextBox 34"/>
+          <p:cNvSpPr txBox="1"/>
+          <p:nvPr/>
+        </p:nvSpPr>
+        <p:spPr>
+          <a:xfrm>
+            <a:off x="6657778" y="3880865"/>
+            <a:ext cx="769568" cy="369332"/>
+          </a:xfrm>
+          <a:prstGeom prst="rect">
+            <a:avLst/>
+          </a:prstGeom>
+          <a:noFill/>
+        </p:spPr>
+        <p:txBody>
+          <a:bodyPr wrap="square" rtlCol="0">
+            <a:spAutoFit/>
+          </a:bodyPr>
+          <a:lstStyle/>
+          <a:p>
+            <a:r>
+              <a:rPr lang="en-US" b="1" dirty="0" smtClean="0"/>
+              <a:t>IC2E</a:t>
+            </a:r>
+            <a:endParaRPr lang="en-US" b="1" dirty="0"/>
+          </a:p>
+        </p:txBody>
+      </p:sp>
+      <p:pic>
+        <p:nvPicPr>
+          <p:cNvPr id="36" name="Picture 35" descr="ieeecloud.png"/>
+          <p:cNvPicPr>
+            <a:picLocks noChangeAspect="1"/>
+          </p:cNvPicPr>
+          <p:nvPr/>
+        </p:nvPicPr>
+        <p:blipFill>
+          <a:blip r:embed="rId24">
+            <a:extLst>
+              <a:ext uri="{28A0092B-C50C-407E-A947-70E740481C1C}">
+                <a14:useLocalDpi xmlns:a14="http://schemas.microsoft.com/office/drawing/2010/main" val="0"/>
+              </a:ext>
+            </a:extLst>
+          </a:blip>
+          <a:stretch>
+            <a:fillRect/>
+          </a:stretch>
+        </p:blipFill>
+        <p:spPr>
+          <a:xfrm>
+            <a:off x="7672881" y="3880865"/>
+            <a:ext cx="1326524" cy="1326524"/>
+          </a:xfrm>
+          <a:prstGeom prst="rect">
+            <a:avLst/>
+          </a:prstGeom>
+        </p:spPr>
+      </p:pic>
+      <p:sp>
+        <p:nvSpPr>
+          <p:cNvPr id="37" name="TextBox 36"/>
+          <p:cNvSpPr txBox="1"/>
+          <p:nvPr/>
+        </p:nvSpPr>
+        <p:spPr>
+          <a:xfrm>
+            <a:off x="7729362" y="5340728"/>
+            <a:ext cx="1270043" cy="369332"/>
+          </a:xfrm>
+          <a:prstGeom prst="rect">
+            <a:avLst/>
+          </a:prstGeom>
+          <a:noFill/>
+        </p:spPr>
+        <p:txBody>
+          <a:bodyPr wrap="square" rtlCol="0">
+            <a:spAutoFit/>
+          </a:bodyPr>
+          <a:lstStyle/>
+          <a:p>
+            <a:r>
+              <a:rPr lang="en-US" b="1" dirty="0" smtClean="0"/>
+              <a:t>CCGRID</a:t>
+            </a:r>
+            <a:endParaRPr lang="en-US" b="1" dirty="0"/>
+          </a:p>
+        </p:txBody>
+      </p:sp>
+      <p:sp>
+        <p:nvSpPr>
+          <p:cNvPr id="38" name="TextBox 37"/>
+          <p:cNvSpPr txBox="1"/>
+          <p:nvPr/>
+        </p:nvSpPr>
+        <p:spPr>
+          <a:xfrm>
+            <a:off x="6221421" y="4497276"/>
+            <a:ext cx="1451460" cy="369332"/>
+          </a:xfrm>
+          <a:prstGeom prst="rect">
+            <a:avLst/>
+          </a:prstGeom>
+          <a:noFill/>
+        </p:spPr>
+        <p:txBody>
+          <a:bodyPr wrap="square" rtlCol="0">
+            <a:spAutoFit/>
+          </a:bodyPr>
+          <a:lstStyle/>
+          <a:p>
+            <a:r>
+              <a:rPr lang="en-US" b="1" dirty="0" err="1" smtClean="0"/>
+              <a:t>MobileCloud</a:t>
+            </a:r>
+            <a:endParaRPr lang="en-US" b="1" dirty="0"/>
+          </a:p>
+        </p:txBody>
+      </p:sp>
+      <p:sp>
+        <p:nvSpPr>
+          <p:cNvPr id="39" name="TextBox 38"/>
+          <p:cNvSpPr txBox="1"/>
+          <p:nvPr/>
+        </p:nvSpPr>
+        <p:spPr>
+          <a:xfrm>
+            <a:off x="6315283" y="3306834"/>
+            <a:ext cx="794469" cy="369332"/>
+          </a:xfrm>
+          <a:prstGeom prst="rect">
+            <a:avLst/>
+          </a:prstGeom>
+          <a:noFill/>
+        </p:spPr>
+        <p:txBody>
+          <a:bodyPr wrap="square" rtlCol="0">
+            <a:spAutoFit/>
+          </a:bodyPr>
+          <a:lstStyle/>
+          <a:p>
+            <a:r>
+              <a:rPr lang="en-US" b="1" dirty="0" smtClean="0"/>
+              <a:t>SSC</a:t>
+            </a:r>
+            <a:endParaRPr lang="en-US" b="1" dirty="0"/>
+          </a:p>
+        </p:txBody>
+      </p:sp>
+      <p:sp>
+        <p:nvSpPr>
+          <p:cNvPr id="40" name="TextBox 39"/>
+          <p:cNvSpPr txBox="1"/>
+          <p:nvPr/>
+        </p:nvSpPr>
+        <p:spPr>
+          <a:xfrm>
+            <a:off x="7610227" y="5820545"/>
+            <a:ext cx="1270043" cy="369332"/>
+          </a:xfrm>
+          <a:prstGeom prst="rect">
+            <a:avLst/>
+          </a:prstGeom>
+          <a:noFill/>
+        </p:spPr>
+        <p:txBody>
+          <a:bodyPr wrap="square" rtlCol="0">
+            <a:spAutoFit/>
+          </a:bodyPr>
+          <a:lstStyle/>
+          <a:p>
+            <a:r>
+              <a:rPr lang="en-US" b="1" dirty="0" err="1" smtClean="0"/>
+              <a:t>FiCloud</a:t>
+            </a:r>
+            <a:endParaRPr lang="en-US" b="1" dirty="0"/>
+          </a:p>
+        </p:txBody>
+      </p:sp>
+      <p:sp>
+        <p:nvSpPr>
+          <p:cNvPr id="41" name="TextBox 40"/>
+          <p:cNvSpPr txBox="1"/>
+          <p:nvPr/>
+        </p:nvSpPr>
+        <p:spPr>
+          <a:xfrm>
+            <a:off x="7866351" y="2435689"/>
+            <a:ext cx="1013919" cy="369332"/>
+          </a:xfrm>
+          <a:prstGeom prst="rect">
+            <a:avLst/>
+          </a:prstGeom>
+          <a:noFill/>
+        </p:spPr>
+        <p:txBody>
+          <a:bodyPr wrap="square" rtlCol="0">
+            <a:spAutoFit/>
+          </a:bodyPr>
+          <a:lstStyle/>
+          <a:p>
+            <a:r>
+              <a:rPr lang="en-US" b="1" dirty="0" smtClean="0"/>
+              <a:t>ISBCC</a:t>
+            </a:r>
+            <a:endParaRPr lang="en-US" b="1" dirty="0"/>
+          </a:p>
+        </p:txBody>
+      </p:sp>
+      <p:sp>
+        <p:nvSpPr>
+          <p:cNvPr id="42" name="TextBox 41"/>
+          <p:cNvSpPr txBox="1"/>
+          <p:nvPr/>
+        </p:nvSpPr>
+        <p:spPr>
+          <a:xfrm>
+            <a:off x="6230912" y="5156062"/>
+            <a:ext cx="1270043" cy="369332"/>
+          </a:xfrm>
+          <a:prstGeom prst="rect">
+            <a:avLst/>
+          </a:prstGeom>
+          <a:noFill/>
+        </p:spPr>
+        <p:txBody>
+          <a:bodyPr wrap="square" rtlCol="0">
+            <a:spAutoFit/>
+          </a:bodyPr>
+          <a:lstStyle/>
+          <a:p>
+            <a:r>
+              <a:rPr lang="en-US" b="1" dirty="0" smtClean="0"/>
+              <a:t>SC2</a:t>
+            </a:r>
+            <a:endParaRPr lang="en-US" b="1" dirty="0"/>
+          </a:p>
+        </p:txBody>
+      </p:sp>
+      <p:sp>
+        <p:nvSpPr>
+          <p:cNvPr id="43" name="TextBox 42"/>
+          <p:cNvSpPr txBox="1"/>
+          <p:nvPr/>
+        </p:nvSpPr>
+        <p:spPr>
+          <a:xfrm>
+            <a:off x="6871314" y="5187959"/>
+            <a:ext cx="689108" cy="369332"/>
+          </a:xfrm>
+          <a:prstGeom prst="rect">
+            <a:avLst/>
+          </a:prstGeom>
+          <a:noFill/>
+        </p:spPr>
+        <p:txBody>
+          <a:bodyPr wrap="square" rtlCol="0">
+            <a:spAutoFit/>
+          </a:bodyPr>
+          <a:lstStyle/>
+          <a:p>
+            <a:r>
+              <a:rPr lang="en-US" b="1" dirty="0" smtClean="0"/>
+              <a:t>UCC</a:t>
+            </a:r>
+            <a:endParaRPr lang="en-US" b="1" dirty="0"/>
+          </a:p>
+        </p:txBody>
+      </p:sp>
+      <p:sp>
+        <p:nvSpPr>
+          <p:cNvPr id="44" name="TextBox 43"/>
+          <p:cNvSpPr txBox="1"/>
+          <p:nvPr/>
+        </p:nvSpPr>
+        <p:spPr>
+          <a:xfrm>
+            <a:off x="6627129" y="6312893"/>
+            <a:ext cx="1270043" cy="369332"/>
+          </a:xfrm>
+          <a:prstGeom prst="rect">
+            <a:avLst/>
+          </a:prstGeom>
+          <a:noFill/>
+        </p:spPr>
+        <p:txBody>
+          <a:bodyPr wrap="square" rtlCol="0">
+            <a:spAutoFit/>
+          </a:bodyPr>
+          <a:lstStyle/>
+          <a:p>
+            <a:r>
+              <a:rPr lang="en-US" b="1" dirty="0" smtClean="0"/>
+              <a:t>HPDC</a:t>
+            </a:r>
+            <a:endParaRPr lang="en-US" b="1" dirty="0"/>
+          </a:p>
+        </p:txBody>
+      </p:sp>
+      <p:sp>
+        <p:nvSpPr>
+          <p:cNvPr id="45" name="TextBox 44"/>
+          <p:cNvSpPr txBox="1"/>
+          <p:nvPr/>
+        </p:nvSpPr>
+        <p:spPr>
+          <a:xfrm>
+            <a:off x="7747588" y="2953782"/>
+            <a:ext cx="1270043" cy="369332"/>
+          </a:xfrm>
+          <a:prstGeom prst="rect">
+            <a:avLst/>
+          </a:prstGeom>
+          <a:noFill/>
+        </p:spPr>
+        <p:txBody>
+          <a:bodyPr wrap="square" rtlCol="0">
+            <a:spAutoFit/>
+          </a:bodyPr>
+          <a:lstStyle/>
+          <a:p>
+            <a:r>
+              <a:rPr lang="en-US" b="1" dirty="0" smtClean="0"/>
+              <a:t>IJCCSA</a:t>
+            </a:r>
+            <a:endParaRPr lang="en-US" b="1" dirty="0"/>
+          </a:p>
+        </p:txBody>
+      </p:sp>
+      <p:sp>
+        <p:nvSpPr>
+          <p:cNvPr id="46" name="TextBox 45"/>
+          <p:cNvSpPr txBox="1"/>
+          <p:nvPr/>
+        </p:nvSpPr>
+        <p:spPr>
+          <a:xfrm>
+            <a:off x="7610227" y="6328840"/>
+            <a:ext cx="1270043" cy="369332"/>
+          </a:xfrm>
+          <a:prstGeom prst="rect">
+            <a:avLst/>
+          </a:prstGeom>
+          <a:noFill/>
+        </p:spPr>
+        <p:txBody>
+          <a:bodyPr wrap="square" rtlCol="0">
+            <a:spAutoFit/>
+          </a:bodyPr>
+          <a:lstStyle/>
+          <a:p>
+            <a:r>
+              <a:rPr lang="en-US" b="1" dirty="0" err="1" smtClean="0"/>
+              <a:t>CSCloud</a:t>
+            </a:r>
+            <a:endParaRPr lang="en-US" b="1" dirty="0"/>
+          </a:p>
+        </p:txBody>
+      </p:sp>
+      <p:sp>
+        <p:nvSpPr>
+          <p:cNvPr id="47" name="TextBox 46"/>
+          <p:cNvSpPr txBox="1"/>
+          <p:nvPr/>
+        </p:nvSpPr>
+        <p:spPr>
+          <a:xfrm>
+            <a:off x="6221421" y="5725478"/>
+            <a:ext cx="1270043" cy="369332"/>
+          </a:xfrm>
+          <a:prstGeom prst="rect">
+            <a:avLst/>
+          </a:prstGeom>
+          <a:noFill/>
+        </p:spPr>
+        <p:txBody>
+          <a:bodyPr wrap="square" rtlCol="0">
+            <a:spAutoFit/>
+          </a:bodyPr>
+          <a:lstStyle/>
+          <a:p>
+            <a:r>
+              <a:rPr lang="en-US" b="1" dirty="0" err="1" smtClean="0"/>
+              <a:t>SOSeMC</a:t>
+            </a:r>
+            <a:endParaRPr lang="en-US" b="1" dirty="0"/>
+          </a:p>
+        </p:txBody>
+      </p:sp>
+    </p:spTree>
+    <p:extLst>
+      <p:ext uri="{BB962C8B-B14F-4D97-AF65-F5344CB8AC3E}">
+        <p14:creationId xmlns:p14="http://schemas.microsoft.com/office/powerpoint/2010/main" val="2321943894"/>
+      </p:ext>
+    </p:extLst>
+  </p:cSld>
+  <p:clrMapOvr>
+    <a:masterClrMapping/>
+  </p:clrMapOvr>
+</p:sld>
+</file>
+
+<file path=ppt/slides/slide9.xml><?xml version="1.0" encoding="utf-8"?>
+<p:sld xmlns:a="http://schemas.openxmlformats.org/drawingml/2006/main" xmlns:r="http://schemas.openxmlformats.org/officeDocument/2006/relationships" xmlns:p="http://schemas.openxmlformats.org/presentationml/2006/main">
+  <p:cSld>
+    <p:spTree>
+      <p:nvGrpSpPr>
+        <p:cNvPr id="1" name=""/>
+        <p:cNvGrpSpPr/>
+        <p:nvPr/>
+      </p:nvGrpSpPr>
+      <p:grpSpPr>
+        <a:xfrm>
+          <a:off x="0" y="0"/>
+          <a:ext cx="0" cy="0"/>
+          <a:chOff x="0" y="0"/>
+          <a:chExt cx="0" cy="0"/>
+        </a:xfrm>
+      </p:grpSpPr>
+      <p:sp>
+        <p:nvSpPr>
+          <p:cNvPr id="2" name="Title 1"/>
+          <p:cNvSpPr>
+            <a:spLocks noGrp="1"/>
+          </p:cNvSpPr>
+          <p:nvPr>
+            <p:ph type="title"/>
+          </p:nvPr>
+        </p:nvSpPr>
+        <p:spPr/>
+        <p:txBody>
+          <a:bodyPr/>
+          <a:lstStyle/>
+          <a:p>
+            <a:r>
+              <a:rPr lang="en-US" dirty="0" smtClean="0"/>
+              <a:t>Does Not Enforce Good Coding</a:t>
+            </a:r>
+            <a:endParaRPr lang="en-US" dirty="0"/>
+          </a:p>
+        </p:txBody>
+      </p:sp>
+      <p:sp>
+        <p:nvSpPr>
+          <p:cNvPr id="3" name="Content Placeholder 2"/>
+          <p:cNvSpPr>
+            <a:spLocks noGrp="1"/>
+          </p:cNvSpPr>
+          <p:nvPr>
+            <p:ph idx="1"/>
+          </p:nvPr>
+        </p:nvSpPr>
+        <p:spPr/>
+        <p:txBody>
+          <a:bodyPr/>
+          <a:lstStyle/>
+          <a:p>
+            <a:r>
+              <a:rPr lang="en-US" dirty="0" smtClean="0"/>
+              <a:t>Code reuse</a:t>
+            </a:r>
+          </a:p>
+          <a:p>
+            <a:r>
+              <a:rPr lang="en-US" dirty="0" smtClean="0"/>
+              <a:t>Naming and versioning conventions</a:t>
+            </a:r>
+          </a:p>
+          <a:p>
+            <a:r>
+              <a:rPr lang="en-US" dirty="0" smtClean="0"/>
+              <a:t>Other organizational standards and best practices</a:t>
+            </a:r>
+            <a:endParaRPr lang="en-US" dirty="0"/>
+          </a:p>
+        </p:txBody>
+      </p:sp>
+      <p:sp>
+        <p:nvSpPr>
+          <p:cNvPr id="4" name="Cloud 3"/>
+          <p:cNvSpPr/>
+          <p:nvPr/>
+        </p:nvSpPr>
+        <p:spPr>
+          <a:xfrm rot="10800000">
+            <a:off x="5306435" y="4507391"/>
+            <a:ext cx="3110709" cy="1618772"/>
+          </a:xfrm>
+          <a:prstGeom prst="cloud">
+            <a:avLst/>
+          </a:prstGeom>
+          <a:noFill/>
+          <a:ln w="28575" cmpd="sng"/>
+        </p:spPr>
+        <p:style>
+          <a:lnRef idx="1">
+            <a:schemeClr val="accent1"/>
+          </a:lnRef>
+          <a:fillRef idx="3">
+            <a:schemeClr val="accent1"/>
+          </a:fillRef>
+          <a:effectRef idx="2">
+            <a:schemeClr val="accent1"/>
+          </a:effectRef>
+          <a:fontRef idx="minor">
+            <a:schemeClr val="lt1"/>
+          </a:fontRef>
+        </p:style>
+        <p:txBody>
+          <a:bodyPr rtlCol="0" anchor="ctr"/>
+          <a:lstStyle/>
+          <a:p>
+            <a:pPr algn="ctr"/>
+            <a:endParaRPr lang="en-US"/>
+          </a:p>
+        </p:txBody>
+      </p:sp>
+      <p:pic>
+        <p:nvPicPr>
+          <p:cNvPr id="5" name="Picture 4" descr="developer-icon-17862.png"/>
+          <p:cNvPicPr>
+            <a:picLocks noChangeAspect="1"/>
+          </p:cNvPicPr>
+          <p:nvPr/>
+        </p:nvPicPr>
+        <p:blipFill>
+          <a:blip r:embed="rId2">
+            <a:extLst>
+              <a:ext uri="{28A0092B-C50C-407E-A947-70E740481C1C}">
+                <a14:useLocalDpi xmlns:a14="http://schemas.microsoft.com/office/drawing/2010/main" val="0"/>
+              </a:ext>
+            </a:extLst>
+          </a:blip>
+          <a:stretch>
+            <a:fillRect/>
+          </a:stretch>
+        </p:blipFill>
+        <p:spPr>
+          <a:xfrm>
+            <a:off x="457200" y="4507391"/>
+            <a:ext cx="1861233" cy="1861233"/>
+          </a:xfrm>
+          <a:prstGeom prst="rect">
+            <a:avLst/>
+          </a:prstGeom>
+        </p:spPr>
+      </p:pic>
+      <p:cxnSp>
+        <p:nvCxnSpPr>
+          <p:cNvPr id="7" name="Straight Arrow Connector 6"/>
+          <p:cNvCxnSpPr/>
+          <p:nvPr/>
+        </p:nvCxnSpPr>
+        <p:spPr>
+          <a:xfrm>
+            <a:off x="2430492" y="5317051"/>
+            <a:ext cx="2624778" cy="0"/>
+          </a:xfrm>
+          <a:prstGeom prst="straightConnector1">
+            <a:avLst/>
+          </a:prstGeom>
+          <a:ln>
+            <a:tailEnd type="arrow"/>
+          </a:ln>
+        </p:spPr>
+        <p:style>
+          <a:lnRef idx="2">
+            <a:schemeClr val="accent1"/>
+          </a:lnRef>
+          <a:fillRef idx="0">
+            <a:schemeClr val="accent1"/>
+          </a:fillRef>
+          <a:effectRef idx="1">
+            <a:schemeClr val="accent1"/>
+          </a:effectRef>
+          <a:fontRef idx="minor">
+            <a:schemeClr val="tx1"/>
+          </a:fontRef>
+        </p:style>
+      </p:cxnSp>
+      <p:sp>
+        <p:nvSpPr>
+          <p:cNvPr id="9" name="TextBox 8"/>
+          <p:cNvSpPr txBox="1"/>
+          <p:nvPr/>
+        </p:nvSpPr>
+        <p:spPr>
+          <a:xfrm>
+            <a:off x="282881" y="6045458"/>
+            <a:ext cx="2340864" cy="646331"/>
+          </a:xfrm>
+          <a:prstGeom prst="rect">
+            <a:avLst/>
+          </a:prstGeom>
+          <a:noFill/>
+        </p:spPr>
+        <p:txBody>
+          <a:bodyPr wrap="square" rtlCol="0">
+            <a:spAutoFit/>
+          </a:bodyPr>
+          <a:lstStyle/>
+          <a:p>
+            <a:pPr algn="ctr"/>
+            <a:r>
+              <a:rPr lang="en-US" dirty="0" smtClean="0"/>
+              <a:t>Poorly written and packaged code</a:t>
+            </a:r>
+            <a:endParaRPr lang="en-US" dirty="0"/>
+          </a:p>
+        </p:txBody>
+      </p:sp>
+      <p:sp>
+        <p:nvSpPr>
+          <p:cNvPr id="10" name="TextBox 9"/>
+          <p:cNvSpPr txBox="1"/>
+          <p:nvPr/>
+        </p:nvSpPr>
+        <p:spPr>
+          <a:xfrm>
+            <a:off x="2430492" y="4619186"/>
+            <a:ext cx="2428024" cy="646331"/>
+          </a:xfrm>
+          <a:prstGeom prst="rect">
+            <a:avLst/>
+          </a:prstGeom>
+          <a:noFill/>
+        </p:spPr>
+        <p:txBody>
+          <a:bodyPr wrap="square" rtlCol="0">
+            <a:spAutoFit/>
+          </a:bodyPr>
+          <a:lstStyle/>
+          <a:p>
+            <a:pPr algn="ctr"/>
+            <a:r>
+              <a:rPr lang="en-US" dirty="0" smtClean="0"/>
+              <a:t>Unverified/unchecked deployment</a:t>
+            </a:r>
+            <a:endParaRPr lang="en-US" dirty="0"/>
+          </a:p>
+        </p:txBody>
+      </p:sp>
+      <p:sp>
+        <p:nvSpPr>
+          <p:cNvPr id="11" name="TextBox 10"/>
+          <p:cNvSpPr txBox="1"/>
+          <p:nvPr/>
+        </p:nvSpPr>
+        <p:spPr>
+          <a:xfrm>
+            <a:off x="6076285" y="5043105"/>
+            <a:ext cx="1718294" cy="646331"/>
+          </a:xfrm>
+          <a:prstGeom prst="rect">
+            <a:avLst/>
+          </a:prstGeom>
+          <a:noFill/>
+        </p:spPr>
+        <p:txBody>
+          <a:bodyPr wrap="square" rtlCol="0">
+            <a:spAutoFit/>
+          </a:bodyPr>
+          <a:lstStyle/>
+          <a:p>
+            <a:pPr algn="ctr"/>
+            <a:r>
+              <a:rPr lang="en-US" dirty="0" smtClean="0"/>
+              <a:t>Maintenance nightmare</a:t>
+            </a:r>
+            <a:endParaRPr lang="en-US" dirty="0"/>
+          </a:p>
+        </p:txBody>
+      </p:sp>
+    </p:spTree>
+    <p:extLst>
+      <p:ext uri="{BB962C8B-B14F-4D97-AF65-F5344CB8AC3E}">
+        <p14:creationId xmlns:p14="http://schemas.microsoft.com/office/powerpoint/2010/main" val="2927366450"/>
       </p:ext>
     </p:extLst>
   </p:cSld>

--- a/Eager/elk-experiment/appserver/system_design.pptx
+++ b/Eager/elk-experiment/appserver/system_design.pptx
@@ -17,10 +17,11 @@
     <p:sldId id="268" r:id="rId11"/>
     <p:sldId id="269" r:id="rId12"/>
     <p:sldId id="266" r:id="rId13"/>
-    <p:sldId id="270" r:id="rId14"/>
-    <p:sldId id="271" r:id="rId15"/>
-    <p:sldId id="272" r:id="rId16"/>
-    <p:sldId id="273" r:id="rId17"/>
+    <p:sldId id="275" r:id="rId14"/>
+    <p:sldId id="274" r:id="rId15"/>
+    <p:sldId id="270" r:id="rId16"/>
+    <p:sldId id="271" r:id="rId17"/>
+    <p:sldId id="272" r:id="rId18"/>
   </p:sldIdLst>
   <p:sldSz cx="9144000" cy="6858000" type="screen4x3"/>
   <p:notesSz cx="6858000" cy="9144000"/>
@@ -3847,7 +3848,11 @@
           <a:p>
             <a:r>
               <a:rPr lang="en-US" dirty="0" smtClean="0"/>
-              <a:t>Limited support for anomaly detection and root cause analysis</a:t>
+              <a:t>Limited support for anomaly detection and </a:t>
+            </a:r>
+            <a:r>
+              <a:rPr lang="en-US" smtClean="0"/>
+              <a:t>bottleneck identification</a:t>
             </a:r>
             <a:endParaRPr lang="en-US" dirty="0"/>
           </a:p>
@@ -3968,7 +3973,7 @@
           <a:p>
             <a:r>
               <a:rPr lang="en-US" dirty="0" smtClean="0"/>
-              <a:t>Difficult to detect performance anomalies and conduct root cause analysis</a:t>
+              <a:t>Difficult to detect performance anomalies and identify bottlenecks</a:t>
             </a:r>
           </a:p>
         </p:txBody>
@@ -4146,6 +4151,187 @@
           <a:p>
             <a:r>
               <a:rPr lang="en-US" dirty="0" smtClean="0"/>
+              <a:t>Prelude to Proposal</a:t>
+            </a:r>
+            <a:endParaRPr lang="en-US" dirty="0"/>
+          </a:p>
+        </p:txBody>
+      </p:sp>
+      <p:sp>
+        <p:nvSpPr>
+          <p:cNvPr id="3" name="Content Placeholder 2"/>
+          <p:cNvSpPr>
+            <a:spLocks noGrp="1"/>
+          </p:cNvSpPr>
+          <p:nvPr>
+            <p:ph idx="1"/>
+          </p:nvPr>
+        </p:nvSpPr>
+        <p:spPr/>
+        <p:txBody>
+          <a:bodyPr/>
+          <a:lstStyle/>
+          <a:p>
+            <a:r>
+              <a:rPr lang="en-US" dirty="0" smtClean="0"/>
+              <a:t>Automated governance for cloud platforms</a:t>
+            </a:r>
+          </a:p>
+          <a:p>
+            <a:pPr lvl="1"/>
+            <a:r>
+              <a:rPr lang="en-US" dirty="0" smtClean="0"/>
+              <a:t>Specifying/Learning acceptable operational parameters</a:t>
+            </a:r>
+          </a:p>
+          <a:p>
+            <a:pPr lvl="1"/>
+            <a:r>
+              <a:rPr lang="en-US" dirty="0" smtClean="0"/>
+              <a:t>Enforcing acceptable operational parameters</a:t>
+            </a:r>
+          </a:p>
+          <a:p>
+            <a:pPr lvl="1"/>
+            <a:r>
+              <a:rPr lang="en-US" dirty="0" smtClean="0"/>
+              <a:t>Monitoring and detecting deviations from acceptable behavior</a:t>
+            </a:r>
+          </a:p>
+          <a:p>
+            <a:pPr lvl="1"/>
+            <a:r>
+              <a:rPr lang="en-US" dirty="0" smtClean="0"/>
+              <a:t>Taking corrective/preventive action if necessary</a:t>
+            </a:r>
+            <a:endParaRPr lang="en-US" dirty="0"/>
+          </a:p>
+        </p:txBody>
+      </p:sp>
+    </p:spTree>
+    <p:extLst>
+      <p:ext uri="{BB962C8B-B14F-4D97-AF65-F5344CB8AC3E}">
+        <p14:creationId xmlns:p14="http://schemas.microsoft.com/office/powerpoint/2010/main" val="3172343271"/>
+      </p:ext>
+    </p:extLst>
+  </p:cSld>
+  <p:clrMapOvr>
+    <a:masterClrMapping/>
+  </p:clrMapOvr>
+</p:sld>
+</file>
+
+<file path=ppt/slides/slide14.xml><?xml version="1.0" encoding="utf-8"?>
+<p:sld xmlns:a="http://schemas.openxmlformats.org/drawingml/2006/main" xmlns:r="http://schemas.openxmlformats.org/officeDocument/2006/relationships" xmlns:p="http://schemas.openxmlformats.org/presentationml/2006/main">
+  <p:cSld>
+    <p:spTree>
+      <p:nvGrpSpPr>
+        <p:cNvPr id="1" name=""/>
+        <p:cNvGrpSpPr/>
+        <p:nvPr/>
+      </p:nvGrpSpPr>
+      <p:grpSpPr>
+        <a:xfrm>
+          <a:off x="0" y="0"/>
+          <a:ext cx="0" cy="0"/>
+          <a:chOff x="0" y="0"/>
+          <a:chExt cx="0" cy="0"/>
+        </a:xfrm>
+      </p:grpSpPr>
+      <p:sp>
+        <p:nvSpPr>
+          <p:cNvPr id="2" name="Title 1"/>
+          <p:cNvSpPr>
+            <a:spLocks noGrp="1"/>
+          </p:cNvSpPr>
+          <p:nvPr>
+            <p:ph type="title"/>
+          </p:nvPr>
+        </p:nvSpPr>
+        <p:spPr/>
+        <p:txBody>
+          <a:bodyPr/>
+          <a:lstStyle/>
+          <a:p>
+            <a:r>
+              <a:rPr lang="en-US" dirty="0" smtClean="0"/>
+              <a:t>Thesis Question</a:t>
+            </a:r>
+            <a:endParaRPr lang="en-US" dirty="0"/>
+          </a:p>
+        </p:txBody>
+      </p:sp>
+      <p:sp>
+        <p:nvSpPr>
+          <p:cNvPr id="3" name="Content Placeholder 2"/>
+          <p:cNvSpPr>
+            <a:spLocks noGrp="1"/>
+          </p:cNvSpPr>
+          <p:nvPr>
+            <p:ph idx="1"/>
+          </p:nvPr>
+        </p:nvSpPr>
+        <p:spPr/>
+        <p:txBody>
+          <a:bodyPr>
+            <a:normAutofit fontScale="92500" lnSpcReduction="20000"/>
+          </a:bodyPr>
+          <a:lstStyle/>
+          <a:p>
+            <a:r>
+              <a:rPr lang="en-US" dirty="0" smtClean="0"/>
+              <a:t>Can we enforce design-time governance on web applications developed for a given cloud platform so as to ensure proper versioning, dependency management and conformance to other developer best practices, and also enforce run-time governance on them so as to automatically determine the expected runtime performance of the applications, detect SLA violations and detect performance anomalies and perform root cause analysis, with minimal developer intervention and no invasive instrumentation on the applications?</a:t>
+            </a:r>
+          </a:p>
+        </p:txBody>
+      </p:sp>
+    </p:spTree>
+    <p:extLst>
+      <p:ext uri="{BB962C8B-B14F-4D97-AF65-F5344CB8AC3E}">
+        <p14:creationId xmlns:p14="http://schemas.microsoft.com/office/powerpoint/2010/main" val="4269969608"/>
+      </p:ext>
+    </p:extLst>
+  </p:cSld>
+  <p:clrMapOvr>
+    <a:masterClrMapping/>
+  </p:clrMapOvr>
+</p:sld>
+</file>
+
+<file path=ppt/slides/slide15.xml><?xml version="1.0" encoding="utf-8"?>
+<p:sld xmlns:a="http://schemas.openxmlformats.org/drawingml/2006/main" xmlns:r="http://schemas.openxmlformats.org/officeDocument/2006/relationships" xmlns:p="http://schemas.openxmlformats.org/presentationml/2006/main">
+  <p:cSld>
+    <p:spTree>
+      <p:nvGrpSpPr>
+        <p:cNvPr id="1" name=""/>
+        <p:cNvGrpSpPr/>
+        <p:nvPr/>
+      </p:nvGrpSpPr>
+      <p:grpSpPr>
+        <a:xfrm>
+          <a:off x="0" y="0"/>
+          <a:ext cx="0" cy="0"/>
+          <a:chOff x="0" y="0"/>
+          <a:chExt cx="0" cy="0"/>
+        </a:xfrm>
+      </p:grpSpPr>
+      <p:sp>
+        <p:nvSpPr>
+          <p:cNvPr id="2" name="Title 1"/>
+          <p:cNvSpPr>
+            <a:spLocks noGrp="1"/>
+          </p:cNvSpPr>
+          <p:nvPr>
+            <p:ph type="title"/>
+          </p:nvPr>
+        </p:nvSpPr>
+        <p:spPr/>
+        <p:txBody>
+          <a:bodyPr/>
+          <a:lstStyle/>
+          <a:p>
+            <a:r>
+              <a:rPr lang="en-US" dirty="0" smtClean="0"/>
               <a:t>Platform-as-a-Service</a:t>
             </a:r>
             <a:endParaRPr lang="en-US" dirty="0"/>
@@ -4226,7 +4412,7 @@
 </p:sld>
 </file>
 
-<file path=ppt/slides/slide14.xml><?xml version="1.0" encoding="utf-8"?>
+<file path=ppt/slides/slide16.xml><?xml version="1.0" encoding="utf-8"?>
 <p:sld xmlns:a="http://schemas.openxmlformats.org/drawingml/2006/main" xmlns:r="http://schemas.openxmlformats.org/officeDocument/2006/relationships" xmlns:p="http://schemas.openxmlformats.org/presentationml/2006/main">
   <p:cSld>
     <p:spTree>
@@ -4308,7 +4494,7 @@
 </p:sld>
 </file>
 
-<file path=ppt/slides/slide15.xml><?xml version="1.0" encoding="utf-8"?>
+<file path=ppt/slides/slide17.xml><?xml version="1.0" encoding="utf-8"?>
 <p:sld xmlns:a="http://schemas.openxmlformats.org/drawingml/2006/main" xmlns:r="http://schemas.openxmlformats.org/officeDocument/2006/relationships" xmlns:p="http://schemas.openxmlformats.org/presentationml/2006/main">
   <p:cSld>
     <p:spTree>
@@ -4425,118 +4611,6 @@
     <p:extLst>
       <p:ext uri="{BB962C8B-B14F-4D97-AF65-F5344CB8AC3E}">
         <p14:creationId xmlns:p14="http://schemas.microsoft.com/office/powerpoint/2010/main" val="3390838659"/>
-      </p:ext>
-    </p:extLst>
-  </p:cSld>
-  <p:clrMapOvr>
-    <a:masterClrMapping/>
-  </p:clrMapOvr>
-</p:sld>
-</file>
-
-<file path=ppt/slides/slide16.xml><?xml version="1.0" encoding="utf-8"?>
-<p:sld xmlns:a="http://schemas.openxmlformats.org/drawingml/2006/main" xmlns:r="http://schemas.openxmlformats.org/officeDocument/2006/relationships" xmlns:p="http://schemas.openxmlformats.org/presentationml/2006/main">
-  <p:cSld>
-    <p:spTree>
-      <p:nvGrpSpPr>
-        <p:cNvPr id="1" name=""/>
-        <p:cNvGrpSpPr/>
-        <p:nvPr/>
-      </p:nvGrpSpPr>
-      <p:grpSpPr>
-        <a:xfrm>
-          <a:off x="0" y="0"/>
-          <a:ext cx="0" cy="0"/>
-          <a:chOff x="0" y="0"/>
-          <a:chExt cx="0" cy="0"/>
-        </a:xfrm>
-      </p:grpSpPr>
-      <p:sp>
-        <p:nvSpPr>
-          <p:cNvPr id="2" name="Title 1"/>
-          <p:cNvSpPr>
-            <a:spLocks noGrp="1"/>
-          </p:cNvSpPr>
-          <p:nvPr>
-            <p:ph type="title"/>
-          </p:nvPr>
-        </p:nvSpPr>
-        <p:spPr/>
-        <p:txBody>
-          <a:bodyPr/>
-          <a:lstStyle/>
-          <a:p>
-            <a:r>
-              <a:rPr lang="en-US" dirty="0" smtClean="0"/>
-              <a:t>Prelude to Proposal</a:t>
-            </a:r>
-            <a:endParaRPr lang="en-US" dirty="0"/>
-          </a:p>
-        </p:txBody>
-      </p:sp>
-      <p:sp>
-        <p:nvSpPr>
-          <p:cNvPr id="3" name="Content Placeholder 2"/>
-          <p:cNvSpPr>
-            <a:spLocks noGrp="1"/>
-          </p:cNvSpPr>
-          <p:nvPr>
-            <p:ph idx="1"/>
-          </p:nvPr>
-        </p:nvSpPr>
-        <p:spPr/>
-        <p:txBody>
-          <a:bodyPr/>
-          <a:lstStyle/>
-          <a:p>
-            <a:r>
-              <a:rPr lang="en-US" dirty="0" smtClean="0"/>
-              <a:t>Automated governance for </a:t>
-            </a:r>
-            <a:r>
-              <a:rPr lang="en-US" dirty="0" err="1" smtClean="0"/>
-              <a:t>PaaS</a:t>
-            </a:r>
-            <a:r>
-              <a:rPr lang="en-US" dirty="0" smtClean="0"/>
-              <a:t> clouds</a:t>
-            </a:r>
-          </a:p>
-          <a:p>
-            <a:pPr lvl="1"/>
-            <a:r>
-              <a:rPr lang="en-US" dirty="0" smtClean="0"/>
-              <a:t>Specifying/Learning acceptable operational parameters</a:t>
-            </a:r>
-          </a:p>
-          <a:p>
-            <a:pPr lvl="1"/>
-            <a:r>
-              <a:rPr lang="en-US" dirty="0" smtClean="0"/>
-              <a:t>Enforcing acceptable operational parameters</a:t>
-            </a:r>
-          </a:p>
-          <a:p>
-            <a:pPr lvl="1"/>
-            <a:r>
-              <a:rPr lang="en-US" dirty="0" smtClean="0"/>
-              <a:t>Monitoring and detecting deviations from acceptable behavior</a:t>
-            </a:r>
-          </a:p>
-          <a:p>
-            <a:pPr lvl="1"/>
-            <a:r>
-              <a:rPr lang="en-US" dirty="0" smtClean="0"/>
-              <a:t>Taking corrective/preventive action if necessary</a:t>
-            </a:r>
-            <a:endParaRPr lang="en-US" dirty="0"/>
-          </a:p>
-        </p:txBody>
-      </p:sp>
-    </p:spTree>
-    <p:extLst>
-      <p:ext uri="{BB962C8B-B14F-4D97-AF65-F5344CB8AC3E}">
-        <p14:creationId xmlns:p14="http://schemas.microsoft.com/office/powerpoint/2010/main" val="3485380567"/>
       </p:ext>
     </p:extLst>
   </p:cSld>
@@ -5698,7 +5772,7 @@
         </p:blipFill>
         <p:spPr>
           <a:xfrm>
-            <a:off x="-151935" y="2739465"/>
+            <a:off x="-127033" y="2739465"/>
             <a:ext cx="1998701" cy="1399248"/>
           </a:xfrm>
           <a:prstGeom prst="rect">
@@ -5878,7 +5952,7 @@
         </p:blipFill>
         <p:spPr>
           <a:xfrm>
-            <a:off x="1736985" y="2802244"/>
+            <a:off x="1774338" y="2802244"/>
             <a:ext cx="1103398" cy="797665"/>
           </a:xfrm>
           <a:prstGeom prst="rect">

--- a/Eager/elk-experiment/appserver/system_design.pptx
+++ b/Eager/elk-experiment/appserver/system_design.pptx
@@ -22,6 +22,16 @@
     <p:sldId id="270" r:id="rId16"/>
     <p:sldId id="271" r:id="rId17"/>
     <p:sldId id="272" r:id="rId18"/>
+    <p:sldId id="276" r:id="rId19"/>
+    <p:sldId id="277" r:id="rId20"/>
+    <p:sldId id="278" r:id="rId21"/>
+    <p:sldId id="279" r:id="rId22"/>
+    <p:sldId id="280" r:id="rId23"/>
+    <p:sldId id="281" r:id="rId24"/>
+    <p:sldId id="282" r:id="rId25"/>
+    <p:sldId id="283" r:id="rId26"/>
+    <p:sldId id="284" r:id="rId27"/>
+    <p:sldId id="285" r:id="rId28"/>
   </p:sldIdLst>
   <p:sldSz cx="9144000" cy="6858000" type="screen4x3"/>
   <p:notesSz cx="6858000" cy="9144000"/>
@@ -304,7 +314,7 @@
           <a:p>
             <a:fld id="{94C3570C-2D75-5147-A673-6C02746C58AB}" type="datetimeFigureOut">
               <a:rPr lang="en-US" smtClean="0"/>
-              <a:t>3/2/16</a:t>
+              <a:t>3/21/16</a:t>
             </a:fld>
             <a:endParaRPr lang="en-US"/>
           </a:p>
@@ -474,7 +484,7 @@
           <a:p>
             <a:fld id="{94C3570C-2D75-5147-A673-6C02746C58AB}" type="datetimeFigureOut">
               <a:rPr lang="en-US" smtClean="0"/>
-              <a:t>3/2/16</a:t>
+              <a:t>3/21/16</a:t>
             </a:fld>
             <a:endParaRPr lang="en-US"/>
           </a:p>
@@ -654,7 +664,7 @@
           <a:p>
             <a:fld id="{94C3570C-2D75-5147-A673-6C02746C58AB}" type="datetimeFigureOut">
               <a:rPr lang="en-US" smtClean="0"/>
-              <a:t>3/2/16</a:t>
+              <a:t>3/21/16</a:t>
             </a:fld>
             <a:endParaRPr lang="en-US"/>
           </a:p>
@@ -824,7 +834,7 @@
           <a:p>
             <a:fld id="{94C3570C-2D75-5147-A673-6C02746C58AB}" type="datetimeFigureOut">
               <a:rPr lang="en-US" smtClean="0"/>
-              <a:t>3/2/16</a:t>
+              <a:t>3/21/16</a:t>
             </a:fld>
             <a:endParaRPr lang="en-US"/>
           </a:p>
@@ -1070,7 +1080,7 @@
           <a:p>
             <a:fld id="{94C3570C-2D75-5147-A673-6C02746C58AB}" type="datetimeFigureOut">
               <a:rPr lang="en-US" smtClean="0"/>
-              <a:t>3/2/16</a:t>
+              <a:t>3/21/16</a:t>
             </a:fld>
             <a:endParaRPr lang="en-US"/>
           </a:p>
@@ -1358,7 +1368,7 @@
           <a:p>
             <a:fld id="{94C3570C-2D75-5147-A673-6C02746C58AB}" type="datetimeFigureOut">
               <a:rPr lang="en-US" smtClean="0"/>
-              <a:t>3/2/16</a:t>
+              <a:t>3/21/16</a:t>
             </a:fld>
             <a:endParaRPr lang="en-US"/>
           </a:p>
@@ -1780,7 +1790,7 @@
           <a:p>
             <a:fld id="{94C3570C-2D75-5147-A673-6C02746C58AB}" type="datetimeFigureOut">
               <a:rPr lang="en-US" smtClean="0"/>
-              <a:t>3/2/16</a:t>
+              <a:t>3/21/16</a:t>
             </a:fld>
             <a:endParaRPr lang="en-US"/>
           </a:p>
@@ -1898,7 +1908,7 @@
           <a:p>
             <a:fld id="{94C3570C-2D75-5147-A673-6C02746C58AB}" type="datetimeFigureOut">
               <a:rPr lang="en-US" smtClean="0"/>
-              <a:t>3/2/16</a:t>
+              <a:t>3/21/16</a:t>
             </a:fld>
             <a:endParaRPr lang="en-US"/>
           </a:p>
@@ -1993,7 +2003,7 @@
           <a:p>
             <a:fld id="{94C3570C-2D75-5147-A673-6C02746C58AB}" type="datetimeFigureOut">
               <a:rPr lang="en-US" smtClean="0"/>
-              <a:t>3/2/16</a:t>
+              <a:t>3/21/16</a:t>
             </a:fld>
             <a:endParaRPr lang="en-US"/>
           </a:p>
@@ -2270,7 +2280,7 @@
           <a:p>
             <a:fld id="{94C3570C-2D75-5147-A673-6C02746C58AB}" type="datetimeFigureOut">
               <a:rPr lang="en-US" smtClean="0"/>
-              <a:t>3/2/16</a:t>
+              <a:t>3/21/16</a:t>
             </a:fld>
             <a:endParaRPr lang="en-US"/>
           </a:p>
@@ -2523,7 +2533,7 @@
           <a:p>
             <a:fld id="{94C3570C-2D75-5147-A673-6C02746C58AB}" type="datetimeFigureOut">
               <a:rPr lang="en-US" smtClean="0"/>
-              <a:t>3/2/16</a:t>
+              <a:t>3/21/16</a:t>
             </a:fld>
             <a:endParaRPr lang="en-US"/>
           </a:p>
@@ -2736,7 +2746,7 @@
           <a:p>
             <a:fld id="{94C3570C-2D75-5147-A673-6C02746C58AB}" type="datetimeFigureOut">
               <a:rPr lang="en-US" smtClean="0"/>
-              <a:t>3/2/16</a:t>
+              <a:t>3/21/16</a:t>
             </a:fld>
             <a:endParaRPr lang="en-US"/>
           </a:p>
@@ -4620,6 +4630,271 @@
 </p:sld>
 </file>
 
+<file path=ppt/slides/slide18.xml><?xml version="1.0" encoding="utf-8"?>
+<p:sld xmlns:a="http://schemas.openxmlformats.org/drawingml/2006/main" xmlns:r="http://schemas.openxmlformats.org/officeDocument/2006/relationships" xmlns:p="http://schemas.openxmlformats.org/presentationml/2006/main">
+  <p:cSld>
+    <p:spTree>
+      <p:nvGrpSpPr>
+        <p:cNvPr id="1" name=""/>
+        <p:cNvGrpSpPr/>
+        <p:nvPr/>
+      </p:nvGrpSpPr>
+      <p:grpSpPr>
+        <a:xfrm>
+          <a:off x="0" y="0"/>
+          <a:ext cx="0" cy="0"/>
+          <a:chOff x="0" y="0"/>
+          <a:chExt cx="0" cy="0"/>
+        </a:xfrm>
+      </p:grpSpPr>
+      <p:sp>
+        <p:nvSpPr>
+          <p:cNvPr id="2" name="Title 1"/>
+          <p:cNvSpPr>
+            <a:spLocks noGrp="1"/>
+          </p:cNvSpPr>
+          <p:nvPr>
+            <p:ph type="title"/>
+          </p:nvPr>
+        </p:nvSpPr>
+        <p:spPr/>
+        <p:txBody>
+          <a:bodyPr/>
+          <a:lstStyle/>
+          <a:p>
+            <a:r>
+              <a:rPr lang="en-US" dirty="0" smtClean="0"/>
+              <a:t>Enforcing Good Coding Practices</a:t>
+            </a:r>
+            <a:endParaRPr lang="en-US" dirty="0"/>
+          </a:p>
+        </p:txBody>
+      </p:sp>
+      <p:sp>
+        <p:nvSpPr>
+          <p:cNvPr id="3" name="Content Placeholder 2"/>
+          <p:cNvSpPr>
+            <a:spLocks noGrp="1"/>
+          </p:cNvSpPr>
+          <p:nvPr>
+            <p:ph idx="1"/>
+          </p:nvPr>
+        </p:nvSpPr>
+        <p:spPr/>
+        <p:txBody>
+          <a:bodyPr/>
+          <a:lstStyle/>
+          <a:p>
+            <a:r>
+              <a:rPr lang="en-US" dirty="0" smtClean="0"/>
+              <a:t>Enforce code reuse</a:t>
+            </a:r>
+          </a:p>
+          <a:p>
+            <a:r>
+              <a:rPr lang="en-US" dirty="0" smtClean="0"/>
+              <a:t>Enforce naming and versioning conventions</a:t>
+            </a:r>
+          </a:p>
+          <a:p>
+            <a:r>
+              <a:rPr lang="en-US" dirty="0" smtClean="0"/>
+              <a:t>Enforce backward compatible code updates</a:t>
+            </a:r>
+          </a:p>
+          <a:p>
+            <a:r>
+              <a:rPr lang="en-US" dirty="0" smtClean="0"/>
+              <a:t>Catch bad code before it goes into production</a:t>
+            </a:r>
+          </a:p>
+          <a:p>
+            <a:r>
+              <a:rPr lang="en-US" dirty="0" smtClean="0"/>
+              <a:t>Simple mechanism to specify conventions/policies to be enforced</a:t>
+            </a:r>
+          </a:p>
+          <a:p>
+            <a:r>
+              <a:rPr lang="en-US" dirty="0" smtClean="0"/>
+              <a:t>Scalable, cloud-native implementation</a:t>
+            </a:r>
+          </a:p>
+          <a:p>
+            <a:endParaRPr lang="en-US" dirty="0"/>
+          </a:p>
+        </p:txBody>
+      </p:sp>
+    </p:spTree>
+    <p:extLst>
+      <p:ext uri="{BB962C8B-B14F-4D97-AF65-F5344CB8AC3E}">
+        <p14:creationId xmlns:p14="http://schemas.microsoft.com/office/powerpoint/2010/main" val="2964205391"/>
+      </p:ext>
+    </p:extLst>
+  </p:cSld>
+  <p:clrMapOvr>
+    <a:masterClrMapping/>
+  </p:clrMapOvr>
+</p:sld>
+</file>
+
+<file path=ppt/slides/slide19.xml><?xml version="1.0" encoding="utf-8"?>
+<p:sld xmlns:a="http://schemas.openxmlformats.org/drawingml/2006/main" xmlns:r="http://schemas.openxmlformats.org/officeDocument/2006/relationships" xmlns:p="http://schemas.openxmlformats.org/presentationml/2006/main">
+  <p:cSld>
+    <p:spTree>
+      <p:nvGrpSpPr>
+        <p:cNvPr id="1" name=""/>
+        <p:cNvGrpSpPr/>
+        <p:nvPr/>
+      </p:nvGrpSpPr>
+      <p:grpSpPr>
+        <a:xfrm>
+          <a:off x="0" y="0"/>
+          <a:ext cx="0" cy="0"/>
+          <a:chOff x="0" y="0"/>
+          <a:chExt cx="0" cy="0"/>
+        </a:xfrm>
+      </p:grpSpPr>
+      <p:sp>
+        <p:nvSpPr>
+          <p:cNvPr id="2" name="Title 1"/>
+          <p:cNvSpPr>
+            <a:spLocks noGrp="1"/>
+          </p:cNvSpPr>
+          <p:nvPr>
+            <p:ph type="title"/>
+          </p:nvPr>
+        </p:nvSpPr>
+        <p:spPr/>
+        <p:txBody>
+          <a:bodyPr/>
+          <a:lstStyle/>
+          <a:p>
+            <a:r>
+              <a:rPr lang="en-US" dirty="0" smtClean="0"/>
+              <a:t>EAGER</a:t>
+            </a:r>
+            <a:endParaRPr lang="en-US" dirty="0"/>
+          </a:p>
+        </p:txBody>
+      </p:sp>
+      <p:sp>
+        <p:nvSpPr>
+          <p:cNvPr id="3" name="Content Placeholder 2"/>
+          <p:cNvSpPr>
+            <a:spLocks noGrp="1"/>
+          </p:cNvSpPr>
+          <p:nvPr>
+            <p:ph idx="1"/>
+          </p:nvPr>
+        </p:nvSpPr>
+        <p:spPr/>
+        <p:txBody>
+          <a:bodyPr/>
+          <a:lstStyle/>
+          <a:p>
+            <a:r>
+              <a:rPr lang="en-US" b="1" dirty="0"/>
+              <a:t>E</a:t>
+            </a:r>
+            <a:r>
+              <a:rPr lang="en-US" dirty="0"/>
+              <a:t>nforced </a:t>
+            </a:r>
+            <a:r>
+              <a:rPr lang="en-US" b="1" dirty="0"/>
+              <a:t>A</a:t>
+            </a:r>
+            <a:r>
+              <a:rPr lang="en-US" dirty="0"/>
+              <a:t>PI </a:t>
+            </a:r>
+            <a:r>
+              <a:rPr lang="en-US" b="1" dirty="0"/>
+              <a:t>G</a:t>
+            </a:r>
+            <a:r>
+              <a:rPr lang="en-US" dirty="0"/>
+              <a:t>overnance </a:t>
+            </a:r>
+            <a:r>
+              <a:rPr lang="en-US" b="1" dirty="0"/>
+              <a:t>E</a:t>
+            </a:r>
+            <a:r>
+              <a:rPr lang="en-US" dirty="0"/>
+              <a:t>ngine for </a:t>
+            </a:r>
+            <a:r>
+              <a:rPr lang="en-US" b="1" dirty="0"/>
+              <a:t>R</a:t>
+            </a:r>
+            <a:r>
+              <a:rPr lang="en-US" dirty="0"/>
+              <a:t>EST</a:t>
+            </a:r>
+          </a:p>
+          <a:p>
+            <a:r>
+              <a:rPr lang="en-US" dirty="0"/>
+              <a:t>A model and an architecture for facilitating </a:t>
+            </a:r>
+            <a:r>
+              <a:rPr lang="en-US" dirty="0" smtClean="0"/>
+              <a:t>governance </a:t>
+            </a:r>
+            <a:r>
+              <a:rPr lang="en-US" dirty="0"/>
+              <a:t>as a native feature </a:t>
+            </a:r>
+            <a:r>
+              <a:rPr lang="en-US" dirty="0" smtClean="0"/>
+              <a:t>in </a:t>
+            </a:r>
+            <a:r>
+              <a:rPr lang="en-US" dirty="0" err="1"/>
+              <a:t>PaaS</a:t>
+            </a:r>
+            <a:r>
+              <a:rPr lang="en-US" dirty="0"/>
+              <a:t> clouds</a:t>
+            </a:r>
+          </a:p>
+          <a:p>
+            <a:r>
+              <a:rPr lang="en-US" dirty="0"/>
+              <a:t>Can be easily built into existing cloud platforms</a:t>
+            </a:r>
+          </a:p>
+          <a:p>
+            <a:r>
+              <a:rPr lang="en-US" dirty="0"/>
+              <a:t>Facilitates comprehensive policy enforcement at deployment </a:t>
+            </a:r>
+            <a:r>
+              <a:rPr lang="en-US" dirty="0" smtClean="0"/>
+              <a:t>of web applications</a:t>
+            </a:r>
+            <a:endParaRPr lang="en-US" dirty="0"/>
+          </a:p>
+          <a:p>
+            <a:endParaRPr lang="en-US" dirty="0"/>
+          </a:p>
+        </p:txBody>
+      </p:sp>
+    </p:spTree>
+    <p:extLst>
+      <p:ext uri="{BB962C8B-B14F-4D97-AF65-F5344CB8AC3E}">
+        <p14:creationId xmlns:p14="http://schemas.microsoft.com/office/powerpoint/2010/main" val="1616679414"/>
+      </p:ext>
+    </p:extLst>
+  </p:cSld>
+  <p:clrMapOvr>
+    <a:masterClrMapping/>
+  </p:clrMapOvr>
+</p:sld>
+</file>
+
 <file path=ppt/slides/slide2.xml><?xml version="1.0" encoding="utf-8"?>
 <p:sld xmlns:a="http://schemas.openxmlformats.org/drawingml/2006/main" xmlns:r="http://schemas.openxmlformats.org/officeDocument/2006/relationships" xmlns:p="http://schemas.openxmlformats.org/presentationml/2006/main">
   <p:cSld>
@@ -4732,6 +5007,1210 @@
       </p:par>
     </p:tnLst>
   </p:timing>
+</p:sld>
+</file>
+
+<file path=ppt/slides/slide20.xml><?xml version="1.0" encoding="utf-8"?>
+<p:sld xmlns:a="http://schemas.openxmlformats.org/drawingml/2006/main" xmlns:r="http://schemas.openxmlformats.org/officeDocument/2006/relationships" xmlns:p="http://schemas.openxmlformats.org/presentationml/2006/main">
+  <p:cSld>
+    <p:spTree>
+      <p:nvGrpSpPr>
+        <p:cNvPr id="1" name=""/>
+        <p:cNvGrpSpPr/>
+        <p:nvPr/>
+      </p:nvGrpSpPr>
+      <p:grpSpPr>
+        <a:xfrm>
+          <a:off x="0" y="0"/>
+          <a:ext cx="0" cy="0"/>
+          <a:chOff x="0" y="0"/>
+          <a:chExt cx="0" cy="0"/>
+        </a:xfrm>
+      </p:grpSpPr>
+      <p:sp>
+        <p:nvSpPr>
+          <p:cNvPr id="2" name="Title 1"/>
+          <p:cNvSpPr>
+            <a:spLocks noGrp="1"/>
+          </p:cNvSpPr>
+          <p:nvPr>
+            <p:ph type="title"/>
+          </p:nvPr>
+        </p:nvSpPr>
+        <p:spPr/>
+        <p:txBody>
+          <a:bodyPr/>
+          <a:lstStyle/>
+          <a:p>
+            <a:r>
+              <a:rPr lang="en-US" dirty="0" smtClean="0"/>
+              <a:t>EAGER Architecture</a:t>
+            </a:r>
+            <a:endParaRPr lang="en-US" dirty="0"/>
+          </a:p>
+        </p:txBody>
+      </p:sp>
+      <p:pic>
+        <p:nvPicPr>
+          <p:cNvPr id="4" name="Content Placeholder 3" descr="eager_design_2.png"/>
+          <p:cNvPicPr>
+            <a:picLocks noGrp="1" noChangeAspect="1"/>
+          </p:cNvPicPr>
+          <p:nvPr>
+            <p:ph idx="1"/>
+          </p:nvPr>
+        </p:nvPicPr>
+        <p:blipFill>
+          <a:blip r:embed="rId2">
+            <a:extLst>
+              <a:ext uri="{28A0092B-C50C-407E-A947-70E740481C1C}">
+                <a14:useLocalDpi xmlns:a14="http://schemas.microsoft.com/office/drawing/2010/main" val="0"/>
+              </a:ext>
+            </a:extLst>
+          </a:blip>
+          <a:srcRect l="-14689" r="-14689"/>
+          <a:stretch>
+            <a:fillRect/>
+          </a:stretch>
+        </p:blipFill>
+        <p:spPr/>
+      </p:pic>
+    </p:spTree>
+    <p:extLst>
+      <p:ext uri="{BB962C8B-B14F-4D97-AF65-F5344CB8AC3E}">
+        <p14:creationId xmlns:p14="http://schemas.microsoft.com/office/powerpoint/2010/main" val="1258510060"/>
+      </p:ext>
+    </p:extLst>
+  </p:cSld>
+  <p:clrMapOvr>
+    <a:masterClrMapping/>
+  </p:clrMapOvr>
+</p:sld>
+</file>
+
+<file path=ppt/slides/slide21.xml><?xml version="1.0" encoding="utf-8"?>
+<p:sld xmlns:a="http://schemas.openxmlformats.org/drawingml/2006/main" xmlns:r="http://schemas.openxmlformats.org/officeDocument/2006/relationships" xmlns:p="http://schemas.openxmlformats.org/presentationml/2006/main">
+  <p:cSld>
+    <p:spTree>
+      <p:nvGrpSpPr>
+        <p:cNvPr id="1" name=""/>
+        <p:cNvGrpSpPr/>
+        <p:nvPr/>
+      </p:nvGrpSpPr>
+      <p:grpSpPr>
+        <a:xfrm>
+          <a:off x="0" y="0"/>
+          <a:ext cx="0" cy="0"/>
+          <a:chOff x="0" y="0"/>
+          <a:chExt cx="0" cy="0"/>
+        </a:xfrm>
+      </p:grpSpPr>
+      <p:sp>
+        <p:nvSpPr>
+          <p:cNvPr id="2" name="Title 1"/>
+          <p:cNvSpPr>
+            <a:spLocks noGrp="1"/>
+          </p:cNvSpPr>
+          <p:nvPr>
+            <p:ph type="title"/>
+          </p:nvPr>
+        </p:nvSpPr>
+        <p:spPr/>
+        <p:txBody>
+          <a:bodyPr/>
+          <a:lstStyle/>
+          <a:p>
+            <a:r>
+              <a:rPr lang="en-US" dirty="0" smtClean="0"/>
+              <a:t>Policy Language</a:t>
+            </a:r>
+            <a:endParaRPr lang="en-US" dirty="0"/>
+          </a:p>
+        </p:txBody>
+      </p:sp>
+      <p:sp>
+        <p:nvSpPr>
+          <p:cNvPr id="3" name="Content Placeholder 2"/>
+          <p:cNvSpPr>
+            <a:spLocks noGrp="1"/>
+          </p:cNvSpPr>
+          <p:nvPr>
+            <p:ph idx="1"/>
+          </p:nvPr>
+        </p:nvSpPr>
+        <p:spPr/>
+        <p:txBody>
+          <a:bodyPr/>
+          <a:lstStyle/>
+          <a:p>
+            <a:r>
+              <a:rPr lang="en-US" dirty="0"/>
+              <a:t>Based on Python</a:t>
+            </a:r>
+          </a:p>
+          <a:p>
+            <a:pPr lvl="1"/>
+            <a:r>
+              <a:rPr lang="en-US" dirty="0"/>
+              <a:t>No file system or network access</a:t>
+            </a:r>
+          </a:p>
+          <a:p>
+            <a:pPr lvl="1"/>
+            <a:r>
+              <a:rPr lang="en-US" dirty="0"/>
+              <a:t>Restricted access to other Python modules</a:t>
+            </a:r>
+          </a:p>
+          <a:p>
+            <a:r>
+              <a:rPr lang="en-US" dirty="0"/>
+              <a:t>Policy conditions are expressed using assertion functions</a:t>
+            </a:r>
+          </a:p>
+          <a:p>
+            <a:pPr lvl="1"/>
+            <a:r>
+              <a:rPr lang="en-US" sz="2000" dirty="0" err="1">
+                <a:latin typeface="Courier"/>
+                <a:cs typeface="Courier"/>
+              </a:rPr>
+              <a:t>assert_true</a:t>
+            </a:r>
+            <a:r>
+              <a:rPr lang="en-US" sz="2000" dirty="0">
+                <a:latin typeface="Courier"/>
+                <a:cs typeface="Courier"/>
+              </a:rPr>
+              <a:t>(…)</a:t>
+            </a:r>
+          </a:p>
+          <a:p>
+            <a:pPr lvl="1"/>
+            <a:r>
+              <a:rPr lang="en-US" sz="2000" dirty="0" err="1">
+                <a:latin typeface="Courier"/>
+                <a:cs typeface="Courier"/>
+              </a:rPr>
+              <a:t>assert_false</a:t>
+            </a:r>
+            <a:r>
+              <a:rPr lang="en-US" sz="2000" dirty="0">
+                <a:latin typeface="Courier"/>
+                <a:cs typeface="Courier"/>
+              </a:rPr>
+              <a:t>(…)</a:t>
+            </a:r>
+          </a:p>
+          <a:p>
+            <a:pPr lvl="1"/>
+            <a:r>
+              <a:rPr lang="en-US" sz="2000" dirty="0" err="1">
+                <a:latin typeface="Courier"/>
+                <a:cs typeface="Courier"/>
+              </a:rPr>
+              <a:t>assert_app_dependency</a:t>
+            </a:r>
+            <a:r>
+              <a:rPr lang="en-US" sz="2000" dirty="0">
+                <a:latin typeface="Courier"/>
+                <a:cs typeface="Courier"/>
+              </a:rPr>
+              <a:t>(…)</a:t>
+            </a:r>
+          </a:p>
+          <a:p>
+            <a:pPr lvl="1"/>
+            <a:r>
+              <a:rPr lang="en-US" sz="2000" dirty="0" err="1">
+                <a:latin typeface="Courier"/>
+                <a:cs typeface="Courier"/>
+              </a:rPr>
+              <a:t>assert_not_app_dependency</a:t>
+            </a:r>
+            <a:r>
+              <a:rPr lang="en-US" sz="2000" dirty="0">
+                <a:latin typeface="Courier"/>
+                <a:cs typeface="Courier"/>
+              </a:rPr>
+              <a:t>(…)</a:t>
+            </a:r>
+          </a:p>
+          <a:p>
+            <a:pPr lvl="1"/>
+            <a:r>
+              <a:rPr lang="en-US" sz="2000" dirty="0" err="1">
+                <a:latin typeface="Courier"/>
+                <a:cs typeface="Courier"/>
+              </a:rPr>
+              <a:t>assert_app_dependency_in_range</a:t>
+            </a:r>
+            <a:r>
+              <a:rPr lang="en-US" sz="2000" dirty="0">
+                <a:latin typeface="Courier"/>
+                <a:cs typeface="Courier"/>
+              </a:rPr>
+              <a:t>(…)</a:t>
+            </a:r>
+          </a:p>
+          <a:p>
+            <a:endParaRPr lang="en-US" dirty="0"/>
+          </a:p>
+        </p:txBody>
+      </p:sp>
+    </p:spTree>
+    <p:extLst>
+      <p:ext uri="{BB962C8B-B14F-4D97-AF65-F5344CB8AC3E}">
+        <p14:creationId xmlns:p14="http://schemas.microsoft.com/office/powerpoint/2010/main" val="1897109995"/>
+      </p:ext>
+    </p:extLst>
+  </p:cSld>
+  <p:clrMapOvr>
+    <a:masterClrMapping/>
+  </p:clrMapOvr>
+</p:sld>
+</file>
+
+<file path=ppt/slides/slide22.xml><?xml version="1.0" encoding="utf-8"?>
+<p:sld xmlns:a="http://schemas.openxmlformats.org/drawingml/2006/main" xmlns:r="http://schemas.openxmlformats.org/officeDocument/2006/relationships" xmlns:p="http://schemas.openxmlformats.org/presentationml/2006/main">
+  <p:cSld>
+    <p:spTree>
+      <p:nvGrpSpPr>
+        <p:cNvPr id="1" name=""/>
+        <p:cNvGrpSpPr/>
+        <p:nvPr/>
+      </p:nvGrpSpPr>
+      <p:grpSpPr>
+        <a:xfrm>
+          <a:off x="0" y="0"/>
+          <a:ext cx="0" cy="0"/>
+          <a:chOff x="0" y="0"/>
+          <a:chExt cx="0" cy="0"/>
+        </a:xfrm>
+      </p:grpSpPr>
+      <p:sp>
+        <p:nvSpPr>
+          <p:cNvPr id="2" name="Title 1"/>
+          <p:cNvSpPr>
+            <a:spLocks noGrp="1"/>
+          </p:cNvSpPr>
+          <p:nvPr>
+            <p:ph type="title"/>
+          </p:nvPr>
+        </p:nvSpPr>
+        <p:spPr/>
+        <p:txBody>
+          <a:bodyPr/>
+          <a:lstStyle/>
+          <a:p>
+            <a:r>
+              <a:rPr lang="en-US" dirty="0" smtClean="0"/>
+              <a:t>Example Policies</a:t>
+            </a:r>
+            <a:endParaRPr lang="en-US" dirty="0"/>
+          </a:p>
+        </p:txBody>
+      </p:sp>
+      <p:sp>
+        <p:nvSpPr>
+          <p:cNvPr id="3" name="Content Placeholder 2"/>
+          <p:cNvSpPr>
+            <a:spLocks noGrp="1"/>
+          </p:cNvSpPr>
+          <p:nvPr>
+            <p:ph idx="1"/>
+          </p:nvPr>
+        </p:nvSpPr>
+        <p:spPr/>
+        <p:txBody>
+          <a:bodyPr>
+            <a:normAutofit fontScale="62500" lnSpcReduction="20000"/>
+          </a:bodyPr>
+          <a:lstStyle/>
+          <a:p>
+            <a:pPr marL="0" indent="0">
+              <a:buNone/>
+            </a:pPr>
+            <a:r>
+              <a:rPr lang="en-US" dirty="0">
+                <a:latin typeface="Courier"/>
+                <a:cs typeface="Courier"/>
+              </a:rPr>
+              <a:t>if </a:t>
+            </a:r>
+            <a:r>
+              <a:rPr lang="en-US" dirty="0" err="1">
+                <a:latin typeface="Courier"/>
+                <a:cs typeface="Courier"/>
+              </a:rPr>
+              <a:t>app.owner.endswith</a:t>
+            </a:r>
+            <a:r>
+              <a:rPr lang="en-US" dirty="0">
+                <a:latin typeface="Courier"/>
+                <a:cs typeface="Courier"/>
+              </a:rPr>
+              <a:t>(‘@</a:t>
+            </a:r>
+            <a:r>
+              <a:rPr lang="en-US" dirty="0" err="1">
+                <a:latin typeface="Courier"/>
+                <a:cs typeface="Courier"/>
+              </a:rPr>
+              <a:t>engineering.test.com</a:t>
+            </a:r>
+            <a:r>
+              <a:rPr lang="en-US" dirty="0">
+                <a:latin typeface="Courier"/>
+                <a:cs typeface="Courier"/>
+              </a:rPr>
+              <a:t>’):</a:t>
+            </a:r>
+          </a:p>
+          <a:p>
+            <a:pPr marL="0" indent="0">
+              <a:buNone/>
+            </a:pPr>
+            <a:r>
+              <a:rPr lang="en-US" dirty="0">
+                <a:latin typeface="Courier"/>
+                <a:cs typeface="Courier"/>
+              </a:rPr>
+              <a:t>  </a:t>
+            </a:r>
+            <a:r>
+              <a:rPr lang="en-US" dirty="0" err="1">
+                <a:latin typeface="Courier"/>
+                <a:cs typeface="Courier"/>
+              </a:rPr>
+              <a:t>assert_app_dependency</a:t>
+            </a:r>
+            <a:r>
+              <a:rPr lang="en-US" dirty="0">
+                <a:latin typeface="Courier"/>
+                <a:cs typeface="Courier"/>
+              </a:rPr>
+              <a:t>(app, ‘Log’, ‘1.0’)</a:t>
+            </a:r>
+          </a:p>
+          <a:p>
+            <a:pPr marL="0" indent="0">
+              <a:buNone/>
+            </a:pPr>
+            <a:r>
+              <a:rPr lang="en-US" dirty="0" err="1">
+                <a:latin typeface="Courier"/>
+                <a:cs typeface="Courier"/>
+              </a:rPr>
+              <a:t>elif</a:t>
+            </a:r>
+            <a:r>
+              <a:rPr lang="en-US" dirty="0">
+                <a:latin typeface="Courier"/>
+                <a:cs typeface="Courier"/>
+              </a:rPr>
+              <a:t> </a:t>
+            </a:r>
+            <a:r>
+              <a:rPr lang="en-US" dirty="0" err="1">
+                <a:latin typeface="Courier"/>
+                <a:cs typeface="Courier"/>
+              </a:rPr>
+              <a:t>app.owner.endswith</a:t>
+            </a:r>
+            <a:r>
+              <a:rPr lang="en-US" dirty="0">
+                <a:latin typeface="Courier"/>
+                <a:cs typeface="Courier"/>
+              </a:rPr>
+              <a:t>(‘@</a:t>
+            </a:r>
+            <a:r>
+              <a:rPr lang="en-US" dirty="0" err="1">
+                <a:latin typeface="Courier"/>
+                <a:cs typeface="Courier"/>
+              </a:rPr>
+              <a:t>sales.test.com</a:t>
+            </a:r>
+            <a:r>
+              <a:rPr lang="en-US" dirty="0">
+                <a:latin typeface="Courier"/>
+                <a:cs typeface="Courier"/>
+              </a:rPr>
+              <a:t>’):</a:t>
+            </a:r>
+          </a:p>
+          <a:p>
+            <a:pPr marL="0" indent="0">
+              <a:buNone/>
+            </a:pPr>
+            <a:r>
+              <a:rPr lang="en-US" dirty="0">
+                <a:latin typeface="Courier"/>
+                <a:cs typeface="Courier"/>
+              </a:rPr>
+              <a:t>  </a:t>
+            </a:r>
+            <a:r>
+              <a:rPr lang="en-US" dirty="0" err="1">
+                <a:latin typeface="Courier"/>
+                <a:cs typeface="Courier"/>
+              </a:rPr>
+              <a:t>assert_app_dependency</a:t>
+            </a:r>
+            <a:r>
+              <a:rPr lang="en-US" dirty="0">
+                <a:latin typeface="Courier"/>
+                <a:cs typeface="Courier"/>
+              </a:rPr>
+              <a:t>(app, ‘</a:t>
+            </a:r>
+            <a:r>
+              <a:rPr lang="en-US" dirty="0" err="1">
+                <a:latin typeface="Courier"/>
+                <a:cs typeface="Courier"/>
+              </a:rPr>
+              <a:t>AnalyticsLog</a:t>
+            </a:r>
+            <a:r>
+              <a:rPr lang="en-US" dirty="0">
+                <a:latin typeface="Courier"/>
+                <a:cs typeface="Courier"/>
+              </a:rPr>
+              <a:t>’, ‘1.0’)</a:t>
+            </a:r>
+          </a:p>
+          <a:p>
+            <a:pPr marL="0" indent="0">
+              <a:buNone/>
+            </a:pPr>
+            <a:r>
+              <a:rPr lang="en-US" dirty="0">
+                <a:latin typeface="Courier"/>
+                <a:cs typeface="Courier"/>
+              </a:rPr>
+              <a:t>else:</a:t>
+            </a:r>
+          </a:p>
+          <a:p>
+            <a:pPr marL="0" indent="0">
+              <a:buNone/>
+            </a:pPr>
+            <a:r>
+              <a:rPr lang="en-US" dirty="0">
+                <a:latin typeface="Courier"/>
+                <a:cs typeface="Courier"/>
+              </a:rPr>
+              <a:t>  </a:t>
+            </a:r>
+            <a:r>
+              <a:rPr lang="en-US" dirty="0" err="1">
+                <a:latin typeface="Courier"/>
+                <a:cs typeface="Courier"/>
+              </a:rPr>
+              <a:t>assert_app_dependency</a:t>
+            </a:r>
+            <a:r>
+              <a:rPr lang="en-US" dirty="0">
+                <a:latin typeface="Courier"/>
+                <a:cs typeface="Courier"/>
+              </a:rPr>
+              <a:t>(app, ‘</a:t>
+            </a:r>
+            <a:r>
+              <a:rPr lang="en-US" dirty="0" err="1">
+                <a:latin typeface="Courier"/>
+                <a:cs typeface="Courier"/>
+              </a:rPr>
+              <a:t>GenericLog</a:t>
+            </a:r>
+            <a:r>
+              <a:rPr lang="en-US" dirty="0">
+                <a:latin typeface="Courier"/>
+                <a:cs typeface="Courier"/>
+              </a:rPr>
+              <a:t>’, ‘1.0’)</a:t>
+            </a:r>
+          </a:p>
+          <a:p>
+            <a:pPr marL="0" indent="0">
+              <a:buNone/>
+            </a:pPr>
+            <a:endParaRPr lang="en-US" dirty="0" smtClean="0">
+              <a:latin typeface="Courier"/>
+              <a:cs typeface="Courier"/>
+            </a:endParaRPr>
+          </a:p>
+          <a:p>
+            <a:pPr marL="0" indent="0">
+              <a:buNone/>
+            </a:pPr>
+            <a:endParaRPr lang="en-US" dirty="0">
+              <a:latin typeface="Courier"/>
+              <a:cs typeface="Courier"/>
+            </a:endParaRPr>
+          </a:p>
+          <a:p>
+            <a:pPr marL="0" indent="0">
+              <a:buNone/>
+            </a:pPr>
+            <a:endParaRPr lang="en-US" dirty="0">
+              <a:latin typeface="Courier"/>
+              <a:cs typeface="Courier"/>
+            </a:endParaRPr>
+          </a:p>
+          <a:p>
+            <a:pPr marL="0" indent="0">
+              <a:buNone/>
+            </a:pPr>
+            <a:r>
+              <a:rPr lang="en-US" dirty="0">
+                <a:latin typeface="Courier"/>
+                <a:cs typeface="Courier"/>
+              </a:rPr>
+              <a:t>deprecated = filter(</a:t>
+            </a:r>
+          </a:p>
+          <a:p>
+            <a:pPr marL="0" indent="0">
+              <a:buNone/>
+            </a:pPr>
+            <a:r>
+              <a:rPr lang="en-US" dirty="0">
+                <a:latin typeface="Courier"/>
+                <a:cs typeface="Courier"/>
+              </a:rPr>
+              <a:t>  lambda </a:t>
+            </a:r>
+            <a:r>
+              <a:rPr lang="en-US" dirty="0" err="1">
+                <a:latin typeface="Courier"/>
+                <a:cs typeface="Courier"/>
+              </a:rPr>
+              <a:t>dep</a:t>
+            </a:r>
+            <a:r>
+              <a:rPr lang="en-US" dirty="0">
+                <a:latin typeface="Courier"/>
+                <a:cs typeface="Courier"/>
+              </a:rPr>
+              <a:t>: </a:t>
+            </a:r>
+            <a:r>
+              <a:rPr lang="en-US" dirty="0" err="1">
+                <a:latin typeface="Courier"/>
+                <a:cs typeface="Courier"/>
+              </a:rPr>
+              <a:t>dep.status</a:t>
+            </a:r>
+            <a:r>
+              <a:rPr lang="en-US" dirty="0">
+                <a:latin typeface="Courier"/>
+                <a:cs typeface="Courier"/>
+              </a:rPr>
+              <a:t> = ‘Deprecated’,</a:t>
+            </a:r>
+          </a:p>
+          <a:p>
+            <a:pPr marL="0" indent="0">
+              <a:buNone/>
+            </a:pPr>
+            <a:r>
+              <a:rPr lang="en-US" dirty="0">
+                <a:latin typeface="Courier"/>
+                <a:cs typeface="Courier"/>
+              </a:rPr>
+              <a:t>  </a:t>
+            </a:r>
+            <a:r>
+              <a:rPr lang="en-US" dirty="0" err="1">
+                <a:latin typeface="Courier"/>
+                <a:cs typeface="Courier"/>
+              </a:rPr>
+              <a:t>app.dependencies</a:t>
+            </a:r>
+            <a:r>
+              <a:rPr lang="en-US" dirty="0">
+                <a:latin typeface="Courier"/>
+                <a:cs typeface="Courier"/>
+              </a:rPr>
+              <a:t>)</a:t>
+            </a:r>
+          </a:p>
+          <a:p>
+            <a:pPr marL="0" indent="0">
+              <a:buNone/>
+            </a:pPr>
+            <a:r>
+              <a:rPr lang="en-US" dirty="0" err="1">
+                <a:latin typeface="Courier"/>
+                <a:cs typeface="Courier"/>
+              </a:rPr>
+              <a:t>assert_false</a:t>
+            </a:r>
+            <a:r>
+              <a:rPr lang="en-US" dirty="0">
+                <a:latin typeface="Courier"/>
+                <a:cs typeface="Courier"/>
+              </a:rPr>
+              <a:t>(deprecated, </a:t>
+            </a:r>
+          </a:p>
+          <a:p>
+            <a:pPr marL="0" indent="0">
+              <a:buNone/>
+            </a:pPr>
+            <a:r>
+              <a:rPr lang="en-US" dirty="0">
+                <a:latin typeface="Courier"/>
+                <a:cs typeface="Courier"/>
+              </a:rPr>
+              <a:t>  ‘must not use deprecated dependencies’)</a:t>
+            </a:r>
+          </a:p>
+          <a:p>
+            <a:pPr marL="0" indent="0">
+              <a:buNone/>
+            </a:pPr>
+            <a:endParaRPr lang="en-US" dirty="0">
+              <a:latin typeface="Courier"/>
+              <a:cs typeface="Courier"/>
+            </a:endParaRPr>
+          </a:p>
+          <a:p>
+            <a:pPr marL="0" indent="0">
+              <a:buNone/>
+            </a:pPr>
+            <a:endParaRPr lang="en-US" dirty="0"/>
+          </a:p>
+        </p:txBody>
+      </p:sp>
+    </p:spTree>
+    <p:extLst>
+      <p:ext uri="{BB962C8B-B14F-4D97-AF65-F5344CB8AC3E}">
+        <p14:creationId xmlns:p14="http://schemas.microsoft.com/office/powerpoint/2010/main" val="1618035673"/>
+      </p:ext>
+    </p:extLst>
+  </p:cSld>
+  <p:clrMapOvr>
+    <a:masterClrMapping/>
+  </p:clrMapOvr>
+</p:sld>
+</file>
+
+<file path=ppt/slides/slide23.xml><?xml version="1.0" encoding="utf-8"?>
+<p:sld xmlns:a="http://schemas.openxmlformats.org/drawingml/2006/main" xmlns:r="http://schemas.openxmlformats.org/officeDocument/2006/relationships" xmlns:p="http://schemas.openxmlformats.org/presentationml/2006/main">
+  <p:cSld>
+    <p:spTree>
+      <p:nvGrpSpPr>
+        <p:cNvPr id="1" name=""/>
+        <p:cNvGrpSpPr/>
+        <p:nvPr/>
+      </p:nvGrpSpPr>
+      <p:grpSpPr>
+        <a:xfrm>
+          <a:off x="0" y="0"/>
+          <a:ext cx="0" cy="0"/>
+          <a:chOff x="0" y="0"/>
+          <a:chExt cx="0" cy="0"/>
+        </a:xfrm>
+      </p:grpSpPr>
+      <p:sp>
+        <p:nvSpPr>
+          <p:cNvPr id="2" name="Title 1"/>
+          <p:cNvSpPr>
+            <a:spLocks noGrp="1"/>
+          </p:cNvSpPr>
+          <p:nvPr>
+            <p:ph type="title"/>
+          </p:nvPr>
+        </p:nvSpPr>
+        <p:spPr/>
+        <p:txBody>
+          <a:bodyPr/>
+          <a:lstStyle/>
+          <a:p>
+            <a:r>
+              <a:rPr lang="en-US" dirty="0" smtClean="0"/>
+              <a:t>EAGER Prototype</a:t>
+            </a:r>
+            <a:endParaRPr lang="en-US" dirty="0"/>
+          </a:p>
+        </p:txBody>
+      </p:sp>
+      <p:sp>
+        <p:nvSpPr>
+          <p:cNvPr id="3" name="Content Placeholder 2"/>
+          <p:cNvSpPr>
+            <a:spLocks noGrp="1"/>
+          </p:cNvSpPr>
+          <p:nvPr>
+            <p:ph idx="1"/>
+          </p:nvPr>
+        </p:nvSpPr>
+        <p:spPr/>
+        <p:txBody>
+          <a:bodyPr/>
+          <a:lstStyle/>
+          <a:p>
+            <a:r>
+              <a:rPr lang="en-US" dirty="0"/>
+              <a:t>Implemented into </a:t>
+            </a:r>
+            <a:r>
+              <a:rPr lang="en-US" dirty="0" err="1"/>
+              <a:t>AppScale</a:t>
+            </a:r>
+            <a:endParaRPr lang="en-US" dirty="0"/>
+          </a:p>
+          <a:p>
+            <a:pPr lvl="1"/>
+            <a:r>
+              <a:rPr lang="en-US" dirty="0">
+                <a:hlinkClick r:id="rId2"/>
+              </a:rPr>
+              <a:t>http://appscale.com</a:t>
+            </a:r>
+            <a:endParaRPr lang="en-US" dirty="0"/>
+          </a:p>
+          <a:p>
+            <a:r>
+              <a:rPr lang="en-US" dirty="0"/>
+              <a:t>Metadata Manager – MySQL</a:t>
+            </a:r>
+          </a:p>
+          <a:p>
+            <a:r>
+              <a:rPr lang="en-US" dirty="0"/>
+              <a:t>API Gateway and Discovery Portal – WSO2</a:t>
+            </a:r>
+          </a:p>
+          <a:p>
+            <a:r>
+              <a:rPr lang="en-US" dirty="0"/>
+              <a:t>All additional processes integrated into the task management subsystem of </a:t>
+            </a:r>
+            <a:r>
+              <a:rPr lang="en-US" dirty="0" err="1"/>
+              <a:t>AppScale</a:t>
+            </a:r>
+            <a:endParaRPr lang="en-US" dirty="0"/>
+          </a:p>
+          <a:p>
+            <a:r>
+              <a:rPr lang="en-US" dirty="0"/>
+              <a:t>Minimal code changes/additions</a:t>
+            </a:r>
+          </a:p>
+          <a:p>
+            <a:endParaRPr lang="en-US" dirty="0"/>
+          </a:p>
+        </p:txBody>
+      </p:sp>
+      <p:pic>
+        <p:nvPicPr>
+          <p:cNvPr id="4" name="Picture 3" descr="AppScale_Systems_Logo.png"/>
+          <p:cNvPicPr>
+            <a:picLocks noChangeAspect="1"/>
+          </p:cNvPicPr>
+          <p:nvPr/>
+        </p:nvPicPr>
+        <p:blipFill>
+          <a:blip r:embed="rId3">
+            <a:extLst>
+              <a:ext uri="{28A0092B-C50C-407E-A947-70E740481C1C}">
+                <a14:useLocalDpi xmlns:a14="http://schemas.microsoft.com/office/drawing/2010/main" val="0"/>
+              </a:ext>
+            </a:extLst>
+          </a:blip>
+          <a:stretch>
+            <a:fillRect/>
+          </a:stretch>
+        </p:blipFill>
+        <p:spPr>
+          <a:xfrm>
+            <a:off x="8026307" y="5323279"/>
+            <a:ext cx="1117693" cy="1605768"/>
+          </a:xfrm>
+          <a:prstGeom prst="rect">
+            <a:avLst/>
+          </a:prstGeom>
+        </p:spPr>
+      </p:pic>
+    </p:spTree>
+    <p:extLst>
+      <p:ext uri="{BB962C8B-B14F-4D97-AF65-F5344CB8AC3E}">
+        <p14:creationId xmlns:p14="http://schemas.microsoft.com/office/powerpoint/2010/main" val="3193340499"/>
+      </p:ext>
+    </p:extLst>
+  </p:cSld>
+  <p:clrMapOvr>
+    <a:masterClrMapping/>
+  </p:clrMapOvr>
+</p:sld>
+</file>
+
+<file path=ppt/slides/slide24.xml><?xml version="1.0" encoding="utf-8"?>
+<p:sld xmlns:a="http://schemas.openxmlformats.org/drawingml/2006/main" xmlns:r="http://schemas.openxmlformats.org/officeDocument/2006/relationships" xmlns:p="http://schemas.openxmlformats.org/presentationml/2006/main">
+  <p:cSld>
+    <p:spTree>
+      <p:nvGrpSpPr>
+        <p:cNvPr id="1" name=""/>
+        <p:cNvGrpSpPr/>
+        <p:nvPr/>
+      </p:nvGrpSpPr>
+      <p:grpSpPr>
+        <a:xfrm>
+          <a:off x="0" y="0"/>
+          <a:ext cx="0" cy="0"/>
+          <a:chOff x="0" y="0"/>
+          <a:chExt cx="0" cy="0"/>
+        </a:xfrm>
+      </p:grpSpPr>
+      <p:sp>
+        <p:nvSpPr>
+          <p:cNvPr id="2" name="Title 1"/>
+          <p:cNvSpPr>
+            <a:spLocks noGrp="1"/>
+          </p:cNvSpPr>
+          <p:nvPr>
+            <p:ph type="title"/>
+          </p:nvPr>
+        </p:nvSpPr>
+        <p:spPr/>
+        <p:txBody>
+          <a:bodyPr/>
+          <a:lstStyle/>
+          <a:p>
+            <a:r>
+              <a:rPr lang="en-US" dirty="0" smtClean="0"/>
+              <a:t>EAGER Overhead by App</a:t>
+            </a:r>
+            <a:endParaRPr lang="en-US" dirty="0"/>
+          </a:p>
+        </p:txBody>
+      </p:sp>
+      <p:pic>
+        <p:nvPicPr>
+          <p:cNvPr id="4" name="Content Placeholder 3" descr="overhead_by_app.png"/>
+          <p:cNvPicPr>
+            <a:picLocks noGrp="1" noChangeAspect="1"/>
+          </p:cNvPicPr>
+          <p:nvPr>
+            <p:ph idx="1"/>
+          </p:nvPr>
+        </p:nvPicPr>
+        <p:blipFill>
+          <a:blip r:embed="rId2">
+            <a:extLst>
+              <a:ext uri="{28A0092B-C50C-407E-A947-70E740481C1C}">
+                <a14:useLocalDpi xmlns:a14="http://schemas.microsoft.com/office/drawing/2010/main" val="0"/>
+              </a:ext>
+            </a:extLst>
+          </a:blip>
+          <a:srcRect l="-7416" r="-7416"/>
+          <a:stretch>
+            <a:fillRect/>
+          </a:stretch>
+        </p:blipFill>
+        <p:spPr/>
+      </p:pic>
+    </p:spTree>
+    <p:extLst>
+      <p:ext uri="{BB962C8B-B14F-4D97-AF65-F5344CB8AC3E}">
+        <p14:creationId xmlns:p14="http://schemas.microsoft.com/office/powerpoint/2010/main" val="2286169667"/>
+      </p:ext>
+    </p:extLst>
+  </p:cSld>
+  <p:clrMapOvr>
+    <a:masterClrMapping/>
+  </p:clrMapOvr>
+</p:sld>
+</file>
+
+<file path=ppt/slides/slide25.xml><?xml version="1.0" encoding="utf-8"?>
+<p:sld xmlns:a="http://schemas.openxmlformats.org/drawingml/2006/main" xmlns:r="http://schemas.openxmlformats.org/officeDocument/2006/relationships" xmlns:p="http://schemas.openxmlformats.org/presentationml/2006/main">
+  <p:cSld>
+    <p:spTree>
+      <p:nvGrpSpPr>
+        <p:cNvPr id="1" name=""/>
+        <p:cNvGrpSpPr/>
+        <p:nvPr/>
+      </p:nvGrpSpPr>
+      <p:grpSpPr>
+        <a:xfrm>
+          <a:off x="0" y="0"/>
+          <a:ext cx="0" cy="0"/>
+          <a:chOff x="0" y="0"/>
+          <a:chExt cx="0" cy="0"/>
+        </a:xfrm>
+      </p:grpSpPr>
+      <p:sp>
+        <p:nvSpPr>
+          <p:cNvPr id="2" name="Title 1"/>
+          <p:cNvSpPr>
+            <a:spLocks noGrp="1"/>
+          </p:cNvSpPr>
+          <p:nvPr>
+            <p:ph type="title"/>
+          </p:nvPr>
+        </p:nvSpPr>
+        <p:spPr/>
+        <p:txBody>
+          <a:bodyPr/>
+          <a:lstStyle/>
+          <a:p>
+            <a:r>
+              <a:rPr lang="en-US" dirty="0" smtClean="0"/>
+              <a:t>EAGER Overhead </a:t>
+            </a:r>
+            <a:r>
+              <a:rPr lang="en-US" dirty="0" err="1" smtClean="0"/>
+              <a:t>vs</a:t>
+            </a:r>
+            <a:r>
+              <a:rPr lang="en-US" dirty="0" smtClean="0"/>
+              <a:t> Policies</a:t>
+            </a:r>
+            <a:endParaRPr lang="en-US" dirty="0"/>
+          </a:p>
+        </p:txBody>
+      </p:sp>
+      <p:pic>
+        <p:nvPicPr>
+          <p:cNvPr id="4" name="Content Placeholder 5" descr="overhead_by_policies.png"/>
+          <p:cNvPicPr>
+            <a:picLocks noGrp="1" noChangeAspect="1"/>
+          </p:cNvPicPr>
+          <p:nvPr>
+            <p:ph idx="1"/>
+          </p:nvPr>
+        </p:nvPicPr>
+        <p:blipFill>
+          <a:blip r:embed="rId2">
+            <a:extLst>
+              <a:ext uri="{28A0092B-C50C-407E-A947-70E740481C1C}">
+                <a14:useLocalDpi xmlns:a14="http://schemas.microsoft.com/office/drawing/2010/main" val="0"/>
+              </a:ext>
+            </a:extLst>
+          </a:blip>
+          <a:srcRect l="-7502" r="-7502"/>
+          <a:stretch>
+            <a:fillRect/>
+          </a:stretch>
+        </p:blipFill>
+        <p:spPr/>
+      </p:pic>
+    </p:spTree>
+    <p:extLst>
+      <p:ext uri="{BB962C8B-B14F-4D97-AF65-F5344CB8AC3E}">
+        <p14:creationId xmlns:p14="http://schemas.microsoft.com/office/powerpoint/2010/main" val="1844084598"/>
+      </p:ext>
+    </p:extLst>
+  </p:cSld>
+  <p:clrMapOvr>
+    <a:masterClrMapping/>
+  </p:clrMapOvr>
+</p:sld>
+</file>
+
+<file path=ppt/slides/slide26.xml><?xml version="1.0" encoding="utf-8"?>
+<p:sld xmlns:a="http://schemas.openxmlformats.org/drawingml/2006/main" xmlns:r="http://schemas.openxmlformats.org/officeDocument/2006/relationships" xmlns:p="http://schemas.openxmlformats.org/presentationml/2006/main">
+  <p:cSld>
+    <p:spTree>
+      <p:nvGrpSpPr>
+        <p:cNvPr id="1" name=""/>
+        <p:cNvGrpSpPr/>
+        <p:nvPr/>
+      </p:nvGrpSpPr>
+      <p:grpSpPr>
+        <a:xfrm>
+          <a:off x="0" y="0"/>
+          <a:ext cx="0" cy="0"/>
+          <a:chOff x="0" y="0"/>
+          <a:chExt cx="0" cy="0"/>
+        </a:xfrm>
+      </p:grpSpPr>
+      <p:sp>
+        <p:nvSpPr>
+          <p:cNvPr id="2" name="Title 1"/>
+          <p:cNvSpPr>
+            <a:spLocks noGrp="1"/>
+          </p:cNvSpPr>
+          <p:nvPr>
+            <p:ph type="title"/>
+          </p:nvPr>
+        </p:nvSpPr>
+        <p:spPr/>
+        <p:txBody>
+          <a:bodyPr>
+            <a:normAutofit fontScale="90000"/>
+          </a:bodyPr>
+          <a:lstStyle/>
+          <a:p>
+            <a:r>
+              <a:rPr lang="en-US" dirty="0" smtClean="0"/>
+              <a:t>EAGER Overhead </a:t>
+            </a:r>
+            <a:r>
+              <a:rPr lang="en-US" dirty="0" err="1" smtClean="0"/>
+              <a:t>vs</a:t>
+            </a:r>
+            <a:r>
+              <a:rPr lang="en-US" dirty="0" smtClean="0"/>
+              <a:t> Metadata Volume</a:t>
+            </a:r>
+            <a:endParaRPr lang="en-US" dirty="0"/>
+          </a:p>
+        </p:txBody>
+      </p:sp>
+      <p:pic>
+        <p:nvPicPr>
+          <p:cNvPr id="4" name="Content Placeholder 3" descr="scalability.png"/>
+          <p:cNvPicPr>
+            <a:picLocks noGrp="1" noChangeAspect="1"/>
+          </p:cNvPicPr>
+          <p:nvPr>
+            <p:ph idx="1"/>
+          </p:nvPr>
+        </p:nvPicPr>
+        <p:blipFill>
+          <a:blip r:embed="rId2">
+            <a:extLst>
+              <a:ext uri="{28A0092B-C50C-407E-A947-70E740481C1C}">
+                <a14:useLocalDpi xmlns:a14="http://schemas.microsoft.com/office/drawing/2010/main" val="0"/>
+              </a:ext>
+            </a:extLst>
+          </a:blip>
+          <a:srcRect l="-7470" r="-7470"/>
+          <a:stretch>
+            <a:fillRect/>
+          </a:stretch>
+        </p:blipFill>
+        <p:spPr/>
+      </p:pic>
+    </p:spTree>
+    <p:extLst>
+      <p:ext uri="{BB962C8B-B14F-4D97-AF65-F5344CB8AC3E}">
+        <p14:creationId xmlns:p14="http://schemas.microsoft.com/office/powerpoint/2010/main" val="4253085044"/>
+      </p:ext>
+    </p:extLst>
+  </p:cSld>
+  <p:clrMapOvr>
+    <a:masterClrMapping/>
+  </p:clrMapOvr>
+</p:sld>
+</file>
+
+<file path=ppt/slides/slide27.xml><?xml version="1.0" encoding="utf-8"?>
+<p:sld xmlns:a="http://schemas.openxmlformats.org/drawingml/2006/main" xmlns:r="http://schemas.openxmlformats.org/officeDocument/2006/relationships" xmlns:p="http://schemas.openxmlformats.org/presentationml/2006/main">
+  <p:cSld>
+    <p:spTree>
+      <p:nvGrpSpPr>
+        <p:cNvPr id="1" name=""/>
+        <p:cNvGrpSpPr/>
+        <p:nvPr/>
+      </p:nvGrpSpPr>
+      <p:grpSpPr>
+        <a:xfrm>
+          <a:off x="0" y="0"/>
+          <a:ext cx="0" cy="0"/>
+          <a:chOff x="0" y="0"/>
+          <a:chExt cx="0" cy="0"/>
+        </a:xfrm>
+      </p:grpSpPr>
+      <p:sp>
+        <p:nvSpPr>
+          <p:cNvPr id="2" name="Title 1"/>
+          <p:cNvSpPr>
+            <a:spLocks noGrp="1"/>
+          </p:cNvSpPr>
+          <p:nvPr>
+            <p:ph type="title"/>
+          </p:nvPr>
+        </p:nvSpPr>
+        <p:spPr/>
+        <p:txBody>
+          <a:bodyPr/>
+          <a:lstStyle/>
+          <a:p>
+            <a:r>
+              <a:rPr lang="en-US" dirty="0" err="1" smtClean="0"/>
+              <a:t>ProgrammableWeb</a:t>
+            </a:r>
+            <a:r>
+              <a:rPr lang="en-US" dirty="0" smtClean="0"/>
+              <a:t> Dataset</a:t>
+            </a:r>
+            <a:endParaRPr lang="en-US" dirty="0"/>
+          </a:p>
+        </p:txBody>
+      </p:sp>
+      <p:pic>
+        <p:nvPicPr>
+          <p:cNvPr id="4" name="Content Placeholder 3" descr="pweb_sample_overhead.png"/>
+          <p:cNvPicPr>
+            <a:picLocks noGrp="1" noChangeAspect="1"/>
+          </p:cNvPicPr>
+          <p:nvPr>
+            <p:ph idx="1"/>
+          </p:nvPr>
+        </p:nvPicPr>
+        <p:blipFill>
+          <a:blip r:embed="rId2">
+            <a:extLst>
+              <a:ext uri="{28A0092B-C50C-407E-A947-70E740481C1C}">
+                <a14:useLocalDpi xmlns:a14="http://schemas.microsoft.com/office/drawing/2010/main" val="0"/>
+              </a:ext>
+            </a:extLst>
+          </a:blip>
+          <a:srcRect l="-7502" r="-7502"/>
+          <a:stretch>
+            <a:fillRect/>
+          </a:stretch>
+        </p:blipFill>
+        <p:spPr/>
+      </p:pic>
+      <p:sp>
+        <p:nvSpPr>
+          <p:cNvPr id="5" name="TextBox 4"/>
+          <p:cNvSpPr txBox="1"/>
+          <p:nvPr/>
+        </p:nvSpPr>
+        <p:spPr>
+          <a:xfrm>
+            <a:off x="457200" y="6466022"/>
+            <a:ext cx="8229600" cy="369332"/>
+          </a:xfrm>
+          <a:prstGeom prst="rect">
+            <a:avLst/>
+          </a:prstGeom>
+          <a:noFill/>
+        </p:spPr>
+        <p:txBody>
+          <a:bodyPr wrap="square" rtlCol="0">
+            <a:spAutoFit/>
+          </a:bodyPr>
+          <a:lstStyle/>
+          <a:p>
+            <a:r>
+              <a:rPr lang="en-US" dirty="0" smtClean="0"/>
+              <a:t>0 policies; 18322 APIs in DB; 33615 dependency edges </a:t>
+            </a:r>
+            <a:endParaRPr lang="en-US" dirty="0"/>
+          </a:p>
+        </p:txBody>
+      </p:sp>
+    </p:spTree>
+    <p:extLst>
+      <p:ext uri="{BB962C8B-B14F-4D97-AF65-F5344CB8AC3E}">
+        <p14:creationId xmlns:p14="http://schemas.microsoft.com/office/powerpoint/2010/main" val="1600157165"/>
+      </p:ext>
+    </p:extLst>
+  </p:cSld>
+  <p:clrMapOvr>
+    <a:masterClrMapping/>
+  </p:clrMapOvr>
 </p:sld>
 </file>
 

--- a/Eager/elk-experiment/appserver/system_design.pptx
+++ b/Eager/elk-experiment/appserver/system_design.pptx
@@ -32,6 +32,16 @@
     <p:sldId id="283" r:id="rId26"/>
     <p:sldId id="284" r:id="rId27"/>
     <p:sldId id="285" r:id="rId28"/>
+    <p:sldId id="286" r:id="rId29"/>
+    <p:sldId id="288" r:id="rId30"/>
+    <p:sldId id="287" r:id="rId31"/>
+    <p:sldId id="289" r:id="rId32"/>
+    <p:sldId id="290" r:id="rId33"/>
+    <p:sldId id="291" r:id="rId34"/>
+    <p:sldId id="292" r:id="rId35"/>
+    <p:sldId id="293" r:id="rId36"/>
+    <p:sldId id="294" r:id="rId37"/>
+    <p:sldId id="295" r:id="rId38"/>
   </p:sldIdLst>
   <p:sldSz cx="9144000" cy="6858000" type="screen4x3"/>
   <p:notesSz cx="6858000" cy="9144000"/>
@@ -314,7 +324,7 @@
           <a:p>
             <a:fld id="{94C3570C-2D75-5147-A673-6C02746C58AB}" type="datetimeFigureOut">
               <a:rPr lang="en-US" smtClean="0"/>
-              <a:t>3/21/16</a:t>
+              <a:t>3/23/16</a:t>
             </a:fld>
             <a:endParaRPr lang="en-US"/>
           </a:p>
@@ -484,7 +494,7 @@
           <a:p>
             <a:fld id="{94C3570C-2D75-5147-A673-6C02746C58AB}" type="datetimeFigureOut">
               <a:rPr lang="en-US" smtClean="0"/>
-              <a:t>3/21/16</a:t>
+              <a:t>3/23/16</a:t>
             </a:fld>
             <a:endParaRPr lang="en-US"/>
           </a:p>
@@ -664,7 +674,7 @@
           <a:p>
             <a:fld id="{94C3570C-2D75-5147-A673-6C02746C58AB}" type="datetimeFigureOut">
               <a:rPr lang="en-US" smtClean="0"/>
-              <a:t>3/21/16</a:t>
+              <a:t>3/23/16</a:t>
             </a:fld>
             <a:endParaRPr lang="en-US"/>
           </a:p>
@@ -834,7 +844,7 @@
           <a:p>
             <a:fld id="{94C3570C-2D75-5147-A673-6C02746C58AB}" type="datetimeFigureOut">
               <a:rPr lang="en-US" smtClean="0"/>
-              <a:t>3/21/16</a:t>
+              <a:t>3/23/16</a:t>
             </a:fld>
             <a:endParaRPr lang="en-US"/>
           </a:p>
@@ -1080,7 +1090,7 @@
           <a:p>
             <a:fld id="{94C3570C-2D75-5147-A673-6C02746C58AB}" type="datetimeFigureOut">
               <a:rPr lang="en-US" smtClean="0"/>
-              <a:t>3/21/16</a:t>
+              <a:t>3/23/16</a:t>
             </a:fld>
             <a:endParaRPr lang="en-US"/>
           </a:p>
@@ -1368,7 +1378,7 @@
           <a:p>
             <a:fld id="{94C3570C-2D75-5147-A673-6C02746C58AB}" type="datetimeFigureOut">
               <a:rPr lang="en-US" smtClean="0"/>
-              <a:t>3/21/16</a:t>
+              <a:t>3/23/16</a:t>
             </a:fld>
             <a:endParaRPr lang="en-US"/>
           </a:p>
@@ -1790,7 +1800,7 @@
           <a:p>
             <a:fld id="{94C3570C-2D75-5147-A673-6C02746C58AB}" type="datetimeFigureOut">
               <a:rPr lang="en-US" smtClean="0"/>
-              <a:t>3/21/16</a:t>
+              <a:t>3/23/16</a:t>
             </a:fld>
             <a:endParaRPr lang="en-US"/>
           </a:p>
@@ -1908,7 +1918,7 @@
           <a:p>
             <a:fld id="{94C3570C-2D75-5147-A673-6C02746C58AB}" type="datetimeFigureOut">
               <a:rPr lang="en-US" smtClean="0"/>
-              <a:t>3/21/16</a:t>
+              <a:t>3/23/16</a:t>
             </a:fld>
             <a:endParaRPr lang="en-US"/>
           </a:p>
@@ -2003,7 +2013,7 @@
           <a:p>
             <a:fld id="{94C3570C-2D75-5147-A673-6C02746C58AB}" type="datetimeFigureOut">
               <a:rPr lang="en-US" smtClean="0"/>
-              <a:t>3/21/16</a:t>
+              <a:t>3/23/16</a:t>
             </a:fld>
             <a:endParaRPr lang="en-US"/>
           </a:p>
@@ -2280,7 +2290,7 @@
           <a:p>
             <a:fld id="{94C3570C-2D75-5147-A673-6C02746C58AB}" type="datetimeFigureOut">
               <a:rPr lang="en-US" smtClean="0"/>
-              <a:t>3/21/16</a:t>
+              <a:t>3/23/16</a:t>
             </a:fld>
             <a:endParaRPr lang="en-US"/>
           </a:p>
@@ -2533,7 +2543,7 @@
           <a:p>
             <a:fld id="{94C3570C-2D75-5147-A673-6C02746C58AB}" type="datetimeFigureOut">
               <a:rPr lang="en-US" smtClean="0"/>
-              <a:t>3/21/16</a:t>
+              <a:t>3/23/16</a:t>
             </a:fld>
             <a:endParaRPr lang="en-US"/>
           </a:p>
@@ -2746,7 +2756,7 @@
           <a:p>
             <a:fld id="{94C3570C-2D75-5147-A673-6C02746C58AB}" type="datetimeFigureOut">
               <a:rPr lang="en-US" smtClean="0"/>
-              <a:t>3/21/16</a:t>
+              <a:t>3/23/16</a:t>
             </a:fld>
             <a:endParaRPr lang="en-US"/>
           </a:p>
@@ -6214,6 +6224,225 @@
 </p:sld>
 </file>
 
+<file path=ppt/slides/slide28.xml><?xml version="1.0" encoding="utf-8"?>
+<p:sld xmlns:a="http://schemas.openxmlformats.org/drawingml/2006/main" xmlns:r="http://schemas.openxmlformats.org/officeDocument/2006/relationships" xmlns:p="http://schemas.openxmlformats.org/presentationml/2006/main">
+  <p:cSld>
+    <p:spTree>
+      <p:nvGrpSpPr>
+        <p:cNvPr id="1" name=""/>
+        <p:cNvGrpSpPr/>
+        <p:nvPr/>
+      </p:nvGrpSpPr>
+      <p:grpSpPr>
+        <a:xfrm>
+          <a:off x="0" y="0"/>
+          <a:ext cx="0" cy="0"/>
+          <a:chOff x="0" y="0"/>
+          <a:chExt cx="0" cy="0"/>
+        </a:xfrm>
+      </p:grpSpPr>
+      <p:sp>
+        <p:nvSpPr>
+          <p:cNvPr id="2" name="Title 1"/>
+          <p:cNvSpPr>
+            <a:spLocks noGrp="1"/>
+          </p:cNvSpPr>
+          <p:nvPr>
+            <p:ph type="title"/>
+          </p:nvPr>
+        </p:nvSpPr>
+        <p:spPr/>
+        <p:txBody>
+          <a:bodyPr>
+            <a:normAutofit fontScale="90000"/>
+          </a:bodyPr>
+          <a:lstStyle/>
+          <a:p>
+            <a:r>
+              <a:rPr lang="en-US" dirty="0" smtClean="0"/>
+              <a:t>Reasoning About Application Performance</a:t>
+            </a:r>
+            <a:endParaRPr lang="en-US" dirty="0"/>
+          </a:p>
+        </p:txBody>
+      </p:sp>
+      <p:sp>
+        <p:nvSpPr>
+          <p:cNvPr id="3" name="Content Placeholder 2"/>
+          <p:cNvSpPr>
+            <a:spLocks noGrp="1"/>
+          </p:cNvSpPr>
+          <p:nvPr>
+            <p:ph idx="1"/>
+          </p:nvPr>
+        </p:nvSpPr>
+        <p:spPr/>
+        <p:txBody>
+          <a:bodyPr>
+            <a:normAutofit lnSpcReduction="10000"/>
+          </a:bodyPr>
+          <a:lstStyle/>
+          <a:p>
+            <a:r>
+              <a:rPr lang="en-US" dirty="0" smtClean="0"/>
+              <a:t>Determine upper bounds on application response times that are:</a:t>
+            </a:r>
+          </a:p>
+          <a:p>
+            <a:pPr lvl="1"/>
+            <a:r>
+              <a:rPr lang="en-US" dirty="0" smtClean="0"/>
+              <a:t>Correct (with specific statistical guarantees)</a:t>
+            </a:r>
+          </a:p>
+          <a:p>
+            <a:pPr lvl="1"/>
+            <a:r>
+              <a:rPr lang="en-US" dirty="0" smtClean="0"/>
+              <a:t>Tight</a:t>
+            </a:r>
+          </a:p>
+          <a:p>
+            <a:pPr lvl="1"/>
+            <a:r>
+              <a:rPr lang="en-US" dirty="0" smtClean="0"/>
+              <a:t>Durable</a:t>
+            </a:r>
+          </a:p>
+          <a:p>
+            <a:r>
+              <a:rPr lang="en-US" dirty="0" smtClean="0"/>
+              <a:t>No extensive testing on the applications</a:t>
+            </a:r>
+          </a:p>
+          <a:p>
+            <a:r>
+              <a:rPr lang="en-US" dirty="0" smtClean="0"/>
+              <a:t>Formulate performance SLAs</a:t>
+            </a:r>
+          </a:p>
+          <a:p>
+            <a:r>
+              <a:rPr lang="en-US" dirty="0" smtClean="0"/>
+              <a:t>Enforce performance policies (design-time), and detect deviations (run-time)</a:t>
+            </a:r>
+          </a:p>
+        </p:txBody>
+      </p:sp>
+    </p:spTree>
+    <p:extLst>
+      <p:ext uri="{BB962C8B-B14F-4D97-AF65-F5344CB8AC3E}">
+        <p14:creationId xmlns:p14="http://schemas.microsoft.com/office/powerpoint/2010/main" val="1161752445"/>
+      </p:ext>
+    </p:extLst>
+  </p:cSld>
+  <p:clrMapOvr>
+    <a:masterClrMapping/>
+  </p:clrMapOvr>
+</p:sld>
+</file>
+
+<file path=ppt/slides/slide29.xml><?xml version="1.0" encoding="utf-8"?>
+<p:sld xmlns:a="http://schemas.openxmlformats.org/drawingml/2006/main" xmlns:r="http://schemas.openxmlformats.org/officeDocument/2006/relationships" xmlns:p="http://schemas.openxmlformats.org/presentationml/2006/main">
+  <p:cSld>
+    <p:spTree>
+      <p:nvGrpSpPr>
+        <p:cNvPr id="1" name=""/>
+        <p:cNvGrpSpPr/>
+        <p:nvPr/>
+      </p:nvGrpSpPr>
+      <p:grpSpPr>
+        <a:xfrm>
+          <a:off x="0" y="0"/>
+          <a:ext cx="0" cy="0"/>
+          <a:chOff x="0" y="0"/>
+          <a:chExt cx="0" cy="0"/>
+        </a:xfrm>
+      </p:grpSpPr>
+      <p:sp>
+        <p:nvSpPr>
+          <p:cNvPr id="2" name="Title 1"/>
+          <p:cNvSpPr>
+            <a:spLocks noGrp="1"/>
+          </p:cNvSpPr>
+          <p:nvPr>
+            <p:ph type="title"/>
+          </p:nvPr>
+        </p:nvSpPr>
+        <p:spPr/>
+        <p:txBody>
+          <a:bodyPr/>
+          <a:lstStyle/>
+          <a:p>
+            <a:r>
+              <a:rPr lang="en-US" dirty="0" err="1" smtClean="0"/>
+              <a:t>Cerebro</a:t>
+            </a:r>
+            <a:endParaRPr lang="en-US" dirty="0"/>
+          </a:p>
+        </p:txBody>
+      </p:sp>
+      <p:sp>
+        <p:nvSpPr>
+          <p:cNvPr id="3" name="Content Placeholder 2"/>
+          <p:cNvSpPr>
+            <a:spLocks noGrp="1"/>
+          </p:cNvSpPr>
+          <p:nvPr>
+            <p:ph idx="1"/>
+          </p:nvPr>
+        </p:nvSpPr>
+        <p:spPr/>
+        <p:txBody>
+          <a:bodyPr/>
+          <a:lstStyle/>
+          <a:p>
+            <a:r>
+              <a:rPr lang="en-US" dirty="0" smtClean="0"/>
+              <a:t>Predicts the response time of web APIs developed for </a:t>
+            </a:r>
+            <a:r>
+              <a:rPr lang="en-US" dirty="0" err="1" smtClean="0"/>
+              <a:t>PaaS</a:t>
+            </a:r>
+            <a:endParaRPr lang="en-US" dirty="0"/>
+          </a:p>
+          <a:p>
+            <a:r>
+              <a:rPr lang="en-US" dirty="0" smtClean="0"/>
+              <a:t>Fully automatic</a:t>
+            </a:r>
+          </a:p>
+          <a:p>
+            <a:r>
+              <a:rPr lang="en-US" dirty="0" smtClean="0"/>
+              <a:t>Uses a combination of static analysis and continuous system monitoring</a:t>
+            </a:r>
+          </a:p>
+          <a:p>
+            <a:r>
+              <a:rPr lang="en-US" dirty="0" smtClean="0"/>
+              <a:t>Provides a statistical framework for forming and invalidating performance SLAs</a:t>
+            </a:r>
+          </a:p>
+          <a:p>
+            <a:endParaRPr lang="en-US" dirty="0"/>
+          </a:p>
+        </p:txBody>
+      </p:sp>
+    </p:spTree>
+    <p:extLst>
+      <p:ext uri="{BB962C8B-B14F-4D97-AF65-F5344CB8AC3E}">
+        <p14:creationId xmlns:p14="http://schemas.microsoft.com/office/powerpoint/2010/main" val="1934169705"/>
+      </p:ext>
+    </p:extLst>
+  </p:cSld>
+  <p:clrMapOvr>
+    <a:masterClrMapping/>
+  </p:clrMapOvr>
+</p:sld>
+</file>
+
 <file path=ppt/slides/slide3.xml><?xml version="1.0" encoding="utf-8"?>
 <p:sld xmlns:a="http://schemas.openxmlformats.org/drawingml/2006/main" xmlns:r="http://schemas.openxmlformats.org/officeDocument/2006/relationships" xmlns:p="http://schemas.openxmlformats.org/presentationml/2006/main">
   <p:cSld>
@@ -6294,6 +6523,1767 @@
     <p:extLst>
       <p:ext uri="{BB962C8B-B14F-4D97-AF65-F5344CB8AC3E}">
         <p14:creationId xmlns:p14="http://schemas.microsoft.com/office/powerpoint/2010/main" val="1796134840"/>
+      </p:ext>
+    </p:extLst>
+  </p:cSld>
+  <p:clrMapOvr>
+    <a:masterClrMapping/>
+  </p:clrMapOvr>
+  <p:timing>
+    <p:tnLst>
+      <p:par>
+        <p:cTn xmlns:p14="http://schemas.microsoft.com/office/powerpoint/2010/main" id="1" dur="indefinite" restart="never" nodeType="tmRoot"/>
+      </p:par>
+    </p:tnLst>
+  </p:timing>
+</p:sld>
+</file>
+
+<file path=ppt/slides/slide30.xml><?xml version="1.0" encoding="utf-8"?>
+<p:sld xmlns:a="http://schemas.openxmlformats.org/drawingml/2006/main" xmlns:r="http://schemas.openxmlformats.org/officeDocument/2006/relationships" xmlns:p="http://schemas.openxmlformats.org/presentationml/2006/main">
+  <p:cSld>
+    <p:spTree>
+      <p:nvGrpSpPr>
+        <p:cNvPr id="1" name=""/>
+        <p:cNvGrpSpPr/>
+        <p:nvPr/>
+      </p:nvGrpSpPr>
+      <p:grpSpPr>
+        <a:xfrm>
+          <a:off x="0" y="0"/>
+          <a:ext cx="0" cy="0"/>
+          <a:chOff x="0" y="0"/>
+          <a:chExt cx="0" cy="0"/>
+        </a:xfrm>
+      </p:grpSpPr>
+      <p:sp>
+        <p:nvSpPr>
+          <p:cNvPr id="2" name="Title 1"/>
+          <p:cNvSpPr>
+            <a:spLocks noGrp="1"/>
+          </p:cNvSpPr>
+          <p:nvPr>
+            <p:ph type="title"/>
+          </p:nvPr>
+        </p:nvSpPr>
+        <p:spPr/>
+        <p:txBody>
+          <a:bodyPr/>
+          <a:lstStyle/>
+          <a:p>
+            <a:r>
+              <a:rPr lang="en-US" dirty="0" err="1" smtClean="0"/>
+              <a:t>Cerebro</a:t>
+            </a:r>
+            <a:r>
+              <a:rPr lang="en-US" dirty="0" smtClean="0"/>
+              <a:t> Architecture</a:t>
+            </a:r>
+            <a:endParaRPr lang="en-US" dirty="0"/>
+          </a:p>
+        </p:txBody>
+      </p:sp>
+      <p:pic>
+        <p:nvPicPr>
+          <p:cNvPr id="4" name="Content Placeholder 6" descr="cerebro_arch.png"/>
+          <p:cNvPicPr>
+            <a:picLocks noGrp="1" noChangeAspect="1"/>
+          </p:cNvPicPr>
+          <p:nvPr>
+            <p:ph idx="1"/>
+          </p:nvPr>
+        </p:nvPicPr>
+        <p:blipFill>
+          <a:blip r:embed="rId2">
+            <a:extLst>
+              <a:ext uri="{28A0092B-C50C-407E-A947-70E740481C1C}">
+                <a14:useLocalDpi xmlns:a14="http://schemas.microsoft.com/office/drawing/2010/main" val="0"/>
+              </a:ext>
+            </a:extLst>
+          </a:blip>
+          <a:srcRect l="-15284" r="-15284"/>
+          <a:stretch>
+            <a:fillRect/>
+          </a:stretch>
+        </p:blipFill>
+        <p:spPr/>
+      </p:pic>
+    </p:spTree>
+    <p:extLst>
+      <p:ext uri="{BB962C8B-B14F-4D97-AF65-F5344CB8AC3E}">
+        <p14:creationId xmlns:p14="http://schemas.microsoft.com/office/powerpoint/2010/main" val="1471479383"/>
+      </p:ext>
+    </p:extLst>
+  </p:cSld>
+  <p:clrMapOvr>
+    <a:masterClrMapping/>
+  </p:clrMapOvr>
+</p:sld>
+</file>
+
+<file path=ppt/slides/slide31.xml><?xml version="1.0" encoding="utf-8"?>
+<p:sld xmlns:a="http://schemas.openxmlformats.org/drawingml/2006/main" xmlns:r="http://schemas.openxmlformats.org/officeDocument/2006/relationships" xmlns:p="http://schemas.openxmlformats.org/presentationml/2006/main">
+  <p:cSld>
+    <p:spTree>
+      <p:nvGrpSpPr>
+        <p:cNvPr id="1" name=""/>
+        <p:cNvGrpSpPr/>
+        <p:nvPr/>
+      </p:nvGrpSpPr>
+      <p:grpSpPr>
+        <a:xfrm>
+          <a:off x="0" y="0"/>
+          <a:ext cx="0" cy="0"/>
+          <a:chOff x="0" y="0"/>
+          <a:chExt cx="0" cy="0"/>
+        </a:xfrm>
+      </p:grpSpPr>
+      <p:sp>
+        <p:nvSpPr>
+          <p:cNvPr id="2" name="Title 1"/>
+          <p:cNvSpPr>
+            <a:spLocks noGrp="1"/>
+          </p:cNvSpPr>
+          <p:nvPr>
+            <p:ph type="title"/>
+          </p:nvPr>
+        </p:nvSpPr>
+        <p:spPr/>
+        <p:txBody>
+          <a:bodyPr>
+            <a:normAutofit fontScale="90000"/>
+          </a:bodyPr>
+          <a:lstStyle/>
+          <a:p>
+            <a:r>
+              <a:rPr lang="en-US" dirty="0" smtClean="0"/>
+              <a:t>QBETS: Queue Bounds Estimation from Time Series</a:t>
+            </a:r>
+            <a:endParaRPr lang="en-US" dirty="0"/>
+          </a:p>
+        </p:txBody>
+      </p:sp>
+      <p:sp>
+        <p:nvSpPr>
+          <p:cNvPr id="3" name="Content Placeholder 2"/>
+          <p:cNvSpPr>
+            <a:spLocks noGrp="1"/>
+          </p:cNvSpPr>
+          <p:nvPr>
+            <p:ph idx="1"/>
+          </p:nvPr>
+        </p:nvSpPr>
+        <p:spPr/>
+        <p:txBody>
+          <a:bodyPr>
+            <a:normAutofit/>
+          </a:bodyPr>
+          <a:lstStyle/>
+          <a:p>
+            <a:r>
+              <a:rPr lang="en-US" dirty="0" smtClean="0"/>
+              <a:t>Analyzes the first </a:t>
+            </a:r>
+            <a:r>
+              <a:rPr lang="en-US" i="1" dirty="0" smtClean="0"/>
+              <a:t>n</a:t>
+            </a:r>
+            <a:r>
+              <a:rPr lang="en-US" dirty="0" smtClean="0"/>
+              <a:t> entries in a time series</a:t>
+            </a:r>
+          </a:p>
+          <a:p>
+            <a:r>
+              <a:rPr lang="en-US" dirty="0" smtClean="0"/>
+              <a:t>Predicts an upper bound for the </a:t>
+            </a:r>
+            <a:r>
+              <a:rPr lang="en-US" i="1" dirty="0" smtClean="0"/>
+              <a:t>(n+1)</a:t>
+            </a:r>
+            <a:r>
+              <a:rPr lang="en-US" baseline="30000" dirty="0" err="1" smtClean="0"/>
+              <a:t>th</a:t>
+            </a:r>
+            <a:r>
+              <a:rPr lang="en-US" dirty="0" smtClean="0"/>
+              <a:t> entry</a:t>
+            </a:r>
+          </a:p>
+          <a:p>
+            <a:pPr lvl="1"/>
+            <a:r>
+              <a:rPr lang="en-US" i="1" dirty="0" smtClean="0"/>
+              <a:t>QBETS([x</a:t>
+            </a:r>
+            <a:r>
+              <a:rPr lang="en-US" i="1" baseline="-25000" dirty="0" smtClean="0"/>
+              <a:t>1</a:t>
+            </a:r>
+            <a:r>
+              <a:rPr lang="en-US" i="1" dirty="0" smtClean="0"/>
+              <a:t>,x</a:t>
+            </a:r>
+            <a:r>
+              <a:rPr lang="en-US" i="1" baseline="-25000" dirty="0" smtClean="0"/>
+              <a:t>2</a:t>
+            </a:r>
+            <a:r>
+              <a:rPr lang="en-US" i="1" dirty="0" smtClean="0"/>
+              <a:t>,…</a:t>
+            </a:r>
+            <a:r>
+              <a:rPr lang="en-US" i="1" dirty="0" err="1" smtClean="0"/>
+              <a:t>x</a:t>
+            </a:r>
+            <a:r>
+              <a:rPr lang="en-US" i="1" baseline="-25000" dirty="0" err="1" smtClean="0"/>
+              <a:t>n</a:t>
+            </a:r>
+            <a:r>
+              <a:rPr lang="en-US" i="1" dirty="0" smtClean="0"/>
+              <a:t>], p) = Q</a:t>
+            </a:r>
+            <a:r>
+              <a:rPr lang="en-US" dirty="0" smtClean="0"/>
+              <a:t> where </a:t>
+            </a:r>
+            <a:r>
+              <a:rPr lang="en-US" i="1" dirty="0" smtClean="0"/>
+              <a:t>p </a:t>
+            </a:r>
+            <a:r>
+              <a:rPr lang="en-US" i="1" dirty="0" smtClean="0">
+                <a:sym typeface="Symbol"/>
+              </a:rPr>
+              <a:t> </a:t>
+            </a:r>
+            <a:r>
+              <a:rPr lang="en-US" i="1" dirty="0" smtClean="0"/>
+              <a:t>(0,1)</a:t>
+            </a:r>
+          </a:p>
+          <a:p>
+            <a:pPr lvl="1"/>
+            <a:r>
+              <a:rPr lang="en-US" i="1" dirty="0" smtClean="0"/>
+              <a:t>P(x</a:t>
+            </a:r>
+            <a:r>
+              <a:rPr lang="en-US" i="1" baseline="-25000" dirty="0" smtClean="0"/>
+              <a:t>n+1</a:t>
+            </a:r>
+            <a:r>
+              <a:rPr lang="en-US" i="1" dirty="0" smtClean="0"/>
+              <a:t> ≤ Q) ≥ p</a:t>
+            </a:r>
+          </a:p>
+          <a:p>
+            <a:r>
+              <a:rPr lang="en-US" dirty="0" smtClean="0"/>
+              <a:t>Cerebro uses QBETS to predict response time SLAs of the form:</a:t>
+            </a:r>
+          </a:p>
+          <a:p>
+            <a:pPr lvl="1"/>
+            <a:r>
+              <a:rPr lang="en-US" dirty="0" smtClean="0"/>
+              <a:t>Operation </a:t>
+            </a:r>
+            <a:r>
+              <a:rPr lang="en-US" i="1" dirty="0" smtClean="0"/>
+              <a:t>O</a:t>
+            </a:r>
+            <a:r>
+              <a:rPr lang="en-US" dirty="0" smtClean="0"/>
+              <a:t> responds </a:t>
+            </a:r>
+            <a:r>
+              <a:rPr lang="en-US" i="1" dirty="0" smtClean="0"/>
+              <a:t>under</a:t>
+            </a:r>
+            <a:r>
+              <a:rPr lang="en-US" dirty="0" smtClean="0"/>
+              <a:t> </a:t>
+            </a:r>
+            <a:r>
+              <a:rPr lang="en-US" i="1" dirty="0" smtClean="0"/>
+              <a:t>T</a:t>
+            </a:r>
+            <a:r>
+              <a:rPr lang="en-US" dirty="0" smtClean="0"/>
+              <a:t> milliseconds (100</a:t>
+            </a:r>
+            <a:r>
+              <a:rPr lang="en-US" i="1" dirty="0" smtClean="0"/>
+              <a:t>p)%</a:t>
+            </a:r>
+            <a:r>
+              <a:rPr lang="en-US" dirty="0" smtClean="0"/>
+              <a:t> of the time</a:t>
+            </a:r>
+            <a:endParaRPr lang="en-US" dirty="0"/>
+          </a:p>
+        </p:txBody>
+      </p:sp>
+      <p:sp>
+        <p:nvSpPr>
+          <p:cNvPr id="4" name="Slide Number Placeholder 3"/>
+          <p:cNvSpPr>
+            <a:spLocks noGrp="1"/>
+          </p:cNvSpPr>
+          <p:nvPr>
+            <p:ph type="sldNum" sz="quarter" idx="12"/>
+          </p:nvPr>
+        </p:nvSpPr>
+        <p:spPr/>
+        <p:txBody>
+          <a:bodyPr/>
+          <a:lstStyle/>
+          <a:p>
+            <a:fld id="{3336F440-0623-F948-B0BF-C3A0BAE2BBD0}" type="slidenum">
+              <a:rPr lang="en-US" smtClean="0"/>
+              <a:pPr/>
+              <a:t>31</a:t>
+            </a:fld>
+            <a:endParaRPr lang="en-US"/>
+          </a:p>
+        </p:txBody>
+      </p:sp>
+    </p:spTree>
+    <p:extLst>
+      <p:ext uri="{BB962C8B-B14F-4D97-AF65-F5344CB8AC3E}">
+        <p14:creationId xmlns:p14="http://schemas.microsoft.com/office/powerpoint/2010/main" val="605574221"/>
+      </p:ext>
+    </p:extLst>
+  </p:cSld>
+  <p:clrMapOvr>
+    <a:masterClrMapping/>
+  </p:clrMapOvr>
+  <p:timing>
+    <p:tnLst>
+      <p:par>
+        <p:cTn xmlns:p14="http://schemas.microsoft.com/office/powerpoint/2010/main" id="1" dur="indefinite" restart="never" nodeType="tmRoot"/>
+      </p:par>
+    </p:tnLst>
+  </p:timing>
+</p:sld>
+</file>
+
+<file path=ppt/slides/slide32.xml><?xml version="1.0" encoding="utf-8"?>
+<p:sld xmlns:a="http://schemas.openxmlformats.org/drawingml/2006/main" xmlns:r="http://schemas.openxmlformats.org/officeDocument/2006/relationships" xmlns:p="http://schemas.openxmlformats.org/presentationml/2006/main">
+  <p:cSld>
+    <p:spTree>
+      <p:nvGrpSpPr>
+        <p:cNvPr id="1" name=""/>
+        <p:cNvGrpSpPr/>
+        <p:nvPr/>
+      </p:nvGrpSpPr>
+      <p:grpSpPr>
+        <a:xfrm>
+          <a:off x="0" y="0"/>
+          <a:ext cx="0" cy="0"/>
+          <a:chOff x="0" y="0"/>
+          <a:chExt cx="0" cy="0"/>
+        </a:xfrm>
+      </p:grpSpPr>
+      <p:sp>
+        <p:nvSpPr>
+          <p:cNvPr id="2" name="Title 1"/>
+          <p:cNvSpPr>
+            <a:spLocks noGrp="1"/>
+          </p:cNvSpPr>
+          <p:nvPr>
+            <p:ph type="title"/>
+          </p:nvPr>
+        </p:nvSpPr>
+        <p:spPr/>
+        <p:txBody>
+          <a:bodyPr/>
+          <a:lstStyle/>
+          <a:p>
+            <a:r>
+              <a:rPr lang="en-US" dirty="0" smtClean="0"/>
+              <a:t>Evaluation: Prediction Correctness</a:t>
+            </a:r>
+            <a:endParaRPr lang="en-US" dirty="0"/>
+          </a:p>
+        </p:txBody>
+      </p:sp>
+      <p:pic>
+        <p:nvPicPr>
+          <p:cNvPr id="4" name="Content Placeholder 3" descr="accuracy_summary.png"/>
+          <p:cNvPicPr>
+            <a:picLocks noGrp="1" noChangeAspect="1"/>
+          </p:cNvPicPr>
+          <p:nvPr>
+            <p:ph idx="1"/>
+          </p:nvPr>
+        </p:nvPicPr>
+        <p:blipFill>
+          <a:blip r:embed="rId2">
+            <a:extLst>
+              <a:ext uri="{28A0092B-C50C-407E-A947-70E740481C1C}">
+                <a14:useLocalDpi xmlns:a14="http://schemas.microsoft.com/office/drawing/2010/main" val="0"/>
+              </a:ext>
+            </a:extLst>
+          </a:blip>
+          <a:srcRect l="-10610" r="-10610"/>
+          <a:stretch>
+            <a:fillRect/>
+          </a:stretch>
+        </p:blipFill>
+        <p:spPr>
+          <a:xfrm>
+            <a:off x="-337614" y="1308424"/>
+            <a:ext cx="9773046" cy="5374799"/>
+          </a:xfrm>
+        </p:spPr>
+      </p:pic>
+      <p:sp>
+        <p:nvSpPr>
+          <p:cNvPr id="3" name="Slide Number Placeholder 2"/>
+          <p:cNvSpPr>
+            <a:spLocks noGrp="1"/>
+          </p:cNvSpPr>
+          <p:nvPr>
+            <p:ph type="sldNum" sz="quarter" idx="12"/>
+          </p:nvPr>
+        </p:nvSpPr>
+        <p:spPr/>
+        <p:txBody>
+          <a:bodyPr/>
+          <a:lstStyle/>
+          <a:p>
+            <a:fld id="{3336F440-0623-F948-B0BF-C3A0BAE2BBD0}" type="slidenum">
+              <a:rPr lang="en-US" smtClean="0"/>
+              <a:pPr/>
+              <a:t>32</a:t>
+            </a:fld>
+            <a:endParaRPr lang="en-US"/>
+          </a:p>
+        </p:txBody>
+      </p:sp>
+      <p:cxnSp>
+        <p:nvCxnSpPr>
+          <p:cNvPr id="6" name="Straight Connector 5"/>
+          <p:cNvCxnSpPr/>
+          <p:nvPr/>
+        </p:nvCxnSpPr>
+        <p:spPr>
+          <a:xfrm>
+            <a:off x="1295747" y="3360853"/>
+            <a:ext cx="7197172" cy="0"/>
+          </a:xfrm>
+          <a:prstGeom prst="line">
+            <a:avLst/>
+          </a:prstGeom>
+          <a:ln>
+            <a:solidFill>
+              <a:srgbClr val="008000"/>
+            </a:solidFill>
+          </a:ln>
+        </p:spPr>
+        <p:style>
+          <a:lnRef idx="2">
+            <a:schemeClr val="accent1"/>
+          </a:lnRef>
+          <a:fillRef idx="0">
+            <a:schemeClr val="accent1"/>
+          </a:fillRef>
+          <a:effectRef idx="1">
+            <a:schemeClr val="accent1"/>
+          </a:effectRef>
+          <a:fontRef idx="minor">
+            <a:schemeClr val="tx1"/>
+          </a:fontRef>
+        </p:style>
+      </p:cxnSp>
+      <p:sp>
+        <p:nvSpPr>
+          <p:cNvPr id="7" name="Rectangle 6"/>
+          <p:cNvSpPr/>
+          <p:nvPr/>
+        </p:nvSpPr>
+        <p:spPr>
+          <a:xfrm>
+            <a:off x="923701" y="3181265"/>
+            <a:ext cx="362902" cy="359175"/>
+          </a:xfrm>
+          <a:prstGeom prst="rect">
+            <a:avLst/>
+          </a:prstGeom>
+          <a:noFill/>
+          <a:ln w="38100" cmpd="sng">
+            <a:solidFill>
+              <a:srgbClr val="008000"/>
+            </a:solidFill>
+          </a:ln>
+        </p:spPr>
+        <p:style>
+          <a:lnRef idx="1">
+            <a:schemeClr val="accent1"/>
+          </a:lnRef>
+          <a:fillRef idx="3">
+            <a:schemeClr val="accent1"/>
+          </a:fillRef>
+          <a:effectRef idx="2">
+            <a:schemeClr val="accent1"/>
+          </a:effectRef>
+          <a:fontRef idx="minor">
+            <a:schemeClr val="lt1"/>
+          </a:fontRef>
+        </p:style>
+        <p:txBody>
+          <a:bodyPr rtlCol="0" anchor="ctr"/>
+          <a:lstStyle/>
+          <a:p>
+            <a:pPr algn="ctr"/>
+            <a:endParaRPr lang="en-US">
+              <a:ln w="19050" cmpd="sng">
+                <a:solidFill>
+                  <a:srgbClr val="000000"/>
+                </a:solidFill>
+              </a:ln>
+            </a:endParaRPr>
+          </a:p>
+        </p:txBody>
+      </p:sp>
+    </p:spTree>
+    <p:extLst>
+      <p:ext uri="{BB962C8B-B14F-4D97-AF65-F5344CB8AC3E}">
+        <p14:creationId xmlns:p14="http://schemas.microsoft.com/office/powerpoint/2010/main" val="4225125614"/>
+      </p:ext>
+    </p:extLst>
+  </p:cSld>
+  <p:clrMapOvr>
+    <a:masterClrMapping/>
+  </p:clrMapOvr>
+  <p:timing>
+    <p:tnLst>
+      <p:par>
+        <p:cTn xmlns:p14="http://schemas.microsoft.com/office/powerpoint/2010/main" id="1" dur="indefinite" restart="never" nodeType="tmRoot"/>
+      </p:par>
+    </p:tnLst>
+  </p:timing>
+</p:sld>
+</file>
+
+<file path=ppt/slides/slide33.xml><?xml version="1.0" encoding="utf-8"?>
+<p:sld xmlns:a="http://schemas.openxmlformats.org/drawingml/2006/main" xmlns:r="http://schemas.openxmlformats.org/officeDocument/2006/relationships" xmlns:p="http://schemas.openxmlformats.org/presentationml/2006/main">
+  <p:cSld>
+    <p:spTree>
+      <p:nvGrpSpPr>
+        <p:cNvPr id="1" name=""/>
+        <p:cNvGrpSpPr/>
+        <p:nvPr/>
+      </p:nvGrpSpPr>
+      <p:grpSpPr>
+        <a:xfrm>
+          <a:off x="0" y="0"/>
+          <a:ext cx="0" cy="0"/>
+          <a:chOff x="0" y="0"/>
+          <a:chExt cx="0" cy="0"/>
+        </a:xfrm>
+      </p:grpSpPr>
+      <p:sp>
+        <p:nvSpPr>
+          <p:cNvPr id="2" name="Title 1"/>
+          <p:cNvSpPr>
+            <a:spLocks noGrp="1"/>
+          </p:cNvSpPr>
+          <p:nvPr>
+            <p:ph type="title"/>
+          </p:nvPr>
+        </p:nvSpPr>
+        <p:spPr/>
+        <p:txBody>
+          <a:bodyPr/>
+          <a:lstStyle/>
+          <a:p>
+            <a:r>
+              <a:rPr lang="en-US" dirty="0" smtClean="0"/>
+              <a:t>Evaluation: Prediction Tightness </a:t>
+            </a:r>
+            <a:endParaRPr lang="en-US" dirty="0"/>
+          </a:p>
+        </p:txBody>
+      </p:sp>
+      <p:pic>
+        <p:nvPicPr>
+          <p:cNvPr id="4" name="Content Placeholder 3" descr="diff_summary.png"/>
+          <p:cNvPicPr>
+            <a:picLocks noGrp="1" noChangeAspect="1"/>
+          </p:cNvPicPr>
+          <p:nvPr>
+            <p:ph idx="1"/>
+          </p:nvPr>
+        </p:nvPicPr>
+        <p:blipFill>
+          <a:blip r:embed="rId2">
+            <a:extLst>
+              <a:ext uri="{28A0092B-C50C-407E-A947-70E740481C1C}">
+                <a14:useLocalDpi xmlns:a14="http://schemas.microsoft.com/office/drawing/2010/main" val="0"/>
+              </a:ext>
+            </a:extLst>
+          </a:blip>
+          <a:srcRect l="-10678" r="-10678"/>
+          <a:stretch>
+            <a:fillRect/>
+          </a:stretch>
+        </p:blipFill>
+        <p:spPr>
+          <a:xfrm>
+            <a:off x="-406425" y="1283494"/>
+            <a:ext cx="9771727" cy="5374073"/>
+          </a:xfrm>
+        </p:spPr>
+      </p:pic>
+      <p:sp>
+        <p:nvSpPr>
+          <p:cNvPr id="3" name="Slide Number Placeholder 2"/>
+          <p:cNvSpPr>
+            <a:spLocks noGrp="1"/>
+          </p:cNvSpPr>
+          <p:nvPr>
+            <p:ph type="sldNum" sz="quarter" idx="12"/>
+          </p:nvPr>
+        </p:nvSpPr>
+        <p:spPr/>
+        <p:txBody>
+          <a:bodyPr/>
+          <a:lstStyle/>
+          <a:p>
+            <a:fld id="{3336F440-0623-F948-B0BF-C3A0BAE2BBD0}" type="slidenum">
+              <a:rPr lang="en-US" smtClean="0"/>
+              <a:pPr/>
+              <a:t>33</a:t>
+            </a:fld>
+            <a:endParaRPr lang="en-US"/>
+          </a:p>
+        </p:txBody>
+      </p:sp>
+    </p:spTree>
+    <p:extLst>
+      <p:ext uri="{BB962C8B-B14F-4D97-AF65-F5344CB8AC3E}">
+        <p14:creationId xmlns:p14="http://schemas.microsoft.com/office/powerpoint/2010/main" val="419381492"/>
+      </p:ext>
+    </p:extLst>
+  </p:cSld>
+  <p:clrMapOvr>
+    <a:masterClrMapping/>
+  </p:clrMapOvr>
+  <p:timing>
+    <p:tnLst>
+      <p:par>
+        <p:cTn xmlns:p14="http://schemas.microsoft.com/office/powerpoint/2010/main" id="1" dur="indefinite" restart="never" nodeType="tmRoot"/>
+      </p:par>
+    </p:tnLst>
+  </p:timing>
+</p:sld>
+</file>
+
+<file path=ppt/slides/slide34.xml><?xml version="1.0" encoding="utf-8"?>
+<p:sld xmlns:a="http://schemas.openxmlformats.org/drawingml/2006/main" xmlns:r="http://schemas.openxmlformats.org/officeDocument/2006/relationships" xmlns:p="http://schemas.openxmlformats.org/presentationml/2006/main">
+  <p:cSld>
+    <p:spTree>
+      <p:nvGrpSpPr>
+        <p:cNvPr id="1" name=""/>
+        <p:cNvGrpSpPr/>
+        <p:nvPr/>
+      </p:nvGrpSpPr>
+      <p:grpSpPr>
+        <a:xfrm>
+          <a:off x="0" y="0"/>
+          <a:ext cx="0" cy="0"/>
+          <a:chOff x="0" y="0"/>
+          <a:chExt cx="0" cy="0"/>
+        </a:xfrm>
+      </p:grpSpPr>
+      <p:sp>
+        <p:nvSpPr>
+          <p:cNvPr id="2" name="Title 1"/>
+          <p:cNvSpPr>
+            <a:spLocks noGrp="1"/>
+          </p:cNvSpPr>
+          <p:nvPr>
+            <p:ph type="title"/>
+          </p:nvPr>
+        </p:nvSpPr>
+        <p:spPr/>
+        <p:txBody>
+          <a:bodyPr/>
+          <a:lstStyle/>
+          <a:p>
+            <a:r>
+              <a:rPr lang="en-US" dirty="0" smtClean="0"/>
+              <a:t>SLA Durability: An </a:t>
+            </a:r>
+            <a:r>
+              <a:rPr lang="en-US" dirty="0" smtClean="0"/>
+              <a:t>Example</a:t>
+            </a:r>
+            <a:endParaRPr lang="en-US" dirty="0"/>
+          </a:p>
+        </p:txBody>
+      </p:sp>
+      <p:sp>
+        <p:nvSpPr>
+          <p:cNvPr id="3" name="Content Placeholder 2"/>
+          <p:cNvSpPr>
+            <a:spLocks noGrp="1"/>
+          </p:cNvSpPr>
+          <p:nvPr>
+            <p:ph idx="1"/>
+          </p:nvPr>
+        </p:nvSpPr>
+        <p:spPr/>
+        <p:txBody>
+          <a:bodyPr>
+            <a:normAutofit lnSpcReduction="10000"/>
+          </a:bodyPr>
+          <a:lstStyle/>
+          <a:p>
+            <a:r>
+              <a:rPr lang="en-US" dirty="0" smtClean="0"/>
+              <a:t>Suppose Cerebro predicts that some API responds under 100ms, 95% of the time.</a:t>
+            </a:r>
+          </a:p>
+          <a:p>
+            <a:pPr lvl="1"/>
+            <a:r>
+              <a:rPr lang="en-US" dirty="0" smtClean="0"/>
+              <a:t>Probability of API response time exceeding 100ms is (1 – 0.01 * 95) = 0.05</a:t>
+            </a:r>
+          </a:p>
+          <a:p>
+            <a:pPr lvl="1"/>
+            <a:r>
+              <a:rPr lang="en-US" dirty="0" smtClean="0"/>
+              <a:t>Probability of observing 3 consecutive such readings is 0.05</a:t>
+            </a:r>
+            <a:r>
+              <a:rPr lang="en-US" baseline="30000" dirty="0" smtClean="0"/>
+              <a:t>3 </a:t>
+            </a:r>
+            <a:r>
+              <a:rPr lang="en-US" dirty="0" smtClean="0"/>
+              <a:t>= 0.000125</a:t>
+            </a:r>
+          </a:p>
+          <a:p>
+            <a:r>
+              <a:rPr lang="en-US" dirty="0" smtClean="0"/>
+              <a:t>This value 3 is conservative with regard to autocorrelation</a:t>
+            </a:r>
+          </a:p>
+          <a:p>
+            <a:pPr lvl="1"/>
+            <a:r>
+              <a:rPr lang="en-US" dirty="0" smtClean="0"/>
+              <a:t>E.g. To get the same small value 0.000125 with 0.5 autocorrelation, we need to observe 5 events</a:t>
+            </a:r>
+          </a:p>
+        </p:txBody>
+      </p:sp>
+      <p:sp>
+        <p:nvSpPr>
+          <p:cNvPr id="4" name="Slide Number Placeholder 3"/>
+          <p:cNvSpPr>
+            <a:spLocks noGrp="1"/>
+          </p:cNvSpPr>
+          <p:nvPr>
+            <p:ph type="sldNum" sz="quarter" idx="12"/>
+          </p:nvPr>
+        </p:nvSpPr>
+        <p:spPr/>
+        <p:txBody>
+          <a:bodyPr/>
+          <a:lstStyle/>
+          <a:p>
+            <a:fld id="{4940F666-E5FA-274D-B0C1-53A0010BDC84}" type="slidenum">
+              <a:rPr lang="en-US" smtClean="0"/>
+              <a:t>34</a:t>
+            </a:fld>
+            <a:endParaRPr lang="en-US"/>
+          </a:p>
+        </p:txBody>
+      </p:sp>
+    </p:spTree>
+    <p:extLst>
+      <p:ext uri="{BB962C8B-B14F-4D97-AF65-F5344CB8AC3E}">
+        <p14:creationId xmlns:p14="http://schemas.microsoft.com/office/powerpoint/2010/main" val="2582674383"/>
+      </p:ext>
+    </p:extLst>
+  </p:cSld>
+  <p:clrMapOvr>
+    <a:masterClrMapping/>
+  </p:clrMapOvr>
+  <p:timing>
+    <p:tnLst>
+      <p:par>
+        <p:cTn xmlns:p14="http://schemas.microsoft.com/office/powerpoint/2010/main" id="1" dur="indefinite" restart="never" nodeType="tmRoot"/>
+      </p:par>
+    </p:tnLst>
+  </p:timing>
+</p:sld>
+</file>
+
+<file path=ppt/slides/slide35.xml><?xml version="1.0" encoding="utf-8"?>
+<p:sld xmlns:a="http://schemas.openxmlformats.org/drawingml/2006/main" xmlns:r="http://schemas.openxmlformats.org/officeDocument/2006/relationships" xmlns:p="http://schemas.openxmlformats.org/presentationml/2006/main">
+  <p:cSld>
+    <p:spTree>
+      <p:nvGrpSpPr>
+        <p:cNvPr id="1" name=""/>
+        <p:cNvGrpSpPr/>
+        <p:nvPr/>
+      </p:nvGrpSpPr>
+      <p:grpSpPr>
+        <a:xfrm>
+          <a:off x="0" y="0"/>
+          <a:ext cx="0" cy="0"/>
+          <a:chOff x="0" y="0"/>
+          <a:chExt cx="0" cy="0"/>
+        </a:xfrm>
+      </p:grpSpPr>
+      <p:sp>
+        <p:nvSpPr>
+          <p:cNvPr id="2" name="Title 1"/>
+          <p:cNvSpPr>
+            <a:spLocks noGrp="1"/>
+          </p:cNvSpPr>
+          <p:nvPr>
+            <p:ph type="title"/>
+          </p:nvPr>
+        </p:nvSpPr>
+        <p:spPr/>
+        <p:txBody>
+          <a:bodyPr/>
+          <a:lstStyle/>
+          <a:p>
+            <a:r>
+              <a:rPr lang="en-US" dirty="0" smtClean="0"/>
+              <a:t>Detecting SLA Invalidation</a:t>
+            </a:r>
+            <a:endParaRPr lang="en-US" dirty="0"/>
+          </a:p>
+        </p:txBody>
+      </p:sp>
+      <p:sp>
+        <p:nvSpPr>
+          <p:cNvPr id="3" name="Content Placeholder 2"/>
+          <p:cNvSpPr>
+            <a:spLocks noGrp="1"/>
+          </p:cNvSpPr>
+          <p:nvPr>
+            <p:ph idx="1"/>
+          </p:nvPr>
+        </p:nvSpPr>
+        <p:spPr/>
+        <p:txBody>
+          <a:bodyPr>
+            <a:normAutofit lnSpcReduction="10000"/>
+          </a:bodyPr>
+          <a:lstStyle/>
+          <a:p>
+            <a:r>
+              <a:rPr lang="en-US" dirty="0" smtClean="0"/>
+              <a:t>Each time Cerebro makes a prediction, it computes the current autocorrelation in the time series</a:t>
+            </a:r>
+          </a:p>
+          <a:p>
+            <a:r>
+              <a:rPr lang="en-US" dirty="0" smtClean="0"/>
+              <a:t>Autocorrelation can be used to lookup a table, and determine </a:t>
+            </a:r>
+            <a:r>
+              <a:rPr lang="en-US" i="1" dirty="0" err="1" smtClean="0"/>
+              <a:t>C</a:t>
+            </a:r>
+            <a:r>
+              <a:rPr lang="en-US" i="1" baseline="-25000" dirty="0" err="1" smtClean="0"/>
+              <a:t>w</a:t>
+            </a:r>
+            <a:r>
+              <a:rPr lang="en-US" dirty="0"/>
+              <a:t>;</a:t>
+            </a:r>
+            <a:r>
+              <a:rPr lang="en-US" dirty="0" smtClean="0"/>
+              <a:t> the number of consecutive readings greater than </a:t>
+            </a:r>
+            <a:r>
+              <a:rPr lang="en-US" i="1" dirty="0" smtClean="0"/>
+              <a:t>Q</a:t>
+            </a:r>
+            <a:r>
+              <a:rPr lang="en-US" dirty="0" smtClean="0"/>
+              <a:t>, that constitute a rare event</a:t>
+            </a:r>
+          </a:p>
+          <a:p>
+            <a:r>
+              <a:rPr lang="en-US" dirty="0" smtClean="0"/>
+              <a:t>We consider the SLA to have become invalid if this rare event occurs</a:t>
+            </a:r>
+          </a:p>
+          <a:p>
+            <a:endParaRPr lang="en-US" dirty="0"/>
+          </a:p>
+        </p:txBody>
+      </p:sp>
+      <p:sp>
+        <p:nvSpPr>
+          <p:cNvPr id="4" name="Slide Number Placeholder 3"/>
+          <p:cNvSpPr>
+            <a:spLocks noGrp="1"/>
+          </p:cNvSpPr>
+          <p:nvPr>
+            <p:ph type="sldNum" sz="quarter" idx="12"/>
+          </p:nvPr>
+        </p:nvSpPr>
+        <p:spPr/>
+        <p:txBody>
+          <a:bodyPr/>
+          <a:lstStyle/>
+          <a:p>
+            <a:fld id="{4940F666-E5FA-274D-B0C1-53A0010BDC84}" type="slidenum">
+              <a:rPr lang="en-US" smtClean="0"/>
+              <a:t>35</a:t>
+            </a:fld>
+            <a:endParaRPr lang="en-US"/>
+          </a:p>
+        </p:txBody>
+      </p:sp>
+    </p:spTree>
+    <p:extLst>
+      <p:ext uri="{BB962C8B-B14F-4D97-AF65-F5344CB8AC3E}">
+        <p14:creationId xmlns:p14="http://schemas.microsoft.com/office/powerpoint/2010/main" val="2880975851"/>
+      </p:ext>
+    </p:extLst>
+  </p:cSld>
+  <p:clrMapOvr>
+    <a:masterClrMapping/>
+  </p:clrMapOvr>
+  <p:timing>
+    <p:tnLst>
+      <p:par>
+        <p:cTn xmlns:p14="http://schemas.microsoft.com/office/powerpoint/2010/main" id="1" dur="indefinite" restart="never" nodeType="tmRoot"/>
+      </p:par>
+    </p:tnLst>
+  </p:timing>
+</p:sld>
+</file>
+
+<file path=ppt/slides/slide36.xml><?xml version="1.0" encoding="utf-8"?>
+<p:sld xmlns:a="http://schemas.openxmlformats.org/drawingml/2006/main" xmlns:r="http://schemas.openxmlformats.org/officeDocument/2006/relationships" xmlns:p="http://schemas.openxmlformats.org/presentationml/2006/main">
+  <p:cSld>
+    <p:spTree>
+      <p:nvGrpSpPr>
+        <p:cNvPr id="1" name=""/>
+        <p:cNvGrpSpPr/>
+        <p:nvPr/>
+      </p:nvGrpSpPr>
+      <p:grpSpPr>
+        <a:xfrm>
+          <a:off x="0" y="0"/>
+          <a:ext cx="0" cy="0"/>
+          <a:chOff x="0" y="0"/>
+          <a:chExt cx="0" cy="0"/>
+        </a:xfrm>
+      </p:grpSpPr>
+      <p:sp>
+        <p:nvSpPr>
+          <p:cNvPr id="2" name="Title 1"/>
+          <p:cNvSpPr>
+            <a:spLocks noGrp="1"/>
+          </p:cNvSpPr>
+          <p:nvPr>
+            <p:ph type="title"/>
+          </p:nvPr>
+        </p:nvSpPr>
+        <p:spPr/>
+        <p:txBody>
+          <a:bodyPr/>
+          <a:lstStyle/>
+          <a:p>
+            <a:r>
+              <a:rPr lang="en-US" dirty="0" smtClean="0"/>
+              <a:t>SLA Validity Periods (In Hours)</a:t>
+            </a:r>
+            <a:endParaRPr lang="en-US" dirty="0"/>
+          </a:p>
+        </p:txBody>
+      </p:sp>
+      <p:graphicFrame>
+        <p:nvGraphicFramePr>
+          <p:cNvPr id="4" name="Content Placeholder 3"/>
+          <p:cNvGraphicFramePr>
+            <a:graphicFrameLocks noGrp="1"/>
+          </p:cNvGraphicFramePr>
+          <p:nvPr>
+            <p:ph idx="1"/>
+            <p:extLst>
+              <p:ext uri="{D42A27DB-BD31-4B8C-83A1-F6EECF244321}">
+                <p14:modId xmlns:p14="http://schemas.microsoft.com/office/powerpoint/2010/main" val="3688840244"/>
+              </p:ext>
+            </p:extLst>
+          </p:nvPr>
+        </p:nvGraphicFramePr>
+        <p:xfrm>
+          <a:off x="457200" y="1600200"/>
+          <a:ext cx="8229600" cy="2595880"/>
+        </p:xfrm>
+        <a:graphic>
+          <a:graphicData uri="http://schemas.openxmlformats.org/drawingml/2006/table">
+            <a:tbl>
+              <a:tblPr firstRow="1" bandRow="1">
+                <a:tableStyleId>{5C22544A-7EE6-4342-B048-85BDC9FD1C3A}</a:tableStyleId>
+              </a:tblPr>
+              <a:tblGrid>
+                <a:gridCol w="2624973"/>
+                <a:gridCol w="1918090"/>
+                <a:gridCol w="1878406"/>
+                <a:gridCol w="1808131"/>
+              </a:tblGrid>
+              <a:tr h="370840">
+                <a:tc>
+                  <a:txBody>
+                    <a:bodyPr/>
+                    <a:lstStyle/>
+                    <a:p>
+                      <a:pPr algn="ctr"/>
+                      <a:r>
+                        <a:rPr lang="en-US" dirty="0" smtClean="0"/>
+                        <a:t>API</a:t>
+                      </a:r>
+                      <a:endParaRPr lang="en-US" dirty="0"/>
+                    </a:p>
+                  </a:txBody>
+                  <a:tcPr/>
+                </a:tc>
+                <a:tc>
+                  <a:txBody>
+                    <a:bodyPr/>
+                    <a:lstStyle/>
+                    <a:p>
+                      <a:pPr algn="ctr"/>
+                      <a:r>
+                        <a:rPr lang="en-US" dirty="0" smtClean="0"/>
+                        <a:t>5</a:t>
+                      </a:r>
+                      <a:r>
+                        <a:rPr lang="en-US" baseline="30000" dirty="0" smtClean="0"/>
+                        <a:t>th</a:t>
+                      </a:r>
+                      <a:r>
+                        <a:rPr lang="en-US" dirty="0" smtClean="0"/>
+                        <a:t> Percentile</a:t>
+                      </a:r>
+                      <a:endParaRPr lang="en-US" dirty="0"/>
+                    </a:p>
+                  </a:txBody>
+                  <a:tcPr/>
+                </a:tc>
+                <a:tc>
+                  <a:txBody>
+                    <a:bodyPr/>
+                    <a:lstStyle/>
+                    <a:p>
+                      <a:pPr algn="ctr"/>
+                      <a:r>
+                        <a:rPr lang="en-US" dirty="0" smtClean="0"/>
+                        <a:t>Mean</a:t>
+                      </a:r>
+                      <a:endParaRPr lang="en-US" dirty="0"/>
+                    </a:p>
+                  </a:txBody>
+                  <a:tcPr/>
+                </a:tc>
+                <a:tc>
+                  <a:txBody>
+                    <a:bodyPr/>
+                    <a:lstStyle/>
+                    <a:p>
+                      <a:pPr algn="ctr"/>
+                      <a:r>
+                        <a:rPr lang="en-US" dirty="0" smtClean="0"/>
+                        <a:t>95</a:t>
+                      </a:r>
+                      <a:r>
+                        <a:rPr lang="en-US" baseline="30000" dirty="0" smtClean="0"/>
+                        <a:t>th</a:t>
+                      </a:r>
+                      <a:r>
+                        <a:rPr lang="en-US" dirty="0" smtClean="0"/>
+                        <a:t> Percentile</a:t>
+                      </a:r>
+                      <a:endParaRPr lang="en-US" dirty="0"/>
+                    </a:p>
+                  </a:txBody>
+                  <a:tcPr/>
+                </a:tc>
+              </a:tr>
+              <a:tr h="370840">
+                <a:tc>
+                  <a:txBody>
+                    <a:bodyPr/>
+                    <a:lstStyle/>
+                    <a:p>
+                      <a:pPr algn="l" fontAlgn="b"/>
+                      <a:r>
+                        <a:rPr lang="en-US" sz="1800" b="0" i="0" u="none" strike="noStrike" dirty="0" err="1">
+                          <a:solidFill>
+                            <a:srgbClr val="000000"/>
+                          </a:solidFill>
+                          <a:effectLst/>
+                          <a:latin typeface="Calibri"/>
+                        </a:rPr>
+                        <a:t>StudentInfo#getStudent</a:t>
+                      </a:r>
+                      <a:endParaRPr lang="en-US" sz="1800" b="0" i="0" u="none" strike="noStrike" dirty="0">
+                        <a:solidFill>
+                          <a:srgbClr val="000000"/>
+                        </a:solidFill>
+                        <a:effectLst/>
+                        <a:latin typeface="Calibri"/>
+                      </a:endParaRPr>
+                    </a:p>
+                  </a:txBody>
+                  <a:tcPr marL="12700" marR="12700" marT="12700" marB="0" anchor="b"/>
+                </a:tc>
+                <a:tc>
+                  <a:txBody>
+                    <a:bodyPr/>
+                    <a:lstStyle/>
+                    <a:p>
+                      <a:pPr algn="r" fontAlgn="b"/>
+                      <a:r>
+                        <a:rPr lang="en-US" sz="1800" b="0" i="0" u="none" strike="noStrike" dirty="0">
+                          <a:solidFill>
+                            <a:srgbClr val="000000"/>
+                          </a:solidFill>
+                          <a:effectLst/>
+                          <a:latin typeface="Calibri"/>
+                        </a:rPr>
+                        <a:t>12.97</a:t>
+                      </a:r>
+                    </a:p>
+                  </a:txBody>
+                  <a:tcPr marL="12700" marR="12700" marT="12700" marB="0" anchor="b"/>
+                </a:tc>
+                <a:tc>
+                  <a:txBody>
+                    <a:bodyPr/>
+                    <a:lstStyle/>
+                    <a:p>
+                      <a:pPr algn="r" fontAlgn="b"/>
+                      <a:r>
+                        <a:rPr lang="en-US" sz="1800" b="0" i="0" u="none" strike="noStrike" dirty="0">
+                          <a:solidFill>
+                            <a:srgbClr val="000000"/>
+                          </a:solidFill>
+                          <a:effectLst/>
+                          <a:latin typeface="Calibri"/>
+                        </a:rPr>
+                        <a:t>631.24</a:t>
+                      </a:r>
+                    </a:p>
+                  </a:txBody>
+                  <a:tcPr marL="12700" marR="12700" marT="12700" marB="0" anchor="b"/>
+                </a:tc>
+                <a:tc>
+                  <a:txBody>
+                    <a:bodyPr/>
+                    <a:lstStyle/>
+                    <a:p>
+                      <a:pPr algn="r" fontAlgn="b"/>
+                      <a:r>
+                        <a:rPr lang="en-US" sz="1800" b="0" i="0" u="none" strike="noStrike" dirty="0">
+                          <a:solidFill>
+                            <a:srgbClr val="000000"/>
+                          </a:solidFill>
+                          <a:effectLst/>
+                          <a:latin typeface="Calibri"/>
+                        </a:rPr>
+                        <a:t>1911.19</a:t>
+                      </a:r>
+                    </a:p>
+                  </a:txBody>
+                  <a:tcPr marL="12700" marR="12700" marT="12700" marB="0" anchor="b"/>
+                </a:tc>
+              </a:tr>
+              <a:tr h="370840">
+                <a:tc>
+                  <a:txBody>
+                    <a:bodyPr/>
+                    <a:lstStyle/>
+                    <a:p>
+                      <a:pPr algn="l" fontAlgn="b"/>
+                      <a:r>
+                        <a:rPr lang="en-US" sz="1800" b="0" i="0" u="none" strike="noStrike" dirty="0" err="1">
+                          <a:solidFill>
+                            <a:srgbClr val="000000"/>
+                          </a:solidFill>
+                          <a:effectLst/>
+                          <a:latin typeface="Calibri"/>
+                        </a:rPr>
+                        <a:t>StudentInfo#deleteStudent</a:t>
+                      </a:r>
+                      <a:endParaRPr lang="en-US" sz="1800" b="0" i="0" u="none" strike="noStrike" dirty="0">
+                        <a:solidFill>
+                          <a:srgbClr val="000000"/>
+                        </a:solidFill>
+                        <a:effectLst/>
+                        <a:latin typeface="Calibri"/>
+                      </a:endParaRPr>
+                    </a:p>
+                  </a:txBody>
+                  <a:tcPr marL="12700" marR="12700" marT="12700" marB="0" anchor="b"/>
+                </a:tc>
+                <a:tc>
+                  <a:txBody>
+                    <a:bodyPr/>
+                    <a:lstStyle/>
+                    <a:p>
+                      <a:pPr algn="r" fontAlgn="b"/>
+                      <a:r>
+                        <a:rPr lang="en-US" sz="1800" b="0" i="0" u="none" strike="noStrike" dirty="0">
+                          <a:solidFill>
+                            <a:srgbClr val="000000"/>
+                          </a:solidFill>
+                          <a:effectLst/>
+                          <a:latin typeface="Calibri"/>
+                        </a:rPr>
+                        <a:t>7.65</a:t>
+                      </a:r>
+                    </a:p>
+                  </a:txBody>
+                  <a:tcPr marL="12700" marR="12700" marT="12700" marB="0" anchor="b"/>
+                </a:tc>
+                <a:tc>
+                  <a:txBody>
+                    <a:bodyPr/>
+                    <a:lstStyle/>
+                    <a:p>
+                      <a:pPr algn="r" fontAlgn="b"/>
+                      <a:r>
+                        <a:rPr lang="en-US" sz="1800" b="0" i="0" u="none" strike="noStrike">
+                          <a:solidFill>
+                            <a:srgbClr val="000000"/>
+                          </a:solidFill>
+                          <a:effectLst/>
+                          <a:latin typeface="Calibri"/>
+                        </a:rPr>
+                        <a:t>472.07</a:t>
+                      </a:r>
+                    </a:p>
+                  </a:txBody>
+                  <a:tcPr marL="12700" marR="12700" marT="12700" marB="0" anchor="b"/>
+                </a:tc>
+                <a:tc>
+                  <a:txBody>
+                    <a:bodyPr/>
+                    <a:lstStyle/>
+                    <a:p>
+                      <a:pPr algn="r" fontAlgn="b"/>
+                      <a:r>
+                        <a:rPr lang="en-US" sz="1800" b="0" i="0" u="none" strike="noStrike">
+                          <a:solidFill>
+                            <a:srgbClr val="000000"/>
+                          </a:solidFill>
+                          <a:effectLst/>
+                          <a:latin typeface="Calibri"/>
+                        </a:rPr>
+                        <a:t>2031.59</a:t>
+                      </a:r>
+                    </a:p>
+                  </a:txBody>
+                  <a:tcPr marL="12700" marR="12700" marT="12700" marB="0" anchor="b"/>
+                </a:tc>
+              </a:tr>
+              <a:tr h="370840">
+                <a:tc>
+                  <a:txBody>
+                    <a:bodyPr/>
+                    <a:lstStyle/>
+                    <a:p>
+                      <a:pPr algn="l" fontAlgn="b"/>
+                      <a:r>
+                        <a:rPr lang="en-US" sz="1800" b="0" i="0" u="none" strike="noStrike" dirty="0" err="1">
+                          <a:solidFill>
+                            <a:srgbClr val="000000"/>
+                          </a:solidFill>
+                          <a:effectLst/>
+                          <a:latin typeface="Calibri"/>
+                        </a:rPr>
+                        <a:t>ServerHealth#info</a:t>
+                      </a:r>
+                      <a:endParaRPr lang="en-US" sz="1800" b="0" i="0" u="none" strike="noStrike" dirty="0">
+                        <a:solidFill>
+                          <a:srgbClr val="000000"/>
+                        </a:solidFill>
+                        <a:effectLst/>
+                        <a:latin typeface="Calibri"/>
+                      </a:endParaRPr>
+                    </a:p>
+                  </a:txBody>
+                  <a:tcPr marL="12700" marR="12700" marT="12700" marB="0" anchor="b"/>
+                </a:tc>
+                <a:tc>
+                  <a:txBody>
+                    <a:bodyPr/>
+                    <a:lstStyle/>
+                    <a:p>
+                      <a:pPr algn="r" fontAlgn="b"/>
+                      <a:r>
+                        <a:rPr lang="en-US" sz="1800" b="0" i="0" u="none" strike="noStrike" dirty="0">
+                          <a:solidFill>
+                            <a:srgbClr val="000000"/>
+                          </a:solidFill>
+                          <a:effectLst/>
+                          <a:latin typeface="Calibri"/>
+                        </a:rPr>
+                        <a:t>12.96</a:t>
+                      </a:r>
+                    </a:p>
+                  </a:txBody>
+                  <a:tcPr marL="12700" marR="12700" marT="12700" marB="0" anchor="b"/>
+                </a:tc>
+                <a:tc>
+                  <a:txBody>
+                    <a:bodyPr/>
+                    <a:lstStyle/>
+                    <a:p>
+                      <a:pPr algn="r" fontAlgn="b"/>
+                      <a:r>
+                        <a:rPr lang="en-US" sz="1800" b="0" i="0" u="none" strike="noStrike" dirty="0">
+                          <a:solidFill>
+                            <a:srgbClr val="000000"/>
+                          </a:solidFill>
+                          <a:effectLst/>
+                          <a:latin typeface="Calibri"/>
+                        </a:rPr>
+                        <a:t>630.01</a:t>
+                      </a:r>
+                    </a:p>
+                  </a:txBody>
+                  <a:tcPr marL="12700" marR="12700" marT="12700" marB="0" anchor="b"/>
+                </a:tc>
+                <a:tc>
+                  <a:txBody>
+                    <a:bodyPr/>
+                    <a:lstStyle/>
+                    <a:p>
+                      <a:pPr algn="r" fontAlgn="b"/>
+                      <a:r>
+                        <a:rPr lang="en-US" sz="1800" b="0" i="0" u="none" strike="noStrike">
+                          <a:solidFill>
+                            <a:srgbClr val="000000"/>
+                          </a:solidFill>
+                          <a:effectLst/>
+                          <a:latin typeface="Calibri"/>
+                        </a:rPr>
+                        <a:t>1911.19</a:t>
+                      </a:r>
+                    </a:p>
+                  </a:txBody>
+                  <a:tcPr marL="12700" marR="12700" marT="12700" marB="0" anchor="b"/>
+                </a:tc>
+              </a:tr>
+              <a:tr h="370840">
+                <a:tc>
+                  <a:txBody>
+                    <a:bodyPr/>
+                    <a:lstStyle/>
+                    <a:p>
+                      <a:pPr algn="l" fontAlgn="b"/>
+                      <a:r>
+                        <a:rPr lang="en-US" sz="1800" b="0" i="0" u="none" strike="noStrike">
+                          <a:solidFill>
+                            <a:srgbClr val="000000"/>
+                          </a:solidFill>
+                          <a:effectLst/>
+                          <a:latin typeface="Calibri"/>
+                        </a:rPr>
+                        <a:t>Rooms#getRoomByName</a:t>
+                      </a:r>
+                    </a:p>
+                  </a:txBody>
+                  <a:tcPr marL="12700" marR="12700" marT="12700" marB="0" anchor="b"/>
+                </a:tc>
+                <a:tc>
+                  <a:txBody>
+                    <a:bodyPr/>
+                    <a:lstStyle/>
+                    <a:p>
+                      <a:pPr algn="r" fontAlgn="b"/>
+                      <a:r>
+                        <a:rPr lang="en-US" sz="1800" b="0" i="0" u="none" strike="noStrike">
+                          <a:solidFill>
+                            <a:srgbClr val="000000"/>
+                          </a:solidFill>
+                          <a:effectLst/>
+                          <a:latin typeface="Calibri"/>
+                        </a:rPr>
+                        <a:t>8.48</a:t>
+                      </a:r>
+                    </a:p>
+                  </a:txBody>
+                  <a:tcPr marL="12700" marR="12700" marT="12700" marB="0" anchor="b"/>
+                </a:tc>
+                <a:tc>
+                  <a:txBody>
+                    <a:bodyPr/>
+                    <a:lstStyle/>
+                    <a:p>
+                      <a:pPr algn="r" fontAlgn="b"/>
+                      <a:r>
+                        <a:rPr lang="en-US" sz="1800" b="0" i="0" u="none" strike="noStrike" dirty="0">
+                          <a:solidFill>
+                            <a:srgbClr val="000000"/>
+                          </a:solidFill>
+                          <a:effectLst/>
+                          <a:latin typeface="Calibri"/>
+                        </a:rPr>
+                        <a:t>345.13</a:t>
+                      </a:r>
+                    </a:p>
+                  </a:txBody>
+                  <a:tcPr marL="12700" marR="12700" marT="12700" marB="0" anchor="b"/>
+                </a:tc>
+                <a:tc>
+                  <a:txBody>
+                    <a:bodyPr/>
+                    <a:lstStyle/>
+                    <a:p>
+                      <a:pPr algn="r" fontAlgn="b"/>
+                      <a:r>
+                        <a:rPr lang="en-US" sz="1800" b="0" i="0" u="none" strike="noStrike" dirty="0">
+                          <a:solidFill>
+                            <a:srgbClr val="000000"/>
+                          </a:solidFill>
+                          <a:effectLst/>
+                          <a:latin typeface="Calibri"/>
+                        </a:rPr>
+                        <a:t>1096.53</a:t>
+                      </a:r>
+                    </a:p>
+                  </a:txBody>
+                  <a:tcPr marL="12700" marR="12700" marT="12700" marB="0" anchor="b"/>
+                </a:tc>
+              </a:tr>
+              <a:tr h="370840">
+                <a:tc>
+                  <a:txBody>
+                    <a:bodyPr/>
+                    <a:lstStyle/>
+                    <a:p>
+                      <a:pPr algn="l" fontAlgn="b"/>
+                      <a:r>
+                        <a:rPr lang="en-US" sz="1800" b="0" i="0" u="none" strike="noStrike">
+                          <a:solidFill>
+                            <a:srgbClr val="000000"/>
+                          </a:solidFill>
+                          <a:effectLst/>
+                          <a:latin typeface="Calibri"/>
+                        </a:rPr>
+                        <a:t>Rooms#getRoomsInCity</a:t>
+                      </a:r>
+                    </a:p>
+                  </a:txBody>
+                  <a:tcPr marL="12700" marR="12700" marT="12700" marB="0" anchor="b"/>
+                </a:tc>
+                <a:tc>
+                  <a:txBody>
+                    <a:bodyPr/>
+                    <a:lstStyle/>
+                    <a:p>
+                      <a:pPr algn="r" fontAlgn="b"/>
+                      <a:r>
+                        <a:rPr lang="en-US" sz="1800" b="0" i="0" u="none" strike="noStrike">
+                          <a:solidFill>
+                            <a:srgbClr val="000000"/>
+                          </a:solidFill>
+                          <a:effectLst/>
+                          <a:latin typeface="Calibri"/>
+                        </a:rPr>
+                        <a:t>20.56</a:t>
+                      </a:r>
+                    </a:p>
+                  </a:txBody>
+                  <a:tcPr marL="12700" marR="12700" marT="12700" marB="0" anchor="b"/>
+                </a:tc>
+                <a:tc>
+                  <a:txBody>
+                    <a:bodyPr/>
+                    <a:lstStyle/>
+                    <a:p>
+                      <a:pPr algn="r" fontAlgn="b"/>
+                      <a:r>
+                        <a:rPr lang="en-US" sz="1800" b="0" i="0" u="none" strike="noStrike">
+                          <a:solidFill>
+                            <a:srgbClr val="000000"/>
+                          </a:solidFill>
+                          <a:effectLst/>
+                          <a:latin typeface="Calibri"/>
+                        </a:rPr>
+                        <a:t>296.44</a:t>
+                      </a:r>
+                    </a:p>
+                  </a:txBody>
+                  <a:tcPr marL="12700" marR="12700" marT="12700" marB="0" anchor="b"/>
+                </a:tc>
+                <a:tc>
+                  <a:txBody>
+                    <a:bodyPr/>
+                    <a:lstStyle/>
+                    <a:p>
+                      <a:pPr algn="r" fontAlgn="b"/>
+                      <a:r>
+                        <a:rPr lang="en-US" sz="1800" b="0" i="0" u="none" strike="noStrike" dirty="0">
+                          <a:solidFill>
+                            <a:srgbClr val="000000"/>
+                          </a:solidFill>
+                          <a:effectLst/>
+                          <a:latin typeface="Calibri"/>
+                        </a:rPr>
+                        <a:t>1143.45</a:t>
+                      </a:r>
+                    </a:p>
+                  </a:txBody>
+                  <a:tcPr marL="12700" marR="12700" marT="12700" marB="0" anchor="b"/>
+                </a:tc>
+              </a:tr>
+              <a:tr h="370840">
+                <a:tc>
+                  <a:txBody>
+                    <a:bodyPr/>
+                    <a:lstStyle/>
+                    <a:p>
+                      <a:pPr algn="l" fontAlgn="b"/>
+                      <a:r>
+                        <a:rPr lang="en-US" sz="1800" b="0" i="0" u="none" strike="noStrike" dirty="0" err="1">
+                          <a:solidFill>
+                            <a:srgbClr val="000000"/>
+                          </a:solidFill>
+                          <a:effectLst/>
+                          <a:latin typeface="Calibri"/>
+                        </a:rPr>
+                        <a:t>Stocks#buy</a:t>
+                      </a:r>
+                      <a:endParaRPr lang="en-US" sz="1800" b="0" i="0" u="none" strike="noStrike" dirty="0">
+                        <a:solidFill>
+                          <a:srgbClr val="000000"/>
+                        </a:solidFill>
+                        <a:effectLst/>
+                        <a:latin typeface="Calibri"/>
+                      </a:endParaRPr>
+                    </a:p>
+                  </a:txBody>
+                  <a:tcPr marL="12700" marR="12700" marT="12700" marB="0" anchor="b"/>
+                </a:tc>
+                <a:tc>
+                  <a:txBody>
+                    <a:bodyPr/>
+                    <a:lstStyle/>
+                    <a:p>
+                      <a:pPr algn="r" fontAlgn="b"/>
+                      <a:r>
+                        <a:rPr lang="en-US" sz="1800" b="0" i="0" u="none" strike="noStrike" dirty="0">
+                          <a:solidFill>
+                            <a:srgbClr val="000000"/>
+                          </a:solidFill>
+                          <a:effectLst/>
+                          <a:latin typeface="Calibri"/>
+                        </a:rPr>
+                        <a:t>8.46</a:t>
+                      </a:r>
+                    </a:p>
+                  </a:txBody>
+                  <a:tcPr marL="12700" marR="12700" marT="12700" marB="0" anchor="b"/>
+                </a:tc>
+                <a:tc>
+                  <a:txBody>
+                    <a:bodyPr/>
+                    <a:lstStyle/>
+                    <a:p>
+                      <a:pPr algn="r" fontAlgn="b"/>
+                      <a:r>
+                        <a:rPr lang="en-US" sz="1800" b="0" i="0" u="none" strike="noStrike" dirty="0">
+                          <a:solidFill>
+                            <a:srgbClr val="000000"/>
+                          </a:solidFill>
+                          <a:effectLst/>
+                          <a:latin typeface="Calibri"/>
+                        </a:rPr>
+                        <a:t>411.75</a:t>
+                      </a:r>
+                    </a:p>
+                  </a:txBody>
+                  <a:tcPr marL="12700" marR="12700" marT="12700" marB="0" anchor="b"/>
+                </a:tc>
+                <a:tc>
+                  <a:txBody>
+                    <a:bodyPr/>
+                    <a:lstStyle/>
+                    <a:p>
+                      <a:pPr algn="r" fontAlgn="b"/>
+                      <a:r>
+                        <a:rPr lang="en-US" sz="1800" b="0" i="0" u="none" strike="noStrike" dirty="0">
+                          <a:solidFill>
+                            <a:srgbClr val="000000"/>
+                          </a:solidFill>
+                          <a:effectLst/>
+                          <a:latin typeface="Calibri"/>
+                        </a:rPr>
+                        <a:t>815.5</a:t>
+                      </a:r>
+                    </a:p>
+                  </a:txBody>
+                  <a:tcPr marL="12700" marR="12700" marT="12700" marB="0" anchor="b"/>
+                </a:tc>
+              </a:tr>
+            </a:tbl>
+          </a:graphicData>
+        </a:graphic>
+      </p:graphicFrame>
+      <p:sp>
+        <p:nvSpPr>
+          <p:cNvPr id="3" name="Slide Number Placeholder 2"/>
+          <p:cNvSpPr>
+            <a:spLocks noGrp="1"/>
+          </p:cNvSpPr>
+          <p:nvPr>
+            <p:ph type="sldNum" sz="quarter" idx="12"/>
+          </p:nvPr>
+        </p:nvSpPr>
+        <p:spPr/>
+        <p:txBody>
+          <a:bodyPr/>
+          <a:lstStyle/>
+          <a:p>
+            <a:fld id="{4940F666-E5FA-274D-B0C1-53A0010BDC84}" type="slidenum">
+              <a:rPr lang="en-US" smtClean="0"/>
+              <a:t>36</a:t>
+            </a:fld>
+            <a:endParaRPr lang="en-US"/>
+          </a:p>
+        </p:txBody>
+      </p:sp>
+    </p:spTree>
+    <p:extLst>
+      <p:ext uri="{BB962C8B-B14F-4D97-AF65-F5344CB8AC3E}">
+        <p14:creationId xmlns:p14="http://schemas.microsoft.com/office/powerpoint/2010/main" val="531190829"/>
+      </p:ext>
+    </p:extLst>
+  </p:cSld>
+  <p:clrMapOvr>
+    <a:masterClrMapping/>
+  </p:clrMapOvr>
+  <p:timing>
+    <p:tnLst>
+      <p:par>
+        <p:cTn xmlns:p14="http://schemas.microsoft.com/office/powerpoint/2010/main" id="1" dur="indefinite" restart="never" nodeType="tmRoot"/>
+      </p:par>
+    </p:tnLst>
+  </p:timing>
+</p:sld>
+</file>
+
+<file path=ppt/slides/slide37.xml><?xml version="1.0" encoding="utf-8"?>
+<p:sld xmlns:a="http://schemas.openxmlformats.org/drawingml/2006/main" xmlns:r="http://schemas.openxmlformats.org/officeDocument/2006/relationships" xmlns:p="http://schemas.openxmlformats.org/presentationml/2006/main">
+  <p:cSld>
+    <p:spTree>
+      <p:nvGrpSpPr>
+        <p:cNvPr id="1" name=""/>
+        <p:cNvGrpSpPr/>
+        <p:nvPr/>
+      </p:nvGrpSpPr>
+      <p:grpSpPr>
+        <a:xfrm>
+          <a:off x="0" y="0"/>
+          <a:ext cx="0" cy="0"/>
+          <a:chOff x="0" y="0"/>
+          <a:chExt cx="0" cy="0"/>
+        </a:xfrm>
+      </p:grpSpPr>
+      <p:sp>
+        <p:nvSpPr>
+          <p:cNvPr id="2" name="Title 1"/>
+          <p:cNvSpPr>
+            <a:spLocks noGrp="1"/>
+          </p:cNvSpPr>
+          <p:nvPr>
+            <p:ph type="title"/>
+          </p:nvPr>
+        </p:nvSpPr>
+        <p:spPr/>
+        <p:txBody>
+          <a:bodyPr/>
+          <a:lstStyle/>
+          <a:p>
+            <a:r>
+              <a:rPr lang="en-US" dirty="0" smtClean="0"/>
+              <a:t>SLA Renewals Per User</a:t>
+            </a:r>
+            <a:endParaRPr lang="en-US" dirty="0"/>
+          </a:p>
+        </p:txBody>
+      </p:sp>
+      <p:pic>
+        <p:nvPicPr>
+          <p:cNvPr id="4" name="Content Placeholder 3" descr="renegotiation_cdf.png"/>
+          <p:cNvPicPr>
+            <a:picLocks noGrp="1" noChangeAspect="1"/>
+          </p:cNvPicPr>
+          <p:nvPr>
+            <p:ph idx="1"/>
+          </p:nvPr>
+        </p:nvPicPr>
+        <p:blipFill>
+          <a:blip r:embed="rId2">
+            <a:extLst>
+              <a:ext uri="{28A0092B-C50C-407E-A947-70E740481C1C}">
+                <a14:useLocalDpi xmlns:a14="http://schemas.microsoft.com/office/drawing/2010/main" val="0"/>
+              </a:ext>
+            </a:extLst>
+          </a:blip>
+          <a:srcRect l="-12238" r="-12238"/>
+          <a:stretch>
+            <a:fillRect/>
+          </a:stretch>
+        </p:blipFill>
+        <p:spPr/>
+      </p:pic>
+      <p:sp>
+        <p:nvSpPr>
+          <p:cNvPr id="3" name="Slide Number Placeholder 2"/>
+          <p:cNvSpPr>
+            <a:spLocks noGrp="1"/>
+          </p:cNvSpPr>
+          <p:nvPr>
+            <p:ph type="sldNum" sz="quarter" idx="12"/>
+          </p:nvPr>
+        </p:nvSpPr>
+        <p:spPr/>
+        <p:txBody>
+          <a:bodyPr/>
+          <a:lstStyle/>
+          <a:p>
+            <a:fld id="{4940F666-E5FA-274D-B0C1-53A0010BDC84}" type="slidenum">
+              <a:rPr lang="en-US" smtClean="0"/>
+              <a:t>37</a:t>
+            </a:fld>
+            <a:endParaRPr lang="en-US"/>
+          </a:p>
+        </p:txBody>
+      </p:sp>
+    </p:spTree>
+    <p:extLst>
+      <p:ext uri="{BB962C8B-B14F-4D97-AF65-F5344CB8AC3E}">
+        <p14:creationId xmlns:p14="http://schemas.microsoft.com/office/powerpoint/2010/main" val="1710790597"/>
       </p:ext>
     </p:extLst>
   </p:cSld>

--- a/Eager/elk-experiment/appserver/system_design.pptx
+++ b/Eager/elk-experiment/appserver/system_design.pptx
@@ -42,6 +42,11 @@
     <p:sldId id="293" r:id="rId36"/>
     <p:sldId id="294" r:id="rId37"/>
     <p:sldId id="295" r:id="rId38"/>
+    <p:sldId id="296" r:id="rId39"/>
+    <p:sldId id="297" r:id="rId40"/>
+    <p:sldId id="298" r:id="rId41"/>
+    <p:sldId id="299" r:id="rId42"/>
+    <p:sldId id="300" r:id="rId43"/>
   </p:sldIdLst>
   <p:sldSz cx="9144000" cy="6858000" type="screen4x3"/>
   <p:notesSz cx="6858000" cy="9144000"/>
@@ -324,7 +329,7 @@
           <a:p>
             <a:fld id="{94C3570C-2D75-5147-A673-6C02746C58AB}" type="datetimeFigureOut">
               <a:rPr lang="en-US" smtClean="0"/>
-              <a:t>3/23/16</a:t>
+              <a:t>3/28/16</a:t>
             </a:fld>
             <a:endParaRPr lang="en-US"/>
           </a:p>
@@ -494,7 +499,7 @@
           <a:p>
             <a:fld id="{94C3570C-2D75-5147-A673-6C02746C58AB}" type="datetimeFigureOut">
               <a:rPr lang="en-US" smtClean="0"/>
-              <a:t>3/23/16</a:t>
+              <a:t>3/28/16</a:t>
             </a:fld>
             <a:endParaRPr lang="en-US"/>
           </a:p>
@@ -674,7 +679,7 @@
           <a:p>
             <a:fld id="{94C3570C-2D75-5147-A673-6C02746C58AB}" type="datetimeFigureOut">
               <a:rPr lang="en-US" smtClean="0"/>
-              <a:t>3/23/16</a:t>
+              <a:t>3/28/16</a:t>
             </a:fld>
             <a:endParaRPr lang="en-US"/>
           </a:p>
@@ -844,7 +849,7 @@
           <a:p>
             <a:fld id="{94C3570C-2D75-5147-A673-6C02746C58AB}" type="datetimeFigureOut">
               <a:rPr lang="en-US" smtClean="0"/>
-              <a:t>3/23/16</a:t>
+              <a:t>3/28/16</a:t>
             </a:fld>
             <a:endParaRPr lang="en-US"/>
           </a:p>
@@ -1090,7 +1095,7 @@
           <a:p>
             <a:fld id="{94C3570C-2D75-5147-A673-6C02746C58AB}" type="datetimeFigureOut">
               <a:rPr lang="en-US" smtClean="0"/>
-              <a:t>3/23/16</a:t>
+              <a:t>3/28/16</a:t>
             </a:fld>
             <a:endParaRPr lang="en-US"/>
           </a:p>
@@ -1378,7 +1383,7 @@
           <a:p>
             <a:fld id="{94C3570C-2D75-5147-A673-6C02746C58AB}" type="datetimeFigureOut">
               <a:rPr lang="en-US" smtClean="0"/>
-              <a:t>3/23/16</a:t>
+              <a:t>3/28/16</a:t>
             </a:fld>
             <a:endParaRPr lang="en-US"/>
           </a:p>
@@ -1800,7 +1805,7 @@
           <a:p>
             <a:fld id="{94C3570C-2D75-5147-A673-6C02746C58AB}" type="datetimeFigureOut">
               <a:rPr lang="en-US" smtClean="0"/>
-              <a:t>3/23/16</a:t>
+              <a:t>3/28/16</a:t>
             </a:fld>
             <a:endParaRPr lang="en-US"/>
           </a:p>
@@ -1918,7 +1923,7 @@
           <a:p>
             <a:fld id="{94C3570C-2D75-5147-A673-6C02746C58AB}" type="datetimeFigureOut">
               <a:rPr lang="en-US" smtClean="0"/>
-              <a:t>3/23/16</a:t>
+              <a:t>3/28/16</a:t>
             </a:fld>
             <a:endParaRPr lang="en-US"/>
           </a:p>
@@ -2013,7 +2018,7 @@
           <a:p>
             <a:fld id="{94C3570C-2D75-5147-A673-6C02746C58AB}" type="datetimeFigureOut">
               <a:rPr lang="en-US" smtClean="0"/>
-              <a:t>3/23/16</a:t>
+              <a:t>3/28/16</a:t>
             </a:fld>
             <a:endParaRPr lang="en-US"/>
           </a:p>
@@ -2290,7 +2295,7 @@
           <a:p>
             <a:fld id="{94C3570C-2D75-5147-A673-6C02746C58AB}" type="datetimeFigureOut">
               <a:rPr lang="en-US" smtClean="0"/>
-              <a:t>3/23/16</a:t>
+              <a:t>3/28/16</a:t>
             </a:fld>
             <a:endParaRPr lang="en-US"/>
           </a:p>
@@ -2543,7 +2548,7 @@
           <a:p>
             <a:fld id="{94C3570C-2D75-5147-A673-6C02746C58AB}" type="datetimeFigureOut">
               <a:rPr lang="en-US" smtClean="0"/>
-              <a:t>3/23/16</a:t>
+              <a:t>3/28/16</a:t>
             </a:fld>
             <a:endParaRPr lang="en-US"/>
           </a:p>
@@ -2756,7 +2761,7 @@
           <a:p>
             <a:fld id="{94C3570C-2D75-5147-A673-6C02746C58AB}" type="datetimeFigureOut">
               <a:rPr lang="en-US" smtClean="0"/>
-              <a:t>3/23/16</a:t>
+              <a:t>3/28/16</a:t>
             </a:fld>
             <a:endParaRPr lang="en-US"/>
           </a:p>
@@ -7218,11 +7223,7 @@
           <a:p>
             <a:r>
               <a:rPr lang="en-US" dirty="0" smtClean="0"/>
-              <a:t>SLA Durability: An </a:t>
-            </a:r>
-            <a:r>
-              <a:rPr lang="en-US" dirty="0" smtClean="0"/>
-              <a:t>Example</a:t>
+              <a:t>SLA Durability: An Example</a:t>
             </a:r>
             <a:endParaRPr lang="en-US" dirty="0"/>
           </a:p>
@@ -8300,6 +8301,246 @@
 </p:sld>
 </file>
 
+<file path=ppt/slides/slide38.xml><?xml version="1.0" encoding="utf-8"?>
+<p:sld xmlns:a="http://schemas.openxmlformats.org/drawingml/2006/main" xmlns:r="http://schemas.openxmlformats.org/officeDocument/2006/relationships" xmlns:p="http://schemas.openxmlformats.org/presentationml/2006/main">
+  <p:cSld>
+    <p:spTree>
+      <p:nvGrpSpPr>
+        <p:cNvPr id="1" name=""/>
+        <p:cNvGrpSpPr/>
+        <p:nvPr/>
+      </p:nvGrpSpPr>
+      <p:grpSpPr>
+        <a:xfrm>
+          <a:off x="0" y="0"/>
+          <a:ext cx="0" cy="0"/>
+          <a:chOff x="0" y="0"/>
+          <a:chExt cx="0" cy="0"/>
+        </a:xfrm>
+      </p:grpSpPr>
+      <p:sp>
+        <p:nvSpPr>
+          <p:cNvPr id="2" name="Title 1"/>
+          <p:cNvSpPr>
+            <a:spLocks noGrp="1"/>
+          </p:cNvSpPr>
+          <p:nvPr>
+            <p:ph type="title"/>
+          </p:nvPr>
+        </p:nvSpPr>
+        <p:spPr/>
+        <p:txBody>
+          <a:bodyPr>
+            <a:normAutofit fontScale="90000"/>
+          </a:bodyPr>
+          <a:lstStyle/>
+          <a:p>
+            <a:r>
+              <a:rPr lang="en-US" dirty="0" smtClean="0"/>
+              <a:t>Performance Anomaly Detection and Bottleneck Identification</a:t>
+            </a:r>
+            <a:endParaRPr lang="en-US" dirty="0"/>
+          </a:p>
+        </p:txBody>
+      </p:sp>
+      <p:sp>
+        <p:nvSpPr>
+          <p:cNvPr id="3" name="Content Placeholder 2"/>
+          <p:cNvSpPr>
+            <a:spLocks noGrp="1"/>
+          </p:cNvSpPr>
+          <p:nvPr>
+            <p:ph idx="1"/>
+          </p:nvPr>
+        </p:nvSpPr>
+        <p:spPr/>
+        <p:txBody>
+          <a:bodyPr/>
+          <a:lstStyle/>
+          <a:p>
+            <a:r>
+              <a:rPr lang="en-US" dirty="0" smtClean="0"/>
+              <a:t>Detect changes in observable performance metrics</a:t>
+            </a:r>
+          </a:p>
+          <a:p>
+            <a:pPr lvl="1"/>
+            <a:r>
+              <a:rPr lang="en-US" dirty="0" smtClean="0"/>
+              <a:t>Increased response time</a:t>
+            </a:r>
+          </a:p>
+          <a:p>
+            <a:r>
+              <a:rPr lang="en-US" dirty="0" smtClean="0"/>
+              <a:t>Check if the application performance is explained by the workload</a:t>
+            </a:r>
+          </a:p>
+          <a:p>
+            <a:r>
+              <a:rPr lang="en-US" dirty="0" smtClean="0"/>
+              <a:t>Identify bottlenecks in the cloud platform</a:t>
+            </a:r>
+          </a:p>
+          <a:p>
+            <a:r>
+              <a:rPr lang="en-US" dirty="0" smtClean="0"/>
+              <a:t>No invasive application instrumentation</a:t>
+            </a:r>
+          </a:p>
+          <a:p>
+            <a:pPr lvl="1"/>
+            <a:r>
+              <a:rPr lang="en-US" dirty="0" smtClean="0"/>
+              <a:t>No additional restrictions on application code</a:t>
+            </a:r>
+            <a:endParaRPr lang="en-US" dirty="0"/>
+          </a:p>
+        </p:txBody>
+      </p:sp>
+    </p:spTree>
+    <p:extLst>
+      <p:ext uri="{BB962C8B-B14F-4D97-AF65-F5344CB8AC3E}">
+        <p14:creationId xmlns:p14="http://schemas.microsoft.com/office/powerpoint/2010/main" val="442042417"/>
+      </p:ext>
+    </p:extLst>
+  </p:cSld>
+  <p:clrMapOvr>
+    <a:masterClrMapping/>
+  </p:clrMapOvr>
+</p:sld>
+</file>
+
+<file path=ppt/slides/slide39.xml><?xml version="1.0" encoding="utf-8"?>
+<p:sld xmlns:a="http://schemas.openxmlformats.org/drawingml/2006/main" xmlns:r="http://schemas.openxmlformats.org/officeDocument/2006/relationships" xmlns:p="http://schemas.openxmlformats.org/presentationml/2006/main">
+  <p:cSld>
+    <p:spTree>
+      <p:nvGrpSpPr>
+        <p:cNvPr id="1" name=""/>
+        <p:cNvGrpSpPr/>
+        <p:nvPr/>
+      </p:nvGrpSpPr>
+      <p:grpSpPr>
+        <a:xfrm>
+          <a:off x="0" y="0"/>
+          <a:ext cx="0" cy="0"/>
+          <a:chOff x="0" y="0"/>
+          <a:chExt cx="0" cy="0"/>
+        </a:xfrm>
+      </p:grpSpPr>
+      <p:sp>
+        <p:nvSpPr>
+          <p:cNvPr id="2" name="Title 1"/>
+          <p:cNvSpPr>
+            <a:spLocks noGrp="1"/>
+          </p:cNvSpPr>
+          <p:nvPr>
+            <p:ph type="title"/>
+          </p:nvPr>
+        </p:nvSpPr>
+        <p:spPr/>
+        <p:txBody>
+          <a:bodyPr/>
+          <a:lstStyle/>
+          <a:p>
+            <a:r>
+              <a:rPr lang="en-US" dirty="0" smtClean="0"/>
+              <a:t>Roots</a:t>
+            </a:r>
+            <a:endParaRPr lang="en-US" dirty="0"/>
+          </a:p>
+        </p:txBody>
+      </p:sp>
+      <p:sp>
+        <p:nvSpPr>
+          <p:cNvPr id="3" name="Content Placeholder 2"/>
+          <p:cNvSpPr>
+            <a:spLocks noGrp="1"/>
+          </p:cNvSpPr>
+          <p:nvPr>
+            <p:ph idx="1"/>
+          </p:nvPr>
+        </p:nvSpPr>
+        <p:spPr/>
+        <p:txBody>
+          <a:bodyPr>
+            <a:normAutofit/>
+          </a:bodyPr>
+          <a:lstStyle/>
+          <a:p>
+            <a:r>
+              <a:rPr lang="en-US" dirty="0" smtClean="0"/>
+              <a:t>Data collection</a:t>
+            </a:r>
+          </a:p>
+          <a:p>
+            <a:pPr lvl="1"/>
+            <a:r>
+              <a:rPr lang="en-US" dirty="0" smtClean="0"/>
+              <a:t>Probes/SLO checks</a:t>
+            </a:r>
+          </a:p>
+          <a:p>
+            <a:pPr lvl="1"/>
+            <a:r>
+              <a:rPr lang="en-US" dirty="0" smtClean="0"/>
+              <a:t>Web server access logs</a:t>
+            </a:r>
+          </a:p>
+          <a:p>
+            <a:pPr lvl="1"/>
+            <a:r>
+              <a:rPr lang="en-US" dirty="0" err="1" smtClean="0"/>
+              <a:t>PaaS</a:t>
+            </a:r>
+            <a:r>
+              <a:rPr lang="en-US" dirty="0" smtClean="0"/>
+              <a:t> SDK invocations</a:t>
+            </a:r>
+          </a:p>
+          <a:p>
+            <a:r>
+              <a:rPr lang="en-US" dirty="0" smtClean="0"/>
+              <a:t>Data analysis</a:t>
+            </a:r>
+          </a:p>
+          <a:p>
+            <a:pPr lvl="1"/>
+            <a:r>
+              <a:rPr lang="en-US" dirty="0" smtClean="0"/>
+              <a:t>Multiple approaches for anomaly detection</a:t>
+            </a:r>
+          </a:p>
+          <a:p>
+            <a:pPr lvl="1"/>
+            <a:r>
+              <a:rPr lang="en-US" dirty="0" smtClean="0"/>
+              <a:t>Change point detection in workload traces</a:t>
+            </a:r>
+          </a:p>
+          <a:p>
+            <a:pPr lvl="1"/>
+            <a:r>
+              <a:rPr lang="en-US" dirty="0" smtClean="0"/>
+              <a:t>Linear regression and relative importance analysis</a:t>
+            </a:r>
+            <a:endParaRPr lang="en-US" dirty="0"/>
+          </a:p>
+        </p:txBody>
+      </p:sp>
+    </p:spTree>
+    <p:extLst>
+      <p:ext uri="{BB962C8B-B14F-4D97-AF65-F5344CB8AC3E}">
+        <p14:creationId xmlns:p14="http://schemas.microsoft.com/office/powerpoint/2010/main" val="347400144"/>
+      </p:ext>
+    </p:extLst>
+  </p:cSld>
+  <p:clrMapOvr>
+    <a:masterClrMapping/>
+  </p:clrMapOvr>
+</p:sld>
+</file>
+
 <file path=ppt/slides/slide4.xml><?xml version="1.0" encoding="utf-8"?>
 <p:sld xmlns:a="http://schemas.openxmlformats.org/drawingml/2006/main" xmlns:r="http://schemas.openxmlformats.org/officeDocument/2006/relationships" xmlns:p="http://schemas.openxmlformats.org/presentationml/2006/main">
   <p:cSld>
@@ -8399,6 +8640,1027 @@
       </p:par>
     </p:tnLst>
   </p:timing>
+</p:sld>
+</file>
+
+<file path=ppt/slides/slide40.xml><?xml version="1.0" encoding="utf-8"?>
+<p:sld xmlns:a="http://schemas.openxmlformats.org/drawingml/2006/main" xmlns:r="http://schemas.openxmlformats.org/officeDocument/2006/relationships" xmlns:p="http://schemas.openxmlformats.org/presentationml/2006/main">
+  <p:cSld>
+    <p:spTree>
+      <p:nvGrpSpPr>
+        <p:cNvPr id="1" name=""/>
+        <p:cNvGrpSpPr/>
+        <p:nvPr/>
+      </p:nvGrpSpPr>
+      <p:grpSpPr>
+        <a:xfrm>
+          <a:off x="0" y="0"/>
+          <a:ext cx="0" cy="0"/>
+          <a:chOff x="0" y="0"/>
+          <a:chExt cx="0" cy="0"/>
+        </a:xfrm>
+      </p:grpSpPr>
+      <p:sp>
+        <p:nvSpPr>
+          <p:cNvPr id="2" name="Title 1"/>
+          <p:cNvSpPr>
+            <a:spLocks noGrp="1"/>
+          </p:cNvSpPr>
+          <p:nvPr>
+            <p:ph type="title"/>
+          </p:nvPr>
+        </p:nvSpPr>
+        <p:spPr/>
+        <p:txBody>
+          <a:bodyPr/>
+          <a:lstStyle/>
+          <a:p>
+            <a:r>
+              <a:rPr lang="en-US" dirty="0" smtClean="0"/>
+              <a:t>Roots Architecture</a:t>
+            </a:r>
+            <a:endParaRPr lang="en-US" dirty="0"/>
+          </a:p>
+        </p:txBody>
+      </p:sp>
+      <p:sp>
+        <p:nvSpPr>
+          <p:cNvPr id="4" name="Rectangle 3"/>
+          <p:cNvSpPr/>
+          <p:nvPr/>
+        </p:nvSpPr>
+        <p:spPr>
+          <a:xfrm>
+            <a:off x="3077832" y="5454025"/>
+            <a:ext cx="2988337" cy="1145594"/>
+          </a:xfrm>
+          <a:prstGeom prst="rect">
+            <a:avLst/>
+          </a:prstGeom>
+        </p:spPr>
+        <p:style>
+          <a:lnRef idx="1">
+            <a:schemeClr val="accent1"/>
+          </a:lnRef>
+          <a:fillRef idx="3">
+            <a:schemeClr val="accent1"/>
+          </a:fillRef>
+          <a:effectRef idx="2">
+            <a:schemeClr val="accent1"/>
+          </a:effectRef>
+          <a:fontRef idx="minor">
+            <a:schemeClr val="lt1"/>
+          </a:fontRef>
+        </p:style>
+        <p:txBody>
+          <a:bodyPr rtlCol="0" anchor="ctr"/>
+          <a:lstStyle/>
+          <a:p>
+            <a:pPr algn="ctr"/>
+            <a:r>
+              <a:rPr lang="en-US" dirty="0" err="1" smtClean="0"/>
+              <a:t>PaaS</a:t>
+            </a:r>
+            <a:r>
+              <a:rPr lang="en-US" dirty="0" smtClean="0"/>
+              <a:t> SDK</a:t>
+            </a:r>
+            <a:endParaRPr lang="en-US" dirty="0"/>
+          </a:p>
+        </p:txBody>
+      </p:sp>
+      <p:sp>
+        <p:nvSpPr>
+          <p:cNvPr id="5" name="Rectangle 4"/>
+          <p:cNvSpPr/>
+          <p:nvPr/>
+        </p:nvSpPr>
+        <p:spPr>
+          <a:xfrm>
+            <a:off x="3077832" y="3550339"/>
+            <a:ext cx="2988337" cy="1145594"/>
+          </a:xfrm>
+          <a:prstGeom prst="rect">
+            <a:avLst/>
+          </a:prstGeom>
+        </p:spPr>
+        <p:style>
+          <a:lnRef idx="1">
+            <a:schemeClr val="accent1"/>
+          </a:lnRef>
+          <a:fillRef idx="3">
+            <a:schemeClr val="accent1"/>
+          </a:fillRef>
+          <a:effectRef idx="2">
+            <a:schemeClr val="accent1"/>
+          </a:effectRef>
+          <a:fontRef idx="minor">
+            <a:schemeClr val="lt1"/>
+          </a:fontRef>
+        </p:style>
+        <p:txBody>
+          <a:bodyPr rtlCol="0" anchor="ctr"/>
+          <a:lstStyle/>
+          <a:p>
+            <a:pPr algn="ctr"/>
+            <a:r>
+              <a:rPr lang="en-US" dirty="0" smtClean="0"/>
+              <a:t>App Server</a:t>
+            </a:r>
+            <a:endParaRPr lang="en-US" dirty="0"/>
+          </a:p>
+        </p:txBody>
+      </p:sp>
+      <p:sp>
+        <p:nvSpPr>
+          <p:cNvPr id="6" name="Rectangle 5"/>
+          <p:cNvSpPr/>
+          <p:nvPr/>
+        </p:nvSpPr>
+        <p:spPr>
+          <a:xfrm>
+            <a:off x="3077832" y="1646654"/>
+            <a:ext cx="2988337" cy="1145594"/>
+          </a:xfrm>
+          <a:prstGeom prst="rect">
+            <a:avLst/>
+          </a:prstGeom>
+        </p:spPr>
+        <p:style>
+          <a:lnRef idx="1">
+            <a:schemeClr val="accent1"/>
+          </a:lnRef>
+          <a:fillRef idx="3">
+            <a:schemeClr val="accent1"/>
+          </a:fillRef>
+          <a:effectRef idx="2">
+            <a:schemeClr val="accent1"/>
+          </a:effectRef>
+          <a:fontRef idx="minor">
+            <a:schemeClr val="lt1"/>
+          </a:fontRef>
+        </p:style>
+        <p:txBody>
+          <a:bodyPr rtlCol="0" anchor="ctr"/>
+          <a:lstStyle/>
+          <a:p>
+            <a:pPr algn="ctr"/>
+            <a:r>
+              <a:rPr lang="en-US" dirty="0" err="1" smtClean="0"/>
+              <a:t>Loadbalancer</a:t>
+            </a:r>
+            <a:endParaRPr lang="en-US" dirty="0"/>
+          </a:p>
+        </p:txBody>
+      </p:sp>
+      <p:cxnSp>
+        <p:nvCxnSpPr>
+          <p:cNvPr id="8" name="Straight Arrow Connector 7"/>
+          <p:cNvCxnSpPr>
+            <a:stCxn id="6" idx="2"/>
+            <a:endCxn id="5" idx="0"/>
+          </p:cNvCxnSpPr>
+          <p:nvPr/>
+        </p:nvCxnSpPr>
+        <p:spPr>
+          <a:xfrm>
+            <a:off x="4572001" y="2792248"/>
+            <a:ext cx="0" cy="758091"/>
+          </a:xfrm>
+          <a:prstGeom prst="straightConnector1">
+            <a:avLst/>
+          </a:prstGeom>
+          <a:ln>
+            <a:tailEnd type="arrow"/>
+          </a:ln>
+        </p:spPr>
+        <p:style>
+          <a:lnRef idx="2">
+            <a:schemeClr val="accent1"/>
+          </a:lnRef>
+          <a:fillRef idx="0">
+            <a:schemeClr val="accent1"/>
+          </a:fillRef>
+          <a:effectRef idx="1">
+            <a:schemeClr val="accent1"/>
+          </a:effectRef>
+          <a:fontRef idx="minor">
+            <a:schemeClr val="tx1"/>
+          </a:fontRef>
+        </p:style>
+      </p:cxnSp>
+      <p:cxnSp>
+        <p:nvCxnSpPr>
+          <p:cNvPr id="10" name="Straight Arrow Connector 9"/>
+          <p:cNvCxnSpPr>
+            <a:stCxn id="5" idx="2"/>
+            <a:endCxn id="4" idx="0"/>
+          </p:cNvCxnSpPr>
+          <p:nvPr/>
+        </p:nvCxnSpPr>
+        <p:spPr>
+          <a:xfrm>
+            <a:off x="4572001" y="4695933"/>
+            <a:ext cx="0" cy="758092"/>
+          </a:xfrm>
+          <a:prstGeom prst="straightConnector1">
+            <a:avLst/>
+          </a:prstGeom>
+          <a:ln>
+            <a:tailEnd type="arrow"/>
+          </a:ln>
+        </p:spPr>
+        <p:style>
+          <a:lnRef idx="2">
+            <a:schemeClr val="accent1"/>
+          </a:lnRef>
+          <a:fillRef idx="0">
+            <a:schemeClr val="accent1"/>
+          </a:fillRef>
+          <a:effectRef idx="1">
+            <a:schemeClr val="accent1"/>
+          </a:effectRef>
+          <a:fontRef idx="minor">
+            <a:schemeClr val="tx1"/>
+          </a:fontRef>
+        </p:style>
+      </p:cxnSp>
+      <p:sp>
+        <p:nvSpPr>
+          <p:cNvPr id="11" name="Rectangle 10"/>
+          <p:cNvSpPr/>
+          <p:nvPr/>
+        </p:nvSpPr>
+        <p:spPr>
+          <a:xfrm>
+            <a:off x="547862" y="5454025"/>
+            <a:ext cx="2529970" cy="1145594"/>
+          </a:xfrm>
+          <a:prstGeom prst="rect">
+            <a:avLst/>
+          </a:prstGeom>
+          <a:solidFill>
+            <a:srgbClr val="61D659"/>
+          </a:solidFill>
+          <a:ln>
+            <a:noFill/>
+          </a:ln>
+        </p:spPr>
+        <p:style>
+          <a:lnRef idx="1">
+            <a:schemeClr val="accent1"/>
+          </a:lnRef>
+          <a:fillRef idx="3">
+            <a:schemeClr val="accent1"/>
+          </a:fillRef>
+          <a:effectRef idx="2">
+            <a:schemeClr val="accent1"/>
+          </a:effectRef>
+          <a:fontRef idx="minor">
+            <a:schemeClr val="lt1"/>
+          </a:fontRef>
+        </p:style>
+        <p:txBody>
+          <a:bodyPr rtlCol="0" anchor="ctr"/>
+          <a:lstStyle/>
+          <a:p>
+            <a:pPr algn="ctr"/>
+            <a:r>
+              <a:rPr lang="en-US" sz="1600" dirty="0" smtClean="0"/>
+              <a:t>SDK call tracing,</a:t>
+            </a:r>
+          </a:p>
+          <a:p>
+            <a:pPr algn="ctr"/>
+            <a:r>
+              <a:rPr lang="en-US" sz="1600" dirty="0" smtClean="0"/>
+              <a:t>SDK call time measurement</a:t>
+            </a:r>
+            <a:endParaRPr lang="en-US" sz="1600" dirty="0"/>
+          </a:p>
+        </p:txBody>
+      </p:sp>
+      <p:sp>
+        <p:nvSpPr>
+          <p:cNvPr id="12" name="Rectangle 11"/>
+          <p:cNvSpPr/>
+          <p:nvPr/>
+        </p:nvSpPr>
+        <p:spPr>
+          <a:xfrm>
+            <a:off x="547862" y="1646654"/>
+            <a:ext cx="2529970" cy="1145594"/>
+          </a:xfrm>
+          <a:prstGeom prst="rect">
+            <a:avLst/>
+          </a:prstGeom>
+          <a:solidFill>
+            <a:srgbClr val="61D659"/>
+          </a:solidFill>
+          <a:ln>
+            <a:noFill/>
+          </a:ln>
+        </p:spPr>
+        <p:style>
+          <a:lnRef idx="1">
+            <a:schemeClr val="accent1"/>
+          </a:lnRef>
+          <a:fillRef idx="3">
+            <a:schemeClr val="accent1"/>
+          </a:fillRef>
+          <a:effectRef idx="2">
+            <a:schemeClr val="accent1"/>
+          </a:effectRef>
+          <a:fontRef idx="minor">
+            <a:schemeClr val="lt1"/>
+          </a:fontRef>
+        </p:style>
+        <p:txBody>
+          <a:bodyPr rtlCol="0" anchor="ctr"/>
+          <a:lstStyle/>
+          <a:p>
+            <a:pPr algn="ctr"/>
+            <a:r>
+              <a:rPr lang="en-US" sz="1600" dirty="0" smtClean="0"/>
+              <a:t>Server access logging,</a:t>
+            </a:r>
+          </a:p>
+          <a:p>
+            <a:pPr algn="ctr"/>
+            <a:r>
+              <a:rPr lang="en-US" sz="1600" dirty="0" smtClean="0"/>
+              <a:t>Request ID generation</a:t>
+            </a:r>
+            <a:endParaRPr lang="en-US" sz="1600" dirty="0"/>
+          </a:p>
+        </p:txBody>
+      </p:sp>
+      <p:sp>
+        <p:nvSpPr>
+          <p:cNvPr id="13" name="Can 12"/>
+          <p:cNvSpPr/>
+          <p:nvPr/>
+        </p:nvSpPr>
+        <p:spPr>
+          <a:xfrm>
+            <a:off x="1202728" y="3550339"/>
+            <a:ext cx="1220238" cy="1145594"/>
+          </a:xfrm>
+          <a:prstGeom prst="can">
+            <a:avLst/>
+          </a:prstGeom>
+          <a:solidFill>
+            <a:srgbClr val="61D659"/>
+          </a:solidFill>
+          <a:ln>
+            <a:noFill/>
+          </a:ln>
+        </p:spPr>
+        <p:style>
+          <a:lnRef idx="1">
+            <a:schemeClr val="accent1"/>
+          </a:lnRef>
+          <a:fillRef idx="3">
+            <a:schemeClr val="accent1"/>
+          </a:fillRef>
+          <a:effectRef idx="2">
+            <a:schemeClr val="accent1"/>
+          </a:effectRef>
+          <a:fontRef idx="minor">
+            <a:schemeClr val="lt1"/>
+          </a:fontRef>
+        </p:style>
+        <p:txBody>
+          <a:bodyPr rtlCol="0" anchor="ctr"/>
+          <a:lstStyle/>
+          <a:p>
+            <a:pPr algn="ctr"/>
+            <a:r>
+              <a:rPr lang="en-US" sz="1600" dirty="0" smtClean="0"/>
+              <a:t>Data Store</a:t>
+            </a:r>
+            <a:endParaRPr lang="en-US" sz="1600" dirty="0"/>
+          </a:p>
+        </p:txBody>
+      </p:sp>
+      <p:cxnSp>
+        <p:nvCxnSpPr>
+          <p:cNvPr id="15" name="Straight Arrow Connector 14"/>
+          <p:cNvCxnSpPr>
+            <a:stCxn id="12" idx="2"/>
+            <a:endCxn id="13" idx="1"/>
+          </p:cNvCxnSpPr>
+          <p:nvPr/>
+        </p:nvCxnSpPr>
+        <p:spPr>
+          <a:xfrm>
+            <a:off x="1812847" y="2792248"/>
+            <a:ext cx="0" cy="758091"/>
+          </a:xfrm>
+          <a:prstGeom prst="straightConnector1">
+            <a:avLst/>
+          </a:prstGeom>
+          <a:ln>
+            <a:solidFill>
+              <a:srgbClr val="61D659"/>
+            </a:solidFill>
+            <a:tailEnd type="arrow"/>
+          </a:ln>
+        </p:spPr>
+        <p:style>
+          <a:lnRef idx="2">
+            <a:schemeClr val="accent1"/>
+          </a:lnRef>
+          <a:fillRef idx="0">
+            <a:schemeClr val="accent1"/>
+          </a:fillRef>
+          <a:effectRef idx="1">
+            <a:schemeClr val="accent1"/>
+          </a:effectRef>
+          <a:fontRef idx="minor">
+            <a:schemeClr val="tx1"/>
+          </a:fontRef>
+        </p:style>
+      </p:cxnSp>
+      <p:cxnSp>
+        <p:nvCxnSpPr>
+          <p:cNvPr id="17" name="Straight Arrow Connector 16"/>
+          <p:cNvCxnSpPr>
+            <a:stCxn id="11" idx="0"/>
+            <a:endCxn id="13" idx="3"/>
+          </p:cNvCxnSpPr>
+          <p:nvPr/>
+        </p:nvCxnSpPr>
+        <p:spPr>
+          <a:xfrm flipV="1">
+            <a:off x="1812847" y="4695933"/>
+            <a:ext cx="0" cy="758092"/>
+          </a:xfrm>
+          <a:prstGeom prst="straightConnector1">
+            <a:avLst/>
+          </a:prstGeom>
+          <a:ln>
+            <a:solidFill>
+              <a:srgbClr val="61D659"/>
+            </a:solidFill>
+            <a:tailEnd type="arrow"/>
+          </a:ln>
+        </p:spPr>
+        <p:style>
+          <a:lnRef idx="2">
+            <a:schemeClr val="accent1"/>
+          </a:lnRef>
+          <a:fillRef idx="0">
+            <a:schemeClr val="accent1"/>
+          </a:fillRef>
+          <a:effectRef idx="1">
+            <a:schemeClr val="accent1"/>
+          </a:effectRef>
+          <a:fontRef idx="minor">
+            <a:schemeClr val="tx1"/>
+          </a:fontRef>
+        </p:style>
+      </p:cxnSp>
+      <p:sp>
+        <p:nvSpPr>
+          <p:cNvPr id="20" name="Rectangle 19"/>
+          <p:cNvSpPr/>
+          <p:nvPr/>
+        </p:nvSpPr>
+        <p:spPr>
+          <a:xfrm>
+            <a:off x="6066169" y="1646654"/>
+            <a:ext cx="2529970" cy="1145594"/>
+          </a:xfrm>
+          <a:prstGeom prst="rect">
+            <a:avLst/>
+          </a:prstGeom>
+          <a:solidFill>
+            <a:srgbClr val="FF0000"/>
+          </a:solidFill>
+          <a:ln>
+            <a:noFill/>
+          </a:ln>
+        </p:spPr>
+        <p:style>
+          <a:lnRef idx="1">
+            <a:schemeClr val="accent1"/>
+          </a:lnRef>
+          <a:fillRef idx="3">
+            <a:schemeClr val="accent1"/>
+          </a:fillRef>
+          <a:effectRef idx="2">
+            <a:schemeClr val="accent1"/>
+          </a:effectRef>
+          <a:fontRef idx="minor">
+            <a:schemeClr val="lt1"/>
+          </a:fontRef>
+        </p:style>
+        <p:txBody>
+          <a:bodyPr rtlCol="0" anchor="ctr"/>
+          <a:lstStyle/>
+          <a:p>
+            <a:pPr algn="ctr"/>
+            <a:r>
+              <a:rPr lang="en-US" sz="1600" dirty="0" smtClean="0"/>
+              <a:t>Anomaly detection,</a:t>
+            </a:r>
+          </a:p>
+          <a:p>
+            <a:pPr algn="ctr"/>
+            <a:r>
+              <a:rPr lang="en-US" sz="1600" dirty="0" smtClean="0"/>
+              <a:t>Workload change point analysis</a:t>
+            </a:r>
+            <a:endParaRPr lang="en-US" sz="1600" dirty="0"/>
+          </a:p>
+        </p:txBody>
+      </p:sp>
+      <p:sp>
+        <p:nvSpPr>
+          <p:cNvPr id="22" name="Rectangle 21"/>
+          <p:cNvSpPr/>
+          <p:nvPr/>
+        </p:nvSpPr>
+        <p:spPr>
+          <a:xfrm>
+            <a:off x="6066169" y="5454025"/>
+            <a:ext cx="2529970" cy="1145594"/>
+          </a:xfrm>
+          <a:prstGeom prst="rect">
+            <a:avLst/>
+          </a:prstGeom>
+          <a:solidFill>
+            <a:srgbClr val="FF0000"/>
+          </a:solidFill>
+          <a:ln>
+            <a:noFill/>
+          </a:ln>
+        </p:spPr>
+        <p:style>
+          <a:lnRef idx="1">
+            <a:schemeClr val="accent1"/>
+          </a:lnRef>
+          <a:fillRef idx="3">
+            <a:schemeClr val="accent1"/>
+          </a:fillRef>
+          <a:effectRef idx="2">
+            <a:schemeClr val="accent1"/>
+          </a:effectRef>
+          <a:fontRef idx="minor">
+            <a:schemeClr val="lt1"/>
+          </a:fontRef>
+        </p:style>
+        <p:txBody>
+          <a:bodyPr rtlCol="0" anchor="ctr"/>
+          <a:lstStyle/>
+          <a:p>
+            <a:pPr algn="ctr"/>
+            <a:r>
+              <a:rPr lang="en-US" sz="1600" dirty="0" smtClean="0"/>
+              <a:t>Bottleneck identification</a:t>
+            </a:r>
+            <a:endParaRPr lang="en-US" sz="1600" dirty="0"/>
+          </a:p>
+        </p:txBody>
+      </p:sp>
+    </p:spTree>
+    <p:extLst>
+      <p:ext uri="{BB962C8B-B14F-4D97-AF65-F5344CB8AC3E}">
+        <p14:creationId xmlns:p14="http://schemas.microsoft.com/office/powerpoint/2010/main" val="3274361446"/>
+      </p:ext>
+    </p:extLst>
+  </p:cSld>
+  <p:clrMapOvr>
+    <a:masterClrMapping/>
+  </p:clrMapOvr>
+</p:sld>
+</file>
+
+<file path=ppt/slides/slide41.xml><?xml version="1.0" encoding="utf-8"?>
+<p:sld xmlns:a="http://schemas.openxmlformats.org/drawingml/2006/main" xmlns:r="http://schemas.openxmlformats.org/officeDocument/2006/relationships" xmlns:p="http://schemas.openxmlformats.org/presentationml/2006/main">
+  <p:cSld>
+    <p:spTree>
+      <p:nvGrpSpPr>
+        <p:cNvPr id="1" name=""/>
+        <p:cNvGrpSpPr/>
+        <p:nvPr/>
+      </p:nvGrpSpPr>
+      <p:grpSpPr>
+        <a:xfrm>
+          <a:off x="0" y="0"/>
+          <a:ext cx="0" cy="0"/>
+          <a:chOff x="0" y="0"/>
+          <a:chExt cx="0" cy="0"/>
+        </a:xfrm>
+      </p:grpSpPr>
+      <p:sp>
+        <p:nvSpPr>
+          <p:cNvPr id="2" name="Title 1"/>
+          <p:cNvSpPr>
+            <a:spLocks noGrp="1"/>
+          </p:cNvSpPr>
+          <p:nvPr>
+            <p:ph type="title"/>
+          </p:nvPr>
+        </p:nvSpPr>
+        <p:spPr/>
+        <p:txBody>
+          <a:bodyPr/>
+          <a:lstStyle/>
+          <a:p>
+            <a:r>
+              <a:rPr lang="en-US" dirty="0" smtClean="0"/>
+              <a:t>Anomaly Detection</a:t>
+            </a:r>
+            <a:endParaRPr lang="en-US" dirty="0"/>
+          </a:p>
+        </p:txBody>
+      </p:sp>
+      <p:sp>
+        <p:nvSpPr>
+          <p:cNvPr id="3" name="Content Placeholder 2"/>
+          <p:cNvSpPr>
+            <a:spLocks noGrp="1"/>
+          </p:cNvSpPr>
+          <p:nvPr>
+            <p:ph idx="1"/>
+          </p:nvPr>
+        </p:nvSpPr>
+        <p:spPr/>
+        <p:txBody>
+          <a:bodyPr/>
+          <a:lstStyle/>
+          <a:p>
+            <a:r>
+              <a:rPr lang="en-US" dirty="0" smtClean="0"/>
+              <a:t>SLO-based detection</a:t>
+            </a:r>
+          </a:p>
+          <a:p>
+            <a:pPr lvl="1"/>
+            <a:r>
+              <a:rPr lang="en-US" dirty="0" smtClean="0"/>
+              <a:t>Probe the application periodically and record SLO</a:t>
+            </a:r>
+          </a:p>
+          <a:p>
+            <a:pPr lvl="1"/>
+            <a:r>
+              <a:rPr lang="en-US" dirty="0" smtClean="0"/>
+              <a:t>Periodically compute the observed SLA satisfaction level</a:t>
+            </a:r>
+          </a:p>
+          <a:p>
+            <a:r>
+              <a:rPr lang="en-US" dirty="0" smtClean="0"/>
+              <a:t>Correlation-based detection</a:t>
+            </a:r>
+          </a:p>
+          <a:p>
+            <a:pPr lvl="1"/>
+            <a:r>
+              <a:rPr lang="en-US" dirty="0" smtClean="0"/>
+              <a:t>Statistically detect increases in response time that are not correlated with increases in workload</a:t>
+            </a:r>
+          </a:p>
+          <a:p>
+            <a:pPr lvl="1"/>
+            <a:r>
+              <a:rPr lang="en-US" dirty="0" smtClean="0"/>
+              <a:t>Pearson’s R and dynamic time warping</a:t>
+            </a:r>
+            <a:endParaRPr lang="en-US" dirty="0"/>
+          </a:p>
+        </p:txBody>
+      </p:sp>
+    </p:spTree>
+    <p:extLst>
+      <p:ext uri="{BB962C8B-B14F-4D97-AF65-F5344CB8AC3E}">
+        <p14:creationId xmlns:p14="http://schemas.microsoft.com/office/powerpoint/2010/main" val="1864197141"/>
+      </p:ext>
+    </p:extLst>
+  </p:cSld>
+  <p:clrMapOvr>
+    <a:masterClrMapping/>
+  </p:clrMapOvr>
+</p:sld>
+</file>
+
+<file path=ppt/slides/slide42.xml><?xml version="1.0" encoding="utf-8"?>
+<p:sld xmlns:a="http://schemas.openxmlformats.org/drawingml/2006/main" xmlns:r="http://schemas.openxmlformats.org/officeDocument/2006/relationships" xmlns:p="http://schemas.openxmlformats.org/presentationml/2006/main">
+  <p:cSld>
+    <p:spTree>
+      <p:nvGrpSpPr>
+        <p:cNvPr id="1" name=""/>
+        <p:cNvGrpSpPr/>
+        <p:nvPr/>
+      </p:nvGrpSpPr>
+      <p:grpSpPr>
+        <a:xfrm>
+          <a:off x="0" y="0"/>
+          <a:ext cx="0" cy="0"/>
+          <a:chOff x="0" y="0"/>
+          <a:chExt cx="0" cy="0"/>
+        </a:xfrm>
+      </p:grpSpPr>
+      <p:sp>
+        <p:nvSpPr>
+          <p:cNvPr id="2" name="Title 1"/>
+          <p:cNvSpPr>
+            <a:spLocks noGrp="1"/>
+          </p:cNvSpPr>
+          <p:nvPr>
+            <p:ph type="title"/>
+          </p:nvPr>
+        </p:nvSpPr>
+        <p:spPr/>
+        <p:txBody>
+          <a:bodyPr/>
+          <a:lstStyle/>
+          <a:p>
+            <a:r>
+              <a:rPr lang="en-US" dirty="0" smtClean="0"/>
+              <a:t>Bottleneck Identification</a:t>
+            </a:r>
+            <a:endParaRPr lang="en-US" dirty="0"/>
+          </a:p>
+        </p:txBody>
+      </p:sp>
+      <p:sp>
+        <p:nvSpPr>
+          <p:cNvPr id="3" name="Content Placeholder 2"/>
+          <p:cNvSpPr>
+            <a:spLocks noGrp="1"/>
+          </p:cNvSpPr>
+          <p:nvPr>
+            <p:ph idx="1"/>
+          </p:nvPr>
+        </p:nvSpPr>
+        <p:spPr/>
+        <p:txBody>
+          <a:bodyPr/>
+          <a:lstStyle/>
+          <a:p>
+            <a:r>
+              <a:rPr lang="en-US" dirty="0" smtClean="0"/>
+              <a:t>Suppose an application makes 3 SDK calls for each HTTP request.</a:t>
+            </a:r>
+          </a:p>
+          <a:p>
+            <a:pPr marL="0" indent="0">
+              <a:buNone/>
+            </a:pPr>
+            <a:endParaRPr lang="en-US" dirty="0"/>
+          </a:p>
+          <a:p>
+            <a:endParaRPr lang="en-US" dirty="0" smtClean="0"/>
+          </a:p>
+          <a:p>
+            <a:r>
+              <a:rPr lang="en-US" dirty="0" smtClean="0"/>
+              <a:t>Linear regression model: Total = A + B + C</a:t>
+            </a:r>
+          </a:p>
+          <a:p>
+            <a:r>
+              <a:rPr lang="en-US" dirty="0" smtClean="0"/>
+              <a:t>Relative importance metric indicates the portion of variance in “Total” explained by each independent variable</a:t>
+            </a:r>
+            <a:endParaRPr lang="en-US" dirty="0"/>
+          </a:p>
+        </p:txBody>
+      </p:sp>
+      <p:graphicFrame>
+        <p:nvGraphicFramePr>
+          <p:cNvPr id="4" name="Table 3"/>
+          <p:cNvGraphicFramePr>
+            <a:graphicFrameLocks noGrp="1"/>
+          </p:cNvGraphicFramePr>
+          <p:nvPr>
+            <p:extLst>
+              <p:ext uri="{D42A27DB-BD31-4B8C-83A1-F6EECF244321}">
+                <p14:modId xmlns:p14="http://schemas.microsoft.com/office/powerpoint/2010/main" val="263786051"/>
+              </p:ext>
+            </p:extLst>
+          </p:nvPr>
+        </p:nvGraphicFramePr>
+        <p:xfrm>
+          <a:off x="1524000" y="2679567"/>
+          <a:ext cx="6096000" cy="1112520"/>
+        </p:xfrm>
+        <a:graphic>
+          <a:graphicData uri="http://schemas.openxmlformats.org/drawingml/2006/table">
+            <a:tbl>
+              <a:tblPr firstRow="1" bandRow="1">
+                <a:tableStyleId>{5C22544A-7EE6-4342-B048-85BDC9FD1C3A}</a:tableStyleId>
+              </a:tblPr>
+              <a:tblGrid>
+                <a:gridCol w="1524000"/>
+                <a:gridCol w="1524000"/>
+                <a:gridCol w="1524000"/>
+                <a:gridCol w="1524000"/>
+              </a:tblGrid>
+              <a:tr h="370840">
+                <a:tc>
+                  <a:txBody>
+                    <a:bodyPr/>
+                    <a:lstStyle/>
+                    <a:p>
+                      <a:pPr algn="ctr"/>
+                      <a:r>
+                        <a:rPr lang="en-US" dirty="0" smtClean="0"/>
+                        <a:t>A</a:t>
+                      </a:r>
+                      <a:endParaRPr lang="en-US" dirty="0"/>
+                    </a:p>
+                  </a:txBody>
+                  <a:tcPr/>
+                </a:tc>
+                <a:tc>
+                  <a:txBody>
+                    <a:bodyPr/>
+                    <a:lstStyle/>
+                    <a:p>
+                      <a:pPr algn="ctr"/>
+                      <a:r>
+                        <a:rPr lang="en-US" dirty="0" smtClean="0"/>
+                        <a:t>B</a:t>
+                      </a:r>
+                      <a:endParaRPr lang="en-US" dirty="0"/>
+                    </a:p>
+                  </a:txBody>
+                  <a:tcPr/>
+                </a:tc>
+                <a:tc>
+                  <a:txBody>
+                    <a:bodyPr/>
+                    <a:lstStyle/>
+                    <a:p>
+                      <a:pPr algn="ctr"/>
+                      <a:r>
+                        <a:rPr lang="en-US" dirty="0" smtClean="0"/>
+                        <a:t>C</a:t>
+                      </a:r>
+                      <a:endParaRPr lang="en-US" dirty="0"/>
+                    </a:p>
+                  </a:txBody>
+                  <a:tcPr/>
+                </a:tc>
+                <a:tc>
+                  <a:txBody>
+                    <a:bodyPr/>
+                    <a:lstStyle/>
+                    <a:p>
+                      <a:pPr algn="ctr"/>
+                      <a:r>
+                        <a:rPr lang="en-US" dirty="0" smtClean="0"/>
+                        <a:t>Total</a:t>
+                      </a:r>
+                      <a:endParaRPr lang="en-US" dirty="0"/>
+                    </a:p>
+                  </a:txBody>
+                  <a:tcPr/>
+                </a:tc>
+              </a:tr>
+              <a:tr h="370840">
+                <a:tc>
+                  <a:txBody>
+                    <a:bodyPr/>
+                    <a:lstStyle/>
+                    <a:p>
+                      <a:pPr algn="ctr"/>
+                      <a:r>
+                        <a:rPr lang="en-US" dirty="0" smtClean="0"/>
+                        <a:t>10</a:t>
+                      </a:r>
+                      <a:endParaRPr lang="en-US" dirty="0"/>
+                    </a:p>
+                  </a:txBody>
+                  <a:tcPr/>
+                </a:tc>
+                <a:tc>
+                  <a:txBody>
+                    <a:bodyPr/>
+                    <a:lstStyle/>
+                    <a:p>
+                      <a:pPr algn="ctr"/>
+                      <a:r>
+                        <a:rPr lang="en-US" dirty="0" smtClean="0"/>
+                        <a:t>18</a:t>
+                      </a:r>
+                      <a:endParaRPr lang="en-US" dirty="0"/>
+                    </a:p>
+                  </a:txBody>
+                  <a:tcPr/>
+                </a:tc>
+                <a:tc>
+                  <a:txBody>
+                    <a:bodyPr/>
+                    <a:lstStyle/>
+                    <a:p>
+                      <a:pPr algn="ctr"/>
+                      <a:r>
+                        <a:rPr lang="en-US" dirty="0" smtClean="0"/>
+                        <a:t>12</a:t>
+                      </a:r>
+                      <a:endParaRPr lang="en-US" dirty="0"/>
+                    </a:p>
+                  </a:txBody>
+                  <a:tcPr/>
+                </a:tc>
+                <a:tc>
+                  <a:txBody>
+                    <a:bodyPr/>
+                    <a:lstStyle/>
+                    <a:p>
+                      <a:pPr algn="ctr"/>
+                      <a:r>
+                        <a:rPr lang="en-US" dirty="0" smtClean="0"/>
+                        <a:t>44</a:t>
+                      </a:r>
+                      <a:endParaRPr lang="en-US" dirty="0"/>
+                    </a:p>
+                  </a:txBody>
+                  <a:tcPr/>
+                </a:tc>
+              </a:tr>
+              <a:tr h="370840">
+                <a:tc>
+                  <a:txBody>
+                    <a:bodyPr/>
+                    <a:lstStyle/>
+                    <a:p>
+                      <a:pPr algn="ctr"/>
+                      <a:r>
+                        <a:rPr lang="en-US" dirty="0" smtClean="0"/>
+                        <a:t>9</a:t>
+                      </a:r>
+                      <a:endParaRPr lang="en-US" dirty="0"/>
+                    </a:p>
+                  </a:txBody>
+                  <a:tcPr/>
+                </a:tc>
+                <a:tc>
+                  <a:txBody>
+                    <a:bodyPr/>
+                    <a:lstStyle/>
+                    <a:p>
+                      <a:pPr algn="ctr"/>
+                      <a:r>
+                        <a:rPr lang="en-US" dirty="0" smtClean="0"/>
+                        <a:t>20</a:t>
+                      </a:r>
+                      <a:endParaRPr lang="en-US" dirty="0"/>
+                    </a:p>
+                  </a:txBody>
+                  <a:tcPr/>
+                </a:tc>
+                <a:tc>
+                  <a:txBody>
+                    <a:bodyPr/>
+                    <a:lstStyle/>
+                    <a:p>
+                      <a:pPr algn="ctr"/>
+                      <a:r>
+                        <a:rPr lang="en-US" dirty="0" smtClean="0"/>
+                        <a:t>11</a:t>
+                      </a:r>
+                      <a:endParaRPr lang="en-US" dirty="0"/>
+                    </a:p>
+                  </a:txBody>
+                  <a:tcPr/>
+                </a:tc>
+                <a:tc>
+                  <a:txBody>
+                    <a:bodyPr/>
+                    <a:lstStyle/>
+                    <a:p>
+                      <a:pPr algn="ctr"/>
+                      <a:r>
+                        <a:rPr lang="en-US" dirty="0" smtClean="0"/>
+                        <a:t>42</a:t>
+                      </a:r>
+                      <a:endParaRPr lang="en-US" dirty="0"/>
+                    </a:p>
+                  </a:txBody>
+                  <a:tcPr/>
+                </a:tc>
+              </a:tr>
+            </a:tbl>
+          </a:graphicData>
+        </a:graphic>
+      </p:graphicFrame>
+    </p:spTree>
+    <p:extLst>
+      <p:ext uri="{BB962C8B-B14F-4D97-AF65-F5344CB8AC3E}">
+        <p14:creationId xmlns:p14="http://schemas.microsoft.com/office/powerpoint/2010/main" val="866085967"/>
+      </p:ext>
+    </p:extLst>
+  </p:cSld>
+  <p:clrMapOvr>
+    <a:masterClrMapping/>
+  </p:clrMapOvr>
 </p:sld>
 </file>
 

--- a/Eager/elk-experiment/appserver/system_design.pptx
+++ b/Eager/elk-experiment/appserver/system_design.pptx
@@ -4,6 +4,9 @@
   <p:sldMasterIdLst>
     <p:sldMasterId id="2147483648" r:id="rId1"/>
   </p:sldMasterIdLst>
+  <p:notesMasterIdLst>
+    <p:notesMasterId r:id="rId50"/>
+  </p:notesMasterIdLst>
   <p:sldIdLst>
     <p:sldId id="257" r:id="rId2"/>
     <p:sldId id="258" r:id="rId3"/>
@@ -46,7 +49,13 @@
     <p:sldId id="297" r:id="rId40"/>
     <p:sldId id="298" r:id="rId41"/>
     <p:sldId id="299" r:id="rId42"/>
-    <p:sldId id="300" r:id="rId43"/>
+    <p:sldId id="301" r:id="rId43"/>
+    <p:sldId id="302" r:id="rId44"/>
+    <p:sldId id="304" r:id="rId45"/>
+    <p:sldId id="300" r:id="rId46"/>
+    <p:sldId id="303" r:id="rId47"/>
+    <p:sldId id="305" r:id="rId48"/>
+    <p:sldId id="306" r:id="rId49"/>
   </p:sldIdLst>
   <p:sldSz cx="9144000" cy="6858000" type="screen4x3"/>
   <p:notesSz cx="6858000" cy="9144000"/>
@@ -148,6 +157,448 @@
 </p:presentation>
 </file>
 
+<file path=ppt/notesMasters/notesMaster1.xml><?xml version="1.0" encoding="utf-8"?>
+<p:notesMaster xmlns:a="http://schemas.openxmlformats.org/drawingml/2006/main" xmlns:r="http://schemas.openxmlformats.org/officeDocument/2006/relationships" xmlns:p="http://schemas.openxmlformats.org/presentationml/2006/main">
+  <p:cSld>
+    <p:bg>
+      <p:bgRef idx="1001">
+        <a:schemeClr val="bg1"/>
+      </p:bgRef>
+    </p:bg>
+    <p:spTree>
+      <p:nvGrpSpPr>
+        <p:cNvPr id="1" name=""/>
+        <p:cNvGrpSpPr/>
+        <p:nvPr/>
+      </p:nvGrpSpPr>
+      <p:grpSpPr>
+        <a:xfrm>
+          <a:off x="0" y="0"/>
+          <a:ext cx="0" cy="0"/>
+          <a:chOff x="0" y="0"/>
+          <a:chExt cx="0" cy="0"/>
+        </a:xfrm>
+      </p:grpSpPr>
+      <p:sp>
+        <p:nvSpPr>
+          <p:cNvPr id="2" name="Header Placeholder 1"/>
+          <p:cNvSpPr>
+            <a:spLocks noGrp="1"/>
+          </p:cNvSpPr>
+          <p:nvPr>
+            <p:ph type="hdr" sz="quarter"/>
+          </p:nvPr>
+        </p:nvSpPr>
+        <p:spPr>
+          <a:xfrm>
+            <a:off x="0" y="0"/>
+            <a:ext cx="2971800" cy="457200"/>
+          </a:xfrm>
+          <a:prstGeom prst="rect">
+            <a:avLst/>
+          </a:prstGeom>
+        </p:spPr>
+        <p:txBody>
+          <a:bodyPr vert="horz" lIns="91440" tIns="45720" rIns="91440" bIns="45720" rtlCol="0"/>
+          <a:lstStyle>
+            <a:lvl1pPr algn="l">
+              <a:defRPr sz="1200"/>
+            </a:lvl1pPr>
+          </a:lstStyle>
+          <a:p>
+            <a:endParaRPr lang="en-US"/>
+          </a:p>
+        </p:txBody>
+      </p:sp>
+      <p:sp>
+        <p:nvSpPr>
+          <p:cNvPr id="3" name="Date Placeholder 2"/>
+          <p:cNvSpPr>
+            <a:spLocks noGrp="1"/>
+          </p:cNvSpPr>
+          <p:nvPr>
+            <p:ph type="dt" idx="1"/>
+          </p:nvPr>
+        </p:nvSpPr>
+        <p:spPr>
+          <a:xfrm>
+            <a:off x="3884613" y="0"/>
+            <a:ext cx="2971800" cy="457200"/>
+          </a:xfrm>
+          <a:prstGeom prst="rect">
+            <a:avLst/>
+          </a:prstGeom>
+        </p:spPr>
+        <p:txBody>
+          <a:bodyPr vert="horz" lIns="91440" tIns="45720" rIns="91440" bIns="45720" rtlCol="0"/>
+          <a:lstStyle>
+            <a:lvl1pPr algn="r">
+              <a:defRPr sz="1200"/>
+            </a:lvl1pPr>
+          </a:lstStyle>
+          <a:p>
+            <a:fld id="{C6B377BD-EE2D-6A4D-8791-40EA342A78BF}" type="datetimeFigureOut">
+              <a:rPr lang="en-US" smtClean="0"/>
+              <a:t>4/10/16</a:t>
+            </a:fld>
+            <a:endParaRPr lang="en-US"/>
+          </a:p>
+        </p:txBody>
+      </p:sp>
+      <p:sp>
+        <p:nvSpPr>
+          <p:cNvPr id="4" name="Slide Image Placeholder 3"/>
+          <p:cNvSpPr>
+            <a:spLocks noGrp="1" noRot="1" noChangeAspect="1"/>
+          </p:cNvSpPr>
+          <p:nvPr>
+            <p:ph type="sldImg" idx="2"/>
+          </p:nvPr>
+        </p:nvSpPr>
+        <p:spPr>
+          <a:xfrm>
+            <a:off x="1143000" y="685800"/>
+            <a:ext cx="4572000" cy="3429000"/>
+          </a:xfrm>
+          <a:prstGeom prst="rect">
+            <a:avLst/>
+          </a:prstGeom>
+          <a:noFill/>
+          <a:ln w="12700">
+            <a:solidFill>
+              <a:prstClr val="black"/>
+            </a:solidFill>
+          </a:ln>
+        </p:spPr>
+        <p:txBody>
+          <a:bodyPr vert="horz" lIns="91440" tIns="45720" rIns="91440" bIns="45720" rtlCol="0" anchor="ctr"/>
+          <a:lstStyle/>
+          <a:p>
+            <a:endParaRPr lang="en-US"/>
+          </a:p>
+        </p:txBody>
+      </p:sp>
+      <p:sp>
+        <p:nvSpPr>
+          <p:cNvPr id="5" name="Notes Placeholder 4"/>
+          <p:cNvSpPr>
+            <a:spLocks noGrp="1"/>
+          </p:cNvSpPr>
+          <p:nvPr>
+            <p:ph type="body" sz="quarter" idx="3"/>
+          </p:nvPr>
+        </p:nvSpPr>
+        <p:spPr>
+          <a:xfrm>
+            <a:off x="685800" y="4343400"/>
+            <a:ext cx="5486400" cy="4114800"/>
+          </a:xfrm>
+          <a:prstGeom prst="rect">
+            <a:avLst/>
+          </a:prstGeom>
+        </p:spPr>
+        <p:txBody>
+          <a:bodyPr vert="horz" lIns="91440" tIns="45720" rIns="91440" bIns="45720" rtlCol="0"/>
+          <a:lstStyle/>
+          <a:p>
+            <a:pPr lvl="0"/>
+            <a:r>
+              <a:rPr lang="en-US" smtClean="0"/>
+              <a:t>Click to edit Master text styles</a:t>
+            </a:r>
+          </a:p>
+          <a:p>
+            <a:pPr lvl="1"/>
+            <a:r>
+              <a:rPr lang="en-US" smtClean="0"/>
+              <a:t>Second level</a:t>
+            </a:r>
+          </a:p>
+          <a:p>
+            <a:pPr lvl="2"/>
+            <a:r>
+              <a:rPr lang="en-US" smtClean="0"/>
+              <a:t>Third level</a:t>
+            </a:r>
+          </a:p>
+          <a:p>
+            <a:pPr lvl="3"/>
+            <a:r>
+              <a:rPr lang="en-US" smtClean="0"/>
+              <a:t>Fourth level</a:t>
+            </a:r>
+          </a:p>
+          <a:p>
+            <a:pPr lvl="4"/>
+            <a:r>
+              <a:rPr lang="en-US" smtClean="0"/>
+              <a:t>Fifth level</a:t>
+            </a:r>
+            <a:endParaRPr lang="en-US"/>
+          </a:p>
+        </p:txBody>
+      </p:sp>
+      <p:sp>
+        <p:nvSpPr>
+          <p:cNvPr id="6" name="Footer Placeholder 5"/>
+          <p:cNvSpPr>
+            <a:spLocks noGrp="1"/>
+          </p:cNvSpPr>
+          <p:nvPr>
+            <p:ph type="ftr" sz="quarter" idx="4"/>
+          </p:nvPr>
+        </p:nvSpPr>
+        <p:spPr>
+          <a:xfrm>
+            <a:off x="0" y="8685213"/>
+            <a:ext cx="2971800" cy="457200"/>
+          </a:xfrm>
+          <a:prstGeom prst="rect">
+            <a:avLst/>
+          </a:prstGeom>
+        </p:spPr>
+        <p:txBody>
+          <a:bodyPr vert="horz" lIns="91440" tIns="45720" rIns="91440" bIns="45720" rtlCol="0" anchor="b"/>
+          <a:lstStyle>
+            <a:lvl1pPr algn="l">
+              <a:defRPr sz="1200"/>
+            </a:lvl1pPr>
+          </a:lstStyle>
+          <a:p>
+            <a:endParaRPr lang="en-US"/>
+          </a:p>
+        </p:txBody>
+      </p:sp>
+      <p:sp>
+        <p:nvSpPr>
+          <p:cNvPr id="7" name="Slide Number Placeholder 6"/>
+          <p:cNvSpPr>
+            <a:spLocks noGrp="1"/>
+          </p:cNvSpPr>
+          <p:nvPr>
+            <p:ph type="sldNum" sz="quarter" idx="5"/>
+          </p:nvPr>
+        </p:nvSpPr>
+        <p:spPr>
+          <a:xfrm>
+            <a:off x="3884613" y="8685213"/>
+            <a:ext cx="2971800" cy="457200"/>
+          </a:xfrm>
+          <a:prstGeom prst="rect">
+            <a:avLst/>
+          </a:prstGeom>
+        </p:spPr>
+        <p:txBody>
+          <a:bodyPr vert="horz" lIns="91440" tIns="45720" rIns="91440" bIns="45720" rtlCol="0" anchor="b"/>
+          <a:lstStyle>
+            <a:lvl1pPr algn="r">
+              <a:defRPr sz="1200"/>
+            </a:lvl1pPr>
+          </a:lstStyle>
+          <a:p>
+            <a:fld id="{6E605815-6331-9444-B06E-921213318926}" type="slidenum">
+              <a:rPr lang="en-US" smtClean="0"/>
+              <a:t>‹#›</a:t>
+            </a:fld>
+            <a:endParaRPr lang="en-US"/>
+          </a:p>
+        </p:txBody>
+      </p:sp>
+    </p:spTree>
+    <p:extLst>
+      <p:ext uri="{BB962C8B-B14F-4D97-AF65-F5344CB8AC3E}">
+        <p14:creationId xmlns:p14="http://schemas.microsoft.com/office/powerpoint/2010/main" val="2704679613"/>
+      </p:ext>
+    </p:extLst>
+  </p:cSld>
+  <p:clrMap bg1="lt1" tx1="dk1" bg2="lt2" tx2="dk2" accent1="accent1" accent2="accent2" accent3="accent3" accent4="accent4" accent5="accent5" accent6="accent6" hlink="hlink" folHlink="folHlink"/>
+  <p:notesStyle>
+    <a:lvl1pPr marL="0" algn="l" defTabSz="457200" rtl="0" eaLnBrk="1" latinLnBrk="0" hangingPunct="1">
+      <a:defRPr sz="1200" kern="1200">
+        <a:solidFill>
+          <a:schemeClr val="tx1"/>
+        </a:solidFill>
+        <a:latin typeface="+mn-lt"/>
+        <a:ea typeface="+mn-ea"/>
+        <a:cs typeface="+mn-cs"/>
+      </a:defRPr>
+    </a:lvl1pPr>
+    <a:lvl2pPr marL="457200" algn="l" defTabSz="457200" rtl="0" eaLnBrk="1" latinLnBrk="0" hangingPunct="1">
+      <a:defRPr sz="1200" kern="1200">
+        <a:solidFill>
+          <a:schemeClr val="tx1"/>
+        </a:solidFill>
+        <a:latin typeface="+mn-lt"/>
+        <a:ea typeface="+mn-ea"/>
+        <a:cs typeface="+mn-cs"/>
+      </a:defRPr>
+    </a:lvl2pPr>
+    <a:lvl3pPr marL="914400" algn="l" defTabSz="457200" rtl="0" eaLnBrk="1" latinLnBrk="0" hangingPunct="1">
+      <a:defRPr sz="1200" kern="1200">
+        <a:solidFill>
+          <a:schemeClr val="tx1"/>
+        </a:solidFill>
+        <a:latin typeface="+mn-lt"/>
+        <a:ea typeface="+mn-ea"/>
+        <a:cs typeface="+mn-cs"/>
+      </a:defRPr>
+    </a:lvl3pPr>
+    <a:lvl4pPr marL="1371600" algn="l" defTabSz="457200" rtl="0" eaLnBrk="1" latinLnBrk="0" hangingPunct="1">
+      <a:defRPr sz="1200" kern="1200">
+        <a:solidFill>
+          <a:schemeClr val="tx1"/>
+        </a:solidFill>
+        <a:latin typeface="+mn-lt"/>
+        <a:ea typeface="+mn-ea"/>
+        <a:cs typeface="+mn-cs"/>
+      </a:defRPr>
+    </a:lvl4pPr>
+    <a:lvl5pPr marL="1828800" algn="l" defTabSz="457200" rtl="0" eaLnBrk="1" latinLnBrk="0" hangingPunct="1">
+      <a:defRPr sz="1200" kern="1200">
+        <a:solidFill>
+          <a:schemeClr val="tx1"/>
+        </a:solidFill>
+        <a:latin typeface="+mn-lt"/>
+        <a:ea typeface="+mn-ea"/>
+        <a:cs typeface="+mn-cs"/>
+      </a:defRPr>
+    </a:lvl5pPr>
+    <a:lvl6pPr marL="2286000" algn="l" defTabSz="457200" rtl="0" eaLnBrk="1" latinLnBrk="0" hangingPunct="1">
+      <a:defRPr sz="1200" kern="1200">
+        <a:solidFill>
+          <a:schemeClr val="tx1"/>
+        </a:solidFill>
+        <a:latin typeface="+mn-lt"/>
+        <a:ea typeface="+mn-ea"/>
+        <a:cs typeface="+mn-cs"/>
+      </a:defRPr>
+    </a:lvl6pPr>
+    <a:lvl7pPr marL="2743200" algn="l" defTabSz="457200" rtl="0" eaLnBrk="1" latinLnBrk="0" hangingPunct="1">
+      <a:defRPr sz="1200" kern="1200">
+        <a:solidFill>
+          <a:schemeClr val="tx1"/>
+        </a:solidFill>
+        <a:latin typeface="+mn-lt"/>
+        <a:ea typeface="+mn-ea"/>
+        <a:cs typeface="+mn-cs"/>
+      </a:defRPr>
+    </a:lvl7pPr>
+    <a:lvl8pPr marL="3200400" algn="l" defTabSz="457200" rtl="0" eaLnBrk="1" latinLnBrk="0" hangingPunct="1">
+      <a:defRPr sz="1200" kern="1200">
+        <a:solidFill>
+          <a:schemeClr val="tx1"/>
+        </a:solidFill>
+        <a:latin typeface="+mn-lt"/>
+        <a:ea typeface="+mn-ea"/>
+        <a:cs typeface="+mn-cs"/>
+      </a:defRPr>
+    </a:lvl8pPr>
+    <a:lvl9pPr marL="3657600" algn="l" defTabSz="457200" rtl="0" eaLnBrk="1" latinLnBrk="0" hangingPunct="1">
+      <a:defRPr sz="1200" kern="1200">
+        <a:solidFill>
+          <a:schemeClr val="tx1"/>
+        </a:solidFill>
+        <a:latin typeface="+mn-lt"/>
+        <a:ea typeface="+mn-ea"/>
+        <a:cs typeface="+mn-cs"/>
+      </a:defRPr>
+    </a:lvl9pPr>
+  </p:notesStyle>
+</p:notesMaster>
+</file>
+
+<file path=ppt/notesSlides/notesSlide1.xml><?xml version="1.0" encoding="utf-8"?>
+<p:notes xmlns:a="http://schemas.openxmlformats.org/drawingml/2006/main" xmlns:r="http://schemas.openxmlformats.org/officeDocument/2006/relationships" xmlns:p="http://schemas.openxmlformats.org/presentationml/2006/main">
+  <p:cSld>
+    <p:spTree>
+      <p:nvGrpSpPr>
+        <p:cNvPr id="1" name=""/>
+        <p:cNvGrpSpPr/>
+        <p:nvPr/>
+      </p:nvGrpSpPr>
+      <p:grpSpPr>
+        <a:xfrm>
+          <a:off x="0" y="0"/>
+          <a:ext cx="0" cy="0"/>
+          <a:chOff x="0" y="0"/>
+          <a:chExt cx="0" cy="0"/>
+        </a:xfrm>
+      </p:grpSpPr>
+      <p:sp>
+        <p:nvSpPr>
+          <p:cNvPr id="2" name="Slide Image Placeholder 1"/>
+          <p:cNvSpPr>
+            <a:spLocks noGrp="1" noRot="1" noChangeAspect="1"/>
+          </p:cNvSpPr>
+          <p:nvPr>
+            <p:ph type="sldImg"/>
+          </p:nvPr>
+        </p:nvSpPr>
+        <p:spPr/>
+      </p:sp>
+      <p:sp>
+        <p:nvSpPr>
+          <p:cNvPr id="3" name="Notes Placeholder 2"/>
+          <p:cNvSpPr>
+            <a:spLocks noGrp="1"/>
+          </p:cNvSpPr>
+          <p:nvPr>
+            <p:ph type="body" idx="1"/>
+          </p:nvPr>
+        </p:nvSpPr>
+        <p:spPr/>
+        <p:txBody>
+          <a:bodyPr/>
+          <a:lstStyle/>
+          <a:p>
+            <a:r>
+              <a:rPr lang="en-US" dirty="0" smtClean="0"/>
+              <a:t>Outlier at t</a:t>
+            </a:r>
+            <a:r>
+              <a:rPr lang="en-US" baseline="0" dirty="0" smtClean="0"/>
+              <a:t> = 101 detected as a Level Shift (LS).</a:t>
+            </a:r>
+            <a:endParaRPr lang="en-US" dirty="0"/>
+          </a:p>
+        </p:txBody>
+      </p:sp>
+      <p:sp>
+        <p:nvSpPr>
+          <p:cNvPr id="4" name="Slide Number Placeholder 3"/>
+          <p:cNvSpPr>
+            <a:spLocks noGrp="1"/>
+          </p:cNvSpPr>
+          <p:nvPr>
+            <p:ph type="sldNum" sz="quarter" idx="10"/>
+          </p:nvPr>
+        </p:nvSpPr>
+        <p:spPr/>
+        <p:txBody>
+          <a:bodyPr/>
+          <a:lstStyle/>
+          <a:p>
+            <a:fld id="{F7278AEC-EE64-7842-B08E-D93D33560D10}" type="slidenum">
+              <a:rPr lang="en-US" smtClean="0"/>
+              <a:t>43</a:t>
+            </a:fld>
+            <a:endParaRPr lang="en-US"/>
+          </a:p>
+        </p:txBody>
+      </p:sp>
+    </p:spTree>
+    <p:extLst>
+      <p:ext uri="{BB962C8B-B14F-4D97-AF65-F5344CB8AC3E}">
+        <p14:creationId xmlns:p14="http://schemas.microsoft.com/office/powerpoint/2010/main" val="3404154749"/>
+      </p:ext>
+    </p:extLst>
+  </p:cSld>
+  <p:clrMapOvr>
+    <a:masterClrMapping/>
+  </p:clrMapOvr>
+</p:notes>
+</file>
+
 <file path=ppt/slideLayouts/slideLayout1.xml><?xml version="1.0" encoding="utf-8"?>
 <p:sldLayout xmlns:a="http://schemas.openxmlformats.org/drawingml/2006/main" xmlns:r="http://schemas.openxmlformats.org/officeDocument/2006/relationships" xmlns:p="http://schemas.openxmlformats.org/presentationml/2006/main" type="title" preserve="1">
   <p:cSld name="Title Slide">
@@ -329,7 +780,7 @@
           <a:p>
             <a:fld id="{94C3570C-2D75-5147-A673-6C02746C58AB}" type="datetimeFigureOut">
               <a:rPr lang="en-US" smtClean="0"/>
-              <a:t>3/28/16</a:t>
+              <a:t>4/10/16</a:t>
             </a:fld>
             <a:endParaRPr lang="en-US"/>
           </a:p>
@@ -499,7 +950,7 @@
           <a:p>
             <a:fld id="{94C3570C-2D75-5147-A673-6C02746C58AB}" type="datetimeFigureOut">
               <a:rPr lang="en-US" smtClean="0"/>
-              <a:t>3/28/16</a:t>
+              <a:t>4/10/16</a:t>
             </a:fld>
             <a:endParaRPr lang="en-US"/>
           </a:p>
@@ -679,7 +1130,7 @@
           <a:p>
             <a:fld id="{94C3570C-2D75-5147-A673-6C02746C58AB}" type="datetimeFigureOut">
               <a:rPr lang="en-US" smtClean="0"/>
-              <a:t>3/28/16</a:t>
+              <a:t>4/10/16</a:t>
             </a:fld>
             <a:endParaRPr lang="en-US"/>
           </a:p>
@@ -849,7 +1300,7 @@
           <a:p>
             <a:fld id="{94C3570C-2D75-5147-A673-6C02746C58AB}" type="datetimeFigureOut">
               <a:rPr lang="en-US" smtClean="0"/>
-              <a:t>3/28/16</a:t>
+              <a:t>4/10/16</a:t>
             </a:fld>
             <a:endParaRPr lang="en-US"/>
           </a:p>
@@ -1095,7 +1546,7 @@
           <a:p>
             <a:fld id="{94C3570C-2D75-5147-A673-6C02746C58AB}" type="datetimeFigureOut">
               <a:rPr lang="en-US" smtClean="0"/>
-              <a:t>3/28/16</a:t>
+              <a:t>4/10/16</a:t>
             </a:fld>
             <a:endParaRPr lang="en-US"/>
           </a:p>
@@ -1383,7 +1834,7 @@
           <a:p>
             <a:fld id="{94C3570C-2D75-5147-A673-6C02746C58AB}" type="datetimeFigureOut">
               <a:rPr lang="en-US" smtClean="0"/>
-              <a:t>3/28/16</a:t>
+              <a:t>4/10/16</a:t>
             </a:fld>
             <a:endParaRPr lang="en-US"/>
           </a:p>
@@ -1805,7 +2256,7 @@
           <a:p>
             <a:fld id="{94C3570C-2D75-5147-A673-6C02746C58AB}" type="datetimeFigureOut">
               <a:rPr lang="en-US" smtClean="0"/>
-              <a:t>3/28/16</a:t>
+              <a:t>4/10/16</a:t>
             </a:fld>
             <a:endParaRPr lang="en-US"/>
           </a:p>
@@ -1923,7 +2374,7 @@
           <a:p>
             <a:fld id="{94C3570C-2D75-5147-A673-6C02746C58AB}" type="datetimeFigureOut">
               <a:rPr lang="en-US" smtClean="0"/>
-              <a:t>3/28/16</a:t>
+              <a:t>4/10/16</a:t>
             </a:fld>
             <a:endParaRPr lang="en-US"/>
           </a:p>
@@ -2018,7 +2469,7 @@
           <a:p>
             <a:fld id="{94C3570C-2D75-5147-A673-6C02746C58AB}" type="datetimeFigureOut">
               <a:rPr lang="en-US" smtClean="0"/>
-              <a:t>3/28/16</a:t>
+              <a:t>4/10/16</a:t>
             </a:fld>
             <a:endParaRPr lang="en-US"/>
           </a:p>
@@ -2295,7 +2746,7 @@
           <a:p>
             <a:fld id="{94C3570C-2D75-5147-A673-6C02746C58AB}" type="datetimeFigureOut">
               <a:rPr lang="en-US" smtClean="0"/>
-              <a:t>3/28/16</a:t>
+              <a:t>4/10/16</a:t>
             </a:fld>
             <a:endParaRPr lang="en-US"/>
           </a:p>
@@ -2548,7 +2999,7 @@
           <a:p>
             <a:fld id="{94C3570C-2D75-5147-A673-6C02746C58AB}" type="datetimeFigureOut">
               <a:rPr lang="en-US" smtClean="0"/>
-              <a:t>3/28/16</a:t>
+              <a:t>4/10/16</a:t>
             </a:fld>
             <a:endParaRPr lang="en-US"/>
           </a:p>
@@ -2761,7 +3212,7 @@
           <a:p>
             <a:fld id="{94C3570C-2D75-5147-A673-6C02746C58AB}" type="datetimeFigureOut">
               <a:rPr lang="en-US" smtClean="0"/>
-              <a:t>3/28/16</a:t>
+              <a:t>4/10/16</a:t>
             </a:fld>
             <a:endParaRPr lang="en-US"/>
           </a:p>
@@ -9381,6 +9832,511 @@
           <a:p>
             <a:r>
               <a:rPr lang="en-US" dirty="0" smtClean="0"/>
+              <a:t>Workload Analysis</a:t>
+            </a:r>
+            <a:endParaRPr lang="en-US" dirty="0"/>
+          </a:p>
+        </p:txBody>
+      </p:sp>
+      <p:sp>
+        <p:nvSpPr>
+          <p:cNvPr id="3" name="Content Placeholder 2"/>
+          <p:cNvSpPr>
+            <a:spLocks noGrp="1"/>
+          </p:cNvSpPr>
+          <p:nvPr>
+            <p:ph idx="1"/>
+          </p:nvPr>
+        </p:nvSpPr>
+        <p:spPr/>
+        <p:txBody>
+          <a:bodyPr/>
+          <a:lstStyle/>
+          <a:p>
+            <a:r>
+              <a:rPr lang="en-US" dirty="0" smtClean="0"/>
+              <a:t>Detect change points (level shifts) in workload traces</a:t>
+            </a:r>
+          </a:p>
+          <a:p>
+            <a:pPr lvl="1"/>
+            <a:r>
+              <a:rPr lang="en-US" dirty="0" smtClean="0"/>
+              <a:t>Especially the sudden increases in workload that precede a detected performance anomaly</a:t>
+            </a:r>
+          </a:p>
+          <a:p>
+            <a:r>
+              <a:rPr lang="en-US" dirty="0" smtClean="0"/>
+              <a:t>Binary segmentation</a:t>
+            </a:r>
+          </a:p>
+          <a:p>
+            <a:r>
+              <a:rPr lang="en-US" dirty="0" smtClean="0"/>
+              <a:t>Pruned Exact Linear Time (PELT)</a:t>
+            </a:r>
+          </a:p>
+          <a:p>
+            <a:r>
+              <a:rPr lang="en-US" dirty="0" smtClean="0"/>
+              <a:t>Chen &amp; Liu method</a:t>
+            </a:r>
+            <a:endParaRPr lang="en-US" dirty="0"/>
+          </a:p>
+        </p:txBody>
+      </p:sp>
+    </p:spTree>
+    <p:extLst>
+      <p:ext uri="{BB962C8B-B14F-4D97-AF65-F5344CB8AC3E}">
+        <p14:creationId xmlns:p14="http://schemas.microsoft.com/office/powerpoint/2010/main" val="3695137885"/>
+      </p:ext>
+    </p:extLst>
+  </p:cSld>
+  <p:clrMapOvr>
+    <a:masterClrMapping/>
+  </p:clrMapOvr>
+</p:sld>
+</file>
+
+<file path=ppt/slides/slide43.xml><?xml version="1.0" encoding="utf-8"?>
+<p:sld xmlns:a="http://schemas.openxmlformats.org/drawingml/2006/main" xmlns:r="http://schemas.openxmlformats.org/officeDocument/2006/relationships" xmlns:p="http://schemas.openxmlformats.org/presentationml/2006/main">
+  <p:cSld>
+    <p:spTree>
+      <p:nvGrpSpPr>
+        <p:cNvPr id="1" name=""/>
+        <p:cNvGrpSpPr/>
+        <p:nvPr/>
+      </p:nvGrpSpPr>
+      <p:grpSpPr>
+        <a:xfrm>
+          <a:off x="0" y="0"/>
+          <a:ext cx="0" cy="0"/>
+          <a:chOff x="0" y="0"/>
+          <a:chExt cx="0" cy="0"/>
+        </a:xfrm>
+      </p:grpSpPr>
+      <p:sp>
+        <p:nvSpPr>
+          <p:cNvPr id="2" name="Title 1"/>
+          <p:cNvSpPr>
+            <a:spLocks noGrp="1"/>
+          </p:cNvSpPr>
+          <p:nvPr>
+            <p:ph type="title"/>
+          </p:nvPr>
+        </p:nvSpPr>
+        <p:spPr/>
+        <p:txBody>
+          <a:bodyPr/>
+          <a:lstStyle/>
+          <a:p>
+            <a:r>
+              <a:rPr lang="en-US" dirty="0" smtClean="0"/>
+              <a:t>Chen &amp; Liu Method Example</a:t>
+            </a:r>
+            <a:endParaRPr lang="en-US" dirty="0"/>
+          </a:p>
+        </p:txBody>
+      </p:sp>
+      <p:pic>
+        <p:nvPicPr>
+          <p:cNvPr id="4" name="Picture 3" descr="Workload_Trace_Simulation.pdf"/>
+          <p:cNvPicPr>
+            <a:picLocks noChangeAspect="1"/>
+          </p:cNvPicPr>
+          <p:nvPr/>
+        </p:nvPicPr>
+        <p:blipFill>
+          <a:blip r:embed="rId3">
+            <a:extLst>
+              <a:ext uri="{28A0092B-C50C-407E-A947-70E740481C1C}">
+                <a14:useLocalDpi xmlns:a14="http://schemas.microsoft.com/office/drawing/2010/main" val="0"/>
+              </a:ext>
+            </a:extLst>
+          </a:blip>
+          <a:stretch>
+            <a:fillRect/>
+          </a:stretch>
+        </p:blipFill>
+        <p:spPr>
+          <a:xfrm>
+            <a:off x="355600" y="1092200"/>
+            <a:ext cx="5537200" cy="5537200"/>
+          </a:xfrm>
+          <a:prstGeom prst="rect">
+            <a:avLst/>
+          </a:prstGeom>
+        </p:spPr>
+      </p:pic>
+      <p:sp>
+        <p:nvSpPr>
+          <p:cNvPr id="5" name="TextBox 4"/>
+          <p:cNvSpPr txBox="1"/>
+          <p:nvPr/>
+        </p:nvSpPr>
+        <p:spPr>
+          <a:xfrm>
+            <a:off x="5892800" y="1803400"/>
+            <a:ext cx="3086100" cy="3046987"/>
+          </a:xfrm>
+          <a:prstGeom prst="rect">
+            <a:avLst/>
+          </a:prstGeom>
+          <a:noFill/>
+        </p:spPr>
+        <p:txBody>
+          <a:bodyPr wrap="square" rtlCol="0">
+            <a:spAutoFit/>
+          </a:bodyPr>
+          <a:lstStyle/>
+          <a:p>
+            <a:r>
+              <a:rPr lang="en-US" sz="1200" dirty="0" smtClean="0">
+                <a:latin typeface="Courier"/>
+                <a:cs typeface="Courier"/>
+              </a:rPr>
+              <a:t>Series: </a:t>
+            </a:r>
+            <a:r>
+              <a:rPr lang="en-US" sz="1200" dirty="0" err="1" smtClean="0">
+                <a:latin typeface="Courier"/>
+                <a:cs typeface="Courier"/>
+              </a:rPr>
+              <a:t>ts</a:t>
+            </a:r>
+            <a:r>
+              <a:rPr lang="en-US" sz="1200" dirty="0" smtClean="0">
+                <a:latin typeface="Courier"/>
+                <a:cs typeface="Courier"/>
+              </a:rPr>
+              <a:t>(data) </a:t>
+            </a:r>
+          </a:p>
+          <a:p>
+            <a:r>
+              <a:rPr lang="en-US" sz="1200" dirty="0" smtClean="0">
+                <a:latin typeface="Courier"/>
+                <a:cs typeface="Courier"/>
+              </a:rPr>
+              <a:t>ARIMA(0,0,0) with non-zero mean </a:t>
+            </a:r>
+          </a:p>
+          <a:p>
+            <a:endParaRPr lang="en-US" sz="1200" dirty="0" smtClean="0">
+              <a:latin typeface="Courier"/>
+              <a:cs typeface="Courier"/>
+            </a:endParaRPr>
+          </a:p>
+          <a:p>
+            <a:r>
+              <a:rPr lang="en-US" sz="1200" dirty="0" smtClean="0">
+                <a:latin typeface="Courier"/>
+                <a:cs typeface="Courier"/>
+              </a:rPr>
+              <a:t>Coefficients:</a:t>
+            </a:r>
+          </a:p>
+          <a:p>
+            <a:r>
+              <a:rPr lang="en-US" sz="1200" dirty="0" smtClean="0">
+                <a:latin typeface="Courier"/>
+                <a:cs typeface="Courier"/>
+              </a:rPr>
+              <a:t>      intercept    LS101</a:t>
+            </a:r>
+          </a:p>
+          <a:p>
+            <a:r>
+              <a:rPr lang="en-US" sz="1200" dirty="0" smtClean="0">
+                <a:latin typeface="Courier"/>
+                <a:cs typeface="Courier"/>
+              </a:rPr>
+              <a:t>        50.9053  14.4054</a:t>
+            </a:r>
+          </a:p>
+          <a:p>
+            <a:r>
+              <a:rPr lang="en-US" sz="1200" dirty="0" err="1" smtClean="0">
+                <a:latin typeface="Courier"/>
+                <a:cs typeface="Courier"/>
+              </a:rPr>
+              <a:t>s.e.</a:t>
+            </a:r>
+            <a:r>
+              <a:rPr lang="en-US" sz="1200" dirty="0" smtClean="0">
+                <a:latin typeface="Courier"/>
+                <a:cs typeface="Courier"/>
+              </a:rPr>
+              <a:t>     0.4768   0.6743</a:t>
+            </a:r>
+          </a:p>
+          <a:p>
+            <a:endParaRPr lang="en-US" sz="1200" dirty="0" smtClean="0">
+              <a:latin typeface="Courier"/>
+              <a:cs typeface="Courier"/>
+            </a:endParaRPr>
+          </a:p>
+          <a:p>
+            <a:r>
+              <a:rPr lang="en-US" sz="1200" dirty="0" smtClean="0">
+                <a:latin typeface="Courier"/>
+                <a:cs typeface="Courier"/>
+              </a:rPr>
+              <a:t>sigma^2 estimated as 22.73:  log likelihood=-596.16</a:t>
+            </a:r>
+          </a:p>
+          <a:p>
+            <a:r>
+              <a:rPr lang="en-US" sz="1200" dirty="0" smtClean="0">
+                <a:latin typeface="Courier"/>
+                <a:cs typeface="Courier"/>
+              </a:rPr>
+              <a:t>AIC=1198.32   </a:t>
+            </a:r>
+            <a:r>
+              <a:rPr lang="en-US" sz="1200" dirty="0" err="1" smtClean="0">
+                <a:latin typeface="Courier"/>
+                <a:cs typeface="Courier"/>
+              </a:rPr>
+              <a:t>AICc</a:t>
+            </a:r>
+            <a:r>
+              <a:rPr lang="en-US" sz="1200" dirty="0" smtClean="0">
+                <a:latin typeface="Courier"/>
+                <a:cs typeface="Courier"/>
+              </a:rPr>
+              <a:t>=1198.44   BIC=1208.22</a:t>
+            </a:r>
+          </a:p>
+          <a:p>
+            <a:endParaRPr lang="en-US" sz="1200" dirty="0" smtClean="0">
+              <a:latin typeface="Courier"/>
+              <a:cs typeface="Courier"/>
+            </a:endParaRPr>
+          </a:p>
+          <a:p>
+            <a:r>
+              <a:rPr lang="en-US" sz="1200" b="1" dirty="0" smtClean="0">
+                <a:latin typeface="Courier"/>
+                <a:cs typeface="Courier"/>
+              </a:rPr>
+              <a:t>Outliers:</a:t>
+            </a:r>
+          </a:p>
+          <a:p>
+            <a:r>
+              <a:rPr lang="en-US" sz="1200" b="1" dirty="0" smtClean="0">
+                <a:latin typeface="Courier"/>
+                <a:cs typeface="Courier"/>
+              </a:rPr>
+              <a:t>  type </a:t>
+            </a:r>
+            <a:r>
+              <a:rPr lang="en-US" sz="1200" b="1" dirty="0" err="1" smtClean="0">
+                <a:latin typeface="Courier"/>
+                <a:cs typeface="Courier"/>
+              </a:rPr>
+              <a:t>ind</a:t>
+            </a:r>
+            <a:r>
+              <a:rPr lang="en-US" sz="1200" b="1" dirty="0" smtClean="0">
+                <a:latin typeface="Courier"/>
+                <a:cs typeface="Courier"/>
+              </a:rPr>
+              <a:t> time </a:t>
+            </a:r>
+            <a:r>
+              <a:rPr lang="en-US" sz="1200" b="1" dirty="0" err="1" smtClean="0">
+                <a:latin typeface="Courier"/>
+                <a:cs typeface="Courier"/>
+              </a:rPr>
+              <a:t>coefhat</a:t>
+            </a:r>
+            <a:r>
+              <a:rPr lang="en-US" sz="1200" b="1" dirty="0" smtClean="0">
+                <a:latin typeface="Courier"/>
+                <a:cs typeface="Courier"/>
+              </a:rPr>
+              <a:t> </a:t>
+            </a:r>
+            <a:r>
+              <a:rPr lang="en-US" sz="1200" b="1" dirty="0" err="1" smtClean="0">
+                <a:latin typeface="Courier"/>
+                <a:cs typeface="Courier"/>
+              </a:rPr>
+              <a:t>tstat</a:t>
+            </a:r>
+            <a:endParaRPr lang="en-US" sz="1200" b="1" dirty="0" smtClean="0">
+              <a:latin typeface="Courier"/>
+              <a:cs typeface="Courier"/>
+            </a:endParaRPr>
+          </a:p>
+          <a:p>
+            <a:r>
+              <a:rPr lang="en-US" sz="1200" b="1" dirty="0" smtClean="0">
+                <a:latin typeface="Courier"/>
+                <a:cs typeface="Courier"/>
+              </a:rPr>
+              <a:t>1   LS 101  101   14.41 21.36</a:t>
+            </a:r>
+            <a:endParaRPr lang="en-US" sz="1200" b="1" dirty="0">
+              <a:latin typeface="Courier"/>
+              <a:cs typeface="Courier"/>
+            </a:endParaRPr>
+          </a:p>
+        </p:txBody>
+      </p:sp>
+    </p:spTree>
+    <p:extLst>
+      <p:ext uri="{BB962C8B-B14F-4D97-AF65-F5344CB8AC3E}">
+        <p14:creationId xmlns:p14="http://schemas.microsoft.com/office/powerpoint/2010/main" val="3003808906"/>
+      </p:ext>
+    </p:extLst>
+  </p:cSld>
+  <p:clrMapOvr>
+    <a:masterClrMapping/>
+  </p:clrMapOvr>
+</p:sld>
+</file>
+
+<file path=ppt/slides/slide44.xml><?xml version="1.0" encoding="utf-8"?>
+<p:sld xmlns:a="http://schemas.openxmlformats.org/drawingml/2006/main" xmlns:r="http://schemas.openxmlformats.org/officeDocument/2006/relationships" xmlns:p="http://schemas.openxmlformats.org/presentationml/2006/main">
+  <p:cSld>
+    <p:spTree>
+      <p:nvGrpSpPr>
+        <p:cNvPr id="1" name=""/>
+        <p:cNvGrpSpPr/>
+        <p:nvPr/>
+      </p:nvGrpSpPr>
+      <p:grpSpPr>
+        <a:xfrm>
+          <a:off x="0" y="0"/>
+          <a:ext cx="0" cy="0"/>
+          <a:chOff x="0" y="0"/>
+          <a:chExt cx="0" cy="0"/>
+        </a:xfrm>
+      </p:grpSpPr>
+      <p:sp>
+        <p:nvSpPr>
+          <p:cNvPr id="2" name="Title 1"/>
+          <p:cNvSpPr>
+            <a:spLocks noGrp="1"/>
+          </p:cNvSpPr>
+          <p:nvPr>
+            <p:ph type="title"/>
+          </p:nvPr>
+        </p:nvSpPr>
+        <p:spPr/>
+        <p:txBody>
+          <a:bodyPr/>
+          <a:lstStyle/>
+          <a:p>
+            <a:r>
+              <a:rPr lang="en-US" dirty="0" smtClean="0"/>
+              <a:t>Analyzing SDK Call Traces</a:t>
+            </a:r>
+            <a:endParaRPr lang="en-US" dirty="0"/>
+          </a:p>
+        </p:txBody>
+      </p:sp>
+      <p:sp>
+        <p:nvSpPr>
+          <p:cNvPr id="3" name="Content Placeholder 2"/>
+          <p:cNvSpPr>
+            <a:spLocks noGrp="1"/>
+          </p:cNvSpPr>
+          <p:nvPr>
+            <p:ph idx="1"/>
+          </p:nvPr>
+        </p:nvSpPr>
+        <p:spPr/>
+        <p:txBody>
+          <a:bodyPr/>
+          <a:lstStyle/>
+          <a:p>
+            <a:r>
+              <a:rPr lang="en-US" dirty="0" smtClean="0"/>
+              <a:t>Identify sequences of SDK calls invoked by application</a:t>
+            </a:r>
+          </a:p>
+          <a:p>
+            <a:pPr lvl="1"/>
+            <a:r>
+              <a:rPr lang="en-US" dirty="0" smtClean="0"/>
+              <a:t>Path identification</a:t>
+            </a:r>
+          </a:p>
+          <a:p>
+            <a:r>
+              <a:rPr lang="en-US" dirty="0" smtClean="0"/>
+              <a:t>Path distribution analysis</a:t>
+            </a:r>
+          </a:p>
+          <a:p>
+            <a:pPr lvl="1"/>
+            <a:r>
+              <a:rPr lang="en-US" dirty="0" smtClean="0"/>
+              <a:t>Hot path identification</a:t>
+            </a:r>
+          </a:p>
+          <a:p>
+            <a:pPr lvl="1"/>
+            <a:r>
+              <a:rPr lang="en-US" dirty="0" smtClean="0"/>
+              <a:t>Identifying workload changes</a:t>
+            </a:r>
+            <a:endParaRPr lang="en-US" dirty="0"/>
+          </a:p>
+        </p:txBody>
+      </p:sp>
+    </p:spTree>
+    <p:extLst>
+      <p:ext uri="{BB962C8B-B14F-4D97-AF65-F5344CB8AC3E}">
+        <p14:creationId xmlns:p14="http://schemas.microsoft.com/office/powerpoint/2010/main" val="1919900667"/>
+      </p:ext>
+    </p:extLst>
+  </p:cSld>
+  <p:clrMapOvr>
+    <a:masterClrMapping/>
+  </p:clrMapOvr>
+</p:sld>
+</file>
+
+<file path=ppt/slides/slide45.xml><?xml version="1.0" encoding="utf-8"?>
+<p:sld xmlns:a="http://schemas.openxmlformats.org/drawingml/2006/main" xmlns:r="http://schemas.openxmlformats.org/officeDocument/2006/relationships" xmlns:p="http://schemas.openxmlformats.org/presentationml/2006/main">
+  <p:cSld>
+    <p:spTree>
+      <p:nvGrpSpPr>
+        <p:cNvPr id="1" name=""/>
+        <p:cNvGrpSpPr/>
+        <p:nvPr/>
+      </p:nvGrpSpPr>
+      <p:grpSpPr>
+        <a:xfrm>
+          <a:off x="0" y="0"/>
+          <a:ext cx="0" cy="0"/>
+          <a:chOff x="0" y="0"/>
+          <a:chExt cx="0" cy="0"/>
+        </a:xfrm>
+      </p:grpSpPr>
+      <p:sp>
+        <p:nvSpPr>
+          <p:cNvPr id="2" name="Title 1"/>
+          <p:cNvSpPr>
+            <a:spLocks noGrp="1"/>
+          </p:cNvSpPr>
+          <p:nvPr>
+            <p:ph type="title"/>
+          </p:nvPr>
+        </p:nvSpPr>
+        <p:spPr/>
+        <p:txBody>
+          <a:bodyPr/>
+          <a:lstStyle/>
+          <a:p>
+            <a:r>
+              <a:rPr lang="en-US" dirty="0" smtClean="0"/>
               <a:t>Bottleneck Identification</a:t>
             </a:r>
             <a:endParaRPr lang="en-US" dirty="0"/>
@@ -9655,6 +10611,262 @@
     <p:extLst>
       <p:ext uri="{BB962C8B-B14F-4D97-AF65-F5344CB8AC3E}">
         <p14:creationId xmlns:p14="http://schemas.microsoft.com/office/powerpoint/2010/main" val="866085967"/>
+      </p:ext>
+    </p:extLst>
+  </p:cSld>
+  <p:clrMapOvr>
+    <a:masterClrMapping/>
+  </p:clrMapOvr>
+</p:sld>
+</file>
+
+<file path=ppt/slides/slide46.xml><?xml version="1.0" encoding="utf-8"?>
+<p:sld xmlns:a="http://schemas.openxmlformats.org/drawingml/2006/main" xmlns:r="http://schemas.openxmlformats.org/officeDocument/2006/relationships" xmlns:p="http://schemas.openxmlformats.org/presentationml/2006/main">
+  <p:cSld>
+    <p:spTree>
+      <p:nvGrpSpPr>
+        <p:cNvPr id="1" name=""/>
+        <p:cNvGrpSpPr/>
+        <p:nvPr/>
+      </p:nvGrpSpPr>
+      <p:grpSpPr>
+        <a:xfrm>
+          <a:off x="0" y="0"/>
+          <a:ext cx="0" cy="0"/>
+          <a:chOff x="0" y="0"/>
+          <a:chExt cx="0" cy="0"/>
+        </a:xfrm>
+      </p:grpSpPr>
+      <p:sp>
+        <p:nvSpPr>
+          <p:cNvPr id="2" name="Title 1"/>
+          <p:cNvSpPr>
+            <a:spLocks noGrp="1"/>
+          </p:cNvSpPr>
+          <p:nvPr>
+            <p:ph type="title"/>
+          </p:nvPr>
+        </p:nvSpPr>
+        <p:spPr/>
+        <p:txBody>
+          <a:bodyPr/>
+          <a:lstStyle/>
+          <a:p>
+            <a:r>
+              <a:rPr lang="en-US" dirty="0" smtClean="0"/>
+              <a:t>Simulation Results</a:t>
+            </a:r>
+            <a:endParaRPr lang="en-US" dirty="0"/>
+          </a:p>
+        </p:txBody>
+      </p:sp>
+      <p:pic>
+        <p:nvPicPr>
+          <p:cNvPr id="6" name="Picture 5" descr="relimp_vs_time.pdf"/>
+          <p:cNvPicPr>
+            <a:picLocks noChangeAspect="1"/>
+          </p:cNvPicPr>
+          <p:nvPr/>
+        </p:nvPicPr>
+        <p:blipFill>
+          <a:blip r:embed="rId2">
+            <a:extLst>
+              <a:ext uri="{28A0092B-C50C-407E-A947-70E740481C1C}">
+                <a14:useLocalDpi xmlns:a14="http://schemas.microsoft.com/office/drawing/2010/main" val="0"/>
+              </a:ext>
+            </a:extLst>
+          </a:blip>
+          <a:stretch>
+            <a:fillRect/>
+          </a:stretch>
+        </p:blipFill>
+        <p:spPr>
+          <a:xfrm>
+            <a:off x="165100" y="1104900"/>
+            <a:ext cx="5524500" cy="5524500"/>
+          </a:xfrm>
+          <a:prstGeom prst="rect">
+            <a:avLst/>
+          </a:prstGeom>
+        </p:spPr>
+      </p:pic>
+      <p:sp>
+        <p:nvSpPr>
+          <p:cNvPr id="7" name="TextBox 6"/>
+          <p:cNvSpPr txBox="1"/>
+          <p:nvPr/>
+        </p:nvSpPr>
+        <p:spPr>
+          <a:xfrm>
+            <a:off x="5511800" y="1722438"/>
+            <a:ext cx="3492500" cy="1200329"/>
+          </a:xfrm>
+          <a:prstGeom prst="rect">
+            <a:avLst/>
+          </a:prstGeom>
+          <a:noFill/>
+        </p:spPr>
+        <p:txBody>
+          <a:bodyPr wrap="square" rtlCol="0">
+            <a:spAutoFit/>
+          </a:bodyPr>
+          <a:lstStyle/>
+          <a:p>
+            <a:r>
+              <a:rPr lang="en-US" dirty="0" smtClean="0"/>
+              <a:t>At t = 500, API call B starts behaving erratically causing its relative importance score to increase significantly.</a:t>
+            </a:r>
+          </a:p>
+        </p:txBody>
+      </p:sp>
+    </p:spTree>
+    <p:extLst>
+      <p:ext uri="{BB962C8B-B14F-4D97-AF65-F5344CB8AC3E}">
+        <p14:creationId xmlns:p14="http://schemas.microsoft.com/office/powerpoint/2010/main" val="1680518786"/>
+      </p:ext>
+    </p:extLst>
+  </p:cSld>
+  <p:clrMapOvr>
+    <a:masterClrMapping/>
+  </p:clrMapOvr>
+</p:sld>
+</file>
+
+<file path=ppt/slides/slide47.xml><?xml version="1.0" encoding="utf-8"?>
+<p:sld xmlns:a="http://schemas.openxmlformats.org/drawingml/2006/main" xmlns:r="http://schemas.openxmlformats.org/officeDocument/2006/relationships" xmlns:p="http://schemas.openxmlformats.org/presentationml/2006/main">
+  <p:cSld>
+    <p:spTree>
+      <p:nvGrpSpPr>
+        <p:cNvPr id="1" name=""/>
+        <p:cNvGrpSpPr/>
+        <p:nvPr/>
+      </p:nvGrpSpPr>
+      <p:grpSpPr>
+        <a:xfrm>
+          <a:off x="0" y="0"/>
+          <a:ext cx="0" cy="0"/>
+          <a:chOff x="0" y="0"/>
+          <a:chExt cx="0" cy="0"/>
+        </a:xfrm>
+      </p:grpSpPr>
+      <p:sp>
+        <p:nvSpPr>
+          <p:cNvPr id="2" name="Title 1"/>
+          <p:cNvSpPr>
+            <a:spLocks noGrp="1"/>
+          </p:cNvSpPr>
+          <p:nvPr>
+            <p:ph type="title"/>
+          </p:nvPr>
+        </p:nvSpPr>
+        <p:spPr/>
+        <p:txBody>
+          <a:bodyPr/>
+          <a:lstStyle/>
+          <a:p>
+            <a:r>
+              <a:rPr lang="en-US" dirty="0" smtClean="0"/>
+              <a:t>Future Work</a:t>
+            </a:r>
+            <a:endParaRPr lang="en-US" dirty="0"/>
+          </a:p>
+        </p:txBody>
+      </p:sp>
+      <p:sp>
+        <p:nvSpPr>
+          <p:cNvPr id="3" name="Content Placeholder 2"/>
+          <p:cNvSpPr>
+            <a:spLocks noGrp="1"/>
+          </p:cNvSpPr>
+          <p:nvPr>
+            <p:ph idx="1"/>
+          </p:nvPr>
+        </p:nvSpPr>
+        <p:spPr/>
+        <p:txBody>
+          <a:bodyPr/>
+          <a:lstStyle/>
+          <a:p>
+            <a:endParaRPr lang="en-US"/>
+          </a:p>
+        </p:txBody>
+      </p:sp>
+    </p:spTree>
+    <p:extLst>
+      <p:ext uri="{BB962C8B-B14F-4D97-AF65-F5344CB8AC3E}">
+        <p14:creationId xmlns:p14="http://schemas.microsoft.com/office/powerpoint/2010/main" val="2296212584"/>
+      </p:ext>
+    </p:extLst>
+  </p:cSld>
+  <p:clrMapOvr>
+    <a:masterClrMapping/>
+  </p:clrMapOvr>
+</p:sld>
+</file>
+
+<file path=ppt/slides/slide48.xml><?xml version="1.0" encoding="utf-8"?>
+<p:sld xmlns:a="http://schemas.openxmlformats.org/drawingml/2006/main" xmlns:r="http://schemas.openxmlformats.org/officeDocument/2006/relationships" xmlns:p="http://schemas.openxmlformats.org/presentationml/2006/main">
+  <p:cSld>
+    <p:spTree>
+      <p:nvGrpSpPr>
+        <p:cNvPr id="1" name=""/>
+        <p:cNvGrpSpPr/>
+        <p:nvPr/>
+      </p:nvGrpSpPr>
+      <p:grpSpPr>
+        <a:xfrm>
+          <a:off x="0" y="0"/>
+          <a:ext cx="0" cy="0"/>
+          <a:chOff x="0" y="0"/>
+          <a:chExt cx="0" cy="0"/>
+        </a:xfrm>
+      </p:grpSpPr>
+      <p:sp>
+        <p:nvSpPr>
+          <p:cNvPr id="2" name="Title 1"/>
+          <p:cNvSpPr>
+            <a:spLocks noGrp="1"/>
+          </p:cNvSpPr>
+          <p:nvPr>
+            <p:ph type="title"/>
+          </p:nvPr>
+        </p:nvSpPr>
+        <p:spPr/>
+        <p:txBody>
+          <a:bodyPr/>
+          <a:lstStyle/>
+          <a:p>
+            <a:r>
+              <a:rPr lang="en-US" dirty="0" smtClean="0"/>
+              <a:t>Summary and Conclusion</a:t>
+            </a:r>
+            <a:endParaRPr lang="en-US" dirty="0"/>
+          </a:p>
+        </p:txBody>
+      </p:sp>
+      <p:sp>
+        <p:nvSpPr>
+          <p:cNvPr id="3" name="Content Placeholder 2"/>
+          <p:cNvSpPr>
+            <a:spLocks noGrp="1"/>
+          </p:cNvSpPr>
+          <p:nvPr>
+            <p:ph idx="1"/>
+          </p:nvPr>
+        </p:nvSpPr>
+        <p:spPr/>
+        <p:txBody>
+          <a:bodyPr/>
+          <a:lstStyle/>
+          <a:p>
+            <a:endParaRPr lang="en-US"/>
+          </a:p>
+        </p:txBody>
+      </p:sp>
+    </p:spTree>
+    <p:extLst>
+      <p:ext uri="{BB962C8B-B14F-4D97-AF65-F5344CB8AC3E}">
+        <p14:creationId xmlns:p14="http://schemas.microsoft.com/office/powerpoint/2010/main" val="2047413276"/>
       </p:ext>
     </p:extLst>
   </p:cSld>
@@ -12206,4 +13418,324 @@
   </a:objectDefaults>
   <a:extraClrSchemeLst/>
 </a:theme>
+</file>
+
+<file path=ppt/theme/theme2.xml><?xml version="1.0" encoding="utf-8"?>
+<a:theme xmlns:a="http://schemas.openxmlformats.org/drawingml/2006/main" name="Office Theme">
+  <a:themeElements>
+    <a:clrScheme name="Office">
+      <a:dk1>
+        <a:sysClr val="windowText" lastClr="000000"/>
+      </a:dk1>
+      <a:lt1>
+        <a:sysClr val="window" lastClr="FFFFFF"/>
+      </a:lt1>
+      <a:dk2>
+        <a:srgbClr val="1F497D"/>
+      </a:dk2>
+      <a:lt2>
+        <a:srgbClr val="EEECE1"/>
+      </a:lt2>
+      <a:accent1>
+        <a:srgbClr val="4F81BD"/>
+      </a:accent1>
+      <a:accent2>
+        <a:srgbClr val="C0504D"/>
+      </a:accent2>
+      <a:accent3>
+        <a:srgbClr val="9BBB59"/>
+      </a:accent3>
+      <a:accent4>
+        <a:srgbClr val="8064A2"/>
+      </a:accent4>
+      <a:accent5>
+        <a:srgbClr val="4BACC6"/>
+      </a:accent5>
+      <a:accent6>
+        <a:srgbClr val="F79646"/>
+      </a:accent6>
+      <a:hlink>
+        <a:srgbClr val="0000FF"/>
+      </a:hlink>
+      <a:folHlink>
+        <a:srgbClr val="800080"/>
+      </a:folHlink>
+    </a:clrScheme>
+    <a:fontScheme name="Office">
+      <a:majorFont>
+        <a:latin typeface="Calibri"/>
+        <a:ea typeface=""/>
+        <a:cs typeface=""/>
+        <a:font script="Jpan" typeface="ＭＳ Ｐゴシック"/>
+        <a:font script="Hang" typeface="맑은 고딕"/>
+        <a:font script="Hans" typeface="宋体"/>
+        <a:font script="Hant" typeface="新細明體"/>
+        <a:font script="Arab" typeface="Times New Roman"/>
+        <a:font script="Hebr" typeface="Times New Roman"/>
+        <a:font script="Thai" typeface="Angsana New"/>
+        <a:font script="Ethi" typeface="Nyala"/>
+        <a:font script="Beng" typeface="Vrinda"/>
+        <a:font script="Gujr" typeface="Shruti"/>
+        <a:font script="Khmr" typeface="MoolBoran"/>
+        <a:font script="Knda" typeface="Tunga"/>
+        <a:font script="Guru" typeface="Raavi"/>
+        <a:font script="Cans" typeface="Euphemia"/>
+        <a:font script="Cher" typeface="Plantagenet Cherokee"/>
+        <a:font script="Yiii" typeface="Microsoft Yi Baiti"/>
+        <a:font script="Tibt" typeface="Microsoft Himalaya"/>
+        <a:font script="Thaa" typeface="MV Boli"/>
+        <a:font script="Deva" typeface="Mangal"/>
+        <a:font script="Telu" typeface="Gautami"/>
+        <a:font script="Taml" typeface="Latha"/>
+        <a:font script="Syrc" typeface="Estrangelo Edessa"/>
+        <a:font script="Orya" typeface="Kalinga"/>
+        <a:font script="Mlym" typeface="Kartika"/>
+        <a:font script="Laoo" typeface="DokChampa"/>
+        <a:font script="Sinh" typeface="Iskoola Pota"/>
+        <a:font script="Mong" typeface="Mongolian Baiti"/>
+        <a:font script="Viet" typeface="Times New Roman"/>
+        <a:font script="Uigh" typeface="Microsoft Uighur"/>
+        <a:font script="Geor" typeface="Sylfaen"/>
+      </a:majorFont>
+      <a:minorFont>
+        <a:latin typeface="Calibri"/>
+        <a:ea typeface=""/>
+        <a:cs typeface=""/>
+        <a:font script="Jpan" typeface="ＭＳ Ｐゴシック"/>
+        <a:font script="Hang" typeface="맑은 고딕"/>
+        <a:font script="Hans" typeface="宋体"/>
+        <a:font script="Hant" typeface="新細明體"/>
+        <a:font script="Arab" typeface="Arial"/>
+        <a:font script="Hebr" typeface="Arial"/>
+        <a:font script="Thai" typeface="Cordia New"/>
+        <a:font script="Ethi" typeface="Nyala"/>
+        <a:font script="Beng" typeface="Vrinda"/>
+        <a:font script="Gujr" typeface="Shruti"/>
+        <a:font script="Khmr" typeface="DaunPenh"/>
+        <a:font script="Knda" typeface="Tunga"/>
+        <a:font script="Guru" typeface="Raavi"/>
+        <a:font script="Cans" typeface="Euphemia"/>
+        <a:font script="Cher" typeface="Plantagenet Cherokee"/>
+        <a:font script="Yiii" typeface="Microsoft Yi Baiti"/>
+        <a:font script="Tibt" typeface="Microsoft Himalaya"/>
+        <a:font script="Thaa" typeface="MV Boli"/>
+        <a:font script="Deva" typeface="Mangal"/>
+        <a:font script="Telu" typeface="Gautami"/>
+        <a:font script="Taml" typeface="Latha"/>
+        <a:font script="Syrc" typeface="Estrangelo Edessa"/>
+        <a:font script="Orya" typeface="Kalinga"/>
+        <a:font script="Mlym" typeface="Kartika"/>
+        <a:font script="Laoo" typeface="DokChampa"/>
+        <a:font script="Sinh" typeface="Iskoola Pota"/>
+        <a:font script="Mong" typeface="Mongolian Baiti"/>
+        <a:font script="Viet" typeface="Arial"/>
+        <a:font script="Uigh" typeface="Microsoft Uighur"/>
+        <a:font script="Geor" typeface="Sylfaen"/>
+      </a:minorFont>
+    </a:fontScheme>
+    <a:fmtScheme name="Office">
+      <a:fillStyleLst>
+        <a:solidFill>
+          <a:schemeClr val="phClr"/>
+        </a:solidFill>
+        <a:gradFill rotWithShape="1">
+          <a:gsLst>
+            <a:gs pos="0">
+              <a:schemeClr val="phClr">
+                <a:tint val="50000"/>
+                <a:satMod val="300000"/>
+              </a:schemeClr>
+            </a:gs>
+            <a:gs pos="35000">
+              <a:schemeClr val="phClr">
+                <a:tint val="37000"/>
+                <a:satMod val="300000"/>
+              </a:schemeClr>
+            </a:gs>
+            <a:gs pos="100000">
+              <a:schemeClr val="phClr">
+                <a:tint val="15000"/>
+                <a:satMod val="350000"/>
+              </a:schemeClr>
+            </a:gs>
+          </a:gsLst>
+          <a:lin ang="16200000" scaled="1"/>
+        </a:gradFill>
+        <a:gradFill rotWithShape="1">
+          <a:gsLst>
+            <a:gs pos="0">
+              <a:schemeClr val="phClr">
+                <a:tint val="100000"/>
+                <a:shade val="100000"/>
+                <a:satMod val="130000"/>
+              </a:schemeClr>
+            </a:gs>
+            <a:gs pos="100000">
+              <a:schemeClr val="phClr">
+                <a:tint val="50000"/>
+                <a:shade val="100000"/>
+                <a:satMod val="350000"/>
+              </a:schemeClr>
+            </a:gs>
+          </a:gsLst>
+          <a:lin ang="16200000" scaled="0"/>
+        </a:gradFill>
+      </a:fillStyleLst>
+      <a:lnStyleLst>
+        <a:ln w="9525" cap="flat" cmpd="sng" algn="ctr">
+          <a:solidFill>
+            <a:schemeClr val="phClr">
+              <a:shade val="95000"/>
+              <a:satMod val="105000"/>
+            </a:schemeClr>
+          </a:solidFill>
+          <a:prstDash val="solid"/>
+        </a:ln>
+        <a:ln w="25400" cap="flat" cmpd="sng" algn="ctr">
+          <a:solidFill>
+            <a:schemeClr val="phClr"/>
+          </a:solidFill>
+          <a:prstDash val="solid"/>
+        </a:ln>
+        <a:ln w="38100" cap="flat" cmpd="sng" algn="ctr">
+          <a:solidFill>
+            <a:schemeClr val="phClr"/>
+          </a:solidFill>
+          <a:prstDash val="solid"/>
+        </a:ln>
+      </a:lnStyleLst>
+      <a:effectStyleLst>
+        <a:effectStyle>
+          <a:effectLst>
+            <a:outerShdw blurRad="40000" dist="20000" dir="5400000" rotWithShape="0">
+              <a:srgbClr val="000000">
+                <a:alpha val="38000"/>
+              </a:srgbClr>
+            </a:outerShdw>
+          </a:effectLst>
+        </a:effectStyle>
+        <a:effectStyle>
+          <a:effectLst>
+            <a:outerShdw blurRad="40000" dist="23000" dir="5400000" rotWithShape="0">
+              <a:srgbClr val="000000">
+                <a:alpha val="35000"/>
+              </a:srgbClr>
+            </a:outerShdw>
+          </a:effectLst>
+        </a:effectStyle>
+        <a:effectStyle>
+          <a:effectLst>
+            <a:outerShdw blurRad="40000" dist="23000" dir="5400000" rotWithShape="0">
+              <a:srgbClr val="000000">
+                <a:alpha val="35000"/>
+              </a:srgbClr>
+            </a:outerShdw>
+          </a:effectLst>
+          <a:scene3d>
+            <a:camera prst="orthographicFront">
+              <a:rot lat="0" lon="0" rev="0"/>
+            </a:camera>
+            <a:lightRig rig="threePt" dir="t">
+              <a:rot lat="0" lon="0" rev="1200000"/>
+            </a:lightRig>
+          </a:scene3d>
+          <a:sp3d>
+            <a:bevelT w="63500" h="25400"/>
+          </a:sp3d>
+        </a:effectStyle>
+      </a:effectStyleLst>
+      <a:bgFillStyleLst>
+        <a:solidFill>
+          <a:schemeClr val="phClr"/>
+        </a:solidFill>
+        <a:gradFill rotWithShape="1">
+          <a:gsLst>
+            <a:gs pos="0">
+              <a:schemeClr val="phClr">
+                <a:tint val="40000"/>
+                <a:satMod val="350000"/>
+              </a:schemeClr>
+            </a:gs>
+            <a:gs pos="40000">
+              <a:schemeClr val="phClr">
+                <a:tint val="45000"/>
+                <a:shade val="99000"/>
+                <a:satMod val="350000"/>
+              </a:schemeClr>
+            </a:gs>
+            <a:gs pos="100000">
+              <a:schemeClr val="phClr">
+                <a:shade val="20000"/>
+                <a:satMod val="255000"/>
+              </a:schemeClr>
+            </a:gs>
+          </a:gsLst>
+          <a:path path="circle">
+            <a:fillToRect l="50000" t="-80000" r="50000" b="180000"/>
+          </a:path>
+        </a:gradFill>
+        <a:gradFill rotWithShape="1">
+          <a:gsLst>
+            <a:gs pos="0">
+              <a:schemeClr val="phClr">
+                <a:tint val="80000"/>
+                <a:satMod val="300000"/>
+              </a:schemeClr>
+            </a:gs>
+            <a:gs pos="100000">
+              <a:schemeClr val="phClr">
+                <a:shade val="30000"/>
+                <a:satMod val="200000"/>
+              </a:schemeClr>
+            </a:gs>
+          </a:gsLst>
+          <a:path path="circle">
+            <a:fillToRect l="50000" t="50000" r="50000" b="50000"/>
+          </a:path>
+        </a:gradFill>
+      </a:bgFillStyleLst>
+    </a:fmtScheme>
+  </a:themeElements>
+  <a:objectDefaults>
+    <a:spDef>
+      <a:spPr/>
+      <a:bodyPr/>
+      <a:lstStyle/>
+      <a:style>
+        <a:lnRef idx="1">
+          <a:schemeClr val="accent1"/>
+        </a:lnRef>
+        <a:fillRef idx="3">
+          <a:schemeClr val="accent1"/>
+        </a:fillRef>
+        <a:effectRef idx="2">
+          <a:schemeClr val="accent1"/>
+        </a:effectRef>
+        <a:fontRef idx="minor">
+          <a:schemeClr val="lt1"/>
+        </a:fontRef>
+      </a:style>
+    </a:spDef>
+    <a:lnDef>
+      <a:spPr/>
+      <a:bodyPr/>
+      <a:lstStyle/>
+      <a:style>
+        <a:lnRef idx="2">
+          <a:schemeClr val="accent1"/>
+        </a:lnRef>
+        <a:fillRef idx="0">
+          <a:schemeClr val="accent1"/>
+        </a:fillRef>
+        <a:effectRef idx="1">
+          <a:schemeClr val="accent1"/>
+        </a:effectRef>
+        <a:fontRef idx="minor">
+          <a:schemeClr val="tx1"/>
+        </a:fontRef>
+      </a:style>
+    </a:lnDef>
+  </a:objectDefaults>
+  <a:extraClrSchemeLst/>
+</a:theme>
 </file>
--- a/Eager/elk-experiment/appserver/system_design.pptx
+++ b/Eager/elk-experiment/appserver/system_design.pptx
@@ -239,7 +239,7 @@
           <a:p>
             <a:fld id="{C6B377BD-EE2D-6A4D-8791-40EA342A78BF}" type="datetimeFigureOut">
               <a:rPr lang="en-US" smtClean="0"/>
-              <a:t>4/10/16</a:t>
+              <a:t>4/14/16</a:t>
             </a:fld>
             <a:endParaRPr lang="en-US"/>
           </a:p>
@@ -551,6 +551,120 @@
           <a:bodyPr/>
           <a:lstStyle/>
           <a:p>
+            <a:endParaRPr lang="en-US"/>
+          </a:p>
+          <a:p>
+            <a:r>
+              <a:rPr lang="en-US"/>
+              <a:t>----- Meeting Notes (4/14/16 14:44) -----</a:t>
+            </a:r>
+          </a:p>
+          <a:p>
+            <a:r>
+              <a:rPr lang="en-US"/>
+              <a:t>can we define and enforce efficient policies that govern administrative conformance, developer best practices, and performance objectives through automated analysis and diagnostics for cloud applications?</a:t>
+            </a:r>
+          </a:p>
+          <a:p>
+            <a:r>
+              <a:rPr lang="en-US"/>
+              <a:t>- governance</a:t>
+            </a:r>
+          </a:p>
+          <a:p>
+            <a:r>
+              <a:rPr lang="en-US"/>
+              <a:t>- automated</a:t>
+            </a:r>
+          </a:p>
+          <a:p>
+            <a:r>
+              <a:rPr lang="en-US"/>
+              <a:t>- efficient: non-invasive, simple, productivity enhancing</a:t>
+            </a:r>
+          </a:p>
+        </p:txBody>
+      </p:sp>
+      <p:sp>
+        <p:nvSpPr>
+          <p:cNvPr id="4" name="Slide Number Placeholder 3"/>
+          <p:cNvSpPr>
+            <a:spLocks noGrp="1"/>
+          </p:cNvSpPr>
+          <p:nvPr>
+            <p:ph type="sldNum" sz="quarter" idx="10"/>
+          </p:nvPr>
+        </p:nvSpPr>
+        <p:spPr/>
+        <p:txBody>
+          <a:bodyPr/>
+          <a:lstStyle/>
+          <a:p>
+            <a:fld id="{6E605815-6331-9444-B06E-921213318926}" type="slidenum">
+              <a:rPr lang="en-US" smtClean="0"/>
+              <a:t>14</a:t>
+            </a:fld>
+            <a:endParaRPr lang="en-US"/>
+          </a:p>
+        </p:txBody>
+      </p:sp>
+    </p:spTree>
+    <p:extLst>
+      <p:ext uri="{BB962C8B-B14F-4D97-AF65-F5344CB8AC3E}">
+        <p14:creationId xmlns:p14="http://schemas.microsoft.com/office/powerpoint/2010/main" val="801249288"/>
+      </p:ext>
+    </p:extLst>
+  </p:cSld>
+  <p:clrMapOvr>
+    <a:masterClrMapping/>
+  </p:clrMapOvr>
+</p:notes>
+</file>
+
+<file path=ppt/notesSlides/notesSlide2.xml><?xml version="1.0" encoding="utf-8"?>
+<p:notes xmlns:a="http://schemas.openxmlformats.org/drawingml/2006/main" xmlns:r="http://schemas.openxmlformats.org/officeDocument/2006/relationships" xmlns:p="http://schemas.openxmlformats.org/presentationml/2006/main">
+  <p:cSld>
+    <p:spTree>
+      <p:nvGrpSpPr>
+        <p:cNvPr id="1" name=""/>
+        <p:cNvGrpSpPr/>
+        <p:nvPr/>
+      </p:nvGrpSpPr>
+      <p:grpSpPr>
+        <a:xfrm>
+          <a:off x="0" y="0"/>
+          <a:ext cx="0" cy="0"/>
+          <a:chOff x="0" y="0"/>
+          <a:chExt cx="0" cy="0"/>
+        </a:xfrm>
+      </p:grpSpPr>
+      <p:sp>
+        <p:nvSpPr>
+          <p:cNvPr id="2" name="Slide Image Placeholder 1"/>
+          <p:cNvSpPr>
+            <a:spLocks noGrp="1" noRot="1" noChangeAspect="1"/>
+          </p:cNvSpPr>
+          <p:nvPr>
+            <p:ph type="sldImg"/>
+          </p:nvPr>
+        </p:nvSpPr>
+        <p:spPr/>
+      </p:sp>
+      <p:sp>
+        <p:nvSpPr>
+          <p:cNvPr id="3" name="Notes Placeholder 2"/>
+          <p:cNvSpPr>
+            <a:spLocks noGrp="1"/>
+          </p:cNvSpPr>
+          <p:nvPr>
+            <p:ph type="body" idx="1"/>
+          </p:nvPr>
+        </p:nvSpPr>
+        <p:spPr/>
+        <p:txBody>
+          <a:bodyPr/>
+          <a:lstStyle/>
+          <a:p>
             <a:r>
               <a:rPr lang="en-US" dirty="0" smtClean="0"/>
               <a:t>Outlier at t</a:t>
@@ -590,6 +704,129 @@
     <p:extLst>
       <p:ext uri="{BB962C8B-B14F-4D97-AF65-F5344CB8AC3E}">
         <p14:creationId xmlns:p14="http://schemas.microsoft.com/office/powerpoint/2010/main" val="3404154749"/>
+      </p:ext>
+    </p:extLst>
+  </p:cSld>
+  <p:clrMapOvr>
+    <a:masterClrMapping/>
+  </p:clrMapOvr>
+</p:notes>
+</file>
+
+<file path=ppt/notesSlides/notesSlide3.xml><?xml version="1.0" encoding="utf-8"?>
+<p:notes xmlns:a="http://schemas.openxmlformats.org/drawingml/2006/main" xmlns:r="http://schemas.openxmlformats.org/officeDocument/2006/relationships" xmlns:p="http://schemas.openxmlformats.org/presentationml/2006/main">
+  <p:cSld>
+    <p:spTree>
+      <p:nvGrpSpPr>
+        <p:cNvPr id="1" name=""/>
+        <p:cNvGrpSpPr/>
+        <p:nvPr/>
+      </p:nvGrpSpPr>
+      <p:grpSpPr>
+        <a:xfrm>
+          <a:off x="0" y="0"/>
+          <a:ext cx="0" cy="0"/>
+          <a:chOff x="0" y="0"/>
+          <a:chExt cx="0" cy="0"/>
+        </a:xfrm>
+      </p:grpSpPr>
+      <p:sp>
+        <p:nvSpPr>
+          <p:cNvPr id="2" name="Slide Image Placeholder 1"/>
+          <p:cNvSpPr>
+            <a:spLocks noGrp="1" noRot="1" noChangeAspect="1"/>
+          </p:cNvSpPr>
+          <p:nvPr>
+            <p:ph type="sldImg"/>
+          </p:nvPr>
+        </p:nvSpPr>
+        <p:spPr/>
+      </p:sp>
+      <p:sp>
+        <p:nvSpPr>
+          <p:cNvPr id="3" name="Notes Placeholder 2"/>
+          <p:cNvSpPr>
+            <a:spLocks noGrp="1"/>
+          </p:cNvSpPr>
+          <p:nvPr>
+            <p:ph type="body" idx="1"/>
+          </p:nvPr>
+        </p:nvSpPr>
+        <p:spPr/>
+        <p:txBody>
+          <a:bodyPr/>
+          <a:lstStyle/>
+          <a:p>
+            <a:endParaRPr lang="en-US"/>
+          </a:p>
+          <a:p>
+            <a:r>
+              <a:rPr lang="en-US"/>
+              <a:t>----- Meeting Notes (4/14/16 14:44) -----</a:t>
+            </a:r>
+          </a:p>
+          <a:p>
+            <a:r>
+              <a:rPr lang="en-US"/>
+              <a:t>3 chapter intros for EAGER, Cerebro, Roots</a:t>
+            </a:r>
+          </a:p>
+          <a:p>
+            <a:endParaRPr lang="en-US"/>
+          </a:p>
+          <a:p>
+            <a:r>
+              <a:rPr lang="en-US"/>
+              <a:t>My thesis will....</a:t>
+            </a:r>
+          </a:p>
+          <a:p>
+            <a:endParaRPr lang="en-US"/>
+          </a:p>
+          <a:p>
+            <a:r>
+              <a:rPr lang="en-US"/>
+              <a:t>Add timeline</a:t>
+            </a:r>
+          </a:p>
+          <a:p>
+            <a:endParaRPr lang="en-US"/>
+          </a:p>
+          <a:p>
+            <a:r>
+              <a:rPr lang="en-US"/>
+              <a:t>Related work</a:t>
+            </a:r>
+          </a:p>
+        </p:txBody>
+      </p:sp>
+      <p:sp>
+        <p:nvSpPr>
+          <p:cNvPr id="4" name="Slide Number Placeholder 3"/>
+          <p:cNvSpPr>
+            <a:spLocks noGrp="1"/>
+          </p:cNvSpPr>
+          <p:nvPr>
+            <p:ph type="sldNum" sz="quarter" idx="10"/>
+          </p:nvPr>
+        </p:nvSpPr>
+        <p:spPr/>
+        <p:txBody>
+          <a:bodyPr/>
+          <a:lstStyle/>
+          <a:p>
+            <a:fld id="{6E605815-6331-9444-B06E-921213318926}" type="slidenum">
+              <a:rPr lang="en-US" smtClean="0"/>
+              <a:t>47</a:t>
+            </a:fld>
+            <a:endParaRPr lang="en-US"/>
+          </a:p>
+        </p:txBody>
+      </p:sp>
+    </p:spTree>
+    <p:extLst>
+      <p:ext uri="{BB962C8B-B14F-4D97-AF65-F5344CB8AC3E}">
+        <p14:creationId xmlns:p14="http://schemas.microsoft.com/office/powerpoint/2010/main" val="3675898073"/>
       </p:ext>
     </p:extLst>
   </p:cSld>
@@ -780,7 +1017,7 @@
           <a:p>
             <a:fld id="{94C3570C-2D75-5147-A673-6C02746C58AB}" type="datetimeFigureOut">
               <a:rPr lang="en-US" smtClean="0"/>
-              <a:t>4/10/16</a:t>
+              <a:t>4/14/16</a:t>
             </a:fld>
             <a:endParaRPr lang="en-US"/>
           </a:p>
@@ -950,7 +1187,7 @@
           <a:p>
             <a:fld id="{94C3570C-2D75-5147-A673-6C02746C58AB}" type="datetimeFigureOut">
               <a:rPr lang="en-US" smtClean="0"/>
-              <a:t>4/10/16</a:t>
+              <a:t>4/14/16</a:t>
             </a:fld>
             <a:endParaRPr lang="en-US"/>
           </a:p>
@@ -1130,7 +1367,7 @@
           <a:p>
             <a:fld id="{94C3570C-2D75-5147-A673-6C02746C58AB}" type="datetimeFigureOut">
               <a:rPr lang="en-US" smtClean="0"/>
-              <a:t>4/10/16</a:t>
+              <a:t>4/14/16</a:t>
             </a:fld>
             <a:endParaRPr lang="en-US"/>
           </a:p>
@@ -1300,7 +1537,7 @@
           <a:p>
             <a:fld id="{94C3570C-2D75-5147-A673-6C02746C58AB}" type="datetimeFigureOut">
               <a:rPr lang="en-US" smtClean="0"/>
-              <a:t>4/10/16</a:t>
+              <a:t>4/14/16</a:t>
             </a:fld>
             <a:endParaRPr lang="en-US"/>
           </a:p>
@@ -1546,7 +1783,7 @@
           <a:p>
             <a:fld id="{94C3570C-2D75-5147-A673-6C02746C58AB}" type="datetimeFigureOut">
               <a:rPr lang="en-US" smtClean="0"/>
-              <a:t>4/10/16</a:t>
+              <a:t>4/14/16</a:t>
             </a:fld>
             <a:endParaRPr lang="en-US"/>
           </a:p>
@@ -1834,7 +2071,7 @@
           <a:p>
             <a:fld id="{94C3570C-2D75-5147-A673-6C02746C58AB}" type="datetimeFigureOut">
               <a:rPr lang="en-US" smtClean="0"/>
-              <a:t>4/10/16</a:t>
+              <a:t>4/14/16</a:t>
             </a:fld>
             <a:endParaRPr lang="en-US"/>
           </a:p>
@@ -2256,7 +2493,7 @@
           <a:p>
             <a:fld id="{94C3570C-2D75-5147-A673-6C02746C58AB}" type="datetimeFigureOut">
               <a:rPr lang="en-US" smtClean="0"/>
-              <a:t>4/10/16</a:t>
+              <a:t>4/14/16</a:t>
             </a:fld>
             <a:endParaRPr lang="en-US"/>
           </a:p>
@@ -2374,7 +2611,7 @@
           <a:p>
             <a:fld id="{94C3570C-2D75-5147-A673-6C02746C58AB}" type="datetimeFigureOut">
               <a:rPr lang="en-US" smtClean="0"/>
-              <a:t>4/10/16</a:t>
+              <a:t>4/14/16</a:t>
             </a:fld>
             <a:endParaRPr lang="en-US"/>
           </a:p>
@@ -2469,7 +2706,7 @@
           <a:p>
             <a:fld id="{94C3570C-2D75-5147-A673-6C02746C58AB}" type="datetimeFigureOut">
               <a:rPr lang="en-US" smtClean="0"/>
-              <a:t>4/10/16</a:t>
+              <a:t>4/14/16</a:t>
             </a:fld>
             <a:endParaRPr lang="en-US"/>
           </a:p>
@@ -2746,7 +2983,7 @@
           <a:p>
             <a:fld id="{94C3570C-2D75-5147-A673-6C02746C58AB}" type="datetimeFigureOut">
               <a:rPr lang="en-US" smtClean="0"/>
-              <a:t>4/10/16</a:t>
+              <a:t>4/14/16</a:t>
             </a:fld>
             <a:endParaRPr lang="en-US"/>
           </a:p>
@@ -2999,7 +3236,7 @@
           <a:p>
             <a:fld id="{94C3570C-2D75-5147-A673-6C02746C58AB}" type="datetimeFigureOut">
               <a:rPr lang="en-US" smtClean="0"/>
-              <a:t>4/10/16</a:t>
+              <a:t>4/14/16</a:t>
             </a:fld>
             <a:endParaRPr lang="en-US"/>
           </a:p>
@@ -3212,7 +3449,7 @@
           <a:p>
             <a:fld id="{94C3570C-2D75-5147-A673-6C02746C58AB}" type="datetimeFigureOut">
               <a:rPr lang="en-US" smtClean="0"/>
-              <a:t>4/10/16</a:t>
+              <a:t>4/14/16</a:t>
             </a:fld>
             <a:endParaRPr lang="en-US"/>
           </a:p>
@@ -4241,6 +4478,13 @@
   <p:clrMapOvr>
     <a:masterClrMapping/>
   </p:clrMapOvr>
+  <p:timing>
+    <p:tnLst>
+      <p:par>
+        <p:cTn xmlns:p14="http://schemas.microsoft.com/office/powerpoint/2010/main" id="1" dur="indefinite" restart="never" nodeType="tmRoot"/>
+      </p:par>
+    </p:tnLst>
+  </p:timing>
 </p:sld>
 </file>
 
@@ -4374,6 +4618,13 @@
   <p:clrMapOvr>
     <a:masterClrMapping/>
   </p:clrMapOvr>
+  <p:timing>
+    <p:tnLst>
+      <p:par>
+        <p:cTn xmlns:p14="http://schemas.microsoft.com/office/powerpoint/2010/main" id="1" dur="indefinite" restart="never" nodeType="tmRoot"/>
+      </p:par>
+    </p:tnLst>
+  </p:timing>
 </p:sld>
 </file>
 
@@ -4590,6 +4841,13 @@
   <p:clrMapOvr>
     <a:masterClrMapping/>
   </p:clrMapOvr>
+  <p:timing>
+    <p:tnLst>
+      <p:par>
+        <p:cTn xmlns:p14="http://schemas.microsoft.com/office/powerpoint/2010/main" id="1" dur="indefinite" restart="never" nodeType="tmRoot"/>
+      </p:par>
+    </p:tnLst>
+  </p:timing>
 </p:sld>
 </file>
 
@@ -4694,6 +4952,13 @@
   <p:clrMapOvr>
     <a:masterClrMapping/>
   </p:clrMapOvr>
+  <p:timing>
+    <p:tnLst>
+      <p:par>
+        <p:cTn xmlns:p14="http://schemas.microsoft.com/office/powerpoint/2010/main" id="1" dur="indefinite" restart="never" nodeType="tmRoot"/>
+      </p:par>
+    </p:tnLst>
+  </p:timing>
 </p:sld>
 </file>
 
@@ -4771,6 +5036,13 @@
   <p:clrMapOvr>
     <a:masterClrMapping/>
   </p:clrMapOvr>
+  <p:timing>
+    <p:tnLst>
+      <p:par>
+        <p:cTn xmlns:p14="http://schemas.microsoft.com/office/powerpoint/2010/main" id="1" dur="indefinite" restart="never" nodeType="tmRoot"/>
+      </p:par>
+    </p:tnLst>
+  </p:timing>
 </p:sld>
 </file>
 
@@ -4885,6 +5157,13 @@
   <p:clrMapOvr>
     <a:masterClrMapping/>
   </p:clrMapOvr>
+  <p:timing>
+    <p:tnLst>
+      <p:par>
+        <p:cTn xmlns:p14="http://schemas.microsoft.com/office/powerpoint/2010/main" id="1" dur="indefinite" restart="never" nodeType="tmRoot"/>
+      </p:par>
+    </p:tnLst>
+  </p:timing>
 </p:sld>
 </file>
 
@@ -4967,6 +5246,13 @@
   <p:clrMapOvr>
     <a:masterClrMapping/>
   </p:clrMapOvr>
+  <p:timing>
+    <p:tnLst>
+      <p:par>
+        <p:cTn xmlns:p14="http://schemas.microsoft.com/office/powerpoint/2010/main" id="1" dur="indefinite" restart="never" nodeType="tmRoot"/>
+      </p:par>
+    </p:tnLst>
+  </p:timing>
 </p:sld>
 </file>
 
@@ -5093,6 +5379,13 @@
   <p:clrMapOvr>
     <a:masterClrMapping/>
   </p:clrMapOvr>
+  <p:timing>
+    <p:tnLst>
+      <p:par>
+        <p:cTn xmlns:p14="http://schemas.microsoft.com/office/powerpoint/2010/main" id="1" dur="indefinite" restart="never" nodeType="tmRoot"/>
+      </p:par>
+    </p:tnLst>
+  </p:timing>
 </p:sld>
 </file>
 
@@ -5201,6 +5494,13 @@
   <p:clrMapOvr>
     <a:masterClrMapping/>
   </p:clrMapOvr>
+  <p:timing>
+    <p:tnLst>
+      <p:par>
+        <p:cTn xmlns:p14="http://schemas.microsoft.com/office/powerpoint/2010/main" id="1" dur="indefinite" restart="never" nodeType="tmRoot"/>
+      </p:par>
+    </p:tnLst>
+  </p:timing>
 </p:sld>
 </file>
 
@@ -5358,6 +5658,13 @@
   <p:clrMapOvr>
     <a:masterClrMapping/>
   </p:clrMapOvr>
+  <p:timing>
+    <p:tnLst>
+      <p:par>
+        <p:cTn xmlns:p14="http://schemas.microsoft.com/office/powerpoint/2010/main" id="1" dur="indefinite" restart="never" nodeType="tmRoot"/>
+      </p:par>
+    </p:tnLst>
+  </p:timing>
 </p:sld>
 </file>
 
@@ -5551,6 +5858,13 @@
   <p:clrMapOvr>
     <a:masterClrMapping/>
   </p:clrMapOvr>
+  <p:timing>
+    <p:tnLst>
+      <p:par>
+        <p:cTn xmlns:p14="http://schemas.microsoft.com/office/powerpoint/2010/main" id="1" dur="indefinite" restart="never" nodeType="tmRoot"/>
+      </p:par>
+    </p:tnLst>
+  </p:timing>
 </p:sld>
 </file>
 
@@ -5734,6 +6048,13 @@
   <p:clrMapOvr>
     <a:masterClrMapping/>
   </p:clrMapOvr>
+  <p:timing>
+    <p:tnLst>
+      <p:par>
+        <p:cTn xmlns:p14="http://schemas.microsoft.com/office/powerpoint/2010/main" id="1" dur="indefinite" restart="never" nodeType="tmRoot"/>
+      </p:par>
+    </p:tnLst>
+  </p:timing>
 </p:sld>
 </file>
 
@@ -6161,6 +6482,13 @@
   <p:clrMapOvr>
     <a:masterClrMapping/>
   </p:clrMapOvr>
+  <p:timing>
+    <p:tnLst>
+      <p:par>
+        <p:cTn xmlns:p14="http://schemas.microsoft.com/office/powerpoint/2010/main" id="1" dur="indefinite" restart="never" nodeType="tmRoot"/>
+      </p:par>
+    </p:tnLst>
+  </p:timing>
 </p:sld>
 </file>
 
@@ -6313,6 +6641,13 @@
   <p:clrMapOvr>
     <a:masterClrMapping/>
   </p:clrMapOvr>
+  <p:timing>
+    <p:tnLst>
+      <p:par>
+        <p:cTn xmlns:p14="http://schemas.microsoft.com/office/powerpoint/2010/main" id="1" dur="indefinite" restart="never" nodeType="tmRoot"/>
+      </p:par>
+    </p:tnLst>
+  </p:timing>
 </p:sld>
 </file>
 
@@ -6391,6 +6726,13 @@
   <p:clrMapOvr>
     <a:masterClrMapping/>
   </p:clrMapOvr>
+  <p:timing>
+    <p:tnLst>
+      <p:par>
+        <p:cTn xmlns:p14="http://schemas.microsoft.com/office/powerpoint/2010/main" id="1" dur="indefinite" restart="never" nodeType="tmRoot"/>
+      </p:par>
+    </p:tnLst>
+  </p:timing>
 </p:sld>
 </file>
 
@@ -6477,6 +6819,13 @@
   <p:clrMapOvr>
     <a:masterClrMapping/>
   </p:clrMapOvr>
+  <p:timing>
+    <p:tnLst>
+      <p:par>
+        <p:cTn xmlns:p14="http://schemas.microsoft.com/office/powerpoint/2010/main" id="1" dur="indefinite" restart="never" nodeType="tmRoot"/>
+      </p:par>
+    </p:tnLst>
+  </p:timing>
 </p:sld>
 </file>
 
@@ -6565,6 +6914,13 @@
   <p:clrMapOvr>
     <a:masterClrMapping/>
   </p:clrMapOvr>
+  <p:timing>
+    <p:tnLst>
+      <p:par>
+        <p:cTn xmlns:p14="http://schemas.microsoft.com/office/powerpoint/2010/main" id="1" dur="indefinite" restart="never" nodeType="tmRoot"/>
+      </p:par>
+    </p:tnLst>
+  </p:timing>
 </p:sld>
 </file>
 
@@ -6677,6 +7033,13 @@
   <p:clrMapOvr>
     <a:masterClrMapping/>
   </p:clrMapOvr>
+  <p:timing>
+    <p:tnLst>
+      <p:par>
+        <p:cTn xmlns:p14="http://schemas.microsoft.com/office/powerpoint/2010/main" id="1" dur="indefinite" restart="never" nodeType="tmRoot"/>
+      </p:par>
+    </p:tnLst>
+  </p:timing>
 </p:sld>
 </file>
 
@@ -6795,6 +7158,13 @@
   <p:clrMapOvr>
     <a:masterClrMapping/>
   </p:clrMapOvr>
+  <p:timing>
+    <p:tnLst>
+      <p:par>
+        <p:cTn xmlns:p14="http://schemas.microsoft.com/office/powerpoint/2010/main" id="1" dur="indefinite" restart="never" nodeType="tmRoot"/>
+      </p:par>
+    </p:tnLst>
+  </p:timing>
 </p:sld>
 </file>
 
@@ -6896,6 +7266,13 @@
   <p:clrMapOvr>
     <a:masterClrMapping/>
   </p:clrMapOvr>
+  <p:timing>
+    <p:tnLst>
+      <p:par>
+        <p:cTn xmlns:p14="http://schemas.microsoft.com/office/powerpoint/2010/main" id="1" dur="indefinite" restart="never" nodeType="tmRoot"/>
+      </p:par>
+    </p:tnLst>
+  </p:timing>
 </p:sld>
 </file>
 
@@ -7074,6 +7451,13 @@
   <p:clrMapOvr>
     <a:masterClrMapping/>
   </p:clrMapOvr>
+  <p:timing>
+    <p:tnLst>
+      <p:par>
+        <p:cTn xmlns:p14="http://schemas.microsoft.com/office/powerpoint/2010/main" id="1" dur="indefinite" restart="never" nodeType="tmRoot"/>
+      </p:par>
+    </p:tnLst>
+  </p:timing>
 </p:sld>
 </file>
 
@@ -8859,6 +9243,13 @@
   <p:clrMapOvr>
     <a:masterClrMapping/>
   </p:clrMapOvr>
+  <p:timing>
+    <p:tnLst>
+      <p:par>
+        <p:cTn xmlns:p14="http://schemas.microsoft.com/office/powerpoint/2010/main" id="1" dur="indefinite" restart="never" nodeType="tmRoot"/>
+      </p:par>
+    </p:tnLst>
+  </p:timing>
 </p:sld>
 </file>
 
@@ -8989,6 +9380,13 @@
   <p:clrMapOvr>
     <a:masterClrMapping/>
   </p:clrMapOvr>
+  <p:timing>
+    <p:tnLst>
+      <p:par>
+        <p:cTn xmlns:p14="http://schemas.microsoft.com/office/powerpoint/2010/main" id="1" dur="indefinite" restart="never" nodeType="tmRoot"/>
+      </p:par>
+    </p:tnLst>
+  </p:timing>
 </p:sld>
 </file>
 
@@ -9685,6 +10083,13 @@
   <p:clrMapOvr>
     <a:masterClrMapping/>
   </p:clrMapOvr>
+  <p:timing>
+    <p:tnLst>
+      <p:par>
+        <p:cTn xmlns:p14="http://schemas.microsoft.com/office/powerpoint/2010/main" id="1" dur="indefinite" restart="never" nodeType="tmRoot"/>
+      </p:par>
+    </p:tnLst>
+  </p:timing>
 </p:sld>
 </file>
 
@@ -9795,6 +10200,13 @@
   <p:clrMapOvr>
     <a:masterClrMapping/>
   </p:clrMapOvr>
+  <p:timing>
+    <p:tnLst>
+      <p:par>
+        <p:cTn xmlns:p14="http://schemas.microsoft.com/office/powerpoint/2010/main" id="1" dur="indefinite" restart="never" nodeType="tmRoot"/>
+      </p:par>
+    </p:tnLst>
+  </p:timing>
 </p:sld>
 </file>
 
@@ -9896,6 +10308,13 @@
   <p:clrMapOvr>
     <a:masterClrMapping/>
   </p:clrMapOvr>
+  <p:timing>
+    <p:tnLst>
+      <p:par>
+        <p:cTn xmlns:p14="http://schemas.microsoft.com/office/powerpoint/2010/main" id="1" dur="indefinite" restart="never" nodeType="tmRoot"/>
+      </p:par>
+    </p:tnLst>
+  </p:timing>
 </p:sld>
 </file>
 
@@ -10197,6 +10616,13 @@
   <p:clrMapOvr>
     <a:masterClrMapping/>
   </p:clrMapOvr>
+  <p:timing>
+    <p:tnLst>
+      <p:par>
+        <p:cTn xmlns:p14="http://schemas.microsoft.com/office/powerpoint/2010/main" id="1" dur="indefinite" restart="never" nodeType="tmRoot"/>
+      </p:par>
+    </p:tnLst>
+  </p:timing>
 </p:sld>
 </file>
 
@@ -10300,6 +10726,13 @@
   <p:clrMapOvr>
     <a:masterClrMapping/>
   </p:clrMapOvr>
+  <p:timing>
+    <p:tnLst>
+      <p:par>
+        <p:cTn xmlns:p14="http://schemas.microsoft.com/office/powerpoint/2010/main" id="1" dur="indefinite" restart="never" nodeType="tmRoot"/>
+      </p:par>
+    </p:tnLst>
+  </p:timing>
 </p:sld>
 </file>
 
@@ -10617,6 +11050,13 @@
   <p:clrMapOvr>
     <a:masterClrMapping/>
   </p:clrMapOvr>
+  <p:timing>
+    <p:tnLst>
+      <p:par>
+        <p:cTn xmlns:p14="http://schemas.microsoft.com/office/powerpoint/2010/main" id="1" dur="indefinite" restart="never" nodeType="tmRoot"/>
+      </p:par>
+    </p:tnLst>
+  </p:timing>
 </p:sld>
 </file>
 
@@ -10729,6 +11169,13 @@
   <p:clrMapOvr>
     <a:masterClrMapping/>
   </p:clrMapOvr>
+  <p:timing>
+    <p:tnLst>
+      <p:par>
+        <p:cTn xmlns:p14="http://schemas.microsoft.com/office/powerpoint/2010/main" id="1" dur="indefinite" restart="never" nodeType="tmRoot"/>
+      </p:par>
+    </p:tnLst>
+  </p:timing>
 </p:sld>
 </file>
 
@@ -10801,6 +11248,13 @@
   <p:clrMapOvr>
     <a:masterClrMapping/>
   </p:clrMapOvr>
+  <p:timing>
+    <p:tnLst>
+      <p:par>
+        <p:cTn xmlns:p14="http://schemas.microsoft.com/office/powerpoint/2010/main" id="1" dur="indefinite" restart="never" nodeType="tmRoot"/>
+      </p:par>
+    </p:tnLst>
+  </p:timing>
 </p:sld>
 </file>
 
@@ -10873,6 +11327,13 @@
   <p:clrMapOvr>
     <a:masterClrMapping/>
   </p:clrMapOvr>
+  <p:timing>
+    <p:tnLst>
+      <p:par>
+        <p:cTn xmlns:p14="http://schemas.microsoft.com/office/powerpoint/2010/main" id="1" dur="indefinite" restart="never" nodeType="tmRoot"/>
+      </p:par>
+    </p:tnLst>
+  </p:timing>
 </p:sld>
 </file>
 
@@ -11079,6 +11540,13 @@
   <p:clrMapOvr>
     <a:masterClrMapping/>
   </p:clrMapOvr>
+  <p:timing>
+    <p:tnLst>
+      <p:par>
+        <p:cTn xmlns:p14="http://schemas.microsoft.com/office/powerpoint/2010/main" id="1" dur="indefinite" restart="never" nodeType="tmRoot"/>
+      </p:par>
+    </p:tnLst>
+  </p:timing>
 </p:sld>
 </file>
 
@@ -11590,6 +12058,13 @@
   <p:clrMapOvr>
     <a:masterClrMapping/>
   </p:clrMapOvr>
+  <p:timing>
+    <p:tnLst>
+      <p:par>
+        <p:cTn xmlns:p14="http://schemas.microsoft.com/office/powerpoint/2010/main" id="1" dur="indefinite" restart="never" nodeType="tmRoot"/>
+      </p:par>
+    </p:tnLst>
+  </p:timing>
 </p:sld>
 </file>
 
@@ -12813,6 +13288,13 @@
   <p:clrMapOvr>
     <a:masterClrMapping/>
   </p:clrMapOvr>
+  <p:timing>
+    <p:tnLst>
+      <p:par>
+        <p:cTn xmlns:p14="http://schemas.microsoft.com/office/powerpoint/2010/main" id="1" dur="indefinite" restart="never" nodeType="tmRoot"/>
+      </p:par>
+    </p:tnLst>
+  </p:timing>
 </p:sld>
 </file>
 
@@ -13097,6 +13579,13 @@
   <p:clrMapOvr>
     <a:masterClrMapping/>
   </p:clrMapOvr>
+  <p:timing>
+    <p:tnLst>
+      <p:par>
+        <p:cTn xmlns:p14="http://schemas.microsoft.com/office/powerpoint/2010/main" id="1" dur="indefinite" restart="never" nodeType="tmRoot"/>
+      </p:par>
+    </p:tnLst>
+  </p:timing>
 </p:sld>
 </file>
 

--- a/Eager/elk-experiment/appserver/system_design.pptx
+++ b/Eager/elk-experiment/appserver/system_design.pptx
@@ -5,7 +5,7 @@
     <p:sldMasterId id="2147483648" r:id="rId1"/>
   </p:sldMasterIdLst>
   <p:notesMasterIdLst>
-    <p:notesMasterId r:id="rId50"/>
+    <p:notesMasterId r:id="rId51"/>
   </p:notesMasterIdLst>
   <p:sldIdLst>
     <p:sldId id="257" r:id="rId2"/>
@@ -20,42 +20,43 @@
     <p:sldId id="268" r:id="rId11"/>
     <p:sldId id="269" r:id="rId12"/>
     <p:sldId id="266" r:id="rId13"/>
-    <p:sldId id="275" r:id="rId14"/>
-    <p:sldId id="274" r:id="rId15"/>
+    <p:sldId id="274" r:id="rId14"/>
+    <p:sldId id="275" r:id="rId15"/>
     <p:sldId id="270" r:id="rId16"/>
     <p:sldId id="271" r:id="rId17"/>
-    <p:sldId id="272" r:id="rId18"/>
-    <p:sldId id="276" r:id="rId19"/>
-    <p:sldId id="277" r:id="rId20"/>
-    <p:sldId id="278" r:id="rId21"/>
-    <p:sldId id="279" r:id="rId22"/>
-    <p:sldId id="280" r:id="rId23"/>
-    <p:sldId id="281" r:id="rId24"/>
-    <p:sldId id="282" r:id="rId25"/>
-    <p:sldId id="283" r:id="rId26"/>
-    <p:sldId id="284" r:id="rId27"/>
-    <p:sldId id="285" r:id="rId28"/>
-    <p:sldId id="286" r:id="rId29"/>
-    <p:sldId id="288" r:id="rId30"/>
-    <p:sldId id="287" r:id="rId31"/>
-    <p:sldId id="289" r:id="rId32"/>
-    <p:sldId id="290" r:id="rId33"/>
-    <p:sldId id="291" r:id="rId34"/>
-    <p:sldId id="292" r:id="rId35"/>
-    <p:sldId id="293" r:id="rId36"/>
-    <p:sldId id="294" r:id="rId37"/>
-    <p:sldId id="295" r:id="rId38"/>
-    <p:sldId id="296" r:id="rId39"/>
-    <p:sldId id="297" r:id="rId40"/>
-    <p:sldId id="298" r:id="rId41"/>
-    <p:sldId id="299" r:id="rId42"/>
-    <p:sldId id="301" r:id="rId43"/>
-    <p:sldId id="302" r:id="rId44"/>
-    <p:sldId id="304" r:id="rId45"/>
-    <p:sldId id="300" r:id="rId46"/>
-    <p:sldId id="303" r:id="rId47"/>
-    <p:sldId id="305" r:id="rId48"/>
-    <p:sldId id="306" r:id="rId49"/>
+    <p:sldId id="276" r:id="rId18"/>
+    <p:sldId id="277" r:id="rId19"/>
+    <p:sldId id="278" r:id="rId20"/>
+    <p:sldId id="279" r:id="rId21"/>
+    <p:sldId id="280" r:id="rId22"/>
+    <p:sldId id="284" r:id="rId23"/>
+    <p:sldId id="311" r:id="rId24"/>
+    <p:sldId id="286" r:id="rId25"/>
+    <p:sldId id="288" r:id="rId26"/>
+    <p:sldId id="287" r:id="rId27"/>
+    <p:sldId id="289" r:id="rId28"/>
+    <p:sldId id="292" r:id="rId29"/>
+    <p:sldId id="293" r:id="rId30"/>
+    <p:sldId id="290" r:id="rId31"/>
+    <p:sldId id="312" r:id="rId32"/>
+    <p:sldId id="296" r:id="rId33"/>
+    <p:sldId id="297" r:id="rId34"/>
+    <p:sldId id="298" r:id="rId35"/>
+    <p:sldId id="299" r:id="rId36"/>
+    <p:sldId id="301" r:id="rId37"/>
+    <p:sldId id="302" r:id="rId38"/>
+    <p:sldId id="304" r:id="rId39"/>
+    <p:sldId id="300" r:id="rId40"/>
+    <p:sldId id="303" r:id="rId41"/>
+    <p:sldId id="305" r:id="rId42"/>
+    <p:sldId id="306" r:id="rId43"/>
+    <p:sldId id="307" r:id="rId44"/>
+    <p:sldId id="308" r:id="rId45"/>
+    <p:sldId id="309" r:id="rId46"/>
+    <p:sldId id="310" r:id="rId47"/>
+    <p:sldId id="313" r:id="rId48"/>
+    <p:sldId id="314" r:id="rId49"/>
+    <p:sldId id="315" r:id="rId50"/>
   </p:sldIdLst>
   <p:sldSz cx="9144000" cy="6858000" type="screen4x3"/>
   <p:notesSz cx="6858000" cy="9144000"/>
@@ -154,6 +155,69 @@
       </a:defRPr>
     </a:lvl9pPr>
   </p:defaultTextStyle>
+  <p:extLst>
+    <p:ext uri="{521415D9-36F7-43E2-AB2F-B90AF26B5E84}">
+      <p14:sectionLst xmlns:p14="http://schemas.microsoft.com/office/powerpoint/2010/main">
+        <p14:section name="Default Section" id="{8A367CCE-EFF9-624D-B52C-7C179D51DF09}">
+          <p14:sldIdLst>
+            <p14:sldId id="257"/>
+            <p14:sldId id="258"/>
+            <p14:sldId id="259"/>
+            <p14:sldId id="260"/>
+            <p14:sldId id="261"/>
+            <p14:sldId id="262"/>
+            <p14:sldId id="264"/>
+            <p14:sldId id="265"/>
+            <p14:sldId id="267"/>
+            <p14:sldId id="268"/>
+            <p14:sldId id="269"/>
+            <p14:sldId id="266"/>
+            <p14:sldId id="274"/>
+            <p14:sldId id="275"/>
+            <p14:sldId id="270"/>
+            <p14:sldId id="271"/>
+            <p14:sldId id="276"/>
+            <p14:sldId id="277"/>
+            <p14:sldId id="278"/>
+            <p14:sldId id="279"/>
+            <p14:sldId id="280"/>
+            <p14:sldId id="284"/>
+            <p14:sldId id="311"/>
+            <p14:sldId id="286"/>
+            <p14:sldId id="288"/>
+            <p14:sldId id="287"/>
+            <p14:sldId id="289"/>
+            <p14:sldId id="292"/>
+            <p14:sldId id="293"/>
+            <p14:sldId id="290"/>
+            <p14:sldId id="312"/>
+            <p14:sldId id="296"/>
+            <p14:sldId id="297"/>
+            <p14:sldId id="298"/>
+            <p14:sldId id="299"/>
+            <p14:sldId id="301"/>
+            <p14:sldId id="302"/>
+            <p14:sldId id="304"/>
+            <p14:sldId id="300"/>
+            <p14:sldId id="303"/>
+            <p14:sldId id="305"/>
+            <p14:sldId id="306"/>
+          </p14:sldIdLst>
+        </p14:section>
+        <p14:section name="Backup" id="{7415901F-E265-BA4F-A4A2-A168803AFAF6}">
+          <p14:sldIdLst>
+            <p14:sldId id="307"/>
+            <p14:sldId id="308"/>
+            <p14:sldId id="309"/>
+            <p14:sldId id="310"/>
+            <p14:sldId id="313"/>
+            <p14:sldId id="314"/>
+            <p14:sldId id="315"/>
+          </p14:sldIdLst>
+        </p14:section>
+      </p14:sectionLst>
+    </p:ext>
+  </p:extLst>
 </p:presentation>
 </file>
 
@@ -239,7 +303,7 @@
           <a:p>
             <a:fld id="{C6B377BD-EE2D-6A4D-8791-40EA342A78BF}" type="datetimeFigureOut">
               <a:rPr lang="en-US" smtClean="0"/>
-              <a:t>4/14/16</a:t>
+              <a:t>4/15/16</a:t>
             </a:fld>
             <a:endParaRPr lang="en-US"/>
           </a:p>
@@ -551,35 +615,64 @@
           <a:bodyPr/>
           <a:lstStyle/>
           <a:p>
-            <a:endParaRPr lang="en-US"/>
-          </a:p>
-          <a:p>
-            <a:r>
-              <a:rPr lang="en-US"/>
+            <a:pPr marL="0" marR="0" indent="0" algn="l" defTabSz="457200" rtl="0" eaLnBrk="1" fontAlgn="auto" latinLnBrk="0" hangingPunct="1">
+              <a:lnSpc>
+                <a:spcPct val="100000"/>
+              </a:lnSpc>
+              <a:spcBef>
+                <a:spcPts val="0"/>
+              </a:spcBef>
+              <a:spcAft>
+                <a:spcPts val="0"/>
+              </a:spcAft>
+              <a:buClrTx/>
+              <a:buSzTx/>
+              <a:buFontTx/>
+              <a:buNone/>
+              <a:tabLst/>
+              <a:defRPr/>
+            </a:pPr>
+            <a:r>
+              <a:rPr lang="en-US" dirty="0" smtClean="0"/>
+              <a:t>Can we enforce design-time governance on web applications developed for a given cloud platform so as to ensure proper versioning, dependency management and conformance to other developer best practices, and also enforce run-time governance on them so as to automatically determine the expected runtime performance of the applications, detect SLA violations and detect performance anomalies and perform root cause analysis, with minimal developer intervention and no invasive instrumentation on the applications?</a:t>
+            </a:r>
+          </a:p>
+          <a:p>
+            <a:endParaRPr lang="en-US" dirty="0" smtClean="0"/>
+          </a:p>
+          <a:p>
+            <a:endParaRPr lang="en-US" dirty="0" smtClean="0"/>
+          </a:p>
+          <a:p>
+            <a:endParaRPr lang="en-US" dirty="0"/>
+          </a:p>
+          <a:p>
+            <a:r>
+              <a:rPr lang="en-US" dirty="0"/>
               <a:t>----- Meeting Notes (4/14/16 14:44) -----</a:t>
             </a:r>
           </a:p>
           <a:p>
             <a:r>
-              <a:rPr lang="en-US"/>
+              <a:rPr lang="en-US" dirty="0"/>
               <a:t>can we define and enforce efficient policies that govern administrative conformance, developer best practices, and performance objectives through automated analysis and diagnostics for cloud applications?</a:t>
             </a:r>
           </a:p>
           <a:p>
             <a:r>
-              <a:rPr lang="en-US"/>
+              <a:rPr lang="en-US" dirty="0"/>
               <a:t>- governance</a:t>
             </a:r>
           </a:p>
           <a:p>
             <a:r>
-              <a:rPr lang="en-US"/>
+              <a:rPr lang="en-US" dirty="0"/>
               <a:t>- automated</a:t>
             </a:r>
           </a:p>
           <a:p>
             <a:r>
-              <a:rPr lang="en-US"/>
+              <a:rPr lang="en-US" dirty="0"/>
               <a:t>- efficient: non-invasive, simple, productivity enhancing</a:t>
             </a:r>
           </a:p>
@@ -602,7 +695,7 @@
           <a:p>
             <a:fld id="{6E605815-6331-9444-B06E-921213318926}" type="slidenum">
               <a:rPr lang="en-US" smtClean="0"/>
-              <a:t>14</a:t>
+              <a:t>13</a:t>
             </a:fld>
             <a:endParaRPr lang="en-US"/>
           </a:p>
@@ -694,7 +787,7 @@
           <a:p>
             <a:fld id="{F7278AEC-EE64-7842-B08E-D93D33560D10}" type="slidenum">
               <a:rPr lang="en-US" smtClean="0"/>
-              <a:t>43</a:t>
+              <a:t>37</a:t>
             </a:fld>
             <a:endParaRPr lang="en-US"/>
           </a:p>
@@ -817,7 +910,7 @@
           <a:p>
             <a:fld id="{6E605815-6331-9444-B06E-921213318926}" type="slidenum">
               <a:rPr lang="en-US" smtClean="0"/>
-              <a:t>47</a:t>
+              <a:t>41</a:t>
             </a:fld>
             <a:endParaRPr lang="en-US"/>
           </a:p>
@@ -1017,7 +1110,7 @@
           <a:p>
             <a:fld id="{94C3570C-2D75-5147-A673-6C02746C58AB}" type="datetimeFigureOut">
               <a:rPr lang="en-US" smtClean="0"/>
-              <a:t>4/14/16</a:t>
+              <a:t>4/15/16</a:t>
             </a:fld>
             <a:endParaRPr lang="en-US"/>
           </a:p>
@@ -1187,7 +1280,7 @@
           <a:p>
             <a:fld id="{94C3570C-2D75-5147-A673-6C02746C58AB}" type="datetimeFigureOut">
               <a:rPr lang="en-US" smtClean="0"/>
-              <a:t>4/14/16</a:t>
+              <a:t>4/15/16</a:t>
             </a:fld>
             <a:endParaRPr lang="en-US"/>
           </a:p>
@@ -1367,7 +1460,7 @@
           <a:p>
             <a:fld id="{94C3570C-2D75-5147-A673-6C02746C58AB}" type="datetimeFigureOut">
               <a:rPr lang="en-US" smtClean="0"/>
-              <a:t>4/14/16</a:t>
+              <a:t>4/15/16</a:t>
             </a:fld>
             <a:endParaRPr lang="en-US"/>
           </a:p>
@@ -1537,7 +1630,7 @@
           <a:p>
             <a:fld id="{94C3570C-2D75-5147-A673-6C02746C58AB}" type="datetimeFigureOut">
               <a:rPr lang="en-US" smtClean="0"/>
-              <a:t>4/14/16</a:t>
+              <a:t>4/15/16</a:t>
             </a:fld>
             <a:endParaRPr lang="en-US"/>
           </a:p>
@@ -1783,7 +1876,7 @@
           <a:p>
             <a:fld id="{94C3570C-2D75-5147-A673-6C02746C58AB}" type="datetimeFigureOut">
               <a:rPr lang="en-US" smtClean="0"/>
-              <a:t>4/14/16</a:t>
+              <a:t>4/15/16</a:t>
             </a:fld>
             <a:endParaRPr lang="en-US"/>
           </a:p>
@@ -2071,7 +2164,7 @@
           <a:p>
             <a:fld id="{94C3570C-2D75-5147-A673-6C02746C58AB}" type="datetimeFigureOut">
               <a:rPr lang="en-US" smtClean="0"/>
-              <a:t>4/14/16</a:t>
+              <a:t>4/15/16</a:t>
             </a:fld>
             <a:endParaRPr lang="en-US"/>
           </a:p>
@@ -2493,7 +2586,7 @@
           <a:p>
             <a:fld id="{94C3570C-2D75-5147-A673-6C02746C58AB}" type="datetimeFigureOut">
               <a:rPr lang="en-US" smtClean="0"/>
-              <a:t>4/14/16</a:t>
+              <a:t>4/15/16</a:t>
             </a:fld>
             <a:endParaRPr lang="en-US"/>
           </a:p>
@@ -2611,7 +2704,7 @@
           <a:p>
             <a:fld id="{94C3570C-2D75-5147-A673-6C02746C58AB}" type="datetimeFigureOut">
               <a:rPr lang="en-US" smtClean="0"/>
-              <a:t>4/14/16</a:t>
+              <a:t>4/15/16</a:t>
             </a:fld>
             <a:endParaRPr lang="en-US"/>
           </a:p>
@@ -2706,7 +2799,7 @@
           <a:p>
             <a:fld id="{94C3570C-2D75-5147-A673-6C02746C58AB}" type="datetimeFigureOut">
               <a:rPr lang="en-US" smtClean="0"/>
-              <a:t>4/14/16</a:t>
+              <a:t>4/15/16</a:t>
             </a:fld>
             <a:endParaRPr lang="en-US"/>
           </a:p>
@@ -2983,7 +3076,7 @@
           <a:p>
             <a:fld id="{94C3570C-2D75-5147-A673-6C02746C58AB}" type="datetimeFigureOut">
               <a:rPr lang="en-US" smtClean="0"/>
-              <a:t>4/14/16</a:t>
+              <a:t>4/15/16</a:t>
             </a:fld>
             <a:endParaRPr lang="en-US"/>
           </a:p>
@@ -3236,7 +3329,7 @@
           <a:p>
             <a:fld id="{94C3570C-2D75-5147-A673-6C02746C58AB}" type="datetimeFigureOut">
               <a:rPr lang="en-US" smtClean="0"/>
-              <a:t>4/14/16</a:t>
+              <a:t>4/15/16</a:t>
             </a:fld>
             <a:endParaRPr lang="en-US"/>
           </a:p>
@@ -3449,7 +3542,7 @@
           <a:p>
             <a:fld id="{94C3570C-2D75-5147-A673-6C02746C58AB}" type="datetimeFigureOut">
               <a:rPr lang="en-US" smtClean="0"/>
-              <a:t>4/14/16</a:t>
+              <a:t>4/15/16</a:t>
             </a:fld>
             <a:endParaRPr lang="en-US"/>
           </a:p>
@@ -4420,8 +4513,20 @@
           <a:p>
             <a:r>
               <a:rPr lang="en-US" dirty="0" smtClean="0"/>
-              <a:t>No reliable and systematic means for understanding performance limits</a:t>
-            </a:r>
+              <a:t>No reliable and systematic means for understanding performance </a:t>
+            </a:r>
+            <a:r>
+              <a:rPr lang="en-US" dirty="0" smtClean="0"/>
+              <a:t>limits</a:t>
+            </a:r>
+          </a:p>
+          <a:p>
+            <a:pPr lvl="1"/>
+            <a:r>
+              <a:rPr lang="en-US" dirty="0" smtClean="0"/>
+              <a:t>Runtime details hidden by cloud abstractions</a:t>
+            </a:r>
+            <a:endParaRPr lang="en-US" dirty="0" smtClean="0"/>
           </a:p>
           <a:p>
             <a:r>
@@ -4460,7 +4565,7 @@
         </p:blipFill>
         <p:spPr>
           <a:xfrm>
-            <a:off x="1108175" y="3931595"/>
+            <a:off x="1108175" y="4591995"/>
             <a:ext cx="7184460" cy="1487373"/>
           </a:xfrm>
           <a:prstGeom prst="rect">
@@ -4885,7 +4990,7 @@
           <a:p>
             <a:r>
               <a:rPr lang="en-US" dirty="0" smtClean="0"/>
-              <a:t>Prelude to Proposal</a:t>
+              <a:t>Thesis Question</a:t>
             </a:r>
             <a:endParaRPr lang="en-US" dirty="0"/>
           </a:p>
@@ -4903,40 +5008,30 @@
         </p:nvSpPr>
         <p:spPr/>
         <p:txBody>
-          <a:bodyPr/>
-          <a:lstStyle/>
-          <a:p>
-            <a:r>
-              <a:rPr lang="en-US" dirty="0" smtClean="0"/>
-              <a:t>Automated governance for cloud platforms</a:t>
-            </a:r>
-          </a:p>
-          <a:p>
-            <a:pPr lvl="1"/>
-            <a:r>
-              <a:rPr lang="en-US" dirty="0" smtClean="0"/>
-              <a:t>Specifying/Learning acceptable operational parameters</a:t>
-            </a:r>
-          </a:p>
-          <a:p>
-            <a:pPr lvl="1"/>
-            <a:r>
-              <a:rPr lang="en-US" dirty="0" smtClean="0"/>
-              <a:t>Enforcing acceptable operational parameters</a:t>
-            </a:r>
-          </a:p>
-          <a:p>
-            <a:pPr lvl="1"/>
-            <a:r>
-              <a:rPr lang="en-US" dirty="0" smtClean="0"/>
-              <a:t>Monitoring and detecting deviations from acceptable behavior</a:t>
-            </a:r>
-          </a:p>
-          <a:p>
-            <a:pPr lvl="1"/>
-            <a:r>
-              <a:rPr lang="en-US" dirty="0" smtClean="0"/>
-              <a:t>Taking corrective/preventive action if necessary</a:t>
+          <a:bodyPr>
+            <a:normAutofit/>
+          </a:bodyPr>
+          <a:lstStyle/>
+          <a:p>
+            <a:r>
+              <a:rPr lang="en-US" dirty="0" smtClean="0"/>
+              <a:t>Can we efficiently enforce </a:t>
+            </a:r>
+            <a:r>
+              <a:rPr lang="en-US" b="1" dirty="0" smtClean="0"/>
+              <a:t>governance</a:t>
+            </a:r>
+            <a:r>
+              <a:rPr lang="en-US" dirty="0" smtClean="0"/>
+              <a:t> on cloud-based web applications to achieve </a:t>
+            </a:r>
+            <a:r>
+              <a:rPr lang="en-US" dirty="0"/>
+              <a:t>administrative conformance, developer best practices, and performance objectives through automated analysis and </a:t>
+            </a:r>
+            <a:r>
+              <a:rPr lang="en-US" dirty="0" smtClean="0"/>
+              <a:t>diagnostics?</a:t>
             </a:r>
             <a:endParaRPr lang="en-US" dirty="0"/>
           </a:p>
@@ -4945,7 +5040,7 @@
     </p:spTree>
     <p:extLst>
       <p:ext uri="{BB962C8B-B14F-4D97-AF65-F5344CB8AC3E}">
-        <p14:creationId xmlns:p14="http://schemas.microsoft.com/office/powerpoint/2010/main" val="3172343271"/>
+        <p14:creationId xmlns:p14="http://schemas.microsoft.com/office/powerpoint/2010/main" val="4269969608"/>
       </p:ext>
     </p:extLst>
   </p:cSld>
@@ -4996,7 +5091,7 @@
           <a:p>
             <a:r>
               <a:rPr lang="en-US" dirty="0" smtClean="0"/>
-              <a:t>Thesis Question</a:t>
+              <a:t>Governance for Cloud</a:t>
             </a:r>
             <a:endParaRPr lang="en-US" dirty="0"/>
           </a:p>
@@ -5015,21 +5110,73 @@
         <p:spPr/>
         <p:txBody>
           <a:bodyPr>
-            <a:normAutofit fontScale="92500" lnSpcReduction="20000"/>
+            <a:normAutofit/>
           </a:bodyPr>
           <a:lstStyle/>
           <a:p>
             <a:r>
               <a:rPr lang="en-US" dirty="0" smtClean="0"/>
-              <a:t>Can we enforce design-time governance on web applications developed for a given cloud platform so as to ensure proper versioning, dependency management and conformance to other developer best practices, and also enforce run-time governance on them so as to automatically determine the expected runtime performance of the applications, detect SLA violations and detect performance anomalies and perform root cause analysis, with minimal developer intervention and no invasive instrumentation on the applications?</a:t>
-            </a:r>
+              <a:t>Specifying acceptable </a:t>
+            </a:r>
+            <a:r>
+              <a:rPr lang="en-US" dirty="0" smtClean="0"/>
+              <a:t>operational parameters</a:t>
+            </a:r>
+          </a:p>
+          <a:p>
+            <a:r>
+              <a:rPr lang="en-US" dirty="0" smtClean="0"/>
+              <a:t>Enforcing </a:t>
+            </a:r>
+            <a:r>
+              <a:rPr lang="en-US" dirty="0" smtClean="0"/>
+              <a:t>them</a:t>
+            </a:r>
+            <a:endParaRPr lang="en-US" dirty="0" smtClean="0"/>
+          </a:p>
+          <a:p>
+            <a:r>
+              <a:rPr lang="en-US" dirty="0" smtClean="0"/>
+              <a:t>Monitoring and detecting </a:t>
+            </a:r>
+            <a:r>
+              <a:rPr lang="en-US" dirty="0" smtClean="0"/>
+              <a:t>deviations</a:t>
+            </a:r>
+            <a:endParaRPr lang="en-US" dirty="0" smtClean="0"/>
+          </a:p>
+          <a:p>
+            <a:r>
+              <a:rPr lang="en-US" dirty="0" smtClean="0"/>
+              <a:t>Taking </a:t>
+            </a:r>
+            <a:r>
+              <a:rPr lang="en-US" dirty="0" smtClean="0"/>
+              <a:t>corrective action when necessary</a:t>
+            </a:r>
+          </a:p>
+          <a:p>
+            <a:endParaRPr lang="en-US" dirty="0" smtClean="0"/>
+          </a:p>
+          <a:p>
+            <a:r>
+              <a:rPr lang="en-US" dirty="0" smtClean="0"/>
+              <a:t>Efficient: Non-invasive, No big overhead</a:t>
+            </a:r>
+          </a:p>
+          <a:p>
+            <a:r>
+              <a:rPr lang="en-US" dirty="0" smtClean="0"/>
+              <a:t>Automated: No human intervention</a:t>
+            </a:r>
+            <a:endParaRPr lang="en-US" dirty="0"/>
           </a:p>
         </p:txBody>
       </p:sp>
     </p:spTree>
     <p:extLst>
       <p:ext uri="{BB962C8B-B14F-4D97-AF65-F5344CB8AC3E}">
-        <p14:creationId xmlns:p14="http://schemas.microsoft.com/office/powerpoint/2010/main" val="4269969608"/>
+        <p14:creationId xmlns:p14="http://schemas.microsoft.com/office/powerpoint/2010/main" val="3172343271"/>
       </p:ext>
     </p:extLst>
   </p:cSld>
@@ -5135,15 +5282,17 @@
             <a:pPr lvl="1"/>
             <a:r>
               <a:rPr lang="en-US" dirty="0" smtClean="0"/>
-              <a:t>Data storage, caching, queuing, security etc.</a:t>
-            </a:r>
-          </a:p>
-          <a:p>
-            <a:r>
-              <a:rPr lang="en-US" dirty="0" smtClean="0"/>
-              <a:t>Google App Engine</a:t>
-            </a:r>
-            <a:endParaRPr lang="en-US" dirty="0"/>
+              <a:t>Data storage, caching, queuing, security </a:t>
+            </a:r>
+            <a:r>
+              <a:rPr lang="en-US" dirty="0" smtClean="0"/>
+              <a:t>etc</a:t>
+            </a:r>
+            <a:r>
+              <a:rPr lang="en-US" dirty="0"/>
+              <a:t>.</a:t>
+            </a:r>
+            <a:endParaRPr lang="en-US" dirty="0" smtClean="0"/>
           </a:p>
         </p:txBody>
       </p:sp>
@@ -5285,83 +5434,75 @@
         </p:nvSpPr>
         <p:spPr/>
         <p:txBody>
+          <a:bodyPr>
+            <a:normAutofit/>
+          </a:bodyPr>
+          <a:lstStyle/>
+          <a:p>
+            <a:r>
+              <a:rPr lang="en-US" dirty="0" smtClean="0"/>
+              <a:t>Good </a:t>
+            </a:r>
+            <a:r>
+              <a:rPr lang="en-US" dirty="0" smtClean="0"/>
+              <a:t>Coding </a:t>
+            </a:r>
+            <a:r>
+              <a:rPr lang="en-US" dirty="0" smtClean="0"/>
+              <a:t>Practices in the Cloud</a:t>
+            </a:r>
+            <a:endParaRPr lang="en-US" dirty="0"/>
+          </a:p>
+        </p:txBody>
+      </p:sp>
+      <p:sp>
+        <p:nvSpPr>
+          <p:cNvPr id="3" name="Content Placeholder 2"/>
+          <p:cNvSpPr>
+            <a:spLocks noGrp="1"/>
+          </p:cNvSpPr>
+          <p:nvPr>
+            <p:ph idx="1"/>
+          </p:nvPr>
+        </p:nvSpPr>
+        <p:spPr/>
+        <p:txBody>
           <a:bodyPr/>
           <a:lstStyle/>
           <a:p>
             <a:r>
               <a:rPr lang="en-US" dirty="0" smtClean="0"/>
-              <a:t>Why </a:t>
-            </a:r>
-            <a:r>
-              <a:rPr lang="en-US" dirty="0" err="1" smtClean="0"/>
-              <a:t>PaaS</a:t>
-            </a:r>
-            <a:r>
-              <a:rPr lang="en-US" dirty="0" smtClean="0"/>
-              <a:t> Clouds?</a:t>
-            </a:r>
-            <a:endParaRPr lang="en-US" dirty="0"/>
-          </a:p>
-        </p:txBody>
-      </p:sp>
-      <p:sp>
-        <p:nvSpPr>
-          <p:cNvPr id="3" name="Content Placeholder 2"/>
-          <p:cNvSpPr>
-            <a:spLocks noGrp="1"/>
-          </p:cNvSpPr>
-          <p:nvPr>
-            <p:ph idx="1"/>
-          </p:nvPr>
-        </p:nvSpPr>
-        <p:spPr/>
-        <p:txBody>
-          <a:bodyPr/>
-          <a:lstStyle/>
-          <a:p>
-            <a:r>
-              <a:rPr lang="en-US" dirty="0" smtClean="0"/>
-              <a:t>Our research questions directly impact </a:t>
-            </a:r>
-            <a:r>
-              <a:rPr lang="en-US" dirty="0" err="1" smtClean="0"/>
-              <a:t>PaaS</a:t>
-            </a:r>
-            <a:r>
-              <a:rPr lang="en-US" dirty="0" smtClean="0"/>
-              <a:t> clouds</a:t>
-            </a:r>
-          </a:p>
-          <a:p>
-            <a:r>
-              <a:rPr lang="en-US" dirty="0" smtClean="0"/>
-              <a:t>A large number of applications are already deployed in </a:t>
-            </a:r>
-            <a:r>
-              <a:rPr lang="en-US" dirty="0" err="1" smtClean="0"/>
-              <a:t>PaaS</a:t>
-            </a:r>
-            <a:r>
-              <a:rPr lang="en-US" dirty="0" smtClean="0"/>
-              <a:t> clouds</a:t>
-            </a:r>
-          </a:p>
-          <a:p>
-            <a:pPr lvl="1"/>
-            <a:r>
-              <a:rPr lang="en-US" dirty="0" smtClean="0"/>
-              <a:t>GAE: 1M</a:t>
-            </a:r>
-          </a:p>
-          <a:p>
-            <a:pPr lvl="1"/>
-            <a:r>
-              <a:rPr lang="en-US" dirty="0" err="1" smtClean="0"/>
-              <a:t>Heroku</a:t>
-            </a:r>
-            <a:r>
-              <a:rPr lang="en-US" dirty="0" smtClean="0"/>
-              <a:t>: 1.5M</a:t>
+              <a:t>Enforce code reuse</a:t>
+            </a:r>
+          </a:p>
+          <a:p>
+            <a:r>
+              <a:rPr lang="en-US" dirty="0" smtClean="0"/>
+              <a:t>Enforce naming and versioning conventions</a:t>
+            </a:r>
+          </a:p>
+          <a:p>
+            <a:r>
+              <a:rPr lang="en-US" dirty="0" smtClean="0"/>
+              <a:t>Enforce backward compatible code updates</a:t>
+            </a:r>
+          </a:p>
+          <a:p>
+            <a:r>
+              <a:rPr lang="en-US" dirty="0" smtClean="0"/>
+              <a:t>Catch bad code before it goes into production</a:t>
+            </a:r>
+          </a:p>
+          <a:p>
+            <a:r>
+              <a:rPr lang="en-US" dirty="0" smtClean="0"/>
+              <a:t>Simple mechanism to specify conventions/policies to be enforced</a:t>
+            </a:r>
+          </a:p>
+          <a:p>
+            <a:r>
+              <a:rPr lang="en-US" dirty="0" smtClean="0"/>
+              <a:t>Scalable, cloud-native implementation</a:t>
             </a:r>
           </a:p>
           <a:p>
@@ -5372,7 +5513,7 @@
     </p:spTree>
     <p:extLst>
       <p:ext uri="{BB962C8B-B14F-4D97-AF65-F5344CB8AC3E}">
-        <p14:creationId xmlns:p14="http://schemas.microsoft.com/office/powerpoint/2010/main" val="3390838659"/>
+        <p14:creationId xmlns:p14="http://schemas.microsoft.com/office/powerpoint/2010/main" val="2964205391"/>
       </p:ext>
     </p:extLst>
   </p:cSld>
@@ -5423,7 +5564,7 @@
           <a:p>
             <a:r>
               <a:rPr lang="en-US" dirty="0" smtClean="0"/>
-              <a:t>Enforcing Good Coding Practices</a:t>
+              <a:t>EAGER</a:t>
             </a:r>
             <a:endParaRPr lang="en-US" dirty="0"/>
           </a:p>
@@ -5445,39 +5586,88 @@
           <a:lstStyle/>
           <a:p>
             <a:r>
-              <a:rPr lang="en-US" dirty="0" smtClean="0"/>
-              <a:t>Enforce code reuse</a:t>
-            </a:r>
-          </a:p>
-          <a:p>
-            <a:r>
-              <a:rPr lang="en-US" dirty="0" smtClean="0"/>
-              <a:t>Enforce naming and versioning conventions</a:t>
-            </a:r>
-          </a:p>
-          <a:p>
-            <a:r>
-              <a:rPr lang="en-US" dirty="0" smtClean="0"/>
-              <a:t>Enforce backward compatible code updates</a:t>
-            </a:r>
-          </a:p>
-          <a:p>
-            <a:r>
-              <a:rPr lang="en-US" dirty="0" smtClean="0"/>
-              <a:t>Catch bad code before it goes into production</a:t>
-            </a:r>
-          </a:p>
-          <a:p>
-            <a:r>
-              <a:rPr lang="en-US" dirty="0" smtClean="0"/>
-              <a:t>Simple mechanism to specify conventions/policies to be enforced</a:t>
-            </a:r>
-          </a:p>
-          <a:p>
-            <a:r>
-              <a:rPr lang="en-US" dirty="0" smtClean="0"/>
-              <a:t>Scalable, cloud-native implementation</a:t>
-            </a:r>
+              <a:rPr lang="en-US" b="1" dirty="0"/>
+              <a:t>E</a:t>
+            </a:r>
+            <a:r>
+              <a:rPr lang="en-US" dirty="0"/>
+              <a:t>nforced </a:t>
+            </a:r>
+            <a:r>
+              <a:rPr lang="en-US" b="1" dirty="0"/>
+              <a:t>A</a:t>
+            </a:r>
+            <a:r>
+              <a:rPr lang="en-US" dirty="0"/>
+              <a:t>PI </a:t>
+            </a:r>
+            <a:r>
+              <a:rPr lang="en-US" b="1" dirty="0"/>
+              <a:t>G</a:t>
+            </a:r>
+            <a:r>
+              <a:rPr lang="en-US" dirty="0"/>
+              <a:t>overnance </a:t>
+            </a:r>
+            <a:r>
+              <a:rPr lang="en-US" b="1" dirty="0"/>
+              <a:t>E</a:t>
+            </a:r>
+            <a:r>
+              <a:rPr lang="en-US" dirty="0"/>
+              <a:t>ngine for </a:t>
+            </a:r>
+            <a:r>
+              <a:rPr lang="en-US" b="1" dirty="0"/>
+              <a:t>R</a:t>
+            </a:r>
+            <a:r>
+              <a:rPr lang="en-US" dirty="0"/>
+              <a:t>EST</a:t>
+            </a:r>
+          </a:p>
+          <a:p>
+            <a:r>
+              <a:rPr lang="en-US" dirty="0"/>
+              <a:t>A model and an architecture for facilitating </a:t>
+            </a:r>
+            <a:r>
+              <a:rPr lang="en-US" dirty="0" smtClean="0"/>
+              <a:t>governance </a:t>
+            </a:r>
+            <a:r>
+              <a:rPr lang="en-US" dirty="0"/>
+              <a:t>as a native feature </a:t>
+            </a:r>
+            <a:r>
+              <a:rPr lang="en-US" dirty="0" smtClean="0"/>
+              <a:t>in </a:t>
+            </a:r>
+            <a:r>
+              <a:rPr lang="en-US" dirty="0" err="1"/>
+              <a:t>PaaS</a:t>
+            </a:r>
+            <a:r>
+              <a:rPr lang="en-US" dirty="0"/>
+              <a:t> clouds</a:t>
+            </a:r>
+          </a:p>
+          <a:p>
+            <a:r>
+              <a:rPr lang="en-US" dirty="0"/>
+              <a:t>Can be easily built into existing cloud platforms</a:t>
+            </a:r>
+          </a:p>
+          <a:p>
+            <a:r>
+              <a:rPr lang="en-US" dirty="0"/>
+              <a:t>Facilitates comprehensive policy enforcement at deployment </a:t>
+            </a:r>
+            <a:r>
+              <a:rPr lang="en-US" dirty="0" smtClean="0"/>
+              <a:t>of web applications</a:t>
+            </a:r>
+            <a:endParaRPr lang="en-US" dirty="0"/>
           </a:p>
           <a:p>
             <a:endParaRPr lang="en-US" dirty="0"/>
@@ -5487,7 +5677,7 @@
     </p:spTree>
     <p:extLst>
       <p:ext uri="{BB962C8B-B14F-4D97-AF65-F5344CB8AC3E}">
-        <p14:creationId xmlns:p14="http://schemas.microsoft.com/office/powerpoint/2010/main" val="2964205391"/>
+        <p14:creationId xmlns:p14="http://schemas.microsoft.com/office/powerpoint/2010/main" val="1616679414"/>
       </p:ext>
     </p:extLst>
   </p:cSld>
@@ -5538,120 +5728,41 @@
           <a:p>
             <a:r>
               <a:rPr lang="en-US" dirty="0" smtClean="0"/>
-              <a:t>EAGER</a:t>
+              <a:t>EAGER Architecture</a:t>
             </a:r>
             <a:endParaRPr lang="en-US" dirty="0"/>
           </a:p>
         </p:txBody>
       </p:sp>
-      <p:sp>
-        <p:nvSpPr>
-          <p:cNvPr id="3" name="Content Placeholder 2"/>
-          <p:cNvSpPr>
-            <a:spLocks noGrp="1"/>
-          </p:cNvSpPr>
+      <p:pic>
+        <p:nvPicPr>
+          <p:cNvPr id="4" name="Content Placeholder 3" descr="eager_design_2.png"/>
+          <p:cNvPicPr>
+            <a:picLocks noGrp="1" noChangeAspect="1"/>
+          </p:cNvPicPr>
           <p:nvPr>
             <p:ph idx="1"/>
           </p:nvPr>
-        </p:nvSpPr>
+        </p:nvPicPr>
+        <p:blipFill>
+          <a:blip r:embed="rId2">
+            <a:extLst>
+              <a:ext uri="{28A0092B-C50C-407E-A947-70E740481C1C}">
+                <a14:useLocalDpi xmlns:a14="http://schemas.microsoft.com/office/drawing/2010/main" val="0"/>
+              </a:ext>
+            </a:extLst>
+          </a:blip>
+          <a:srcRect l="-14689" r="-14689"/>
+          <a:stretch>
+            <a:fillRect/>
+          </a:stretch>
+        </p:blipFill>
         <p:spPr/>
-        <p:txBody>
-          <a:bodyPr/>
-          <a:lstStyle/>
-          <a:p>
-            <a:r>
-              <a:rPr lang="en-US" b="1" dirty="0"/>
-              <a:t>E</a:t>
-            </a:r>
-            <a:r>
-              <a:rPr lang="en-US" dirty="0"/>
-              <a:t>nforced </a:t>
-            </a:r>
-            <a:r>
-              <a:rPr lang="en-US" b="1" dirty="0"/>
-              <a:t>A</a:t>
-            </a:r>
-            <a:r>
-              <a:rPr lang="en-US" dirty="0"/>
-              <a:t>PI </a:t>
-            </a:r>
-            <a:r>
-              <a:rPr lang="en-US" b="1" dirty="0"/>
-              <a:t>G</a:t>
-            </a:r>
-            <a:r>
-              <a:rPr lang="en-US" dirty="0"/>
-              <a:t>overnance </a:t>
-            </a:r>
-            <a:r>
-              <a:rPr lang="en-US" b="1" dirty="0"/>
-              <a:t>E</a:t>
-            </a:r>
-            <a:r>
-              <a:rPr lang="en-US" dirty="0"/>
-              <a:t>ngine for </a:t>
-            </a:r>
-            <a:r>
-              <a:rPr lang="en-US" b="1" dirty="0"/>
-              <a:t>R</a:t>
-            </a:r>
-            <a:r>
-              <a:rPr lang="en-US" dirty="0"/>
-              <a:t>EST</a:t>
-            </a:r>
-          </a:p>
-          <a:p>
-            <a:r>
-              <a:rPr lang="en-US" dirty="0"/>
-              <a:t>A model and an architecture for facilitating </a:t>
-            </a:r>
-            <a:r>
-              <a:rPr lang="en-US" dirty="0" smtClean="0"/>
-              <a:t>governance </a:t>
-            </a:r>
-            <a:r>
-              <a:rPr lang="en-US" dirty="0"/>
-              <a:t>as a native feature </a:t>
-            </a:r>
-            <a:r>
-              <a:rPr lang="en-US" dirty="0" smtClean="0"/>
-              <a:t>in </a:t>
-            </a:r>
-            <a:r>
-              <a:rPr lang="en-US" dirty="0" err="1"/>
-              <a:t>PaaS</a:t>
-            </a:r>
-            <a:r>
-              <a:rPr lang="en-US" dirty="0"/>
-              <a:t> clouds</a:t>
-            </a:r>
-          </a:p>
-          <a:p>
-            <a:r>
-              <a:rPr lang="en-US" dirty="0"/>
-              <a:t>Can be easily built into existing cloud platforms</a:t>
-            </a:r>
-          </a:p>
-          <a:p>
-            <a:r>
-              <a:rPr lang="en-US" dirty="0"/>
-              <a:t>Facilitates comprehensive policy enforcement at deployment </a:t>
-            </a:r>
-            <a:r>
-              <a:rPr lang="en-US" dirty="0" smtClean="0"/>
-              <a:t>of web applications</a:t>
-            </a:r>
-            <a:endParaRPr lang="en-US" dirty="0"/>
-          </a:p>
-          <a:p>
-            <a:endParaRPr lang="en-US" dirty="0"/>
-          </a:p>
-        </p:txBody>
-      </p:sp>
+      </p:pic>
     </p:spTree>
     <p:extLst>
       <p:ext uri="{BB962C8B-B14F-4D97-AF65-F5344CB8AC3E}">
-        <p14:creationId xmlns:p14="http://schemas.microsoft.com/office/powerpoint/2010/main" val="1616679414"/>
+        <p14:creationId xmlns:p14="http://schemas.microsoft.com/office/powerpoint/2010/main" val="1258510060"/>
       </p:ext>
     </p:extLst>
   </p:cSld>
@@ -5817,41 +5928,146 @@
           <a:p>
             <a:r>
               <a:rPr lang="en-US" dirty="0" smtClean="0"/>
-              <a:t>EAGER Architecture</a:t>
+              <a:t>Policy Language</a:t>
             </a:r>
             <a:endParaRPr lang="en-US" dirty="0"/>
           </a:p>
         </p:txBody>
       </p:sp>
-      <p:pic>
-        <p:nvPicPr>
-          <p:cNvPr id="4" name="Content Placeholder 3" descr="eager_design_2.png"/>
-          <p:cNvPicPr>
-            <a:picLocks noGrp="1" noChangeAspect="1"/>
-          </p:cNvPicPr>
+      <p:sp>
+        <p:nvSpPr>
+          <p:cNvPr id="3" name="Content Placeholder 2"/>
+          <p:cNvSpPr>
+            <a:spLocks noGrp="1"/>
+          </p:cNvSpPr>
           <p:nvPr>
             <p:ph idx="1"/>
           </p:nvPr>
-        </p:nvPicPr>
-        <p:blipFill>
-          <a:blip r:embed="rId2">
-            <a:extLst>
-              <a:ext uri="{28A0092B-C50C-407E-A947-70E740481C1C}">
-                <a14:useLocalDpi xmlns:a14="http://schemas.microsoft.com/office/drawing/2010/main" val="0"/>
-              </a:ext>
-            </a:extLst>
-          </a:blip>
-          <a:srcRect l="-14689" r="-14689"/>
-          <a:stretch>
-            <a:fillRect/>
-          </a:stretch>
-        </p:blipFill>
+        </p:nvSpPr>
         <p:spPr/>
-      </p:pic>
+        <p:txBody>
+          <a:bodyPr/>
+          <a:lstStyle/>
+          <a:p>
+            <a:r>
+              <a:rPr lang="en-US" dirty="0"/>
+              <a:t>Based on Python</a:t>
+            </a:r>
+          </a:p>
+          <a:p>
+            <a:pPr lvl="1"/>
+            <a:r>
+              <a:rPr lang="en-US" dirty="0"/>
+              <a:t>No file system or network access</a:t>
+            </a:r>
+          </a:p>
+          <a:p>
+            <a:pPr lvl="1"/>
+            <a:r>
+              <a:rPr lang="en-US" dirty="0"/>
+              <a:t>Restricted access to other Python modules</a:t>
+            </a:r>
+          </a:p>
+          <a:p>
+            <a:r>
+              <a:rPr lang="en-US" dirty="0"/>
+              <a:t>Policy conditions are expressed using assertion functions</a:t>
+            </a:r>
+          </a:p>
+          <a:p>
+            <a:pPr lvl="1"/>
+            <a:r>
+              <a:rPr lang="en-US" sz="2000" dirty="0" err="1">
+                <a:latin typeface="Courier"/>
+                <a:cs typeface="Courier"/>
+              </a:rPr>
+              <a:t>assert_true</a:t>
+            </a:r>
+            <a:r>
+              <a:rPr lang="en-US" sz="2000" dirty="0">
+                <a:latin typeface="Courier"/>
+                <a:cs typeface="Courier"/>
+              </a:rPr>
+              <a:t>(…)</a:t>
+            </a:r>
+          </a:p>
+          <a:p>
+            <a:pPr lvl="1"/>
+            <a:r>
+              <a:rPr lang="en-US" sz="2000" dirty="0" err="1">
+                <a:latin typeface="Courier"/>
+                <a:cs typeface="Courier"/>
+              </a:rPr>
+              <a:t>assert_false</a:t>
+            </a:r>
+            <a:r>
+              <a:rPr lang="en-US" sz="2000" dirty="0">
+                <a:latin typeface="Courier"/>
+                <a:cs typeface="Courier"/>
+              </a:rPr>
+              <a:t>(…)</a:t>
+            </a:r>
+          </a:p>
+          <a:p>
+            <a:pPr lvl="1"/>
+            <a:r>
+              <a:rPr lang="en-US" sz="2000" dirty="0" err="1">
+                <a:latin typeface="Courier"/>
+                <a:cs typeface="Courier"/>
+              </a:rPr>
+              <a:t>assert_app_dependency</a:t>
+            </a:r>
+            <a:r>
+              <a:rPr lang="en-US" sz="2000" dirty="0">
+                <a:latin typeface="Courier"/>
+                <a:cs typeface="Courier"/>
+              </a:rPr>
+              <a:t>(…)</a:t>
+            </a:r>
+          </a:p>
+          <a:p>
+            <a:pPr lvl="1"/>
+            <a:r>
+              <a:rPr lang="en-US" sz="2000" dirty="0" err="1">
+                <a:latin typeface="Courier"/>
+                <a:cs typeface="Courier"/>
+              </a:rPr>
+              <a:t>assert_not_app_dependency</a:t>
+            </a:r>
+            <a:r>
+              <a:rPr lang="en-US" sz="2000" dirty="0">
+                <a:latin typeface="Courier"/>
+                <a:cs typeface="Courier"/>
+              </a:rPr>
+              <a:t>(…)</a:t>
+            </a:r>
+          </a:p>
+          <a:p>
+            <a:pPr lvl="1"/>
+            <a:r>
+              <a:rPr lang="en-US" sz="2000" dirty="0" err="1">
+                <a:latin typeface="Courier"/>
+                <a:cs typeface="Courier"/>
+              </a:rPr>
+              <a:t>assert_app_dependency_in_range</a:t>
+            </a:r>
+            <a:r>
+              <a:rPr lang="en-US" sz="2000" dirty="0">
+                <a:latin typeface="Courier"/>
+                <a:cs typeface="Courier"/>
+              </a:rPr>
+              <a:t>(…)</a:t>
+            </a:r>
+          </a:p>
+          <a:p>
+            <a:endParaRPr lang="en-US" dirty="0"/>
+          </a:p>
+        </p:txBody>
+      </p:sp>
     </p:spTree>
     <p:extLst>
       <p:ext uri="{BB962C8B-B14F-4D97-AF65-F5344CB8AC3E}">
-        <p14:creationId xmlns:p14="http://schemas.microsoft.com/office/powerpoint/2010/main" val="1258510060"/>
+        <p14:creationId xmlns:p14="http://schemas.microsoft.com/office/powerpoint/2010/main" val="1897109995"/>
       </p:ext>
     </p:extLst>
   </p:cSld>
@@ -5902,196 +6118,6 @@
           <a:p>
             <a:r>
               <a:rPr lang="en-US" dirty="0" smtClean="0"/>
-              <a:t>Policy Language</a:t>
-            </a:r>
-            <a:endParaRPr lang="en-US" dirty="0"/>
-          </a:p>
-        </p:txBody>
-      </p:sp>
-      <p:sp>
-        <p:nvSpPr>
-          <p:cNvPr id="3" name="Content Placeholder 2"/>
-          <p:cNvSpPr>
-            <a:spLocks noGrp="1"/>
-          </p:cNvSpPr>
-          <p:nvPr>
-            <p:ph idx="1"/>
-          </p:nvPr>
-        </p:nvSpPr>
-        <p:spPr/>
-        <p:txBody>
-          <a:bodyPr/>
-          <a:lstStyle/>
-          <a:p>
-            <a:r>
-              <a:rPr lang="en-US" dirty="0"/>
-              <a:t>Based on Python</a:t>
-            </a:r>
-          </a:p>
-          <a:p>
-            <a:pPr lvl="1"/>
-            <a:r>
-              <a:rPr lang="en-US" dirty="0"/>
-              <a:t>No file system or network access</a:t>
-            </a:r>
-          </a:p>
-          <a:p>
-            <a:pPr lvl="1"/>
-            <a:r>
-              <a:rPr lang="en-US" dirty="0"/>
-              <a:t>Restricted access to other Python modules</a:t>
-            </a:r>
-          </a:p>
-          <a:p>
-            <a:r>
-              <a:rPr lang="en-US" dirty="0"/>
-              <a:t>Policy conditions are expressed using assertion functions</a:t>
-            </a:r>
-          </a:p>
-          <a:p>
-            <a:pPr lvl="1"/>
-            <a:r>
-              <a:rPr lang="en-US" sz="2000" dirty="0" err="1">
-                <a:latin typeface="Courier"/>
-                <a:cs typeface="Courier"/>
-              </a:rPr>
-              <a:t>assert_true</a:t>
-            </a:r>
-            <a:r>
-              <a:rPr lang="en-US" sz="2000" dirty="0">
-                <a:latin typeface="Courier"/>
-                <a:cs typeface="Courier"/>
-              </a:rPr>
-              <a:t>(…)</a:t>
-            </a:r>
-          </a:p>
-          <a:p>
-            <a:pPr lvl="1"/>
-            <a:r>
-              <a:rPr lang="en-US" sz="2000" dirty="0" err="1">
-                <a:latin typeface="Courier"/>
-                <a:cs typeface="Courier"/>
-              </a:rPr>
-              <a:t>assert_false</a:t>
-            </a:r>
-            <a:r>
-              <a:rPr lang="en-US" sz="2000" dirty="0">
-                <a:latin typeface="Courier"/>
-                <a:cs typeface="Courier"/>
-              </a:rPr>
-              <a:t>(…)</a:t>
-            </a:r>
-          </a:p>
-          <a:p>
-            <a:pPr lvl="1"/>
-            <a:r>
-              <a:rPr lang="en-US" sz="2000" dirty="0" err="1">
-                <a:latin typeface="Courier"/>
-                <a:cs typeface="Courier"/>
-              </a:rPr>
-              <a:t>assert_app_dependency</a:t>
-            </a:r>
-            <a:r>
-              <a:rPr lang="en-US" sz="2000" dirty="0">
-                <a:latin typeface="Courier"/>
-                <a:cs typeface="Courier"/>
-              </a:rPr>
-              <a:t>(…)</a:t>
-            </a:r>
-          </a:p>
-          <a:p>
-            <a:pPr lvl="1"/>
-            <a:r>
-              <a:rPr lang="en-US" sz="2000" dirty="0" err="1">
-                <a:latin typeface="Courier"/>
-                <a:cs typeface="Courier"/>
-              </a:rPr>
-              <a:t>assert_not_app_dependency</a:t>
-            </a:r>
-            <a:r>
-              <a:rPr lang="en-US" sz="2000" dirty="0">
-                <a:latin typeface="Courier"/>
-                <a:cs typeface="Courier"/>
-              </a:rPr>
-              <a:t>(…)</a:t>
-            </a:r>
-          </a:p>
-          <a:p>
-            <a:pPr lvl="1"/>
-            <a:r>
-              <a:rPr lang="en-US" sz="2000" dirty="0" err="1">
-                <a:latin typeface="Courier"/>
-                <a:cs typeface="Courier"/>
-              </a:rPr>
-              <a:t>assert_app_dependency_in_range</a:t>
-            </a:r>
-            <a:r>
-              <a:rPr lang="en-US" sz="2000" dirty="0">
-                <a:latin typeface="Courier"/>
-                <a:cs typeface="Courier"/>
-              </a:rPr>
-              <a:t>(…)</a:t>
-            </a:r>
-          </a:p>
-          <a:p>
-            <a:endParaRPr lang="en-US" dirty="0"/>
-          </a:p>
-        </p:txBody>
-      </p:sp>
-    </p:spTree>
-    <p:extLst>
-      <p:ext uri="{BB962C8B-B14F-4D97-AF65-F5344CB8AC3E}">
-        <p14:creationId xmlns:p14="http://schemas.microsoft.com/office/powerpoint/2010/main" val="1897109995"/>
-      </p:ext>
-    </p:extLst>
-  </p:cSld>
-  <p:clrMapOvr>
-    <a:masterClrMapping/>
-  </p:clrMapOvr>
-  <p:timing>
-    <p:tnLst>
-      <p:par>
-        <p:cTn xmlns:p14="http://schemas.microsoft.com/office/powerpoint/2010/main" id="1" dur="indefinite" restart="never" nodeType="tmRoot"/>
-      </p:par>
-    </p:tnLst>
-  </p:timing>
-</p:sld>
-</file>
-
-<file path=ppt/slides/slide22.xml><?xml version="1.0" encoding="utf-8"?>
-<p:sld xmlns:a="http://schemas.openxmlformats.org/drawingml/2006/main" xmlns:r="http://schemas.openxmlformats.org/officeDocument/2006/relationships" xmlns:p="http://schemas.openxmlformats.org/presentationml/2006/main">
-  <p:cSld>
-    <p:spTree>
-      <p:nvGrpSpPr>
-        <p:cNvPr id="1" name=""/>
-        <p:cNvGrpSpPr/>
-        <p:nvPr/>
-      </p:nvGrpSpPr>
-      <p:grpSpPr>
-        <a:xfrm>
-          <a:off x="0" y="0"/>
-          <a:ext cx="0" cy="0"/>
-          <a:chOff x="0" y="0"/>
-          <a:chExt cx="0" cy="0"/>
-        </a:xfrm>
-      </p:grpSpPr>
-      <p:sp>
-        <p:nvSpPr>
-          <p:cNvPr id="2" name="Title 1"/>
-          <p:cNvSpPr>
-            <a:spLocks noGrp="1"/>
-          </p:cNvSpPr>
-          <p:nvPr>
-            <p:ph type="title"/>
-          </p:nvPr>
-        </p:nvSpPr>
-        <p:spPr/>
-        <p:txBody>
-          <a:bodyPr/>
-          <a:lstStyle/>
-          <a:p>
-            <a:r>
-              <a:rPr lang="en-US" dirty="0" smtClean="0"/>
               <a:t>Example Policies</a:t>
             </a:r>
             <a:endParaRPr lang="en-US" dirty="0"/>
@@ -6492,344 +6518,7 @@
 </p:sld>
 </file>
 
-<file path=ppt/slides/slide23.xml><?xml version="1.0" encoding="utf-8"?>
-<p:sld xmlns:a="http://schemas.openxmlformats.org/drawingml/2006/main" xmlns:r="http://schemas.openxmlformats.org/officeDocument/2006/relationships" xmlns:p="http://schemas.openxmlformats.org/presentationml/2006/main">
-  <p:cSld>
-    <p:spTree>
-      <p:nvGrpSpPr>
-        <p:cNvPr id="1" name=""/>
-        <p:cNvGrpSpPr/>
-        <p:nvPr/>
-      </p:nvGrpSpPr>
-      <p:grpSpPr>
-        <a:xfrm>
-          <a:off x="0" y="0"/>
-          <a:ext cx="0" cy="0"/>
-          <a:chOff x="0" y="0"/>
-          <a:chExt cx="0" cy="0"/>
-        </a:xfrm>
-      </p:grpSpPr>
-      <p:sp>
-        <p:nvSpPr>
-          <p:cNvPr id="2" name="Title 1"/>
-          <p:cNvSpPr>
-            <a:spLocks noGrp="1"/>
-          </p:cNvSpPr>
-          <p:nvPr>
-            <p:ph type="title"/>
-          </p:nvPr>
-        </p:nvSpPr>
-        <p:spPr/>
-        <p:txBody>
-          <a:bodyPr/>
-          <a:lstStyle/>
-          <a:p>
-            <a:r>
-              <a:rPr lang="en-US" dirty="0" smtClean="0"/>
-              <a:t>EAGER Prototype</a:t>
-            </a:r>
-            <a:endParaRPr lang="en-US" dirty="0"/>
-          </a:p>
-        </p:txBody>
-      </p:sp>
-      <p:sp>
-        <p:nvSpPr>
-          <p:cNvPr id="3" name="Content Placeholder 2"/>
-          <p:cNvSpPr>
-            <a:spLocks noGrp="1"/>
-          </p:cNvSpPr>
-          <p:nvPr>
-            <p:ph idx="1"/>
-          </p:nvPr>
-        </p:nvSpPr>
-        <p:spPr/>
-        <p:txBody>
-          <a:bodyPr/>
-          <a:lstStyle/>
-          <a:p>
-            <a:r>
-              <a:rPr lang="en-US" dirty="0"/>
-              <a:t>Implemented into </a:t>
-            </a:r>
-            <a:r>
-              <a:rPr lang="en-US" dirty="0" err="1"/>
-              <a:t>AppScale</a:t>
-            </a:r>
-            <a:endParaRPr lang="en-US" dirty="0"/>
-          </a:p>
-          <a:p>
-            <a:pPr lvl="1"/>
-            <a:r>
-              <a:rPr lang="en-US" dirty="0">
-                <a:hlinkClick r:id="rId2"/>
-              </a:rPr>
-              <a:t>http://appscale.com</a:t>
-            </a:r>
-            <a:endParaRPr lang="en-US" dirty="0"/>
-          </a:p>
-          <a:p>
-            <a:r>
-              <a:rPr lang="en-US" dirty="0"/>
-              <a:t>Metadata Manager – MySQL</a:t>
-            </a:r>
-          </a:p>
-          <a:p>
-            <a:r>
-              <a:rPr lang="en-US" dirty="0"/>
-              <a:t>API Gateway and Discovery Portal – WSO2</a:t>
-            </a:r>
-          </a:p>
-          <a:p>
-            <a:r>
-              <a:rPr lang="en-US" dirty="0"/>
-              <a:t>All additional processes integrated into the task management subsystem of </a:t>
-            </a:r>
-            <a:r>
-              <a:rPr lang="en-US" dirty="0" err="1"/>
-              <a:t>AppScale</a:t>
-            </a:r>
-            <a:endParaRPr lang="en-US" dirty="0"/>
-          </a:p>
-          <a:p>
-            <a:r>
-              <a:rPr lang="en-US" dirty="0"/>
-              <a:t>Minimal code changes/additions</a:t>
-            </a:r>
-          </a:p>
-          <a:p>
-            <a:endParaRPr lang="en-US" dirty="0"/>
-          </a:p>
-        </p:txBody>
-      </p:sp>
-      <p:pic>
-        <p:nvPicPr>
-          <p:cNvPr id="4" name="Picture 3" descr="AppScale_Systems_Logo.png"/>
-          <p:cNvPicPr>
-            <a:picLocks noChangeAspect="1"/>
-          </p:cNvPicPr>
-          <p:nvPr/>
-        </p:nvPicPr>
-        <p:blipFill>
-          <a:blip r:embed="rId3">
-            <a:extLst>
-              <a:ext uri="{28A0092B-C50C-407E-A947-70E740481C1C}">
-                <a14:useLocalDpi xmlns:a14="http://schemas.microsoft.com/office/drawing/2010/main" val="0"/>
-              </a:ext>
-            </a:extLst>
-          </a:blip>
-          <a:stretch>
-            <a:fillRect/>
-          </a:stretch>
-        </p:blipFill>
-        <p:spPr>
-          <a:xfrm>
-            <a:off x="8026307" y="5323279"/>
-            <a:ext cx="1117693" cy="1605768"/>
-          </a:xfrm>
-          <a:prstGeom prst="rect">
-            <a:avLst/>
-          </a:prstGeom>
-        </p:spPr>
-      </p:pic>
-    </p:spTree>
-    <p:extLst>
-      <p:ext uri="{BB962C8B-B14F-4D97-AF65-F5344CB8AC3E}">
-        <p14:creationId xmlns:p14="http://schemas.microsoft.com/office/powerpoint/2010/main" val="3193340499"/>
-      </p:ext>
-    </p:extLst>
-  </p:cSld>
-  <p:clrMapOvr>
-    <a:masterClrMapping/>
-  </p:clrMapOvr>
-  <p:timing>
-    <p:tnLst>
-      <p:par>
-        <p:cTn xmlns:p14="http://schemas.microsoft.com/office/powerpoint/2010/main" id="1" dur="indefinite" restart="never" nodeType="tmRoot"/>
-      </p:par>
-    </p:tnLst>
-  </p:timing>
-</p:sld>
-</file>
-
-<file path=ppt/slides/slide24.xml><?xml version="1.0" encoding="utf-8"?>
-<p:sld xmlns:a="http://schemas.openxmlformats.org/drawingml/2006/main" xmlns:r="http://schemas.openxmlformats.org/officeDocument/2006/relationships" xmlns:p="http://schemas.openxmlformats.org/presentationml/2006/main">
-  <p:cSld>
-    <p:spTree>
-      <p:nvGrpSpPr>
-        <p:cNvPr id="1" name=""/>
-        <p:cNvGrpSpPr/>
-        <p:nvPr/>
-      </p:nvGrpSpPr>
-      <p:grpSpPr>
-        <a:xfrm>
-          <a:off x="0" y="0"/>
-          <a:ext cx="0" cy="0"/>
-          <a:chOff x="0" y="0"/>
-          <a:chExt cx="0" cy="0"/>
-        </a:xfrm>
-      </p:grpSpPr>
-      <p:sp>
-        <p:nvSpPr>
-          <p:cNvPr id="2" name="Title 1"/>
-          <p:cNvSpPr>
-            <a:spLocks noGrp="1"/>
-          </p:cNvSpPr>
-          <p:nvPr>
-            <p:ph type="title"/>
-          </p:nvPr>
-        </p:nvSpPr>
-        <p:spPr/>
-        <p:txBody>
-          <a:bodyPr/>
-          <a:lstStyle/>
-          <a:p>
-            <a:r>
-              <a:rPr lang="en-US" dirty="0" smtClean="0"/>
-              <a:t>EAGER Overhead by App</a:t>
-            </a:r>
-            <a:endParaRPr lang="en-US" dirty="0"/>
-          </a:p>
-        </p:txBody>
-      </p:sp>
-      <p:pic>
-        <p:nvPicPr>
-          <p:cNvPr id="4" name="Content Placeholder 3" descr="overhead_by_app.png"/>
-          <p:cNvPicPr>
-            <a:picLocks noGrp="1" noChangeAspect="1"/>
-          </p:cNvPicPr>
-          <p:nvPr>
-            <p:ph idx="1"/>
-          </p:nvPr>
-        </p:nvPicPr>
-        <p:blipFill>
-          <a:blip r:embed="rId2">
-            <a:extLst>
-              <a:ext uri="{28A0092B-C50C-407E-A947-70E740481C1C}">
-                <a14:useLocalDpi xmlns:a14="http://schemas.microsoft.com/office/drawing/2010/main" val="0"/>
-              </a:ext>
-            </a:extLst>
-          </a:blip>
-          <a:srcRect l="-7416" r="-7416"/>
-          <a:stretch>
-            <a:fillRect/>
-          </a:stretch>
-        </p:blipFill>
-        <p:spPr/>
-      </p:pic>
-    </p:spTree>
-    <p:extLst>
-      <p:ext uri="{BB962C8B-B14F-4D97-AF65-F5344CB8AC3E}">
-        <p14:creationId xmlns:p14="http://schemas.microsoft.com/office/powerpoint/2010/main" val="2286169667"/>
-      </p:ext>
-    </p:extLst>
-  </p:cSld>
-  <p:clrMapOvr>
-    <a:masterClrMapping/>
-  </p:clrMapOvr>
-  <p:timing>
-    <p:tnLst>
-      <p:par>
-        <p:cTn xmlns:p14="http://schemas.microsoft.com/office/powerpoint/2010/main" id="1" dur="indefinite" restart="never" nodeType="tmRoot"/>
-      </p:par>
-    </p:tnLst>
-  </p:timing>
-</p:sld>
-</file>
-
-<file path=ppt/slides/slide25.xml><?xml version="1.0" encoding="utf-8"?>
-<p:sld xmlns:a="http://schemas.openxmlformats.org/drawingml/2006/main" xmlns:r="http://schemas.openxmlformats.org/officeDocument/2006/relationships" xmlns:p="http://schemas.openxmlformats.org/presentationml/2006/main">
-  <p:cSld>
-    <p:spTree>
-      <p:nvGrpSpPr>
-        <p:cNvPr id="1" name=""/>
-        <p:cNvGrpSpPr/>
-        <p:nvPr/>
-      </p:nvGrpSpPr>
-      <p:grpSpPr>
-        <a:xfrm>
-          <a:off x="0" y="0"/>
-          <a:ext cx="0" cy="0"/>
-          <a:chOff x="0" y="0"/>
-          <a:chExt cx="0" cy="0"/>
-        </a:xfrm>
-      </p:grpSpPr>
-      <p:sp>
-        <p:nvSpPr>
-          <p:cNvPr id="2" name="Title 1"/>
-          <p:cNvSpPr>
-            <a:spLocks noGrp="1"/>
-          </p:cNvSpPr>
-          <p:nvPr>
-            <p:ph type="title"/>
-          </p:nvPr>
-        </p:nvSpPr>
-        <p:spPr/>
-        <p:txBody>
-          <a:bodyPr/>
-          <a:lstStyle/>
-          <a:p>
-            <a:r>
-              <a:rPr lang="en-US" dirty="0" smtClean="0"/>
-              <a:t>EAGER Overhead </a:t>
-            </a:r>
-            <a:r>
-              <a:rPr lang="en-US" dirty="0" err="1" smtClean="0"/>
-              <a:t>vs</a:t>
-            </a:r>
-            <a:r>
-              <a:rPr lang="en-US" dirty="0" smtClean="0"/>
-              <a:t> Policies</a:t>
-            </a:r>
-            <a:endParaRPr lang="en-US" dirty="0"/>
-          </a:p>
-        </p:txBody>
-      </p:sp>
-      <p:pic>
-        <p:nvPicPr>
-          <p:cNvPr id="4" name="Content Placeholder 5" descr="overhead_by_policies.png"/>
-          <p:cNvPicPr>
-            <a:picLocks noGrp="1" noChangeAspect="1"/>
-          </p:cNvPicPr>
-          <p:nvPr>
-            <p:ph idx="1"/>
-          </p:nvPr>
-        </p:nvPicPr>
-        <p:blipFill>
-          <a:blip r:embed="rId2">
-            <a:extLst>
-              <a:ext uri="{28A0092B-C50C-407E-A947-70E740481C1C}">
-                <a14:useLocalDpi xmlns:a14="http://schemas.microsoft.com/office/drawing/2010/main" val="0"/>
-              </a:ext>
-            </a:extLst>
-          </a:blip>
-          <a:srcRect l="-7502" r="-7502"/>
-          <a:stretch>
-            <a:fillRect/>
-          </a:stretch>
-        </p:blipFill>
-        <p:spPr/>
-      </p:pic>
-    </p:spTree>
-    <p:extLst>
-      <p:ext uri="{BB962C8B-B14F-4D97-AF65-F5344CB8AC3E}">
-        <p14:creationId xmlns:p14="http://schemas.microsoft.com/office/powerpoint/2010/main" val="1844084598"/>
-      </p:ext>
-    </p:extLst>
-  </p:cSld>
-  <p:clrMapOvr>
-    <a:masterClrMapping/>
-  </p:clrMapOvr>
-  <p:timing>
-    <p:tnLst>
-      <p:par>
-        <p:cTn xmlns:p14="http://schemas.microsoft.com/office/powerpoint/2010/main" id="1" dur="indefinite" restart="never" nodeType="tmRoot"/>
-      </p:par>
-    </p:tnLst>
-  </p:timing>
-</p:sld>
-</file>
-
-<file path=ppt/slides/slide26.xml><?xml version="1.0" encoding="utf-8"?>
+<file path=ppt/slides/slide22.xml><?xml version="1.0" encoding="utf-8"?>
 <p:sld xmlns:a="http://schemas.openxmlformats.org/drawingml/2006/main" xmlns:r="http://schemas.openxmlformats.org/officeDocument/2006/relationships" xmlns:p="http://schemas.openxmlformats.org/presentationml/2006/main">
   <p:cSld>
     <p:spTree>
@@ -6924,6 +6613,422 @@
 </p:sld>
 </file>
 
+<file path=ppt/slides/slide23.xml><?xml version="1.0" encoding="utf-8"?>
+<p:sld xmlns:a="http://schemas.openxmlformats.org/drawingml/2006/main" xmlns:r="http://schemas.openxmlformats.org/officeDocument/2006/relationships" xmlns:p="http://schemas.openxmlformats.org/presentationml/2006/main">
+  <p:cSld>
+    <p:spTree>
+      <p:nvGrpSpPr>
+        <p:cNvPr id="1" name=""/>
+        <p:cNvGrpSpPr/>
+        <p:nvPr/>
+      </p:nvGrpSpPr>
+      <p:grpSpPr>
+        <a:xfrm>
+          <a:off x="0" y="0"/>
+          <a:ext cx="0" cy="0"/>
+          <a:chOff x="0" y="0"/>
+          <a:chExt cx="0" cy="0"/>
+        </a:xfrm>
+      </p:grpSpPr>
+      <p:sp>
+        <p:nvSpPr>
+          <p:cNvPr id="2" name="Title 1"/>
+          <p:cNvSpPr>
+            <a:spLocks noGrp="1"/>
+          </p:cNvSpPr>
+          <p:nvPr>
+            <p:ph type="title"/>
+          </p:nvPr>
+        </p:nvSpPr>
+        <p:spPr/>
+        <p:txBody>
+          <a:bodyPr/>
+          <a:lstStyle/>
+          <a:p>
+            <a:r>
+              <a:rPr lang="en-US" dirty="0" smtClean="0"/>
+              <a:t>EAGER Results Summary</a:t>
+            </a:r>
+            <a:endParaRPr lang="en-US" dirty="0"/>
+          </a:p>
+        </p:txBody>
+      </p:sp>
+      <p:sp>
+        <p:nvSpPr>
+          <p:cNvPr id="3" name="Content Placeholder 2"/>
+          <p:cNvSpPr>
+            <a:spLocks noGrp="1"/>
+          </p:cNvSpPr>
+          <p:nvPr>
+            <p:ph idx="1"/>
+          </p:nvPr>
+        </p:nvSpPr>
+        <p:spPr/>
+        <p:txBody>
+          <a:bodyPr/>
+          <a:lstStyle/>
+          <a:p>
+            <a:r>
+              <a:rPr lang="en-US" dirty="0" smtClean="0"/>
+              <a:t>Policy enforcement overhead per application</a:t>
+            </a:r>
+          </a:p>
+          <a:p>
+            <a:pPr lvl="1"/>
+            <a:r>
+              <a:rPr lang="en-US" dirty="0" smtClean="0"/>
+              <a:t>Less than 1s</a:t>
+            </a:r>
+          </a:p>
+          <a:p>
+            <a:r>
+              <a:rPr lang="en-US" dirty="0" smtClean="0"/>
+              <a:t>Increase in policy enforcement overhead</a:t>
+            </a:r>
+          </a:p>
+          <a:p>
+            <a:pPr lvl="1"/>
+            <a:r>
+              <a:rPr lang="en-US" dirty="0" smtClean="0"/>
+              <a:t>Less than 100ms for 1000 policies</a:t>
+            </a:r>
+          </a:p>
+        </p:txBody>
+      </p:sp>
+    </p:spTree>
+    <p:extLst>
+      <p:ext uri="{BB962C8B-B14F-4D97-AF65-F5344CB8AC3E}">
+        <p14:creationId xmlns:p14="http://schemas.microsoft.com/office/powerpoint/2010/main" val="2465693851"/>
+      </p:ext>
+    </p:extLst>
+  </p:cSld>
+  <p:clrMapOvr>
+    <a:masterClrMapping/>
+  </p:clrMapOvr>
+</p:sld>
+</file>
+
+<file path=ppt/slides/slide24.xml><?xml version="1.0" encoding="utf-8"?>
+<p:sld xmlns:a="http://schemas.openxmlformats.org/drawingml/2006/main" xmlns:r="http://schemas.openxmlformats.org/officeDocument/2006/relationships" xmlns:p="http://schemas.openxmlformats.org/presentationml/2006/main">
+  <p:cSld>
+    <p:spTree>
+      <p:nvGrpSpPr>
+        <p:cNvPr id="1" name=""/>
+        <p:cNvGrpSpPr/>
+        <p:nvPr/>
+      </p:nvGrpSpPr>
+      <p:grpSpPr>
+        <a:xfrm>
+          <a:off x="0" y="0"/>
+          <a:ext cx="0" cy="0"/>
+          <a:chOff x="0" y="0"/>
+          <a:chExt cx="0" cy="0"/>
+        </a:xfrm>
+      </p:grpSpPr>
+      <p:sp>
+        <p:nvSpPr>
+          <p:cNvPr id="2" name="Title 1"/>
+          <p:cNvSpPr>
+            <a:spLocks noGrp="1"/>
+          </p:cNvSpPr>
+          <p:nvPr>
+            <p:ph type="title"/>
+          </p:nvPr>
+        </p:nvSpPr>
+        <p:spPr/>
+        <p:txBody>
+          <a:bodyPr>
+            <a:normAutofit fontScale="90000"/>
+          </a:bodyPr>
+          <a:lstStyle/>
+          <a:p>
+            <a:r>
+              <a:rPr lang="en-US" dirty="0" smtClean="0"/>
+              <a:t>Reasoning About Application </a:t>
+            </a:r>
+            <a:r>
+              <a:rPr lang="en-US" dirty="0" smtClean="0"/>
+              <a:t>Performance in the Cloud</a:t>
+            </a:r>
+            <a:endParaRPr lang="en-US" dirty="0"/>
+          </a:p>
+        </p:txBody>
+      </p:sp>
+      <p:sp>
+        <p:nvSpPr>
+          <p:cNvPr id="3" name="Content Placeholder 2"/>
+          <p:cNvSpPr>
+            <a:spLocks noGrp="1"/>
+          </p:cNvSpPr>
+          <p:nvPr>
+            <p:ph idx="1"/>
+          </p:nvPr>
+        </p:nvSpPr>
+        <p:spPr/>
+        <p:txBody>
+          <a:bodyPr>
+            <a:normAutofit/>
+          </a:bodyPr>
+          <a:lstStyle/>
+          <a:p>
+            <a:r>
+              <a:rPr lang="en-US" dirty="0" smtClean="0"/>
+              <a:t>Determine </a:t>
+            </a:r>
+            <a:r>
+              <a:rPr lang="en-US" dirty="0" smtClean="0"/>
+              <a:t>statistical </a:t>
+            </a:r>
+            <a:r>
+              <a:rPr lang="en-US" dirty="0" smtClean="0"/>
+              <a:t>bounds on application response times that are:</a:t>
+            </a:r>
+          </a:p>
+          <a:p>
+            <a:pPr lvl="1"/>
+            <a:r>
+              <a:rPr lang="en-US" dirty="0" smtClean="0"/>
+              <a:t>Correct, tight and durable</a:t>
+            </a:r>
+            <a:endParaRPr lang="en-US" dirty="0" smtClean="0"/>
+          </a:p>
+          <a:p>
+            <a:r>
+              <a:rPr lang="en-US" dirty="0" smtClean="0"/>
+              <a:t>No extensive testing on the applications</a:t>
+            </a:r>
+          </a:p>
+          <a:p>
+            <a:r>
+              <a:rPr lang="en-US" dirty="0" smtClean="0"/>
+              <a:t>Formulate performance SLAs</a:t>
+            </a:r>
+          </a:p>
+          <a:p>
+            <a:r>
+              <a:rPr lang="en-US" dirty="0" smtClean="0"/>
+              <a:t>Enforce performance policies (design-time), and detect deviations (run-time)</a:t>
+            </a:r>
+          </a:p>
+        </p:txBody>
+      </p:sp>
+    </p:spTree>
+    <p:extLst>
+      <p:ext uri="{BB962C8B-B14F-4D97-AF65-F5344CB8AC3E}">
+        <p14:creationId xmlns:p14="http://schemas.microsoft.com/office/powerpoint/2010/main" val="1161752445"/>
+      </p:ext>
+    </p:extLst>
+  </p:cSld>
+  <p:clrMapOvr>
+    <a:masterClrMapping/>
+  </p:clrMapOvr>
+  <p:timing>
+    <p:tnLst>
+      <p:par>
+        <p:cTn xmlns:p14="http://schemas.microsoft.com/office/powerpoint/2010/main" id="1" dur="indefinite" restart="never" nodeType="tmRoot"/>
+      </p:par>
+    </p:tnLst>
+  </p:timing>
+</p:sld>
+</file>
+
+<file path=ppt/slides/slide25.xml><?xml version="1.0" encoding="utf-8"?>
+<p:sld xmlns:a="http://schemas.openxmlformats.org/drawingml/2006/main" xmlns:r="http://schemas.openxmlformats.org/officeDocument/2006/relationships" xmlns:p="http://schemas.openxmlformats.org/presentationml/2006/main">
+  <p:cSld>
+    <p:spTree>
+      <p:nvGrpSpPr>
+        <p:cNvPr id="1" name=""/>
+        <p:cNvGrpSpPr/>
+        <p:nvPr/>
+      </p:nvGrpSpPr>
+      <p:grpSpPr>
+        <a:xfrm>
+          <a:off x="0" y="0"/>
+          <a:ext cx="0" cy="0"/>
+          <a:chOff x="0" y="0"/>
+          <a:chExt cx="0" cy="0"/>
+        </a:xfrm>
+      </p:grpSpPr>
+      <p:sp>
+        <p:nvSpPr>
+          <p:cNvPr id="2" name="Title 1"/>
+          <p:cNvSpPr>
+            <a:spLocks noGrp="1"/>
+          </p:cNvSpPr>
+          <p:nvPr>
+            <p:ph type="title"/>
+          </p:nvPr>
+        </p:nvSpPr>
+        <p:spPr/>
+        <p:txBody>
+          <a:bodyPr/>
+          <a:lstStyle/>
+          <a:p>
+            <a:r>
+              <a:rPr lang="en-US" dirty="0" err="1" smtClean="0"/>
+              <a:t>Cerebro</a:t>
+            </a:r>
+            <a:endParaRPr lang="en-US" dirty="0"/>
+          </a:p>
+        </p:txBody>
+      </p:sp>
+      <p:sp>
+        <p:nvSpPr>
+          <p:cNvPr id="3" name="Content Placeholder 2"/>
+          <p:cNvSpPr>
+            <a:spLocks noGrp="1"/>
+          </p:cNvSpPr>
+          <p:nvPr>
+            <p:ph idx="1"/>
+          </p:nvPr>
+        </p:nvSpPr>
+        <p:spPr/>
+        <p:txBody>
+          <a:bodyPr/>
+          <a:lstStyle/>
+          <a:p>
+            <a:r>
+              <a:rPr lang="en-US" dirty="0" smtClean="0"/>
+              <a:t>Predicts the response time of web APIs developed for </a:t>
+            </a:r>
+            <a:r>
+              <a:rPr lang="en-US" dirty="0" err="1" smtClean="0"/>
+              <a:t>PaaS</a:t>
+            </a:r>
+            <a:endParaRPr lang="en-US" dirty="0"/>
+          </a:p>
+          <a:p>
+            <a:r>
+              <a:rPr lang="en-US" dirty="0" smtClean="0"/>
+              <a:t>Fully automatic</a:t>
+            </a:r>
+          </a:p>
+          <a:p>
+            <a:r>
+              <a:rPr lang="en-US" dirty="0" smtClean="0"/>
+              <a:t>Uses a combination of static analysis and continuous system monitoring</a:t>
+            </a:r>
+          </a:p>
+          <a:p>
+            <a:r>
+              <a:rPr lang="en-US" dirty="0" smtClean="0"/>
+              <a:t>Provides a statistical framework for forming and invalidating performance SLAs</a:t>
+            </a:r>
+          </a:p>
+          <a:p>
+            <a:endParaRPr lang="en-US" dirty="0"/>
+          </a:p>
+        </p:txBody>
+      </p:sp>
+    </p:spTree>
+    <p:extLst>
+      <p:ext uri="{BB962C8B-B14F-4D97-AF65-F5344CB8AC3E}">
+        <p14:creationId xmlns:p14="http://schemas.microsoft.com/office/powerpoint/2010/main" val="1934169705"/>
+      </p:ext>
+    </p:extLst>
+  </p:cSld>
+  <p:clrMapOvr>
+    <a:masterClrMapping/>
+  </p:clrMapOvr>
+  <p:timing>
+    <p:tnLst>
+      <p:par>
+        <p:cTn xmlns:p14="http://schemas.microsoft.com/office/powerpoint/2010/main" id="1" dur="indefinite" restart="never" nodeType="tmRoot"/>
+      </p:par>
+    </p:tnLst>
+  </p:timing>
+</p:sld>
+</file>
+
+<file path=ppt/slides/slide26.xml><?xml version="1.0" encoding="utf-8"?>
+<p:sld xmlns:a="http://schemas.openxmlformats.org/drawingml/2006/main" xmlns:r="http://schemas.openxmlformats.org/officeDocument/2006/relationships" xmlns:p="http://schemas.openxmlformats.org/presentationml/2006/main">
+  <p:cSld>
+    <p:spTree>
+      <p:nvGrpSpPr>
+        <p:cNvPr id="1" name=""/>
+        <p:cNvGrpSpPr/>
+        <p:nvPr/>
+      </p:nvGrpSpPr>
+      <p:grpSpPr>
+        <a:xfrm>
+          <a:off x="0" y="0"/>
+          <a:ext cx="0" cy="0"/>
+          <a:chOff x="0" y="0"/>
+          <a:chExt cx="0" cy="0"/>
+        </a:xfrm>
+      </p:grpSpPr>
+      <p:sp>
+        <p:nvSpPr>
+          <p:cNvPr id="2" name="Title 1"/>
+          <p:cNvSpPr>
+            <a:spLocks noGrp="1"/>
+          </p:cNvSpPr>
+          <p:nvPr>
+            <p:ph type="title"/>
+          </p:nvPr>
+        </p:nvSpPr>
+        <p:spPr/>
+        <p:txBody>
+          <a:bodyPr/>
+          <a:lstStyle/>
+          <a:p>
+            <a:r>
+              <a:rPr lang="en-US" dirty="0" err="1" smtClean="0"/>
+              <a:t>Cerebro</a:t>
+            </a:r>
+            <a:r>
+              <a:rPr lang="en-US" dirty="0" smtClean="0"/>
+              <a:t> Architecture</a:t>
+            </a:r>
+            <a:endParaRPr lang="en-US" dirty="0"/>
+          </a:p>
+        </p:txBody>
+      </p:sp>
+      <p:pic>
+        <p:nvPicPr>
+          <p:cNvPr id="4" name="Content Placeholder 6" descr="cerebro_arch.png"/>
+          <p:cNvPicPr>
+            <a:picLocks noGrp="1" noChangeAspect="1"/>
+          </p:cNvPicPr>
+          <p:nvPr>
+            <p:ph idx="1"/>
+          </p:nvPr>
+        </p:nvPicPr>
+        <p:blipFill>
+          <a:blip r:embed="rId2">
+            <a:extLst>
+              <a:ext uri="{28A0092B-C50C-407E-A947-70E740481C1C}">
+                <a14:useLocalDpi xmlns:a14="http://schemas.microsoft.com/office/drawing/2010/main" val="0"/>
+              </a:ext>
+            </a:extLst>
+          </a:blip>
+          <a:srcRect l="-15284" r="-15284"/>
+          <a:stretch>
+            <a:fillRect/>
+          </a:stretch>
+        </p:blipFill>
+        <p:spPr/>
+      </p:pic>
+    </p:spTree>
+    <p:extLst>
+      <p:ext uri="{BB962C8B-B14F-4D97-AF65-F5344CB8AC3E}">
+        <p14:creationId xmlns:p14="http://schemas.microsoft.com/office/powerpoint/2010/main" val="1471479383"/>
+      </p:ext>
+    </p:extLst>
+  </p:cSld>
+  <p:clrMapOvr>
+    <a:masterClrMapping/>
+  </p:clrMapOvr>
+  <p:timing>
+    <p:tnLst>
+      <p:par>
+        <p:cTn xmlns:p14="http://schemas.microsoft.com/office/powerpoint/2010/main" id="1" dur="indefinite" restart="never" nodeType="tmRoot"/>
+      </p:par>
+    </p:tnLst>
+  </p:timing>
+</p:sld>
+</file>
+
 <file path=ppt/slides/slide27.xml><?xml version="1.0" encoding="utf-8"?>
 <p:sld xmlns:a="http://schemas.openxmlformats.org/drawingml/2006/main" xmlns:r="http://schemas.openxmlformats.org/officeDocument/2006/relationships" xmlns:p="http://schemas.openxmlformats.org/presentationml/2006/main">
   <p:cSld>
@@ -6953,80 +7058,211 @@
         </p:nvSpPr>
         <p:spPr/>
         <p:txBody>
+          <a:bodyPr>
+            <a:normAutofit fontScale="90000"/>
+          </a:bodyPr>
+          <a:lstStyle/>
+          <a:p>
+            <a:r>
+              <a:rPr lang="en-US" dirty="0" smtClean="0"/>
+              <a:t>QBETS: Queue Bounds Estimation from Time Series</a:t>
+            </a:r>
+            <a:endParaRPr lang="en-US" dirty="0"/>
+          </a:p>
+        </p:txBody>
+      </p:sp>
+      <p:sp>
+        <p:nvSpPr>
+          <p:cNvPr id="3" name="Content Placeholder 2"/>
+          <p:cNvSpPr>
+            <a:spLocks noGrp="1"/>
+          </p:cNvSpPr>
+          <p:nvPr>
+            <p:ph idx="1"/>
+          </p:nvPr>
+        </p:nvSpPr>
+        <p:spPr/>
+        <p:txBody>
+          <a:bodyPr>
+            <a:normAutofit/>
+          </a:bodyPr>
+          <a:lstStyle/>
+          <a:p>
+            <a:r>
+              <a:rPr lang="en-US" dirty="0" smtClean="0"/>
+              <a:t>Analyzes the first </a:t>
+            </a:r>
+            <a:r>
+              <a:rPr lang="en-US" i="1" dirty="0" smtClean="0"/>
+              <a:t>n</a:t>
+            </a:r>
+            <a:r>
+              <a:rPr lang="en-US" dirty="0" smtClean="0"/>
+              <a:t> entries in a time series</a:t>
+            </a:r>
+          </a:p>
+          <a:p>
+            <a:r>
+              <a:rPr lang="en-US" dirty="0" smtClean="0"/>
+              <a:t>Predicts an upper bound for the </a:t>
+            </a:r>
+            <a:r>
+              <a:rPr lang="en-US" i="1" dirty="0" smtClean="0"/>
+              <a:t>(n+1)</a:t>
+            </a:r>
+            <a:r>
+              <a:rPr lang="en-US" baseline="30000" dirty="0" err="1" smtClean="0"/>
+              <a:t>th</a:t>
+            </a:r>
+            <a:r>
+              <a:rPr lang="en-US" dirty="0" smtClean="0"/>
+              <a:t> entry</a:t>
+            </a:r>
+          </a:p>
+          <a:p>
+            <a:pPr lvl="1"/>
+            <a:r>
+              <a:rPr lang="en-US" i="1" dirty="0" smtClean="0"/>
+              <a:t>QBETS([x</a:t>
+            </a:r>
+            <a:r>
+              <a:rPr lang="en-US" i="1" baseline="-25000" dirty="0" smtClean="0"/>
+              <a:t>1</a:t>
+            </a:r>
+            <a:r>
+              <a:rPr lang="en-US" i="1" dirty="0" smtClean="0"/>
+              <a:t>,x</a:t>
+            </a:r>
+            <a:r>
+              <a:rPr lang="en-US" i="1" baseline="-25000" dirty="0" smtClean="0"/>
+              <a:t>2</a:t>
+            </a:r>
+            <a:r>
+              <a:rPr lang="en-US" i="1" dirty="0" smtClean="0"/>
+              <a:t>,…</a:t>
+            </a:r>
+            <a:r>
+              <a:rPr lang="en-US" i="1" dirty="0" err="1" smtClean="0"/>
+              <a:t>x</a:t>
+            </a:r>
+            <a:r>
+              <a:rPr lang="en-US" i="1" baseline="-25000" dirty="0" err="1" smtClean="0"/>
+              <a:t>n</a:t>
+            </a:r>
+            <a:r>
+              <a:rPr lang="en-US" i="1" dirty="0" smtClean="0"/>
+              <a:t>], p) = Q</a:t>
+            </a:r>
+            <a:r>
+              <a:rPr lang="en-US" dirty="0" smtClean="0"/>
+              <a:t> where </a:t>
+            </a:r>
+            <a:r>
+              <a:rPr lang="en-US" i="1" dirty="0" smtClean="0"/>
+              <a:t>p </a:t>
+            </a:r>
+            <a:r>
+              <a:rPr lang="en-US" i="1" dirty="0" smtClean="0">
+                <a:sym typeface="Symbol"/>
+              </a:rPr>
+              <a:t> </a:t>
+            </a:r>
+            <a:r>
+              <a:rPr lang="en-US" i="1" dirty="0" smtClean="0"/>
+              <a:t>(0,1)</a:t>
+            </a:r>
+          </a:p>
+          <a:p>
+            <a:pPr lvl="1"/>
+            <a:r>
+              <a:rPr lang="en-US" i="1" dirty="0" smtClean="0"/>
+              <a:t>P(x</a:t>
+            </a:r>
+            <a:r>
+              <a:rPr lang="en-US" i="1" baseline="-25000" dirty="0" smtClean="0"/>
+              <a:t>n+1</a:t>
+            </a:r>
+            <a:r>
+              <a:rPr lang="en-US" i="1" dirty="0" smtClean="0"/>
+              <a:t> ≤ Q) ≥ p</a:t>
+            </a:r>
+          </a:p>
+          <a:p>
+            <a:r>
+              <a:rPr lang="en-US" dirty="0" smtClean="0"/>
+              <a:t>Cerebro uses QBETS to predict response time SLAs of the form:</a:t>
+            </a:r>
+          </a:p>
+          <a:p>
+            <a:pPr lvl="1"/>
+            <a:r>
+              <a:rPr lang="en-US" dirty="0" smtClean="0"/>
+              <a:t>Operation </a:t>
+            </a:r>
+            <a:r>
+              <a:rPr lang="en-US" i="1" dirty="0" smtClean="0"/>
+              <a:t>O</a:t>
+            </a:r>
+            <a:r>
+              <a:rPr lang="en-US" dirty="0" smtClean="0"/>
+              <a:t> responds </a:t>
+            </a:r>
+            <a:r>
+              <a:rPr lang="en-US" i="1" dirty="0" smtClean="0"/>
+              <a:t>under</a:t>
+            </a:r>
+            <a:r>
+              <a:rPr lang="en-US" dirty="0" smtClean="0"/>
+              <a:t> </a:t>
+            </a:r>
+            <a:r>
+              <a:rPr lang="en-US" i="1" dirty="0" smtClean="0"/>
+              <a:t>T</a:t>
+            </a:r>
+            <a:r>
+              <a:rPr lang="en-US" dirty="0" smtClean="0"/>
+              <a:t> milliseconds (100</a:t>
+            </a:r>
+            <a:r>
+              <a:rPr lang="en-US" i="1" dirty="0" smtClean="0"/>
+              <a:t>p)%</a:t>
+            </a:r>
+            <a:r>
+              <a:rPr lang="en-US" dirty="0" smtClean="0"/>
+              <a:t> of the time</a:t>
+            </a:r>
+            <a:endParaRPr lang="en-US" dirty="0"/>
+          </a:p>
+        </p:txBody>
+      </p:sp>
+      <p:sp>
+        <p:nvSpPr>
+          <p:cNvPr id="4" name="Slide Number Placeholder 3"/>
+          <p:cNvSpPr>
+            <a:spLocks noGrp="1"/>
+          </p:cNvSpPr>
+          <p:nvPr>
+            <p:ph type="sldNum" sz="quarter" idx="12"/>
+          </p:nvPr>
+        </p:nvSpPr>
+        <p:spPr/>
+        <p:txBody>
           <a:bodyPr/>
           <a:lstStyle/>
           <a:p>
-            <a:r>
-              <a:rPr lang="en-US" dirty="0" err="1" smtClean="0"/>
-              <a:t>ProgrammableWeb</a:t>
-            </a:r>
-            <a:r>
-              <a:rPr lang="en-US" dirty="0" smtClean="0"/>
-              <a:t> Dataset</a:t>
-            </a:r>
-            <a:endParaRPr lang="en-US" dirty="0"/>
-          </a:p>
-        </p:txBody>
-      </p:sp>
-      <p:pic>
-        <p:nvPicPr>
-          <p:cNvPr id="4" name="Content Placeholder 3" descr="pweb_sample_overhead.png"/>
-          <p:cNvPicPr>
-            <a:picLocks noGrp="1" noChangeAspect="1"/>
-          </p:cNvPicPr>
-          <p:nvPr>
-            <p:ph idx="1"/>
-          </p:nvPr>
-        </p:nvPicPr>
-        <p:blipFill>
-          <a:blip r:embed="rId2">
-            <a:extLst>
-              <a:ext uri="{28A0092B-C50C-407E-A947-70E740481C1C}">
-                <a14:useLocalDpi xmlns:a14="http://schemas.microsoft.com/office/drawing/2010/main" val="0"/>
-              </a:ext>
-            </a:extLst>
-          </a:blip>
-          <a:srcRect l="-7502" r="-7502"/>
-          <a:stretch>
-            <a:fillRect/>
-          </a:stretch>
-        </p:blipFill>
-        <p:spPr/>
-      </p:pic>
-      <p:sp>
-        <p:nvSpPr>
-          <p:cNvPr id="5" name="TextBox 4"/>
-          <p:cNvSpPr txBox="1"/>
-          <p:nvPr/>
-        </p:nvSpPr>
-        <p:spPr>
-          <a:xfrm>
-            <a:off x="457200" y="6466022"/>
-            <a:ext cx="8229600" cy="369332"/>
-          </a:xfrm>
-          <a:prstGeom prst="rect">
-            <a:avLst/>
-          </a:prstGeom>
-          <a:noFill/>
-        </p:spPr>
-        <p:txBody>
-          <a:bodyPr wrap="square" rtlCol="0">
-            <a:spAutoFit/>
-          </a:bodyPr>
-          <a:lstStyle/>
-          <a:p>
-            <a:r>
-              <a:rPr lang="en-US" dirty="0" smtClean="0"/>
-              <a:t>0 policies; 18322 APIs in DB; 33615 dependency edges </a:t>
-            </a:r>
-            <a:endParaRPr lang="en-US" dirty="0"/>
+            <a:fld id="{3336F440-0623-F948-B0BF-C3A0BAE2BBD0}" type="slidenum">
+              <a:rPr lang="en-US" smtClean="0"/>
+              <a:pPr/>
+              <a:t>27</a:t>
+            </a:fld>
+            <a:endParaRPr lang="en-US"/>
           </a:p>
         </p:txBody>
       </p:sp>
     </p:spTree>
     <p:extLst>
       <p:ext uri="{BB962C8B-B14F-4D97-AF65-F5344CB8AC3E}">
-        <p14:creationId xmlns:p14="http://schemas.microsoft.com/office/powerpoint/2010/main" val="1600157165"/>
+        <p14:creationId xmlns:p14="http://schemas.microsoft.com/office/powerpoint/2010/main" val="605574221"/>
       </p:ext>
     </p:extLst>
   </p:cSld>
@@ -7072,14 +7308,12 @@
         </p:nvSpPr>
         <p:spPr/>
         <p:txBody>
-          <a:bodyPr>
-            <a:normAutofit fontScale="90000"/>
-          </a:bodyPr>
-          <a:lstStyle/>
-          <a:p>
-            <a:r>
-              <a:rPr lang="en-US" dirty="0" smtClean="0"/>
-              <a:t>Reasoning About Application Performance</a:t>
+          <a:bodyPr/>
+          <a:lstStyle/>
+          <a:p>
+            <a:r>
+              <a:rPr lang="en-US" dirty="0" smtClean="0"/>
+              <a:t>SLA Durability: An Example</a:t>
             </a:r>
             <a:endParaRPr lang="en-US" dirty="0"/>
           </a:p>
@@ -7104,54 +7338,73 @@
           <a:p>
             <a:r>
               <a:rPr lang="en-US" dirty="0" smtClean="0"/>
-              <a:t>Determine upper bounds on application response times that are:</a:t>
+              <a:t>Suppose Cerebro predicts that some API responds under 100ms, 95% of the time.</a:t>
             </a:r>
           </a:p>
           <a:p>
             <a:pPr lvl="1"/>
             <a:r>
               <a:rPr lang="en-US" dirty="0" smtClean="0"/>
-              <a:t>Correct (with specific statistical guarantees)</a:t>
+              <a:t>Probability of API response time exceeding 100ms is (1 – 0.01 * 95) = 0.05</a:t>
             </a:r>
           </a:p>
           <a:p>
             <a:pPr lvl="1"/>
             <a:r>
               <a:rPr lang="en-US" dirty="0" smtClean="0"/>
-              <a:t>Tight</a:t>
+              <a:t>Probability of observing 3 consecutive such readings is 0.05</a:t>
+            </a:r>
+            <a:r>
+              <a:rPr lang="en-US" baseline="30000" dirty="0" smtClean="0"/>
+              <a:t>3 </a:t>
+            </a:r>
+            <a:r>
+              <a:rPr lang="en-US" dirty="0" smtClean="0"/>
+              <a:t>= 0.000125</a:t>
+            </a:r>
+          </a:p>
+          <a:p>
+            <a:r>
+              <a:rPr lang="en-US" dirty="0" smtClean="0"/>
+              <a:t>This value 3 is conservative with regard to autocorrelation</a:t>
             </a:r>
           </a:p>
           <a:p>
             <a:pPr lvl="1"/>
             <a:r>
               <a:rPr lang="en-US" dirty="0" smtClean="0"/>
-              <a:t>Durable</a:t>
-            </a:r>
-          </a:p>
-          <a:p>
-            <a:r>
-              <a:rPr lang="en-US" dirty="0" smtClean="0"/>
-              <a:t>No extensive testing on the applications</a:t>
-            </a:r>
-          </a:p>
-          <a:p>
-            <a:r>
-              <a:rPr lang="en-US" dirty="0" smtClean="0"/>
-              <a:t>Formulate performance SLAs</a:t>
-            </a:r>
-          </a:p>
-          <a:p>
-            <a:r>
-              <a:rPr lang="en-US" dirty="0" smtClean="0"/>
-              <a:t>Enforce performance policies (design-time), and detect deviations (run-time)</a:t>
-            </a:r>
+              <a:t>E.g. To get the same small value 0.000125 with 0.5 autocorrelation, we need to observe 5 events</a:t>
+            </a:r>
+          </a:p>
+        </p:txBody>
+      </p:sp>
+      <p:sp>
+        <p:nvSpPr>
+          <p:cNvPr id="4" name="Slide Number Placeholder 3"/>
+          <p:cNvSpPr>
+            <a:spLocks noGrp="1"/>
+          </p:cNvSpPr>
+          <p:nvPr>
+            <p:ph type="sldNum" sz="quarter" idx="12"/>
+          </p:nvPr>
+        </p:nvSpPr>
+        <p:spPr/>
+        <p:txBody>
+          <a:bodyPr/>
+          <a:lstStyle/>
+          <a:p>
+            <a:fld id="{4940F666-E5FA-274D-B0C1-53A0010BDC84}" type="slidenum">
+              <a:rPr lang="en-US" smtClean="0"/>
+              <a:t>28</a:t>
+            </a:fld>
+            <a:endParaRPr lang="en-US"/>
           </a:p>
         </p:txBody>
       </p:sp>
     </p:spTree>
     <p:extLst>
       <p:ext uri="{BB962C8B-B14F-4D97-AF65-F5344CB8AC3E}">
-        <p14:creationId xmlns:p14="http://schemas.microsoft.com/office/powerpoint/2010/main" val="1161752445"/>
+        <p14:creationId xmlns:p14="http://schemas.microsoft.com/office/powerpoint/2010/main" val="2582674383"/>
       </p:ext>
     </p:extLst>
   </p:cSld>
@@ -7201,8 +7454,8 @@
           <a:lstStyle/>
           <a:p>
             <a:r>
-              <a:rPr lang="en-US" dirty="0" err="1" smtClean="0"/>
-              <a:t>Cerebro</a:t>
+              <a:rPr lang="en-US" dirty="0" smtClean="0"/>
+              <a:t>Detecting SLA Invalidation</a:t>
             </a:r>
             <a:endParaRPr lang="en-US" dirty="0"/>
           </a:p>
@@ -7220,46 +7473,84 @@
         </p:nvSpPr>
         <p:spPr/>
         <p:txBody>
+          <a:bodyPr>
+            <a:normAutofit lnSpcReduction="10000"/>
+          </a:bodyPr>
+          <a:lstStyle/>
+          <a:p>
+            <a:r>
+              <a:rPr lang="en-US" dirty="0" smtClean="0"/>
+              <a:t>Each time Cerebro makes a prediction, it computes the current autocorrelation in the time series</a:t>
+            </a:r>
+          </a:p>
+          <a:p>
+            <a:r>
+              <a:rPr lang="en-US" dirty="0" smtClean="0"/>
+              <a:t>Autocorrelation can be used to lookup a table, and determine </a:t>
+            </a:r>
+            <a:r>
+              <a:rPr lang="en-US" i="1" dirty="0" err="1" smtClean="0"/>
+              <a:t>C</a:t>
+            </a:r>
+            <a:r>
+              <a:rPr lang="en-US" i="1" baseline="-25000" dirty="0" err="1" smtClean="0"/>
+              <a:t>w</a:t>
+            </a:r>
+            <a:r>
+              <a:rPr lang="en-US" dirty="0"/>
+              <a:t>;</a:t>
+            </a:r>
+            <a:r>
+              <a:rPr lang="en-US" dirty="0" smtClean="0"/>
+              <a:t> the number of consecutive readings greater than </a:t>
+            </a:r>
+            <a:r>
+              <a:rPr lang="en-US" i="1" dirty="0" smtClean="0"/>
+              <a:t>Q</a:t>
+            </a:r>
+            <a:r>
+              <a:rPr lang="en-US" dirty="0" smtClean="0"/>
+              <a:t>, that constitute a rare event</a:t>
+            </a:r>
+          </a:p>
+          <a:p>
+            <a:r>
+              <a:rPr lang="en-US" dirty="0" smtClean="0"/>
+              <a:t>We consider the SLA to have become invalid if this rare event occurs</a:t>
+            </a:r>
+          </a:p>
+          <a:p>
+            <a:endParaRPr lang="en-US" dirty="0"/>
+          </a:p>
+        </p:txBody>
+      </p:sp>
+      <p:sp>
+        <p:nvSpPr>
+          <p:cNvPr id="4" name="Slide Number Placeholder 3"/>
+          <p:cNvSpPr>
+            <a:spLocks noGrp="1"/>
+          </p:cNvSpPr>
+          <p:nvPr>
+            <p:ph type="sldNum" sz="quarter" idx="12"/>
+          </p:nvPr>
+        </p:nvSpPr>
+        <p:spPr/>
+        <p:txBody>
           <a:bodyPr/>
           <a:lstStyle/>
           <a:p>
-            <a:r>
-              <a:rPr lang="en-US" dirty="0" smtClean="0"/>
-              <a:t>Predicts the response time of web APIs developed for </a:t>
-            </a:r>
-            <a:r>
-              <a:rPr lang="en-US" dirty="0" err="1" smtClean="0"/>
-              <a:t>PaaS</a:t>
-            </a:r>
-            <a:endParaRPr lang="en-US" dirty="0"/>
-          </a:p>
-          <a:p>
-            <a:r>
-              <a:rPr lang="en-US" dirty="0" smtClean="0"/>
-              <a:t>Fully automatic</a:t>
-            </a:r>
-          </a:p>
-          <a:p>
-            <a:r>
-              <a:rPr lang="en-US" dirty="0" smtClean="0"/>
-              <a:t>Uses a combination of static analysis and continuous system monitoring</a:t>
-            </a:r>
-          </a:p>
-          <a:p>
-            <a:r>
-              <a:rPr lang="en-US" dirty="0" smtClean="0"/>
-              <a:t>Provides a statistical framework for forming and invalidating performance SLAs</a:t>
-            </a:r>
-          </a:p>
-          <a:p>
-            <a:endParaRPr lang="en-US" dirty="0"/>
+            <a:fld id="{4940F666-E5FA-274D-B0C1-53A0010BDC84}" type="slidenum">
+              <a:rPr lang="en-US" smtClean="0"/>
+              <a:t>29</a:t>
+            </a:fld>
+            <a:endParaRPr lang="en-US"/>
           </a:p>
         </p:txBody>
       </p:sp>
     </p:spTree>
     <p:extLst>
       <p:ext uri="{BB962C8B-B14F-4D97-AF65-F5344CB8AC3E}">
-        <p14:creationId xmlns:p14="http://schemas.microsoft.com/office/powerpoint/2010/main" val="1934169705"/>
+        <p14:creationId xmlns:p14="http://schemas.microsoft.com/office/powerpoint/2010/main" val="2880975851"/>
       </p:ext>
     </p:extLst>
   </p:cSld>
@@ -7405,347 +7696,12 @@
           <a:lstStyle/>
           <a:p>
             <a:r>
-              <a:rPr lang="en-US" dirty="0" err="1" smtClean="0"/>
-              <a:t>Cerebro</a:t>
-            </a:r>
-            <a:r>
-              <a:rPr lang="en-US" dirty="0" smtClean="0"/>
-              <a:t> Architecture</a:t>
-            </a:r>
-            <a:endParaRPr lang="en-US" dirty="0"/>
-          </a:p>
-        </p:txBody>
-      </p:sp>
-      <p:pic>
-        <p:nvPicPr>
-          <p:cNvPr id="4" name="Content Placeholder 6" descr="cerebro_arch.png"/>
-          <p:cNvPicPr>
-            <a:picLocks noGrp="1" noChangeAspect="1"/>
-          </p:cNvPicPr>
-          <p:nvPr>
-            <p:ph idx="1"/>
-          </p:nvPr>
-        </p:nvPicPr>
-        <p:blipFill>
-          <a:blip r:embed="rId2">
-            <a:extLst>
-              <a:ext uri="{28A0092B-C50C-407E-A947-70E740481C1C}">
-                <a14:useLocalDpi xmlns:a14="http://schemas.microsoft.com/office/drawing/2010/main" val="0"/>
-              </a:ext>
-            </a:extLst>
-          </a:blip>
-          <a:srcRect l="-15284" r="-15284"/>
-          <a:stretch>
-            <a:fillRect/>
-          </a:stretch>
-        </p:blipFill>
-        <p:spPr/>
-      </p:pic>
-    </p:spTree>
-    <p:extLst>
-      <p:ext uri="{BB962C8B-B14F-4D97-AF65-F5344CB8AC3E}">
-        <p14:creationId xmlns:p14="http://schemas.microsoft.com/office/powerpoint/2010/main" val="1471479383"/>
-      </p:ext>
-    </p:extLst>
-  </p:cSld>
-  <p:clrMapOvr>
-    <a:masterClrMapping/>
-  </p:clrMapOvr>
-  <p:timing>
-    <p:tnLst>
-      <p:par>
-        <p:cTn xmlns:p14="http://schemas.microsoft.com/office/powerpoint/2010/main" id="1" dur="indefinite" restart="never" nodeType="tmRoot"/>
-      </p:par>
-    </p:tnLst>
-  </p:timing>
-</p:sld>
-</file>
-
-<file path=ppt/slides/slide31.xml><?xml version="1.0" encoding="utf-8"?>
-<p:sld xmlns:a="http://schemas.openxmlformats.org/drawingml/2006/main" xmlns:r="http://schemas.openxmlformats.org/officeDocument/2006/relationships" xmlns:p="http://schemas.openxmlformats.org/presentationml/2006/main">
-  <p:cSld>
-    <p:spTree>
-      <p:nvGrpSpPr>
-        <p:cNvPr id="1" name=""/>
-        <p:cNvGrpSpPr/>
-        <p:nvPr/>
-      </p:nvGrpSpPr>
-      <p:grpSpPr>
-        <a:xfrm>
-          <a:off x="0" y="0"/>
-          <a:ext cx="0" cy="0"/>
-          <a:chOff x="0" y="0"/>
-          <a:chExt cx="0" cy="0"/>
-        </a:xfrm>
-      </p:grpSpPr>
-      <p:sp>
-        <p:nvSpPr>
-          <p:cNvPr id="2" name="Title 1"/>
-          <p:cNvSpPr>
-            <a:spLocks noGrp="1"/>
-          </p:cNvSpPr>
-          <p:nvPr>
-            <p:ph type="title"/>
-          </p:nvPr>
-        </p:nvSpPr>
-        <p:spPr/>
-        <p:txBody>
-          <a:bodyPr>
-            <a:normAutofit fontScale="90000"/>
-          </a:bodyPr>
-          <a:lstStyle/>
-          <a:p>
-            <a:r>
-              <a:rPr lang="en-US" dirty="0" smtClean="0"/>
-              <a:t>QBETS: Queue Bounds Estimation from Time Series</a:t>
-            </a:r>
-            <a:endParaRPr lang="en-US" dirty="0"/>
-          </a:p>
-        </p:txBody>
-      </p:sp>
-      <p:sp>
-        <p:nvSpPr>
-          <p:cNvPr id="3" name="Content Placeholder 2"/>
-          <p:cNvSpPr>
-            <a:spLocks noGrp="1"/>
-          </p:cNvSpPr>
-          <p:nvPr>
-            <p:ph idx="1"/>
-          </p:nvPr>
-        </p:nvSpPr>
-        <p:spPr/>
-        <p:txBody>
-          <a:bodyPr>
-            <a:normAutofit/>
-          </a:bodyPr>
-          <a:lstStyle/>
-          <a:p>
-            <a:r>
-              <a:rPr lang="en-US" dirty="0" smtClean="0"/>
-              <a:t>Analyzes the first </a:t>
-            </a:r>
-            <a:r>
-              <a:rPr lang="en-US" i="1" dirty="0" smtClean="0"/>
-              <a:t>n</a:t>
-            </a:r>
-            <a:r>
-              <a:rPr lang="en-US" dirty="0" smtClean="0"/>
-              <a:t> entries in a time series</a:t>
-            </a:r>
-          </a:p>
-          <a:p>
-            <a:r>
-              <a:rPr lang="en-US" dirty="0" smtClean="0"/>
-              <a:t>Predicts an upper bound for the </a:t>
-            </a:r>
-            <a:r>
-              <a:rPr lang="en-US" i="1" dirty="0" smtClean="0"/>
-              <a:t>(n+1)</a:t>
-            </a:r>
-            <a:r>
-              <a:rPr lang="en-US" baseline="30000" dirty="0" err="1" smtClean="0"/>
-              <a:t>th</a:t>
-            </a:r>
-            <a:r>
-              <a:rPr lang="en-US" dirty="0" smtClean="0"/>
-              <a:t> entry</a:t>
-            </a:r>
-          </a:p>
-          <a:p>
-            <a:pPr lvl="1"/>
-            <a:r>
-              <a:rPr lang="en-US" i="1" dirty="0" smtClean="0"/>
-              <a:t>QBETS([x</a:t>
-            </a:r>
-            <a:r>
-              <a:rPr lang="en-US" i="1" baseline="-25000" dirty="0" smtClean="0"/>
-              <a:t>1</a:t>
-            </a:r>
-            <a:r>
-              <a:rPr lang="en-US" i="1" dirty="0" smtClean="0"/>
-              <a:t>,x</a:t>
-            </a:r>
-            <a:r>
-              <a:rPr lang="en-US" i="1" baseline="-25000" dirty="0" smtClean="0"/>
-              <a:t>2</a:t>
-            </a:r>
-            <a:r>
-              <a:rPr lang="en-US" i="1" dirty="0" smtClean="0"/>
-              <a:t>,…</a:t>
-            </a:r>
-            <a:r>
-              <a:rPr lang="en-US" i="1" dirty="0" err="1" smtClean="0"/>
-              <a:t>x</a:t>
-            </a:r>
-            <a:r>
-              <a:rPr lang="en-US" i="1" baseline="-25000" dirty="0" err="1" smtClean="0"/>
-              <a:t>n</a:t>
-            </a:r>
-            <a:r>
-              <a:rPr lang="en-US" i="1" dirty="0" smtClean="0"/>
-              <a:t>], p) = Q</a:t>
-            </a:r>
-            <a:r>
-              <a:rPr lang="en-US" dirty="0" smtClean="0"/>
-              <a:t> where </a:t>
-            </a:r>
-            <a:r>
-              <a:rPr lang="en-US" i="1" dirty="0" smtClean="0"/>
-              <a:t>p </a:t>
-            </a:r>
-            <a:r>
-              <a:rPr lang="en-US" i="1" dirty="0" smtClean="0">
-                <a:sym typeface="Symbol"/>
-              </a:rPr>
-              <a:t> </a:t>
-            </a:r>
-            <a:r>
-              <a:rPr lang="en-US" i="1" dirty="0" smtClean="0"/>
-              <a:t>(0,1)</a:t>
-            </a:r>
-          </a:p>
-          <a:p>
-            <a:pPr lvl="1"/>
-            <a:r>
-              <a:rPr lang="en-US" i="1" dirty="0" smtClean="0"/>
-              <a:t>P(x</a:t>
-            </a:r>
-            <a:r>
-              <a:rPr lang="en-US" i="1" baseline="-25000" dirty="0" smtClean="0"/>
-              <a:t>n+1</a:t>
-            </a:r>
-            <a:r>
-              <a:rPr lang="en-US" i="1" dirty="0" smtClean="0"/>
-              <a:t> ≤ Q) ≥ p</a:t>
-            </a:r>
-          </a:p>
-          <a:p>
-            <a:r>
-              <a:rPr lang="en-US" dirty="0" smtClean="0"/>
-              <a:t>Cerebro uses QBETS to predict response time SLAs of the form:</a:t>
-            </a:r>
-          </a:p>
-          <a:p>
-            <a:pPr lvl="1"/>
-            <a:r>
-              <a:rPr lang="en-US" dirty="0" smtClean="0"/>
-              <a:t>Operation </a:t>
-            </a:r>
-            <a:r>
-              <a:rPr lang="en-US" i="1" dirty="0" smtClean="0"/>
-              <a:t>O</a:t>
-            </a:r>
-            <a:r>
-              <a:rPr lang="en-US" dirty="0" smtClean="0"/>
-              <a:t> responds </a:t>
-            </a:r>
-            <a:r>
-              <a:rPr lang="en-US" i="1" dirty="0" smtClean="0"/>
-              <a:t>under</a:t>
-            </a:r>
-            <a:r>
-              <a:rPr lang="en-US" dirty="0" smtClean="0"/>
-              <a:t> </a:t>
-            </a:r>
-            <a:r>
-              <a:rPr lang="en-US" i="1" dirty="0" smtClean="0"/>
-              <a:t>T</a:t>
-            </a:r>
-            <a:r>
-              <a:rPr lang="en-US" dirty="0" smtClean="0"/>
-              <a:t> milliseconds (100</a:t>
-            </a:r>
-            <a:r>
-              <a:rPr lang="en-US" i="1" dirty="0" smtClean="0"/>
-              <a:t>p)%</a:t>
-            </a:r>
-            <a:r>
-              <a:rPr lang="en-US" dirty="0" smtClean="0"/>
-              <a:t> of the time</a:t>
-            </a:r>
-            <a:endParaRPr lang="en-US" dirty="0"/>
-          </a:p>
-        </p:txBody>
-      </p:sp>
-      <p:sp>
-        <p:nvSpPr>
-          <p:cNvPr id="4" name="Slide Number Placeholder 3"/>
-          <p:cNvSpPr>
-            <a:spLocks noGrp="1"/>
-          </p:cNvSpPr>
-          <p:nvPr>
-            <p:ph type="sldNum" sz="quarter" idx="12"/>
-          </p:nvPr>
-        </p:nvSpPr>
-        <p:spPr/>
-        <p:txBody>
-          <a:bodyPr/>
-          <a:lstStyle/>
-          <a:p>
-            <a:fld id="{3336F440-0623-F948-B0BF-C3A0BAE2BBD0}" type="slidenum">
-              <a:rPr lang="en-US" smtClean="0"/>
-              <a:pPr/>
-              <a:t>31</a:t>
-            </a:fld>
-            <a:endParaRPr lang="en-US"/>
-          </a:p>
-        </p:txBody>
-      </p:sp>
-    </p:spTree>
-    <p:extLst>
-      <p:ext uri="{BB962C8B-B14F-4D97-AF65-F5344CB8AC3E}">
-        <p14:creationId xmlns:p14="http://schemas.microsoft.com/office/powerpoint/2010/main" val="605574221"/>
-      </p:ext>
-    </p:extLst>
-  </p:cSld>
-  <p:clrMapOvr>
-    <a:masterClrMapping/>
-  </p:clrMapOvr>
-  <p:timing>
-    <p:tnLst>
-      <p:par>
-        <p:cTn xmlns:p14="http://schemas.microsoft.com/office/powerpoint/2010/main" id="1" dur="indefinite" restart="never" nodeType="tmRoot"/>
-      </p:par>
-    </p:tnLst>
-  </p:timing>
-</p:sld>
-</file>
-
-<file path=ppt/slides/slide32.xml><?xml version="1.0" encoding="utf-8"?>
-<p:sld xmlns:a="http://schemas.openxmlformats.org/drawingml/2006/main" xmlns:r="http://schemas.openxmlformats.org/officeDocument/2006/relationships" xmlns:p="http://schemas.openxmlformats.org/presentationml/2006/main">
-  <p:cSld>
-    <p:spTree>
-      <p:nvGrpSpPr>
-        <p:cNvPr id="1" name=""/>
-        <p:cNvGrpSpPr/>
-        <p:nvPr/>
-      </p:nvGrpSpPr>
-      <p:grpSpPr>
-        <a:xfrm>
-          <a:off x="0" y="0"/>
-          <a:ext cx="0" cy="0"/>
-          <a:chOff x="0" y="0"/>
-          <a:chExt cx="0" cy="0"/>
-        </a:xfrm>
-      </p:grpSpPr>
-      <p:sp>
-        <p:nvSpPr>
-          <p:cNvPr id="2" name="Title 1"/>
-          <p:cNvSpPr>
-            <a:spLocks noGrp="1"/>
-          </p:cNvSpPr>
-          <p:nvPr>
-            <p:ph type="title"/>
-          </p:nvPr>
-        </p:nvSpPr>
-        <p:spPr/>
-        <p:txBody>
-          <a:bodyPr/>
-          <a:lstStyle/>
-          <a:p>
-            <a:r>
-              <a:rPr lang="en-US" dirty="0" smtClean="0"/>
-              <a:t>Evaluation: Prediction Correctness</a:t>
+              <a:rPr lang="en-US" dirty="0" smtClean="0"/>
+              <a:t>Prediction </a:t>
+            </a:r>
+            <a:r>
+              <a:rPr lang="en-US" dirty="0" smtClean="0"/>
+              <a:t>Correctness</a:t>
             </a:r>
             <a:endParaRPr lang="en-US" dirty="0"/>
           </a:p>
@@ -7799,7 +7755,7 @@
             <a:fld id="{3336F440-0623-F948-B0BF-C3A0BAE2BBD0}" type="slidenum">
               <a:rPr lang="en-US" smtClean="0"/>
               <a:pPr/>
-              <a:t>32</a:t>
+              <a:t>30</a:t>
             </a:fld>
             <a:endParaRPr lang="en-US"/>
           </a:p>
@@ -7910,6 +7866,237 @@
 </p:sld>
 </file>
 
+<file path=ppt/slides/slide31.xml><?xml version="1.0" encoding="utf-8"?>
+<p:sld xmlns:a="http://schemas.openxmlformats.org/drawingml/2006/main" xmlns:r="http://schemas.openxmlformats.org/officeDocument/2006/relationships" xmlns:p="http://schemas.openxmlformats.org/presentationml/2006/main">
+  <p:cSld>
+    <p:spTree>
+      <p:nvGrpSpPr>
+        <p:cNvPr id="1" name=""/>
+        <p:cNvGrpSpPr/>
+        <p:nvPr/>
+      </p:nvGrpSpPr>
+      <p:grpSpPr>
+        <a:xfrm>
+          <a:off x="0" y="0"/>
+          <a:ext cx="0" cy="0"/>
+          <a:chOff x="0" y="0"/>
+          <a:chExt cx="0" cy="0"/>
+        </a:xfrm>
+      </p:grpSpPr>
+      <p:sp>
+        <p:nvSpPr>
+          <p:cNvPr id="2" name="Title 1"/>
+          <p:cNvSpPr>
+            <a:spLocks noGrp="1"/>
+          </p:cNvSpPr>
+          <p:nvPr>
+            <p:ph type="title"/>
+          </p:nvPr>
+        </p:nvSpPr>
+        <p:spPr/>
+        <p:txBody>
+          <a:bodyPr/>
+          <a:lstStyle/>
+          <a:p>
+            <a:r>
+              <a:rPr lang="en-US" dirty="0" err="1" smtClean="0"/>
+              <a:t>Cerebro</a:t>
+            </a:r>
+            <a:r>
+              <a:rPr lang="en-US" dirty="0" smtClean="0"/>
+              <a:t> Results Summary</a:t>
+            </a:r>
+            <a:endParaRPr lang="en-US" dirty="0"/>
+          </a:p>
+        </p:txBody>
+      </p:sp>
+      <p:sp>
+        <p:nvSpPr>
+          <p:cNvPr id="3" name="Content Placeholder 2"/>
+          <p:cNvSpPr>
+            <a:spLocks noGrp="1"/>
+          </p:cNvSpPr>
+          <p:nvPr>
+            <p:ph idx="1"/>
+          </p:nvPr>
+        </p:nvSpPr>
+        <p:spPr/>
+        <p:txBody>
+          <a:bodyPr/>
+          <a:lstStyle/>
+          <a:p>
+            <a:r>
+              <a:rPr lang="en-US" dirty="0" smtClean="0"/>
+              <a:t>Prediction tightness</a:t>
+            </a:r>
+          </a:p>
+          <a:p>
+            <a:pPr lvl="1"/>
+            <a:r>
+              <a:rPr lang="en-US" dirty="0" smtClean="0"/>
+              <a:t>Predictions off by less than 65ms for 14/20 cases</a:t>
+            </a:r>
+          </a:p>
+          <a:p>
+            <a:pPr lvl="1"/>
+            <a:r>
+              <a:rPr lang="en-US" dirty="0" smtClean="0"/>
+              <a:t>Trades of tightness for correctness when the SDK call performance is subject to high variation</a:t>
+            </a:r>
+          </a:p>
+          <a:p>
+            <a:r>
+              <a:rPr lang="en-US" dirty="0" smtClean="0"/>
+              <a:t>Durability</a:t>
+            </a:r>
+          </a:p>
+          <a:p>
+            <a:pPr lvl="1"/>
+            <a:r>
+              <a:rPr lang="en-US" dirty="0" smtClean="0"/>
+              <a:t>Minimum mean validity period: 12 days</a:t>
+            </a:r>
+          </a:p>
+          <a:p>
+            <a:pPr lvl="1"/>
+            <a:r>
+              <a:rPr lang="en-US" dirty="0" smtClean="0"/>
+              <a:t>Highest number of SLA renewals in 3 months: 6 </a:t>
+            </a:r>
+            <a:endParaRPr lang="en-US" dirty="0"/>
+          </a:p>
+        </p:txBody>
+      </p:sp>
+    </p:spTree>
+    <p:extLst>
+      <p:ext uri="{BB962C8B-B14F-4D97-AF65-F5344CB8AC3E}">
+        <p14:creationId xmlns:p14="http://schemas.microsoft.com/office/powerpoint/2010/main" val="2300239877"/>
+      </p:ext>
+    </p:extLst>
+  </p:cSld>
+  <p:clrMapOvr>
+    <a:masterClrMapping/>
+  </p:clrMapOvr>
+</p:sld>
+</file>
+
+<file path=ppt/slides/slide32.xml><?xml version="1.0" encoding="utf-8"?>
+<p:sld xmlns:a="http://schemas.openxmlformats.org/drawingml/2006/main" xmlns:r="http://schemas.openxmlformats.org/officeDocument/2006/relationships" xmlns:p="http://schemas.openxmlformats.org/presentationml/2006/main">
+  <p:cSld>
+    <p:spTree>
+      <p:nvGrpSpPr>
+        <p:cNvPr id="1" name=""/>
+        <p:cNvGrpSpPr/>
+        <p:nvPr/>
+      </p:nvGrpSpPr>
+      <p:grpSpPr>
+        <a:xfrm>
+          <a:off x="0" y="0"/>
+          <a:ext cx="0" cy="0"/>
+          <a:chOff x="0" y="0"/>
+          <a:chExt cx="0" cy="0"/>
+        </a:xfrm>
+      </p:grpSpPr>
+      <p:sp>
+        <p:nvSpPr>
+          <p:cNvPr id="2" name="Title 1"/>
+          <p:cNvSpPr>
+            <a:spLocks noGrp="1"/>
+          </p:cNvSpPr>
+          <p:nvPr>
+            <p:ph type="title"/>
+          </p:nvPr>
+        </p:nvSpPr>
+        <p:spPr/>
+        <p:txBody>
+          <a:bodyPr>
+            <a:normAutofit fontScale="90000"/>
+          </a:bodyPr>
+          <a:lstStyle/>
+          <a:p>
+            <a:r>
+              <a:rPr lang="en-US" dirty="0" smtClean="0"/>
+              <a:t>Performance Anomaly Detection and Bottleneck Identification</a:t>
+            </a:r>
+            <a:endParaRPr lang="en-US" dirty="0"/>
+          </a:p>
+        </p:txBody>
+      </p:sp>
+      <p:sp>
+        <p:nvSpPr>
+          <p:cNvPr id="3" name="Content Placeholder 2"/>
+          <p:cNvSpPr>
+            <a:spLocks noGrp="1"/>
+          </p:cNvSpPr>
+          <p:nvPr>
+            <p:ph idx="1"/>
+          </p:nvPr>
+        </p:nvSpPr>
+        <p:spPr/>
+        <p:txBody>
+          <a:bodyPr/>
+          <a:lstStyle/>
+          <a:p>
+            <a:r>
+              <a:rPr lang="en-US" dirty="0" smtClean="0"/>
+              <a:t>Detect changes in observable performance metrics</a:t>
+            </a:r>
+          </a:p>
+          <a:p>
+            <a:pPr lvl="1"/>
+            <a:r>
+              <a:rPr lang="en-US" dirty="0" smtClean="0"/>
+              <a:t>Increased response time</a:t>
+            </a:r>
+          </a:p>
+          <a:p>
+            <a:r>
+              <a:rPr lang="en-US" dirty="0" smtClean="0"/>
+              <a:t>Check if the application performance is explained by the workload</a:t>
+            </a:r>
+          </a:p>
+          <a:p>
+            <a:r>
+              <a:rPr lang="en-US" dirty="0" smtClean="0"/>
+              <a:t>Identify bottlenecks in the cloud platform</a:t>
+            </a:r>
+          </a:p>
+          <a:p>
+            <a:r>
+              <a:rPr lang="en-US" dirty="0" smtClean="0"/>
+              <a:t>No invasive application instrumentation</a:t>
+            </a:r>
+          </a:p>
+          <a:p>
+            <a:pPr lvl="1"/>
+            <a:r>
+              <a:rPr lang="en-US" dirty="0" smtClean="0"/>
+              <a:t>No additional restrictions on application code</a:t>
+            </a:r>
+            <a:endParaRPr lang="en-US" dirty="0"/>
+          </a:p>
+        </p:txBody>
+      </p:sp>
+    </p:spTree>
+    <p:extLst>
+      <p:ext uri="{BB962C8B-B14F-4D97-AF65-F5344CB8AC3E}">
+        <p14:creationId xmlns:p14="http://schemas.microsoft.com/office/powerpoint/2010/main" val="442042417"/>
+      </p:ext>
+    </p:extLst>
+  </p:cSld>
+  <p:clrMapOvr>
+    <a:masterClrMapping/>
+  </p:clrMapOvr>
+  <p:timing>
+    <p:tnLst>
+      <p:par>
+        <p:cTn xmlns:p14="http://schemas.microsoft.com/office/powerpoint/2010/main" id="1" dur="indefinite" restart="never" nodeType="tmRoot"/>
+      </p:par>
+    </p:tnLst>
+  </p:timing>
+</p:sld>
+</file>
+
 <file path=ppt/slides/slide33.xml><?xml version="1.0" encoding="utf-8"?>
 <p:sld xmlns:a="http://schemas.openxmlformats.org/drawingml/2006/main" xmlns:r="http://schemas.openxmlformats.org/officeDocument/2006/relationships" xmlns:p="http://schemas.openxmlformats.org/presentationml/2006/main">
   <p:cSld>
@@ -7944,70 +8131,93 @@
           <a:p>
             <a:r>
               <a:rPr lang="en-US" dirty="0" smtClean="0"/>
-              <a:t>Evaluation: Prediction Tightness </a:t>
+              <a:t>Roots</a:t>
             </a:r>
             <a:endParaRPr lang="en-US" dirty="0"/>
           </a:p>
         </p:txBody>
       </p:sp>
-      <p:pic>
-        <p:nvPicPr>
-          <p:cNvPr id="4" name="Content Placeholder 3" descr="diff_summary.png"/>
-          <p:cNvPicPr>
-            <a:picLocks noGrp="1" noChangeAspect="1"/>
-          </p:cNvPicPr>
+      <p:sp>
+        <p:nvSpPr>
+          <p:cNvPr id="3" name="Content Placeholder 2"/>
+          <p:cNvSpPr>
+            <a:spLocks noGrp="1"/>
+          </p:cNvSpPr>
           <p:nvPr>
             <p:ph idx="1"/>
           </p:nvPr>
-        </p:nvPicPr>
-        <p:blipFill>
-          <a:blip r:embed="rId2">
-            <a:extLst>
-              <a:ext uri="{28A0092B-C50C-407E-A947-70E740481C1C}">
-                <a14:useLocalDpi xmlns:a14="http://schemas.microsoft.com/office/drawing/2010/main" val="0"/>
-              </a:ext>
-            </a:extLst>
-          </a:blip>
-          <a:srcRect l="-10678" r="-10678"/>
-          <a:stretch>
-            <a:fillRect/>
-          </a:stretch>
-        </p:blipFill>
-        <p:spPr>
-          <a:xfrm>
-            <a:off x="-406425" y="1283494"/>
-            <a:ext cx="9771727" cy="5374073"/>
-          </a:xfrm>
-        </p:spPr>
-      </p:pic>
-      <p:sp>
-        <p:nvSpPr>
-          <p:cNvPr id="3" name="Slide Number Placeholder 2"/>
-          <p:cNvSpPr>
-            <a:spLocks noGrp="1"/>
-          </p:cNvSpPr>
-          <p:nvPr>
-            <p:ph type="sldNum" sz="quarter" idx="12"/>
-          </p:nvPr>
         </p:nvSpPr>
         <p:spPr/>
         <p:txBody>
-          <a:bodyPr/>
-          <a:lstStyle/>
-          <a:p>
-            <a:fld id="{3336F440-0623-F948-B0BF-C3A0BAE2BBD0}" type="slidenum">
-              <a:rPr lang="en-US" smtClean="0"/>
-              <a:pPr/>
-              <a:t>33</a:t>
-            </a:fld>
-            <a:endParaRPr lang="en-US"/>
+          <a:bodyPr>
+            <a:normAutofit/>
+          </a:bodyPr>
+          <a:lstStyle/>
+          <a:p>
+            <a:r>
+              <a:rPr lang="en-US" dirty="0" smtClean="0"/>
+              <a:t>Data collection</a:t>
+            </a:r>
+          </a:p>
+          <a:p>
+            <a:pPr lvl="1"/>
+            <a:r>
+              <a:rPr lang="en-US" dirty="0" smtClean="0"/>
+              <a:t>Probes/SLO checks</a:t>
+            </a:r>
+          </a:p>
+          <a:p>
+            <a:pPr lvl="1"/>
+            <a:r>
+              <a:rPr lang="en-US" dirty="0" smtClean="0"/>
+              <a:t>Web server access logs</a:t>
+            </a:r>
+          </a:p>
+          <a:p>
+            <a:pPr lvl="1"/>
+            <a:r>
+              <a:rPr lang="en-US" dirty="0" err="1" smtClean="0"/>
+              <a:t>PaaS</a:t>
+            </a:r>
+            <a:r>
+              <a:rPr lang="en-US" dirty="0" smtClean="0"/>
+              <a:t> SDK invocations</a:t>
+            </a:r>
+          </a:p>
+          <a:p>
+            <a:r>
+              <a:rPr lang="en-US" dirty="0" smtClean="0"/>
+              <a:t>Data analysis</a:t>
+            </a:r>
+          </a:p>
+          <a:p>
+            <a:pPr lvl="1"/>
+            <a:r>
+              <a:rPr lang="en-US" dirty="0" smtClean="0"/>
+              <a:t>Multiple approaches for anomaly detection</a:t>
+            </a:r>
+          </a:p>
+          <a:p>
+            <a:pPr lvl="1"/>
+            <a:r>
+              <a:rPr lang="en-US" dirty="0" smtClean="0"/>
+              <a:t>Change point detection in workload traces</a:t>
+            </a:r>
+          </a:p>
+          <a:p>
+            <a:pPr lvl="1"/>
+            <a:r>
+              <a:rPr lang="en-US" dirty="0" smtClean="0"/>
+              <a:t>Linear regression and relative importance analysis</a:t>
+            </a:r>
+            <a:endParaRPr lang="en-US" dirty="0"/>
           </a:p>
         </p:txBody>
       </p:sp>
     </p:spTree>
     <p:extLst>
       <p:ext uri="{BB962C8B-B14F-4D97-AF65-F5344CB8AC3E}">
-        <p14:creationId xmlns:p14="http://schemas.microsoft.com/office/powerpoint/2010/main" val="419381492"/>
+        <p14:creationId xmlns:p14="http://schemas.microsoft.com/office/powerpoint/2010/main" val="347400144"/>
       </p:ext>
     </p:extLst>
   </p:cSld>
@@ -8058,7 +8268,7 @@
           <a:p>
             <a:r>
               <a:rPr lang="en-US" dirty="0" smtClean="0"/>
-              <a:t>SLA Durability: An Example</a:t>
+              <a:t>Roots Architecture</a:t>
             </a:r>
             <a:endParaRPr lang="en-US" dirty="0"/>
           </a:p>
@@ -8066,90 +8276,549 @@
       </p:sp>
       <p:sp>
         <p:nvSpPr>
-          <p:cNvPr id="3" name="Content Placeholder 2"/>
-          <p:cNvSpPr>
-            <a:spLocks noGrp="1"/>
-          </p:cNvSpPr>
-          <p:nvPr>
-            <p:ph idx="1"/>
-          </p:nvPr>
-        </p:nvSpPr>
-        <p:spPr/>
-        <p:txBody>
-          <a:bodyPr>
-            <a:normAutofit lnSpcReduction="10000"/>
-          </a:bodyPr>
-          <a:lstStyle/>
-          <a:p>
-            <a:r>
-              <a:rPr lang="en-US" dirty="0" smtClean="0"/>
-              <a:t>Suppose Cerebro predicts that some API responds under 100ms, 95% of the time.</a:t>
-            </a:r>
-          </a:p>
-          <a:p>
-            <a:pPr lvl="1"/>
-            <a:r>
-              <a:rPr lang="en-US" dirty="0" smtClean="0"/>
-              <a:t>Probability of API response time exceeding 100ms is (1 – 0.01 * 95) = 0.05</a:t>
-            </a:r>
-          </a:p>
-          <a:p>
-            <a:pPr lvl="1"/>
-            <a:r>
-              <a:rPr lang="en-US" dirty="0" smtClean="0"/>
-              <a:t>Probability of observing 3 consecutive such readings is 0.05</a:t>
-            </a:r>
-            <a:r>
-              <a:rPr lang="en-US" baseline="30000" dirty="0" smtClean="0"/>
-              <a:t>3 </a:t>
-            </a:r>
-            <a:r>
-              <a:rPr lang="en-US" dirty="0" smtClean="0"/>
-              <a:t>= 0.000125</a:t>
-            </a:r>
-          </a:p>
-          <a:p>
-            <a:r>
-              <a:rPr lang="en-US" dirty="0" smtClean="0"/>
-              <a:t>This value 3 is conservative with regard to autocorrelation</a:t>
-            </a:r>
-          </a:p>
-          <a:p>
-            <a:pPr lvl="1"/>
-            <a:r>
-              <a:rPr lang="en-US" dirty="0" smtClean="0"/>
-              <a:t>E.g. To get the same small value 0.000125 with 0.5 autocorrelation, we need to observe 5 events</a:t>
-            </a:r>
-          </a:p>
-        </p:txBody>
-      </p:sp>
-      <p:sp>
-        <p:nvSpPr>
-          <p:cNvPr id="4" name="Slide Number Placeholder 3"/>
-          <p:cNvSpPr>
-            <a:spLocks noGrp="1"/>
-          </p:cNvSpPr>
-          <p:nvPr>
-            <p:ph type="sldNum" sz="quarter" idx="12"/>
-          </p:nvPr>
-        </p:nvSpPr>
-        <p:spPr/>
-        <p:txBody>
-          <a:bodyPr/>
-          <a:lstStyle/>
-          <a:p>
-            <a:fld id="{4940F666-E5FA-274D-B0C1-53A0010BDC84}" type="slidenum">
-              <a:rPr lang="en-US" smtClean="0"/>
-              <a:t>34</a:t>
-            </a:fld>
-            <a:endParaRPr lang="en-US"/>
+          <p:cNvPr id="4" name="Rectangle 3"/>
+          <p:cNvSpPr/>
+          <p:nvPr/>
+        </p:nvSpPr>
+        <p:spPr>
+          <a:xfrm>
+            <a:off x="3077832" y="5454025"/>
+            <a:ext cx="2988337" cy="1145594"/>
+          </a:xfrm>
+          <a:prstGeom prst="rect">
+            <a:avLst/>
+          </a:prstGeom>
+        </p:spPr>
+        <p:style>
+          <a:lnRef idx="1">
+            <a:schemeClr val="accent1"/>
+          </a:lnRef>
+          <a:fillRef idx="3">
+            <a:schemeClr val="accent1"/>
+          </a:fillRef>
+          <a:effectRef idx="2">
+            <a:schemeClr val="accent1"/>
+          </a:effectRef>
+          <a:fontRef idx="minor">
+            <a:schemeClr val="lt1"/>
+          </a:fontRef>
+        </p:style>
+        <p:txBody>
+          <a:bodyPr rtlCol="0" anchor="ctr"/>
+          <a:lstStyle/>
+          <a:p>
+            <a:pPr algn="ctr"/>
+            <a:r>
+              <a:rPr lang="en-US" dirty="0" err="1" smtClean="0"/>
+              <a:t>PaaS</a:t>
+            </a:r>
+            <a:r>
+              <a:rPr lang="en-US" dirty="0" smtClean="0"/>
+              <a:t> SDK</a:t>
+            </a:r>
+            <a:endParaRPr lang="en-US" dirty="0"/>
+          </a:p>
+        </p:txBody>
+      </p:sp>
+      <p:sp>
+        <p:nvSpPr>
+          <p:cNvPr id="5" name="Rectangle 4"/>
+          <p:cNvSpPr/>
+          <p:nvPr/>
+        </p:nvSpPr>
+        <p:spPr>
+          <a:xfrm>
+            <a:off x="3077832" y="3550339"/>
+            <a:ext cx="2988337" cy="1145594"/>
+          </a:xfrm>
+          <a:prstGeom prst="rect">
+            <a:avLst/>
+          </a:prstGeom>
+        </p:spPr>
+        <p:style>
+          <a:lnRef idx="1">
+            <a:schemeClr val="accent1"/>
+          </a:lnRef>
+          <a:fillRef idx="3">
+            <a:schemeClr val="accent1"/>
+          </a:fillRef>
+          <a:effectRef idx="2">
+            <a:schemeClr val="accent1"/>
+          </a:effectRef>
+          <a:fontRef idx="minor">
+            <a:schemeClr val="lt1"/>
+          </a:fontRef>
+        </p:style>
+        <p:txBody>
+          <a:bodyPr rtlCol="0" anchor="ctr"/>
+          <a:lstStyle/>
+          <a:p>
+            <a:pPr algn="ctr"/>
+            <a:r>
+              <a:rPr lang="en-US" dirty="0" smtClean="0"/>
+              <a:t>App Server</a:t>
+            </a:r>
+            <a:endParaRPr lang="en-US" dirty="0"/>
+          </a:p>
+        </p:txBody>
+      </p:sp>
+      <p:sp>
+        <p:nvSpPr>
+          <p:cNvPr id="6" name="Rectangle 5"/>
+          <p:cNvSpPr/>
+          <p:nvPr/>
+        </p:nvSpPr>
+        <p:spPr>
+          <a:xfrm>
+            <a:off x="3077832" y="1646654"/>
+            <a:ext cx="2988337" cy="1145594"/>
+          </a:xfrm>
+          <a:prstGeom prst="rect">
+            <a:avLst/>
+          </a:prstGeom>
+        </p:spPr>
+        <p:style>
+          <a:lnRef idx="1">
+            <a:schemeClr val="accent1"/>
+          </a:lnRef>
+          <a:fillRef idx="3">
+            <a:schemeClr val="accent1"/>
+          </a:fillRef>
+          <a:effectRef idx="2">
+            <a:schemeClr val="accent1"/>
+          </a:effectRef>
+          <a:fontRef idx="minor">
+            <a:schemeClr val="lt1"/>
+          </a:fontRef>
+        </p:style>
+        <p:txBody>
+          <a:bodyPr rtlCol="0" anchor="ctr"/>
+          <a:lstStyle/>
+          <a:p>
+            <a:pPr algn="ctr"/>
+            <a:r>
+              <a:rPr lang="en-US" dirty="0" err="1" smtClean="0"/>
+              <a:t>Loadbalancer</a:t>
+            </a:r>
+            <a:endParaRPr lang="en-US" dirty="0"/>
+          </a:p>
+        </p:txBody>
+      </p:sp>
+      <p:cxnSp>
+        <p:nvCxnSpPr>
+          <p:cNvPr id="8" name="Straight Arrow Connector 7"/>
+          <p:cNvCxnSpPr>
+            <a:stCxn id="6" idx="2"/>
+            <a:endCxn id="5" idx="0"/>
+          </p:cNvCxnSpPr>
+          <p:nvPr/>
+        </p:nvCxnSpPr>
+        <p:spPr>
+          <a:xfrm>
+            <a:off x="4572001" y="2792248"/>
+            <a:ext cx="0" cy="758091"/>
+          </a:xfrm>
+          <a:prstGeom prst="straightConnector1">
+            <a:avLst/>
+          </a:prstGeom>
+          <a:ln>
+            <a:tailEnd type="arrow"/>
+          </a:ln>
+        </p:spPr>
+        <p:style>
+          <a:lnRef idx="2">
+            <a:schemeClr val="accent1"/>
+          </a:lnRef>
+          <a:fillRef idx="0">
+            <a:schemeClr val="accent1"/>
+          </a:fillRef>
+          <a:effectRef idx="1">
+            <a:schemeClr val="accent1"/>
+          </a:effectRef>
+          <a:fontRef idx="minor">
+            <a:schemeClr val="tx1"/>
+          </a:fontRef>
+        </p:style>
+      </p:cxnSp>
+      <p:cxnSp>
+        <p:nvCxnSpPr>
+          <p:cNvPr id="10" name="Straight Arrow Connector 9"/>
+          <p:cNvCxnSpPr>
+            <a:stCxn id="5" idx="2"/>
+            <a:endCxn id="4" idx="0"/>
+          </p:cNvCxnSpPr>
+          <p:nvPr/>
+        </p:nvCxnSpPr>
+        <p:spPr>
+          <a:xfrm>
+            <a:off x="4572001" y="4695933"/>
+            <a:ext cx="0" cy="758092"/>
+          </a:xfrm>
+          <a:prstGeom prst="straightConnector1">
+            <a:avLst/>
+          </a:prstGeom>
+          <a:ln>
+            <a:tailEnd type="arrow"/>
+          </a:ln>
+        </p:spPr>
+        <p:style>
+          <a:lnRef idx="2">
+            <a:schemeClr val="accent1"/>
+          </a:lnRef>
+          <a:fillRef idx="0">
+            <a:schemeClr val="accent1"/>
+          </a:fillRef>
+          <a:effectRef idx="1">
+            <a:schemeClr val="accent1"/>
+          </a:effectRef>
+          <a:fontRef idx="minor">
+            <a:schemeClr val="tx1"/>
+          </a:fontRef>
+        </p:style>
+      </p:cxnSp>
+      <p:sp>
+        <p:nvSpPr>
+          <p:cNvPr id="11" name="Rectangle 10"/>
+          <p:cNvSpPr/>
+          <p:nvPr/>
+        </p:nvSpPr>
+        <p:spPr>
+          <a:xfrm>
+            <a:off x="547862" y="5454025"/>
+            <a:ext cx="2529970" cy="1145594"/>
+          </a:xfrm>
+          <a:prstGeom prst="rect">
+            <a:avLst/>
+          </a:prstGeom>
+          <a:solidFill>
+            <a:srgbClr val="61D659"/>
+          </a:solidFill>
+          <a:ln>
+            <a:noFill/>
+          </a:ln>
+        </p:spPr>
+        <p:style>
+          <a:lnRef idx="1">
+            <a:schemeClr val="accent1"/>
+          </a:lnRef>
+          <a:fillRef idx="3">
+            <a:schemeClr val="accent1"/>
+          </a:fillRef>
+          <a:effectRef idx="2">
+            <a:schemeClr val="accent1"/>
+          </a:effectRef>
+          <a:fontRef idx="minor">
+            <a:schemeClr val="lt1"/>
+          </a:fontRef>
+        </p:style>
+        <p:txBody>
+          <a:bodyPr rtlCol="0" anchor="ctr"/>
+          <a:lstStyle/>
+          <a:p>
+            <a:pPr algn="ctr"/>
+            <a:r>
+              <a:rPr lang="en-US" sz="1600" dirty="0" smtClean="0"/>
+              <a:t>SDK call tracing,</a:t>
+            </a:r>
+          </a:p>
+          <a:p>
+            <a:pPr algn="ctr"/>
+            <a:r>
+              <a:rPr lang="en-US" sz="1600" dirty="0" smtClean="0"/>
+              <a:t>SDK call time measurement</a:t>
+            </a:r>
+            <a:endParaRPr lang="en-US" sz="1600" dirty="0"/>
+          </a:p>
+        </p:txBody>
+      </p:sp>
+      <p:sp>
+        <p:nvSpPr>
+          <p:cNvPr id="12" name="Rectangle 11"/>
+          <p:cNvSpPr/>
+          <p:nvPr/>
+        </p:nvSpPr>
+        <p:spPr>
+          <a:xfrm>
+            <a:off x="547862" y="1646654"/>
+            <a:ext cx="2529970" cy="1145594"/>
+          </a:xfrm>
+          <a:prstGeom prst="rect">
+            <a:avLst/>
+          </a:prstGeom>
+          <a:solidFill>
+            <a:srgbClr val="61D659"/>
+          </a:solidFill>
+          <a:ln>
+            <a:noFill/>
+          </a:ln>
+        </p:spPr>
+        <p:style>
+          <a:lnRef idx="1">
+            <a:schemeClr val="accent1"/>
+          </a:lnRef>
+          <a:fillRef idx="3">
+            <a:schemeClr val="accent1"/>
+          </a:fillRef>
+          <a:effectRef idx="2">
+            <a:schemeClr val="accent1"/>
+          </a:effectRef>
+          <a:fontRef idx="minor">
+            <a:schemeClr val="lt1"/>
+          </a:fontRef>
+        </p:style>
+        <p:txBody>
+          <a:bodyPr rtlCol="0" anchor="ctr"/>
+          <a:lstStyle/>
+          <a:p>
+            <a:pPr algn="ctr"/>
+            <a:r>
+              <a:rPr lang="en-US" sz="1600" dirty="0" smtClean="0"/>
+              <a:t>Server access logging,</a:t>
+            </a:r>
+          </a:p>
+          <a:p>
+            <a:pPr algn="ctr"/>
+            <a:r>
+              <a:rPr lang="en-US" sz="1600" dirty="0" smtClean="0"/>
+              <a:t>Request ID generation</a:t>
+            </a:r>
+            <a:endParaRPr lang="en-US" sz="1600" dirty="0"/>
+          </a:p>
+        </p:txBody>
+      </p:sp>
+      <p:sp>
+        <p:nvSpPr>
+          <p:cNvPr id="13" name="Can 12"/>
+          <p:cNvSpPr/>
+          <p:nvPr/>
+        </p:nvSpPr>
+        <p:spPr>
+          <a:xfrm>
+            <a:off x="1202728" y="3550339"/>
+            <a:ext cx="1220238" cy="1145594"/>
+          </a:xfrm>
+          <a:prstGeom prst="can">
+            <a:avLst/>
+          </a:prstGeom>
+          <a:solidFill>
+            <a:srgbClr val="61D659"/>
+          </a:solidFill>
+          <a:ln>
+            <a:noFill/>
+          </a:ln>
+        </p:spPr>
+        <p:style>
+          <a:lnRef idx="1">
+            <a:schemeClr val="accent1"/>
+          </a:lnRef>
+          <a:fillRef idx="3">
+            <a:schemeClr val="accent1"/>
+          </a:fillRef>
+          <a:effectRef idx="2">
+            <a:schemeClr val="accent1"/>
+          </a:effectRef>
+          <a:fontRef idx="minor">
+            <a:schemeClr val="lt1"/>
+          </a:fontRef>
+        </p:style>
+        <p:txBody>
+          <a:bodyPr rtlCol="0" anchor="ctr"/>
+          <a:lstStyle/>
+          <a:p>
+            <a:pPr algn="ctr"/>
+            <a:r>
+              <a:rPr lang="en-US" sz="1600" dirty="0" smtClean="0"/>
+              <a:t>Data Store</a:t>
+            </a:r>
+            <a:endParaRPr lang="en-US" sz="1600" dirty="0"/>
+          </a:p>
+        </p:txBody>
+      </p:sp>
+      <p:cxnSp>
+        <p:nvCxnSpPr>
+          <p:cNvPr id="15" name="Straight Arrow Connector 14"/>
+          <p:cNvCxnSpPr>
+            <a:stCxn id="12" idx="2"/>
+            <a:endCxn id="13" idx="1"/>
+          </p:cNvCxnSpPr>
+          <p:nvPr/>
+        </p:nvCxnSpPr>
+        <p:spPr>
+          <a:xfrm>
+            <a:off x="1812847" y="2792248"/>
+            <a:ext cx="0" cy="758091"/>
+          </a:xfrm>
+          <a:prstGeom prst="straightConnector1">
+            <a:avLst/>
+          </a:prstGeom>
+          <a:ln>
+            <a:solidFill>
+              <a:srgbClr val="61D659"/>
+            </a:solidFill>
+            <a:tailEnd type="arrow"/>
+          </a:ln>
+        </p:spPr>
+        <p:style>
+          <a:lnRef idx="2">
+            <a:schemeClr val="accent1"/>
+          </a:lnRef>
+          <a:fillRef idx="0">
+            <a:schemeClr val="accent1"/>
+          </a:fillRef>
+          <a:effectRef idx="1">
+            <a:schemeClr val="accent1"/>
+          </a:effectRef>
+          <a:fontRef idx="minor">
+            <a:schemeClr val="tx1"/>
+          </a:fontRef>
+        </p:style>
+      </p:cxnSp>
+      <p:cxnSp>
+        <p:nvCxnSpPr>
+          <p:cNvPr id="17" name="Straight Arrow Connector 16"/>
+          <p:cNvCxnSpPr>
+            <a:stCxn id="11" idx="0"/>
+            <a:endCxn id="13" idx="3"/>
+          </p:cNvCxnSpPr>
+          <p:nvPr/>
+        </p:nvCxnSpPr>
+        <p:spPr>
+          <a:xfrm flipV="1">
+            <a:off x="1812847" y="4695933"/>
+            <a:ext cx="0" cy="758092"/>
+          </a:xfrm>
+          <a:prstGeom prst="straightConnector1">
+            <a:avLst/>
+          </a:prstGeom>
+          <a:ln>
+            <a:solidFill>
+              <a:srgbClr val="61D659"/>
+            </a:solidFill>
+            <a:tailEnd type="arrow"/>
+          </a:ln>
+        </p:spPr>
+        <p:style>
+          <a:lnRef idx="2">
+            <a:schemeClr val="accent1"/>
+          </a:lnRef>
+          <a:fillRef idx="0">
+            <a:schemeClr val="accent1"/>
+          </a:fillRef>
+          <a:effectRef idx="1">
+            <a:schemeClr val="accent1"/>
+          </a:effectRef>
+          <a:fontRef idx="minor">
+            <a:schemeClr val="tx1"/>
+          </a:fontRef>
+        </p:style>
+      </p:cxnSp>
+      <p:sp>
+        <p:nvSpPr>
+          <p:cNvPr id="20" name="Rectangle 19"/>
+          <p:cNvSpPr/>
+          <p:nvPr/>
+        </p:nvSpPr>
+        <p:spPr>
+          <a:xfrm>
+            <a:off x="6066169" y="1646654"/>
+            <a:ext cx="2529970" cy="1145594"/>
+          </a:xfrm>
+          <a:prstGeom prst="rect">
+            <a:avLst/>
+          </a:prstGeom>
+          <a:solidFill>
+            <a:srgbClr val="FF0000"/>
+          </a:solidFill>
+          <a:ln>
+            <a:noFill/>
+          </a:ln>
+        </p:spPr>
+        <p:style>
+          <a:lnRef idx="1">
+            <a:schemeClr val="accent1"/>
+          </a:lnRef>
+          <a:fillRef idx="3">
+            <a:schemeClr val="accent1"/>
+          </a:fillRef>
+          <a:effectRef idx="2">
+            <a:schemeClr val="accent1"/>
+          </a:effectRef>
+          <a:fontRef idx="minor">
+            <a:schemeClr val="lt1"/>
+          </a:fontRef>
+        </p:style>
+        <p:txBody>
+          <a:bodyPr rtlCol="0" anchor="ctr"/>
+          <a:lstStyle/>
+          <a:p>
+            <a:pPr algn="ctr"/>
+            <a:r>
+              <a:rPr lang="en-US" sz="1600" dirty="0" smtClean="0"/>
+              <a:t>Anomaly detection,</a:t>
+            </a:r>
+          </a:p>
+          <a:p>
+            <a:pPr algn="ctr"/>
+            <a:r>
+              <a:rPr lang="en-US" sz="1600" dirty="0" smtClean="0"/>
+              <a:t>Workload change point analysis</a:t>
+            </a:r>
+            <a:endParaRPr lang="en-US" sz="1600" dirty="0"/>
+          </a:p>
+        </p:txBody>
+      </p:sp>
+      <p:sp>
+        <p:nvSpPr>
+          <p:cNvPr id="22" name="Rectangle 21"/>
+          <p:cNvSpPr/>
+          <p:nvPr/>
+        </p:nvSpPr>
+        <p:spPr>
+          <a:xfrm>
+            <a:off x="6066169" y="5454025"/>
+            <a:ext cx="2529970" cy="1145594"/>
+          </a:xfrm>
+          <a:prstGeom prst="rect">
+            <a:avLst/>
+          </a:prstGeom>
+          <a:solidFill>
+            <a:srgbClr val="FF0000"/>
+          </a:solidFill>
+          <a:ln>
+            <a:noFill/>
+          </a:ln>
+        </p:spPr>
+        <p:style>
+          <a:lnRef idx="1">
+            <a:schemeClr val="accent1"/>
+          </a:lnRef>
+          <a:fillRef idx="3">
+            <a:schemeClr val="accent1"/>
+          </a:fillRef>
+          <a:effectRef idx="2">
+            <a:schemeClr val="accent1"/>
+          </a:effectRef>
+          <a:fontRef idx="minor">
+            <a:schemeClr val="lt1"/>
+          </a:fontRef>
+        </p:style>
+        <p:txBody>
+          <a:bodyPr rtlCol="0" anchor="ctr"/>
+          <a:lstStyle/>
+          <a:p>
+            <a:pPr algn="ctr"/>
+            <a:r>
+              <a:rPr lang="en-US" sz="1600" dirty="0" smtClean="0"/>
+              <a:t>Bottleneck identification</a:t>
+            </a:r>
+            <a:endParaRPr lang="en-US" sz="1600" dirty="0"/>
           </a:p>
         </p:txBody>
       </p:sp>
     </p:spTree>
     <p:extLst>
       <p:ext uri="{BB962C8B-B14F-4D97-AF65-F5344CB8AC3E}">
-        <p14:creationId xmlns:p14="http://schemas.microsoft.com/office/powerpoint/2010/main" val="2582674383"/>
+        <p14:creationId xmlns:p14="http://schemas.microsoft.com/office/powerpoint/2010/main" val="3274361446"/>
       </p:ext>
     </p:extLst>
   </p:cSld>
@@ -8200,7 +8869,7 @@
           <a:p>
             <a:r>
               <a:rPr lang="en-US" dirty="0" smtClean="0"/>
-              <a:t>Detecting SLA Invalidation</a:t>
+              <a:t>Anomaly Detection</a:t>
             </a:r>
             <a:endParaRPr lang="en-US" dirty="0"/>
           </a:p>
@@ -8218,84 +8887,55 @@
         </p:nvSpPr>
         <p:spPr/>
         <p:txBody>
-          <a:bodyPr>
-            <a:normAutofit lnSpcReduction="10000"/>
-          </a:bodyPr>
-          <a:lstStyle/>
-          <a:p>
-            <a:r>
-              <a:rPr lang="en-US" dirty="0" smtClean="0"/>
-              <a:t>Each time Cerebro makes a prediction, it computes the current autocorrelation in the time series</a:t>
-            </a:r>
-          </a:p>
-          <a:p>
-            <a:r>
-              <a:rPr lang="en-US" dirty="0" smtClean="0"/>
-              <a:t>Autocorrelation can be used to lookup a table, and determine </a:t>
-            </a:r>
-            <a:r>
-              <a:rPr lang="en-US" i="1" dirty="0" err="1" smtClean="0"/>
-              <a:t>C</a:t>
-            </a:r>
-            <a:r>
-              <a:rPr lang="en-US" i="1" baseline="-25000" dirty="0" err="1" smtClean="0"/>
-              <a:t>w</a:t>
-            </a:r>
-            <a:r>
-              <a:rPr lang="en-US" dirty="0"/>
-              <a:t>;</a:t>
-            </a:r>
-            <a:r>
-              <a:rPr lang="en-US" dirty="0" smtClean="0"/>
-              <a:t> the number of consecutive readings greater than </a:t>
-            </a:r>
-            <a:r>
-              <a:rPr lang="en-US" i="1" dirty="0" smtClean="0"/>
-              <a:t>Q</a:t>
-            </a:r>
-            <a:r>
-              <a:rPr lang="en-US" dirty="0" smtClean="0"/>
-              <a:t>, that constitute a rare event</a:t>
-            </a:r>
-          </a:p>
-          <a:p>
-            <a:r>
-              <a:rPr lang="en-US" dirty="0" smtClean="0"/>
-              <a:t>We consider the SLA to have become invalid if this rare event occurs</a:t>
-            </a:r>
-          </a:p>
-          <a:p>
+          <a:bodyPr/>
+          <a:lstStyle/>
+          <a:p>
+            <a:r>
+              <a:rPr lang="en-US" dirty="0" smtClean="0"/>
+              <a:t>SLO-based detection</a:t>
+            </a:r>
+          </a:p>
+          <a:p>
+            <a:pPr lvl="1"/>
+            <a:r>
+              <a:rPr lang="en-US" dirty="0" smtClean="0"/>
+              <a:t>Probe the application periodically and record SLO</a:t>
+            </a:r>
+          </a:p>
+          <a:p>
+            <a:pPr lvl="1"/>
+            <a:r>
+              <a:rPr lang="en-US" dirty="0" smtClean="0"/>
+              <a:t>Periodically compute the observed SLA satisfaction level</a:t>
+            </a:r>
+          </a:p>
+          <a:p>
+            <a:r>
+              <a:rPr lang="en-US" dirty="0" smtClean="0"/>
+              <a:t>Correlation-based detection</a:t>
+            </a:r>
+          </a:p>
+          <a:p>
+            <a:pPr lvl="1"/>
+            <a:r>
+              <a:rPr lang="en-US" dirty="0" smtClean="0"/>
+              <a:t>Statistically detect increases in response time that are not correlated with increases in workload</a:t>
+            </a:r>
+          </a:p>
+          <a:p>
+            <a:pPr lvl="1"/>
+            <a:r>
+              <a:rPr lang="en-US" dirty="0" smtClean="0"/>
+              <a:t>Pearson’s R and dynamic time warping</a:t>
+            </a:r>
             <a:endParaRPr lang="en-US" dirty="0"/>
-          </a:p>
-        </p:txBody>
-      </p:sp>
-      <p:sp>
-        <p:nvSpPr>
-          <p:cNvPr id="4" name="Slide Number Placeholder 3"/>
-          <p:cNvSpPr>
-            <a:spLocks noGrp="1"/>
-          </p:cNvSpPr>
-          <p:nvPr>
-            <p:ph type="sldNum" sz="quarter" idx="12"/>
-          </p:nvPr>
-        </p:nvSpPr>
-        <p:spPr/>
-        <p:txBody>
-          <a:bodyPr/>
-          <a:lstStyle/>
-          <a:p>
-            <a:fld id="{4940F666-E5FA-274D-B0C1-53A0010BDC84}" type="slidenum">
-              <a:rPr lang="en-US" smtClean="0"/>
-              <a:t>35</a:t>
-            </a:fld>
-            <a:endParaRPr lang="en-US"/>
           </a:p>
         </p:txBody>
       </p:sp>
     </p:spTree>
     <p:extLst>
       <p:ext uri="{BB962C8B-B14F-4D97-AF65-F5344CB8AC3E}">
-        <p14:creationId xmlns:p14="http://schemas.microsoft.com/office/powerpoint/2010/main" val="2880975851"/>
+        <p14:creationId xmlns:p14="http://schemas.microsoft.com/office/powerpoint/2010/main" val="1864197141"/>
       </p:ext>
     </p:extLst>
   </p:cSld>
@@ -8346,6 +8986,1805 @@
           <a:p>
             <a:r>
               <a:rPr lang="en-US" dirty="0" smtClean="0"/>
+              <a:t>Workload Analysis</a:t>
+            </a:r>
+            <a:endParaRPr lang="en-US" dirty="0"/>
+          </a:p>
+        </p:txBody>
+      </p:sp>
+      <p:sp>
+        <p:nvSpPr>
+          <p:cNvPr id="3" name="Content Placeholder 2"/>
+          <p:cNvSpPr>
+            <a:spLocks noGrp="1"/>
+          </p:cNvSpPr>
+          <p:nvPr>
+            <p:ph idx="1"/>
+          </p:nvPr>
+        </p:nvSpPr>
+        <p:spPr/>
+        <p:txBody>
+          <a:bodyPr/>
+          <a:lstStyle/>
+          <a:p>
+            <a:r>
+              <a:rPr lang="en-US" dirty="0" smtClean="0"/>
+              <a:t>Detect change points (level shifts) in workload traces</a:t>
+            </a:r>
+          </a:p>
+          <a:p>
+            <a:pPr lvl="1"/>
+            <a:r>
+              <a:rPr lang="en-US" dirty="0" smtClean="0"/>
+              <a:t>Especially the sudden increases in workload that precede a detected performance anomaly</a:t>
+            </a:r>
+          </a:p>
+          <a:p>
+            <a:r>
+              <a:rPr lang="en-US" dirty="0" smtClean="0"/>
+              <a:t>Binary segmentation</a:t>
+            </a:r>
+          </a:p>
+          <a:p>
+            <a:r>
+              <a:rPr lang="en-US" dirty="0" smtClean="0"/>
+              <a:t>Pruned Exact Linear Time (PELT)</a:t>
+            </a:r>
+          </a:p>
+          <a:p>
+            <a:r>
+              <a:rPr lang="en-US" dirty="0" smtClean="0"/>
+              <a:t>Chen &amp; Liu method</a:t>
+            </a:r>
+            <a:endParaRPr lang="en-US" dirty="0"/>
+          </a:p>
+        </p:txBody>
+      </p:sp>
+    </p:spTree>
+    <p:extLst>
+      <p:ext uri="{BB962C8B-B14F-4D97-AF65-F5344CB8AC3E}">
+        <p14:creationId xmlns:p14="http://schemas.microsoft.com/office/powerpoint/2010/main" val="3695137885"/>
+      </p:ext>
+    </p:extLst>
+  </p:cSld>
+  <p:clrMapOvr>
+    <a:masterClrMapping/>
+  </p:clrMapOvr>
+  <p:timing>
+    <p:tnLst>
+      <p:par>
+        <p:cTn xmlns:p14="http://schemas.microsoft.com/office/powerpoint/2010/main" id="1" dur="indefinite" restart="never" nodeType="tmRoot"/>
+      </p:par>
+    </p:tnLst>
+  </p:timing>
+</p:sld>
+</file>
+
+<file path=ppt/slides/slide37.xml><?xml version="1.0" encoding="utf-8"?>
+<p:sld xmlns:a="http://schemas.openxmlformats.org/drawingml/2006/main" xmlns:r="http://schemas.openxmlformats.org/officeDocument/2006/relationships" xmlns:p="http://schemas.openxmlformats.org/presentationml/2006/main">
+  <p:cSld>
+    <p:spTree>
+      <p:nvGrpSpPr>
+        <p:cNvPr id="1" name=""/>
+        <p:cNvGrpSpPr/>
+        <p:nvPr/>
+      </p:nvGrpSpPr>
+      <p:grpSpPr>
+        <a:xfrm>
+          <a:off x="0" y="0"/>
+          <a:ext cx="0" cy="0"/>
+          <a:chOff x="0" y="0"/>
+          <a:chExt cx="0" cy="0"/>
+        </a:xfrm>
+      </p:grpSpPr>
+      <p:sp>
+        <p:nvSpPr>
+          <p:cNvPr id="2" name="Title 1"/>
+          <p:cNvSpPr>
+            <a:spLocks noGrp="1"/>
+          </p:cNvSpPr>
+          <p:nvPr>
+            <p:ph type="title"/>
+          </p:nvPr>
+        </p:nvSpPr>
+        <p:spPr/>
+        <p:txBody>
+          <a:bodyPr/>
+          <a:lstStyle/>
+          <a:p>
+            <a:r>
+              <a:rPr lang="en-US" dirty="0" smtClean="0"/>
+              <a:t>Chen &amp; Liu Method Example</a:t>
+            </a:r>
+            <a:endParaRPr lang="en-US" dirty="0"/>
+          </a:p>
+        </p:txBody>
+      </p:sp>
+      <p:pic>
+        <p:nvPicPr>
+          <p:cNvPr id="4" name="Picture 3" descr="Workload_Trace_Simulation.pdf"/>
+          <p:cNvPicPr>
+            <a:picLocks noChangeAspect="1"/>
+          </p:cNvPicPr>
+          <p:nvPr/>
+        </p:nvPicPr>
+        <p:blipFill>
+          <a:blip r:embed="rId3">
+            <a:extLst>
+              <a:ext uri="{28A0092B-C50C-407E-A947-70E740481C1C}">
+                <a14:useLocalDpi xmlns:a14="http://schemas.microsoft.com/office/drawing/2010/main" val="0"/>
+              </a:ext>
+            </a:extLst>
+          </a:blip>
+          <a:stretch>
+            <a:fillRect/>
+          </a:stretch>
+        </p:blipFill>
+        <p:spPr>
+          <a:xfrm>
+            <a:off x="355600" y="1092200"/>
+            <a:ext cx="5537200" cy="5537200"/>
+          </a:xfrm>
+          <a:prstGeom prst="rect">
+            <a:avLst/>
+          </a:prstGeom>
+        </p:spPr>
+      </p:pic>
+      <p:sp>
+        <p:nvSpPr>
+          <p:cNvPr id="5" name="TextBox 4"/>
+          <p:cNvSpPr txBox="1"/>
+          <p:nvPr/>
+        </p:nvSpPr>
+        <p:spPr>
+          <a:xfrm>
+            <a:off x="5892800" y="1803400"/>
+            <a:ext cx="3086100" cy="3046987"/>
+          </a:xfrm>
+          <a:prstGeom prst="rect">
+            <a:avLst/>
+          </a:prstGeom>
+          <a:noFill/>
+        </p:spPr>
+        <p:txBody>
+          <a:bodyPr wrap="square" rtlCol="0">
+            <a:spAutoFit/>
+          </a:bodyPr>
+          <a:lstStyle/>
+          <a:p>
+            <a:r>
+              <a:rPr lang="en-US" sz="1200" dirty="0" smtClean="0">
+                <a:latin typeface="Courier"/>
+                <a:cs typeface="Courier"/>
+              </a:rPr>
+              <a:t>Series: </a:t>
+            </a:r>
+            <a:r>
+              <a:rPr lang="en-US" sz="1200" dirty="0" err="1" smtClean="0">
+                <a:latin typeface="Courier"/>
+                <a:cs typeface="Courier"/>
+              </a:rPr>
+              <a:t>ts</a:t>
+            </a:r>
+            <a:r>
+              <a:rPr lang="en-US" sz="1200" dirty="0" smtClean="0">
+                <a:latin typeface="Courier"/>
+                <a:cs typeface="Courier"/>
+              </a:rPr>
+              <a:t>(data) </a:t>
+            </a:r>
+          </a:p>
+          <a:p>
+            <a:r>
+              <a:rPr lang="en-US" sz="1200" dirty="0" smtClean="0">
+                <a:latin typeface="Courier"/>
+                <a:cs typeface="Courier"/>
+              </a:rPr>
+              <a:t>ARIMA(0,0,0) with non-zero mean </a:t>
+            </a:r>
+          </a:p>
+          <a:p>
+            <a:endParaRPr lang="en-US" sz="1200" dirty="0" smtClean="0">
+              <a:latin typeface="Courier"/>
+              <a:cs typeface="Courier"/>
+            </a:endParaRPr>
+          </a:p>
+          <a:p>
+            <a:r>
+              <a:rPr lang="en-US" sz="1200" dirty="0" smtClean="0">
+                <a:latin typeface="Courier"/>
+                <a:cs typeface="Courier"/>
+              </a:rPr>
+              <a:t>Coefficients:</a:t>
+            </a:r>
+          </a:p>
+          <a:p>
+            <a:r>
+              <a:rPr lang="en-US" sz="1200" dirty="0" smtClean="0">
+                <a:latin typeface="Courier"/>
+                <a:cs typeface="Courier"/>
+              </a:rPr>
+              <a:t>      intercept    LS101</a:t>
+            </a:r>
+          </a:p>
+          <a:p>
+            <a:r>
+              <a:rPr lang="en-US" sz="1200" dirty="0" smtClean="0">
+                <a:latin typeface="Courier"/>
+                <a:cs typeface="Courier"/>
+              </a:rPr>
+              <a:t>        50.9053  14.4054</a:t>
+            </a:r>
+          </a:p>
+          <a:p>
+            <a:r>
+              <a:rPr lang="en-US" sz="1200" dirty="0" err="1" smtClean="0">
+                <a:latin typeface="Courier"/>
+                <a:cs typeface="Courier"/>
+              </a:rPr>
+              <a:t>s.e.</a:t>
+            </a:r>
+            <a:r>
+              <a:rPr lang="en-US" sz="1200" dirty="0" smtClean="0">
+                <a:latin typeface="Courier"/>
+                <a:cs typeface="Courier"/>
+              </a:rPr>
+              <a:t>     0.4768   0.6743</a:t>
+            </a:r>
+          </a:p>
+          <a:p>
+            <a:endParaRPr lang="en-US" sz="1200" dirty="0" smtClean="0">
+              <a:latin typeface="Courier"/>
+              <a:cs typeface="Courier"/>
+            </a:endParaRPr>
+          </a:p>
+          <a:p>
+            <a:r>
+              <a:rPr lang="en-US" sz="1200" dirty="0" smtClean="0">
+                <a:latin typeface="Courier"/>
+                <a:cs typeface="Courier"/>
+              </a:rPr>
+              <a:t>sigma^2 estimated as 22.73:  log likelihood=-596.16</a:t>
+            </a:r>
+          </a:p>
+          <a:p>
+            <a:r>
+              <a:rPr lang="en-US" sz="1200" dirty="0" smtClean="0">
+                <a:latin typeface="Courier"/>
+                <a:cs typeface="Courier"/>
+              </a:rPr>
+              <a:t>AIC=1198.32   </a:t>
+            </a:r>
+            <a:r>
+              <a:rPr lang="en-US" sz="1200" dirty="0" err="1" smtClean="0">
+                <a:latin typeface="Courier"/>
+                <a:cs typeface="Courier"/>
+              </a:rPr>
+              <a:t>AICc</a:t>
+            </a:r>
+            <a:r>
+              <a:rPr lang="en-US" sz="1200" dirty="0" smtClean="0">
+                <a:latin typeface="Courier"/>
+                <a:cs typeface="Courier"/>
+              </a:rPr>
+              <a:t>=1198.44   BIC=1208.22</a:t>
+            </a:r>
+          </a:p>
+          <a:p>
+            <a:endParaRPr lang="en-US" sz="1200" dirty="0" smtClean="0">
+              <a:latin typeface="Courier"/>
+              <a:cs typeface="Courier"/>
+            </a:endParaRPr>
+          </a:p>
+          <a:p>
+            <a:r>
+              <a:rPr lang="en-US" sz="1200" b="1" dirty="0" smtClean="0">
+                <a:latin typeface="Courier"/>
+                <a:cs typeface="Courier"/>
+              </a:rPr>
+              <a:t>Outliers:</a:t>
+            </a:r>
+          </a:p>
+          <a:p>
+            <a:r>
+              <a:rPr lang="en-US" sz="1200" b="1" dirty="0" smtClean="0">
+                <a:latin typeface="Courier"/>
+                <a:cs typeface="Courier"/>
+              </a:rPr>
+              <a:t>  type </a:t>
+            </a:r>
+            <a:r>
+              <a:rPr lang="en-US" sz="1200" b="1" dirty="0" err="1" smtClean="0">
+                <a:latin typeface="Courier"/>
+                <a:cs typeface="Courier"/>
+              </a:rPr>
+              <a:t>ind</a:t>
+            </a:r>
+            <a:r>
+              <a:rPr lang="en-US" sz="1200" b="1" dirty="0" smtClean="0">
+                <a:latin typeface="Courier"/>
+                <a:cs typeface="Courier"/>
+              </a:rPr>
+              <a:t> time </a:t>
+            </a:r>
+            <a:r>
+              <a:rPr lang="en-US" sz="1200" b="1" dirty="0" err="1" smtClean="0">
+                <a:latin typeface="Courier"/>
+                <a:cs typeface="Courier"/>
+              </a:rPr>
+              <a:t>coefhat</a:t>
+            </a:r>
+            <a:r>
+              <a:rPr lang="en-US" sz="1200" b="1" dirty="0" smtClean="0">
+                <a:latin typeface="Courier"/>
+                <a:cs typeface="Courier"/>
+              </a:rPr>
+              <a:t> </a:t>
+            </a:r>
+            <a:r>
+              <a:rPr lang="en-US" sz="1200" b="1" dirty="0" err="1" smtClean="0">
+                <a:latin typeface="Courier"/>
+                <a:cs typeface="Courier"/>
+              </a:rPr>
+              <a:t>tstat</a:t>
+            </a:r>
+            <a:endParaRPr lang="en-US" sz="1200" b="1" dirty="0" smtClean="0">
+              <a:latin typeface="Courier"/>
+              <a:cs typeface="Courier"/>
+            </a:endParaRPr>
+          </a:p>
+          <a:p>
+            <a:r>
+              <a:rPr lang="en-US" sz="1200" b="1" dirty="0" smtClean="0">
+                <a:latin typeface="Courier"/>
+                <a:cs typeface="Courier"/>
+              </a:rPr>
+              <a:t>1   LS 101  101   14.41 21.36</a:t>
+            </a:r>
+            <a:endParaRPr lang="en-US" sz="1200" b="1" dirty="0">
+              <a:latin typeface="Courier"/>
+              <a:cs typeface="Courier"/>
+            </a:endParaRPr>
+          </a:p>
+        </p:txBody>
+      </p:sp>
+    </p:spTree>
+    <p:extLst>
+      <p:ext uri="{BB962C8B-B14F-4D97-AF65-F5344CB8AC3E}">
+        <p14:creationId xmlns:p14="http://schemas.microsoft.com/office/powerpoint/2010/main" val="3003808906"/>
+      </p:ext>
+    </p:extLst>
+  </p:cSld>
+  <p:clrMapOvr>
+    <a:masterClrMapping/>
+  </p:clrMapOvr>
+  <p:timing>
+    <p:tnLst>
+      <p:par>
+        <p:cTn xmlns:p14="http://schemas.microsoft.com/office/powerpoint/2010/main" id="1" dur="indefinite" restart="never" nodeType="tmRoot"/>
+      </p:par>
+    </p:tnLst>
+  </p:timing>
+</p:sld>
+</file>
+
+<file path=ppt/slides/slide38.xml><?xml version="1.0" encoding="utf-8"?>
+<p:sld xmlns:a="http://schemas.openxmlformats.org/drawingml/2006/main" xmlns:r="http://schemas.openxmlformats.org/officeDocument/2006/relationships" xmlns:p="http://schemas.openxmlformats.org/presentationml/2006/main">
+  <p:cSld>
+    <p:spTree>
+      <p:nvGrpSpPr>
+        <p:cNvPr id="1" name=""/>
+        <p:cNvGrpSpPr/>
+        <p:nvPr/>
+      </p:nvGrpSpPr>
+      <p:grpSpPr>
+        <a:xfrm>
+          <a:off x="0" y="0"/>
+          <a:ext cx="0" cy="0"/>
+          <a:chOff x="0" y="0"/>
+          <a:chExt cx="0" cy="0"/>
+        </a:xfrm>
+      </p:grpSpPr>
+      <p:sp>
+        <p:nvSpPr>
+          <p:cNvPr id="2" name="Title 1"/>
+          <p:cNvSpPr>
+            <a:spLocks noGrp="1"/>
+          </p:cNvSpPr>
+          <p:nvPr>
+            <p:ph type="title"/>
+          </p:nvPr>
+        </p:nvSpPr>
+        <p:spPr/>
+        <p:txBody>
+          <a:bodyPr/>
+          <a:lstStyle/>
+          <a:p>
+            <a:r>
+              <a:rPr lang="en-US" dirty="0" smtClean="0"/>
+              <a:t>Analyzing SDK Call Traces</a:t>
+            </a:r>
+            <a:endParaRPr lang="en-US" dirty="0"/>
+          </a:p>
+        </p:txBody>
+      </p:sp>
+      <p:sp>
+        <p:nvSpPr>
+          <p:cNvPr id="3" name="Content Placeholder 2"/>
+          <p:cNvSpPr>
+            <a:spLocks noGrp="1"/>
+          </p:cNvSpPr>
+          <p:nvPr>
+            <p:ph idx="1"/>
+          </p:nvPr>
+        </p:nvSpPr>
+        <p:spPr/>
+        <p:txBody>
+          <a:bodyPr/>
+          <a:lstStyle/>
+          <a:p>
+            <a:r>
+              <a:rPr lang="en-US" dirty="0" smtClean="0"/>
+              <a:t>Identify sequences of SDK calls invoked by application</a:t>
+            </a:r>
+          </a:p>
+          <a:p>
+            <a:pPr lvl="1"/>
+            <a:r>
+              <a:rPr lang="en-US" dirty="0" smtClean="0"/>
+              <a:t>Path identification</a:t>
+            </a:r>
+          </a:p>
+          <a:p>
+            <a:r>
+              <a:rPr lang="en-US" dirty="0" smtClean="0"/>
+              <a:t>Path distribution analysis</a:t>
+            </a:r>
+          </a:p>
+          <a:p>
+            <a:pPr lvl="1"/>
+            <a:r>
+              <a:rPr lang="en-US" dirty="0" smtClean="0"/>
+              <a:t>Hot path identification</a:t>
+            </a:r>
+          </a:p>
+          <a:p>
+            <a:pPr lvl="1"/>
+            <a:r>
+              <a:rPr lang="en-US" dirty="0" smtClean="0"/>
+              <a:t>Identifying workload changes</a:t>
+            </a:r>
+            <a:endParaRPr lang="en-US" dirty="0"/>
+          </a:p>
+        </p:txBody>
+      </p:sp>
+    </p:spTree>
+    <p:extLst>
+      <p:ext uri="{BB962C8B-B14F-4D97-AF65-F5344CB8AC3E}">
+        <p14:creationId xmlns:p14="http://schemas.microsoft.com/office/powerpoint/2010/main" val="1919900667"/>
+      </p:ext>
+    </p:extLst>
+  </p:cSld>
+  <p:clrMapOvr>
+    <a:masterClrMapping/>
+  </p:clrMapOvr>
+  <p:timing>
+    <p:tnLst>
+      <p:par>
+        <p:cTn xmlns:p14="http://schemas.microsoft.com/office/powerpoint/2010/main" id="1" dur="indefinite" restart="never" nodeType="tmRoot"/>
+      </p:par>
+    </p:tnLst>
+  </p:timing>
+</p:sld>
+</file>
+
+<file path=ppt/slides/slide39.xml><?xml version="1.0" encoding="utf-8"?>
+<p:sld xmlns:a="http://schemas.openxmlformats.org/drawingml/2006/main" xmlns:r="http://schemas.openxmlformats.org/officeDocument/2006/relationships" xmlns:p="http://schemas.openxmlformats.org/presentationml/2006/main">
+  <p:cSld>
+    <p:spTree>
+      <p:nvGrpSpPr>
+        <p:cNvPr id="1" name=""/>
+        <p:cNvGrpSpPr/>
+        <p:nvPr/>
+      </p:nvGrpSpPr>
+      <p:grpSpPr>
+        <a:xfrm>
+          <a:off x="0" y="0"/>
+          <a:ext cx="0" cy="0"/>
+          <a:chOff x="0" y="0"/>
+          <a:chExt cx="0" cy="0"/>
+        </a:xfrm>
+      </p:grpSpPr>
+      <p:sp>
+        <p:nvSpPr>
+          <p:cNvPr id="2" name="Title 1"/>
+          <p:cNvSpPr>
+            <a:spLocks noGrp="1"/>
+          </p:cNvSpPr>
+          <p:nvPr>
+            <p:ph type="title"/>
+          </p:nvPr>
+        </p:nvSpPr>
+        <p:spPr/>
+        <p:txBody>
+          <a:bodyPr/>
+          <a:lstStyle/>
+          <a:p>
+            <a:r>
+              <a:rPr lang="en-US" dirty="0" smtClean="0"/>
+              <a:t>Bottleneck Identification</a:t>
+            </a:r>
+            <a:endParaRPr lang="en-US" dirty="0"/>
+          </a:p>
+        </p:txBody>
+      </p:sp>
+      <p:sp>
+        <p:nvSpPr>
+          <p:cNvPr id="3" name="Content Placeholder 2"/>
+          <p:cNvSpPr>
+            <a:spLocks noGrp="1"/>
+          </p:cNvSpPr>
+          <p:nvPr>
+            <p:ph idx="1"/>
+          </p:nvPr>
+        </p:nvSpPr>
+        <p:spPr/>
+        <p:txBody>
+          <a:bodyPr/>
+          <a:lstStyle/>
+          <a:p>
+            <a:r>
+              <a:rPr lang="en-US" dirty="0" smtClean="0"/>
+              <a:t>Suppose an application makes 3 SDK calls for each HTTP request.</a:t>
+            </a:r>
+          </a:p>
+          <a:p>
+            <a:pPr marL="0" indent="0">
+              <a:buNone/>
+            </a:pPr>
+            <a:endParaRPr lang="en-US" dirty="0"/>
+          </a:p>
+          <a:p>
+            <a:endParaRPr lang="en-US" dirty="0" smtClean="0"/>
+          </a:p>
+          <a:p>
+            <a:r>
+              <a:rPr lang="en-US" dirty="0" smtClean="0"/>
+              <a:t>Linear regression model: Total = A + B + C</a:t>
+            </a:r>
+          </a:p>
+          <a:p>
+            <a:r>
+              <a:rPr lang="en-US" dirty="0" smtClean="0"/>
+              <a:t>Relative importance metric indicates the portion of variance in “Total” explained by each independent variable</a:t>
+            </a:r>
+            <a:endParaRPr lang="en-US" dirty="0"/>
+          </a:p>
+        </p:txBody>
+      </p:sp>
+      <p:graphicFrame>
+        <p:nvGraphicFramePr>
+          <p:cNvPr id="4" name="Table 3"/>
+          <p:cNvGraphicFramePr>
+            <a:graphicFrameLocks noGrp="1"/>
+          </p:cNvGraphicFramePr>
+          <p:nvPr>
+            <p:extLst>
+              <p:ext uri="{D42A27DB-BD31-4B8C-83A1-F6EECF244321}">
+                <p14:modId xmlns:p14="http://schemas.microsoft.com/office/powerpoint/2010/main" val="263786051"/>
+              </p:ext>
+            </p:extLst>
+          </p:nvPr>
+        </p:nvGraphicFramePr>
+        <p:xfrm>
+          <a:off x="1524000" y="2679567"/>
+          <a:ext cx="6096000" cy="1112520"/>
+        </p:xfrm>
+        <a:graphic>
+          <a:graphicData uri="http://schemas.openxmlformats.org/drawingml/2006/table">
+            <a:tbl>
+              <a:tblPr firstRow="1" bandRow="1">
+                <a:tableStyleId>{5C22544A-7EE6-4342-B048-85BDC9FD1C3A}</a:tableStyleId>
+              </a:tblPr>
+              <a:tblGrid>
+                <a:gridCol w="1524000"/>
+                <a:gridCol w="1524000"/>
+                <a:gridCol w="1524000"/>
+                <a:gridCol w="1524000"/>
+              </a:tblGrid>
+              <a:tr h="370840">
+                <a:tc>
+                  <a:txBody>
+                    <a:bodyPr/>
+                    <a:lstStyle/>
+                    <a:p>
+                      <a:pPr algn="ctr"/>
+                      <a:r>
+                        <a:rPr lang="en-US" dirty="0" smtClean="0"/>
+                        <a:t>A</a:t>
+                      </a:r>
+                      <a:endParaRPr lang="en-US" dirty="0"/>
+                    </a:p>
+                  </a:txBody>
+                  <a:tcPr/>
+                </a:tc>
+                <a:tc>
+                  <a:txBody>
+                    <a:bodyPr/>
+                    <a:lstStyle/>
+                    <a:p>
+                      <a:pPr algn="ctr"/>
+                      <a:r>
+                        <a:rPr lang="en-US" dirty="0" smtClean="0"/>
+                        <a:t>B</a:t>
+                      </a:r>
+                      <a:endParaRPr lang="en-US" dirty="0"/>
+                    </a:p>
+                  </a:txBody>
+                  <a:tcPr/>
+                </a:tc>
+                <a:tc>
+                  <a:txBody>
+                    <a:bodyPr/>
+                    <a:lstStyle/>
+                    <a:p>
+                      <a:pPr algn="ctr"/>
+                      <a:r>
+                        <a:rPr lang="en-US" dirty="0" smtClean="0"/>
+                        <a:t>C</a:t>
+                      </a:r>
+                      <a:endParaRPr lang="en-US" dirty="0"/>
+                    </a:p>
+                  </a:txBody>
+                  <a:tcPr/>
+                </a:tc>
+                <a:tc>
+                  <a:txBody>
+                    <a:bodyPr/>
+                    <a:lstStyle/>
+                    <a:p>
+                      <a:pPr algn="ctr"/>
+                      <a:r>
+                        <a:rPr lang="en-US" dirty="0" smtClean="0"/>
+                        <a:t>Total</a:t>
+                      </a:r>
+                      <a:endParaRPr lang="en-US" dirty="0"/>
+                    </a:p>
+                  </a:txBody>
+                  <a:tcPr/>
+                </a:tc>
+              </a:tr>
+              <a:tr h="370840">
+                <a:tc>
+                  <a:txBody>
+                    <a:bodyPr/>
+                    <a:lstStyle/>
+                    <a:p>
+                      <a:pPr algn="ctr"/>
+                      <a:r>
+                        <a:rPr lang="en-US" dirty="0" smtClean="0"/>
+                        <a:t>10</a:t>
+                      </a:r>
+                      <a:endParaRPr lang="en-US" dirty="0"/>
+                    </a:p>
+                  </a:txBody>
+                  <a:tcPr/>
+                </a:tc>
+                <a:tc>
+                  <a:txBody>
+                    <a:bodyPr/>
+                    <a:lstStyle/>
+                    <a:p>
+                      <a:pPr algn="ctr"/>
+                      <a:r>
+                        <a:rPr lang="en-US" dirty="0" smtClean="0"/>
+                        <a:t>18</a:t>
+                      </a:r>
+                      <a:endParaRPr lang="en-US" dirty="0"/>
+                    </a:p>
+                  </a:txBody>
+                  <a:tcPr/>
+                </a:tc>
+                <a:tc>
+                  <a:txBody>
+                    <a:bodyPr/>
+                    <a:lstStyle/>
+                    <a:p>
+                      <a:pPr algn="ctr"/>
+                      <a:r>
+                        <a:rPr lang="en-US" dirty="0" smtClean="0"/>
+                        <a:t>12</a:t>
+                      </a:r>
+                      <a:endParaRPr lang="en-US" dirty="0"/>
+                    </a:p>
+                  </a:txBody>
+                  <a:tcPr/>
+                </a:tc>
+                <a:tc>
+                  <a:txBody>
+                    <a:bodyPr/>
+                    <a:lstStyle/>
+                    <a:p>
+                      <a:pPr algn="ctr"/>
+                      <a:r>
+                        <a:rPr lang="en-US" dirty="0" smtClean="0"/>
+                        <a:t>44</a:t>
+                      </a:r>
+                      <a:endParaRPr lang="en-US" dirty="0"/>
+                    </a:p>
+                  </a:txBody>
+                  <a:tcPr/>
+                </a:tc>
+              </a:tr>
+              <a:tr h="370840">
+                <a:tc>
+                  <a:txBody>
+                    <a:bodyPr/>
+                    <a:lstStyle/>
+                    <a:p>
+                      <a:pPr algn="ctr"/>
+                      <a:r>
+                        <a:rPr lang="en-US" dirty="0" smtClean="0"/>
+                        <a:t>9</a:t>
+                      </a:r>
+                      <a:endParaRPr lang="en-US" dirty="0"/>
+                    </a:p>
+                  </a:txBody>
+                  <a:tcPr/>
+                </a:tc>
+                <a:tc>
+                  <a:txBody>
+                    <a:bodyPr/>
+                    <a:lstStyle/>
+                    <a:p>
+                      <a:pPr algn="ctr"/>
+                      <a:r>
+                        <a:rPr lang="en-US" dirty="0" smtClean="0"/>
+                        <a:t>20</a:t>
+                      </a:r>
+                      <a:endParaRPr lang="en-US" dirty="0"/>
+                    </a:p>
+                  </a:txBody>
+                  <a:tcPr/>
+                </a:tc>
+                <a:tc>
+                  <a:txBody>
+                    <a:bodyPr/>
+                    <a:lstStyle/>
+                    <a:p>
+                      <a:pPr algn="ctr"/>
+                      <a:r>
+                        <a:rPr lang="en-US" dirty="0" smtClean="0"/>
+                        <a:t>11</a:t>
+                      </a:r>
+                      <a:endParaRPr lang="en-US" dirty="0"/>
+                    </a:p>
+                  </a:txBody>
+                  <a:tcPr/>
+                </a:tc>
+                <a:tc>
+                  <a:txBody>
+                    <a:bodyPr/>
+                    <a:lstStyle/>
+                    <a:p>
+                      <a:pPr algn="ctr"/>
+                      <a:r>
+                        <a:rPr lang="en-US" dirty="0" smtClean="0"/>
+                        <a:t>42</a:t>
+                      </a:r>
+                      <a:endParaRPr lang="en-US" dirty="0"/>
+                    </a:p>
+                  </a:txBody>
+                  <a:tcPr/>
+                </a:tc>
+              </a:tr>
+            </a:tbl>
+          </a:graphicData>
+        </a:graphic>
+      </p:graphicFrame>
+    </p:spTree>
+    <p:extLst>
+      <p:ext uri="{BB962C8B-B14F-4D97-AF65-F5344CB8AC3E}">
+        <p14:creationId xmlns:p14="http://schemas.microsoft.com/office/powerpoint/2010/main" val="866085967"/>
+      </p:ext>
+    </p:extLst>
+  </p:cSld>
+  <p:clrMapOvr>
+    <a:masterClrMapping/>
+  </p:clrMapOvr>
+  <p:timing>
+    <p:tnLst>
+      <p:par>
+        <p:cTn xmlns:p14="http://schemas.microsoft.com/office/powerpoint/2010/main" id="1" dur="indefinite" restart="never" nodeType="tmRoot"/>
+      </p:par>
+    </p:tnLst>
+  </p:timing>
+</p:sld>
+</file>
+
+<file path=ppt/slides/slide4.xml><?xml version="1.0" encoding="utf-8"?>
+<p:sld xmlns:a="http://schemas.openxmlformats.org/drawingml/2006/main" xmlns:r="http://schemas.openxmlformats.org/officeDocument/2006/relationships" xmlns:p="http://schemas.openxmlformats.org/presentationml/2006/main">
+  <p:cSld>
+    <p:spTree>
+      <p:nvGrpSpPr>
+        <p:cNvPr id="1" name=""/>
+        <p:cNvGrpSpPr/>
+        <p:nvPr/>
+      </p:nvGrpSpPr>
+      <p:grpSpPr>
+        <a:xfrm>
+          <a:off x="0" y="0"/>
+          <a:ext cx="0" cy="0"/>
+          <a:chOff x="0" y="0"/>
+          <a:chExt cx="0" cy="0"/>
+        </a:xfrm>
+      </p:grpSpPr>
+      <p:sp>
+        <p:nvSpPr>
+          <p:cNvPr id="2" name="Title 1"/>
+          <p:cNvSpPr>
+            <a:spLocks noGrp="1"/>
+          </p:cNvSpPr>
+          <p:nvPr>
+            <p:ph type="title"/>
+          </p:nvPr>
+        </p:nvSpPr>
+        <p:spPr/>
+        <p:txBody>
+          <a:bodyPr/>
+          <a:lstStyle/>
+          <a:p>
+            <a:r>
+              <a:rPr lang="en-US" dirty="0" smtClean="0"/>
+              <a:t>Path Analysis</a:t>
+            </a:r>
+            <a:endParaRPr lang="en-US" dirty="0"/>
+          </a:p>
+        </p:txBody>
+      </p:sp>
+      <p:sp>
+        <p:nvSpPr>
+          <p:cNvPr id="3" name="Content Placeholder 2"/>
+          <p:cNvSpPr>
+            <a:spLocks noGrp="1"/>
+          </p:cNvSpPr>
+          <p:nvPr>
+            <p:ph idx="1"/>
+          </p:nvPr>
+        </p:nvSpPr>
+        <p:spPr/>
+        <p:txBody>
+          <a:bodyPr/>
+          <a:lstStyle/>
+          <a:p>
+            <a:r>
+              <a:rPr lang="en-US" dirty="0" smtClean="0"/>
+              <a:t>Compute the distribution of requests over different paths</a:t>
+            </a:r>
+          </a:p>
+          <a:p>
+            <a:pPr lvl="1"/>
+            <a:r>
+              <a:rPr lang="en-US" dirty="0" smtClean="0"/>
+              <a:t>Evaluate how this distribution changes over time</a:t>
+            </a:r>
+          </a:p>
+          <a:p>
+            <a:r>
+              <a:rPr lang="en-US" dirty="0" smtClean="0"/>
+              <a:t>Novelty detection – appearance of new paths in the path distribution</a:t>
+            </a:r>
+          </a:p>
+          <a:p>
+            <a:r>
+              <a:rPr lang="en-US" dirty="0" smtClean="0"/>
+              <a:t>Summarize response time metric over different paths</a:t>
+            </a:r>
+            <a:endParaRPr lang="en-US" dirty="0"/>
+          </a:p>
+        </p:txBody>
+      </p:sp>
+    </p:spTree>
+    <p:extLst>
+      <p:ext uri="{BB962C8B-B14F-4D97-AF65-F5344CB8AC3E}">
+        <p14:creationId xmlns:p14="http://schemas.microsoft.com/office/powerpoint/2010/main" val="129284857"/>
+      </p:ext>
+    </p:extLst>
+  </p:cSld>
+  <p:clrMapOvr>
+    <a:masterClrMapping/>
+  </p:clrMapOvr>
+  <p:timing>
+    <p:tnLst>
+      <p:par>
+        <p:cTn xmlns:p14="http://schemas.microsoft.com/office/powerpoint/2010/main" id="1" dur="indefinite" restart="never" nodeType="tmRoot"/>
+      </p:par>
+    </p:tnLst>
+  </p:timing>
+</p:sld>
+</file>
+
+<file path=ppt/slides/slide40.xml><?xml version="1.0" encoding="utf-8"?>
+<p:sld xmlns:a="http://schemas.openxmlformats.org/drawingml/2006/main" xmlns:r="http://schemas.openxmlformats.org/officeDocument/2006/relationships" xmlns:p="http://schemas.openxmlformats.org/presentationml/2006/main">
+  <p:cSld>
+    <p:spTree>
+      <p:nvGrpSpPr>
+        <p:cNvPr id="1" name=""/>
+        <p:cNvGrpSpPr/>
+        <p:nvPr/>
+      </p:nvGrpSpPr>
+      <p:grpSpPr>
+        <a:xfrm>
+          <a:off x="0" y="0"/>
+          <a:ext cx="0" cy="0"/>
+          <a:chOff x="0" y="0"/>
+          <a:chExt cx="0" cy="0"/>
+        </a:xfrm>
+      </p:grpSpPr>
+      <p:sp>
+        <p:nvSpPr>
+          <p:cNvPr id="2" name="Title 1"/>
+          <p:cNvSpPr>
+            <a:spLocks noGrp="1"/>
+          </p:cNvSpPr>
+          <p:nvPr>
+            <p:ph type="title"/>
+          </p:nvPr>
+        </p:nvSpPr>
+        <p:spPr/>
+        <p:txBody>
+          <a:bodyPr/>
+          <a:lstStyle/>
+          <a:p>
+            <a:r>
+              <a:rPr lang="en-US" dirty="0" smtClean="0"/>
+              <a:t>Simulation Results</a:t>
+            </a:r>
+            <a:endParaRPr lang="en-US" dirty="0"/>
+          </a:p>
+        </p:txBody>
+      </p:sp>
+      <p:pic>
+        <p:nvPicPr>
+          <p:cNvPr id="6" name="Picture 5" descr="relimp_vs_time.pdf"/>
+          <p:cNvPicPr>
+            <a:picLocks noChangeAspect="1"/>
+          </p:cNvPicPr>
+          <p:nvPr/>
+        </p:nvPicPr>
+        <p:blipFill>
+          <a:blip r:embed="rId2">
+            <a:extLst>
+              <a:ext uri="{28A0092B-C50C-407E-A947-70E740481C1C}">
+                <a14:useLocalDpi xmlns:a14="http://schemas.microsoft.com/office/drawing/2010/main" val="0"/>
+              </a:ext>
+            </a:extLst>
+          </a:blip>
+          <a:stretch>
+            <a:fillRect/>
+          </a:stretch>
+        </p:blipFill>
+        <p:spPr>
+          <a:xfrm>
+            <a:off x="165100" y="1104900"/>
+            <a:ext cx="5524500" cy="5524500"/>
+          </a:xfrm>
+          <a:prstGeom prst="rect">
+            <a:avLst/>
+          </a:prstGeom>
+        </p:spPr>
+      </p:pic>
+      <p:sp>
+        <p:nvSpPr>
+          <p:cNvPr id="7" name="TextBox 6"/>
+          <p:cNvSpPr txBox="1"/>
+          <p:nvPr/>
+        </p:nvSpPr>
+        <p:spPr>
+          <a:xfrm>
+            <a:off x="5511800" y="1722438"/>
+            <a:ext cx="3492500" cy="1200329"/>
+          </a:xfrm>
+          <a:prstGeom prst="rect">
+            <a:avLst/>
+          </a:prstGeom>
+          <a:noFill/>
+        </p:spPr>
+        <p:txBody>
+          <a:bodyPr wrap="square" rtlCol="0">
+            <a:spAutoFit/>
+          </a:bodyPr>
+          <a:lstStyle/>
+          <a:p>
+            <a:r>
+              <a:rPr lang="en-US" dirty="0" smtClean="0"/>
+              <a:t>At t = 500, API call B starts behaving erratically causing its relative importance score to increase significantly.</a:t>
+            </a:r>
+          </a:p>
+        </p:txBody>
+      </p:sp>
+    </p:spTree>
+    <p:extLst>
+      <p:ext uri="{BB962C8B-B14F-4D97-AF65-F5344CB8AC3E}">
+        <p14:creationId xmlns:p14="http://schemas.microsoft.com/office/powerpoint/2010/main" val="1680518786"/>
+      </p:ext>
+    </p:extLst>
+  </p:cSld>
+  <p:clrMapOvr>
+    <a:masterClrMapping/>
+  </p:clrMapOvr>
+  <p:timing>
+    <p:tnLst>
+      <p:par>
+        <p:cTn xmlns:p14="http://schemas.microsoft.com/office/powerpoint/2010/main" id="1" dur="indefinite" restart="never" nodeType="tmRoot"/>
+      </p:par>
+    </p:tnLst>
+  </p:timing>
+</p:sld>
+</file>
+
+<file path=ppt/slides/slide41.xml><?xml version="1.0" encoding="utf-8"?>
+<p:sld xmlns:a="http://schemas.openxmlformats.org/drawingml/2006/main" xmlns:r="http://schemas.openxmlformats.org/officeDocument/2006/relationships" xmlns:p="http://schemas.openxmlformats.org/presentationml/2006/main">
+  <p:cSld>
+    <p:spTree>
+      <p:nvGrpSpPr>
+        <p:cNvPr id="1" name=""/>
+        <p:cNvGrpSpPr/>
+        <p:nvPr/>
+      </p:nvGrpSpPr>
+      <p:grpSpPr>
+        <a:xfrm>
+          <a:off x="0" y="0"/>
+          <a:ext cx="0" cy="0"/>
+          <a:chOff x="0" y="0"/>
+          <a:chExt cx="0" cy="0"/>
+        </a:xfrm>
+      </p:grpSpPr>
+      <p:sp>
+        <p:nvSpPr>
+          <p:cNvPr id="2" name="Title 1"/>
+          <p:cNvSpPr>
+            <a:spLocks noGrp="1"/>
+          </p:cNvSpPr>
+          <p:nvPr>
+            <p:ph type="title"/>
+          </p:nvPr>
+        </p:nvSpPr>
+        <p:spPr/>
+        <p:txBody>
+          <a:bodyPr/>
+          <a:lstStyle/>
+          <a:p>
+            <a:r>
+              <a:rPr lang="en-US" dirty="0" smtClean="0"/>
+              <a:t>Future Work</a:t>
+            </a:r>
+            <a:endParaRPr lang="en-US" dirty="0"/>
+          </a:p>
+        </p:txBody>
+      </p:sp>
+      <p:sp>
+        <p:nvSpPr>
+          <p:cNvPr id="3" name="Content Placeholder 2"/>
+          <p:cNvSpPr>
+            <a:spLocks noGrp="1"/>
+          </p:cNvSpPr>
+          <p:nvPr>
+            <p:ph idx="1"/>
+          </p:nvPr>
+        </p:nvSpPr>
+        <p:spPr/>
+        <p:txBody>
+          <a:bodyPr/>
+          <a:lstStyle/>
+          <a:p>
+            <a:endParaRPr lang="en-US"/>
+          </a:p>
+        </p:txBody>
+      </p:sp>
+    </p:spTree>
+    <p:extLst>
+      <p:ext uri="{BB962C8B-B14F-4D97-AF65-F5344CB8AC3E}">
+        <p14:creationId xmlns:p14="http://schemas.microsoft.com/office/powerpoint/2010/main" val="2296212584"/>
+      </p:ext>
+    </p:extLst>
+  </p:cSld>
+  <p:clrMapOvr>
+    <a:masterClrMapping/>
+  </p:clrMapOvr>
+  <p:timing>
+    <p:tnLst>
+      <p:par>
+        <p:cTn xmlns:p14="http://schemas.microsoft.com/office/powerpoint/2010/main" id="1" dur="indefinite" restart="never" nodeType="tmRoot"/>
+      </p:par>
+    </p:tnLst>
+  </p:timing>
+</p:sld>
+</file>
+
+<file path=ppt/slides/slide42.xml><?xml version="1.0" encoding="utf-8"?>
+<p:sld xmlns:a="http://schemas.openxmlformats.org/drawingml/2006/main" xmlns:r="http://schemas.openxmlformats.org/officeDocument/2006/relationships" xmlns:p="http://schemas.openxmlformats.org/presentationml/2006/main">
+  <p:cSld>
+    <p:spTree>
+      <p:nvGrpSpPr>
+        <p:cNvPr id="1" name=""/>
+        <p:cNvGrpSpPr/>
+        <p:nvPr/>
+      </p:nvGrpSpPr>
+      <p:grpSpPr>
+        <a:xfrm>
+          <a:off x="0" y="0"/>
+          <a:ext cx="0" cy="0"/>
+          <a:chOff x="0" y="0"/>
+          <a:chExt cx="0" cy="0"/>
+        </a:xfrm>
+      </p:grpSpPr>
+      <p:sp>
+        <p:nvSpPr>
+          <p:cNvPr id="2" name="Title 1"/>
+          <p:cNvSpPr>
+            <a:spLocks noGrp="1"/>
+          </p:cNvSpPr>
+          <p:nvPr>
+            <p:ph type="title"/>
+          </p:nvPr>
+        </p:nvSpPr>
+        <p:spPr/>
+        <p:txBody>
+          <a:bodyPr/>
+          <a:lstStyle/>
+          <a:p>
+            <a:r>
+              <a:rPr lang="en-US" dirty="0" smtClean="0"/>
+              <a:t>Summary and Conclusion</a:t>
+            </a:r>
+            <a:endParaRPr lang="en-US" dirty="0"/>
+          </a:p>
+        </p:txBody>
+      </p:sp>
+      <p:sp>
+        <p:nvSpPr>
+          <p:cNvPr id="3" name="Content Placeholder 2"/>
+          <p:cNvSpPr>
+            <a:spLocks noGrp="1"/>
+          </p:cNvSpPr>
+          <p:nvPr>
+            <p:ph idx="1"/>
+          </p:nvPr>
+        </p:nvSpPr>
+        <p:spPr/>
+        <p:txBody>
+          <a:bodyPr/>
+          <a:lstStyle/>
+          <a:p>
+            <a:endParaRPr lang="en-US"/>
+          </a:p>
+        </p:txBody>
+      </p:sp>
+    </p:spTree>
+    <p:extLst>
+      <p:ext uri="{BB962C8B-B14F-4D97-AF65-F5344CB8AC3E}">
+        <p14:creationId xmlns:p14="http://schemas.microsoft.com/office/powerpoint/2010/main" val="2047413276"/>
+      </p:ext>
+    </p:extLst>
+  </p:cSld>
+  <p:clrMapOvr>
+    <a:masterClrMapping/>
+  </p:clrMapOvr>
+  <p:timing>
+    <p:tnLst>
+      <p:par>
+        <p:cTn xmlns:p14="http://schemas.microsoft.com/office/powerpoint/2010/main" id="1" dur="indefinite" restart="never" nodeType="tmRoot"/>
+      </p:par>
+    </p:tnLst>
+  </p:timing>
+</p:sld>
+</file>
+
+<file path=ppt/slides/slide43.xml><?xml version="1.0" encoding="utf-8"?>
+<p:sld xmlns:a="http://schemas.openxmlformats.org/drawingml/2006/main" xmlns:r="http://schemas.openxmlformats.org/officeDocument/2006/relationships" xmlns:p="http://schemas.openxmlformats.org/presentationml/2006/main">
+  <p:cSld>
+    <p:spTree>
+      <p:nvGrpSpPr>
+        <p:cNvPr id="1" name=""/>
+        <p:cNvGrpSpPr/>
+        <p:nvPr/>
+      </p:nvGrpSpPr>
+      <p:grpSpPr>
+        <a:xfrm>
+          <a:off x="0" y="0"/>
+          <a:ext cx="0" cy="0"/>
+          <a:chOff x="0" y="0"/>
+          <a:chExt cx="0" cy="0"/>
+        </a:xfrm>
+      </p:grpSpPr>
+      <p:sp>
+        <p:nvSpPr>
+          <p:cNvPr id="2" name="Title 1"/>
+          <p:cNvSpPr>
+            <a:spLocks noGrp="1"/>
+          </p:cNvSpPr>
+          <p:nvPr>
+            <p:ph type="title"/>
+          </p:nvPr>
+        </p:nvSpPr>
+        <p:spPr/>
+        <p:txBody>
+          <a:bodyPr/>
+          <a:lstStyle/>
+          <a:p>
+            <a:r>
+              <a:rPr lang="en-US" dirty="0" smtClean="0"/>
+              <a:t>EAGER Prototype</a:t>
+            </a:r>
+            <a:endParaRPr lang="en-US" dirty="0"/>
+          </a:p>
+        </p:txBody>
+      </p:sp>
+      <p:sp>
+        <p:nvSpPr>
+          <p:cNvPr id="3" name="Content Placeholder 2"/>
+          <p:cNvSpPr>
+            <a:spLocks noGrp="1"/>
+          </p:cNvSpPr>
+          <p:nvPr>
+            <p:ph idx="1"/>
+          </p:nvPr>
+        </p:nvSpPr>
+        <p:spPr/>
+        <p:txBody>
+          <a:bodyPr/>
+          <a:lstStyle/>
+          <a:p>
+            <a:r>
+              <a:rPr lang="en-US" dirty="0"/>
+              <a:t>Implemented into </a:t>
+            </a:r>
+            <a:r>
+              <a:rPr lang="en-US" dirty="0" err="1"/>
+              <a:t>AppScale</a:t>
+            </a:r>
+            <a:endParaRPr lang="en-US" dirty="0"/>
+          </a:p>
+          <a:p>
+            <a:pPr lvl="1"/>
+            <a:r>
+              <a:rPr lang="en-US" dirty="0">
+                <a:hlinkClick r:id="rId2"/>
+              </a:rPr>
+              <a:t>http://appscale.com</a:t>
+            </a:r>
+            <a:endParaRPr lang="en-US" dirty="0"/>
+          </a:p>
+          <a:p>
+            <a:r>
+              <a:rPr lang="en-US" dirty="0"/>
+              <a:t>Metadata Manager – MySQL</a:t>
+            </a:r>
+          </a:p>
+          <a:p>
+            <a:r>
+              <a:rPr lang="en-US" dirty="0"/>
+              <a:t>API Gateway and Discovery Portal – WSO2</a:t>
+            </a:r>
+          </a:p>
+          <a:p>
+            <a:r>
+              <a:rPr lang="en-US" dirty="0"/>
+              <a:t>All additional processes integrated into the task management subsystem of </a:t>
+            </a:r>
+            <a:r>
+              <a:rPr lang="en-US" dirty="0" err="1"/>
+              <a:t>AppScale</a:t>
+            </a:r>
+            <a:endParaRPr lang="en-US" dirty="0"/>
+          </a:p>
+          <a:p>
+            <a:r>
+              <a:rPr lang="en-US" dirty="0"/>
+              <a:t>Minimal code changes/additions</a:t>
+            </a:r>
+          </a:p>
+          <a:p>
+            <a:endParaRPr lang="en-US" dirty="0"/>
+          </a:p>
+        </p:txBody>
+      </p:sp>
+      <p:pic>
+        <p:nvPicPr>
+          <p:cNvPr id="4" name="Picture 3" descr="AppScale_Systems_Logo.png"/>
+          <p:cNvPicPr>
+            <a:picLocks noChangeAspect="1"/>
+          </p:cNvPicPr>
+          <p:nvPr/>
+        </p:nvPicPr>
+        <p:blipFill>
+          <a:blip r:embed="rId3">
+            <a:extLst>
+              <a:ext uri="{28A0092B-C50C-407E-A947-70E740481C1C}">
+                <a14:useLocalDpi xmlns:a14="http://schemas.microsoft.com/office/drawing/2010/main" val="0"/>
+              </a:ext>
+            </a:extLst>
+          </a:blip>
+          <a:stretch>
+            <a:fillRect/>
+          </a:stretch>
+        </p:blipFill>
+        <p:spPr>
+          <a:xfrm>
+            <a:off x="8026307" y="5323279"/>
+            <a:ext cx="1117693" cy="1605768"/>
+          </a:xfrm>
+          <a:prstGeom prst="rect">
+            <a:avLst/>
+          </a:prstGeom>
+        </p:spPr>
+      </p:pic>
+    </p:spTree>
+    <p:extLst>
+      <p:ext uri="{BB962C8B-B14F-4D97-AF65-F5344CB8AC3E}">
+        <p14:creationId xmlns:p14="http://schemas.microsoft.com/office/powerpoint/2010/main" val="1699778603"/>
+      </p:ext>
+    </p:extLst>
+  </p:cSld>
+  <p:clrMapOvr>
+    <a:masterClrMapping/>
+  </p:clrMapOvr>
+  <p:timing>
+    <p:tnLst>
+      <p:par>
+        <p:cTn xmlns:p14="http://schemas.microsoft.com/office/powerpoint/2010/main" id="1" dur="indefinite" restart="never" nodeType="tmRoot"/>
+      </p:par>
+    </p:tnLst>
+  </p:timing>
+</p:sld>
+</file>
+
+<file path=ppt/slides/slide44.xml><?xml version="1.0" encoding="utf-8"?>
+<p:sld xmlns:a="http://schemas.openxmlformats.org/drawingml/2006/main" xmlns:r="http://schemas.openxmlformats.org/officeDocument/2006/relationships" xmlns:p="http://schemas.openxmlformats.org/presentationml/2006/main">
+  <p:cSld>
+    <p:spTree>
+      <p:nvGrpSpPr>
+        <p:cNvPr id="1" name=""/>
+        <p:cNvGrpSpPr/>
+        <p:nvPr/>
+      </p:nvGrpSpPr>
+      <p:grpSpPr>
+        <a:xfrm>
+          <a:off x="0" y="0"/>
+          <a:ext cx="0" cy="0"/>
+          <a:chOff x="0" y="0"/>
+          <a:chExt cx="0" cy="0"/>
+        </a:xfrm>
+      </p:grpSpPr>
+      <p:sp>
+        <p:nvSpPr>
+          <p:cNvPr id="2" name="Title 1"/>
+          <p:cNvSpPr>
+            <a:spLocks noGrp="1"/>
+          </p:cNvSpPr>
+          <p:nvPr>
+            <p:ph type="title"/>
+          </p:nvPr>
+        </p:nvSpPr>
+        <p:spPr/>
+        <p:txBody>
+          <a:bodyPr/>
+          <a:lstStyle/>
+          <a:p>
+            <a:r>
+              <a:rPr lang="en-US" dirty="0" smtClean="0"/>
+              <a:t>EAGER Overhead by App</a:t>
+            </a:r>
+            <a:endParaRPr lang="en-US" dirty="0"/>
+          </a:p>
+        </p:txBody>
+      </p:sp>
+      <p:pic>
+        <p:nvPicPr>
+          <p:cNvPr id="4" name="Content Placeholder 3" descr="overhead_by_app.png"/>
+          <p:cNvPicPr>
+            <a:picLocks noGrp="1" noChangeAspect="1"/>
+          </p:cNvPicPr>
+          <p:nvPr>
+            <p:ph idx="1"/>
+          </p:nvPr>
+        </p:nvPicPr>
+        <p:blipFill>
+          <a:blip r:embed="rId2">
+            <a:extLst>
+              <a:ext uri="{28A0092B-C50C-407E-A947-70E740481C1C}">
+                <a14:useLocalDpi xmlns:a14="http://schemas.microsoft.com/office/drawing/2010/main" val="0"/>
+              </a:ext>
+            </a:extLst>
+          </a:blip>
+          <a:srcRect l="-7416" r="-7416"/>
+          <a:stretch>
+            <a:fillRect/>
+          </a:stretch>
+        </p:blipFill>
+        <p:spPr/>
+      </p:pic>
+    </p:spTree>
+    <p:extLst>
+      <p:ext uri="{BB962C8B-B14F-4D97-AF65-F5344CB8AC3E}">
+        <p14:creationId xmlns:p14="http://schemas.microsoft.com/office/powerpoint/2010/main" val="1956200155"/>
+      </p:ext>
+    </p:extLst>
+  </p:cSld>
+  <p:clrMapOvr>
+    <a:masterClrMapping/>
+  </p:clrMapOvr>
+  <p:timing>
+    <p:tnLst>
+      <p:par>
+        <p:cTn xmlns:p14="http://schemas.microsoft.com/office/powerpoint/2010/main" id="1" dur="indefinite" restart="never" nodeType="tmRoot"/>
+      </p:par>
+    </p:tnLst>
+  </p:timing>
+</p:sld>
+</file>
+
+<file path=ppt/slides/slide45.xml><?xml version="1.0" encoding="utf-8"?>
+<p:sld xmlns:a="http://schemas.openxmlformats.org/drawingml/2006/main" xmlns:r="http://schemas.openxmlformats.org/officeDocument/2006/relationships" xmlns:p="http://schemas.openxmlformats.org/presentationml/2006/main">
+  <p:cSld>
+    <p:spTree>
+      <p:nvGrpSpPr>
+        <p:cNvPr id="1" name=""/>
+        <p:cNvGrpSpPr/>
+        <p:nvPr/>
+      </p:nvGrpSpPr>
+      <p:grpSpPr>
+        <a:xfrm>
+          <a:off x="0" y="0"/>
+          <a:ext cx="0" cy="0"/>
+          <a:chOff x="0" y="0"/>
+          <a:chExt cx="0" cy="0"/>
+        </a:xfrm>
+      </p:grpSpPr>
+      <p:sp>
+        <p:nvSpPr>
+          <p:cNvPr id="2" name="Title 1"/>
+          <p:cNvSpPr>
+            <a:spLocks noGrp="1"/>
+          </p:cNvSpPr>
+          <p:nvPr>
+            <p:ph type="title"/>
+          </p:nvPr>
+        </p:nvSpPr>
+        <p:spPr/>
+        <p:txBody>
+          <a:bodyPr/>
+          <a:lstStyle/>
+          <a:p>
+            <a:r>
+              <a:rPr lang="en-US" dirty="0" smtClean="0"/>
+              <a:t>EAGER Overhead </a:t>
+            </a:r>
+            <a:r>
+              <a:rPr lang="en-US" dirty="0" err="1" smtClean="0"/>
+              <a:t>vs</a:t>
+            </a:r>
+            <a:r>
+              <a:rPr lang="en-US" dirty="0" smtClean="0"/>
+              <a:t> Policies</a:t>
+            </a:r>
+            <a:endParaRPr lang="en-US" dirty="0"/>
+          </a:p>
+        </p:txBody>
+      </p:sp>
+      <p:pic>
+        <p:nvPicPr>
+          <p:cNvPr id="4" name="Content Placeholder 5" descr="overhead_by_policies.png"/>
+          <p:cNvPicPr>
+            <a:picLocks noGrp="1" noChangeAspect="1"/>
+          </p:cNvPicPr>
+          <p:nvPr>
+            <p:ph idx="1"/>
+          </p:nvPr>
+        </p:nvPicPr>
+        <p:blipFill>
+          <a:blip r:embed="rId2">
+            <a:extLst>
+              <a:ext uri="{28A0092B-C50C-407E-A947-70E740481C1C}">
+                <a14:useLocalDpi xmlns:a14="http://schemas.microsoft.com/office/drawing/2010/main" val="0"/>
+              </a:ext>
+            </a:extLst>
+          </a:blip>
+          <a:srcRect l="-7502" r="-7502"/>
+          <a:stretch>
+            <a:fillRect/>
+          </a:stretch>
+        </p:blipFill>
+        <p:spPr/>
+      </p:pic>
+    </p:spTree>
+    <p:extLst>
+      <p:ext uri="{BB962C8B-B14F-4D97-AF65-F5344CB8AC3E}">
+        <p14:creationId xmlns:p14="http://schemas.microsoft.com/office/powerpoint/2010/main" val="1901845792"/>
+      </p:ext>
+    </p:extLst>
+  </p:cSld>
+  <p:clrMapOvr>
+    <a:masterClrMapping/>
+  </p:clrMapOvr>
+  <p:timing>
+    <p:tnLst>
+      <p:par>
+        <p:cTn xmlns:p14="http://schemas.microsoft.com/office/powerpoint/2010/main" id="1" dur="indefinite" restart="never" nodeType="tmRoot"/>
+      </p:par>
+    </p:tnLst>
+  </p:timing>
+</p:sld>
+</file>
+
+<file path=ppt/slides/slide46.xml><?xml version="1.0" encoding="utf-8"?>
+<p:sld xmlns:a="http://schemas.openxmlformats.org/drawingml/2006/main" xmlns:r="http://schemas.openxmlformats.org/officeDocument/2006/relationships" xmlns:p="http://schemas.openxmlformats.org/presentationml/2006/main">
+  <p:cSld>
+    <p:spTree>
+      <p:nvGrpSpPr>
+        <p:cNvPr id="1" name=""/>
+        <p:cNvGrpSpPr/>
+        <p:nvPr/>
+      </p:nvGrpSpPr>
+      <p:grpSpPr>
+        <a:xfrm>
+          <a:off x="0" y="0"/>
+          <a:ext cx="0" cy="0"/>
+          <a:chOff x="0" y="0"/>
+          <a:chExt cx="0" cy="0"/>
+        </a:xfrm>
+      </p:grpSpPr>
+      <p:sp>
+        <p:nvSpPr>
+          <p:cNvPr id="2" name="Title 1"/>
+          <p:cNvSpPr>
+            <a:spLocks noGrp="1"/>
+          </p:cNvSpPr>
+          <p:nvPr>
+            <p:ph type="title"/>
+          </p:nvPr>
+        </p:nvSpPr>
+        <p:spPr/>
+        <p:txBody>
+          <a:bodyPr/>
+          <a:lstStyle/>
+          <a:p>
+            <a:r>
+              <a:rPr lang="en-US" dirty="0" err="1" smtClean="0"/>
+              <a:t>ProgrammableWeb</a:t>
+            </a:r>
+            <a:r>
+              <a:rPr lang="en-US" dirty="0" smtClean="0"/>
+              <a:t> Dataset</a:t>
+            </a:r>
+            <a:endParaRPr lang="en-US" dirty="0"/>
+          </a:p>
+        </p:txBody>
+      </p:sp>
+      <p:pic>
+        <p:nvPicPr>
+          <p:cNvPr id="4" name="Content Placeholder 3" descr="pweb_sample_overhead.png"/>
+          <p:cNvPicPr>
+            <a:picLocks noGrp="1" noChangeAspect="1"/>
+          </p:cNvPicPr>
+          <p:nvPr>
+            <p:ph idx="1"/>
+          </p:nvPr>
+        </p:nvPicPr>
+        <p:blipFill>
+          <a:blip r:embed="rId2">
+            <a:extLst>
+              <a:ext uri="{28A0092B-C50C-407E-A947-70E740481C1C}">
+                <a14:useLocalDpi xmlns:a14="http://schemas.microsoft.com/office/drawing/2010/main" val="0"/>
+              </a:ext>
+            </a:extLst>
+          </a:blip>
+          <a:srcRect l="-7502" r="-7502"/>
+          <a:stretch>
+            <a:fillRect/>
+          </a:stretch>
+        </p:blipFill>
+        <p:spPr/>
+      </p:pic>
+      <p:sp>
+        <p:nvSpPr>
+          <p:cNvPr id="5" name="TextBox 4"/>
+          <p:cNvSpPr txBox="1"/>
+          <p:nvPr/>
+        </p:nvSpPr>
+        <p:spPr>
+          <a:xfrm>
+            <a:off x="457200" y="6466022"/>
+            <a:ext cx="8229600" cy="369332"/>
+          </a:xfrm>
+          <a:prstGeom prst="rect">
+            <a:avLst/>
+          </a:prstGeom>
+          <a:noFill/>
+        </p:spPr>
+        <p:txBody>
+          <a:bodyPr wrap="square" rtlCol="0">
+            <a:spAutoFit/>
+          </a:bodyPr>
+          <a:lstStyle/>
+          <a:p>
+            <a:r>
+              <a:rPr lang="en-US" dirty="0" smtClean="0"/>
+              <a:t>0 policies; 18322 APIs in DB; 33615 dependency edges </a:t>
+            </a:r>
+            <a:endParaRPr lang="en-US" dirty="0"/>
+          </a:p>
+        </p:txBody>
+      </p:sp>
+    </p:spTree>
+    <p:extLst>
+      <p:ext uri="{BB962C8B-B14F-4D97-AF65-F5344CB8AC3E}">
+        <p14:creationId xmlns:p14="http://schemas.microsoft.com/office/powerpoint/2010/main" val="21886181"/>
+      </p:ext>
+    </p:extLst>
+  </p:cSld>
+  <p:clrMapOvr>
+    <a:masterClrMapping/>
+  </p:clrMapOvr>
+  <p:timing>
+    <p:tnLst>
+      <p:par>
+        <p:cTn xmlns:p14="http://schemas.microsoft.com/office/powerpoint/2010/main" id="1" dur="indefinite" restart="never" nodeType="tmRoot"/>
+      </p:par>
+    </p:tnLst>
+  </p:timing>
+</p:sld>
+</file>
+
+<file path=ppt/slides/slide47.xml><?xml version="1.0" encoding="utf-8"?>
+<p:sld xmlns:a="http://schemas.openxmlformats.org/drawingml/2006/main" xmlns:r="http://schemas.openxmlformats.org/officeDocument/2006/relationships" xmlns:p="http://schemas.openxmlformats.org/presentationml/2006/main">
+  <p:cSld>
+    <p:spTree>
+      <p:nvGrpSpPr>
+        <p:cNvPr id="1" name=""/>
+        <p:cNvGrpSpPr/>
+        <p:nvPr/>
+      </p:nvGrpSpPr>
+      <p:grpSpPr>
+        <a:xfrm>
+          <a:off x="0" y="0"/>
+          <a:ext cx="0" cy="0"/>
+          <a:chOff x="0" y="0"/>
+          <a:chExt cx="0" cy="0"/>
+        </a:xfrm>
+      </p:grpSpPr>
+      <p:sp>
+        <p:nvSpPr>
+          <p:cNvPr id="2" name="Title 1"/>
+          <p:cNvSpPr>
+            <a:spLocks noGrp="1"/>
+          </p:cNvSpPr>
+          <p:nvPr>
+            <p:ph type="title"/>
+          </p:nvPr>
+        </p:nvSpPr>
+        <p:spPr/>
+        <p:txBody>
+          <a:bodyPr/>
+          <a:lstStyle/>
+          <a:p>
+            <a:r>
+              <a:rPr lang="en-US" dirty="0" smtClean="0"/>
+              <a:t>Evaluation: Prediction Tightness </a:t>
+            </a:r>
+            <a:endParaRPr lang="en-US" dirty="0"/>
+          </a:p>
+        </p:txBody>
+      </p:sp>
+      <p:pic>
+        <p:nvPicPr>
+          <p:cNvPr id="4" name="Content Placeholder 3" descr="diff_summary.png"/>
+          <p:cNvPicPr>
+            <a:picLocks noGrp="1" noChangeAspect="1"/>
+          </p:cNvPicPr>
+          <p:nvPr>
+            <p:ph idx="1"/>
+          </p:nvPr>
+        </p:nvPicPr>
+        <p:blipFill>
+          <a:blip r:embed="rId2">
+            <a:extLst>
+              <a:ext uri="{28A0092B-C50C-407E-A947-70E740481C1C}">
+                <a14:useLocalDpi xmlns:a14="http://schemas.microsoft.com/office/drawing/2010/main" val="0"/>
+              </a:ext>
+            </a:extLst>
+          </a:blip>
+          <a:srcRect l="-10678" r="-10678"/>
+          <a:stretch>
+            <a:fillRect/>
+          </a:stretch>
+        </p:blipFill>
+        <p:spPr>
+          <a:xfrm>
+            <a:off x="-406425" y="1283494"/>
+            <a:ext cx="9771727" cy="5374073"/>
+          </a:xfrm>
+        </p:spPr>
+      </p:pic>
+      <p:sp>
+        <p:nvSpPr>
+          <p:cNvPr id="3" name="Slide Number Placeholder 2"/>
+          <p:cNvSpPr>
+            <a:spLocks noGrp="1"/>
+          </p:cNvSpPr>
+          <p:nvPr>
+            <p:ph type="sldNum" sz="quarter" idx="12"/>
+          </p:nvPr>
+        </p:nvSpPr>
+        <p:spPr/>
+        <p:txBody>
+          <a:bodyPr/>
+          <a:lstStyle/>
+          <a:p>
+            <a:fld id="{3336F440-0623-F948-B0BF-C3A0BAE2BBD0}" type="slidenum">
+              <a:rPr lang="en-US" smtClean="0"/>
+              <a:pPr/>
+              <a:t>47</a:t>
+            </a:fld>
+            <a:endParaRPr lang="en-US"/>
+          </a:p>
+        </p:txBody>
+      </p:sp>
+    </p:spTree>
+    <p:extLst>
+      <p:ext uri="{BB962C8B-B14F-4D97-AF65-F5344CB8AC3E}">
+        <p14:creationId xmlns:p14="http://schemas.microsoft.com/office/powerpoint/2010/main" val="2358184042"/>
+      </p:ext>
+    </p:extLst>
+  </p:cSld>
+  <p:clrMapOvr>
+    <a:masterClrMapping/>
+  </p:clrMapOvr>
+  <p:timing>
+    <p:tnLst>
+      <p:par>
+        <p:cTn xmlns:p14="http://schemas.microsoft.com/office/powerpoint/2010/main" id="1" dur="indefinite" restart="never" nodeType="tmRoot"/>
+      </p:par>
+    </p:tnLst>
+  </p:timing>
+</p:sld>
+</file>
+
+<file path=ppt/slides/slide48.xml><?xml version="1.0" encoding="utf-8"?>
+<p:sld xmlns:a="http://schemas.openxmlformats.org/drawingml/2006/main" xmlns:r="http://schemas.openxmlformats.org/officeDocument/2006/relationships" xmlns:p="http://schemas.openxmlformats.org/presentationml/2006/main">
+  <p:cSld>
+    <p:spTree>
+      <p:nvGrpSpPr>
+        <p:cNvPr id="1" name=""/>
+        <p:cNvGrpSpPr/>
+        <p:nvPr/>
+      </p:nvGrpSpPr>
+      <p:grpSpPr>
+        <a:xfrm>
+          <a:off x="0" y="0"/>
+          <a:ext cx="0" cy="0"/>
+          <a:chOff x="0" y="0"/>
+          <a:chExt cx="0" cy="0"/>
+        </a:xfrm>
+      </p:grpSpPr>
+      <p:sp>
+        <p:nvSpPr>
+          <p:cNvPr id="2" name="Title 1"/>
+          <p:cNvSpPr>
+            <a:spLocks noGrp="1"/>
+          </p:cNvSpPr>
+          <p:nvPr>
+            <p:ph type="title"/>
+          </p:nvPr>
+        </p:nvSpPr>
+        <p:spPr/>
+        <p:txBody>
+          <a:bodyPr/>
+          <a:lstStyle/>
+          <a:p>
+            <a:r>
+              <a:rPr lang="en-US" dirty="0" smtClean="0"/>
               <a:t>SLA Validity Periods (In Hours)</a:t>
             </a:r>
             <a:endParaRPr lang="en-US" dirty="0"/>
@@ -8362,7 +10801,7 @@
             <p:ph idx="1"/>
             <p:extLst>
               <p:ext uri="{D42A27DB-BD31-4B8C-83A1-F6EECF244321}">
-                <p14:modId xmlns:p14="http://schemas.microsoft.com/office/powerpoint/2010/main" val="3688840244"/>
+                <p14:modId xmlns:p14="http://schemas.microsoft.com/office/powerpoint/2010/main" val="1245316693"/>
               </p:ext>
             </p:extLst>
           </p:nvPr>
@@ -9002,7 +11441,7 @@
           <a:p>
             <a:fld id="{4940F666-E5FA-274D-B0C1-53A0010BDC84}" type="slidenum">
               <a:rPr lang="en-US" smtClean="0"/>
-              <a:t>36</a:t>
+              <a:t>48</a:t>
             </a:fld>
             <a:endParaRPr lang="en-US"/>
           </a:p>
@@ -9011,7 +11450,7 @@
     </p:spTree>
     <p:extLst>
       <p:ext uri="{BB962C8B-B14F-4D97-AF65-F5344CB8AC3E}">
-        <p14:creationId xmlns:p14="http://schemas.microsoft.com/office/powerpoint/2010/main" val="531190829"/>
+        <p14:creationId xmlns:p14="http://schemas.microsoft.com/office/powerpoint/2010/main" val="2401849987"/>
       </p:ext>
     </p:extLst>
   </p:cSld>
@@ -9028,7 +11467,7 @@
 </p:sld>
 </file>
 
-<file path=ppt/slides/slide37.xml><?xml version="1.0" encoding="utf-8"?>
+<file path=ppt/slides/slide49.xml><?xml version="1.0" encoding="utf-8"?>
 <p:sld xmlns:a="http://schemas.openxmlformats.org/drawingml/2006/main" xmlns:r="http://schemas.openxmlformats.org/officeDocument/2006/relationships" xmlns:p="http://schemas.openxmlformats.org/presentationml/2006/main">
   <p:cSld>
     <p:spTree>
@@ -9110,7 +11549,7 @@
           <a:p>
             <a:fld id="{4940F666-E5FA-274D-B0C1-53A0010BDC84}" type="slidenum">
               <a:rPr lang="en-US" smtClean="0"/>
-              <a:t>37</a:t>
+              <a:t>49</a:t>
             </a:fld>
             <a:endParaRPr lang="en-US"/>
           </a:p>
@@ -9119,2208 +11558,7 @@
     </p:spTree>
     <p:extLst>
       <p:ext uri="{BB962C8B-B14F-4D97-AF65-F5344CB8AC3E}">
-        <p14:creationId xmlns:p14="http://schemas.microsoft.com/office/powerpoint/2010/main" val="1710790597"/>
-      </p:ext>
-    </p:extLst>
-  </p:cSld>
-  <p:clrMapOvr>
-    <a:masterClrMapping/>
-  </p:clrMapOvr>
-  <p:timing>
-    <p:tnLst>
-      <p:par>
-        <p:cTn xmlns:p14="http://schemas.microsoft.com/office/powerpoint/2010/main" id="1" dur="indefinite" restart="never" nodeType="tmRoot"/>
-      </p:par>
-    </p:tnLst>
-  </p:timing>
-</p:sld>
-</file>
-
-<file path=ppt/slides/slide38.xml><?xml version="1.0" encoding="utf-8"?>
-<p:sld xmlns:a="http://schemas.openxmlformats.org/drawingml/2006/main" xmlns:r="http://schemas.openxmlformats.org/officeDocument/2006/relationships" xmlns:p="http://schemas.openxmlformats.org/presentationml/2006/main">
-  <p:cSld>
-    <p:spTree>
-      <p:nvGrpSpPr>
-        <p:cNvPr id="1" name=""/>
-        <p:cNvGrpSpPr/>
-        <p:nvPr/>
-      </p:nvGrpSpPr>
-      <p:grpSpPr>
-        <a:xfrm>
-          <a:off x="0" y="0"/>
-          <a:ext cx="0" cy="0"/>
-          <a:chOff x="0" y="0"/>
-          <a:chExt cx="0" cy="0"/>
-        </a:xfrm>
-      </p:grpSpPr>
-      <p:sp>
-        <p:nvSpPr>
-          <p:cNvPr id="2" name="Title 1"/>
-          <p:cNvSpPr>
-            <a:spLocks noGrp="1"/>
-          </p:cNvSpPr>
-          <p:nvPr>
-            <p:ph type="title"/>
-          </p:nvPr>
-        </p:nvSpPr>
-        <p:spPr/>
-        <p:txBody>
-          <a:bodyPr>
-            <a:normAutofit fontScale="90000"/>
-          </a:bodyPr>
-          <a:lstStyle/>
-          <a:p>
-            <a:r>
-              <a:rPr lang="en-US" dirty="0" smtClean="0"/>
-              <a:t>Performance Anomaly Detection and Bottleneck Identification</a:t>
-            </a:r>
-            <a:endParaRPr lang="en-US" dirty="0"/>
-          </a:p>
-        </p:txBody>
-      </p:sp>
-      <p:sp>
-        <p:nvSpPr>
-          <p:cNvPr id="3" name="Content Placeholder 2"/>
-          <p:cNvSpPr>
-            <a:spLocks noGrp="1"/>
-          </p:cNvSpPr>
-          <p:nvPr>
-            <p:ph idx="1"/>
-          </p:nvPr>
-        </p:nvSpPr>
-        <p:spPr/>
-        <p:txBody>
-          <a:bodyPr/>
-          <a:lstStyle/>
-          <a:p>
-            <a:r>
-              <a:rPr lang="en-US" dirty="0" smtClean="0"/>
-              <a:t>Detect changes in observable performance metrics</a:t>
-            </a:r>
-          </a:p>
-          <a:p>
-            <a:pPr lvl="1"/>
-            <a:r>
-              <a:rPr lang="en-US" dirty="0" smtClean="0"/>
-              <a:t>Increased response time</a:t>
-            </a:r>
-          </a:p>
-          <a:p>
-            <a:r>
-              <a:rPr lang="en-US" dirty="0" smtClean="0"/>
-              <a:t>Check if the application performance is explained by the workload</a:t>
-            </a:r>
-          </a:p>
-          <a:p>
-            <a:r>
-              <a:rPr lang="en-US" dirty="0" smtClean="0"/>
-              <a:t>Identify bottlenecks in the cloud platform</a:t>
-            </a:r>
-          </a:p>
-          <a:p>
-            <a:r>
-              <a:rPr lang="en-US" dirty="0" smtClean="0"/>
-              <a:t>No invasive application instrumentation</a:t>
-            </a:r>
-          </a:p>
-          <a:p>
-            <a:pPr lvl="1"/>
-            <a:r>
-              <a:rPr lang="en-US" dirty="0" smtClean="0"/>
-              <a:t>No additional restrictions on application code</a:t>
-            </a:r>
-            <a:endParaRPr lang="en-US" dirty="0"/>
-          </a:p>
-        </p:txBody>
-      </p:sp>
-    </p:spTree>
-    <p:extLst>
-      <p:ext uri="{BB962C8B-B14F-4D97-AF65-F5344CB8AC3E}">
-        <p14:creationId xmlns:p14="http://schemas.microsoft.com/office/powerpoint/2010/main" val="442042417"/>
-      </p:ext>
-    </p:extLst>
-  </p:cSld>
-  <p:clrMapOvr>
-    <a:masterClrMapping/>
-  </p:clrMapOvr>
-  <p:timing>
-    <p:tnLst>
-      <p:par>
-        <p:cTn xmlns:p14="http://schemas.microsoft.com/office/powerpoint/2010/main" id="1" dur="indefinite" restart="never" nodeType="tmRoot"/>
-      </p:par>
-    </p:tnLst>
-  </p:timing>
-</p:sld>
-</file>
-
-<file path=ppt/slides/slide39.xml><?xml version="1.0" encoding="utf-8"?>
-<p:sld xmlns:a="http://schemas.openxmlformats.org/drawingml/2006/main" xmlns:r="http://schemas.openxmlformats.org/officeDocument/2006/relationships" xmlns:p="http://schemas.openxmlformats.org/presentationml/2006/main">
-  <p:cSld>
-    <p:spTree>
-      <p:nvGrpSpPr>
-        <p:cNvPr id="1" name=""/>
-        <p:cNvGrpSpPr/>
-        <p:nvPr/>
-      </p:nvGrpSpPr>
-      <p:grpSpPr>
-        <a:xfrm>
-          <a:off x="0" y="0"/>
-          <a:ext cx="0" cy="0"/>
-          <a:chOff x="0" y="0"/>
-          <a:chExt cx="0" cy="0"/>
-        </a:xfrm>
-      </p:grpSpPr>
-      <p:sp>
-        <p:nvSpPr>
-          <p:cNvPr id="2" name="Title 1"/>
-          <p:cNvSpPr>
-            <a:spLocks noGrp="1"/>
-          </p:cNvSpPr>
-          <p:nvPr>
-            <p:ph type="title"/>
-          </p:nvPr>
-        </p:nvSpPr>
-        <p:spPr/>
-        <p:txBody>
-          <a:bodyPr/>
-          <a:lstStyle/>
-          <a:p>
-            <a:r>
-              <a:rPr lang="en-US" dirty="0" smtClean="0"/>
-              <a:t>Roots</a:t>
-            </a:r>
-            <a:endParaRPr lang="en-US" dirty="0"/>
-          </a:p>
-        </p:txBody>
-      </p:sp>
-      <p:sp>
-        <p:nvSpPr>
-          <p:cNvPr id="3" name="Content Placeholder 2"/>
-          <p:cNvSpPr>
-            <a:spLocks noGrp="1"/>
-          </p:cNvSpPr>
-          <p:nvPr>
-            <p:ph idx="1"/>
-          </p:nvPr>
-        </p:nvSpPr>
-        <p:spPr/>
-        <p:txBody>
-          <a:bodyPr>
-            <a:normAutofit/>
-          </a:bodyPr>
-          <a:lstStyle/>
-          <a:p>
-            <a:r>
-              <a:rPr lang="en-US" dirty="0" smtClean="0"/>
-              <a:t>Data collection</a:t>
-            </a:r>
-          </a:p>
-          <a:p>
-            <a:pPr lvl="1"/>
-            <a:r>
-              <a:rPr lang="en-US" dirty="0" smtClean="0"/>
-              <a:t>Probes/SLO checks</a:t>
-            </a:r>
-          </a:p>
-          <a:p>
-            <a:pPr lvl="1"/>
-            <a:r>
-              <a:rPr lang="en-US" dirty="0" smtClean="0"/>
-              <a:t>Web server access logs</a:t>
-            </a:r>
-          </a:p>
-          <a:p>
-            <a:pPr lvl="1"/>
-            <a:r>
-              <a:rPr lang="en-US" dirty="0" err="1" smtClean="0"/>
-              <a:t>PaaS</a:t>
-            </a:r>
-            <a:r>
-              <a:rPr lang="en-US" dirty="0" smtClean="0"/>
-              <a:t> SDK invocations</a:t>
-            </a:r>
-          </a:p>
-          <a:p>
-            <a:r>
-              <a:rPr lang="en-US" dirty="0" smtClean="0"/>
-              <a:t>Data analysis</a:t>
-            </a:r>
-          </a:p>
-          <a:p>
-            <a:pPr lvl="1"/>
-            <a:r>
-              <a:rPr lang="en-US" dirty="0" smtClean="0"/>
-              <a:t>Multiple approaches for anomaly detection</a:t>
-            </a:r>
-          </a:p>
-          <a:p>
-            <a:pPr lvl="1"/>
-            <a:r>
-              <a:rPr lang="en-US" dirty="0" smtClean="0"/>
-              <a:t>Change point detection in workload traces</a:t>
-            </a:r>
-          </a:p>
-          <a:p>
-            <a:pPr lvl="1"/>
-            <a:r>
-              <a:rPr lang="en-US" dirty="0" smtClean="0"/>
-              <a:t>Linear regression and relative importance analysis</a:t>
-            </a:r>
-            <a:endParaRPr lang="en-US" dirty="0"/>
-          </a:p>
-        </p:txBody>
-      </p:sp>
-    </p:spTree>
-    <p:extLst>
-      <p:ext uri="{BB962C8B-B14F-4D97-AF65-F5344CB8AC3E}">
-        <p14:creationId xmlns:p14="http://schemas.microsoft.com/office/powerpoint/2010/main" val="347400144"/>
-      </p:ext>
-    </p:extLst>
-  </p:cSld>
-  <p:clrMapOvr>
-    <a:masterClrMapping/>
-  </p:clrMapOvr>
-  <p:timing>
-    <p:tnLst>
-      <p:par>
-        <p:cTn xmlns:p14="http://schemas.microsoft.com/office/powerpoint/2010/main" id="1" dur="indefinite" restart="never" nodeType="tmRoot"/>
-      </p:par>
-    </p:tnLst>
-  </p:timing>
-</p:sld>
-</file>
-
-<file path=ppt/slides/slide4.xml><?xml version="1.0" encoding="utf-8"?>
-<p:sld xmlns:a="http://schemas.openxmlformats.org/drawingml/2006/main" xmlns:r="http://schemas.openxmlformats.org/officeDocument/2006/relationships" xmlns:p="http://schemas.openxmlformats.org/presentationml/2006/main">
-  <p:cSld>
-    <p:spTree>
-      <p:nvGrpSpPr>
-        <p:cNvPr id="1" name=""/>
-        <p:cNvGrpSpPr/>
-        <p:nvPr/>
-      </p:nvGrpSpPr>
-      <p:grpSpPr>
-        <a:xfrm>
-          <a:off x="0" y="0"/>
-          <a:ext cx="0" cy="0"/>
-          <a:chOff x="0" y="0"/>
-          <a:chExt cx="0" cy="0"/>
-        </a:xfrm>
-      </p:grpSpPr>
-      <p:sp>
-        <p:nvSpPr>
-          <p:cNvPr id="2" name="Title 1"/>
-          <p:cNvSpPr>
-            <a:spLocks noGrp="1"/>
-          </p:cNvSpPr>
-          <p:nvPr>
-            <p:ph type="title"/>
-          </p:nvPr>
-        </p:nvSpPr>
-        <p:spPr/>
-        <p:txBody>
-          <a:bodyPr/>
-          <a:lstStyle/>
-          <a:p>
-            <a:r>
-              <a:rPr lang="en-US" dirty="0" smtClean="0"/>
-              <a:t>Path Analysis</a:t>
-            </a:r>
-            <a:endParaRPr lang="en-US" dirty="0"/>
-          </a:p>
-        </p:txBody>
-      </p:sp>
-      <p:sp>
-        <p:nvSpPr>
-          <p:cNvPr id="3" name="Content Placeholder 2"/>
-          <p:cNvSpPr>
-            <a:spLocks noGrp="1"/>
-          </p:cNvSpPr>
-          <p:nvPr>
-            <p:ph idx="1"/>
-          </p:nvPr>
-        </p:nvSpPr>
-        <p:spPr/>
-        <p:txBody>
-          <a:bodyPr/>
-          <a:lstStyle/>
-          <a:p>
-            <a:r>
-              <a:rPr lang="en-US" dirty="0" smtClean="0"/>
-              <a:t>Compute the distribution of requests over different paths</a:t>
-            </a:r>
-          </a:p>
-          <a:p>
-            <a:pPr lvl="1"/>
-            <a:r>
-              <a:rPr lang="en-US" dirty="0" smtClean="0"/>
-              <a:t>Evaluate how this distribution changes over time</a:t>
-            </a:r>
-          </a:p>
-          <a:p>
-            <a:r>
-              <a:rPr lang="en-US" dirty="0" smtClean="0"/>
-              <a:t>Novelty detection – appearance of new paths in the path distribution</a:t>
-            </a:r>
-          </a:p>
-          <a:p>
-            <a:r>
-              <a:rPr lang="en-US" dirty="0" smtClean="0"/>
-              <a:t>Summarize response time metric over different paths</a:t>
-            </a:r>
-            <a:endParaRPr lang="en-US" dirty="0"/>
-          </a:p>
-        </p:txBody>
-      </p:sp>
-    </p:spTree>
-    <p:extLst>
-      <p:ext uri="{BB962C8B-B14F-4D97-AF65-F5344CB8AC3E}">
-        <p14:creationId xmlns:p14="http://schemas.microsoft.com/office/powerpoint/2010/main" val="129284857"/>
-      </p:ext>
-    </p:extLst>
-  </p:cSld>
-  <p:clrMapOvr>
-    <a:masterClrMapping/>
-  </p:clrMapOvr>
-  <p:timing>
-    <p:tnLst>
-      <p:par>
-        <p:cTn xmlns:p14="http://schemas.microsoft.com/office/powerpoint/2010/main" id="1" dur="indefinite" restart="never" nodeType="tmRoot"/>
-      </p:par>
-    </p:tnLst>
-  </p:timing>
-</p:sld>
-</file>
-
-<file path=ppt/slides/slide40.xml><?xml version="1.0" encoding="utf-8"?>
-<p:sld xmlns:a="http://schemas.openxmlformats.org/drawingml/2006/main" xmlns:r="http://schemas.openxmlformats.org/officeDocument/2006/relationships" xmlns:p="http://schemas.openxmlformats.org/presentationml/2006/main">
-  <p:cSld>
-    <p:spTree>
-      <p:nvGrpSpPr>
-        <p:cNvPr id="1" name=""/>
-        <p:cNvGrpSpPr/>
-        <p:nvPr/>
-      </p:nvGrpSpPr>
-      <p:grpSpPr>
-        <a:xfrm>
-          <a:off x="0" y="0"/>
-          <a:ext cx="0" cy="0"/>
-          <a:chOff x="0" y="0"/>
-          <a:chExt cx="0" cy="0"/>
-        </a:xfrm>
-      </p:grpSpPr>
-      <p:sp>
-        <p:nvSpPr>
-          <p:cNvPr id="2" name="Title 1"/>
-          <p:cNvSpPr>
-            <a:spLocks noGrp="1"/>
-          </p:cNvSpPr>
-          <p:nvPr>
-            <p:ph type="title"/>
-          </p:nvPr>
-        </p:nvSpPr>
-        <p:spPr/>
-        <p:txBody>
-          <a:bodyPr/>
-          <a:lstStyle/>
-          <a:p>
-            <a:r>
-              <a:rPr lang="en-US" dirty="0" smtClean="0"/>
-              <a:t>Roots Architecture</a:t>
-            </a:r>
-            <a:endParaRPr lang="en-US" dirty="0"/>
-          </a:p>
-        </p:txBody>
-      </p:sp>
-      <p:sp>
-        <p:nvSpPr>
-          <p:cNvPr id="4" name="Rectangle 3"/>
-          <p:cNvSpPr/>
-          <p:nvPr/>
-        </p:nvSpPr>
-        <p:spPr>
-          <a:xfrm>
-            <a:off x="3077832" y="5454025"/>
-            <a:ext cx="2988337" cy="1145594"/>
-          </a:xfrm>
-          <a:prstGeom prst="rect">
-            <a:avLst/>
-          </a:prstGeom>
-        </p:spPr>
-        <p:style>
-          <a:lnRef idx="1">
-            <a:schemeClr val="accent1"/>
-          </a:lnRef>
-          <a:fillRef idx="3">
-            <a:schemeClr val="accent1"/>
-          </a:fillRef>
-          <a:effectRef idx="2">
-            <a:schemeClr val="accent1"/>
-          </a:effectRef>
-          <a:fontRef idx="minor">
-            <a:schemeClr val="lt1"/>
-          </a:fontRef>
-        </p:style>
-        <p:txBody>
-          <a:bodyPr rtlCol="0" anchor="ctr"/>
-          <a:lstStyle/>
-          <a:p>
-            <a:pPr algn="ctr"/>
-            <a:r>
-              <a:rPr lang="en-US" dirty="0" err="1" smtClean="0"/>
-              <a:t>PaaS</a:t>
-            </a:r>
-            <a:r>
-              <a:rPr lang="en-US" dirty="0" smtClean="0"/>
-              <a:t> SDK</a:t>
-            </a:r>
-            <a:endParaRPr lang="en-US" dirty="0"/>
-          </a:p>
-        </p:txBody>
-      </p:sp>
-      <p:sp>
-        <p:nvSpPr>
-          <p:cNvPr id="5" name="Rectangle 4"/>
-          <p:cNvSpPr/>
-          <p:nvPr/>
-        </p:nvSpPr>
-        <p:spPr>
-          <a:xfrm>
-            <a:off x="3077832" y="3550339"/>
-            <a:ext cx="2988337" cy="1145594"/>
-          </a:xfrm>
-          <a:prstGeom prst="rect">
-            <a:avLst/>
-          </a:prstGeom>
-        </p:spPr>
-        <p:style>
-          <a:lnRef idx="1">
-            <a:schemeClr val="accent1"/>
-          </a:lnRef>
-          <a:fillRef idx="3">
-            <a:schemeClr val="accent1"/>
-          </a:fillRef>
-          <a:effectRef idx="2">
-            <a:schemeClr val="accent1"/>
-          </a:effectRef>
-          <a:fontRef idx="minor">
-            <a:schemeClr val="lt1"/>
-          </a:fontRef>
-        </p:style>
-        <p:txBody>
-          <a:bodyPr rtlCol="0" anchor="ctr"/>
-          <a:lstStyle/>
-          <a:p>
-            <a:pPr algn="ctr"/>
-            <a:r>
-              <a:rPr lang="en-US" dirty="0" smtClean="0"/>
-              <a:t>App Server</a:t>
-            </a:r>
-            <a:endParaRPr lang="en-US" dirty="0"/>
-          </a:p>
-        </p:txBody>
-      </p:sp>
-      <p:sp>
-        <p:nvSpPr>
-          <p:cNvPr id="6" name="Rectangle 5"/>
-          <p:cNvSpPr/>
-          <p:nvPr/>
-        </p:nvSpPr>
-        <p:spPr>
-          <a:xfrm>
-            <a:off x="3077832" y="1646654"/>
-            <a:ext cx="2988337" cy="1145594"/>
-          </a:xfrm>
-          <a:prstGeom prst="rect">
-            <a:avLst/>
-          </a:prstGeom>
-        </p:spPr>
-        <p:style>
-          <a:lnRef idx="1">
-            <a:schemeClr val="accent1"/>
-          </a:lnRef>
-          <a:fillRef idx="3">
-            <a:schemeClr val="accent1"/>
-          </a:fillRef>
-          <a:effectRef idx="2">
-            <a:schemeClr val="accent1"/>
-          </a:effectRef>
-          <a:fontRef idx="minor">
-            <a:schemeClr val="lt1"/>
-          </a:fontRef>
-        </p:style>
-        <p:txBody>
-          <a:bodyPr rtlCol="0" anchor="ctr"/>
-          <a:lstStyle/>
-          <a:p>
-            <a:pPr algn="ctr"/>
-            <a:r>
-              <a:rPr lang="en-US" dirty="0" err="1" smtClean="0"/>
-              <a:t>Loadbalancer</a:t>
-            </a:r>
-            <a:endParaRPr lang="en-US" dirty="0"/>
-          </a:p>
-        </p:txBody>
-      </p:sp>
-      <p:cxnSp>
-        <p:nvCxnSpPr>
-          <p:cNvPr id="8" name="Straight Arrow Connector 7"/>
-          <p:cNvCxnSpPr>
-            <a:stCxn id="6" idx="2"/>
-            <a:endCxn id="5" idx="0"/>
-          </p:cNvCxnSpPr>
-          <p:nvPr/>
-        </p:nvCxnSpPr>
-        <p:spPr>
-          <a:xfrm>
-            <a:off x="4572001" y="2792248"/>
-            <a:ext cx="0" cy="758091"/>
-          </a:xfrm>
-          <a:prstGeom prst="straightConnector1">
-            <a:avLst/>
-          </a:prstGeom>
-          <a:ln>
-            <a:tailEnd type="arrow"/>
-          </a:ln>
-        </p:spPr>
-        <p:style>
-          <a:lnRef idx="2">
-            <a:schemeClr val="accent1"/>
-          </a:lnRef>
-          <a:fillRef idx="0">
-            <a:schemeClr val="accent1"/>
-          </a:fillRef>
-          <a:effectRef idx="1">
-            <a:schemeClr val="accent1"/>
-          </a:effectRef>
-          <a:fontRef idx="minor">
-            <a:schemeClr val="tx1"/>
-          </a:fontRef>
-        </p:style>
-      </p:cxnSp>
-      <p:cxnSp>
-        <p:nvCxnSpPr>
-          <p:cNvPr id="10" name="Straight Arrow Connector 9"/>
-          <p:cNvCxnSpPr>
-            <a:stCxn id="5" idx="2"/>
-            <a:endCxn id="4" idx="0"/>
-          </p:cNvCxnSpPr>
-          <p:nvPr/>
-        </p:nvCxnSpPr>
-        <p:spPr>
-          <a:xfrm>
-            <a:off x="4572001" y="4695933"/>
-            <a:ext cx="0" cy="758092"/>
-          </a:xfrm>
-          <a:prstGeom prst="straightConnector1">
-            <a:avLst/>
-          </a:prstGeom>
-          <a:ln>
-            <a:tailEnd type="arrow"/>
-          </a:ln>
-        </p:spPr>
-        <p:style>
-          <a:lnRef idx="2">
-            <a:schemeClr val="accent1"/>
-          </a:lnRef>
-          <a:fillRef idx="0">
-            <a:schemeClr val="accent1"/>
-          </a:fillRef>
-          <a:effectRef idx="1">
-            <a:schemeClr val="accent1"/>
-          </a:effectRef>
-          <a:fontRef idx="minor">
-            <a:schemeClr val="tx1"/>
-          </a:fontRef>
-        </p:style>
-      </p:cxnSp>
-      <p:sp>
-        <p:nvSpPr>
-          <p:cNvPr id="11" name="Rectangle 10"/>
-          <p:cNvSpPr/>
-          <p:nvPr/>
-        </p:nvSpPr>
-        <p:spPr>
-          <a:xfrm>
-            <a:off x="547862" y="5454025"/>
-            <a:ext cx="2529970" cy="1145594"/>
-          </a:xfrm>
-          <a:prstGeom prst="rect">
-            <a:avLst/>
-          </a:prstGeom>
-          <a:solidFill>
-            <a:srgbClr val="61D659"/>
-          </a:solidFill>
-          <a:ln>
-            <a:noFill/>
-          </a:ln>
-        </p:spPr>
-        <p:style>
-          <a:lnRef idx="1">
-            <a:schemeClr val="accent1"/>
-          </a:lnRef>
-          <a:fillRef idx="3">
-            <a:schemeClr val="accent1"/>
-          </a:fillRef>
-          <a:effectRef idx="2">
-            <a:schemeClr val="accent1"/>
-          </a:effectRef>
-          <a:fontRef idx="minor">
-            <a:schemeClr val="lt1"/>
-          </a:fontRef>
-        </p:style>
-        <p:txBody>
-          <a:bodyPr rtlCol="0" anchor="ctr"/>
-          <a:lstStyle/>
-          <a:p>
-            <a:pPr algn="ctr"/>
-            <a:r>
-              <a:rPr lang="en-US" sz="1600" dirty="0" smtClean="0"/>
-              <a:t>SDK call tracing,</a:t>
-            </a:r>
-          </a:p>
-          <a:p>
-            <a:pPr algn="ctr"/>
-            <a:r>
-              <a:rPr lang="en-US" sz="1600" dirty="0" smtClean="0"/>
-              <a:t>SDK call time measurement</a:t>
-            </a:r>
-            <a:endParaRPr lang="en-US" sz="1600" dirty="0"/>
-          </a:p>
-        </p:txBody>
-      </p:sp>
-      <p:sp>
-        <p:nvSpPr>
-          <p:cNvPr id="12" name="Rectangle 11"/>
-          <p:cNvSpPr/>
-          <p:nvPr/>
-        </p:nvSpPr>
-        <p:spPr>
-          <a:xfrm>
-            <a:off x="547862" y="1646654"/>
-            <a:ext cx="2529970" cy="1145594"/>
-          </a:xfrm>
-          <a:prstGeom prst="rect">
-            <a:avLst/>
-          </a:prstGeom>
-          <a:solidFill>
-            <a:srgbClr val="61D659"/>
-          </a:solidFill>
-          <a:ln>
-            <a:noFill/>
-          </a:ln>
-        </p:spPr>
-        <p:style>
-          <a:lnRef idx="1">
-            <a:schemeClr val="accent1"/>
-          </a:lnRef>
-          <a:fillRef idx="3">
-            <a:schemeClr val="accent1"/>
-          </a:fillRef>
-          <a:effectRef idx="2">
-            <a:schemeClr val="accent1"/>
-          </a:effectRef>
-          <a:fontRef idx="minor">
-            <a:schemeClr val="lt1"/>
-          </a:fontRef>
-        </p:style>
-        <p:txBody>
-          <a:bodyPr rtlCol="0" anchor="ctr"/>
-          <a:lstStyle/>
-          <a:p>
-            <a:pPr algn="ctr"/>
-            <a:r>
-              <a:rPr lang="en-US" sz="1600" dirty="0" smtClean="0"/>
-              <a:t>Server access logging,</a:t>
-            </a:r>
-          </a:p>
-          <a:p>
-            <a:pPr algn="ctr"/>
-            <a:r>
-              <a:rPr lang="en-US" sz="1600" dirty="0" smtClean="0"/>
-              <a:t>Request ID generation</a:t>
-            </a:r>
-            <a:endParaRPr lang="en-US" sz="1600" dirty="0"/>
-          </a:p>
-        </p:txBody>
-      </p:sp>
-      <p:sp>
-        <p:nvSpPr>
-          <p:cNvPr id="13" name="Can 12"/>
-          <p:cNvSpPr/>
-          <p:nvPr/>
-        </p:nvSpPr>
-        <p:spPr>
-          <a:xfrm>
-            <a:off x="1202728" y="3550339"/>
-            <a:ext cx="1220238" cy="1145594"/>
-          </a:xfrm>
-          <a:prstGeom prst="can">
-            <a:avLst/>
-          </a:prstGeom>
-          <a:solidFill>
-            <a:srgbClr val="61D659"/>
-          </a:solidFill>
-          <a:ln>
-            <a:noFill/>
-          </a:ln>
-        </p:spPr>
-        <p:style>
-          <a:lnRef idx="1">
-            <a:schemeClr val="accent1"/>
-          </a:lnRef>
-          <a:fillRef idx="3">
-            <a:schemeClr val="accent1"/>
-          </a:fillRef>
-          <a:effectRef idx="2">
-            <a:schemeClr val="accent1"/>
-          </a:effectRef>
-          <a:fontRef idx="minor">
-            <a:schemeClr val="lt1"/>
-          </a:fontRef>
-        </p:style>
-        <p:txBody>
-          <a:bodyPr rtlCol="0" anchor="ctr"/>
-          <a:lstStyle/>
-          <a:p>
-            <a:pPr algn="ctr"/>
-            <a:r>
-              <a:rPr lang="en-US" sz="1600" dirty="0" smtClean="0"/>
-              <a:t>Data Store</a:t>
-            </a:r>
-            <a:endParaRPr lang="en-US" sz="1600" dirty="0"/>
-          </a:p>
-        </p:txBody>
-      </p:sp>
-      <p:cxnSp>
-        <p:nvCxnSpPr>
-          <p:cNvPr id="15" name="Straight Arrow Connector 14"/>
-          <p:cNvCxnSpPr>
-            <a:stCxn id="12" idx="2"/>
-            <a:endCxn id="13" idx="1"/>
-          </p:cNvCxnSpPr>
-          <p:nvPr/>
-        </p:nvCxnSpPr>
-        <p:spPr>
-          <a:xfrm>
-            <a:off x="1812847" y="2792248"/>
-            <a:ext cx="0" cy="758091"/>
-          </a:xfrm>
-          <a:prstGeom prst="straightConnector1">
-            <a:avLst/>
-          </a:prstGeom>
-          <a:ln>
-            <a:solidFill>
-              <a:srgbClr val="61D659"/>
-            </a:solidFill>
-            <a:tailEnd type="arrow"/>
-          </a:ln>
-        </p:spPr>
-        <p:style>
-          <a:lnRef idx="2">
-            <a:schemeClr val="accent1"/>
-          </a:lnRef>
-          <a:fillRef idx="0">
-            <a:schemeClr val="accent1"/>
-          </a:fillRef>
-          <a:effectRef idx="1">
-            <a:schemeClr val="accent1"/>
-          </a:effectRef>
-          <a:fontRef idx="minor">
-            <a:schemeClr val="tx1"/>
-          </a:fontRef>
-        </p:style>
-      </p:cxnSp>
-      <p:cxnSp>
-        <p:nvCxnSpPr>
-          <p:cNvPr id="17" name="Straight Arrow Connector 16"/>
-          <p:cNvCxnSpPr>
-            <a:stCxn id="11" idx="0"/>
-            <a:endCxn id="13" idx="3"/>
-          </p:cNvCxnSpPr>
-          <p:nvPr/>
-        </p:nvCxnSpPr>
-        <p:spPr>
-          <a:xfrm flipV="1">
-            <a:off x="1812847" y="4695933"/>
-            <a:ext cx="0" cy="758092"/>
-          </a:xfrm>
-          <a:prstGeom prst="straightConnector1">
-            <a:avLst/>
-          </a:prstGeom>
-          <a:ln>
-            <a:solidFill>
-              <a:srgbClr val="61D659"/>
-            </a:solidFill>
-            <a:tailEnd type="arrow"/>
-          </a:ln>
-        </p:spPr>
-        <p:style>
-          <a:lnRef idx="2">
-            <a:schemeClr val="accent1"/>
-          </a:lnRef>
-          <a:fillRef idx="0">
-            <a:schemeClr val="accent1"/>
-          </a:fillRef>
-          <a:effectRef idx="1">
-            <a:schemeClr val="accent1"/>
-          </a:effectRef>
-          <a:fontRef idx="minor">
-            <a:schemeClr val="tx1"/>
-          </a:fontRef>
-        </p:style>
-      </p:cxnSp>
-      <p:sp>
-        <p:nvSpPr>
-          <p:cNvPr id="20" name="Rectangle 19"/>
-          <p:cNvSpPr/>
-          <p:nvPr/>
-        </p:nvSpPr>
-        <p:spPr>
-          <a:xfrm>
-            <a:off x="6066169" y="1646654"/>
-            <a:ext cx="2529970" cy="1145594"/>
-          </a:xfrm>
-          <a:prstGeom prst="rect">
-            <a:avLst/>
-          </a:prstGeom>
-          <a:solidFill>
-            <a:srgbClr val="FF0000"/>
-          </a:solidFill>
-          <a:ln>
-            <a:noFill/>
-          </a:ln>
-        </p:spPr>
-        <p:style>
-          <a:lnRef idx="1">
-            <a:schemeClr val="accent1"/>
-          </a:lnRef>
-          <a:fillRef idx="3">
-            <a:schemeClr val="accent1"/>
-          </a:fillRef>
-          <a:effectRef idx="2">
-            <a:schemeClr val="accent1"/>
-          </a:effectRef>
-          <a:fontRef idx="minor">
-            <a:schemeClr val="lt1"/>
-          </a:fontRef>
-        </p:style>
-        <p:txBody>
-          <a:bodyPr rtlCol="0" anchor="ctr"/>
-          <a:lstStyle/>
-          <a:p>
-            <a:pPr algn="ctr"/>
-            <a:r>
-              <a:rPr lang="en-US" sz="1600" dirty="0" smtClean="0"/>
-              <a:t>Anomaly detection,</a:t>
-            </a:r>
-          </a:p>
-          <a:p>
-            <a:pPr algn="ctr"/>
-            <a:r>
-              <a:rPr lang="en-US" sz="1600" dirty="0" smtClean="0"/>
-              <a:t>Workload change point analysis</a:t>
-            </a:r>
-            <a:endParaRPr lang="en-US" sz="1600" dirty="0"/>
-          </a:p>
-        </p:txBody>
-      </p:sp>
-      <p:sp>
-        <p:nvSpPr>
-          <p:cNvPr id="22" name="Rectangle 21"/>
-          <p:cNvSpPr/>
-          <p:nvPr/>
-        </p:nvSpPr>
-        <p:spPr>
-          <a:xfrm>
-            <a:off x="6066169" y="5454025"/>
-            <a:ext cx="2529970" cy="1145594"/>
-          </a:xfrm>
-          <a:prstGeom prst="rect">
-            <a:avLst/>
-          </a:prstGeom>
-          <a:solidFill>
-            <a:srgbClr val="FF0000"/>
-          </a:solidFill>
-          <a:ln>
-            <a:noFill/>
-          </a:ln>
-        </p:spPr>
-        <p:style>
-          <a:lnRef idx="1">
-            <a:schemeClr val="accent1"/>
-          </a:lnRef>
-          <a:fillRef idx="3">
-            <a:schemeClr val="accent1"/>
-          </a:fillRef>
-          <a:effectRef idx="2">
-            <a:schemeClr val="accent1"/>
-          </a:effectRef>
-          <a:fontRef idx="minor">
-            <a:schemeClr val="lt1"/>
-          </a:fontRef>
-        </p:style>
-        <p:txBody>
-          <a:bodyPr rtlCol="0" anchor="ctr"/>
-          <a:lstStyle/>
-          <a:p>
-            <a:pPr algn="ctr"/>
-            <a:r>
-              <a:rPr lang="en-US" sz="1600" dirty="0" smtClean="0"/>
-              <a:t>Bottleneck identification</a:t>
-            </a:r>
-            <a:endParaRPr lang="en-US" sz="1600" dirty="0"/>
-          </a:p>
-        </p:txBody>
-      </p:sp>
-    </p:spTree>
-    <p:extLst>
-      <p:ext uri="{BB962C8B-B14F-4D97-AF65-F5344CB8AC3E}">
-        <p14:creationId xmlns:p14="http://schemas.microsoft.com/office/powerpoint/2010/main" val="3274361446"/>
-      </p:ext>
-    </p:extLst>
-  </p:cSld>
-  <p:clrMapOvr>
-    <a:masterClrMapping/>
-  </p:clrMapOvr>
-  <p:timing>
-    <p:tnLst>
-      <p:par>
-        <p:cTn xmlns:p14="http://schemas.microsoft.com/office/powerpoint/2010/main" id="1" dur="indefinite" restart="never" nodeType="tmRoot"/>
-      </p:par>
-    </p:tnLst>
-  </p:timing>
-</p:sld>
-</file>
-
-<file path=ppt/slides/slide41.xml><?xml version="1.0" encoding="utf-8"?>
-<p:sld xmlns:a="http://schemas.openxmlformats.org/drawingml/2006/main" xmlns:r="http://schemas.openxmlformats.org/officeDocument/2006/relationships" xmlns:p="http://schemas.openxmlformats.org/presentationml/2006/main">
-  <p:cSld>
-    <p:spTree>
-      <p:nvGrpSpPr>
-        <p:cNvPr id="1" name=""/>
-        <p:cNvGrpSpPr/>
-        <p:nvPr/>
-      </p:nvGrpSpPr>
-      <p:grpSpPr>
-        <a:xfrm>
-          <a:off x="0" y="0"/>
-          <a:ext cx="0" cy="0"/>
-          <a:chOff x="0" y="0"/>
-          <a:chExt cx="0" cy="0"/>
-        </a:xfrm>
-      </p:grpSpPr>
-      <p:sp>
-        <p:nvSpPr>
-          <p:cNvPr id="2" name="Title 1"/>
-          <p:cNvSpPr>
-            <a:spLocks noGrp="1"/>
-          </p:cNvSpPr>
-          <p:nvPr>
-            <p:ph type="title"/>
-          </p:nvPr>
-        </p:nvSpPr>
-        <p:spPr/>
-        <p:txBody>
-          <a:bodyPr/>
-          <a:lstStyle/>
-          <a:p>
-            <a:r>
-              <a:rPr lang="en-US" dirty="0" smtClean="0"/>
-              <a:t>Anomaly Detection</a:t>
-            </a:r>
-            <a:endParaRPr lang="en-US" dirty="0"/>
-          </a:p>
-        </p:txBody>
-      </p:sp>
-      <p:sp>
-        <p:nvSpPr>
-          <p:cNvPr id="3" name="Content Placeholder 2"/>
-          <p:cNvSpPr>
-            <a:spLocks noGrp="1"/>
-          </p:cNvSpPr>
-          <p:nvPr>
-            <p:ph idx="1"/>
-          </p:nvPr>
-        </p:nvSpPr>
-        <p:spPr/>
-        <p:txBody>
-          <a:bodyPr/>
-          <a:lstStyle/>
-          <a:p>
-            <a:r>
-              <a:rPr lang="en-US" dirty="0" smtClean="0"/>
-              <a:t>SLO-based detection</a:t>
-            </a:r>
-          </a:p>
-          <a:p>
-            <a:pPr lvl="1"/>
-            <a:r>
-              <a:rPr lang="en-US" dirty="0" smtClean="0"/>
-              <a:t>Probe the application periodically and record SLO</a:t>
-            </a:r>
-          </a:p>
-          <a:p>
-            <a:pPr lvl="1"/>
-            <a:r>
-              <a:rPr lang="en-US" dirty="0" smtClean="0"/>
-              <a:t>Periodically compute the observed SLA satisfaction level</a:t>
-            </a:r>
-          </a:p>
-          <a:p>
-            <a:r>
-              <a:rPr lang="en-US" dirty="0" smtClean="0"/>
-              <a:t>Correlation-based detection</a:t>
-            </a:r>
-          </a:p>
-          <a:p>
-            <a:pPr lvl="1"/>
-            <a:r>
-              <a:rPr lang="en-US" dirty="0" smtClean="0"/>
-              <a:t>Statistically detect increases in response time that are not correlated with increases in workload</a:t>
-            </a:r>
-          </a:p>
-          <a:p>
-            <a:pPr lvl="1"/>
-            <a:r>
-              <a:rPr lang="en-US" dirty="0" smtClean="0"/>
-              <a:t>Pearson’s R and dynamic time warping</a:t>
-            </a:r>
-            <a:endParaRPr lang="en-US" dirty="0"/>
-          </a:p>
-        </p:txBody>
-      </p:sp>
-    </p:spTree>
-    <p:extLst>
-      <p:ext uri="{BB962C8B-B14F-4D97-AF65-F5344CB8AC3E}">
-        <p14:creationId xmlns:p14="http://schemas.microsoft.com/office/powerpoint/2010/main" val="1864197141"/>
-      </p:ext>
-    </p:extLst>
-  </p:cSld>
-  <p:clrMapOvr>
-    <a:masterClrMapping/>
-  </p:clrMapOvr>
-  <p:timing>
-    <p:tnLst>
-      <p:par>
-        <p:cTn xmlns:p14="http://schemas.microsoft.com/office/powerpoint/2010/main" id="1" dur="indefinite" restart="never" nodeType="tmRoot"/>
-      </p:par>
-    </p:tnLst>
-  </p:timing>
-</p:sld>
-</file>
-
-<file path=ppt/slides/slide42.xml><?xml version="1.0" encoding="utf-8"?>
-<p:sld xmlns:a="http://schemas.openxmlformats.org/drawingml/2006/main" xmlns:r="http://schemas.openxmlformats.org/officeDocument/2006/relationships" xmlns:p="http://schemas.openxmlformats.org/presentationml/2006/main">
-  <p:cSld>
-    <p:spTree>
-      <p:nvGrpSpPr>
-        <p:cNvPr id="1" name=""/>
-        <p:cNvGrpSpPr/>
-        <p:nvPr/>
-      </p:nvGrpSpPr>
-      <p:grpSpPr>
-        <a:xfrm>
-          <a:off x="0" y="0"/>
-          <a:ext cx="0" cy="0"/>
-          <a:chOff x="0" y="0"/>
-          <a:chExt cx="0" cy="0"/>
-        </a:xfrm>
-      </p:grpSpPr>
-      <p:sp>
-        <p:nvSpPr>
-          <p:cNvPr id="2" name="Title 1"/>
-          <p:cNvSpPr>
-            <a:spLocks noGrp="1"/>
-          </p:cNvSpPr>
-          <p:nvPr>
-            <p:ph type="title"/>
-          </p:nvPr>
-        </p:nvSpPr>
-        <p:spPr/>
-        <p:txBody>
-          <a:bodyPr/>
-          <a:lstStyle/>
-          <a:p>
-            <a:r>
-              <a:rPr lang="en-US" dirty="0" smtClean="0"/>
-              <a:t>Workload Analysis</a:t>
-            </a:r>
-            <a:endParaRPr lang="en-US" dirty="0"/>
-          </a:p>
-        </p:txBody>
-      </p:sp>
-      <p:sp>
-        <p:nvSpPr>
-          <p:cNvPr id="3" name="Content Placeholder 2"/>
-          <p:cNvSpPr>
-            <a:spLocks noGrp="1"/>
-          </p:cNvSpPr>
-          <p:nvPr>
-            <p:ph idx="1"/>
-          </p:nvPr>
-        </p:nvSpPr>
-        <p:spPr/>
-        <p:txBody>
-          <a:bodyPr/>
-          <a:lstStyle/>
-          <a:p>
-            <a:r>
-              <a:rPr lang="en-US" dirty="0" smtClean="0"/>
-              <a:t>Detect change points (level shifts) in workload traces</a:t>
-            </a:r>
-          </a:p>
-          <a:p>
-            <a:pPr lvl="1"/>
-            <a:r>
-              <a:rPr lang="en-US" dirty="0" smtClean="0"/>
-              <a:t>Especially the sudden increases in workload that precede a detected performance anomaly</a:t>
-            </a:r>
-          </a:p>
-          <a:p>
-            <a:r>
-              <a:rPr lang="en-US" dirty="0" smtClean="0"/>
-              <a:t>Binary segmentation</a:t>
-            </a:r>
-          </a:p>
-          <a:p>
-            <a:r>
-              <a:rPr lang="en-US" dirty="0" smtClean="0"/>
-              <a:t>Pruned Exact Linear Time (PELT)</a:t>
-            </a:r>
-          </a:p>
-          <a:p>
-            <a:r>
-              <a:rPr lang="en-US" dirty="0" smtClean="0"/>
-              <a:t>Chen &amp; Liu method</a:t>
-            </a:r>
-            <a:endParaRPr lang="en-US" dirty="0"/>
-          </a:p>
-        </p:txBody>
-      </p:sp>
-    </p:spTree>
-    <p:extLst>
-      <p:ext uri="{BB962C8B-B14F-4D97-AF65-F5344CB8AC3E}">
-        <p14:creationId xmlns:p14="http://schemas.microsoft.com/office/powerpoint/2010/main" val="3695137885"/>
-      </p:ext>
-    </p:extLst>
-  </p:cSld>
-  <p:clrMapOvr>
-    <a:masterClrMapping/>
-  </p:clrMapOvr>
-  <p:timing>
-    <p:tnLst>
-      <p:par>
-        <p:cTn xmlns:p14="http://schemas.microsoft.com/office/powerpoint/2010/main" id="1" dur="indefinite" restart="never" nodeType="tmRoot"/>
-      </p:par>
-    </p:tnLst>
-  </p:timing>
-</p:sld>
-</file>
-
-<file path=ppt/slides/slide43.xml><?xml version="1.0" encoding="utf-8"?>
-<p:sld xmlns:a="http://schemas.openxmlformats.org/drawingml/2006/main" xmlns:r="http://schemas.openxmlformats.org/officeDocument/2006/relationships" xmlns:p="http://schemas.openxmlformats.org/presentationml/2006/main">
-  <p:cSld>
-    <p:spTree>
-      <p:nvGrpSpPr>
-        <p:cNvPr id="1" name=""/>
-        <p:cNvGrpSpPr/>
-        <p:nvPr/>
-      </p:nvGrpSpPr>
-      <p:grpSpPr>
-        <a:xfrm>
-          <a:off x="0" y="0"/>
-          <a:ext cx="0" cy="0"/>
-          <a:chOff x="0" y="0"/>
-          <a:chExt cx="0" cy="0"/>
-        </a:xfrm>
-      </p:grpSpPr>
-      <p:sp>
-        <p:nvSpPr>
-          <p:cNvPr id="2" name="Title 1"/>
-          <p:cNvSpPr>
-            <a:spLocks noGrp="1"/>
-          </p:cNvSpPr>
-          <p:nvPr>
-            <p:ph type="title"/>
-          </p:nvPr>
-        </p:nvSpPr>
-        <p:spPr/>
-        <p:txBody>
-          <a:bodyPr/>
-          <a:lstStyle/>
-          <a:p>
-            <a:r>
-              <a:rPr lang="en-US" dirty="0" smtClean="0"/>
-              <a:t>Chen &amp; Liu Method Example</a:t>
-            </a:r>
-            <a:endParaRPr lang="en-US" dirty="0"/>
-          </a:p>
-        </p:txBody>
-      </p:sp>
-      <p:pic>
-        <p:nvPicPr>
-          <p:cNvPr id="4" name="Picture 3" descr="Workload_Trace_Simulation.pdf"/>
-          <p:cNvPicPr>
-            <a:picLocks noChangeAspect="1"/>
-          </p:cNvPicPr>
-          <p:nvPr/>
-        </p:nvPicPr>
-        <p:blipFill>
-          <a:blip r:embed="rId3">
-            <a:extLst>
-              <a:ext uri="{28A0092B-C50C-407E-A947-70E740481C1C}">
-                <a14:useLocalDpi xmlns:a14="http://schemas.microsoft.com/office/drawing/2010/main" val="0"/>
-              </a:ext>
-            </a:extLst>
-          </a:blip>
-          <a:stretch>
-            <a:fillRect/>
-          </a:stretch>
-        </p:blipFill>
-        <p:spPr>
-          <a:xfrm>
-            <a:off x="355600" y="1092200"/>
-            <a:ext cx="5537200" cy="5537200"/>
-          </a:xfrm>
-          <a:prstGeom prst="rect">
-            <a:avLst/>
-          </a:prstGeom>
-        </p:spPr>
-      </p:pic>
-      <p:sp>
-        <p:nvSpPr>
-          <p:cNvPr id="5" name="TextBox 4"/>
-          <p:cNvSpPr txBox="1"/>
-          <p:nvPr/>
-        </p:nvSpPr>
-        <p:spPr>
-          <a:xfrm>
-            <a:off x="5892800" y="1803400"/>
-            <a:ext cx="3086100" cy="3046987"/>
-          </a:xfrm>
-          <a:prstGeom prst="rect">
-            <a:avLst/>
-          </a:prstGeom>
-          <a:noFill/>
-        </p:spPr>
-        <p:txBody>
-          <a:bodyPr wrap="square" rtlCol="0">
-            <a:spAutoFit/>
-          </a:bodyPr>
-          <a:lstStyle/>
-          <a:p>
-            <a:r>
-              <a:rPr lang="en-US" sz="1200" dirty="0" smtClean="0">
-                <a:latin typeface="Courier"/>
-                <a:cs typeface="Courier"/>
-              </a:rPr>
-              <a:t>Series: </a:t>
-            </a:r>
-            <a:r>
-              <a:rPr lang="en-US" sz="1200" dirty="0" err="1" smtClean="0">
-                <a:latin typeface="Courier"/>
-                <a:cs typeface="Courier"/>
-              </a:rPr>
-              <a:t>ts</a:t>
-            </a:r>
-            <a:r>
-              <a:rPr lang="en-US" sz="1200" dirty="0" smtClean="0">
-                <a:latin typeface="Courier"/>
-                <a:cs typeface="Courier"/>
-              </a:rPr>
-              <a:t>(data) </a:t>
-            </a:r>
-          </a:p>
-          <a:p>
-            <a:r>
-              <a:rPr lang="en-US" sz="1200" dirty="0" smtClean="0">
-                <a:latin typeface="Courier"/>
-                <a:cs typeface="Courier"/>
-              </a:rPr>
-              <a:t>ARIMA(0,0,0) with non-zero mean </a:t>
-            </a:r>
-          </a:p>
-          <a:p>
-            <a:endParaRPr lang="en-US" sz="1200" dirty="0" smtClean="0">
-              <a:latin typeface="Courier"/>
-              <a:cs typeface="Courier"/>
-            </a:endParaRPr>
-          </a:p>
-          <a:p>
-            <a:r>
-              <a:rPr lang="en-US" sz="1200" dirty="0" smtClean="0">
-                <a:latin typeface="Courier"/>
-                <a:cs typeface="Courier"/>
-              </a:rPr>
-              <a:t>Coefficients:</a:t>
-            </a:r>
-          </a:p>
-          <a:p>
-            <a:r>
-              <a:rPr lang="en-US" sz="1200" dirty="0" smtClean="0">
-                <a:latin typeface="Courier"/>
-                <a:cs typeface="Courier"/>
-              </a:rPr>
-              <a:t>      intercept    LS101</a:t>
-            </a:r>
-          </a:p>
-          <a:p>
-            <a:r>
-              <a:rPr lang="en-US" sz="1200" dirty="0" smtClean="0">
-                <a:latin typeface="Courier"/>
-                <a:cs typeface="Courier"/>
-              </a:rPr>
-              <a:t>        50.9053  14.4054</a:t>
-            </a:r>
-          </a:p>
-          <a:p>
-            <a:r>
-              <a:rPr lang="en-US" sz="1200" dirty="0" err="1" smtClean="0">
-                <a:latin typeface="Courier"/>
-                <a:cs typeface="Courier"/>
-              </a:rPr>
-              <a:t>s.e.</a:t>
-            </a:r>
-            <a:r>
-              <a:rPr lang="en-US" sz="1200" dirty="0" smtClean="0">
-                <a:latin typeface="Courier"/>
-                <a:cs typeface="Courier"/>
-              </a:rPr>
-              <a:t>     0.4768   0.6743</a:t>
-            </a:r>
-          </a:p>
-          <a:p>
-            <a:endParaRPr lang="en-US" sz="1200" dirty="0" smtClean="0">
-              <a:latin typeface="Courier"/>
-              <a:cs typeface="Courier"/>
-            </a:endParaRPr>
-          </a:p>
-          <a:p>
-            <a:r>
-              <a:rPr lang="en-US" sz="1200" dirty="0" smtClean="0">
-                <a:latin typeface="Courier"/>
-                <a:cs typeface="Courier"/>
-              </a:rPr>
-              <a:t>sigma^2 estimated as 22.73:  log likelihood=-596.16</a:t>
-            </a:r>
-          </a:p>
-          <a:p>
-            <a:r>
-              <a:rPr lang="en-US" sz="1200" dirty="0" smtClean="0">
-                <a:latin typeface="Courier"/>
-                <a:cs typeface="Courier"/>
-              </a:rPr>
-              <a:t>AIC=1198.32   </a:t>
-            </a:r>
-            <a:r>
-              <a:rPr lang="en-US" sz="1200" dirty="0" err="1" smtClean="0">
-                <a:latin typeface="Courier"/>
-                <a:cs typeface="Courier"/>
-              </a:rPr>
-              <a:t>AICc</a:t>
-            </a:r>
-            <a:r>
-              <a:rPr lang="en-US" sz="1200" dirty="0" smtClean="0">
-                <a:latin typeface="Courier"/>
-                <a:cs typeface="Courier"/>
-              </a:rPr>
-              <a:t>=1198.44   BIC=1208.22</a:t>
-            </a:r>
-          </a:p>
-          <a:p>
-            <a:endParaRPr lang="en-US" sz="1200" dirty="0" smtClean="0">
-              <a:latin typeface="Courier"/>
-              <a:cs typeface="Courier"/>
-            </a:endParaRPr>
-          </a:p>
-          <a:p>
-            <a:r>
-              <a:rPr lang="en-US" sz="1200" b="1" dirty="0" smtClean="0">
-                <a:latin typeface="Courier"/>
-                <a:cs typeface="Courier"/>
-              </a:rPr>
-              <a:t>Outliers:</a:t>
-            </a:r>
-          </a:p>
-          <a:p>
-            <a:r>
-              <a:rPr lang="en-US" sz="1200" b="1" dirty="0" smtClean="0">
-                <a:latin typeface="Courier"/>
-                <a:cs typeface="Courier"/>
-              </a:rPr>
-              <a:t>  type </a:t>
-            </a:r>
-            <a:r>
-              <a:rPr lang="en-US" sz="1200" b="1" dirty="0" err="1" smtClean="0">
-                <a:latin typeface="Courier"/>
-                <a:cs typeface="Courier"/>
-              </a:rPr>
-              <a:t>ind</a:t>
-            </a:r>
-            <a:r>
-              <a:rPr lang="en-US" sz="1200" b="1" dirty="0" smtClean="0">
-                <a:latin typeface="Courier"/>
-                <a:cs typeface="Courier"/>
-              </a:rPr>
-              <a:t> time </a:t>
-            </a:r>
-            <a:r>
-              <a:rPr lang="en-US" sz="1200" b="1" dirty="0" err="1" smtClean="0">
-                <a:latin typeface="Courier"/>
-                <a:cs typeface="Courier"/>
-              </a:rPr>
-              <a:t>coefhat</a:t>
-            </a:r>
-            <a:r>
-              <a:rPr lang="en-US" sz="1200" b="1" dirty="0" smtClean="0">
-                <a:latin typeface="Courier"/>
-                <a:cs typeface="Courier"/>
-              </a:rPr>
-              <a:t> </a:t>
-            </a:r>
-            <a:r>
-              <a:rPr lang="en-US" sz="1200" b="1" dirty="0" err="1" smtClean="0">
-                <a:latin typeface="Courier"/>
-                <a:cs typeface="Courier"/>
-              </a:rPr>
-              <a:t>tstat</a:t>
-            </a:r>
-            <a:endParaRPr lang="en-US" sz="1200" b="1" dirty="0" smtClean="0">
-              <a:latin typeface="Courier"/>
-              <a:cs typeface="Courier"/>
-            </a:endParaRPr>
-          </a:p>
-          <a:p>
-            <a:r>
-              <a:rPr lang="en-US" sz="1200" b="1" dirty="0" smtClean="0">
-                <a:latin typeface="Courier"/>
-                <a:cs typeface="Courier"/>
-              </a:rPr>
-              <a:t>1   LS 101  101   14.41 21.36</a:t>
-            </a:r>
-            <a:endParaRPr lang="en-US" sz="1200" b="1" dirty="0">
-              <a:latin typeface="Courier"/>
-              <a:cs typeface="Courier"/>
-            </a:endParaRPr>
-          </a:p>
-        </p:txBody>
-      </p:sp>
-    </p:spTree>
-    <p:extLst>
-      <p:ext uri="{BB962C8B-B14F-4D97-AF65-F5344CB8AC3E}">
-        <p14:creationId xmlns:p14="http://schemas.microsoft.com/office/powerpoint/2010/main" val="3003808906"/>
-      </p:ext>
-    </p:extLst>
-  </p:cSld>
-  <p:clrMapOvr>
-    <a:masterClrMapping/>
-  </p:clrMapOvr>
-  <p:timing>
-    <p:tnLst>
-      <p:par>
-        <p:cTn xmlns:p14="http://schemas.microsoft.com/office/powerpoint/2010/main" id="1" dur="indefinite" restart="never" nodeType="tmRoot"/>
-      </p:par>
-    </p:tnLst>
-  </p:timing>
-</p:sld>
-</file>
-
-<file path=ppt/slides/slide44.xml><?xml version="1.0" encoding="utf-8"?>
-<p:sld xmlns:a="http://schemas.openxmlformats.org/drawingml/2006/main" xmlns:r="http://schemas.openxmlformats.org/officeDocument/2006/relationships" xmlns:p="http://schemas.openxmlformats.org/presentationml/2006/main">
-  <p:cSld>
-    <p:spTree>
-      <p:nvGrpSpPr>
-        <p:cNvPr id="1" name=""/>
-        <p:cNvGrpSpPr/>
-        <p:nvPr/>
-      </p:nvGrpSpPr>
-      <p:grpSpPr>
-        <a:xfrm>
-          <a:off x="0" y="0"/>
-          <a:ext cx="0" cy="0"/>
-          <a:chOff x="0" y="0"/>
-          <a:chExt cx="0" cy="0"/>
-        </a:xfrm>
-      </p:grpSpPr>
-      <p:sp>
-        <p:nvSpPr>
-          <p:cNvPr id="2" name="Title 1"/>
-          <p:cNvSpPr>
-            <a:spLocks noGrp="1"/>
-          </p:cNvSpPr>
-          <p:nvPr>
-            <p:ph type="title"/>
-          </p:nvPr>
-        </p:nvSpPr>
-        <p:spPr/>
-        <p:txBody>
-          <a:bodyPr/>
-          <a:lstStyle/>
-          <a:p>
-            <a:r>
-              <a:rPr lang="en-US" dirty="0" smtClean="0"/>
-              <a:t>Analyzing SDK Call Traces</a:t>
-            </a:r>
-            <a:endParaRPr lang="en-US" dirty="0"/>
-          </a:p>
-        </p:txBody>
-      </p:sp>
-      <p:sp>
-        <p:nvSpPr>
-          <p:cNvPr id="3" name="Content Placeholder 2"/>
-          <p:cNvSpPr>
-            <a:spLocks noGrp="1"/>
-          </p:cNvSpPr>
-          <p:nvPr>
-            <p:ph idx="1"/>
-          </p:nvPr>
-        </p:nvSpPr>
-        <p:spPr/>
-        <p:txBody>
-          <a:bodyPr/>
-          <a:lstStyle/>
-          <a:p>
-            <a:r>
-              <a:rPr lang="en-US" dirty="0" smtClean="0"/>
-              <a:t>Identify sequences of SDK calls invoked by application</a:t>
-            </a:r>
-          </a:p>
-          <a:p>
-            <a:pPr lvl="1"/>
-            <a:r>
-              <a:rPr lang="en-US" dirty="0" smtClean="0"/>
-              <a:t>Path identification</a:t>
-            </a:r>
-          </a:p>
-          <a:p>
-            <a:r>
-              <a:rPr lang="en-US" dirty="0" smtClean="0"/>
-              <a:t>Path distribution analysis</a:t>
-            </a:r>
-          </a:p>
-          <a:p>
-            <a:pPr lvl="1"/>
-            <a:r>
-              <a:rPr lang="en-US" dirty="0" smtClean="0"/>
-              <a:t>Hot path identification</a:t>
-            </a:r>
-          </a:p>
-          <a:p>
-            <a:pPr lvl="1"/>
-            <a:r>
-              <a:rPr lang="en-US" dirty="0" smtClean="0"/>
-              <a:t>Identifying workload changes</a:t>
-            </a:r>
-            <a:endParaRPr lang="en-US" dirty="0"/>
-          </a:p>
-        </p:txBody>
-      </p:sp>
-    </p:spTree>
-    <p:extLst>
-      <p:ext uri="{BB962C8B-B14F-4D97-AF65-F5344CB8AC3E}">
-        <p14:creationId xmlns:p14="http://schemas.microsoft.com/office/powerpoint/2010/main" val="1919900667"/>
-      </p:ext>
-    </p:extLst>
-  </p:cSld>
-  <p:clrMapOvr>
-    <a:masterClrMapping/>
-  </p:clrMapOvr>
-  <p:timing>
-    <p:tnLst>
-      <p:par>
-        <p:cTn xmlns:p14="http://schemas.microsoft.com/office/powerpoint/2010/main" id="1" dur="indefinite" restart="never" nodeType="tmRoot"/>
-      </p:par>
-    </p:tnLst>
-  </p:timing>
-</p:sld>
-</file>
-
-<file path=ppt/slides/slide45.xml><?xml version="1.0" encoding="utf-8"?>
-<p:sld xmlns:a="http://schemas.openxmlformats.org/drawingml/2006/main" xmlns:r="http://schemas.openxmlformats.org/officeDocument/2006/relationships" xmlns:p="http://schemas.openxmlformats.org/presentationml/2006/main">
-  <p:cSld>
-    <p:spTree>
-      <p:nvGrpSpPr>
-        <p:cNvPr id="1" name=""/>
-        <p:cNvGrpSpPr/>
-        <p:nvPr/>
-      </p:nvGrpSpPr>
-      <p:grpSpPr>
-        <a:xfrm>
-          <a:off x="0" y="0"/>
-          <a:ext cx="0" cy="0"/>
-          <a:chOff x="0" y="0"/>
-          <a:chExt cx="0" cy="0"/>
-        </a:xfrm>
-      </p:grpSpPr>
-      <p:sp>
-        <p:nvSpPr>
-          <p:cNvPr id="2" name="Title 1"/>
-          <p:cNvSpPr>
-            <a:spLocks noGrp="1"/>
-          </p:cNvSpPr>
-          <p:nvPr>
-            <p:ph type="title"/>
-          </p:nvPr>
-        </p:nvSpPr>
-        <p:spPr/>
-        <p:txBody>
-          <a:bodyPr/>
-          <a:lstStyle/>
-          <a:p>
-            <a:r>
-              <a:rPr lang="en-US" dirty="0" smtClean="0"/>
-              <a:t>Bottleneck Identification</a:t>
-            </a:r>
-            <a:endParaRPr lang="en-US" dirty="0"/>
-          </a:p>
-        </p:txBody>
-      </p:sp>
-      <p:sp>
-        <p:nvSpPr>
-          <p:cNvPr id="3" name="Content Placeholder 2"/>
-          <p:cNvSpPr>
-            <a:spLocks noGrp="1"/>
-          </p:cNvSpPr>
-          <p:nvPr>
-            <p:ph idx="1"/>
-          </p:nvPr>
-        </p:nvSpPr>
-        <p:spPr/>
-        <p:txBody>
-          <a:bodyPr/>
-          <a:lstStyle/>
-          <a:p>
-            <a:r>
-              <a:rPr lang="en-US" dirty="0" smtClean="0"/>
-              <a:t>Suppose an application makes 3 SDK calls for each HTTP request.</a:t>
-            </a:r>
-          </a:p>
-          <a:p>
-            <a:pPr marL="0" indent="0">
-              <a:buNone/>
-            </a:pPr>
-            <a:endParaRPr lang="en-US" dirty="0"/>
-          </a:p>
-          <a:p>
-            <a:endParaRPr lang="en-US" dirty="0" smtClean="0"/>
-          </a:p>
-          <a:p>
-            <a:r>
-              <a:rPr lang="en-US" dirty="0" smtClean="0"/>
-              <a:t>Linear regression model: Total = A + B + C</a:t>
-            </a:r>
-          </a:p>
-          <a:p>
-            <a:r>
-              <a:rPr lang="en-US" dirty="0" smtClean="0"/>
-              <a:t>Relative importance metric indicates the portion of variance in “Total” explained by each independent variable</a:t>
-            </a:r>
-            <a:endParaRPr lang="en-US" dirty="0"/>
-          </a:p>
-        </p:txBody>
-      </p:sp>
-      <p:graphicFrame>
-        <p:nvGraphicFramePr>
-          <p:cNvPr id="4" name="Table 3"/>
-          <p:cNvGraphicFramePr>
-            <a:graphicFrameLocks noGrp="1"/>
-          </p:cNvGraphicFramePr>
-          <p:nvPr>
-            <p:extLst>
-              <p:ext uri="{D42A27DB-BD31-4B8C-83A1-F6EECF244321}">
-                <p14:modId xmlns:p14="http://schemas.microsoft.com/office/powerpoint/2010/main" val="263786051"/>
-              </p:ext>
-            </p:extLst>
-          </p:nvPr>
-        </p:nvGraphicFramePr>
-        <p:xfrm>
-          <a:off x="1524000" y="2679567"/>
-          <a:ext cx="6096000" cy="1112520"/>
-        </p:xfrm>
-        <a:graphic>
-          <a:graphicData uri="http://schemas.openxmlformats.org/drawingml/2006/table">
-            <a:tbl>
-              <a:tblPr firstRow="1" bandRow="1">
-                <a:tableStyleId>{5C22544A-7EE6-4342-B048-85BDC9FD1C3A}</a:tableStyleId>
-              </a:tblPr>
-              <a:tblGrid>
-                <a:gridCol w="1524000"/>
-                <a:gridCol w="1524000"/>
-                <a:gridCol w="1524000"/>
-                <a:gridCol w="1524000"/>
-              </a:tblGrid>
-              <a:tr h="370840">
-                <a:tc>
-                  <a:txBody>
-                    <a:bodyPr/>
-                    <a:lstStyle/>
-                    <a:p>
-                      <a:pPr algn="ctr"/>
-                      <a:r>
-                        <a:rPr lang="en-US" dirty="0" smtClean="0"/>
-                        <a:t>A</a:t>
-                      </a:r>
-                      <a:endParaRPr lang="en-US" dirty="0"/>
-                    </a:p>
-                  </a:txBody>
-                  <a:tcPr/>
-                </a:tc>
-                <a:tc>
-                  <a:txBody>
-                    <a:bodyPr/>
-                    <a:lstStyle/>
-                    <a:p>
-                      <a:pPr algn="ctr"/>
-                      <a:r>
-                        <a:rPr lang="en-US" dirty="0" smtClean="0"/>
-                        <a:t>B</a:t>
-                      </a:r>
-                      <a:endParaRPr lang="en-US" dirty="0"/>
-                    </a:p>
-                  </a:txBody>
-                  <a:tcPr/>
-                </a:tc>
-                <a:tc>
-                  <a:txBody>
-                    <a:bodyPr/>
-                    <a:lstStyle/>
-                    <a:p>
-                      <a:pPr algn="ctr"/>
-                      <a:r>
-                        <a:rPr lang="en-US" dirty="0" smtClean="0"/>
-                        <a:t>C</a:t>
-                      </a:r>
-                      <a:endParaRPr lang="en-US" dirty="0"/>
-                    </a:p>
-                  </a:txBody>
-                  <a:tcPr/>
-                </a:tc>
-                <a:tc>
-                  <a:txBody>
-                    <a:bodyPr/>
-                    <a:lstStyle/>
-                    <a:p>
-                      <a:pPr algn="ctr"/>
-                      <a:r>
-                        <a:rPr lang="en-US" dirty="0" smtClean="0"/>
-                        <a:t>Total</a:t>
-                      </a:r>
-                      <a:endParaRPr lang="en-US" dirty="0"/>
-                    </a:p>
-                  </a:txBody>
-                  <a:tcPr/>
-                </a:tc>
-              </a:tr>
-              <a:tr h="370840">
-                <a:tc>
-                  <a:txBody>
-                    <a:bodyPr/>
-                    <a:lstStyle/>
-                    <a:p>
-                      <a:pPr algn="ctr"/>
-                      <a:r>
-                        <a:rPr lang="en-US" dirty="0" smtClean="0"/>
-                        <a:t>10</a:t>
-                      </a:r>
-                      <a:endParaRPr lang="en-US" dirty="0"/>
-                    </a:p>
-                  </a:txBody>
-                  <a:tcPr/>
-                </a:tc>
-                <a:tc>
-                  <a:txBody>
-                    <a:bodyPr/>
-                    <a:lstStyle/>
-                    <a:p>
-                      <a:pPr algn="ctr"/>
-                      <a:r>
-                        <a:rPr lang="en-US" dirty="0" smtClean="0"/>
-                        <a:t>18</a:t>
-                      </a:r>
-                      <a:endParaRPr lang="en-US" dirty="0"/>
-                    </a:p>
-                  </a:txBody>
-                  <a:tcPr/>
-                </a:tc>
-                <a:tc>
-                  <a:txBody>
-                    <a:bodyPr/>
-                    <a:lstStyle/>
-                    <a:p>
-                      <a:pPr algn="ctr"/>
-                      <a:r>
-                        <a:rPr lang="en-US" dirty="0" smtClean="0"/>
-                        <a:t>12</a:t>
-                      </a:r>
-                      <a:endParaRPr lang="en-US" dirty="0"/>
-                    </a:p>
-                  </a:txBody>
-                  <a:tcPr/>
-                </a:tc>
-                <a:tc>
-                  <a:txBody>
-                    <a:bodyPr/>
-                    <a:lstStyle/>
-                    <a:p>
-                      <a:pPr algn="ctr"/>
-                      <a:r>
-                        <a:rPr lang="en-US" dirty="0" smtClean="0"/>
-                        <a:t>44</a:t>
-                      </a:r>
-                      <a:endParaRPr lang="en-US" dirty="0"/>
-                    </a:p>
-                  </a:txBody>
-                  <a:tcPr/>
-                </a:tc>
-              </a:tr>
-              <a:tr h="370840">
-                <a:tc>
-                  <a:txBody>
-                    <a:bodyPr/>
-                    <a:lstStyle/>
-                    <a:p>
-                      <a:pPr algn="ctr"/>
-                      <a:r>
-                        <a:rPr lang="en-US" dirty="0" smtClean="0"/>
-                        <a:t>9</a:t>
-                      </a:r>
-                      <a:endParaRPr lang="en-US" dirty="0"/>
-                    </a:p>
-                  </a:txBody>
-                  <a:tcPr/>
-                </a:tc>
-                <a:tc>
-                  <a:txBody>
-                    <a:bodyPr/>
-                    <a:lstStyle/>
-                    <a:p>
-                      <a:pPr algn="ctr"/>
-                      <a:r>
-                        <a:rPr lang="en-US" dirty="0" smtClean="0"/>
-                        <a:t>20</a:t>
-                      </a:r>
-                      <a:endParaRPr lang="en-US" dirty="0"/>
-                    </a:p>
-                  </a:txBody>
-                  <a:tcPr/>
-                </a:tc>
-                <a:tc>
-                  <a:txBody>
-                    <a:bodyPr/>
-                    <a:lstStyle/>
-                    <a:p>
-                      <a:pPr algn="ctr"/>
-                      <a:r>
-                        <a:rPr lang="en-US" dirty="0" smtClean="0"/>
-                        <a:t>11</a:t>
-                      </a:r>
-                      <a:endParaRPr lang="en-US" dirty="0"/>
-                    </a:p>
-                  </a:txBody>
-                  <a:tcPr/>
-                </a:tc>
-                <a:tc>
-                  <a:txBody>
-                    <a:bodyPr/>
-                    <a:lstStyle/>
-                    <a:p>
-                      <a:pPr algn="ctr"/>
-                      <a:r>
-                        <a:rPr lang="en-US" dirty="0" smtClean="0"/>
-                        <a:t>42</a:t>
-                      </a:r>
-                      <a:endParaRPr lang="en-US" dirty="0"/>
-                    </a:p>
-                  </a:txBody>
-                  <a:tcPr/>
-                </a:tc>
-              </a:tr>
-            </a:tbl>
-          </a:graphicData>
-        </a:graphic>
-      </p:graphicFrame>
-    </p:spTree>
-    <p:extLst>
-      <p:ext uri="{BB962C8B-B14F-4D97-AF65-F5344CB8AC3E}">
-        <p14:creationId xmlns:p14="http://schemas.microsoft.com/office/powerpoint/2010/main" val="866085967"/>
-      </p:ext>
-    </p:extLst>
-  </p:cSld>
-  <p:clrMapOvr>
-    <a:masterClrMapping/>
-  </p:clrMapOvr>
-  <p:timing>
-    <p:tnLst>
-      <p:par>
-        <p:cTn xmlns:p14="http://schemas.microsoft.com/office/powerpoint/2010/main" id="1" dur="indefinite" restart="never" nodeType="tmRoot"/>
-      </p:par>
-    </p:tnLst>
-  </p:timing>
-</p:sld>
-</file>
-
-<file path=ppt/slides/slide46.xml><?xml version="1.0" encoding="utf-8"?>
-<p:sld xmlns:a="http://schemas.openxmlformats.org/drawingml/2006/main" xmlns:r="http://schemas.openxmlformats.org/officeDocument/2006/relationships" xmlns:p="http://schemas.openxmlformats.org/presentationml/2006/main">
-  <p:cSld>
-    <p:spTree>
-      <p:nvGrpSpPr>
-        <p:cNvPr id="1" name=""/>
-        <p:cNvGrpSpPr/>
-        <p:nvPr/>
-      </p:nvGrpSpPr>
-      <p:grpSpPr>
-        <a:xfrm>
-          <a:off x="0" y="0"/>
-          <a:ext cx="0" cy="0"/>
-          <a:chOff x="0" y="0"/>
-          <a:chExt cx="0" cy="0"/>
-        </a:xfrm>
-      </p:grpSpPr>
-      <p:sp>
-        <p:nvSpPr>
-          <p:cNvPr id="2" name="Title 1"/>
-          <p:cNvSpPr>
-            <a:spLocks noGrp="1"/>
-          </p:cNvSpPr>
-          <p:nvPr>
-            <p:ph type="title"/>
-          </p:nvPr>
-        </p:nvSpPr>
-        <p:spPr/>
-        <p:txBody>
-          <a:bodyPr/>
-          <a:lstStyle/>
-          <a:p>
-            <a:r>
-              <a:rPr lang="en-US" dirty="0" smtClean="0"/>
-              <a:t>Simulation Results</a:t>
-            </a:r>
-            <a:endParaRPr lang="en-US" dirty="0"/>
-          </a:p>
-        </p:txBody>
-      </p:sp>
-      <p:pic>
-        <p:nvPicPr>
-          <p:cNvPr id="6" name="Picture 5" descr="relimp_vs_time.pdf"/>
-          <p:cNvPicPr>
-            <a:picLocks noChangeAspect="1"/>
-          </p:cNvPicPr>
-          <p:nvPr/>
-        </p:nvPicPr>
-        <p:blipFill>
-          <a:blip r:embed="rId2">
-            <a:extLst>
-              <a:ext uri="{28A0092B-C50C-407E-A947-70E740481C1C}">
-                <a14:useLocalDpi xmlns:a14="http://schemas.microsoft.com/office/drawing/2010/main" val="0"/>
-              </a:ext>
-            </a:extLst>
-          </a:blip>
-          <a:stretch>
-            <a:fillRect/>
-          </a:stretch>
-        </p:blipFill>
-        <p:spPr>
-          <a:xfrm>
-            <a:off x="165100" y="1104900"/>
-            <a:ext cx="5524500" cy="5524500"/>
-          </a:xfrm>
-          <a:prstGeom prst="rect">
-            <a:avLst/>
-          </a:prstGeom>
-        </p:spPr>
-      </p:pic>
-      <p:sp>
-        <p:nvSpPr>
-          <p:cNvPr id="7" name="TextBox 6"/>
-          <p:cNvSpPr txBox="1"/>
-          <p:nvPr/>
-        </p:nvSpPr>
-        <p:spPr>
-          <a:xfrm>
-            <a:off x="5511800" y="1722438"/>
-            <a:ext cx="3492500" cy="1200329"/>
-          </a:xfrm>
-          <a:prstGeom prst="rect">
-            <a:avLst/>
-          </a:prstGeom>
-          <a:noFill/>
-        </p:spPr>
-        <p:txBody>
-          <a:bodyPr wrap="square" rtlCol="0">
-            <a:spAutoFit/>
-          </a:bodyPr>
-          <a:lstStyle/>
-          <a:p>
-            <a:r>
-              <a:rPr lang="en-US" dirty="0" smtClean="0"/>
-              <a:t>At t = 500, API call B starts behaving erratically causing its relative importance score to increase significantly.</a:t>
-            </a:r>
-          </a:p>
-        </p:txBody>
-      </p:sp>
-    </p:spTree>
-    <p:extLst>
-      <p:ext uri="{BB962C8B-B14F-4D97-AF65-F5344CB8AC3E}">
-        <p14:creationId xmlns:p14="http://schemas.microsoft.com/office/powerpoint/2010/main" val="1680518786"/>
-      </p:ext>
-    </p:extLst>
-  </p:cSld>
-  <p:clrMapOvr>
-    <a:masterClrMapping/>
-  </p:clrMapOvr>
-  <p:timing>
-    <p:tnLst>
-      <p:par>
-        <p:cTn xmlns:p14="http://schemas.microsoft.com/office/powerpoint/2010/main" id="1" dur="indefinite" restart="never" nodeType="tmRoot"/>
-      </p:par>
-    </p:tnLst>
-  </p:timing>
-</p:sld>
-</file>
-
-<file path=ppt/slides/slide47.xml><?xml version="1.0" encoding="utf-8"?>
-<p:sld xmlns:a="http://schemas.openxmlformats.org/drawingml/2006/main" xmlns:r="http://schemas.openxmlformats.org/officeDocument/2006/relationships" xmlns:p="http://schemas.openxmlformats.org/presentationml/2006/main">
-  <p:cSld>
-    <p:spTree>
-      <p:nvGrpSpPr>
-        <p:cNvPr id="1" name=""/>
-        <p:cNvGrpSpPr/>
-        <p:nvPr/>
-      </p:nvGrpSpPr>
-      <p:grpSpPr>
-        <a:xfrm>
-          <a:off x="0" y="0"/>
-          <a:ext cx="0" cy="0"/>
-          <a:chOff x="0" y="0"/>
-          <a:chExt cx="0" cy="0"/>
-        </a:xfrm>
-      </p:grpSpPr>
-      <p:sp>
-        <p:nvSpPr>
-          <p:cNvPr id="2" name="Title 1"/>
-          <p:cNvSpPr>
-            <a:spLocks noGrp="1"/>
-          </p:cNvSpPr>
-          <p:nvPr>
-            <p:ph type="title"/>
-          </p:nvPr>
-        </p:nvSpPr>
-        <p:spPr/>
-        <p:txBody>
-          <a:bodyPr/>
-          <a:lstStyle/>
-          <a:p>
-            <a:r>
-              <a:rPr lang="en-US" dirty="0" smtClean="0"/>
-              <a:t>Future Work</a:t>
-            </a:r>
-            <a:endParaRPr lang="en-US" dirty="0"/>
-          </a:p>
-        </p:txBody>
-      </p:sp>
-      <p:sp>
-        <p:nvSpPr>
-          <p:cNvPr id="3" name="Content Placeholder 2"/>
-          <p:cNvSpPr>
-            <a:spLocks noGrp="1"/>
-          </p:cNvSpPr>
-          <p:nvPr>
-            <p:ph idx="1"/>
-          </p:nvPr>
-        </p:nvSpPr>
-        <p:spPr/>
-        <p:txBody>
-          <a:bodyPr/>
-          <a:lstStyle/>
-          <a:p>
-            <a:endParaRPr lang="en-US"/>
-          </a:p>
-        </p:txBody>
-      </p:sp>
-    </p:spTree>
-    <p:extLst>
-      <p:ext uri="{BB962C8B-B14F-4D97-AF65-F5344CB8AC3E}">
-        <p14:creationId xmlns:p14="http://schemas.microsoft.com/office/powerpoint/2010/main" val="2296212584"/>
-      </p:ext>
-    </p:extLst>
-  </p:cSld>
-  <p:clrMapOvr>
-    <a:masterClrMapping/>
-  </p:clrMapOvr>
-  <p:timing>
-    <p:tnLst>
-      <p:par>
-        <p:cTn xmlns:p14="http://schemas.microsoft.com/office/powerpoint/2010/main" id="1" dur="indefinite" restart="never" nodeType="tmRoot"/>
-      </p:par>
-    </p:tnLst>
-  </p:timing>
-</p:sld>
-</file>
-
-<file path=ppt/slides/slide48.xml><?xml version="1.0" encoding="utf-8"?>
-<p:sld xmlns:a="http://schemas.openxmlformats.org/drawingml/2006/main" xmlns:r="http://schemas.openxmlformats.org/officeDocument/2006/relationships" xmlns:p="http://schemas.openxmlformats.org/presentationml/2006/main">
-  <p:cSld>
-    <p:spTree>
-      <p:nvGrpSpPr>
-        <p:cNvPr id="1" name=""/>
-        <p:cNvGrpSpPr/>
-        <p:nvPr/>
-      </p:nvGrpSpPr>
-      <p:grpSpPr>
-        <a:xfrm>
-          <a:off x="0" y="0"/>
-          <a:ext cx="0" cy="0"/>
-          <a:chOff x="0" y="0"/>
-          <a:chExt cx="0" cy="0"/>
-        </a:xfrm>
-      </p:grpSpPr>
-      <p:sp>
-        <p:nvSpPr>
-          <p:cNvPr id="2" name="Title 1"/>
-          <p:cNvSpPr>
-            <a:spLocks noGrp="1"/>
-          </p:cNvSpPr>
-          <p:nvPr>
-            <p:ph type="title"/>
-          </p:nvPr>
-        </p:nvSpPr>
-        <p:spPr/>
-        <p:txBody>
-          <a:bodyPr/>
-          <a:lstStyle/>
-          <a:p>
-            <a:r>
-              <a:rPr lang="en-US" dirty="0" smtClean="0"/>
-              <a:t>Summary and Conclusion</a:t>
-            </a:r>
-            <a:endParaRPr lang="en-US" dirty="0"/>
-          </a:p>
-        </p:txBody>
-      </p:sp>
-      <p:sp>
-        <p:nvSpPr>
-          <p:cNvPr id="3" name="Content Placeholder 2"/>
-          <p:cNvSpPr>
-            <a:spLocks noGrp="1"/>
-          </p:cNvSpPr>
-          <p:nvPr>
-            <p:ph idx="1"/>
-          </p:nvPr>
-        </p:nvSpPr>
-        <p:spPr/>
-        <p:txBody>
-          <a:bodyPr/>
-          <a:lstStyle/>
-          <a:p>
-            <a:endParaRPr lang="en-US"/>
-          </a:p>
-        </p:txBody>
-      </p:sp>
-    </p:spTree>
-    <p:extLst>
-      <p:ext uri="{BB962C8B-B14F-4D97-AF65-F5344CB8AC3E}">
-        <p14:creationId xmlns:p14="http://schemas.microsoft.com/office/powerpoint/2010/main" val="2047413276"/>
+        <p14:creationId xmlns:p14="http://schemas.microsoft.com/office/powerpoint/2010/main" val="2982331455"/>
       </p:ext>
     </p:extLst>
   </p:cSld>
@@ -11598,7 +11836,7 @@
         </p:nvSpPr>
         <p:spPr>
           <a:xfrm rot="10800000">
-            <a:off x="313427" y="3511493"/>
+            <a:off x="135627" y="3511493"/>
             <a:ext cx="6348073" cy="3088123"/>
           </a:xfrm>
           <a:prstGeom prst="cloud">
@@ -11638,7 +11876,7 @@
         </p:nvSpPr>
         <p:spPr>
           <a:xfrm>
-            <a:off x="1533678" y="5441569"/>
+            <a:off x="1393978" y="5441569"/>
             <a:ext cx="3996901" cy="610154"/>
           </a:xfrm>
           <a:prstGeom prst="rect">
@@ -11680,7 +11918,7 @@
         </p:nvSpPr>
         <p:spPr>
           <a:xfrm>
-            <a:off x="1876091" y="4831412"/>
+            <a:off x="1736391" y="4831412"/>
             <a:ext cx="3312074" cy="610154"/>
           </a:xfrm>
           <a:prstGeom prst="rect">
@@ -11722,7 +11960,7 @@
         </p:nvSpPr>
         <p:spPr>
           <a:xfrm>
-            <a:off x="2249633" y="4221258"/>
+            <a:off x="2109933" y="4221258"/>
             <a:ext cx="2564990" cy="610154"/>
           </a:xfrm>
           <a:prstGeom prst="rect">
@@ -11764,7 +12002,7 @@
         </p:nvSpPr>
         <p:spPr>
           <a:xfrm>
-            <a:off x="6819095" y="3513368"/>
+            <a:off x="6514295" y="3513368"/>
             <a:ext cx="276068" cy="3088124"/>
           </a:xfrm>
           <a:prstGeom prst="rightBrace">
@@ -11802,8 +12040,8 @@
         </p:nvSpPr>
         <p:spPr>
           <a:xfrm>
-            <a:off x="7294379" y="4395588"/>
-            <a:ext cx="1695528" cy="1477328"/>
+            <a:off x="6501595" y="4649588"/>
+            <a:ext cx="2912436" cy="1092607"/>
           </a:xfrm>
           <a:prstGeom prst="rect">
             <a:avLst/>
@@ -11816,31 +12054,30 @@
           </a:bodyPr>
           <a:lstStyle/>
           <a:p>
-            <a:r>
-              <a:rPr lang="en-US" dirty="0" smtClean="0"/>
+            <a:pPr algn="ctr"/>
+            <a:r>
+              <a:rPr lang="en-US" sz="1600" dirty="0" smtClean="0"/>
               <a:t>Scalability</a:t>
             </a:r>
           </a:p>
           <a:p>
-            <a:r>
-              <a:rPr lang="en-US" dirty="0" smtClean="0"/>
+            <a:pPr algn="ctr"/>
+            <a:r>
+              <a:rPr lang="en-US" sz="1600" dirty="0" smtClean="0"/>
               <a:t>High availability</a:t>
             </a:r>
           </a:p>
           <a:p>
-            <a:r>
-              <a:rPr lang="en-US" dirty="0" smtClean="0"/>
-              <a:t>Ease of use</a:t>
-            </a:r>
-          </a:p>
-          <a:p>
-            <a:r>
-              <a:rPr lang="en-US" dirty="0" smtClean="0"/>
-              <a:t>Cost effective</a:t>
-            </a:r>
-          </a:p>
-          <a:p>
-            <a:endParaRPr lang="en-US" dirty="0"/>
+            <a:pPr algn="ctr"/>
+            <a:r>
+              <a:rPr lang="en-US" sz="1600" dirty="0" smtClean="0"/>
+              <a:t>Productivity enhancement</a:t>
+            </a:r>
+            <a:endParaRPr lang="en-US" sz="1600" dirty="0" smtClean="0"/>
+          </a:p>
+          <a:p>
+            <a:pPr algn="ctr"/>
+            <a:endParaRPr lang="en-US" sz="1700" dirty="0"/>
           </a:p>
         </p:txBody>
       </p:sp>

--- a/Eager/elk-experiment/appserver/system_design.pptx
+++ b/Eager/elk-experiment/appserver/system_design.pptx
@@ -17,30 +17,30 @@
     <p:sldId id="274" r:id="rId8"/>
     <p:sldId id="275" r:id="rId9"/>
     <p:sldId id="270" r:id="rId10"/>
-    <p:sldId id="271" r:id="rId11"/>
-    <p:sldId id="276" r:id="rId12"/>
-    <p:sldId id="277" r:id="rId13"/>
-    <p:sldId id="278" r:id="rId14"/>
-    <p:sldId id="279" r:id="rId15"/>
-    <p:sldId id="284" r:id="rId16"/>
-    <p:sldId id="311" r:id="rId17"/>
-    <p:sldId id="286" r:id="rId18"/>
-    <p:sldId id="288" r:id="rId19"/>
-    <p:sldId id="287" r:id="rId20"/>
-    <p:sldId id="289" r:id="rId21"/>
-    <p:sldId id="292" r:id="rId22"/>
-    <p:sldId id="293" r:id="rId23"/>
-    <p:sldId id="290" r:id="rId24"/>
-    <p:sldId id="312" r:id="rId25"/>
-    <p:sldId id="296" r:id="rId26"/>
-    <p:sldId id="297" r:id="rId27"/>
-    <p:sldId id="298" r:id="rId28"/>
-    <p:sldId id="299" r:id="rId29"/>
-    <p:sldId id="301" r:id="rId30"/>
-    <p:sldId id="304" r:id="rId31"/>
-    <p:sldId id="300" r:id="rId32"/>
-    <p:sldId id="305" r:id="rId33"/>
-    <p:sldId id="306" r:id="rId34"/>
+    <p:sldId id="276" r:id="rId11"/>
+    <p:sldId id="277" r:id="rId12"/>
+    <p:sldId id="278" r:id="rId13"/>
+    <p:sldId id="279" r:id="rId14"/>
+    <p:sldId id="284" r:id="rId15"/>
+    <p:sldId id="311" r:id="rId16"/>
+    <p:sldId id="286" r:id="rId17"/>
+    <p:sldId id="288" r:id="rId18"/>
+    <p:sldId id="287" r:id="rId19"/>
+    <p:sldId id="289" r:id="rId20"/>
+    <p:sldId id="292" r:id="rId21"/>
+    <p:sldId id="293" r:id="rId22"/>
+    <p:sldId id="290" r:id="rId23"/>
+    <p:sldId id="312" r:id="rId24"/>
+    <p:sldId id="296" r:id="rId25"/>
+    <p:sldId id="297" r:id="rId26"/>
+    <p:sldId id="298" r:id="rId27"/>
+    <p:sldId id="299" r:id="rId28"/>
+    <p:sldId id="301" r:id="rId29"/>
+    <p:sldId id="304" r:id="rId30"/>
+    <p:sldId id="300" r:id="rId31"/>
+    <p:sldId id="305" r:id="rId32"/>
+    <p:sldId id="306" r:id="rId33"/>
+    <p:sldId id="325" r:id="rId34"/>
     <p:sldId id="318" r:id="rId35"/>
     <p:sldId id="319" r:id="rId36"/>
     <p:sldId id="320" r:id="rId37"/>
@@ -169,7 +169,6 @@
             <p14:sldId id="274"/>
             <p14:sldId id="275"/>
             <p14:sldId id="270"/>
-            <p14:sldId id="271"/>
             <p14:sldId id="276"/>
             <p14:sldId id="277"/>
             <p14:sldId id="278"/>
@@ -193,6 +192,7 @@
             <p14:sldId id="300"/>
             <p14:sldId id="305"/>
             <p14:sldId id="306"/>
+            <p14:sldId id="325"/>
           </p14:sldIdLst>
         </p14:section>
         <p14:section name="Backup" id="{7415901F-E265-BA4F-A4A2-A168803AFAF6}">
@@ -303,7 +303,7 @@
           <a:p>
             <a:fld id="{C6B377BD-EE2D-6A4D-8791-40EA342A78BF}" type="datetimeFigureOut">
               <a:rPr lang="en-US" smtClean="0"/>
-              <a:t>4/15/16</a:t>
+              <a:t>4/18/16</a:t>
             </a:fld>
             <a:endParaRPr lang="en-US"/>
           </a:p>
@@ -818,7 +818,7 @@
           <a:p>
             <a:fld id="{6E605815-6331-9444-B06E-921213318926}" type="slidenum">
               <a:rPr lang="en-US" smtClean="0"/>
-              <a:t>32</a:t>
+              <a:t>31</a:t>
             </a:fld>
             <a:endParaRPr lang="en-US"/>
           </a:p>
@@ -1110,7 +1110,7 @@
           <a:p>
             <a:fld id="{94C3570C-2D75-5147-A673-6C02746C58AB}" type="datetimeFigureOut">
               <a:rPr lang="en-US" smtClean="0"/>
-              <a:t>4/15/16</a:t>
+              <a:t>4/18/16</a:t>
             </a:fld>
             <a:endParaRPr lang="en-US"/>
           </a:p>
@@ -1280,7 +1280,7 @@
           <a:p>
             <a:fld id="{94C3570C-2D75-5147-A673-6C02746C58AB}" type="datetimeFigureOut">
               <a:rPr lang="en-US" smtClean="0"/>
-              <a:t>4/15/16</a:t>
+              <a:t>4/18/16</a:t>
             </a:fld>
             <a:endParaRPr lang="en-US"/>
           </a:p>
@@ -1460,7 +1460,7 @@
           <a:p>
             <a:fld id="{94C3570C-2D75-5147-A673-6C02746C58AB}" type="datetimeFigureOut">
               <a:rPr lang="en-US" smtClean="0"/>
-              <a:t>4/15/16</a:t>
+              <a:t>4/18/16</a:t>
             </a:fld>
             <a:endParaRPr lang="en-US"/>
           </a:p>
@@ -1630,7 +1630,7 @@
           <a:p>
             <a:fld id="{94C3570C-2D75-5147-A673-6C02746C58AB}" type="datetimeFigureOut">
               <a:rPr lang="en-US" smtClean="0"/>
-              <a:t>4/15/16</a:t>
+              <a:t>4/18/16</a:t>
             </a:fld>
             <a:endParaRPr lang="en-US"/>
           </a:p>
@@ -1876,7 +1876,7 @@
           <a:p>
             <a:fld id="{94C3570C-2D75-5147-A673-6C02746C58AB}" type="datetimeFigureOut">
               <a:rPr lang="en-US" smtClean="0"/>
-              <a:t>4/15/16</a:t>
+              <a:t>4/18/16</a:t>
             </a:fld>
             <a:endParaRPr lang="en-US"/>
           </a:p>
@@ -2164,7 +2164,7 @@
           <a:p>
             <a:fld id="{94C3570C-2D75-5147-A673-6C02746C58AB}" type="datetimeFigureOut">
               <a:rPr lang="en-US" smtClean="0"/>
-              <a:t>4/15/16</a:t>
+              <a:t>4/18/16</a:t>
             </a:fld>
             <a:endParaRPr lang="en-US"/>
           </a:p>
@@ -2586,7 +2586,7 @@
           <a:p>
             <a:fld id="{94C3570C-2D75-5147-A673-6C02746C58AB}" type="datetimeFigureOut">
               <a:rPr lang="en-US" smtClean="0"/>
-              <a:t>4/15/16</a:t>
+              <a:t>4/18/16</a:t>
             </a:fld>
             <a:endParaRPr lang="en-US"/>
           </a:p>
@@ -2704,7 +2704,7 @@
           <a:p>
             <a:fld id="{94C3570C-2D75-5147-A673-6C02746C58AB}" type="datetimeFigureOut">
               <a:rPr lang="en-US" smtClean="0"/>
-              <a:t>4/15/16</a:t>
+              <a:t>4/18/16</a:t>
             </a:fld>
             <a:endParaRPr lang="en-US"/>
           </a:p>
@@ -2799,7 +2799,7 @@
           <a:p>
             <a:fld id="{94C3570C-2D75-5147-A673-6C02746C58AB}" type="datetimeFigureOut">
               <a:rPr lang="en-US" smtClean="0"/>
-              <a:t>4/15/16</a:t>
+              <a:t>4/18/16</a:t>
             </a:fld>
             <a:endParaRPr lang="en-US"/>
           </a:p>
@@ -3076,7 +3076,7 @@
           <a:p>
             <a:fld id="{94C3570C-2D75-5147-A673-6C02746C58AB}" type="datetimeFigureOut">
               <a:rPr lang="en-US" smtClean="0"/>
-              <a:t>4/15/16</a:t>
+              <a:t>4/18/16</a:t>
             </a:fld>
             <a:endParaRPr lang="en-US"/>
           </a:p>
@@ -3329,7 +3329,7 @@
           <a:p>
             <a:fld id="{94C3570C-2D75-5147-A673-6C02746C58AB}" type="datetimeFigureOut">
               <a:rPr lang="en-US" smtClean="0"/>
-              <a:t>4/15/16</a:t>
+              <a:t>4/18/16</a:t>
             </a:fld>
             <a:endParaRPr lang="en-US"/>
           </a:p>
@@ -3542,7 +3542,7 @@
           <a:p>
             <a:fld id="{94C3570C-2D75-5147-A673-6C02746C58AB}" type="datetimeFigureOut">
               <a:rPr lang="en-US" smtClean="0"/>
-              <a:t>4/15/16</a:t>
+              <a:t>4/18/16</a:t>
             </a:fld>
             <a:endParaRPr lang="en-US"/>
           </a:p>
@@ -4185,7 +4185,6 @@
               <a:rPr lang="en-US" sz="1600" dirty="0" smtClean="0"/>
               <a:t>Productivity enhancement</a:t>
             </a:r>
-            <a:endParaRPr lang="en-US" sz="1600" dirty="0" smtClean="0"/>
           </a:p>
           <a:p>
             <a:pPr algn="ctr"/>
@@ -4446,50 +4445,78 @@
         </p:nvSpPr>
         <p:spPr/>
         <p:txBody>
+          <a:bodyPr>
+            <a:normAutofit/>
+          </a:bodyPr>
+          <a:lstStyle/>
+          <a:p>
+            <a:r>
+              <a:rPr lang="en-US" dirty="0" smtClean="0"/>
+              <a:t>Good Coding Practices in the Cloud</a:t>
+            </a:r>
+            <a:endParaRPr lang="en-US" dirty="0"/>
+          </a:p>
+        </p:txBody>
+      </p:sp>
+      <p:sp>
+        <p:nvSpPr>
+          <p:cNvPr id="3" name="Content Placeholder 2"/>
+          <p:cNvSpPr>
+            <a:spLocks noGrp="1"/>
+          </p:cNvSpPr>
+          <p:nvPr>
+            <p:ph idx="1"/>
+          </p:nvPr>
+        </p:nvSpPr>
+        <p:spPr/>
+        <p:txBody>
           <a:bodyPr/>
           <a:lstStyle/>
           <a:p>
             <a:r>
-              <a:rPr lang="en-US" dirty="0" err="1" smtClean="0"/>
-              <a:t>PaaS</a:t>
-            </a:r>
-            <a:r>
-              <a:rPr lang="en-US" dirty="0" smtClean="0"/>
-              <a:t> Application Model</a:t>
-            </a:r>
+              <a:rPr lang="en-US" dirty="0" smtClean="0"/>
+              <a:t>Enforce code reuse</a:t>
+            </a:r>
+          </a:p>
+          <a:p>
+            <a:r>
+              <a:rPr lang="en-US" dirty="0" smtClean="0"/>
+              <a:t>Enforce naming and versioning conventions</a:t>
+            </a:r>
+          </a:p>
+          <a:p>
+            <a:r>
+              <a:rPr lang="en-US" dirty="0" smtClean="0"/>
+              <a:t>Enforce backward compatible code updates</a:t>
+            </a:r>
+          </a:p>
+          <a:p>
+            <a:r>
+              <a:rPr lang="en-US" dirty="0" smtClean="0"/>
+              <a:t>Catch bad code before it goes into production</a:t>
+            </a:r>
+          </a:p>
+          <a:p>
+            <a:r>
+              <a:rPr lang="en-US" dirty="0" smtClean="0"/>
+              <a:t>Simple mechanism to specify conventions/policies to be enforced</a:t>
+            </a:r>
+          </a:p>
+          <a:p>
+            <a:r>
+              <a:rPr lang="en-US" dirty="0" smtClean="0"/>
+              <a:t>Scalable, cloud-native implementation</a:t>
+            </a:r>
+          </a:p>
+          <a:p>
             <a:endParaRPr lang="en-US" dirty="0"/>
           </a:p>
         </p:txBody>
       </p:sp>
-      <p:pic>
-        <p:nvPicPr>
-          <p:cNvPr id="4" name="Content Placeholder 3" descr="cloud_app_model.png"/>
-          <p:cNvPicPr>
-            <a:picLocks noGrp="1" noChangeAspect="1"/>
-          </p:cNvPicPr>
-          <p:nvPr>
-            <p:ph idx="1"/>
-          </p:nvPr>
-        </p:nvPicPr>
-        <p:blipFill>
-          <a:blip r:embed="rId2">
-            <a:extLst>
-              <a:ext uri="{28A0092B-C50C-407E-A947-70E740481C1C}">
-                <a14:useLocalDpi xmlns:a14="http://schemas.microsoft.com/office/drawing/2010/main" val="0"/>
-              </a:ext>
-            </a:extLst>
-          </a:blip>
-          <a:srcRect l="-27444" r="-27444"/>
-          <a:stretch>
-            <a:fillRect/>
-          </a:stretch>
-        </p:blipFill>
-        <p:spPr/>
-      </p:pic>
     </p:spTree>
     <p:extLst>
       <p:ext uri="{BB962C8B-B14F-4D97-AF65-F5344CB8AC3E}">
-        <p14:creationId xmlns:p14="http://schemas.microsoft.com/office/powerpoint/2010/main" val="2422575195"/>
+        <p14:creationId xmlns:p14="http://schemas.microsoft.com/office/powerpoint/2010/main" val="2964205391"/>
       </p:ext>
     </p:extLst>
   </p:cSld>
@@ -4535,131 +4562,6 @@
         </p:nvSpPr>
         <p:spPr/>
         <p:txBody>
-          <a:bodyPr>
-            <a:normAutofit/>
-          </a:bodyPr>
-          <a:lstStyle/>
-          <a:p>
-            <a:r>
-              <a:rPr lang="en-US" dirty="0" smtClean="0"/>
-              <a:t>Good </a:t>
-            </a:r>
-            <a:r>
-              <a:rPr lang="en-US" dirty="0" smtClean="0"/>
-              <a:t>Coding </a:t>
-            </a:r>
-            <a:r>
-              <a:rPr lang="en-US" dirty="0" smtClean="0"/>
-              <a:t>Practices in the Cloud</a:t>
-            </a:r>
-            <a:endParaRPr lang="en-US" dirty="0"/>
-          </a:p>
-        </p:txBody>
-      </p:sp>
-      <p:sp>
-        <p:nvSpPr>
-          <p:cNvPr id="3" name="Content Placeholder 2"/>
-          <p:cNvSpPr>
-            <a:spLocks noGrp="1"/>
-          </p:cNvSpPr>
-          <p:nvPr>
-            <p:ph idx="1"/>
-          </p:nvPr>
-        </p:nvSpPr>
-        <p:spPr/>
-        <p:txBody>
-          <a:bodyPr/>
-          <a:lstStyle/>
-          <a:p>
-            <a:r>
-              <a:rPr lang="en-US" dirty="0" smtClean="0"/>
-              <a:t>Enforce code reuse</a:t>
-            </a:r>
-          </a:p>
-          <a:p>
-            <a:r>
-              <a:rPr lang="en-US" dirty="0" smtClean="0"/>
-              <a:t>Enforce naming and versioning conventions</a:t>
-            </a:r>
-          </a:p>
-          <a:p>
-            <a:r>
-              <a:rPr lang="en-US" dirty="0" smtClean="0"/>
-              <a:t>Enforce backward compatible code updates</a:t>
-            </a:r>
-          </a:p>
-          <a:p>
-            <a:r>
-              <a:rPr lang="en-US" dirty="0" smtClean="0"/>
-              <a:t>Catch bad code before it goes into production</a:t>
-            </a:r>
-          </a:p>
-          <a:p>
-            <a:r>
-              <a:rPr lang="en-US" dirty="0" smtClean="0"/>
-              <a:t>Simple mechanism to specify conventions/policies to be enforced</a:t>
-            </a:r>
-          </a:p>
-          <a:p>
-            <a:r>
-              <a:rPr lang="en-US" dirty="0" smtClean="0"/>
-              <a:t>Scalable, cloud-native implementation</a:t>
-            </a:r>
-          </a:p>
-          <a:p>
-            <a:endParaRPr lang="en-US" dirty="0"/>
-          </a:p>
-        </p:txBody>
-      </p:sp>
-    </p:spTree>
-    <p:extLst>
-      <p:ext uri="{BB962C8B-B14F-4D97-AF65-F5344CB8AC3E}">
-        <p14:creationId xmlns:p14="http://schemas.microsoft.com/office/powerpoint/2010/main" val="2964205391"/>
-      </p:ext>
-    </p:extLst>
-  </p:cSld>
-  <p:clrMapOvr>
-    <a:masterClrMapping/>
-  </p:clrMapOvr>
-  <p:timing>
-    <p:tnLst>
-      <p:par>
-        <p:cTn xmlns:p14="http://schemas.microsoft.com/office/powerpoint/2010/main" id="1" dur="indefinite" restart="never" nodeType="tmRoot"/>
-      </p:par>
-    </p:tnLst>
-  </p:timing>
-</p:sld>
-</file>
-
-<file path=ppt/slides/slide12.xml><?xml version="1.0" encoding="utf-8"?>
-<p:sld xmlns:a="http://schemas.openxmlformats.org/drawingml/2006/main" xmlns:r="http://schemas.openxmlformats.org/officeDocument/2006/relationships" xmlns:p="http://schemas.openxmlformats.org/presentationml/2006/main">
-  <p:cSld>
-    <p:spTree>
-      <p:nvGrpSpPr>
-        <p:cNvPr id="1" name=""/>
-        <p:cNvGrpSpPr/>
-        <p:nvPr/>
-      </p:nvGrpSpPr>
-      <p:grpSpPr>
-        <a:xfrm>
-          <a:off x="0" y="0"/>
-          <a:ext cx="0" cy="0"/>
-          <a:chOff x="0" y="0"/>
-          <a:chExt cx="0" cy="0"/>
-        </a:xfrm>
-      </p:grpSpPr>
-      <p:sp>
-        <p:nvSpPr>
-          <p:cNvPr id="2" name="Title 1"/>
-          <p:cNvSpPr>
-            <a:spLocks noGrp="1"/>
-          </p:cNvSpPr>
-          <p:nvPr>
-            <p:ph type="title"/>
-          </p:nvPr>
-        </p:nvSpPr>
-        <p:spPr/>
-        <p:txBody>
           <a:bodyPr/>
           <a:lstStyle/>
           <a:p>
@@ -4772,6 +4674,140 @@
           </a:p>
           <a:p>
             <a:endParaRPr lang="en-US" dirty="0"/>
+          </a:p>
+        </p:txBody>
+      </p:sp>
+      <p:sp>
+        <p:nvSpPr>
+          <p:cNvPr id="4" name="TextBox 3"/>
+          <p:cNvSpPr txBox="1"/>
+          <p:nvPr/>
+        </p:nvSpPr>
+        <p:spPr>
+          <a:xfrm>
+            <a:off x="165100" y="5811053"/>
+            <a:ext cx="8788400" cy="1036694"/>
+          </a:xfrm>
+          <a:prstGeom prst="rect">
+            <a:avLst/>
+          </a:prstGeom>
+          <a:noFill/>
+        </p:spPr>
+        <p:txBody>
+          <a:bodyPr wrap="square" rtlCol="0">
+            <a:spAutoFit/>
+          </a:bodyPr>
+          <a:lstStyle/>
+          <a:p>
+            <a:pPr>
+              <a:lnSpc>
+                <a:spcPct val="110000"/>
+              </a:lnSpc>
+            </a:pPr>
+            <a:r>
+              <a:rPr lang="en-US" sz="1400" i="1" dirty="0"/>
+              <a:t>C. </a:t>
+            </a:r>
+            <a:r>
+              <a:rPr lang="en-US" sz="1400" i="1" dirty="0" err="1"/>
+              <a:t>Krintz</a:t>
+            </a:r>
+            <a:r>
+              <a:rPr lang="en-US" sz="1400" i="1" dirty="0"/>
+              <a:t>, H. Jayathilaka, S. </a:t>
+            </a:r>
+            <a:r>
+              <a:rPr lang="en-US" sz="1400" i="1" dirty="0" err="1"/>
+              <a:t>Dimopoulos</a:t>
+            </a:r>
+            <a:r>
+              <a:rPr lang="en-US" sz="1400" i="1" dirty="0"/>
+              <a:t>, A. </a:t>
+            </a:r>
+            <a:r>
+              <a:rPr lang="en-US" sz="1400" i="1" dirty="0" err="1"/>
+              <a:t>Pucher</a:t>
+            </a:r>
+            <a:r>
+              <a:rPr lang="en-US" sz="1400" i="1" dirty="0"/>
+              <a:t>, R. </a:t>
+            </a:r>
+            <a:r>
+              <a:rPr lang="en-US" sz="1400" i="1" dirty="0" err="1"/>
+              <a:t>Wolski</a:t>
+            </a:r>
+            <a:r>
+              <a:rPr lang="en-US" sz="1400" i="1" dirty="0"/>
+              <a:t> and T. </a:t>
+            </a:r>
+            <a:r>
+              <a:rPr lang="en-US" sz="1400" i="1" dirty="0" err="1"/>
+              <a:t>Bultan</a:t>
+            </a:r>
+            <a:r>
+              <a:rPr lang="en-US" sz="1400" i="1" dirty="0"/>
+              <a:t>, "Cloud Platform Support for API Governance</a:t>
+            </a:r>
+            <a:r>
+              <a:rPr lang="en-US" sz="1400" i="1" dirty="0" smtClean="0"/>
+              <a:t>,” IEEE </a:t>
+            </a:r>
+            <a:r>
+              <a:rPr lang="en-US" sz="1400" i="1" dirty="0"/>
+              <a:t>International Conference </a:t>
+            </a:r>
+            <a:r>
+              <a:rPr lang="en-US" sz="1400" i="1" dirty="0" smtClean="0"/>
+              <a:t>on Cloud Engineering 2014 (IC2E).</a:t>
+            </a:r>
+          </a:p>
+          <a:p>
+            <a:pPr>
+              <a:lnSpc>
+                <a:spcPct val="110000"/>
+              </a:lnSpc>
+            </a:pPr>
+            <a:r>
+              <a:rPr lang="en-US" sz="1400" i="1" dirty="0"/>
+              <a:t>H. Jayathilaka, C. </a:t>
+            </a:r>
+            <a:r>
+              <a:rPr lang="en-US" sz="1400" i="1" dirty="0" err="1"/>
+              <a:t>Krintz</a:t>
+            </a:r>
+            <a:r>
+              <a:rPr lang="en-US" sz="1400" i="1" dirty="0"/>
+              <a:t> and R. </a:t>
+            </a:r>
+            <a:r>
+              <a:rPr lang="en-US" sz="1400" i="1" dirty="0" err="1"/>
+              <a:t>Wolski</a:t>
+            </a:r>
+            <a:r>
+              <a:rPr lang="en-US" sz="1400" i="1" dirty="0"/>
+              <a:t>, "EAGER: Deployment-Time API Governance for Modern </a:t>
+            </a:r>
+            <a:r>
+              <a:rPr lang="en-US" sz="1400" i="1" dirty="0" err="1"/>
+              <a:t>PaaS</a:t>
+            </a:r>
+            <a:r>
+              <a:rPr lang="en-US" sz="1400" i="1" dirty="0"/>
+              <a:t> Clouds</a:t>
+            </a:r>
+            <a:r>
+              <a:rPr lang="en-US" sz="1400" i="1" dirty="0" smtClean="0"/>
+              <a:t>,” IEEE </a:t>
+            </a:r>
+            <a:r>
+              <a:rPr lang="en-US" sz="1400" i="1" dirty="0"/>
+              <a:t>International Conference </a:t>
+            </a:r>
+            <a:r>
+              <a:rPr lang="en-US" sz="1400" i="1" dirty="0" smtClean="0"/>
+              <a:t>on Cloud Engineering 2015 (IC2E).</a:t>
+            </a:r>
+            <a:endParaRPr lang="en-US" sz="1400" i="1" dirty="0"/>
           </a:p>
         </p:txBody>
       </p:sp>
@@ -4795,7 +4831,7 @@
 </p:sld>
 </file>
 
-<file path=ppt/slides/slide13.xml><?xml version="1.0" encoding="utf-8"?>
+<file path=ppt/slides/slide12.xml><?xml version="1.0" encoding="utf-8"?>
 <p:sld xmlns:a="http://schemas.openxmlformats.org/drawingml/2006/main" xmlns:r="http://schemas.openxmlformats.org/officeDocument/2006/relationships" xmlns:p="http://schemas.openxmlformats.org/presentationml/2006/main">
   <p:cSld>
     <p:spTree>
@@ -4880,7 +4916,7 @@
 </p:sld>
 </file>
 
-<file path=ppt/slides/slide14.xml><?xml version="1.0" encoding="utf-8"?>
+<file path=ppt/slides/slide13.xml><?xml version="1.0" encoding="utf-8"?>
 <p:sld xmlns:a="http://schemas.openxmlformats.org/drawingml/2006/main" xmlns:r="http://schemas.openxmlformats.org/officeDocument/2006/relationships" xmlns:p="http://schemas.openxmlformats.org/presentationml/2006/main">
   <p:cSld>
     <p:spTree>
@@ -5070,7 +5106,7 @@
 </p:sld>
 </file>
 
-<file path=ppt/slides/slide15.xml><?xml version="1.0" encoding="utf-8"?>
+<file path=ppt/slides/slide14.xml><?xml version="1.0" encoding="utf-8"?>
 <p:sld xmlns:a="http://schemas.openxmlformats.org/drawingml/2006/main" xmlns:r="http://schemas.openxmlformats.org/officeDocument/2006/relationships" xmlns:p="http://schemas.openxmlformats.org/presentationml/2006/main">
   <p:cSld>
     <p:spTree>
@@ -5114,11 +5150,7 @@
             </a:r>
             <a:r>
               <a:rPr lang="en-US" dirty="0" smtClean="0"/>
-              <a:t> </a:t>
-            </a:r>
-            <a:r>
-              <a:rPr lang="en-US" dirty="0" smtClean="0"/>
-              <a:t>Applications</a:t>
+              <a:t> Applications</a:t>
             </a:r>
             <a:endParaRPr lang="en-US" dirty="0"/>
           </a:p>
@@ -5169,6 +5201,101 @@
 </p:sld>
 </file>
 
+<file path=ppt/slides/slide15.xml><?xml version="1.0" encoding="utf-8"?>
+<p:sld xmlns:a="http://schemas.openxmlformats.org/drawingml/2006/main" xmlns:r="http://schemas.openxmlformats.org/officeDocument/2006/relationships" xmlns:p="http://schemas.openxmlformats.org/presentationml/2006/main">
+  <p:cSld>
+    <p:spTree>
+      <p:nvGrpSpPr>
+        <p:cNvPr id="1" name=""/>
+        <p:cNvGrpSpPr/>
+        <p:nvPr/>
+      </p:nvGrpSpPr>
+      <p:grpSpPr>
+        <a:xfrm>
+          <a:off x="0" y="0"/>
+          <a:ext cx="0" cy="0"/>
+          <a:chOff x="0" y="0"/>
+          <a:chExt cx="0" cy="0"/>
+        </a:xfrm>
+      </p:grpSpPr>
+      <p:sp>
+        <p:nvSpPr>
+          <p:cNvPr id="2" name="Title 1"/>
+          <p:cNvSpPr>
+            <a:spLocks noGrp="1"/>
+          </p:cNvSpPr>
+          <p:nvPr>
+            <p:ph type="title"/>
+          </p:nvPr>
+        </p:nvSpPr>
+        <p:spPr/>
+        <p:txBody>
+          <a:bodyPr/>
+          <a:lstStyle/>
+          <a:p>
+            <a:r>
+              <a:rPr lang="en-US" dirty="0" smtClean="0"/>
+              <a:t>EAGER Results Summary</a:t>
+            </a:r>
+            <a:endParaRPr lang="en-US" dirty="0"/>
+          </a:p>
+        </p:txBody>
+      </p:sp>
+      <p:sp>
+        <p:nvSpPr>
+          <p:cNvPr id="3" name="Content Placeholder 2"/>
+          <p:cNvSpPr>
+            <a:spLocks noGrp="1"/>
+          </p:cNvSpPr>
+          <p:nvPr>
+            <p:ph idx="1"/>
+          </p:nvPr>
+        </p:nvSpPr>
+        <p:spPr/>
+        <p:txBody>
+          <a:bodyPr/>
+          <a:lstStyle/>
+          <a:p>
+            <a:r>
+              <a:rPr lang="en-US" dirty="0" smtClean="0"/>
+              <a:t>Policy enforcement overhead per application</a:t>
+            </a:r>
+          </a:p>
+          <a:p>
+            <a:pPr lvl="1"/>
+            <a:r>
+              <a:rPr lang="en-US" dirty="0" smtClean="0"/>
+              <a:t>Less than 1s</a:t>
+            </a:r>
+          </a:p>
+          <a:p>
+            <a:r>
+              <a:rPr lang="en-US" dirty="0" smtClean="0"/>
+              <a:t>Increase in policy enforcement overhead</a:t>
+            </a:r>
+          </a:p>
+          <a:p>
+            <a:pPr lvl="1"/>
+            <a:r>
+              <a:rPr lang="en-US" dirty="0" smtClean="0"/>
+              <a:t>Less than 100ms for 1000 policies</a:t>
+            </a:r>
+          </a:p>
+        </p:txBody>
+      </p:sp>
+    </p:spTree>
+    <p:extLst>
+      <p:ext uri="{BB962C8B-B14F-4D97-AF65-F5344CB8AC3E}">
+        <p14:creationId xmlns:p14="http://schemas.microsoft.com/office/powerpoint/2010/main" val="2465693851"/>
+      </p:ext>
+    </p:extLst>
+  </p:cSld>
+  <p:clrMapOvr>
+    <a:masterClrMapping/>
+  </p:clrMapOvr>
+</p:sld>
+</file>
+
 <file path=ppt/slides/slide16.xml><?xml version="1.0" encoding="utf-8"?>
 <p:sld xmlns:a="http://schemas.openxmlformats.org/drawingml/2006/main" xmlns:r="http://schemas.openxmlformats.org/officeDocument/2006/relationships" xmlns:p="http://schemas.openxmlformats.org/presentationml/2006/main">
   <p:cSld>
@@ -5198,12 +5325,14 @@
         </p:nvSpPr>
         <p:spPr/>
         <p:txBody>
-          <a:bodyPr/>
-          <a:lstStyle/>
-          <a:p>
-            <a:r>
-              <a:rPr lang="en-US" dirty="0" smtClean="0"/>
-              <a:t>EAGER Results Summary</a:t>
+          <a:bodyPr>
+            <a:normAutofit fontScale="90000"/>
+          </a:bodyPr>
+          <a:lstStyle/>
+          <a:p>
+            <a:r>
+              <a:rPr lang="en-US" dirty="0" smtClean="0"/>
+              <a:t>Reasoning About Application Performance in the Cloud</a:t>
             </a:r>
             <a:endParaRPr lang="en-US" dirty="0"/>
           </a:p>
@@ -5221,32 +5350,39 @@
         </p:nvSpPr>
         <p:spPr/>
         <p:txBody>
-          <a:bodyPr/>
-          <a:lstStyle/>
-          <a:p>
-            <a:r>
-              <a:rPr lang="en-US" dirty="0" smtClean="0"/>
-              <a:t>Policy enforcement overhead per application</a:t>
+          <a:bodyPr>
+            <a:normAutofit/>
+          </a:bodyPr>
+          <a:lstStyle/>
+          <a:p>
+            <a:r>
+              <a:rPr lang="en-US" dirty="0" smtClean="0"/>
+              <a:t>Determine statistical bounds on application response times that are:</a:t>
             </a:r>
           </a:p>
           <a:p>
             <a:pPr lvl="1"/>
             <a:r>
               <a:rPr lang="en-US" dirty="0" smtClean="0"/>
-              <a:t>Less than 1s</a:t>
-            </a:r>
-          </a:p>
-          <a:p>
-            <a:r>
-              <a:rPr lang="en-US" dirty="0" smtClean="0"/>
-              <a:t>Increase in policy enforcement overhead</a:t>
-            </a:r>
-          </a:p>
-          <a:p>
-            <a:pPr lvl="1"/>
-            <a:r>
-              <a:rPr lang="en-US" dirty="0" smtClean="0"/>
-              <a:t>Less than 100ms for 1000 policies</a:t>
+              <a:t>Correct, tight and durable</a:t>
+            </a:r>
+          </a:p>
+          <a:p>
+            <a:r>
+              <a:rPr lang="en-US" dirty="0" smtClean="0"/>
+              <a:t>No extensive testing on the applications</a:t>
+            </a:r>
+          </a:p>
+          <a:p>
+            <a:r>
+              <a:rPr lang="en-US" dirty="0" smtClean="0"/>
+              <a:t>Formulate performance SLAs</a:t>
+            </a:r>
+          </a:p>
+          <a:p>
+            <a:r>
+              <a:rPr lang="en-US" dirty="0" smtClean="0"/>
+              <a:t>Enforce performance policies (design-time), and detect deviations (run-time)</a:t>
             </a:r>
           </a:p>
         </p:txBody>
@@ -5254,13 +5390,20 @@
     </p:spTree>
     <p:extLst>
       <p:ext uri="{BB962C8B-B14F-4D97-AF65-F5344CB8AC3E}">
-        <p14:creationId xmlns:p14="http://schemas.microsoft.com/office/powerpoint/2010/main" val="2465693851"/>
+        <p14:creationId xmlns:p14="http://schemas.microsoft.com/office/powerpoint/2010/main" val="1161752445"/>
       </p:ext>
     </p:extLst>
   </p:cSld>
   <p:clrMapOvr>
     <a:masterClrMapping/>
   </p:clrMapOvr>
+  <p:timing>
+    <p:tnLst>
+      <p:par>
+        <p:cTn xmlns:p14="http://schemas.microsoft.com/office/powerpoint/2010/main" id="1" dur="indefinite" restart="never" nodeType="tmRoot"/>
+      </p:par>
+    </p:tnLst>
+  </p:timing>
 </p:sld>
 </file>
 
@@ -5293,85 +5436,159 @@
         </p:nvSpPr>
         <p:spPr/>
         <p:txBody>
-          <a:bodyPr>
-            <a:normAutofit fontScale="90000"/>
+          <a:bodyPr/>
+          <a:lstStyle/>
+          <a:p>
+            <a:r>
+              <a:rPr lang="en-US" dirty="0" err="1" smtClean="0"/>
+              <a:t>Cerebro</a:t>
+            </a:r>
+            <a:endParaRPr lang="en-US" dirty="0"/>
+          </a:p>
+        </p:txBody>
+      </p:sp>
+      <p:sp>
+        <p:nvSpPr>
+          <p:cNvPr id="3" name="Content Placeholder 2"/>
+          <p:cNvSpPr>
+            <a:spLocks noGrp="1"/>
+          </p:cNvSpPr>
+          <p:nvPr>
+            <p:ph idx="1"/>
+          </p:nvPr>
+        </p:nvSpPr>
+        <p:spPr/>
+        <p:txBody>
+          <a:bodyPr/>
+          <a:lstStyle/>
+          <a:p>
+            <a:r>
+              <a:rPr lang="en-US" dirty="0" smtClean="0"/>
+              <a:t>Predicts the response time of web APIs developed for </a:t>
+            </a:r>
+            <a:r>
+              <a:rPr lang="en-US" dirty="0" err="1" smtClean="0"/>
+              <a:t>PaaS</a:t>
+            </a:r>
+            <a:endParaRPr lang="en-US" dirty="0"/>
+          </a:p>
+          <a:p>
+            <a:r>
+              <a:rPr lang="en-US" dirty="0" smtClean="0"/>
+              <a:t>Fully automatic</a:t>
+            </a:r>
+          </a:p>
+          <a:p>
+            <a:r>
+              <a:rPr lang="en-US" dirty="0" smtClean="0"/>
+              <a:t>Uses a combination of static analysis and continuous system monitoring</a:t>
+            </a:r>
+          </a:p>
+          <a:p>
+            <a:r>
+              <a:rPr lang="en-US" dirty="0" smtClean="0"/>
+              <a:t>Provides a statistical framework for forming and invalidating performance SLAs</a:t>
+            </a:r>
+          </a:p>
+          <a:p>
+            <a:endParaRPr lang="en-US" dirty="0"/>
+          </a:p>
+        </p:txBody>
+      </p:sp>
+      <p:sp>
+        <p:nvSpPr>
+          <p:cNvPr id="4" name="TextBox 3"/>
+          <p:cNvSpPr txBox="1"/>
+          <p:nvPr/>
+        </p:nvSpPr>
+        <p:spPr>
+          <a:xfrm>
+            <a:off x="165100" y="5811053"/>
+            <a:ext cx="8788400" cy="1036694"/>
+          </a:xfrm>
+          <a:prstGeom prst="rect">
+            <a:avLst/>
+          </a:prstGeom>
+          <a:noFill/>
+        </p:spPr>
+        <p:txBody>
+          <a:bodyPr wrap="square" rtlCol="0">
+            <a:spAutoFit/>
           </a:bodyPr>
           <a:lstStyle/>
           <a:p>
-            <a:r>
-              <a:rPr lang="en-US" dirty="0" smtClean="0"/>
-              <a:t>Reasoning About Application </a:t>
-            </a:r>
-            <a:r>
-              <a:rPr lang="en-US" dirty="0" smtClean="0"/>
-              <a:t>Performance in the Cloud</a:t>
-            </a:r>
-            <a:endParaRPr lang="en-US" dirty="0"/>
-          </a:p>
-        </p:txBody>
-      </p:sp>
-      <p:sp>
-        <p:nvSpPr>
-          <p:cNvPr id="3" name="Content Placeholder 2"/>
-          <p:cNvSpPr>
-            <a:spLocks noGrp="1"/>
-          </p:cNvSpPr>
-          <p:nvPr>
-            <p:ph idx="1"/>
-          </p:nvPr>
-        </p:nvSpPr>
-        <p:spPr/>
-        <p:txBody>
-          <a:bodyPr>
-            <a:normAutofit/>
-          </a:bodyPr>
-          <a:lstStyle/>
-          <a:p>
-            <a:r>
-              <a:rPr lang="en-US" dirty="0" smtClean="0"/>
-              <a:t>Determine </a:t>
-            </a:r>
-            <a:r>
-              <a:rPr lang="en-US" dirty="0" smtClean="0"/>
-              <a:t>statistical </a:t>
-            </a:r>
-            <a:r>
-              <a:rPr lang="en-US" dirty="0" smtClean="0"/>
-              <a:t>bounds on application response times that are:</a:t>
-            </a:r>
-          </a:p>
-          <a:p>
-            <a:pPr lvl="1"/>
-            <a:r>
-              <a:rPr lang="en-US" dirty="0" smtClean="0"/>
-              <a:t>Correct, tight and durable</a:t>
-            </a:r>
-            <a:endParaRPr lang="en-US" dirty="0" smtClean="0"/>
-          </a:p>
-          <a:p>
-            <a:r>
-              <a:rPr lang="en-US" dirty="0" smtClean="0"/>
-              <a:t>No extensive testing on the applications</a:t>
-            </a:r>
-          </a:p>
-          <a:p>
-            <a:r>
-              <a:rPr lang="en-US" dirty="0" smtClean="0"/>
-              <a:t>Formulate performance SLAs</a:t>
-            </a:r>
-          </a:p>
-          <a:p>
-            <a:r>
-              <a:rPr lang="en-US" dirty="0" smtClean="0"/>
-              <a:t>Enforce performance policies (design-time), and detect deviations (run-time)</a:t>
-            </a:r>
+            <a:pPr>
+              <a:lnSpc>
+                <a:spcPct val="110000"/>
+              </a:lnSpc>
+            </a:pPr>
+            <a:r>
+              <a:rPr lang="en-US" sz="1400" i="1" dirty="0" smtClean="0"/>
+              <a:t>H. Jayathilaka, C. </a:t>
+            </a:r>
+            <a:r>
+              <a:rPr lang="en-US" sz="1400" i="1" dirty="0" err="1" smtClean="0"/>
+              <a:t>Krintz</a:t>
+            </a:r>
+            <a:r>
+              <a:rPr lang="en-US" sz="1400" i="1" dirty="0" smtClean="0"/>
+              <a:t> and R. </a:t>
+            </a:r>
+            <a:r>
+              <a:rPr lang="en-US" sz="1400" i="1" dirty="0" err="1" smtClean="0"/>
+              <a:t>Wolski</a:t>
+            </a:r>
+            <a:r>
+              <a:rPr lang="en-US" sz="1400" i="1" dirty="0" smtClean="0"/>
+              <a:t>, “Response Time Service-Level Agreements for Cloud-hosted Web Applications”, 2015 ACM Symposium on Cloud Computing (SOCC)</a:t>
+            </a:r>
+          </a:p>
+          <a:p>
+            <a:pPr>
+              <a:lnSpc>
+                <a:spcPct val="110000"/>
+              </a:lnSpc>
+            </a:pPr>
+            <a:r>
+              <a:rPr lang="en-US" sz="1400" i="1" dirty="0" smtClean="0"/>
+              <a:t>H</a:t>
+            </a:r>
+            <a:r>
+              <a:rPr lang="en-US" sz="1400" i="1" dirty="0"/>
+              <a:t>. Jayathilaka, C. </a:t>
+            </a:r>
+            <a:r>
+              <a:rPr lang="en-US" sz="1400" i="1" dirty="0" err="1"/>
+              <a:t>Krintz</a:t>
+            </a:r>
+            <a:r>
+              <a:rPr lang="en-US" sz="1400" i="1" dirty="0"/>
+              <a:t> and R. </a:t>
+            </a:r>
+            <a:r>
+              <a:rPr lang="en-US" sz="1400" i="1" dirty="0" err="1"/>
+              <a:t>Wolski</a:t>
+            </a:r>
+            <a:r>
+              <a:rPr lang="en-US" sz="1400" i="1" dirty="0"/>
+              <a:t>, "Service-Level Agreement Durability for Web Service Response Time," 2015 IEEE 7th International Conference on Cloud Computing Technology and Science (</a:t>
+            </a:r>
+            <a:r>
+              <a:rPr lang="en-US" sz="1400" i="1" dirty="0" err="1"/>
+              <a:t>CloudCom</a:t>
+            </a:r>
+            <a:r>
+              <a:rPr lang="en-US" sz="1400" i="1" dirty="0"/>
+              <a:t>)</a:t>
+            </a:r>
+            <a:endParaRPr lang="en-US" sz="1400" i="1" dirty="0"/>
           </a:p>
         </p:txBody>
       </p:sp>
     </p:spTree>
     <p:extLst>
       <p:ext uri="{BB962C8B-B14F-4D97-AF65-F5344CB8AC3E}">
-        <p14:creationId xmlns:p14="http://schemas.microsoft.com/office/powerpoint/2010/main" val="1161752445"/>
+        <p14:creationId xmlns:p14="http://schemas.microsoft.com/office/powerpoint/2010/main" val="1934169705"/>
       </p:ext>
     </p:extLst>
   </p:cSld>
@@ -5424,62 +5641,43 @@
               <a:rPr lang="en-US" dirty="0" err="1" smtClean="0"/>
               <a:t>Cerebro</a:t>
             </a:r>
+            <a:r>
+              <a:rPr lang="en-US" dirty="0" smtClean="0"/>
+              <a:t> Architecture</a:t>
+            </a:r>
             <a:endParaRPr lang="en-US" dirty="0"/>
           </a:p>
         </p:txBody>
       </p:sp>
-      <p:sp>
-        <p:nvSpPr>
-          <p:cNvPr id="3" name="Content Placeholder 2"/>
-          <p:cNvSpPr>
-            <a:spLocks noGrp="1"/>
-          </p:cNvSpPr>
+      <p:pic>
+        <p:nvPicPr>
+          <p:cNvPr id="4" name="Content Placeholder 6" descr="cerebro_arch.png"/>
+          <p:cNvPicPr>
+            <a:picLocks noGrp="1" noChangeAspect="1"/>
+          </p:cNvPicPr>
           <p:nvPr>
             <p:ph idx="1"/>
           </p:nvPr>
-        </p:nvSpPr>
+        </p:nvPicPr>
+        <p:blipFill>
+          <a:blip r:embed="rId2">
+            <a:extLst>
+              <a:ext uri="{28A0092B-C50C-407E-A947-70E740481C1C}">
+                <a14:useLocalDpi xmlns:a14="http://schemas.microsoft.com/office/drawing/2010/main" val="0"/>
+              </a:ext>
+            </a:extLst>
+          </a:blip>
+          <a:srcRect l="-15284" r="-15284"/>
+          <a:stretch>
+            <a:fillRect/>
+          </a:stretch>
+        </p:blipFill>
         <p:spPr/>
-        <p:txBody>
-          <a:bodyPr/>
-          <a:lstStyle/>
-          <a:p>
-            <a:r>
-              <a:rPr lang="en-US" dirty="0" smtClean="0"/>
-              <a:t>Predicts the response time of web APIs developed for </a:t>
-            </a:r>
-            <a:r>
-              <a:rPr lang="en-US" dirty="0" err="1" smtClean="0"/>
-              <a:t>PaaS</a:t>
-            </a:r>
-            <a:endParaRPr lang="en-US" dirty="0"/>
-          </a:p>
-          <a:p>
-            <a:r>
-              <a:rPr lang="en-US" dirty="0" smtClean="0"/>
-              <a:t>Fully automatic</a:t>
-            </a:r>
-          </a:p>
-          <a:p>
-            <a:r>
-              <a:rPr lang="en-US" dirty="0" smtClean="0"/>
-              <a:t>Uses a combination of static analysis and continuous system monitoring</a:t>
-            </a:r>
-          </a:p>
-          <a:p>
-            <a:r>
-              <a:rPr lang="en-US" dirty="0" smtClean="0"/>
-              <a:t>Provides a statistical framework for forming and invalidating performance SLAs</a:t>
-            </a:r>
-          </a:p>
-          <a:p>
-            <a:endParaRPr lang="en-US" dirty="0"/>
-          </a:p>
-        </p:txBody>
-      </p:sp>
+      </p:pic>
     </p:spTree>
     <p:extLst>
       <p:ext uri="{BB962C8B-B14F-4D97-AF65-F5344CB8AC3E}">
-        <p14:creationId xmlns:p14="http://schemas.microsoft.com/office/powerpoint/2010/main" val="1934169705"/>
+        <p14:creationId xmlns:p14="http://schemas.microsoft.com/office/powerpoint/2010/main" val="1471479383"/>
       </p:ext>
     </p:extLst>
   </p:cSld>
@@ -5525,50 +5723,270 @@
         </p:nvSpPr>
         <p:spPr/>
         <p:txBody>
+          <a:bodyPr>
+            <a:normAutofit fontScale="90000"/>
+          </a:bodyPr>
+          <a:lstStyle/>
+          <a:p>
+            <a:r>
+              <a:rPr lang="en-US" dirty="0" smtClean="0"/>
+              <a:t>QBETS: Queue Bounds Estimation from Time Series</a:t>
+            </a:r>
+            <a:endParaRPr lang="en-US" dirty="0"/>
+          </a:p>
+        </p:txBody>
+      </p:sp>
+      <p:sp>
+        <p:nvSpPr>
+          <p:cNvPr id="3" name="Content Placeholder 2"/>
+          <p:cNvSpPr>
+            <a:spLocks noGrp="1"/>
+          </p:cNvSpPr>
+          <p:nvPr>
+            <p:ph idx="1"/>
+          </p:nvPr>
+        </p:nvSpPr>
+        <p:spPr/>
+        <p:txBody>
+          <a:bodyPr>
+            <a:normAutofit/>
+          </a:bodyPr>
+          <a:lstStyle/>
+          <a:p>
+            <a:r>
+              <a:rPr lang="en-US" dirty="0" smtClean="0"/>
+              <a:t>Analyzes the first </a:t>
+            </a:r>
+            <a:r>
+              <a:rPr lang="en-US" i="1" dirty="0" smtClean="0"/>
+              <a:t>n</a:t>
+            </a:r>
+            <a:r>
+              <a:rPr lang="en-US" dirty="0" smtClean="0"/>
+              <a:t> entries in a time series</a:t>
+            </a:r>
+          </a:p>
+          <a:p>
+            <a:r>
+              <a:rPr lang="en-US" dirty="0" smtClean="0"/>
+              <a:t>Predicts an upper bound for the </a:t>
+            </a:r>
+            <a:r>
+              <a:rPr lang="en-US" i="1" dirty="0" smtClean="0"/>
+              <a:t>(n+1)</a:t>
+            </a:r>
+            <a:r>
+              <a:rPr lang="en-US" baseline="30000" dirty="0" err="1" smtClean="0"/>
+              <a:t>th</a:t>
+            </a:r>
+            <a:r>
+              <a:rPr lang="en-US" dirty="0" smtClean="0"/>
+              <a:t> entry</a:t>
+            </a:r>
+          </a:p>
+          <a:p>
+            <a:pPr lvl="1"/>
+            <a:r>
+              <a:rPr lang="en-US" i="1" dirty="0" smtClean="0"/>
+              <a:t>QBETS([x</a:t>
+            </a:r>
+            <a:r>
+              <a:rPr lang="en-US" i="1" baseline="-25000" dirty="0" smtClean="0"/>
+              <a:t>1</a:t>
+            </a:r>
+            <a:r>
+              <a:rPr lang="en-US" i="1" dirty="0" smtClean="0"/>
+              <a:t>,x</a:t>
+            </a:r>
+            <a:r>
+              <a:rPr lang="en-US" i="1" baseline="-25000" dirty="0" smtClean="0"/>
+              <a:t>2</a:t>
+            </a:r>
+            <a:r>
+              <a:rPr lang="en-US" i="1" dirty="0" smtClean="0"/>
+              <a:t>,…</a:t>
+            </a:r>
+            <a:r>
+              <a:rPr lang="en-US" i="1" dirty="0" err="1" smtClean="0"/>
+              <a:t>x</a:t>
+            </a:r>
+            <a:r>
+              <a:rPr lang="en-US" i="1" baseline="-25000" dirty="0" err="1" smtClean="0"/>
+              <a:t>n</a:t>
+            </a:r>
+            <a:r>
+              <a:rPr lang="en-US" i="1" dirty="0" smtClean="0"/>
+              <a:t>], p) = Q</a:t>
+            </a:r>
+            <a:r>
+              <a:rPr lang="en-US" dirty="0" smtClean="0"/>
+              <a:t> where </a:t>
+            </a:r>
+            <a:r>
+              <a:rPr lang="en-US" i="1" dirty="0" smtClean="0"/>
+              <a:t>p </a:t>
+            </a:r>
+            <a:r>
+              <a:rPr lang="en-US" i="1" dirty="0" smtClean="0">
+                <a:sym typeface="Symbol"/>
+              </a:rPr>
+              <a:t> </a:t>
+            </a:r>
+            <a:r>
+              <a:rPr lang="en-US" i="1" dirty="0" smtClean="0"/>
+              <a:t>(0,1)</a:t>
+            </a:r>
+          </a:p>
+          <a:p>
+            <a:pPr lvl="1"/>
+            <a:r>
+              <a:rPr lang="en-US" i="1" dirty="0" smtClean="0"/>
+              <a:t>P(x</a:t>
+            </a:r>
+            <a:r>
+              <a:rPr lang="en-US" i="1" baseline="-25000" dirty="0" smtClean="0"/>
+              <a:t>n+1</a:t>
+            </a:r>
+            <a:r>
+              <a:rPr lang="en-US" i="1" dirty="0" smtClean="0"/>
+              <a:t> ≤ Q) ≥ p</a:t>
+            </a:r>
+          </a:p>
+          <a:p>
+            <a:r>
+              <a:rPr lang="en-US" dirty="0" smtClean="0"/>
+              <a:t>Cerebro uses QBETS to predict response time SLAs of the form:</a:t>
+            </a:r>
+          </a:p>
+          <a:p>
+            <a:pPr lvl="1"/>
+            <a:r>
+              <a:rPr lang="en-US" dirty="0" smtClean="0"/>
+              <a:t>Operation </a:t>
+            </a:r>
+            <a:r>
+              <a:rPr lang="en-US" i="1" dirty="0" smtClean="0"/>
+              <a:t>O</a:t>
+            </a:r>
+            <a:r>
+              <a:rPr lang="en-US" dirty="0" smtClean="0"/>
+              <a:t> responds </a:t>
+            </a:r>
+            <a:r>
+              <a:rPr lang="en-US" i="1" dirty="0" smtClean="0"/>
+              <a:t>under</a:t>
+            </a:r>
+            <a:r>
+              <a:rPr lang="en-US" dirty="0" smtClean="0"/>
+              <a:t> </a:t>
+            </a:r>
+            <a:r>
+              <a:rPr lang="en-US" i="1" dirty="0" smtClean="0"/>
+              <a:t>T</a:t>
+            </a:r>
+            <a:r>
+              <a:rPr lang="en-US" dirty="0" smtClean="0"/>
+              <a:t> milliseconds (100</a:t>
+            </a:r>
+            <a:r>
+              <a:rPr lang="en-US" i="1" dirty="0" smtClean="0"/>
+              <a:t>p)%</a:t>
+            </a:r>
+            <a:r>
+              <a:rPr lang="en-US" dirty="0" smtClean="0"/>
+              <a:t> of the time</a:t>
+            </a:r>
+            <a:endParaRPr lang="en-US" dirty="0"/>
+          </a:p>
+        </p:txBody>
+      </p:sp>
+      <p:sp>
+        <p:nvSpPr>
+          <p:cNvPr id="4" name="Slide Number Placeholder 3"/>
+          <p:cNvSpPr>
+            <a:spLocks noGrp="1"/>
+          </p:cNvSpPr>
+          <p:nvPr>
+            <p:ph type="sldNum" sz="quarter" idx="12"/>
+          </p:nvPr>
+        </p:nvSpPr>
+        <p:spPr/>
+        <p:txBody>
           <a:bodyPr/>
           <a:lstStyle/>
           <a:p>
-            <a:r>
-              <a:rPr lang="en-US" dirty="0" err="1" smtClean="0"/>
-              <a:t>Cerebro</a:t>
-            </a:r>
-            <a:r>
-              <a:rPr lang="en-US" dirty="0" smtClean="0"/>
-              <a:t> Architecture</a:t>
-            </a:r>
-            <a:endParaRPr lang="en-US" dirty="0"/>
-          </a:p>
-        </p:txBody>
-      </p:sp>
-      <p:pic>
-        <p:nvPicPr>
-          <p:cNvPr id="4" name="Content Placeholder 6" descr="cerebro_arch.png"/>
-          <p:cNvPicPr>
-            <a:picLocks noGrp="1" noChangeAspect="1"/>
-          </p:cNvPicPr>
-          <p:nvPr>
-            <p:ph idx="1"/>
-          </p:nvPr>
-        </p:nvPicPr>
-        <p:blipFill>
-          <a:blip r:embed="rId2">
-            <a:extLst>
-              <a:ext uri="{28A0092B-C50C-407E-A947-70E740481C1C}">
-                <a14:useLocalDpi xmlns:a14="http://schemas.microsoft.com/office/drawing/2010/main" val="0"/>
-              </a:ext>
-            </a:extLst>
-          </a:blip>
-          <a:srcRect l="-15284" r="-15284"/>
-          <a:stretch>
-            <a:fillRect/>
-          </a:stretch>
-        </p:blipFill>
-        <p:spPr/>
-      </p:pic>
+            <a:fld id="{3336F440-0623-F948-B0BF-C3A0BAE2BBD0}" type="slidenum">
+              <a:rPr lang="en-US" smtClean="0"/>
+              <a:pPr/>
+              <a:t>19</a:t>
+            </a:fld>
+            <a:endParaRPr lang="en-US"/>
+          </a:p>
+        </p:txBody>
+      </p:sp>
+      <p:sp>
+        <p:nvSpPr>
+          <p:cNvPr id="5" name="TextBox 4"/>
+          <p:cNvSpPr txBox="1"/>
+          <p:nvPr/>
+        </p:nvSpPr>
+        <p:spPr>
+          <a:xfrm>
+            <a:off x="165100" y="6264335"/>
+            <a:ext cx="8788400" cy="562718"/>
+          </a:xfrm>
+          <a:prstGeom prst="rect">
+            <a:avLst/>
+          </a:prstGeom>
+          <a:noFill/>
+        </p:spPr>
+        <p:txBody>
+          <a:bodyPr wrap="square" rtlCol="0">
+            <a:spAutoFit/>
+          </a:bodyPr>
+          <a:lstStyle/>
+          <a:p>
+            <a:pPr>
+              <a:lnSpc>
+                <a:spcPct val="110000"/>
+              </a:lnSpc>
+            </a:pPr>
+            <a:r>
+              <a:rPr lang="en-US" sz="1400" i="1" dirty="0" smtClean="0"/>
+              <a:t>D. </a:t>
+            </a:r>
+            <a:r>
+              <a:rPr lang="en-US" sz="1400" i="1" dirty="0" err="1" smtClean="0"/>
+              <a:t>Nurmi</a:t>
+            </a:r>
+            <a:r>
+              <a:rPr lang="en-US" sz="1400" i="1" dirty="0" smtClean="0"/>
+              <a:t>, J. </a:t>
+            </a:r>
+            <a:r>
+              <a:rPr lang="en-US" sz="1400" i="1" dirty="0" err="1" smtClean="0"/>
+              <a:t>Brevik</a:t>
+            </a:r>
+            <a:r>
+              <a:rPr lang="en-US" sz="1400" i="1" dirty="0" smtClean="0"/>
+              <a:t> and R. </a:t>
+            </a:r>
+            <a:r>
+              <a:rPr lang="en-US" sz="1400" i="1" dirty="0" err="1" smtClean="0"/>
+              <a:t>Wolski</a:t>
+            </a:r>
+            <a:r>
+              <a:rPr lang="en-US" sz="1400" i="1" dirty="0" smtClean="0"/>
+              <a:t>, “QBETS: Queue Bounds Estimation from Time Series”, 2008 International Conference on Job Scheduling Strategies for Parallel Processing</a:t>
+            </a:r>
+            <a:endParaRPr lang="en-US" sz="1400" i="1" dirty="0"/>
+          </a:p>
+        </p:txBody>
+      </p:sp>
     </p:spTree>
     <p:extLst>
       <p:ext uri="{BB962C8B-B14F-4D97-AF65-F5344CB8AC3E}">
-        <p14:creationId xmlns:p14="http://schemas.microsoft.com/office/powerpoint/2010/main" val="1471479383"/>
+        <p14:creationId xmlns:p14="http://schemas.microsoft.com/office/powerpoint/2010/main" val="605574221"/>
       </p:ext>
     </p:extLst>
   </p:cSld>
@@ -6844,201 +7262,93 @@
         </p:nvSpPr>
         <p:spPr/>
         <p:txBody>
+          <a:bodyPr/>
+          <a:lstStyle/>
+          <a:p>
+            <a:r>
+              <a:rPr lang="en-US" dirty="0" smtClean="0"/>
+              <a:t>SLA Durability: An Example</a:t>
+            </a:r>
+            <a:endParaRPr lang="en-US" dirty="0"/>
+          </a:p>
+        </p:txBody>
+      </p:sp>
+      <p:sp>
+        <p:nvSpPr>
+          <p:cNvPr id="3" name="Content Placeholder 2"/>
+          <p:cNvSpPr>
+            <a:spLocks noGrp="1"/>
+          </p:cNvSpPr>
+          <p:nvPr>
+            <p:ph idx="1"/>
+          </p:nvPr>
+        </p:nvSpPr>
+        <p:spPr/>
+        <p:txBody>
           <a:bodyPr>
-            <a:normAutofit fontScale="90000"/>
+            <a:normAutofit lnSpcReduction="10000"/>
           </a:bodyPr>
           <a:lstStyle/>
           <a:p>
             <a:r>
               <a:rPr lang="en-US" dirty="0" smtClean="0"/>
-              <a:t>QBETS: Queue Bounds Estimation from Time Series</a:t>
-            </a:r>
-            <a:endParaRPr lang="en-US" dirty="0"/>
-          </a:p>
-        </p:txBody>
-      </p:sp>
-      <p:sp>
-        <p:nvSpPr>
-          <p:cNvPr id="3" name="Content Placeholder 2"/>
+              <a:t>Suppose Cerebro predicts that some API responds under 100ms, 95% of the time.</a:t>
+            </a:r>
+          </a:p>
+          <a:p>
+            <a:pPr lvl="1"/>
+            <a:r>
+              <a:rPr lang="en-US" dirty="0" smtClean="0"/>
+              <a:t>Probability of API response time exceeding 100ms is (1 – 0.01 * 95) = 0.05</a:t>
+            </a:r>
+          </a:p>
+          <a:p>
+            <a:pPr lvl="1"/>
+            <a:r>
+              <a:rPr lang="en-US" dirty="0" smtClean="0"/>
+              <a:t>Probability of observing 3 consecutive such readings is 0.05</a:t>
+            </a:r>
+            <a:r>
+              <a:rPr lang="en-US" baseline="30000" dirty="0" smtClean="0"/>
+              <a:t>3 </a:t>
+            </a:r>
+            <a:r>
+              <a:rPr lang="en-US" dirty="0" smtClean="0"/>
+              <a:t>= 0.000125</a:t>
+            </a:r>
+          </a:p>
+          <a:p>
+            <a:r>
+              <a:rPr lang="en-US" dirty="0" smtClean="0"/>
+              <a:t>This value 3 is conservative with regard to autocorrelation</a:t>
+            </a:r>
+          </a:p>
+          <a:p>
+            <a:pPr lvl="1"/>
+            <a:r>
+              <a:rPr lang="en-US" dirty="0" smtClean="0"/>
+              <a:t>E.g. To get the same small value 0.000125 with 0.5 autocorrelation, we need to observe 5 events</a:t>
+            </a:r>
+          </a:p>
+        </p:txBody>
+      </p:sp>
+      <p:sp>
+        <p:nvSpPr>
+          <p:cNvPr id="4" name="Slide Number Placeholder 3"/>
           <p:cNvSpPr>
             <a:spLocks noGrp="1"/>
           </p:cNvSpPr>
           <p:nvPr>
-            <p:ph idx="1"/>
+            <p:ph type="sldNum" sz="quarter" idx="12"/>
           </p:nvPr>
         </p:nvSpPr>
         <p:spPr/>
         <p:txBody>
-          <a:bodyPr>
-            <a:normAutofit/>
-          </a:bodyPr>
-          <a:lstStyle/>
-          <a:p>
-            <a:r>
-              <a:rPr lang="en-US" dirty="0" smtClean="0"/>
-              <a:t>Analyzes the first </a:t>
-            </a:r>
-            <a:r>
-              <a:rPr lang="en-US" i="1" dirty="0" smtClean="0"/>
-              <a:t>n</a:t>
-            </a:r>
-            <a:r>
-              <a:rPr lang="en-US" dirty="0" smtClean="0"/>
-              <a:t> entries in a time series</a:t>
-            </a:r>
-          </a:p>
-          <a:p>
-            <a:r>
-              <a:rPr lang="en-US" dirty="0" smtClean="0"/>
-              <a:t>Predicts an upper bound for the </a:t>
-            </a:r>
-            <a:r>
-              <a:rPr lang="en-US" i="1" dirty="0" smtClean="0"/>
-              <a:t>(n+1)</a:t>
-            </a:r>
-            <a:r>
-              <a:rPr lang="en-US" baseline="30000" dirty="0" err="1" smtClean="0"/>
-              <a:t>th</a:t>
-            </a:r>
-            <a:r>
-              <a:rPr lang="en-US" dirty="0" smtClean="0"/>
-              <a:t> entry</a:t>
-            </a:r>
-          </a:p>
-          <a:p>
-            <a:pPr lvl="1"/>
-            <a:r>
-              <a:rPr lang="en-US" i="1" dirty="0" smtClean="0"/>
-              <a:t>QBETS([x</a:t>
-            </a:r>
-            <a:r>
-              <a:rPr lang="en-US" i="1" baseline="-25000" dirty="0" smtClean="0"/>
-              <a:t>1</a:t>
-            </a:r>
-            <a:r>
-              <a:rPr lang="en-US" i="1" dirty="0" smtClean="0"/>
-              <a:t>,x</a:t>
-            </a:r>
-            <a:r>
-              <a:rPr lang="en-US" i="1" baseline="-25000" dirty="0" smtClean="0"/>
-              <a:t>2</a:t>
-            </a:r>
-            <a:r>
-              <a:rPr lang="en-US" i="1" dirty="0" smtClean="0"/>
-              <a:t>,…</a:t>
-            </a:r>
-            <a:r>
-              <a:rPr lang="en-US" i="1" dirty="0" err="1" smtClean="0"/>
-              <a:t>x</a:t>
-            </a:r>
-            <a:r>
-              <a:rPr lang="en-US" i="1" baseline="-25000" dirty="0" err="1" smtClean="0"/>
-              <a:t>n</a:t>
-            </a:r>
-            <a:r>
-              <a:rPr lang="en-US" i="1" dirty="0" smtClean="0"/>
-              <a:t>], p) = Q</a:t>
-            </a:r>
-            <a:r>
-              <a:rPr lang="en-US" dirty="0" smtClean="0"/>
-              <a:t> where </a:t>
-            </a:r>
-            <a:r>
-              <a:rPr lang="en-US" i="1" dirty="0" smtClean="0"/>
-              <a:t>p </a:t>
-            </a:r>
-            <a:r>
-              <a:rPr lang="en-US" i="1" dirty="0" smtClean="0">
-                <a:sym typeface="Symbol"/>
-              </a:rPr>
-              <a:t> </a:t>
-            </a:r>
-            <a:r>
-              <a:rPr lang="en-US" i="1" dirty="0" smtClean="0"/>
-              <a:t>(0,1)</a:t>
-            </a:r>
-          </a:p>
-          <a:p>
-            <a:pPr lvl="1"/>
-            <a:r>
-              <a:rPr lang="en-US" i="1" dirty="0" smtClean="0"/>
-              <a:t>P(x</a:t>
-            </a:r>
-            <a:r>
-              <a:rPr lang="en-US" i="1" baseline="-25000" dirty="0" smtClean="0"/>
-              <a:t>n+1</a:t>
-            </a:r>
-            <a:r>
-              <a:rPr lang="en-US" i="1" dirty="0" smtClean="0"/>
-              <a:t> ≤ Q) ≥ p</a:t>
-            </a:r>
-          </a:p>
-          <a:p>
-            <a:r>
-              <a:rPr lang="en-US" dirty="0" smtClean="0"/>
-              <a:t>Cerebro uses QBETS to predict response time SLAs of the form:</a:t>
-            </a:r>
-          </a:p>
-          <a:p>
-            <a:pPr lvl="1"/>
-            <a:r>
-              <a:rPr lang="en-US" dirty="0" smtClean="0"/>
-              <a:t>Operation </a:t>
-            </a:r>
-            <a:r>
-              <a:rPr lang="en-US" i="1" dirty="0" smtClean="0"/>
-              <a:t>O</a:t>
-            </a:r>
-            <a:r>
-              <a:rPr lang="en-US" dirty="0" smtClean="0"/>
-              <a:t> responds </a:t>
-            </a:r>
-            <a:r>
-              <a:rPr lang="en-US" i="1" dirty="0" smtClean="0"/>
-              <a:t>under</a:t>
-            </a:r>
-            <a:r>
-              <a:rPr lang="en-US" dirty="0" smtClean="0"/>
-              <a:t> </a:t>
-            </a:r>
-            <a:r>
-              <a:rPr lang="en-US" i="1" dirty="0" smtClean="0"/>
-              <a:t>T</a:t>
-            </a:r>
-            <a:r>
-              <a:rPr lang="en-US" dirty="0" smtClean="0"/>
-              <a:t> milliseconds (100</a:t>
-            </a:r>
-            <a:r>
-              <a:rPr lang="en-US" i="1" dirty="0" smtClean="0"/>
-              <a:t>p)%</a:t>
-            </a:r>
-            <a:r>
-              <a:rPr lang="en-US" dirty="0" smtClean="0"/>
-              <a:t> of the time</a:t>
-            </a:r>
-            <a:endParaRPr lang="en-US" dirty="0"/>
-          </a:p>
-        </p:txBody>
-      </p:sp>
-      <p:sp>
-        <p:nvSpPr>
-          <p:cNvPr id="4" name="Slide Number Placeholder 3"/>
-          <p:cNvSpPr>
-            <a:spLocks noGrp="1"/>
-          </p:cNvSpPr>
-          <p:nvPr>
-            <p:ph type="sldNum" sz="quarter" idx="12"/>
-          </p:nvPr>
-        </p:nvSpPr>
-        <p:spPr/>
-        <p:txBody>
           <a:bodyPr/>
           <a:lstStyle/>
           <a:p>
-            <a:fld id="{3336F440-0623-F948-B0BF-C3A0BAE2BBD0}" type="slidenum">
+            <a:fld id="{4940F666-E5FA-274D-B0C1-53A0010BDC84}" type="slidenum">
               <a:rPr lang="en-US" smtClean="0"/>
-              <a:pPr/>
               <a:t>20</a:t>
             </a:fld>
             <a:endParaRPr lang="en-US"/>
@@ -7048,7 +7358,7 @@
     </p:spTree>
     <p:extLst>
       <p:ext uri="{BB962C8B-B14F-4D97-AF65-F5344CB8AC3E}">
-        <p14:creationId xmlns:p14="http://schemas.microsoft.com/office/powerpoint/2010/main" val="605574221"/>
+        <p14:creationId xmlns:p14="http://schemas.microsoft.com/office/powerpoint/2010/main" val="2582674383"/>
       </p:ext>
     </p:extLst>
   </p:cSld>
@@ -7099,7 +7409,7 @@
           <a:p>
             <a:r>
               <a:rPr lang="en-US" dirty="0" smtClean="0"/>
-              <a:t>SLA Durability: An Example</a:t>
+              <a:t>Detecting SLA Invalidation</a:t>
             </a:r>
             <a:endParaRPr lang="en-US" dirty="0"/>
           </a:p>
@@ -7124,43 +7434,47 @@
           <a:p>
             <a:r>
               <a:rPr lang="en-US" dirty="0" smtClean="0"/>
-              <a:t>Suppose Cerebro predicts that some API responds under 100ms, 95% of the time.</a:t>
-            </a:r>
-          </a:p>
-          <a:p>
-            <a:pPr lvl="1"/>
-            <a:r>
-              <a:rPr lang="en-US" dirty="0" smtClean="0"/>
-              <a:t>Probability of API response time exceeding 100ms is (1 – 0.01 * 95) = 0.05</a:t>
-            </a:r>
-          </a:p>
-          <a:p>
-            <a:pPr lvl="1"/>
-            <a:r>
-              <a:rPr lang="en-US" dirty="0" smtClean="0"/>
-              <a:t>Probability of observing 3 consecutive such readings is 0.05</a:t>
-            </a:r>
-            <a:r>
-              <a:rPr lang="en-US" baseline="30000" dirty="0" smtClean="0"/>
-              <a:t>3 </a:t>
-            </a:r>
-            <a:r>
-              <a:rPr lang="en-US" dirty="0" smtClean="0"/>
-              <a:t>= 0.000125</a:t>
-            </a:r>
-          </a:p>
-          <a:p>
-            <a:r>
-              <a:rPr lang="en-US" dirty="0" smtClean="0"/>
-              <a:t>This value 3 is conservative with regard to autocorrelation</a:t>
-            </a:r>
-          </a:p>
-          <a:p>
-            <a:pPr lvl="1"/>
-            <a:r>
-              <a:rPr lang="en-US" dirty="0" smtClean="0"/>
-              <a:t>E.g. To get the same small value 0.000125 with 0.5 autocorrelation, we need to observe 5 events</a:t>
-            </a:r>
+              <a:t>Each time Cerebro makes a prediction, it computes the current autocorrelation in the time series</a:t>
+            </a:r>
+          </a:p>
+          <a:p>
+            <a:r>
+              <a:rPr lang="en-US" dirty="0" smtClean="0"/>
+              <a:t>Autocorrelation can be used to lookup a table, and determine </a:t>
+            </a:r>
+            <a:r>
+              <a:rPr lang="en-US" i="1" dirty="0" err="1" smtClean="0"/>
+              <a:t>C</a:t>
+            </a:r>
+            <a:r>
+              <a:rPr lang="en-US" i="1" baseline="-25000" dirty="0" err="1" smtClean="0"/>
+              <a:t>w</a:t>
+            </a:r>
+            <a:r>
+              <a:rPr lang="en-US" dirty="0"/>
+              <a:t>;</a:t>
+            </a:r>
+            <a:r>
+              <a:rPr lang="en-US" dirty="0" smtClean="0"/>
+              <a:t> the number of consecutive readings greater than </a:t>
+            </a:r>
+            <a:r>
+              <a:rPr lang="en-US" i="1" dirty="0" smtClean="0"/>
+              <a:t>Q</a:t>
+            </a:r>
+            <a:r>
+              <a:rPr lang="en-US" dirty="0" smtClean="0"/>
+              <a:t>, that constitute a rare event</a:t>
+            </a:r>
+          </a:p>
+          <a:p>
+            <a:r>
+              <a:rPr lang="en-US" dirty="0" smtClean="0"/>
+              <a:t>We consider the SLA to have become invalid if this rare event occurs</a:t>
+            </a:r>
+          </a:p>
+          <a:p>
+            <a:endParaRPr lang="en-US" dirty="0"/>
           </a:p>
         </p:txBody>
       </p:sp>
@@ -7190,7 +7504,7 @@
     </p:spTree>
     <p:extLst>
       <p:ext uri="{BB962C8B-B14F-4D97-AF65-F5344CB8AC3E}">
-        <p14:creationId xmlns:p14="http://schemas.microsoft.com/office/powerpoint/2010/main" val="2582674383"/>
+        <p14:creationId xmlns:p14="http://schemas.microsoft.com/office/powerpoint/2010/main" val="2880975851"/>
       </p:ext>
     </p:extLst>
   </p:cSld>
@@ -7241,157 +7555,7 @@
           <a:p>
             <a:r>
               <a:rPr lang="en-US" dirty="0" smtClean="0"/>
-              <a:t>Detecting SLA Invalidation</a:t>
-            </a:r>
-            <a:endParaRPr lang="en-US" dirty="0"/>
-          </a:p>
-        </p:txBody>
-      </p:sp>
-      <p:sp>
-        <p:nvSpPr>
-          <p:cNvPr id="3" name="Content Placeholder 2"/>
-          <p:cNvSpPr>
-            <a:spLocks noGrp="1"/>
-          </p:cNvSpPr>
-          <p:nvPr>
-            <p:ph idx="1"/>
-          </p:nvPr>
-        </p:nvSpPr>
-        <p:spPr/>
-        <p:txBody>
-          <a:bodyPr>
-            <a:normAutofit lnSpcReduction="10000"/>
-          </a:bodyPr>
-          <a:lstStyle/>
-          <a:p>
-            <a:r>
-              <a:rPr lang="en-US" dirty="0" smtClean="0"/>
-              <a:t>Each time Cerebro makes a prediction, it computes the current autocorrelation in the time series</a:t>
-            </a:r>
-          </a:p>
-          <a:p>
-            <a:r>
-              <a:rPr lang="en-US" dirty="0" smtClean="0"/>
-              <a:t>Autocorrelation can be used to lookup a table, and determine </a:t>
-            </a:r>
-            <a:r>
-              <a:rPr lang="en-US" i="1" dirty="0" err="1" smtClean="0"/>
-              <a:t>C</a:t>
-            </a:r>
-            <a:r>
-              <a:rPr lang="en-US" i="1" baseline="-25000" dirty="0" err="1" smtClean="0"/>
-              <a:t>w</a:t>
-            </a:r>
-            <a:r>
-              <a:rPr lang="en-US" dirty="0"/>
-              <a:t>;</a:t>
-            </a:r>
-            <a:r>
-              <a:rPr lang="en-US" dirty="0" smtClean="0"/>
-              <a:t> the number of consecutive readings greater than </a:t>
-            </a:r>
-            <a:r>
-              <a:rPr lang="en-US" i="1" dirty="0" smtClean="0"/>
-              <a:t>Q</a:t>
-            </a:r>
-            <a:r>
-              <a:rPr lang="en-US" dirty="0" smtClean="0"/>
-              <a:t>, that constitute a rare event</a:t>
-            </a:r>
-          </a:p>
-          <a:p>
-            <a:r>
-              <a:rPr lang="en-US" dirty="0" smtClean="0"/>
-              <a:t>We consider the SLA to have become invalid if this rare event occurs</a:t>
-            </a:r>
-          </a:p>
-          <a:p>
-            <a:endParaRPr lang="en-US" dirty="0"/>
-          </a:p>
-        </p:txBody>
-      </p:sp>
-      <p:sp>
-        <p:nvSpPr>
-          <p:cNvPr id="4" name="Slide Number Placeholder 3"/>
-          <p:cNvSpPr>
-            <a:spLocks noGrp="1"/>
-          </p:cNvSpPr>
-          <p:nvPr>
-            <p:ph type="sldNum" sz="quarter" idx="12"/>
-          </p:nvPr>
-        </p:nvSpPr>
-        <p:spPr/>
-        <p:txBody>
-          <a:bodyPr/>
-          <a:lstStyle/>
-          <a:p>
-            <a:fld id="{4940F666-E5FA-274D-B0C1-53A0010BDC84}" type="slidenum">
-              <a:rPr lang="en-US" smtClean="0"/>
-              <a:t>22</a:t>
-            </a:fld>
-            <a:endParaRPr lang="en-US"/>
-          </a:p>
-        </p:txBody>
-      </p:sp>
-    </p:spTree>
-    <p:extLst>
-      <p:ext uri="{BB962C8B-B14F-4D97-AF65-F5344CB8AC3E}">
-        <p14:creationId xmlns:p14="http://schemas.microsoft.com/office/powerpoint/2010/main" val="2880975851"/>
-      </p:ext>
-    </p:extLst>
-  </p:cSld>
-  <p:clrMapOvr>
-    <a:masterClrMapping/>
-  </p:clrMapOvr>
-  <p:timing>
-    <p:tnLst>
-      <p:par>
-        <p:cTn xmlns:p14="http://schemas.microsoft.com/office/powerpoint/2010/main" id="1" dur="indefinite" restart="never" nodeType="tmRoot"/>
-      </p:par>
-    </p:tnLst>
-  </p:timing>
-</p:sld>
-</file>
-
-<file path=ppt/slides/slide23.xml><?xml version="1.0" encoding="utf-8"?>
-<p:sld xmlns:a="http://schemas.openxmlformats.org/drawingml/2006/main" xmlns:r="http://schemas.openxmlformats.org/officeDocument/2006/relationships" xmlns:p="http://schemas.openxmlformats.org/presentationml/2006/main">
-  <p:cSld>
-    <p:spTree>
-      <p:nvGrpSpPr>
-        <p:cNvPr id="1" name=""/>
-        <p:cNvGrpSpPr/>
-        <p:nvPr/>
-      </p:nvGrpSpPr>
-      <p:grpSpPr>
-        <a:xfrm>
-          <a:off x="0" y="0"/>
-          <a:ext cx="0" cy="0"/>
-          <a:chOff x="0" y="0"/>
-          <a:chExt cx="0" cy="0"/>
-        </a:xfrm>
-      </p:grpSpPr>
-      <p:sp>
-        <p:nvSpPr>
-          <p:cNvPr id="2" name="Title 1"/>
-          <p:cNvSpPr>
-            <a:spLocks noGrp="1"/>
-          </p:cNvSpPr>
-          <p:nvPr>
-            <p:ph type="title"/>
-          </p:nvPr>
-        </p:nvSpPr>
-        <p:spPr/>
-        <p:txBody>
-          <a:bodyPr/>
-          <a:lstStyle/>
-          <a:p>
-            <a:r>
-              <a:rPr lang="en-US" dirty="0" smtClean="0"/>
-              <a:t>Prediction </a:t>
-            </a:r>
-            <a:r>
-              <a:rPr lang="en-US" dirty="0" smtClean="0"/>
-              <a:t>Correctness</a:t>
+              <a:t>Prediction Correctness</a:t>
             </a:r>
             <a:endParaRPr lang="en-US" dirty="0"/>
           </a:p>
@@ -7445,7 +7609,7 @@
             <a:fld id="{3336F440-0623-F948-B0BF-C3A0BAE2BBD0}" type="slidenum">
               <a:rPr lang="en-US" smtClean="0"/>
               <a:pPr/>
-              <a:t>23</a:t>
+              <a:t>22</a:t>
             </a:fld>
             <a:endParaRPr lang="en-US"/>
           </a:p>
@@ -7556,6 +7720,154 @@
 </p:sld>
 </file>
 
+<file path=ppt/slides/slide23.xml><?xml version="1.0" encoding="utf-8"?>
+<p:sld xmlns:a="http://schemas.openxmlformats.org/drawingml/2006/main" xmlns:r="http://schemas.openxmlformats.org/officeDocument/2006/relationships" xmlns:p="http://schemas.openxmlformats.org/presentationml/2006/main">
+  <p:cSld>
+    <p:spTree>
+      <p:nvGrpSpPr>
+        <p:cNvPr id="1" name=""/>
+        <p:cNvGrpSpPr/>
+        <p:nvPr/>
+      </p:nvGrpSpPr>
+      <p:grpSpPr>
+        <a:xfrm>
+          <a:off x="0" y="0"/>
+          <a:ext cx="0" cy="0"/>
+          <a:chOff x="0" y="0"/>
+          <a:chExt cx="0" cy="0"/>
+        </a:xfrm>
+      </p:grpSpPr>
+      <p:sp>
+        <p:nvSpPr>
+          <p:cNvPr id="2" name="Title 1"/>
+          <p:cNvSpPr>
+            <a:spLocks noGrp="1"/>
+          </p:cNvSpPr>
+          <p:nvPr>
+            <p:ph type="title"/>
+          </p:nvPr>
+        </p:nvSpPr>
+        <p:spPr/>
+        <p:txBody>
+          <a:bodyPr/>
+          <a:lstStyle/>
+          <a:p>
+            <a:r>
+              <a:rPr lang="en-US" dirty="0" err="1" smtClean="0"/>
+              <a:t>Cerebro</a:t>
+            </a:r>
+            <a:r>
+              <a:rPr lang="en-US" dirty="0" smtClean="0"/>
+              <a:t> Results Summary</a:t>
+            </a:r>
+            <a:endParaRPr lang="en-US" dirty="0"/>
+          </a:p>
+        </p:txBody>
+      </p:sp>
+      <p:sp>
+        <p:nvSpPr>
+          <p:cNvPr id="3" name="Content Placeholder 2"/>
+          <p:cNvSpPr>
+            <a:spLocks noGrp="1"/>
+          </p:cNvSpPr>
+          <p:nvPr>
+            <p:ph idx="1"/>
+          </p:nvPr>
+        </p:nvSpPr>
+        <p:spPr/>
+        <p:txBody>
+          <a:bodyPr>
+            <a:normAutofit fontScale="92500" lnSpcReduction="10000"/>
+          </a:bodyPr>
+          <a:lstStyle/>
+          <a:p>
+            <a:r>
+              <a:rPr lang="en-US" dirty="0" smtClean="0"/>
+              <a:t>Prediction tightness [App Engine, </a:t>
+            </a:r>
+            <a:r>
+              <a:rPr lang="en-US" dirty="0" err="1" smtClean="0"/>
+              <a:t>AppScale</a:t>
+            </a:r>
+            <a:r>
+              <a:rPr lang="en-US" dirty="0" smtClean="0"/>
+              <a:t>]</a:t>
+            </a:r>
+          </a:p>
+          <a:p>
+            <a:pPr lvl="1"/>
+            <a:r>
+              <a:rPr lang="en-US" dirty="0" smtClean="0"/>
+              <a:t>Predictions off by less than 65ms for 14/20 cases</a:t>
+            </a:r>
+          </a:p>
+          <a:p>
+            <a:pPr lvl="1"/>
+            <a:r>
+              <a:rPr lang="en-US" dirty="0" smtClean="0"/>
+              <a:t>Trades off tightness for correctness when the SDK call performance is subject to high variation</a:t>
+            </a:r>
+          </a:p>
+          <a:p>
+            <a:r>
+              <a:rPr lang="en-US" dirty="0" smtClean="0"/>
+              <a:t>Durability [App Engine]</a:t>
+            </a:r>
+          </a:p>
+          <a:p>
+            <a:pPr lvl="1"/>
+            <a:r>
+              <a:rPr lang="en-US" dirty="0" smtClean="0"/>
+              <a:t>Minimum mean validity period: 12 days</a:t>
+            </a:r>
+          </a:p>
+          <a:p>
+            <a:pPr lvl="1"/>
+            <a:r>
+              <a:rPr lang="en-US" dirty="0" smtClean="0"/>
+              <a:t>SLA renewals in 3 months: 6 or </a:t>
+            </a:r>
+            <a:r>
+              <a:rPr lang="en-US" dirty="0" smtClean="0"/>
+              <a:t>less</a:t>
+            </a:r>
+          </a:p>
+          <a:p>
+            <a:r>
+              <a:rPr lang="en-US" dirty="0" smtClean="0"/>
+              <a:t>Execution time</a:t>
+            </a:r>
+          </a:p>
+          <a:p>
+            <a:pPr lvl="1"/>
+            <a:r>
+              <a:rPr lang="en-US" dirty="0" smtClean="0"/>
+              <a:t>10 seconds (with 24 hour history)</a:t>
+            </a:r>
+          </a:p>
+          <a:p>
+            <a:pPr lvl="1"/>
+            <a:r>
+              <a:rPr lang="en-US" dirty="0" smtClean="0"/>
+              <a:t>9.6 minutes (with 2 week history)</a:t>
+            </a:r>
+            <a:endParaRPr lang="en-US" dirty="0"/>
+          </a:p>
+        </p:txBody>
+      </p:sp>
+    </p:spTree>
+    <p:extLst>
+      <p:ext uri="{BB962C8B-B14F-4D97-AF65-F5344CB8AC3E}">
+        <p14:creationId xmlns:p14="http://schemas.microsoft.com/office/powerpoint/2010/main" val="2300239877"/>
+      </p:ext>
+    </p:extLst>
+  </p:cSld>
+  <p:clrMapOvr>
+    <a:masterClrMapping/>
+  </p:clrMapOvr>
+</p:sld>
+</file>
+
 <file path=ppt/slides/slide24.xml><?xml version="1.0" encoding="utf-8"?>
 <p:sld xmlns:a="http://schemas.openxmlformats.org/drawingml/2006/main" xmlns:r="http://schemas.openxmlformats.org/officeDocument/2006/relationships" xmlns:p="http://schemas.openxmlformats.org/presentationml/2006/main">
   <p:cSld>
@@ -7585,81 +7897,69 @@
         </p:nvSpPr>
         <p:spPr/>
         <p:txBody>
+          <a:bodyPr>
+            <a:normAutofit fontScale="90000"/>
+          </a:bodyPr>
+          <a:lstStyle/>
+          <a:p>
+            <a:r>
+              <a:rPr lang="en-US" dirty="0" smtClean="0"/>
+              <a:t>Performance Anomaly Detection and Bottleneck Identification</a:t>
+            </a:r>
+            <a:endParaRPr lang="en-US" dirty="0"/>
+          </a:p>
+        </p:txBody>
+      </p:sp>
+      <p:sp>
+        <p:nvSpPr>
+          <p:cNvPr id="3" name="Content Placeholder 2"/>
+          <p:cNvSpPr>
+            <a:spLocks noGrp="1"/>
+          </p:cNvSpPr>
+          <p:nvPr>
+            <p:ph idx="1"/>
+          </p:nvPr>
+        </p:nvSpPr>
+        <p:spPr/>
+        <p:txBody>
           <a:bodyPr/>
           <a:lstStyle/>
           <a:p>
             <a:r>
-              <a:rPr lang="en-US" dirty="0" err="1" smtClean="0"/>
-              <a:t>Cerebro</a:t>
-            </a:r>
-            <a:r>
-              <a:rPr lang="en-US" dirty="0" smtClean="0"/>
-              <a:t> Results Summary</a:t>
-            </a:r>
-            <a:endParaRPr lang="en-US" dirty="0"/>
-          </a:p>
-        </p:txBody>
-      </p:sp>
-      <p:sp>
-        <p:nvSpPr>
-          <p:cNvPr id="3" name="Content Placeholder 2"/>
-          <p:cNvSpPr>
-            <a:spLocks noGrp="1"/>
-          </p:cNvSpPr>
-          <p:nvPr>
-            <p:ph idx="1"/>
-          </p:nvPr>
-        </p:nvSpPr>
-        <p:spPr/>
-        <p:txBody>
-          <a:bodyPr/>
-          <a:lstStyle/>
-          <a:p>
-            <a:r>
-              <a:rPr lang="en-US" dirty="0" smtClean="0"/>
-              <a:t>Prediction tightness [App Engine, </a:t>
-            </a:r>
-            <a:r>
-              <a:rPr lang="en-US" dirty="0" err="1" smtClean="0"/>
-              <a:t>AppScale</a:t>
-            </a:r>
-            <a:r>
-              <a:rPr lang="en-US" dirty="0" smtClean="0"/>
-              <a:t>]</a:t>
+              <a:rPr lang="en-US" dirty="0" smtClean="0"/>
+              <a:t>Detect changes in observable performance metrics</a:t>
             </a:r>
           </a:p>
           <a:p>
             <a:pPr lvl="1"/>
             <a:r>
               <a:rPr lang="en-US" dirty="0" smtClean="0"/>
-              <a:t>Predictions off by less than 65ms for 14/20 cases</a:t>
+              <a:t>Increased response time</a:t>
+            </a:r>
+          </a:p>
+          <a:p>
+            <a:r>
+              <a:rPr lang="en-US" dirty="0" smtClean="0"/>
+              <a:t>Check if the application performance is explained by the workload</a:t>
+            </a:r>
+          </a:p>
+          <a:p>
+            <a:r>
+              <a:rPr lang="en-US" dirty="0" smtClean="0"/>
+              <a:t>Identify bottlenecks in the cloud platform</a:t>
+            </a:r>
+          </a:p>
+          <a:p>
+            <a:r>
+              <a:rPr lang="en-US" dirty="0" smtClean="0"/>
+              <a:t>No invasive application instrumentation</a:t>
             </a:r>
           </a:p>
           <a:p>
             <a:pPr lvl="1"/>
             <a:r>
               <a:rPr lang="en-US" dirty="0" smtClean="0"/>
-              <a:t>Trades off tightness for correctness when the SDK call performance is subject to high variation</a:t>
-            </a:r>
-          </a:p>
-          <a:p>
-            <a:r>
-              <a:rPr lang="en-US" dirty="0" smtClean="0"/>
-              <a:t>Durability [App Engine]</a:t>
-            </a:r>
-          </a:p>
-          <a:p>
-            <a:pPr lvl="1"/>
-            <a:r>
-              <a:rPr lang="en-US" dirty="0" smtClean="0"/>
-              <a:t>Minimum mean validity period: 12 days</a:t>
-            </a:r>
-          </a:p>
-          <a:p>
-            <a:pPr lvl="1"/>
-            <a:r>
-              <a:rPr lang="en-US" dirty="0" smtClean="0"/>
-              <a:t>SLA renewals in 3 months: 6 or less</a:t>
+              <a:t>No additional restrictions on application code</a:t>
             </a:r>
             <a:endParaRPr lang="en-US" dirty="0"/>
           </a:p>
@@ -7668,13 +7968,20 @@
     </p:spTree>
     <p:extLst>
       <p:ext uri="{BB962C8B-B14F-4D97-AF65-F5344CB8AC3E}">
-        <p14:creationId xmlns:p14="http://schemas.microsoft.com/office/powerpoint/2010/main" val="2300239877"/>
+        <p14:creationId xmlns:p14="http://schemas.microsoft.com/office/powerpoint/2010/main" val="442042417"/>
       </p:ext>
     </p:extLst>
   </p:cSld>
   <p:clrMapOvr>
     <a:masterClrMapping/>
   </p:clrMapOvr>
+  <p:timing>
+    <p:tnLst>
+      <p:par>
+        <p:cTn xmlns:p14="http://schemas.microsoft.com/office/powerpoint/2010/main" id="1" dur="indefinite" restart="never" nodeType="tmRoot"/>
+      </p:par>
+    </p:tnLst>
+  </p:timing>
 </p:sld>
 </file>
 
@@ -7707,123 +8014,6 @@
         </p:nvSpPr>
         <p:spPr/>
         <p:txBody>
-          <a:bodyPr>
-            <a:normAutofit fontScale="90000"/>
-          </a:bodyPr>
-          <a:lstStyle/>
-          <a:p>
-            <a:r>
-              <a:rPr lang="en-US" dirty="0" smtClean="0"/>
-              <a:t>Performance Anomaly Detection and Bottleneck Identification</a:t>
-            </a:r>
-            <a:endParaRPr lang="en-US" dirty="0"/>
-          </a:p>
-        </p:txBody>
-      </p:sp>
-      <p:sp>
-        <p:nvSpPr>
-          <p:cNvPr id="3" name="Content Placeholder 2"/>
-          <p:cNvSpPr>
-            <a:spLocks noGrp="1"/>
-          </p:cNvSpPr>
-          <p:nvPr>
-            <p:ph idx="1"/>
-          </p:nvPr>
-        </p:nvSpPr>
-        <p:spPr/>
-        <p:txBody>
-          <a:bodyPr/>
-          <a:lstStyle/>
-          <a:p>
-            <a:r>
-              <a:rPr lang="en-US" dirty="0" smtClean="0"/>
-              <a:t>Detect changes in observable performance metrics</a:t>
-            </a:r>
-          </a:p>
-          <a:p>
-            <a:pPr lvl="1"/>
-            <a:r>
-              <a:rPr lang="en-US" dirty="0" smtClean="0"/>
-              <a:t>Increased response time</a:t>
-            </a:r>
-          </a:p>
-          <a:p>
-            <a:r>
-              <a:rPr lang="en-US" dirty="0" smtClean="0"/>
-              <a:t>Check if the application performance is explained by the workload</a:t>
-            </a:r>
-          </a:p>
-          <a:p>
-            <a:r>
-              <a:rPr lang="en-US" dirty="0" smtClean="0"/>
-              <a:t>Identify bottlenecks in the cloud platform</a:t>
-            </a:r>
-          </a:p>
-          <a:p>
-            <a:r>
-              <a:rPr lang="en-US" dirty="0" smtClean="0"/>
-              <a:t>No invasive application instrumentation</a:t>
-            </a:r>
-          </a:p>
-          <a:p>
-            <a:pPr lvl="1"/>
-            <a:r>
-              <a:rPr lang="en-US" dirty="0" smtClean="0"/>
-              <a:t>No additional restrictions on application code</a:t>
-            </a:r>
-            <a:endParaRPr lang="en-US" dirty="0"/>
-          </a:p>
-        </p:txBody>
-      </p:sp>
-    </p:spTree>
-    <p:extLst>
-      <p:ext uri="{BB962C8B-B14F-4D97-AF65-F5344CB8AC3E}">
-        <p14:creationId xmlns:p14="http://schemas.microsoft.com/office/powerpoint/2010/main" val="442042417"/>
-      </p:ext>
-    </p:extLst>
-  </p:cSld>
-  <p:clrMapOvr>
-    <a:masterClrMapping/>
-  </p:clrMapOvr>
-  <p:timing>
-    <p:tnLst>
-      <p:par>
-        <p:cTn xmlns:p14="http://schemas.microsoft.com/office/powerpoint/2010/main" id="1" dur="indefinite" restart="never" nodeType="tmRoot"/>
-      </p:par>
-    </p:tnLst>
-  </p:timing>
-</p:sld>
-</file>
-
-<file path=ppt/slides/slide26.xml><?xml version="1.0" encoding="utf-8"?>
-<p:sld xmlns:a="http://schemas.openxmlformats.org/drawingml/2006/main" xmlns:r="http://schemas.openxmlformats.org/officeDocument/2006/relationships" xmlns:p="http://schemas.openxmlformats.org/presentationml/2006/main">
-  <p:cSld>
-    <p:spTree>
-      <p:nvGrpSpPr>
-        <p:cNvPr id="1" name=""/>
-        <p:cNvGrpSpPr/>
-        <p:nvPr/>
-      </p:nvGrpSpPr>
-      <p:grpSpPr>
-        <a:xfrm>
-          <a:off x="0" y="0"/>
-          <a:ext cx="0" cy="0"/>
-          <a:chOff x="0" y="0"/>
-          <a:chExt cx="0" cy="0"/>
-        </a:xfrm>
-      </p:grpSpPr>
-      <p:sp>
-        <p:nvSpPr>
-          <p:cNvPr id="2" name="Title 1"/>
-          <p:cNvSpPr>
-            <a:spLocks noGrp="1"/>
-          </p:cNvSpPr>
-          <p:nvPr>
-            <p:ph type="title"/>
-          </p:nvPr>
-        </p:nvSpPr>
-        <p:spPr/>
-        <p:txBody>
           <a:bodyPr/>
           <a:lstStyle/>
           <a:p>
@@ -7932,7 +8122,7 @@
 </p:sld>
 </file>
 
-<file path=ppt/slides/slide27.xml><?xml version="1.0" encoding="utf-8"?>
+<file path=ppt/slides/slide26.xml><?xml version="1.0" encoding="utf-8"?>
 <p:sld xmlns:a="http://schemas.openxmlformats.org/drawingml/2006/main" xmlns:r="http://schemas.openxmlformats.org/officeDocument/2006/relationships" xmlns:p="http://schemas.openxmlformats.org/presentationml/2006/main">
   <p:cSld>
     <p:spTree>
@@ -8533,6 +8723,201 @@
 </p:sld>
 </file>
 
+<file path=ppt/slides/slide27.xml><?xml version="1.0" encoding="utf-8"?>
+<p:sld xmlns:a="http://schemas.openxmlformats.org/drawingml/2006/main" xmlns:r="http://schemas.openxmlformats.org/officeDocument/2006/relationships" xmlns:p="http://schemas.openxmlformats.org/presentationml/2006/main">
+  <p:cSld>
+    <p:spTree>
+      <p:nvGrpSpPr>
+        <p:cNvPr id="1" name=""/>
+        <p:cNvGrpSpPr/>
+        <p:nvPr/>
+      </p:nvGrpSpPr>
+      <p:grpSpPr>
+        <a:xfrm>
+          <a:off x="0" y="0"/>
+          <a:ext cx="0" cy="0"/>
+          <a:chOff x="0" y="0"/>
+          <a:chExt cx="0" cy="0"/>
+        </a:xfrm>
+      </p:grpSpPr>
+      <p:sp>
+        <p:nvSpPr>
+          <p:cNvPr id="2" name="Title 1"/>
+          <p:cNvSpPr>
+            <a:spLocks noGrp="1"/>
+          </p:cNvSpPr>
+          <p:nvPr>
+            <p:ph type="title"/>
+          </p:nvPr>
+        </p:nvSpPr>
+        <p:spPr/>
+        <p:txBody>
+          <a:bodyPr/>
+          <a:lstStyle/>
+          <a:p>
+            <a:r>
+              <a:rPr lang="en-US" dirty="0" smtClean="0"/>
+              <a:t>Anomaly Detection</a:t>
+            </a:r>
+            <a:endParaRPr lang="en-US" dirty="0"/>
+          </a:p>
+        </p:txBody>
+      </p:sp>
+      <p:sp>
+        <p:nvSpPr>
+          <p:cNvPr id="3" name="Content Placeholder 2"/>
+          <p:cNvSpPr>
+            <a:spLocks noGrp="1"/>
+          </p:cNvSpPr>
+          <p:nvPr>
+            <p:ph idx="1"/>
+          </p:nvPr>
+        </p:nvSpPr>
+        <p:spPr/>
+        <p:txBody>
+          <a:bodyPr/>
+          <a:lstStyle/>
+          <a:p>
+            <a:r>
+              <a:rPr lang="en-US" dirty="0" smtClean="0"/>
+              <a:t>SLO-based detection</a:t>
+            </a:r>
+          </a:p>
+          <a:p>
+            <a:pPr lvl="1"/>
+            <a:r>
+              <a:rPr lang="en-US" dirty="0" smtClean="0"/>
+              <a:t>Probe the application periodically and record SLO</a:t>
+            </a:r>
+          </a:p>
+          <a:p>
+            <a:pPr lvl="1"/>
+            <a:r>
+              <a:rPr lang="en-US" dirty="0" smtClean="0"/>
+              <a:t>Periodically compute the observed SLA satisfaction level</a:t>
+            </a:r>
+          </a:p>
+          <a:p>
+            <a:r>
+              <a:rPr lang="en-US" dirty="0" smtClean="0"/>
+              <a:t>Correlation-based detection</a:t>
+            </a:r>
+          </a:p>
+          <a:p>
+            <a:pPr lvl="1"/>
+            <a:r>
+              <a:rPr lang="en-US" dirty="0" smtClean="0"/>
+              <a:t>Statistically detect increases in response time that are not correlated with increases in workload</a:t>
+            </a:r>
+          </a:p>
+          <a:p>
+            <a:pPr lvl="1"/>
+            <a:r>
+              <a:rPr lang="en-US" dirty="0" smtClean="0"/>
+              <a:t>Pearson’s R and dynamic time warping</a:t>
+            </a:r>
+            <a:endParaRPr lang="en-US" dirty="0"/>
+          </a:p>
+        </p:txBody>
+      </p:sp>
+      <p:sp>
+        <p:nvSpPr>
+          <p:cNvPr id="4" name="TextBox 3"/>
+          <p:cNvSpPr txBox="1"/>
+          <p:nvPr/>
+        </p:nvSpPr>
+        <p:spPr>
+          <a:xfrm>
+            <a:off x="165100" y="5800669"/>
+            <a:ext cx="8788400" cy="1036694"/>
+          </a:xfrm>
+          <a:prstGeom prst="rect">
+            <a:avLst/>
+          </a:prstGeom>
+          <a:noFill/>
+        </p:spPr>
+        <p:txBody>
+          <a:bodyPr wrap="square" rtlCol="0">
+            <a:spAutoFit/>
+          </a:bodyPr>
+          <a:lstStyle/>
+          <a:p>
+            <a:pPr>
+              <a:lnSpc>
+                <a:spcPct val="110000"/>
+              </a:lnSpc>
+            </a:pPr>
+            <a:r>
+              <a:rPr lang="en-US" sz="1400" i="1" dirty="0" smtClean="0"/>
+              <a:t>O. </a:t>
+            </a:r>
+            <a:r>
+              <a:rPr lang="en-US" sz="1400" i="1" dirty="0" err="1" smtClean="0"/>
+              <a:t>Ibidunmoye</a:t>
+            </a:r>
+            <a:r>
+              <a:rPr lang="en-US" sz="1400" i="1" dirty="0" smtClean="0"/>
+              <a:t>, F. Hernandez-Rodriguez and E. </a:t>
+            </a:r>
+            <a:r>
+              <a:rPr lang="en-US" sz="1400" i="1" dirty="0" err="1" smtClean="0"/>
+              <a:t>Elmroth</a:t>
+            </a:r>
+            <a:r>
+              <a:rPr lang="en-US" sz="1400" i="1" dirty="0" smtClean="0"/>
+              <a:t>, “Performance Anomaly Detection and Bottleneck Identification”, ACM Computing Surveys, 2015, Vol. 48</a:t>
+            </a:r>
+          </a:p>
+          <a:p>
+            <a:pPr>
+              <a:lnSpc>
+                <a:spcPct val="110000"/>
+              </a:lnSpc>
+            </a:pPr>
+            <a:r>
+              <a:rPr lang="en-US" sz="1400" i="1" dirty="0" smtClean="0"/>
+              <a:t>P. </a:t>
+            </a:r>
+            <a:r>
+              <a:rPr lang="en-US" sz="1400" i="1" dirty="0" err="1" smtClean="0"/>
+              <a:t>Magalhaes</a:t>
+            </a:r>
+            <a:r>
+              <a:rPr lang="en-US" sz="1400" i="1" dirty="0" smtClean="0"/>
+              <a:t> and L. Silva, “Detection of Performance Anomalies in Web-based Applications”, 2010 9</a:t>
+            </a:r>
+            <a:r>
+              <a:rPr lang="en-US" sz="1400" i="1" baseline="30000" dirty="0" smtClean="0"/>
+              <a:t>th</a:t>
+            </a:r>
+            <a:r>
+              <a:rPr lang="en-US" sz="1400" i="1" dirty="0" smtClean="0"/>
+              <a:t> International Symposium on Network Computing and Applications</a:t>
+            </a:r>
+            <a:endParaRPr lang="en-US" sz="1400" i="1" dirty="0"/>
+          </a:p>
+        </p:txBody>
+      </p:sp>
+    </p:spTree>
+    <p:extLst>
+      <p:ext uri="{BB962C8B-B14F-4D97-AF65-F5344CB8AC3E}">
+        <p14:creationId xmlns:p14="http://schemas.microsoft.com/office/powerpoint/2010/main" val="1864197141"/>
+      </p:ext>
+    </p:extLst>
+  </p:cSld>
+  <p:clrMapOvr>
+    <a:masterClrMapping/>
+  </p:clrMapOvr>
+  <p:timing>
+    <p:tnLst>
+      <p:par>
+        <p:cTn xmlns:p14="http://schemas.microsoft.com/office/powerpoint/2010/main" id="1" dur="indefinite" restart="never" nodeType="tmRoot"/>
+      </p:par>
+    </p:tnLst>
+  </p:timing>
+</p:sld>
+</file>
+
 <file path=ppt/slides/slide28.xml><?xml version="1.0" encoding="utf-8"?>
 <p:sld xmlns:a="http://schemas.openxmlformats.org/drawingml/2006/main" xmlns:r="http://schemas.openxmlformats.org/officeDocument/2006/relationships" xmlns:p="http://schemas.openxmlformats.org/presentationml/2006/main">
   <p:cSld>
@@ -8567,7 +8952,7 @@
           <a:p>
             <a:r>
               <a:rPr lang="en-US" dirty="0" smtClean="0"/>
-              <a:t>Anomaly Detection</a:t>
+              <a:t>Workload Analysis</a:t>
             </a:r>
             <a:endParaRPr lang="en-US" dirty="0"/>
           </a:p>
@@ -8590,50 +8975,135 @@
           <a:p>
             <a:r>
               <a:rPr lang="en-US" dirty="0" smtClean="0"/>
-              <a:t>SLO-based detection</a:t>
+              <a:t>Detect change points (level shifts) in workload traces</a:t>
             </a:r>
           </a:p>
           <a:p>
             <a:pPr lvl="1"/>
             <a:r>
               <a:rPr lang="en-US" dirty="0" smtClean="0"/>
-              <a:t>Probe the application periodically and record SLO</a:t>
-            </a:r>
-          </a:p>
-          <a:p>
-            <a:pPr lvl="1"/>
-            <a:r>
-              <a:rPr lang="en-US" dirty="0" smtClean="0"/>
-              <a:t>Periodically compute the observed SLA satisfaction level</a:t>
-            </a:r>
-          </a:p>
-          <a:p>
-            <a:r>
-              <a:rPr lang="en-US" dirty="0" smtClean="0"/>
-              <a:t>Correlation-based detection</a:t>
-            </a:r>
-          </a:p>
-          <a:p>
-            <a:pPr lvl="1"/>
-            <a:r>
-              <a:rPr lang="en-US" dirty="0" smtClean="0"/>
-              <a:t>Statistically detect increases in response time that are not correlated with increases in workload</a:t>
-            </a:r>
-          </a:p>
-          <a:p>
-            <a:pPr lvl="1"/>
-            <a:r>
-              <a:rPr lang="en-US" dirty="0" smtClean="0"/>
-              <a:t>Pearson’s R and dynamic time warping</a:t>
+              <a:t>Especially the sudden increases in workload that precede a detected performance anomaly</a:t>
+            </a:r>
+          </a:p>
+          <a:p>
+            <a:r>
+              <a:rPr lang="en-US" dirty="0" smtClean="0"/>
+              <a:t>Binary segmentation</a:t>
+            </a:r>
+          </a:p>
+          <a:p>
+            <a:r>
+              <a:rPr lang="en-US" dirty="0" smtClean="0"/>
+              <a:t>Pruned Exact Linear Time (PELT)</a:t>
+            </a:r>
+          </a:p>
+          <a:p>
+            <a:r>
+              <a:rPr lang="en-US" dirty="0" smtClean="0"/>
+              <a:t>Chen &amp; Liu method</a:t>
             </a:r>
             <a:endParaRPr lang="en-US" dirty="0"/>
+          </a:p>
+        </p:txBody>
+      </p:sp>
+      <p:sp>
+        <p:nvSpPr>
+          <p:cNvPr id="5" name="TextBox 4"/>
+          <p:cNvSpPr txBox="1"/>
+          <p:nvPr/>
+        </p:nvSpPr>
+        <p:spPr>
+          <a:xfrm>
+            <a:off x="165100" y="5739616"/>
+            <a:ext cx="8788400" cy="1036694"/>
+          </a:xfrm>
+          <a:prstGeom prst="rect">
+            <a:avLst/>
+          </a:prstGeom>
+          <a:noFill/>
+        </p:spPr>
+        <p:txBody>
+          <a:bodyPr wrap="square" rtlCol="0">
+            <a:spAutoFit/>
+          </a:bodyPr>
+          <a:lstStyle/>
+          <a:p>
+            <a:pPr>
+              <a:lnSpc>
+                <a:spcPct val="110000"/>
+              </a:lnSpc>
+            </a:pPr>
+            <a:r>
+              <a:rPr lang="en-US" sz="1400" i="1" dirty="0" smtClean="0"/>
+              <a:t>R. </a:t>
+            </a:r>
+            <a:r>
+              <a:rPr lang="en-US" sz="1400" i="1" dirty="0" err="1" smtClean="0"/>
+              <a:t>Killick</a:t>
+            </a:r>
+            <a:r>
+              <a:rPr lang="en-US" sz="1400" i="1" dirty="0" smtClean="0"/>
+              <a:t>, P. </a:t>
+            </a:r>
+            <a:r>
+              <a:rPr lang="en-US" sz="1400" i="1" dirty="0" err="1" smtClean="0"/>
+              <a:t>Fearnhead</a:t>
+            </a:r>
+            <a:r>
+              <a:rPr lang="en-US" sz="1400" i="1" dirty="0" smtClean="0"/>
+              <a:t> and I.A. </a:t>
+            </a:r>
+            <a:r>
+              <a:rPr lang="en-US" sz="1400" i="1" dirty="0" err="1" smtClean="0"/>
+              <a:t>Eckley</a:t>
+            </a:r>
+            <a:r>
+              <a:rPr lang="en-US" sz="1400" i="1" dirty="0" smtClean="0"/>
+              <a:t>, “Optimal Detection of </a:t>
+            </a:r>
+            <a:r>
+              <a:rPr lang="en-US" sz="1400" i="1" dirty="0" err="1" smtClean="0"/>
+              <a:t>Changepoints</a:t>
+            </a:r>
+            <a:r>
+              <a:rPr lang="en-US" sz="1400" i="1" dirty="0" smtClean="0"/>
+              <a:t> with a Linear Computational Cost”, Journal of the American Statistical Association, 2012, </a:t>
+            </a:r>
+            <a:r>
+              <a:rPr lang="en-US" sz="1400" i="1" dirty="0" err="1" smtClean="0"/>
+              <a:t>vol</a:t>
+            </a:r>
+            <a:r>
+              <a:rPr lang="en-US" sz="1400" i="1" dirty="0" smtClean="0"/>
+              <a:t> 107, issue 500</a:t>
+            </a:r>
+          </a:p>
+          <a:p>
+            <a:pPr>
+              <a:lnSpc>
+                <a:spcPct val="110000"/>
+              </a:lnSpc>
+            </a:pPr>
+            <a:r>
+              <a:rPr lang="en-US" sz="1400" i="1" dirty="0" smtClean="0"/>
+              <a:t>C. Chen and L. Liu, “Joint Estimation of Model Parameters and Outlier Effects in Time Series”, Journal of the American Statistical Association, 1993, </a:t>
+            </a:r>
+            <a:r>
+              <a:rPr lang="en-US" sz="1400" i="1" dirty="0" err="1" smtClean="0"/>
+              <a:t>vol</a:t>
+            </a:r>
+            <a:r>
+              <a:rPr lang="en-US" sz="1400" i="1" dirty="0" smtClean="0"/>
+              <a:t> 88, issue 421</a:t>
+            </a:r>
+            <a:endParaRPr lang="en-US" sz="1400" i="1" dirty="0"/>
           </a:p>
         </p:txBody>
       </p:sp>
     </p:spTree>
     <p:extLst>
       <p:ext uri="{BB962C8B-B14F-4D97-AF65-F5344CB8AC3E}">
-        <p14:creationId xmlns:p14="http://schemas.microsoft.com/office/powerpoint/2010/main" val="1864197141"/>
+        <p14:creationId xmlns:p14="http://schemas.microsoft.com/office/powerpoint/2010/main" val="3695137885"/>
       </p:ext>
     </p:extLst>
   </p:cSld>
@@ -8684,7 +9154,7 @@
           <a:p>
             <a:r>
               <a:rPr lang="en-US" dirty="0" smtClean="0"/>
-              <a:t>Workload Analysis</a:t>
+              <a:t>Analyzing SDK Call Traces</a:t>
             </a:r>
             <a:endParaRPr lang="en-US" dirty="0"/>
           </a:p>
@@ -8707,32 +9177,34 @@
           <a:p>
             <a:r>
               <a:rPr lang="en-US" dirty="0" smtClean="0"/>
-              <a:t>Detect change points (level shifts) in workload traces</a:t>
+              <a:t>Identify sequences of SDK calls invoked by application</a:t>
             </a:r>
           </a:p>
           <a:p>
             <a:pPr lvl="1"/>
             <a:r>
               <a:rPr lang="en-US" dirty="0" smtClean="0"/>
-              <a:t>Especially the sudden increases in workload that precede a detected performance anomaly</a:t>
-            </a:r>
-          </a:p>
-          <a:p>
-            <a:r>
-              <a:rPr lang="en-US" dirty="0" smtClean="0"/>
-              <a:t>Binary segmentation</a:t>
-            </a:r>
-          </a:p>
-          <a:p>
-            <a:r>
-              <a:rPr lang="en-US" dirty="0" smtClean="0"/>
-              <a:t>Pruned Exact Linear Time (PELT)</a:t>
-            </a:r>
-          </a:p>
-          <a:p>
-            <a:r>
-              <a:rPr lang="en-US" dirty="0" smtClean="0"/>
-              <a:t>Chen &amp; Liu method</a:t>
+              <a:t>Path identification</a:t>
+            </a:r>
+          </a:p>
+          <a:p>
+            <a:r>
+              <a:rPr lang="en-US" dirty="0" smtClean="0"/>
+              <a:t>Path distribution analysis</a:t>
+            </a:r>
+          </a:p>
+          <a:p>
+            <a:pPr lvl="1"/>
+            <a:r>
+              <a:rPr lang="en-US" dirty="0" smtClean="0"/>
+              <a:t>Hot path identification</a:t>
+            </a:r>
+          </a:p>
+          <a:p>
+            <a:pPr lvl="1"/>
+            <a:r>
+              <a:rPr lang="en-US" dirty="0" smtClean="0"/>
+              <a:t>Identifying workload changes</a:t>
             </a:r>
             <a:endParaRPr lang="en-US" dirty="0"/>
           </a:p>
@@ -8741,7 +9213,7 @@
     </p:spTree>
     <p:extLst>
       <p:ext uri="{BB962C8B-B14F-4D97-AF65-F5344CB8AC3E}">
-        <p14:creationId xmlns:p14="http://schemas.microsoft.com/office/powerpoint/2010/main" val="3695137885"/>
+        <p14:creationId xmlns:p14="http://schemas.microsoft.com/office/powerpoint/2010/main" val="1919900667"/>
       </p:ext>
     </p:extLst>
   </p:cSld>
@@ -9050,116 +9522,6 @@
 </file>
 
 <file path=ppt/slides/slide30.xml><?xml version="1.0" encoding="utf-8"?>
-<p:sld xmlns:a="http://schemas.openxmlformats.org/drawingml/2006/main" xmlns:r="http://schemas.openxmlformats.org/officeDocument/2006/relationships" xmlns:p="http://schemas.openxmlformats.org/presentationml/2006/main">
-  <p:cSld>
-    <p:spTree>
-      <p:nvGrpSpPr>
-        <p:cNvPr id="1" name=""/>
-        <p:cNvGrpSpPr/>
-        <p:nvPr/>
-      </p:nvGrpSpPr>
-      <p:grpSpPr>
-        <a:xfrm>
-          <a:off x="0" y="0"/>
-          <a:ext cx="0" cy="0"/>
-          <a:chOff x="0" y="0"/>
-          <a:chExt cx="0" cy="0"/>
-        </a:xfrm>
-      </p:grpSpPr>
-      <p:sp>
-        <p:nvSpPr>
-          <p:cNvPr id="2" name="Title 1"/>
-          <p:cNvSpPr>
-            <a:spLocks noGrp="1"/>
-          </p:cNvSpPr>
-          <p:nvPr>
-            <p:ph type="title"/>
-          </p:nvPr>
-        </p:nvSpPr>
-        <p:spPr/>
-        <p:txBody>
-          <a:bodyPr/>
-          <a:lstStyle/>
-          <a:p>
-            <a:r>
-              <a:rPr lang="en-US" dirty="0" smtClean="0"/>
-              <a:t>Analyzing SDK Call Traces</a:t>
-            </a:r>
-            <a:endParaRPr lang="en-US" dirty="0"/>
-          </a:p>
-        </p:txBody>
-      </p:sp>
-      <p:sp>
-        <p:nvSpPr>
-          <p:cNvPr id="3" name="Content Placeholder 2"/>
-          <p:cNvSpPr>
-            <a:spLocks noGrp="1"/>
-          </p:cNvSpPr>
-          <p:nvPr>
-            <p:ph idx="1"/>
-          </p:nvPr>
-        </p:nvSpPr>
-        <p:spPr/>
-        <p:txBody>
-          <a:bodyPr/>
-          <a:lstStyle/>
-          <a:p>
-            <a:r>
-              <a:rPr lang="en-US" dirty="0" smtClean="0"/>
-              <a:t>Identify sequences of SDK calls invoked by application</a:t>
-            </a:r>
-          </a:p>
-          <a:p>
-            <a:pPr lvl="1"/>
-            <a:r>
-              <a:rPr lang="en-US" dirty="0" smtClean="0"/>
-              <a:t>Path identification</a:t>
-            </a:r>
-          </a:p>
-          <a:p>
-            <a:r>
-              <a:rPr lang="en-US" dirty="0" smtClean="0"/>
-              <a:t>Path distribution analysis</a:t>
-            </a:r>
-          </a:p>
-          <a:p>
-            <a:pPr lvl="1"/>
-            <a:r>
-              <a:rPr lang="en-US" dirty="0" smtClean="0"/>
-              <a:t>Hot path identification</a:t>
-            </a:r>
-          </a:p>
-          <a:p>
-            <a:pPr lvl="1"/>
-            <a:r>
-              <a:rPr lang="en-US" dirty="0" smtClean="0"/>
-              <a:t>Identifying workload changes</a:t>
-            </a:r>
-            <a:endParaRPr lang="en-US" dirty="0"/>
-          </a:p>
-        </p:txBody>
-      </p:sp>
-    </p:spTree>
-    <p:extLst>
-      <p:ext uri="{BB962C8B-B14F-4D97-AF65-F5344CB8AC3E}">
-        <p14:creationId xmlns:p14="http://schemas.microsoft.com/office/powerpoint/2010/main" val="1919900667"/>
-      </p:ext>
-    </p:extLst>
-  </p:cSld>
-  <p:clrMapOvr>
-    <a:masterClrMapping/>
-  </p:clrMapOvr>
-  <p:timing>
-    <p:tnLst>
-      <p:par>
-        <p:cTn xmlns:p14="http://schemas.microsoft.com/office/powerpoint/2010/main" id="1" dur="indefinite" restart="never" nodeType="tmRoot"/>
-      </p:par>
-    </p:tnLst>
-  </p:timing>
-</p:sld>
-</file>
-
-<file path=ppt/slides/slide31.xml><?xml version="1.0" encoding="utf-8"?>
 <p:sld xmlns:a="http://schemas.openxmlformats.org/drawingml/2006/main" xmlns:r="http://schemas.openxmlformats.org/officeDocument/2006/relationships" xmlns:p="http://schemas.openxmlformats.org/presentationml/2006/main">
   <p:cSld>
     <p:spTree>
@@ -9463,10 +9825,173 @@
           </a:graphicData>
         </a:graphic>
       </p:graphicFrame>
+      <p:sp>
+        <p:nvSpPr>
+          <p:cNvPr id="6" name="TextBox 5"/>
+          <p:cNvSpPr txBox="1"/>
+          <p:nvPr/>
+        </p:nvSpPr>
+        <p:spPr>
+          <a:xfrm>
+            <a:off x="165100" y="6387316"/>
+            <a:ext cx="8788400" cy="325730"/>
+          </a:xfrm>
+          <a:prstGeom prst="rect">
+            <a:avLst/>
+          </a:prstGeom>
+          <a:noFill/>
+        </p:spPr>
+        <p:txBody>
+          <a:bodyPr wrap="square" rtlCol="0">
+            <a:spAutoFit/>
+          </a:bodyPr>
+          <a:lstStyle/>
+          <a:p>
+            <a:pPr>
+              <a:lnSpc>
+                <a:spcPct val="110000"/>
+              </a:lnSpc>
+            </a:pPr>
+            <a:r>
+              <a:rPr lang="en-US" sz="1400" i="1" dirty="0" smtClean="0"/>
+              <a:t>U. </a:t>
+            </a:r>
+            <a:r>
+              <a:rPr lang="en-US" sz="1400" i="1" dirty="0" err="1" smtClean="0"/>
+              <a:t>Gromping</a:t>
+            </a:r>
+            <a:r>
+              <a:rPr lang="en-US" sz="1400" i="1" dirty="0" smtClean="0"/>
+              <a:t>, “Relative Importance for Linear Regression in R”, Journal of Statistical Software, 2006, </a:t>
+            </a:r>
+            <a:r>
+              <a:rPr lang="en-US" sz="1400" i="1" dirty="0" err="1" smtClean="0"/>
+              <a:t>vol</a:t>
+            </a:r>
+            <a:r>
+              <a:rPr lang="en-US" sz="1400" i="1" dirty="0" smtClean="0"/>
+              <a:t> 17, issue 1</a:t>
+            </a:r>
+            <a:endParaRPr lang="en-US" sz="1400" i="1" dirty="0"/>
+          </a:p>
+        </p:txBody>
+      </p:sp>
     </p:spTree>
     <p:extLst>
       <p:ext uri="{BB962C8B-B14F-4D97-AF65-F5344CB8AC3E}">
         <p14:creationId xmlns:p14="http://schemas.microsoft.com/office/powerpoint/2010/main" val="866085967"/>
+      </p:ext>
+    </p:extLst>
+  </p:cSld>
+  <p:clrMapOvr>
+    <a:masterClrMapping/>
+  </p:clrMapOvr>
+  <p:timing>
+    <p:tnLst>
+      <p:par>
+        <p:cTn xmlns:p14="http://schemas.microsoft.com/office/powerpoint/2010/main" id="1" dur="indefinite" restart="never" nodeType="tmRoot"/>
+      </p:par>
+    </p:tnLst>
+  </p:timing>
+</p:sld>
+</file>
+
+<file path=ppt/slides/slide31.xml><?xml version="1.0" encoding="utf-8"?>
+<p:sld xmlns:a="http://schemas.openxmlformats.org/drawingml/2006/main" xmlns:r="http://schemas.openxmlformats.org/officeDocument/2006/relationships" xmlns:p="http://schemas.openxmlformats.org/presentationml/2006/main">
+  <p:cSld>
+    <p:spTree>
+      <p:nvGrpSpPr>
+        <p:cNvPr id="1" name=""/>
+        <p:cNvGrpSpPr/>
+        <p:nvPr/>
+      </p:nvGrpSpPr>
+      <p:grpSpPr>
+        <a:xfrm>
+          <a:off x="0" y="0"/>
+          <a:ext cx="0" cy="0"/>
+          <a:chOff x="0" y="0"/>
+          <a:chExt cx="0" cy="0"/>
+        </a:xfrm>
+      </p:grpSpPr>
+      <p:sp>
+        <p:nvSpPr>
+          <p:cNvPr id="2" name="Title 1"/>
+          <p:cNvSpPr>
+            <a:spLocks noGrp="1"/>
+          </p:cNvSpPr>
+          <p:nvPr>
+            <p:ph type="title"/>
+          </p:nvPr>
+        </p:nvSpPr>
+        <p:spPr/>
+        <p:txBody>
+          <a:bodyPr/>
+          <a:lstStyle/>
+          <a:p>
+            <a:r>
+              <a:rPr lang="en-US" dirty="0" smtClean="0"/>
+              <a:t>My Thesis</a:t>
+            </a:r>
+            <a:endParaRPr lang="en-US" dirty="0"/>
+          </a:p>
+        </p:txBody>
+      </p:sp>
+      <p:sp>
+        <p:nvSpPr>
+          <p:cNvPr id="3" name="Content Placeholder 2"/>
+          <p:cNvSpPr>
+            <a:spLocks noGrp="1"/>
+          </p:cNvSpPr>
+          <p:nvPr>
+            <p:ph idx="1"/>
+          </p:nvPr>
+        </p:nvSpPr>
+        <p:spPr/>
+        <p:txBody>
+          <a:bodyPr>
+            <a:normAutofit fontScale="92500" lnSpcReduction="10000"/>
+          </a:bodyPr>
+          <a:lstStyle/>
+          <a:p>
+            <a:r>
+              <a:rPr lang="en-US" dirty="0" smtClean="0"/>
+              <a:t>Design-time governance and policy enforcement for cloud platforms, complete with a policy specification language. [Winter 2013]</a:t>
+            </a:r>
+          </a:p>
+          <a:p>
+            <a:r>
+              <a:rPr lang="en-US" dirty="0" smtClean="0"/>
+              <a:t>Framework for formulating, monitoring and invalidating performance SLAs for cloud-hosted web applications. </a:t>
+            </a:r>
+            <a:r>
+              <a:rPr lang="en-US" dirty="0" smtClean="0"/>
+              <a:t>[Fall 2015]</a:t>
+            </a:r>
+            <a:endParaRPr lang="en-US" dirty="0" smtClean="0"/>
+          </a:p>
+          <a:p>
+            <a:r>
+              <a:rPr lang="en-US" dirty="0" smtClean="0"/>
+              <a:t>Scalable cloud application platform monitoring for performance anomaly detection and bottleneck identification. </a:t>
+            </a:r>
+            <a:r>
+              <a:rPr lang="en-US" dirty="0" smtClean="0"/>
+              <a:t>[Fall 2016]</a:t>
+            </a:r>
+          </a:p>
+          <a:p>
+            <a:r>
+              <a:rPr lang="en-US" dirty="0" smtClean="0"/>
+              <a:t>Dissertation defense. [December 2016]</a:t>
+            </a:r>
+            <a:endParaRPr lang="en-US" dirty="0"/>
+          </a:p>
+        </p:txBody>
+      </p:sp>
+    </p:spTree>
+    <p:extLst>
+      <p:ext uri="{BB962C8B-B14F-4D97-AF65-F5344CB8AC3E}">
+        <p14:creationId xmlns:p14="http://schemas.microsoft.com/office/powerpoint/2010/main" val="2296212584"/>
       </p:ext>
     </p:extLst>
   </p:cSld>
@@ -9517,7 +10042,7 @@
           <a:p>
             <a:r>
               <a:rPr lang="en-US" dirty="0" smtClean="0"/>
-              <a:t>Future Work</a:t>
+              <a:t>Related Work</a:t>
             </a:r>
             <a:endParaRPr lang="en-US" dirty="0"/>
           </a:p>
@@ -9525,27 +10050,472 @@
       </p:sp>
       <p:sp>
         <p:nvSpPr>
-          <p:cNvPr id="3" name="Content Placeholder 2"/>
-          <p:cNvSpPr>
-            <a:spLocks noGrp="1"/>
-          </p:cNvSpPr>
-          <p:nvPr>
-            <p:ph idx="1"/>
-          </p:nvPr>
-        </p:nvSpPr>
-        <p:spPr/>
-        <p:txBody>
-          <a:bodyPr/>
-          <a:lstStyle/>
-          <a:p>
-            <a:endParaRPr lang="en-US"/>
+          <p:cNvPr id="4" name="TextBox 3"/>
+          <p:cNvSpPr txBox="1"/>
+          <p:nvPr/>
+        </p:nvSpPr>
+        <p:spPr>
+          <a:xfrm>
+            <a:off x="165100" y="1399391"/>
+            <a:ext cx="8788400" cy="5302475"/>
+          </a:xfrm>
+          <a:prstGeom prst="rect">
+            <a:avLst/>
+          </a:prstGeom>
+          <a:noFill/>
+        </p:spPr>
+        <p:txBody>
+          <a:bodyPr wrap="square" rtlCol="0">
+            <a:spAutoFit/>
+          </a:bodyPr>
+          <a:lstStyle/>
+          <a:p>
+            <a:pPr>
+              <a:lnSpc>
+                <a:spcPct val="110000"/>
+              </a:lnSpc>
+            </a:pPr>
+            <a:r>
+              <a:rPr lang="en-US" sz="1400" b="1" i="1" dirty="0"/>
+              <a:t>H. Jayathilaka, C. </a:t>
+            </a:r>
+            <a:r>
+              <a:rPr lang="en-US" sz="1400" b="1" i="1" dirty="0" err="1"/>
+              <a:t>Krintz</a:t>
+            </a:r>
+            <a:r>
+              <a:rPr lang="en-US" sz="1400" b="1" i="1" dirty="0"/>
+              <a:t> and R. </a:t>
+            </a:r>
+            <a:r>
+              <a:rPr lang="en-US" sz="1400" b="1" i="1" dirty="0" err="1"/>
+              <a:t>Wolski</a:t>
+            </a:r>
+            <a:r>
+              <a:rPr lang="en-US" sz="1400" b="1" i="1" dirty="0"/>
+              <a:t>, </a:t>
+            </a:r>
+            <a:r>
+              <a:rPr lang="en-US" sz="1400" b="1" i="1" dirty="0" smtClean="0"/>
+              <a:t>”Towards Automatically Estimating Porting Effort Between Web Service APIs” </a:t>
+            </a:r>
+            <a:r>
+              <a:rPr lang="en-US" sz="1400" b="1" i="1" dirty="0"/>
+              <a:t>IEEE International Conference on </a:t>
+            </a:r>
+            <a:r>
+              <a:rPr lang="en-US" sz="1400" b="1" i="1" dirty="0" smtClean="0"/>
+              <a:t>Services Computing 2014 (SCC).</a:t>
+            </a:r>
+          </a:p>
+          <a:p>
+            <a:pPr>
+              <a:lnSpc>
+                <a:spcPct val="110000"/>
+              </a:lnSpc>
+            </a:pPr>
+            <a:r>
+              <a:rPr lang="en-US" sz="1400" b="1" i="1" dirty="0"/>
+              <a:t>H. Jayathilaka, </a:t>
+            </a:r>
+            <a:r>
+              <a:rPr lang="en-US" sz="1400" b="1" i="1" dirty="0" smtClean="0"/>
+              <a:t>A. </a:t>
+            </a:r>
+            <a:r>
+              <a:rPr lang="en-US" sz="1400" b="1" i="1" dirty="0" err="1" smtClean="0"/>
+              <a:t>Pucher</a:t>
+            </a:r>
+            <a:r>
+              <a:rPr lang="en-US" sz="1400" b="1" i="1" dirty="0" smtClean="0"/>
+              <a:t>, C</a:t>
+            </a:r>
+            <a:r>
+              <a:rPr lang="en-US" sz="1400" b="1" i="1" dirty="0"/>
+              <a:t>. </a:t>
+            </a:r>
+            <a:r>
+              <a:rPr lang="en-US" sz="1400" b="1" i="1" dirty="0" err="1"/>
+              <a:t>Krintz</a:t>
+            </a:r>
+            <a:r>
+              <a:rPr lang="en-US" sz="1400" b="1" i="1" dirty="0"/>
+              <a:t> and R. </a:t>
+            </a:r>
+            <a:r>
+              <a:rPr lang="en-US" sz="1400" b="1" i="1" dirty="0" err="1"/>
+              <a:t>Wolski</a:t>
+            </a:r>
+            <a:r>
+              <a:rPr lang="en-US" sz="1400" b="1" i="1" dirty="0"/>
+              <a:t>, </a:t>
+            </a:r>
+            <a:r>
+              <a:rPr lang="en-US" sz="1400" b="1" i="1" dirty="0" smtClean="0"/>
+              <a:t>”Using Syntactic and Semantic Similarity of Web APIs to Estimate Porting Effort” International Journal of Services Computing, 2014, </a:t>
+            </a:r>
+            <a:r>
+              <a:rPr lang="en-US" sz="1400" b="1" i="1" dirty="0" err="1" smtClean="0"/>
+              <a:t>vol</a:t>
+            </a:r>
+            <a:r>
+              <a:rPr lang="en-US" sz="1400" b="1" i="1" dirty="0" smtClean="0"/>
+              <a:t> 2, issue 4</a:t>
+            </a:r>
+          </a:p>
+          <a:p>
+            <a:pPr>
+              <a:lnSpc>
+                <a:spcPct val="110000"/>
+              </a:lnSpc>
+            </a:pPr>
+            <a:r>
+              <a:rPr lang="en-US" sz="1400" b="1" i="1" dirty="0" smtClean="0"/>
+              <a:t>C</a:t>
+            </a:r>
+            <a:r>
+              <a:rPr lang="en-US" sz="1400" b="1" i="1" dirty="0"/>
+              <a:t>. </a:t>
+            </a:r>
+            <a:r>
+              <a:rPr lang="en-US" sz="1400" b="1" i="1" dirty="0" err="1"/>
+              <a:t>Krintz</a:t>
+            </a:r>
+            <a:r>
+              <a:rPr lang="en-US" sz="1400" b="1" i="1" dirty="0"/>
+              <a:t>, H. Jayathilaka, S. </a:t>
+            </a:r>
+            <a:r>
+              <a:rPr lang="en-US" sz="1400" b="1" i="1" dirty="0" err="1"/>
+              <a:t>Dimopoulos</a:t>
+            </a:r>
+            <a:r>
+              <a:rPr lang="en-US" sz="1400" b="1" i="1" dirty="0"/>
+              <a:t>, A. </a:t>
+            </a:r>
+            <a:r>
+              <a:rPr lang="en-US" sz="1400" b="1" i="1" dirty="0" err="1"/>
+              <a:t>Pucher</a:t>
+            </a:r>
+            <a:r>
+              <a:rPr lang="en-US" sz="1400" b="1" i="1" dirty="0"/>
+              <a:t>, R. </a:t>
+            </a:r>
+            <a:r>
+              <a:rPr lang="en-US" sz="1400" b="1" i="1" dirty="0" err="1"/>
+              <a:t>Wolski</a:t>
+            </a:r>
+            <a:r>
+              <a:rPr lang="en-US" sz="1400" b="1" i="1" dirty="0"/>
+              <a:t> and T. </a:t>
+            </a:r>
+            <a:r>
+              <a:rPr lang="en-US" sz="1400" b="1" i="1" dirty="0" err="1"/>
+              <a:t>Bultan</a:t>
+            </a:r>
+            <a:r>
+              <a:rPr lang="en-US" sz="1400" b="1" i="1" dirty="0"/>
+              <a:t>, "Cloud Platform Support for API Governance</a:t>
+            </a:r>
+            <a:r>
+              <a:rPr lang="en-US" sz="1400" b="1" i="1" dirty="0" smtClean="0"/>
+              <a:t>,” IEEE </a:t>
+            </a:r>
+            <a:r>
+              <a:rPr lang="en-US" sz="1400" b="1" i="1" dirty="0"/>
+              <a:t>International Conference </a:t>
+            </a:r>
+            <a:r>
+              <a:rPr lang="en-US" sz="1400" b="1" i="1" dirty="0" smtClean="0"/>
+              <a:t>on Cloud Engineering 2014 (IC2E).</a:t>
+            </a:r>
+          </a:p>
+          <a:p>
+            <a:pPr>
+              <a:lnSpc>
+                <a:spcPct val="110000"/>
+              </a:lnSpc>
+            </a:pPr>
+            <a:r>
+              <a:rPr lang="en-US" sz="1400" b="1" i="1" dirty="0"/>
+              <a:t>H. Jayathilaka, C. </a:t>
+            </a:r>
+            <a:r>
+              <a:rPr lang="en-US" sz="1400" b="1" i="1" dirty="0" err="1"/>
+              <a:t>Krintz</a:t>
+            </a:r>
+            <a:r>
+              <a:rPr lang="en-US" sz="1400" b="1" i="1" dirty="0"/>
+              <a:t> and R. </a:t>
+            </a:r>
+            <a:r>
+              <a:rPr lang="en-US" sz="1400" b="1" i="1" dirty="0" err="1"/>
+              <a:t>Wolski</a:t>
+            </a:r>
+            <a:r>
+              <a:rPr lang="en-US" sz="1400" b="1" i="1" dirty="0"/>
+              <a:t>, "EAGER: Deployment-Time API Governance for Modern </a:t>
+            </a:r>
+            <a:r>
+              <a:rPr lang="en-US" sz="1400" b="1" i="1" dirty="0" err="1"/>
+              <a:t>PaaS</a:t>
+            </a:r>
+            <a:r>
+              <a:rPr lang="en-US" sz="1400" b="1" i="1" dirty="0"/>
+              <a:t> Clouds</a:t>
+            </a:r>
+            <a:r>
+              <a:rPr lang="en-US" sz="1400" b="1" i="1" dirty="0" smtClean="0"/>
+              <a:t>,” IEEE </a:t>
+            </a:r>
+            <a:r>
+              <a:rPr lang="en-US" sz="1400" b="1" i="1" dirty="0"/>
+              <a:t>International Conference </a:t>
+            </a:r>
+            <a:r>
+              <a:rPr lang="en-US" sz="1400" b="1" i="1" dirty="0" smtClean="0"/>
+              <a:t>on Cloud Engineering 2015 (IC2E).</a:t>
+            </a:r>
+          </a:p>
+          <a:p>
+            <a:pPr>
+              <a:lnSpc>
+                <a:spcPct val="110000"/>
+              </a:lnSpc>
+            </a:pPr>
+            <a:r>
+              <a:rPr lang="en-US" sz="1400" b="1" i="1" dirty="0"/>
+              <a:t>H. Jayathilaka, C. </a:t>
+            </a:r>
+            <a:r>
+              <a:rPr lang="en-US" sz="1400" b="1" i="1" dirty="0" err="1"/>
+              <a:t>Krintz</a:t>
+            </a:r>
+            <a:r>
+              <a:rPr lang="en-US" sz="1400" b="1" i="1" dirty="0"/>
+              <a:t> and R. </a:t>
+            </a:r>
+            <a:r>
+              <a:rPr lang="en-US" sz="1400" b="1" i="1" dirty="0" err="1"/>
+              <a:t>Wolski</a:t>
+            </a:r>
+            <a:r>
+              <a:rPr lang="en-US" sz="1400" b="1" i="1" dirty="0"/>
+              <a:t>, “Response Time Service-Level Agreements for Cloud-hosted Web Applications”, 2015 ACM Symposium on Cloud Computing (SOCC)</a:t>
+            </a:r>
+          </a:p>
+          <a:p>
+            <a:pPr>
+              <a:lnSpc>
+                <a:spcPct val="110000"/>
+              </a:lnSpc>
+            </a:pPr>
+            <a:r>
+              <a:rPr lang="en-US" sz="1400" b="1" i="1" dirty="0"/>
+              <a:t>H. Jayathilaka, C. </a:t>
+            </a:r>
+            <a:r>
+              <a:rPr lang="en-US" sz="1400" b="1" i="1" dirty="0" err="1"/>
+              <a:t>Krintz</a:t>
+            </a:r>
+            <a:r>
+              <a:rPr lang="en-US" sz="1400" b="1" i="1" dirty="0"/>
+              <a:t> and R. </a:t>
+            </a:r>
+            <a:r>
+              <a:rPr lang="en-US" sz="1400" b="1" i="1" dirty="0" err="1"/>
+              <a:t>Wolski</a:t>
+            </a:r>
+            <a:r>
+              <a:rPr lang="en-US" sz="1400" b="1" i="1" dirty="0"/>
+              <a:t>, "Service-Level Agreement Durability for Web Service Response Time," 2015 IEEE 7th International Conference on Cloud Computing Technology and Science (</a:t>
+            </a:r>
+            <a:r>
+              <a:rPr lang="en-US" sz="1400" b="1" i="1" dirty="0" err="1"/>
+              <a:t>CloudCom</a:t>
+            </a:r>
+            <a:r>
+              <a:rPr lang="en-US" sz="1400" b="1" i="1" dirty="0" smtClean="0"/>
+              <a:t>)</a:t>
+            </a:r>
+          </a:p>
+          <a:p>
+            <a:pPr>
+              <a:lnSpc>
+                <a:spcPct val="110000"/>
+              </a:lnSpc>
+            </a:pPr>
+            <a:r>
+              <a:rPr lang="en-US" sz="1400" i="1" dirty="0"/>
+              <a:t>D. </a:t>
+            </a:r>
+            <a:r>
+              <a:rPr lang="en-US" sz="1400" i="1" dirty="0" err="1"/>
+              <a:t>Nurmi</a:t>
+            </a:r>
+            <a:r>
+              <a:rPr lang="en-US" sz="1400" i="1" dirty="0"/>
+              <a:t>, J. </a:t>
+            </a:r>
+            <a:r>
+              <a:rPr lang="en-US" sz="1400" i="1" dirty="0" err="1"/>
+              <a:t>Brevik</a:t>
+            </a:r>
+            <a:r>
+              <a:rPr lang="en-US" sz="1400" i="1" dirty="0"/>
+              <a:t> and R. </a:t>
+            </a:r>
+            <a:r>
+              <a:rPr lang="en-US" sz="1400" i="1" dirty="0" err="1"/>
+              <a:t>Wolski</a:t>
+            </a:r>
+            <a:r>
+              <a:rPr lang="en-US" sz="1400" i="1" dirty="0"/>
+              <a:t>, “QBETS: Queue Bounds Estimation from Time Series”, 2008 International Conference on Job Scheduling Strategies for Parallel </a:t>
+            </a:r>
+            <a:r>
+              <a:rPr lang="en-US" sz="1400" i="1" dirty="0" smtClean="0"/>
+              <a:t>Processing</a:t>
+            </a:r>
+          </a:p>
+          <a:p>
+            <a:pPr>
+              <a:lnSpc>
+                <a:spcPct val="110000"/>
+              </a:lnSpc>
+            </a:pPr>
+            <a:r>
+              <a:rPr lang="en-US" sz="1400" i="1" dirty="0"/>
+              <a:t>O. </a:t>
+            </a:r>
+            <a:r>
+              <a:rPr lang="en-US" sz="1400" i="1" dirty="0" err="1"/>
+              <a:t>Ibidunmoye</a:t>
+            </a:r>
+            <a:r>
+              <a:rPr lang="en-US" sz="1400" i="1" dirty="0"/>
+              <a:t>, F. Hernandez-Rodriguez and E. </a:t>
+            </a:r>
+            <a:r>
+              <a:rPr lang="en-US" sz="1400" i="1" dirty="0" err="1"/>
+              <a:t>Elmroth</a:t>
+            </a:r>
+            <a:r>
+              <a:rPr lang="en-US" sz="1400" i="1" dirty="0"/>
+              <a:t>, “Performance Anomaly Detection and Bottleneck Identification”, ACM Computing Surveys, 2015, Vol. 48</a:t>
+            </a:r>
+          </a:p>
+          <a:p>
+            <a:pPr>
+              <a:lnSpc>
+                <a:spcPct val="110000"/>
+              </a:lnSpc>
+            </a:pPr>
+            <a:r>
+              <a:rPr lang="en-US" sz="1400" i="1" dirty="0"/>
+              <a:t>P. </a:t>
+            </a:r>
+            <a:r>
+              <a:rPr lang="en-US" sz="1400" i="1" dirty="0" err="1"/>
+              <a:t>Magalhaes</a:t>
+            </a:r>
+            <a:r>
+              <a:rPr lang="en-US" sz="1400" i="1" dirty="0"/>
+              <a:t> and L. Silva, “Detection of Performance Anomalies in Web-based Applications”, 2010 9</a:t>
+            </a:r>
+            <a:r>
+              <a:rPr lang="en-US" sz="1400" i="1" baseline="30000" dirty="0"/>
+              <a:t>th</a:t>
+            </a:r>
+            <a:r>
+              <a:rPr lang="en-US" sz="1400" i="1" dirty="0"/>
+              <a:t> International Symposium on Network Computing and </a:t>
+            </a:r>
+            <a:r>
+              <a:rPr lang="en-US" sz="1400" i="1" dirty="0" smtClean="0"/>
+              <a:t>Applications</a:t>
+            </a:r>
+          </a:p>
+          <a:p>
+            <a:pPr>
+              <a:lnSpc>
+                <a:spcPct val="110000"/>
+              </a:lnSpc>
+            </a:pPr>
+            <a:r>
+              <a:rPr lang="en-US" sz="1400" i="1" dirty="0"/>
+              <a:t>R. </a:t>
+            </a:r>
+            <a:r>
+              <a:rPr lang="en-US" sz="1400" i="1" dirty="0" err="1"/>
+              <a:t>Killick</a:t>
+            </a:r>
+            <a:r>
+              <a:rPr lang="en-US" sz="1400" i="1" dirty="0"/>
+              <a:t>, P. </a:t>
+            </a:r>
+            <a:r>
+              <a:rPr lang="en-US" sz="1400" i="1" dirty="0" err="1"/>
+              <a:t>Fearnhead</a:t>
+            </a:r>
+            <a:r>
+              <a:rPr lang="en-US" sz="1400" i="1" dirty="0"/>
+              <a:t> and I.A. </a:t>
+            </a:r>
+            <a:r>
+              <a:rPr lang="en-US" sz="1400" i="1" dirty="0" err="1"/>
+              <a:t>Eckley</a:t>
+            </a:r>
+            <a:r>
+              <a:rPr lang="en-US" sz="1400" i="1" dirty="0"/>
+              <a:t>, “Optimal Detection of </a:t>
+            </a:r>
+            <a:r>
+              <a:rPr lang="en-US" sz="1400" i="1" dirty="0" err="1"/>
+              <a:t>Changepoints</a:t>
+            </a:r>
+            <a:r>
+              <a:rPr lang="en-US" sz="1400" i="1" dirty="0"/>
+              <a:t> with a Linear Computational Cost”, Journal of the American Statistical Association, 2012, </a:t>
+            </a:r>
+            <a:r>
+              <a:rPr lang="en-US" sz="1400" i="1" dirty="0" err="1"/>
+              <a:t>vol</a:t>
+            </a:r>
+            <a:r>
+              <a:rPr lang="en-US" sz="1400" i="1" dirty="0"/>
+              <a:t> 107, issue 500</a:t>
+            </a:r>
+          </a:p>
+          <a:p>
+            <a:pPr>
+              <a:lnSpc>
+                <a:spcPct val="110000"/>
+              </a:lnSpc>
+            </a:pPr>
+            <a:r>
+              <a:rPr lang="en-US" sz="1400" i="1" dirty="0"/>
+              <a:t>C. Chen and L. Liu, “Joint Estimation of Model Parameters and Outlier Effects in Time Series”, Journal of the American Statistical Association, 1993, </a:t>
+            </a:r>
+            <a:r>
+              <a:rPr lang="en-US" sz="1400" i="1" dirty="0" err="1"/>
+              <a:t>vol</a:t>
+            </a:r>
+            <a:r>
+              <a:rPr lang="en-US" sz="1400" i="1" dirty="0"/>
+              <a:t> 88, issue </a:t>
+            </a:r>
+            <a:r>
+              <a:rPr lang="en-US" sz="1400" i="1" dirty="0" smtClean="0"/>
+              <a:t>421</a:t>
+            </a:r>
           </a:p>
         </p:txBody>
       </p:sp>
     </p:spTree>
     <p:extLst>
       <p:ext uri="{BB962C8B-B14F-4D97-AF65-F5344CB8AC3E}">
-        <p14:creationId xmlns:p14="http://schemas.microsoft.com/office/powerpoint/2010/main" val="2296212584"/>
+        <p14:creationId xmlns:p14="http://schemas.microsoft.com/office/powerpoint/2010/main" val="2047413276"/>
       </p:ext>
     </p:extLst>
   </p:cSld>
@@ -9596,7 +10566,7 @@
           <a:p>
             <a:r>
               <a:rPr lang="en-US" dirty="0" smtClean="0"/>
-              <a:t>Summary and Conclusion</a:t>
+              <a:t>Related Work</a:t>
             </a:r>
             <a:endParaRPr lang="en-US" dirty="0"/>
           </a:p>
@@ -9604,40 +10574,554 @@
       </p:sp>
       <p:sp>
         <p:nvSpPr>
-          <p:cNvPr id="3" name="Content Placeholder 2"/>
-          <p:cNvSpPr>
-            <a:spLocks noGrp="1"/>
-          </p:cNvSpPr>
-          <p:nvPr>
-            <p:ph idx="1"/>
-          </p:nvPr>
-        </p:nvSpPr>
-        <p:spPr/>
-        <p:txBody>
-          <a:bodyPr/>
-          <a:lstStyle/>
-          <a:p>
-            <a:endParaRPr lang="en-US"/>
+          <p:cNvPr id="4" name="TextBox 3"/>
+          <p:cNvSpPr txBox="1"/>
+          <p:nvPr/>
+        </p:nvSpPr>
+        <p:spPr>
+          <a:xfrm>
+            <a:off x="165100" y="1399391"/>
+            <a:ext cx="8788400" cy="5911872"/>
+          </a:xfrm>
+          <a:prstGeom prst="rect">
+            <a:avLst/>
+          </a:prstGeom>
+          <a:noFill/>
+        </p:spPr>
+        <p:txBody>
+          <a:bodyPr wrap="square" rtlCol="0">
+            <a:spAutoFit/>
+          </a:bodyPr>
+          <a:lstStyle/>
+          <a:p>
+            <a:pPr>
+              <a:lnSpc>
+                <a:spcPct val="110000"/>
+              </a:lnSpc>
+            </a:pPr>
+            <a:r>
+              <a:rPr lang="en-US" sz="1400" i="1" dirty="0" smtClean="0"/>
+              <a:t>U</a:t>
+            </a:r>
+            <a:r>
+              <a:rPr lang="en-US" sz="1400" i="1" dirty="0"/>
+              <a:t>. </a:t>
+            </a:r>
+            <a:r>
+              <a:rPr lang="en-US" sz="1400" i="1" dirty="0" err="1"/>
+              <a:t>Gromping</a:t>
+            </a:r>
+            <a:r>
+              <a:rPr lang="en-US" sz="1400" i="1" dirty="0"/>
+              <a:t>, “Relative Importance for Linear Regression in R”, Journal of Statistical Software, 2006, </a:t>
+            </a:r>
+            <a:r>
+              <a:rPr lang="en-US" sz="1400" i="1" dirty="0" err="1"/>
+              <a:t>vol</a:t>
+            </a:r>
+            <a:r>
+              <a:rPr lang="en-US" sz="1400" i="1" dirty="0"/>
+              <a:t> 17, issue 1</a:t>
+            </a:r>
+          </a:p>
+          <a:p>
+            <a:pPr>
+              <a:lnSpc>
+                <a:spcPct val="110000"/>
+              </a:lnSpc>
+            </a:pPr>
+            <a:r>
+              <a:rPr lang="en-US" sz="1400" i="1" dirty="0"/>
+              <a:t>D. </a:t>
+            </a:r>
+            <a:r>
+              <a:rPr lang="en-US" sz="1400" i="1" dirty="0" err="1"/>
+              <a:t>Nurmi</a:t>
+            </a:r>
+            <a:r>
+              <a:rPr lang="en-US" sz="1400" i="1" dirty="0"/>
+              <a:t>, R. </a:t>
+            </a:r>
+            <a:r>
+              <a:rPr lang="en-US" sz="1400" i="1" dirty="0" err="1"/>
+              <a:t>Wolski</a:t>
+            </a:r>
+            <a:r>
+              <a:rPr lang="en-US" sz="1400" i="1" dirty="0"/>
+              <a:t>, C. </a:t>
+            </a:r>
+            <a:r>
+              <a:rPr lang="en-US" sz="1400" i="1" dirty="0" err="1"/>
+              <a:t>Grzegorczyk</a:t>
+            </a:r>
+            <a:r>
+              <a:rPr lang="en-US" sz="1400" i="1" dirty="0"/>
+              <a:t>, G. </a:t>
+            </a:r>
+            <a:r>
+              <a:rPr lang="en-US" sz="1400" i="1" dirty="0" err="1"/>
+              <a:t>Obertelli</a:t>
+            </a:r>
+            <a:r>
+              <a:rPr lang="en-US" sz="1400" i="1" dirty="0"/>
+              <a:t>, S. </a:t>
+            </a:r>
+            <a:r>
+              <a:rPr lang="en-US" sz="1400" i="1" dirty="0" err="1"/>
+              <a:t>Soman</a:t>
+            </a:r>
+            <a:r>
+              <a:rPr lang="en-US" sz="1400" i="1" dirty="0"/>
+              <a:t>, L. </a:t>
+            </a:r>
+            <a:r>
+              <a:rPr lang="en-US" sz="1400" i="1" dirty="0" err="1"/>
+              <a:t>Youseff</a:t>
+            </a:r>
+            <a:r>
+              <a:rPr lang="en-US" sz="1400" i="1" dirty="0"/>
+              <a:t>, and D. </a:t>
+            </a:r>
+            <a:r>
+              <a:rPr lang="en-US" sz="1400" i="1" dirty="0" err="1" smtClean="0"/>
+              <a:t>Zagorodnov</a:t>
+            </a:r>
+            <a:r>
+              <a:rPr lang="en-US" sz="1400" i="1" dirty="0"/>
+              <a:t>,</a:t>
+            </a:r>
+            <a:r>
+              <a:rPr lang="en-US" sz="1400" i="1" dirty="0" smtClean="0"/>
+              <a:t> “The </a:t>
+            </a:r>
+            <a:r>
+              <a:rPr lang="en-US" sz="1400" i="1" dirty="0"/>
+              <a:t>Eucalyptus open-source cloud-computing </a:t>
+            </a:r>
+            <a:r>
+              <a:rPr lang="en-US" sz="1400" i="1" dirty="0" smtClean="0"/>
+              <a:t>system”, </a:t>
+            </a:r>
+            <a:r>
+              <a:rPr lang="en-US" sz="1400" i="1" dirty="0"/>
+              <a:t>In IEEE/ACM International </a:t>
+            </a:r>
+            <a:r>
+              <a:rPr lang="en-US" sz="1400" i="1" dirty="0" smtClean="0"/>
+              <a:t>Symposium </a:t>
+            </a:r>
+            <a:r>
+              <a:rPr lang="en-US" sz="1400" i="1" dirty="0"/>
+              <a:t>on Cluster Computing and the Grid, 2009 </a:t>
+            </a:r>
+            <a:endParaRPr lang="en-US" sz="1400" i="1" dirty="0" smtClean="0"/>
+          </a:p>
+          <a:p>
+            <a:pPr>
+              <a:lnSpc>
+                <a:spcPct val="110000"/>
+              </a:lnSpc>
+            </a:pPr>
+            <a:r>
+              <a:rPr lang="en-US" sz="1400" i="1" dirty="0" smtClean="0"/>
+              <a:t>C. </a:t>
+            </a:r>
+            <a:r>
+              <a:rPr lang="en-US" sz="1400" i="1" dirty="0" err="1" smtClean="0"/>
+              <a:t>Krintz</a:t>
+            </a:r>
+            <a:r>
+              <a:rPr lang="en-US" sz="1400" i="1" dirty="0" smtClean="0"/>
+              <a:t>, “The </a:t>
+            </a:r>
+            <a:r>
+              <a:rPr lang="en-US" sz="1400" i="1" dirty="0" err="1" smtClean="0"/>
+              <a:t>AppScale</a:t>
+            </a:r>
+            <a:r>
+              <a:rPr lang="en-US" sz="1400" i="1" dirty="0" smtClean="0"/>
+              <a:t> Cloud Platform: Enabling Portable, Scalable Web Application Deployment”, IEEE Internet Computing, 2013.</a:t>
+            </a:r>
+          </a:p>
+          <a:p>
+            <a:pPr>
+              <a:lnSpc>
+                <a:spcPct val="110000"/>
+              </a:lnSpc>
+            </a:pPr>
+            <a:r>
+              <a:rPr lang="en-US" sz="1400" i="1" dirty="0"/>
+              <a:t>S. </a:t>
+            </a:r>
+            <a:r>
+              <a:rPr lang="en-US" sz="1400" i="1" dirty="0" err="1"/>
+              <a:t>Bygde</a:t>
+            </a:r>
+            <a:r>
+              <a:rPr lang="en-US" sz="1400" i="1" dirty="0"/>
+              <a:t>. Static WCET analysis based on abstract </a:t>
+            </a:r>
+            <a:r>
+              <a:rPr lang="en-US" sz="1400" i="1" dirty="0" smtClean="0"/>
+              <a:t>interpretation </a:t>
+            </a:r>
+            <a:r>
+              <a:rPr lang="en-US" sz="1400" i="1" dirty="0"/>
+              <a:t>and counting of elements. PhD thesis, Ma ̈</a:t>
+            </a:r>
+            <a:r>
+              <a:rPr lang="en-US" sz="1400" i="1" dirty="0" err="1"/>
+              <a:t>lardalen</a:t>
+            </a:r>
+            <a:r>
+              <a:rPr lang="en-US" sz="1400" i="1" dirty="0"/>
+              <a:t> </a:t>
+            </a:r>
+            <a:r>
+              <a:rPr lang="en-US" sz="1400" i="1" dirty="0" smtClean="0"/>
+              <a:t>University</a:t>
+            </a:r>
+            <a:r>
+              <a:rPr lang="en-US" sz="1400" i="1" dirty="0"/>
+              <a:t>, 2010</a:t>
+            </a:r>
+            <a:r>
+              <a:rPr lang="en-US" sz="1400" i="1" dirty="0" smtClean="0"/>
+              <a:t>.</a:t>
+            </a:r>
+          </a:p>
+          <a:p>
+            <a:pPr>
+              <a:lnSpc>
+                <a:spcPct val="110000"/>
+              </a:lnSpc>
+            </a:pPr>
+            <a:r>
+              <a:rPr lang="en-US" sz="1400" i="1" dirty="0"/>
+              <a:t>S. </a:t>
+            </a:r>
+            <a:r>
+              <a:rPr lang="en-US" sz="1400" i="1" dirty="0" err="1"/>
+              <a:t>Gulwani</a:t>
+            </a:r>
+            <a:r>
+              <a:rPr lang="en-US" sz="1400" i="1" dirty="0"/>
+              <a:t>, S. Jain, and E. </a:t>
+            </a:r>
+            <a:r>
+              <a:rPr lang="en-US" sz="1400" i="1" dirty="0" err="1"/>
+              <a:t>Koskinen</a:t>
+            </a:r>
+            <a:r>
+              <a:rPr lang="en-US" sz="1400" i="1" dirty="0"/>
+              <a:t>. Control-flow </a:t>
+            </a:r>
+            <a:r>
+              <a:rPr lang="en-US" sz="1400" i="1" dirty="0" smtClean="0"/>
+              <a:t>Refinement </a:t>
+            </a:r>
+            <a:r>
+              <a:rPr lang="en-US" sz="1400" i="1" dirty="0"/>
+              <a:t>and Progress Invariants for Bound Analysis. In ACM SIGPLAN Conference on Programming Language Design and Implementation, 2009 </a:t>
+            </a:r>
+            <a:r>
+              <a:rPr lang="en-US" sz="1400" i="1" dirty="0" smtClean="0"/>
+              <a:t> </a:t>
+            </a:r>
+          </a:p>
+          <a:p>
+            <a:pPr>
+              <a:lnSpc>
+                <a:spcPct val="110000"/>
+              </a:lnSpc>
+            </a:pPr>
+            <a:r>
+              <a:rPr lang="en-US" sz="1400" i="1" dirty="0" smtClean="0"/>
+              <a:t>R. </a:t>
+            </a:r>
+            <a:r>
+              <a:rPr lang="en-US" sz="1400" i="1" dirty="0" err="1" smtClean="0"/>
+              <a:t>Vallee-Rai</a:t>
+            </a:r>
+            <a:r>
+              <a:rPr lang="en-US" sz="1400" i="1" dirty="0" smtClean="0"/>
+              <a:t>, L. </a:t>
+            </a:r>
+            <a:r>
+              <a:rPr lang="en-US" sz="1400" i="1" dirty="0" err="1" smtClean="0"/>
+              <a:t>Hendren</a:t>
+            </a:r>
+            <a:r>
+              <a:rPr lang="en-US" sz="1400" i="1" dirty="0" smtClean="0"/>
+              <a:t>, V. </a:t>
+            </a:r>
+            <a:r>
+              <a:rPr lang="en-US" sz="1400" i="1" dirty="0" err="1" smtClean="0"/>
+              <a:t>Sundaresan</a:t>
+            </a:r>
+            <a:r>
+              <a:rPr lang="en-US" sz="1400" i="1" dirty="0" smtClean="0"/>
+              <a:t>, P. Lam, E. Gagnon and P. Co, “Soot – A Java Optimization Framework”, CASCON 1999.</a:t>
+            </a:r>
+            <a:endParaRPr lang="en-US" sz="1400" i="1" dirty="0"/>
+          </a:p>
+          <a:p>
+            <a:pPr>
+              <a:lnSpc>
+                <a:spcPct val="110000"/>
+              </a:lnSpc>
+            </a:pPr>
+            <a:r>
+              <a:rPr lang="en-US" sz="1400" i="1" dirty="0"/>
+              <a:t>R. T. Fielding. Architectural Styles and the Design of Network-based Software Architectures. PhD thesis, </a:t>
+            </a:r>
+            <a:r>
+              <a:rPr lang="en-US" sz="1400" i="1" dirty="0" smtClean="0"/>
+              <a:t>University </a:t>
+            </a:r>
+            <a:r>
+              <a:rPr lang="en-US" sz="1400" i="1" dirty="0"/>
+              <a:t>of California, Irvine, 2000 </a:t>
+            </a:r>
+            <a:endParaRPr lang="en-US" sz="1400" i="1" dirty="0" smtClean="0"/>
+          </a:p>
+          <a:p>
+            <a:pPr>
+              <a:lnSpc>
+                <a:spcPct val="110000"/>
+              </a:lnSpc>
+            </a:pPr>
+            <a:r>
+              <a:rPr lang="en-US" sz="1400" i="1" dirty="0"/>
+              <a:t>L. Wu, S. </a:t>
+            </a:r>
+            <a:r>
+              <a:rPr lang="en-US" sz="1400" i="1" dirty="0" err="1"/>
+              <a:t>Garg</a:t>
+            </a:r>
+            <a:r>
+              <a:rPr lang="en-US" sz="1400" i="1" dirty="0"/>
+              <a:t>, R. </a:t>
+            </a:r>
+            <a:r>
+              <a:rPr lang="en-US" sz="1400" i="1" dirty="0" err="1"/>
+              <a:t>Buyya</a:t>
+            </a:r>
+            <a:r>
+              <a:rPr lang="en-US" sz="1400" i="1" dirty="0"/>
+              <a:t>, C. Chen, and S. </a:t>
+            </a:r>
+            <a:r>
+              <a:rPr lang="en-US" sz="1400" i="1" dirty="0" err="1"/>
+              <a:t>Versteeg</a:t>
+            </a:r>
+            <a:r>
+              <a:rPr lang="en-US" sz="1400" i="1" dirty="0"/>
+              <a:t>. </a:t>
+            </a:r>
+            <a:r>
+              <a:rPr lang="en-US" sz="1400" i="1" dirty="0" smtClean="0"/>
+              <a:t>Automated </a:t>
+            </a:r>
+            <a:r>
+              <a:rPr lang="en-US" sz="1400" i="1" dirty="0"/>
+              <a:t>SLA Negotiation Framework for Cloud Computing. In IEEE/ACM International Symposium on Cluster, Cloud and Grid Computing, </a:t>
+            </a:r>
+            <a:r>
+              <a:rPr lang="en-US" sz="1400" i="1" dirty="0" smtClean="0"/>
+              <a:t>2013</a:t>
+            </a:r>
+          </a:p>
+          <a:p>
+            <a:pPr>
+              <a:lnSpc>
+                <a:spcPct val="110000"/>
+              </a:lnSpc>
+            </a:pPr>
+            <a:r>
+              <a:rPr lang="en-US" sz="1400" i="1" dirty="0" smtClean="0"/>
+              <a:t>R. </a:t>
+            </a:r>
+            <a:r>
+              <a:rPr lang="en-US" sz="1400" i="1" dirty="0" err="1" smtClean="0"/>
+              <a:t>Killick</a:t>
+            </a:r>
+            <a:r>
+              <a:rPr lang="en-US" sz="1400" i="1" dirty="0"/>
+              <a:t> </a:t>
+            </a:r>
+            <a:r>
+              <a:rPr lang="en-US" sz="1400" i="1" dirty="0" smtClean="0"/>
+              <a:t>and I.A. </a:t>
+            </a:r>
+            <a:r>
+              <a:rPr lang="en-US" sz="1400" i="1" dirty="0" err="1" smtClean="0"/>
+              <a:t>Eckley</a:t>
+            </a:r>
+            <a:r>
+              <a:rPr lang="en-US" sz="1400" i="1" dirty="0" smtClean="0"/>
+              <a:t>, “</a:t>
+            </a:r>
+            <a:r>
+              <a:rPr lang="en-US" sz="1400" i="1" dirty="0" err="1" smtClean="0"/>
+              <a:t>Changepoint</a:t>
+            </a:r>
+            <a:r>
+              <a:rPr lang="en-US" sz="1400" i="1" dirty="0" smtClean="0"/>
+              <a:t>: An R Package for </a:t>
+            </a:r>
+            <a:r>
+              <a:rPr lang="en-US" sz="1400" i="1" dirty="0" err="1" smtClean="0"/>
+              <a:t>Changepoint</a:t>
+            </a:r>
+            <a:r>
+              <a:rPr lang="en-US" sz="1400" i="1" dirty="0" smtClean="0"/>
+              <a:t> Analysis”, Journal of Statistical Software, 2014, </a:t>
+            </a:r>
+            <a:r>
+              <a:rPr lang="en-US" sz="1400" i="1" dirty="0" err="1"/>
+              <a:t>v</a:t>
+            </a:r>
+            <a:r>
+              <a:rPr lang="en-US" sz="1400" i="1" dirty="0" err="1" smtClean="0"/>
+              <a:t>ol</a:t>
+            </a:r>
+            <a:r>
+              <a:rPr lang="en-US" sz="1400" i="1" dirty="0" smtClean="0"/>
+              <a:t> 58, issue 3</a:t>
+            </a:r>
+          </a:p>
+          <a:p>
+            <a:pPr>
+              <a:lnSpc>
+                <a:spcPct val="110000"/>
+              </a:lnSpc>
+            </a:pPr>
+            <a:r>
+              <a:rPr lang="en-US" sz="1400" i="1" dirty="0" smtClean="0"/>
+              <a:t>A. Keller </a:t>
+            </a:r>
+            <a:r>
+              <a:rPr lang="en-US" sz="1400" i="1" dirty="0"/>
+              <a:t>and H. Ludwig, “The WSLA Framework: Spec- </a:t>
+            </a:r>
+            <a:r>
+              <a:rPr lang="en-US" sz="1400" i="1" dirty="0" err="1"/>
+              <a:t>ifying</a:t>
+            </a:r>
+            <a:r>
+              <a:rPr lang="en-US" sz="1400" i="1" dirty="0"/>
+              <a:t> and Monitoring Service Level Agreements for Web Services,” J. </a:t>
+            </a:r>
+            <a:r>
+              <a:rPr lang="en-US" sz="1400" i="1" dirty="0" err="1"/>
+              <a:t>Netw</a:t>
+            </a:r>
+            <a:r>
+              <a:rPr lang="en-US" sz="1400" i="1" dirty="0"/>
+              <a:t>. Syst. Manage., vol. 11, no. 1, Mar. 2003</a:t>
+            </a:r>
+            <a:r>
+              <a:rPr lang="en-US" sz="1400" i="1" dirty="0" smtClean="0"/>
+              <a:t>.</a:t>
+            </a:r>
+          </a:p>
+          <a:p>
+            <a:pPr>
+              <a:lnSpc>
+                <a:spcPct val="110000"/>
+              </a:lnSpc>
+            </a:pPr>
+            <a:r>
+              <a:rPr lang="en-US" sz="1400" i="1" dirty="0"/>
+              <a:t>A. </a:t>
+            </a:r>
+            <a:r>
+              <a:rPr lang="en-US" sz="1400" i="1" dirty="0" err="1"/>
+              <a:t>Iosup</a:t>
+            </a:r>
+            <a:r>
+              <a:rPr lang="en-US" sz="1400" i="1" dirty="0"/>
+              <a:t>, N. </a:t>
+            </a:r>
+            <a:r>
+              <a:rPr lang="en-US" sz="1400" i="1" dirty="0" err="1"/>
+              <a:t>Yigitbasi</a:t>
+            </a:r>
+            <a:r>
+              <a:rPr lang="en-US" sz="1400" i="1" dirty="0"/>
+              <a:t>, and D. </a:t>
+            </a:r>
+            <a:r>
+              <a:rPr lang="en-US" sz="1400" i="1" dirty="0" err="1"/>
+              <a:t>Epema</a:t>
+            </a:r>
+            <a:r>
+              <a:rPr lang="en-US" sz="1400" i="1" dirty="0"/>
+              <a:t>, “On the Performance Variability of Production Cloud Services,” in Cluster, Cloud and Grid Computing (</a:t>
+            </a:r>
+            <a:r>
+              <a:rPr lang="en-US" sz="1400" i="1" dirty="0" err="1"/>
+              <a:t>CCGrid</a:t>
+            </a:r>
+            <a:r>
+              <a:rPr lang="en-US" sz="1400" i="1" dirty="0"/>
+              <a:t>), 2011 11th IEEE/ACM Inter- national Symposium on, 2011 </a:t>
+            </a:r>
+            <a:endParaRPr lang="en-US" sz="1400" i="1" dirty="0"/>
+          </a:p>
+          <a:p>
+            <a:pPr>
+              <a:lnSpc>
+                <a:spcPct val="110000"/>
+              </a:lnSpc>
+            </a:pPr>
+            <a:r>
+              <a:rPr lang="en-US" sz="1400" i="1" dirty="0" err="1" smtClean="0"/>
+              <a:t>S.Duan</a:t>
+            </a:r>
+            <a:r>
+              <a:rPr lang="en-US" sz="1400" i="1" dirty="0" smtClean="0"/>
+              <a:t> and S.</a:t>
+            </a:r>
+            <a:r>
+              <a:rPr lang="en-US" sz="1400" i="1" dirty="0" err="1" smtClean="0"/>
+              <a:t>Babu</a:t>
+            </a:r>
+            <a:r>
+              <a:rPr lang="en-US" sz="1400" i="1" dirty="0"/>
+              <a:t>,“</a:t>
+            </a:r>
+            <a:r>
+              <a:rPr lang="en-US" sz="1400" i="1" dirty="0" smtClean="0"/>
+              <a:t>Proactive Identification of Performance </a:t>
+            </a:r>
+            <a:r>
+              <a:rPr lang="en-US" sz="1400" i="1" dirty="0"/>
+              <a:t>Problems,” in ACM SIGMOD International Conference on Management of Data, 2006 </a:t>
+            </a:r>
+            <a:endParaRPr lang="en-US" sz="1400" i="1" dirty="0"/>
+          </a:p>
+          <a:p>
+            <a:pPr>
+              <a:lnSpc>
+                <a:spcPct val="110000"/>
+              </a:lnSpc>
+            </a:pPr>
+            <a:endParaRPr lang="en-US" sz="1400" i="1" dirty="0" smtClean="0"/>
           </a:p>
         </p:txBody>
       </p:sp>
     </p:spTree>
     <p:extLst>
       <p:ext uri="{BB962C8B-B14F-4D97-AF65-F5344CB8AC3E}">
-        <p14:creationId xmlns:p14="http://schemas.microsoft.com/office/powerpoint/2010/main" val="2047413276"/>
+        <p14:creationId xmlns:p14="http://schemas.microsoft.com/office/powerpoint/2010/main" val="4175768403"/>
       </p:ext>
     </p:extLst>
   </p:cSld>
   <p:clrMapOvr>
     <a:masterClrMapping/>
   </p:clrMapOvr>
-  <p:timing>
-    <p:tnLst>
-      <p:par>
-        <p:cTn xmlns:p14="http://schemas.microsoft.com/office/powerpoint/2010/main" id="1" dur="indefinite" restart="never" nodeType="tmRoot"/>
-      </p:par>
-    </p:tnLst>
-  </p:timing>
 </p:sld>
 </file>
 
@@ -10780,11 +12264,7 @@
           <a:p>
             <a:r>
               <a:rPr lang="en-US" dirty="0" smtClean="0"/>
-              <a:t>No reliable and systematic means for understanding performance </a:t>
-            </a:r>
-            <a:r>
-              <a:rPr lang="en-US" dirty="0" smtClean="0"/>
-              <a:t>limits</a:t>
+              <a:t>No reliable and systematic means for understanding performance limits</a:t>
             </a:r>
           </a:p>
           <a:p>
@@ -10793,7 +12273,6 @@
               <a:rPr lang="en-US" dirty="0" smtClean="0"/>
               <a:t>Runtime details hidden by cloud abstractions</a:t>
             </a:r>
-            <a:endParaRPr lang="en-US" dirty="0" smtClean="0"/>
           </a:p>
           <a:p>
             <a:r>
@@ -13638,43 +15117,25 @@
           <a:p>
             <a:r>
               <a:rPr lang="en-US" dirty="0" smtClean="0"/>
-              <a:t>Specifying acceptable </a:t>
-            </a:r>
-            <a:r>
-              <a:rPr lang="en-US" dirty="0" smtClean="0"/>
-              <a:t>operational parameters</a:t>
-            </a:r>
-          </a:p>
-          <a:p>
-            <a:r>
-              <a:rPr lang="en-US" dirty="0" smtClean="0"/>
-              <a:t>Enforcing </a:t>
-            </a:r>
-            <a:r>
-              <a:rPr lang="en-US" dirty="0" smtClean="0"/>
-              <a:t>them</a:t>
-            </a:r>
-            <a:endParaRPr lang="en-US" dirty="0" smtClean="0"/>
-          </a:p>
-          <a:p>
-            <a:r>
-              <a:rPr lang="en-US" dirty="0" smtClean="0"/>
-              <a:t>Monitoring and detecting </a:t>
-            </a:r>
-            <a:r>
-              <a:rPr lang="en-US" dirty="0" smtClean="0"/>
-              <a:t>deviations</a:t>
-            </a:r>
-            <a:endParaRPr lang="en-US" dirty="0" smtClean="0"/>
-          </a:p>
-          <a:p>
-            <a:r>
-              <a:rPr lang="en-US" dirty="0" smtClean="0"/>
-              <a:t>Taking </a:t>
-            </a:r>
-            <a:r>
-              <a:rPr lang="en-US" dirty="0" smtClean="0"/>
-              <a:t>corrective action when necessary</a:t>
+              <a:t>Specifying acceptable operational parameters</a:t>
+            </a:r>
+          </a:p>
+          <a:p>
+            <a:r>
+              <a:rPr lang="en-US" dirty="0" smtClean="0"/>
+              <a:t>Enforcing them</a:t>
+            </a:r>
+          </a:p>
+          <a:p>
+            <a:r>
+              <a:rPr lang="en-US" dirty="0" smtClean="0"/>
+              <a:t>Monitoring and detecting deviations</a:t>
+            </a:r>
+          </a:p>
+          <a:p>
+            <a:r>
+              <a:rPr lang="en-US" dirty="0" smtClean="0"/>
+              <a:t>Taking corrective action when necessary</a:t>
             </a:r>
           </a:p>
           <a:p>
@@ -13765,59 +15226,65 @@
             <p:ph idx="1"/>
           </p:nvPr>
         </p:nvSpPr>
-        <p:spPr/>
+        <p:spPr>
+          <a:xfrm>
+            <a:off x="457200" y="1600201"/>
+            <a:ext cx="8229600" cy="1193800"/>
+          </a:xfrm>
+        </p:spPr>
         <p:txBody>
           <a:bodyPr/>
           <a:lstStyle/>
           <a:p>
             <a:r>
               <a:rPr lang="en-US" dirty="0" smtClean="0"/>
-              <a:t>Managed programming platform that hides</a:t>
-            </a:r>
-            <a:r>
-              <a:rPr lang="is-IS" dirty="0" smtClean="0"/>
-              <a:t>…</a:t>
+              <a:t>Managed programming platform that </a:t>
+            </a:r>
+            <a:r>
+              <a:rPr lang="en-US" dirty="0" smtClean="0"/>
+              <a:t>hides infrastructure, VM and OS details</a:t>
             </a:r>
             <a:endParaRPr lang="en-US" dirty="0" smtClean="0"/>
           </a:p>
           <a:p>
-            <a:pPr lvl="1"/>
-            <a:r>
-              <a:rPr lang="en-US" dirty="0" smtClean="0"/>
-              <a:t>Infrastructure details</a:t>
-            </a:r>
-          </a:p>
-          <a:p>
-            <a:pPr lvl="1"/>
-            <a:r>
-              <a:rPr lang="en-US" dirty="0" smtClean="0"/>
-              <a:t>VM and OS details</a:t>
-            </a:r>
-          </a:p>
-          <a:p>
-            <a:r>
-              <a:rPr lang="en-US" dirty="0" smtClean="0"/>
-              <a:t>Provides abstractions for common application utilities</a:t>
-            </a:r>
-          </a:p>
-          <a:p>
-            <a:pPr lvl="1"/>
-            <a:r>
-              <a:rPr lang="en-US" dirty="0" smtClean="0"/>
-              <a:t>Data storage, caching, queuing, security </a:t>
-            </a:r>
-            <a:r>
-              <a:rPr lang="en-US" dirty="0" smtClean="0"/>
-              <a:t>etc</a:t>
-            </a:r>
-            <a:r>
-              <a:rPr lang="en-US" dirty="0"/>
-              <a:t>.</a:t>
-            </a:r>
+            <a:pPr marL="0" indent="0">
+              <a:buNone/>
+            </a:pPr>
             <a:endParaRPr lang="en-US" dirty="0" smtClean="0"/>
           </a:p>
         </p:txBody>
       </p:sp>
+      <p:pic>
+        <p:nvPicPr>
+          <p:cNvPr id="4" name="Content Placeholder 3" descr="cloud_app_model.png"/>
+          <p:cNvPicPr>
+            <a:picLocks noChangeAspect="1"/>
+          </p:cNvPicPr>
+          <p:nvPr/>
+        </p:nvPicPr>
+        <p:blipFill>
+          <a:blip r:embed="rId2">
+            <a:extLst>
+              <a:ext uri="{28A0092B-C50C-407E-A947-70E740481C1C}">
+                <a14:useLocalDpi xmlns:a14="http://schemas.microsoft.com/office/drawing/2010/main" val="0"/>
+              </a:ext>
+            </a:extLst>
+          </a:blip>
+          <a:srcRect l="-27444" r="-27444"/>
+          <a:stretch>
+            <a:fillRect/>
+          </a:stretch>
+        </p:blipFill>
+        <p:spPr>
+          <a:xfrm>
+            <a:off x="1092200" y="2798999"/>
+            <a:ext cx="7226300" cy="3974188"/>
+          </a:xfrm>
+          <a:prstGeom prst="rect">
+            <a:avLst/>
+          </a:prstGeom>
+        </p:spPr>
+      </p:pic>
     </p:spTree>
     <p:extLst>
       <p:ext uri="{BB962C8B-B14F-4D97-AF65-F5344CB8AC3E}">

--- a/Eager/elk-experiment/appserver/system_design.pptx
+++ b/Eager/elk-experiment/appserver/system_design.pptx
@@ -5078,6 +5078,13 @@
   <p:clrMapOvr>
     <a:masterClrMapping/>
   </p:clrMapOvr>
+  <p:timing>
+    <p:tnLst>
+      <p:par>
+        <p:cTn xmlns:p14="http://schemas.microsoft.com/office/powerpoint/2010/main" id="1" dur="indefinite" restart="never" nodeType="tmRoot"/>
+      </p:par>
+    </p:tnLst>
+  </p:timing>
 </p:sld>
 </file>
 
@@ -5155,11 +5162,7 @@
           <a:p>
             <a:r>
               <a:rPr lang="en-US" dirty="0" smtClean="0"/>
-              <a:t>No extensive testing on the </a:t>
-            </a:r>
-            <a:r>
-              <a:rPr lang="en-US" dirty="0" smtClean="0"/>
-              <a:t>applications</a:t>
+              <a:t>No extensive testing on the applications</a:t>
             </a:r>
           </a:p>
           <a:p>
@@ -5168,7 +5171,6 @@
               <a:rPr lang="en-US" dirty="0" smtClean="0"/>
               <a:t>Automated analysis</a:t>
             </a:r>
-            <a:endParaRPr lang="en-US" dirty="0" smtClean="0"/>
           </a:p>
           <a:p>
             <a:r>
@@ -6943,6 +6945,13 @@
   <p:clrMapOvr>
     <a:masterClrMapping/>
   </p:clrMapOvr>
+  <p:timing>
+    <p:tnLst>
+      <p:par>
+        <p:cTn xmlns:p14="http://schemas.microsoft.com/office/powerpoint/2010/main" id="1" dur="indefinite" restart="never" nodeType="tmRoot"/>
+      </p:par>
+    </p:tnLst>
+  </p:timing>
 </p:sld>
 </file>
 
@@ -7024,11 +7033,7 @@
           <a:p>
             <a:r>
               <a:rPr lang="en-US" dirty="0" smtClean="0"/>
-              <a:t>Diagnose </a:t>
-            </a:r>
-            <a:r>
-              <a:rPr lang="en-US" dirty="0" smtClean="0"/>
-              <a:t>bottlenecks in the cloud platform</a:t>
+              <a:t>Diagnose bottlenecks in the cloud platform</a:t>
             </a:r>
           </a:p>
           <a:p>
@@ -7798,9 +7803,320 @@
   <p:timing>
     <p:tnLst>
       <p:par>
-        <p:cTn xmlns:p14="http://schemas.microsoft.com/office/powerpoint/2010/main" id="1" dur="indefinite" restart="never" nodeType="tmRoot"/>
+        <p:cTn xmlns:p14="http://schemas.microsoft.com/office/powerpoint/2010/main" id="1" dur="indefinite" restart="never" nodeType="tmRoot">
+          <p:childTnLst>
+            <p:seq concurrent="1" nextAc="seek">
+              <p:cTn id="2" dur="indefinite" nodeType="mainSeq">
+                <p:childTnLst>
+                  <p:par>
+                    <p:cTn id="3" fill="hold">
+                      <p:stCondLst>
+                        <p:cond delay="indefinite"/>
+                      </p:stCondLst>
+                      <p:childTnLst>
+                        <p:par>
+                          <p:cTn id="4" fill="hold">
+                            <p:stCondLst>
+                              <p:cond delay="0"/>
+                            </p:stCondLst>
+                            <p:childTnLst>
+                              <p:par>
+                                <p:cTn id="5" presetID="3" presetClass="entr" presetSubtype="10" fill="hold" grpId="0" nodeType="clickEffect">
+                                  <p:stCondLst>
+                                    <p:cond delay="0"/>
+                                  </p:stCondLst>
+                                  <p:childTnLst>
+                                    <p:set>
+                                      <p:cBhvr>
+                                        <p:cTn id="6" dur="1" fill="hold">
+                                          <p:stCondLst>
+                                            <p:cond delay="0"/>
+                                          </p:stCondLst>
+                                        </p:cTn>
+                                        <p:tgtEl>
+                                          <p:spTgt spid="12"/>
+                                        </p:tgtEl>
+                                        <p:attrNameLst>
+                                          <p:attrName>style.visibility</p:attrName>
+                                        </p:attrNameLst>
+                                      </p:cBhvr>
+                                      <p:to>
+                                        <p:strVal val="visible"/>
+                                      </p:to>
+                                    </p:set>
+                                    <p:animEffect transition="in" filter="blinds(horizontal)">
+                                      <p:cBhvr>
+                                        <p:cTn id="7" dur="500"/>
+                                        <p:tgtEl>
+                                          <p:spTgt spid="12"/>
+                                        </p:tgtEl>
+                                      </p:cBhvr>
+                                    </p:animEffect>
+                                  </p:childTnLst>
+                                </p:cTn>
+                              </p:par>
+                              <p:par>
+                                <p:cTn id="8" presetID="3" presetClass="entr" presetSubtype="10" fill="hold" nodeType="withEffect">
+                                  <p:stCondLst>
+                                    <p:cond delay="0"/>
+                                  </p:stCondLst>
+                                  <p:childTnLst>
+                                    <p:set>
+                                      <p:cBhvr>
+                                        <p:cTn id="9" dur="1" fill="hold">
+                                          <p:stCondLst>
+                                            <p:cond delay="0"/>
+                                          </p:stCondLst>
+                                        </p:cTn>
+                                        <p:tgtEl>
+                                          <p:spTgt spid="15"/>
+                                        </p:tgtEl>
+                                        <p:attrNameLst>
+                                          <p:attrName>style.visibility</p:attrName>
+                                        </p:attrNameLst>
+                                      </p:cBhvr>
+                                      <p:to>
+                                        <p:strVal val="visible"/>
+                                      </p:to>
+                                    </p:set>
+                                    <p:animEffect transition="in" filter="blinds(horizontal)">
+                                      <p:cBhvr>
+                                        <p:cTn id="10" dur="500"/>
+                                        <p:tgtEl>
+                                          <p:spTgt spid="15"/>
+                                        </p:tgtEl>
+                                      </p:cBhvr>
+                                    </p:animEffect>
+                                  </p:childTnLst>
+                                </p:cTn>
+                              </p:par>
+                              <p:par>
+                                <p:cTn id="11" presetID="3" presetClass="entr" presetSubtype="10" fill="hold" grpId="0" nodeType="withEffect">
+                                  <p:stCondLst>
+                                    <p:cond delay="0"/>
+                                  </p:stCondLst>
+                                  <p:childTnLst>
+                                    <p:set>
+                                      <p:cBhvr>
+                                        <p:cTn id="12" dur="1" fill="hold">
+                                          <p:stCondLst>
+                                            <p:cond delay="0"/>
+                                          </p:stCondLst>
+                                        </p:cTn>
+                                        <p:tgtEl>
+                                          <p:spTgt spid="13"/>
+                                        </p:tgtEl>
+                                        <p:attrNameLst>
+                                          <p:attrName>style.visibility</p:attrName>
+                                        </p:attrNameLst>
+                                      </p:cBhvr>
+                                      <p:to>
+                                        <p:strVal val="visible"/>
+                                      </p:to>
+                                    </p:set>
+                                    <p:animEffect transition="in" filter="blinds(horizontal)">
+                                      <p:cBhvr>
+                                        <p:cTn id="13" dur="500"/>
+                                        <p:tgtEl>
+                                          <p:spTgt spid="13"/>
+                                        </p:tgtEl>
+                                      </p:cBhvr>
+                                    </p:animEffect>
+                                  </p:childTnLst>
+                                </p:cTn>
+                              </p:par>
+                              <p:par>
+                                <p:cTn id="14" presetID="3" presetClass="entr" presetSubtype="10" fill="hold" nodeType="withEffect">
+                                  <p:stCondLst>
+                                    <p:cond delay="0"/>
+                                  </p:stCondLst>
+                                  <p:childTnLst>
+                                    <p:set>
+                                      <p:cBhvr>
+                                        <p:cTn id="15" dur="1" fill="hold">
+                                          <p:stCondLst>
+                                            <p:cond delay="0"/>
+                                          </p:stCondLst>
+                                        </p:cTn>
+                                        <p:tgtEl>
+                                          <p:spTgt spid="17"/>
+                                        </p:tgtEl>
+                                        <p:attrNameLst>
+                                          <p:attrName>style.visibility</p:attrName>
+                                        </p:attrNameLst>
+                                      </p:cBhvr>
+                                      <p:to>
+                                        <p:strVal val="visible"/>
+                                      </p:to>
+                                    </p:set>
+                                    <p:animEffect transition="in" filter="blinds(horizontal)">
+                                      <p:cBhvr>
+                                        <p:cTn id="16" dur="500"/>
+                                        <p:tgtEl>
+                                          <p:spTgt spid="17"/>
+                                        </p:tgtEl>
+                                      </p:cBhvr>
+                                    </p:animEffect>
+                                  </p:childTnLst>
+                                </p:cTn>
+                              </p:par>
+                              <p:par>
+                                <p:cTn id="17" presetID="3" presetClass="entr" presetSubtype="10" fill="hold" grpId="0" nodeType="withEffect">
+                                  <p:stCondLst>
+                                    <p:cond delay="0"/>
+                                  </p:stCondLst>
+                                  <p:childTnLst>
+                                    <p:set>
+                                      <p:cBhvr>
+                                        <p:cTn id="18" dur="1" fill="hold">
+                                          <p:stCondLst>
+                                            <p:cond delay="0"/>
+                                          </p:stCondLst>
+                                        </p:cTn>
+                                        <p:tgtEl>
+                                          <p:spTgt spid="11"/>
+                                        </p:tgtEl>
+                                        <p:attrNameLst>
+                                          <p:attrName>style.visibility</p:attrName>
+                                        </p:attrNameLst>
+                                      </p:cBhvr>
+                                      <p:to>
+                                        <p:strVal val="visible"/>
+                                      </p:to>
+                                    </p:set>
+                                    <p:animEffect transition="in" filter="blinds(horizontal)">
+                                      <p:cBhvr>
+                                        <p:cTn id="19" dur="500"/>
+                                        <p:tgtEl>
+                                          <p:spTgt spid="11"/>
+                                        </p:tgtEl>
+                                      </p:cBhvr>
+                                    </p:animEffect>
+                                  </p:childTnLst>
+                                </p:cTn>
+                              </p:par>
+                            </p:childTnLst>
+                          </p:cTn>
+                        </p:par>
+                      </p:childTnLst>
+                    </p:cTn>
+                  </p:par>
+                  <p:par>
+                    <p:cTn id="20" fill="hold">
+                      <p:stCondLst>
+                        <p:cond delay="indefinite"/>
+                      </p:stCondLst>
+                      <p:childTnLst>
+                        <p:par>
+                          <p:cTn id="21" fill="hold">
+                            <p:stCondLst>
+                              <p:cond delay="0"/>
+                            </p:stCondLst>
+                            <p:childTnLst>
+                              <p:par>
+                                <p:cTn id="22" presetID="3" presetClass="entr" presetSubtype="10" fill="hold" grpId="0" nodeType="clickEffect">
+                                  <p:stCondLst>
+                                    <p:cond delay="0"/>
+                                  </p:stCondLst>
+                                  <p:childTnLst>
+                                    <p:set>
+                                      <p:cBhvr>
+                                        <p:cTn id="23" dur="1" fill="hold">
+                                          <p:stCondLst>
+                                            <p:cond delay="0"/>
+                                          </p:stCondLst>
+                                        </p:cTn>
+                                        <p:tgtEl>
+                                          <p:spTgt spid="20"/>
+                                        </p:tgtEl>
+                                        <p:attrNameLst>
+                                          <p:attrName>style.visibility</p:attrName>
+                                        </p:attrNameLst>
+                                      </p:cBhvr>
+                                      <p:to>
+                                        <p:strVal val="visible"/>
+                                      </p:to>
+                                    </p:set>
+                                    <p:animEffect transition="in" filter="blinds(horizontal)">
+                                      <p:cBhvr>
+                                        <p:cTn id="24" dur="500"/>
+                                        <p:tgtEl>
+                                          <p:spTgt spid="20"/>
+                                        </p:tgtEl>
+                                      </p:cBhvr>
+                                    </p:animEffect>
+                                  </p:childTnLst>
+                                </p:cTn>
+                              </p:par>
+                              <p:par>
+                                <p:cTn id="25" presetID="3" presetClass="entr" presetSubtype="10" fill="hold" grpId="0" nodeType="withEffect">
+                                  <p:stCondLst>
+                                    <p:cond delay="0"/>
+                                  </p:stCondLst>
+                                  <p:childTnLst>
+                                    <p:set>
+                                      <p:cBhvr>
+                                        <p:cTn id="26" dur="1" fill="hold">
+                                          <p:stCondLst>
+                                            <p:cond delay="0"/>
+                                          </p:stCondLst>
+                                        </p:cTn>
+                                        <p:tgtEl>
+                                          <p:spTgt spid="22"/>
+                                        </p:tgtEl>
+                                        <p:attrNameLst>
+                                          <p:attrName>style.visibility</p:attrName>
+                                        </p:attrNameLst>
+                                      </p:cBhvr>
+                                      <p:to>
+                                        <p:strVal val="visible"/>
+                                      </p:to>
+                                    </p:set>
+                                    <p:animEffect transition="in" filter="blinds(horizontal)">
+                                      <p:cBhvr>
+                                        <p:cTn id="27" dur="500"/>
+                                        <p:tgtEl>
+                                          <p:spTgt spid="22"/>
+                                        </p:tgtEl>
+                                      </p:cBhvr>
+                                    </p:animEffect>
+                                  </p:childTnLst>
+                                </p:cTn>
+                              </p:par>
+                            </p:childTnLst>
+                          </p:cTn>
+                        </p:par>
+                      </p:childTnLst>
+                    </p:cTn>
+                  </p:par>
+                </p:childTnLst>
+              </p:cTn>
+              <p:prevCondLst>
+                <p:cond evt="onPrev" delay="0">
+                  <p:tgtEl>
+                    <p:sldTgt/>
+                  </p:tgtEl>
+                </p:cond>
+              </p:prevCondLst>
+              <p:nextCondLst>
+                <p:cond evt="onNext" delay="0">
+                  <p:tgtEl>
+                    <p:sldTgt/>
+                  </p:tgtEl>
+                </p:cond>
+              </p:nextCondLst>
+            </p:seq>
+          </p:childTnLst>
+        </p:cTn>
       </p:par>
     </p:tnLst>
+    <p:bldLst>
+      <p:bldP spid="11" grpId="0" animBg="1"/>
+      <p:bldP spid="12" grpId="0" animBg="1"/>
+      <p:bldP spid="13" grpId="0" animBg="1"/>
+      <p:bldP spid="20" grpId="0" animBg="1"/>
+      <p:bldP spid="22" grpId="0" animBg="1"/>
+    </p:bldLst>
   </p:timing>
 </p:sld>
 </file>
@@ -15470,7 +15786,134 @@
   <p:timing>
     <p:tnLst>
       <p:par>
-        <p:cTn xmlns:p14="http://schemas.microsoft.com/office/powerpoint/2010/main" id="1" dur="indefinite" restart="never" nodeType="tmRoot"/>
+        <p:cTn xmlns:p14="http://schemas.microsoft.com/office/powerpoint/2010/main" id="1" dur="indefinite" restart="never" nodeType="tmRoot">
+          <p:childTnLst>
+            <p:seq concurrent="1" nextAc="seek">
+              <p:cTn id="2" dur="indefinite" nodeType="mainSeq">
+                <p:childTnLst>
+                  <p:par>
+                    <p:cTn id="3" fill="hold">
+                      <p:stCondLst>
+                        <p:cond delay="indefinite"/>
+                      </p:stCondLst>
+                      <p:childTnLst>
+                        <p:par>
+                          <p:cTn id="4" fill="hold">
+                            <p:stCondLst>
+                              <p:cond delay="0"/>
+                            </p:stCondLst>
+                            <p:childTnLst>
+                              <p:par>
+                                <p:cTn id="5" presetID="3" presetClass="entr" presetSubtype="10" fill="hold" nodeType="clickEffect">
+                                  <p:stCondLst>
+                                    <p:cond delay="0"/>
+                                  </p:stCondLst>
+                                  <p:childTnLst>
+                                    <p:set>
+                                      <p:cBhvr>
+                                        <p:cTn id="6" dur="1" fill="hold">
+                                          <p:stCondLst>
+                                            <p:cond delay="0"/>
+                                          </p:stCondLst>
+                                        </p:cTn>
+                                        <p:tgtEl>
+                                          <p:spTgt spid="3">
+                                            <p:txEl>
+                                              <p:pRg st="5" end="5"/>
+                                            </p:txEl>
+                                          </p:spTgt>
+                                        </p:tgtEl>
+                                        <p:attrNameLst>
+                                          <p:attrName>style.visibility</p:attrName>
+                                        </p:attrNameLst>
+                                      </p:cBhvr>
+                                      <p:to>
+                                        <p:strVal val="visible"/>
+                                      </p:to>
+                                    </p:set>
+                                    <p:animEffect transition="in" filter="blinds(horizontal)">
+                                      <p:cBhvr>
+                                        <p:cTn id="7" dur="500"/>
+                                        <p:tgtEl>
+                                          <p:spTgt spid="3">
+                                            <p:txEl>
+                                              <p:pRg st="5" end="5"/>
+                                            </p:txEl>
+                                          </p:spTgt>
+                                        </p:tgtEl>
+                                      </p:cBhvr>
+                                    </p:animEffect>
+                                  </p:childTnLst>
+                                </p:cTn>
+                              </p:par>
+                              <p:par>
+                                <p:cTn id="8" presetID="3" presetClass="entr" presetSubtype="10" fill="hold" nodeType="withEffect">
+                                  <p:stCondLst>
+                                    <p:cond delay="0"/>
+                                  </p:stCondLst>
+                                  <p:childTnLst>
+                                    <p:set>
+                                      <p:cBhvr>
+                                        <p:cTn id="9" dur="1" fill="hold">
+                                          <p:stCondLst>
+                                            <p:cond delay="0"/>
+                                          </p:stCondLst>
+                                        </p:cTn>
+                                        <p:tgtEl>
+                                          <p:spTgt spid="3">
+                                            <p:txEl>
+                                              <p:pRg st="6" end="6"/>
+                                            </p:txEl>
+                                          </p:spTgt>
+                                        </p:tgtEl>
+                                        <p:attrNameLst>
+                                          <p:attrName>style.visibility</p:attrName>
+                                        </p:attrNameLst>
+                                      </p:cBhvr>
+                                      <p:to>
+                                        <p:strVal val="visible"/>
+                                      </p:to>
+                                    </p:set>
+                                    <p:animEffect transition="in" filter="blinds(horizontal)">
+                                      <p:cBhvr>
+                                        <p:cTn id="10" dur="500"/>
+                                        <p:tgtEl>
+                                          <p:spTgt spid="3">
+                                            <p:txEl>
+                                              <p:pRg st="6" end="6"/>
+                                            </p:txEl>
+                                          </p:spTgt>
+                                        </p:tgtEl>
+                                      </p:cBhvr>
+                                    </p:animEffect>
+                                  </p:childTnLst>
+                                </p:cTn>
+                              </p:par>
+                            </p:childTnLst>
+                          </p:cTn>
+                        </p:par>
+                      </p:childTnLst>
+                    </p:cTn>
+                  </p:par>
+                </p:childTnLst>
+              </p:cTn>
+              <p:prevCondLst>
+                <p:cond evt="onPrev" delay="0">
+                  <p:tgtEl>
+                    <p:sldTgt/>
+                  </p:tgtEl>
+                </p:cond>
+              </p:prevCondLst>
+              <p:nextCondLst>
+                <p:cond evt="onNext" delay="0">
+                  <p:tgtEl>
+                    <p:sldTgt/>
+                  </p:tgtEl>
+                </p:cond>
+              </p:nextCondLst>
+            </p:seq>
+          </p:childTnLst>
+        </p:cTn>
       </p:par>
     </p:tnLst>
   </p:timing>

--- a/Eager/elk-experiment/appserver/system_design.pptx
+++ b/Eager/elk-experiment/appserver/system_design.pptx
@@ -7,6 +7,9 @@
   <p:notesMasterIdLst>
     <p:notesMasterId r:id="rId52"/>
   </p:notesMasterIdLst>
+  <p:handoutMasterIdLst>
+    <p:handoutMasterId r:id="rId53"/>
+  </p:handoutMasterIdLst>
   <p:sldIdLst>
     <p:sldId id="326" r:id="rId2"/>
     <p:sldId id="264" r:id="rId3"/>
@@ -223,6 +226,172 @@
 </p:presentation>
 </file>
 
+<file path=ppt/handoutMasters/handoutMaster1.xml><?xml version="1.0" encoding="utf-8"?>
+<p:handoutMaster xmlns:a="http://schemas.openxmlformats.org/drawingml/2006/main" xmlns:r="http://schemas.openxmlformats.org/officeDocument/2006/relationships" xmlns:p="http://schemas.openxmlformats.org/presentationml/2006/main">
+  <p:cSld>
+    <p:bg>
+      <p:bgRef idx="1001">
+        <a:schemeClr val="bg1"/>
+      </p:bgRef>
+    </p:bg>
+    <p:spTree>
+      <p:nvGrpSpPr>
+        <p:cNvPr id="1" name=""/>
+        <p:cNvGrpSpPr/>
+        <p:nvPr/>
+      </p:nvGrpSpPr>
+      <p:grpSpPr>
+        <a:xfrm>
+          <a:off x="0" y="0"/>
+          <a:ext cx="0" cy="0"/>
+          <a:chOff x="0" y="0"/>
+          <a:chExt cx="0" cy="0"/>
+        </a:xfrm>
+      </p:grpSpPr>
+      <p:sp>
+        <p:nvSpPr>
+          <p:cNvPr id="2" name="Header Placeholder 1"/>
+          <p:cNvSpPr>
+            <a:spLocks noGrp="1"/>
+          </p:cNvSpPr>
+          <p:nvPr>
+            <p:ph type="hdr" sz="quarter"/>
+          </p:nvPr>
+        </p:nvSpPr>
+        <p:spPr>
+          <a:xfrm>
+            <a:off x="0" y="0"/>
+            <a:ext cx="2971800" cy="457200"/>
+          </a:xfrm>
+          <a:prstGeom prst="rect">
+            <a:avLst/>
+          </a:prstGeom>
+        </p:spPr>
+        <p:txBody>
+          <a:bodyPr vert="horz" lIns="91440" tIns="45720" rIns="91440" bIns="45720" rtlCol="0"/>
+          <a:lstStyle>
+            <a:lvl1pPr algn="l">
+              <a:defRPr sz="1200"/>
+            </a:lvl1pPr>
+          </a:lstStyle>
+          <a:p>
+            <a:endParaRPr lang="en-US"/>
+          </a:p>
+        </p:txBody>
+      </p:sp>
+      <p:sp>
+        <p:nvSpPr>
+          <p:cNvPr id="3" name="Date Placeholder 2"/>
+          <p:cNvSpPr>
+            <a:spLocks noGrp="1"/>
+          </p:cNvSpPr>
+          <p:nvPr>
+            <p:ph type="dt" sz="quarter" idx="1"/>
+          </p:nvPr>
+        </p:nvSpPr>
+        <p:spPr>
+          <a:xfrm>
+            <a:off x="3884613" y="0"/>
+            <a:ext cx="2971800" cy="457200"/>
+          </a:xfrm>
+          <a:prstGeom prst="rect">
+            <a:avLst/>
+          </a:prstGeom>
+        </p:spPr>
+        <p:txBody>
+          <a:bodyPr vert="horz" lIns="91440" tIns="45720" rIns="91440" bIns="45720" rtlCol="0"/>
+          <a:lstStyle>
+            <a:lvl1pPr algn="r">
+              <a:defRPr sz="1200"/>
+            </a:lvl1pPr>
+          </a:lstStyle>
+          <a:p>
+            <a:fld id="{37D14F8C-9F46-2E42-9999-888BFBC492E3}" type="datetimeFigureOut">
+              <a:rPr lang="en-US" smtClean="0"/>
+              <a:t>4/21/16</a:t>
+            </a:fld>
+            <a:endParaRPr lang="en-US"/>
+          </a:p>
+        </p:txBody>
+      </p:sp>
+      <p:sp>
+        <p:nvSpPr>
+          <p:cNvPr id="4" name="Footer Placeholder 3"/>
+          <p:cNvSpPr>
+            <a:spLocks noGrp="1"/>
+          </p:cNvSpPr>
+          <p:nvPr>
+            <p:ph type="ftr" sz="quarter" idx="2"/>
+          </p:nvPr>
+        </p:nvSpPr>
+        <p:spPr>
+          <a:xfrm>
+            <a:off x="0" y="8685213"/>
+            <a:ext cx="2971800" cy="457200"/>
+          </a:xfrm>
+          <a:prstGeom prst="rect">
+            <a:avLst/>
+          </a:prstGeom>
+        </p:spPr>
+        <p:txBody>
+          <a:bodyPr vert="horz" lIns="91440" tIns="45720" rIns="91440" bIns="45720" rtlCol="0" anchor="b"/>
+          <a:lstStyle>
+            <a:lvl1pPr algn="l">
+              <a:defRPr sz="1200"/>
+            </a:lvl1pPr>
+          </a:lstStyle>
+          <a:p>
+            <a:endParaRPr lang="en-US"/>
+          </a:p>
+        </p:txBody>
+      </p:sp>
+      <p:sp>
+        <p:nvSpPr>
+          <p:cNvPr id="5" name="Slide Number Placeholder 4"/>
+          <p:cNvSpPr>
+            <a:spLocks noGrp="1"/>
+          </p:cNvSpPr>
+          <p:nvPr>
+            <p:ph type="sldNum" sz="quarter" idx="3"/>
+          </p:nvPr>
+        </p:nvSpPr>
+        <p:spPr>
+          <a:xfrm>
+            <a:off x="3884613" y="8685213"/>
+            <a:ext cx="2971800" cy="457200"/>
+          </a:xfrm>
+          <a:prstGeom prst="rect">
+            <a:avLst/>
+          </a:prstGeom>
+        </p:spPr>
+        <p:txBody>
+          <a:bodyPr vert="horz" lIns="91440" tIns="45720" rIns="91440" bIns="45720" rtlCol="0" anchor="b"/>
+          <a:lstStyle>
+            <a:lvl1pPr algn="r">
+              <a:defRPr sz="1200"/>
+            </a:lvl1pPr>
+          </a:lstStyle>
+          <a:p>
+            <a:fld id="{F8F37932-C7A5-3B4E-A3D8-D4676E708328}" type="slidenum">
+              <a:rPr lang="en-US" smtClean="0"/>
+              <a:t>‹#›</a:t>
+            </a:fld>
+            <a:endParaRPr lang="en-US"/>
+          </a:p>
+        </p:txBody>
+      </p:sp>
+    </p:spTree>
+    <p:extLst>
+      <p:ext uri="{BB962C8B-B14F-4D97-AF65-F5344CB8AC3E}">
+        <p14:creationId xmlns:p14="http://schemas.microsoft.com/office/powerpoint/2010/main" val="2230858566"/>
+      </p:ext>
+    </p:extLst>
+  </p:cSld>
+  <p:clrMap bg1="lt1" tx1="dk1" bg2="lt2" tx2="dk2" accent1="accent1" accent2="accent2" accent3="accent3" accent4="accent4" accent5="accent5" accent6="accent6" hlink="hlink" folHlink="folHlink"/>
+  <p:hf hdr="0" ftr="0" dt="0"/>
+</p:handoutMaster>
+</file>
+
 <file path=ppt/notesMasters/notesMaster1.xml><?xml version="1.0" encoding="utf-8"?>
 <p:notesMaster xmlns:a="http://schemas.openxmlformats.org/drawingml/2006/main" xmlns:r="http://schemas.openxmlformats.org/officeDocument/2006/relationships" xmlns:p="http://schemas.openxmlformats.org/presentationml/2006/main">
   <p:cSld>
@@ -305,7 +474,7 @@
           <a:p>
             <a:fld id="{C6B377BD-EE2D-6A4D-8791-40EA342A78BF}" type="datetimeFigureOut">
               <a:rPr lang="en-US" smtClean="0"/>
-              <a:t>4/20/16</a:t>
+              <a:t>4/21/16</a:t>
             </a:fld>
             <a:endParaRPr lang="en-US"/>
           </a:p>
@@ -478,6 +647,7 @@
     </p:extLst>
   </p:cSld>
   <p:clrMap bg1="lt1" tx1="dk1" bg2="lt2" tx2="dk2" accent1="accent1" accent2="accent2" accent3="accent3" accent4="accent4" accent5="accent5" accent6="accent6" hlink="hlink" folHlink="folHlink"/>
+  <p:hf hdr="0" ftr="0" dt="0"/>
   <p:notesStyle>
     <a:lvl1pPr marL="0" algn="l" defTabSz="457200" rtl="0" eaLnBrk="1" latinLnBrk="0" hangingPunct="1">
       <a:defRPr sz="1200" kern="1200">
@@ -1110,9 +1280,9 @@
           <a:bodyPr/>
           <a:lstStyle/>
           <a:p>
-            <a:fld id="{94C3570C-2D75-5147-A673-6C02746C58AB}" type="datetimeFigureOut">
+            <a:fld id="{8EE520D6-1199-3C41-9A6A-AA3E2C6DD588}" type="datetime1">
               <a:rPr lang="en-US" smtClean="0"/>
-              <a:t>4/20/16</a:t>
+              <a:t>4/21/16</a:t>
             </a:fld>
             <a:endParaRPr lang="en-US"/>
           </a:p>
@@ -1280,9 +1450,9 @@
           <a:bodyPr/>
           <a:lstStyle/>
           <a:p>
-            <a:fld id="{94C3570C-2D75-5147-A673-6C02746C58AB}" type="datetimeFigureOut">
+            <a:fld id="{6DE2AD85-55B3-6D40-8E45-4897033CE78D}" type="datetime1">
               <a:rPr lang="en-US" smtClean="0"/>
-              <a:t>4/20/16</a:t>
+              <a:t>4/21/16</a:t>
             </a:fld>
             <a:endParaRPr lang="en-US"/>
           </a:p>
@@ -1460,9 +1630,9 @@
           <a:bodyPr/>
           <a:lstStyle/>
           <a:p>
-            <a:fld id="{94C3570C-2D75-5147-A673-6C02746C58AB}" type="datetimeFigureOut">
+            <a:fld id="{9B6E2D90-BDC5-EC4E-97C9-9EBA924F9C2A}" type="datetime1">
               <a:rPr lang="en-US" smtClean="0"/>
-              <a:t>4/20/16</a:t>
+              <a:t>4/21/16</a:t>
             </a:fld>
             <a:endParaRPr lang="en-US"/>
           </a:p>
@@ -1630,9 +1800,9 @@
           <a:bodyPr/>
           <a:lstStyle/>
           <a:p>
-            <a:fld id="{94C3570C-2D75-5147-A673-6C02746C58AB}" type="datetimeFigureOut">
+            <a:fld id="{3C02FE2B-B967-F44C-97BF-619FFF540275}" type="datetime1">
               <a:rPr lang="en-US" smtClean="0"/>
-              <a:t>4/20/16</a:t>
+              <a:t>4/21/16</a:t>
             </a:fld>
             <a:endParaRPr lang="en-US"/>
           </a:p>
@@ -1876,9 +2046,9 @@
           <a:bodyPr/>
           <a:lstStyle/>
           <a:p>
-            <a:fld id="{94C3570C-2D75-5147-A673-6C02746C58AB}" type="datetimeFigureOut">
+            <a:fld id="{2E0BEB10-3E92-1544-85E8-C96C20A337CE}" type="datetime1">
               <a:rPr lang="en-US" smtClean="0"/>
-              <a:t>4/20/16</a:t>
+              <a:t>4/21/16</a:t>
             </a:fld>
             <a:endParaRPr lang="en-US"/>
           </a:p>
@@ -2164,9 +2334,9 @@
           <a:bodyPr/>
           <a:lstStyle/>
           <a:p>
-            <a:fld id="{94C3570C-2D75-5147-A673-6C02746C58AB}" type="datetimeFigureOut">
+            <a:fld id="{475FB051-8E54-8E49-8432-E38A630FF054}" type="datetime1">
               <a:rPr lang="en-US" smtClean="0"/>
-              <a:t>4/20/16</a:t>
+              <a:t>4/21/16</a:t>
             </a:fld>
             <a:endParaRPr lang="en-US"/>
           </a:p>
@@ -2586,9 +2756,9 @@
           <a:bodyPr/>
           <a:lstStyle/>
           <a:p>
-            <a:fld id="{94C3570C-2D75-5147-A673-6C02746C58AB}" type="datetimeFigureOut">
+            <a:fld id="{8BA679C2-08DD-074B-9C48-B348A1DFA775}" type="datetime1">
               <a:rPr lang="en-US" smtClean="0"/>
-              <a:t>4/20/16</a:t>
+              <a:t>4/21/16</a:t>
             </a:fld>
             <a:endParaRPr lang="en-US"/>
           </a:p>
@@ -2704,9 +2874,9 @@
           <a:bodyPr/>
           <a:lstStyle/>
           <a:p>
-            <a:fld id="{94C3570C-2D75-5147-A673-6C02746C58AB}" type="datetimeFigureOut">
+            <a:fld id="{FD8F829F-F712-8745-AC98-41D32B363003}" type="datetime1">
               <a:rPr lang="en-US" smtClean="0"/>
-              <a:t>4/20/16</a:t>
+              <a:t>4/21/16</a:t>
             </a:fld>
             <a:endParaRPr lang="en-US"/>
           </a:p>
@@ -2799,9 +2969,9 @@
           <a:bodyPr/>
           <a:lstStyle/>
           <a:p>
-            <a:fld id="{94C3570C-2D75-5147-A673-6C02746C58AB}" type="datetimeFigureOut">
+            <a:fld id="{B7766C51-9295-BA4E-9CC5-B913E9ED7975}" type="datetime1">
               <a:rPr lang="en-US" smtClean="0"/>
-              <a:t>4/20/16</a:t>
+              <a:t>4/21/16</a:t>
             </a:fld>
             <a:endParaRPr lang="en-US"/>
           </a:p>
@@ -3076,9 +3246,9 @@
           <a:bodyPr/>
           <a:lstStyle/>
           <a:p>
-            <a:fld id="{94C3570C-2D75-5147-A673-6C02746C58AB}" type="datetimeFigureOut">
+            <a:fld id="{DCC74353-384D-7548-8376-5A6CDDA54B35}" type="datetime1">
               <a:rPr lang="en-US" smtClean="0"/>
-              <a:t>4/20/16</a:t>
+              <a:t>4/21/16</a:t>
             </a:fld>
             <a:endParaRPr lang="en-US"/>
           </a:p>
@@ -3329,9 +3499,9 @@
           <a:bodyPr/>
           <a:lstStyle/>
           <a:p>
-            <a:fld id="{94C3570C-2D75-5147-A673-6C02746C58AB}" type="datetimeFigureOut">
+            <a:fld id="{912E0EE9-0FD5-A04C-8EF0-F3BFD9ED0CEF}" type="datetime1">
               <a:rPr lang="en-US" smtClean="0"/>
-              <a:t>4/20/16</a:t>
+              <a:t>4/21/16</a:t>
             </a:fld>
             <a:endParaRPr lang="en-US"/>
           </a:p>
@@ -3542,9 +3712,9 @@
             </a:lvl1pPr>
           </a:lstStyle>
           <a:p>
-            <a:fld id="{94C3570C-2D75-5147-A673-6C02746C58AB}" type="datetimeFigureOut">
+            <a:fld id="{E05DCBF9-A63F-9B48-BC2B-98F6B05BC7B3}" type="datetime1">
               <a:rPr lang="en-US" smtClean="0"/>
-              <a:t>4/20/16</a:t>
+              <a:t>4/21/16</a:t>
             </a:fld>
             <a:endParaRPr lang="en-US"/>
           </a:p>
@@ -3649,6 +3819,7 @@
     <p:sldLayoutId id="2147483658" r:id="rId10"/>
     <p:sldLayoutId id="2147483659" r:id="rId11"/>
   </p:sldLayoutIdLst>
+  <p:hf hdr="0" ftr="0" dt="0"/>
   <p:txStyles>
     <p:titleStyle>
       <a:lvl1pPr algn="ctr" defTabSz="457200" rtl="0" eaLnBrk="1" latinLnBrk="0" hangingPunct="1">
@@ -4064,6 +4235,29 @@
           </a:prstGeom>
         </p:spPr>
       </p:pic>
+      <p:sp>
+        <p:nvSpPr>
+          <p:cNvPr id="2" name="Slide Number Placeholder 1"/>
+          <p:cNvSpPr>
+            <a:spLocks noGrp="1"/>
+          </p:cNvSpPr>
+          <p:nvPr>
+            <p:ph type="sldNum" sz="quarter" idx="12"/>
+          </p:nvPr>
+        </p:nvSpPr>
+        <p:spPr/>
+        <p:txBody>
+          <a:bodyPr/>
+          <a:lstStyle/>
+          <a:p>
+            <a:fld id="{D4755116-B387-CD40-9D82-4279FFF17F28}" type="slidenum">
+              <a:rPr lang="en-US" smtClean="0"/>
+              <a:t>1</a:t>
+            </a:fld>
+            <a:endParaRPr lang="en-US"/>
+          </a:p>
+        </p:txBody>
+      </p:sp>
     </p:spTree>
     <p:extLst>
       <p:ext uri="{BB962C8B-B14F-4D97-AF65-F5344CB8AC3E}">
@@ -4074,6 +4268,13 @@
   <p:clrMapOvr>
     <a:masterClrMapping/>
   </p:clrMapOvr>
+  <p:timing>
+    <p:tnLst>
+      <p:par>
+        <p:cTn xmlns:p14="http://schemas.microsoft.com/office/powerpoint/2010/main" id="1" dur="indefinite" restart="never" nodeType="tmRoot"/>
+      </p:par>
+    </p:tnLst>
+  </p:timing>
 </p:sld>
 </file>
 
@@ -4111,7 +4312,11 @@
           <a:p>
             <a:r>
               <a:rPr lang="en-US" dirty="0" smtClean="0"/>
-              <a:t>Platform-as-a-Service</a:t>
+              <a:t>Cloud Platform</a:t>
+            </a:r>
+            <a:r>
+              <a:rPr lang="en-US" dirty="0" smtClean="0"/>
+              <a:t>-as-a-Service</a:t>
             </a:r>
             <a:endParaRPr lang="en-US" dirty="0"/>
           </a:p>
@@ -4181,6 +4386,29 @@
           </a:prstGeom>
         </p:spPr>
       </p:pic>
+      <p:sp>
+        <p:nvSpPr>
+          <p:cNvPr id="5" name="Slide Number Placeholder 4"/>
+          <p:cNvSpPr>
+            <a:spLocks noGrp="1"/>
+          </p:cNvSpPr>
+          <p:nvPr>
+            <p:ph type="sldNum" sz="quarter" idx="12"/>
+          </p:nvPr>
+        </p:nvSpPr>
+        <p:spPr/>
+        <p:txBody>
+          <a:bodyPr/>
+          <a:lstStyle/>
+          <a:p>
+            <a:fld id="{D4755116-B387-CD40-9D82-4279FFF17F28}" type="slidenum">
+              <a:rPr lang="en-US" smtClean="0"/>
+              <a:t>10</a:t>
+            </a:fld>
+            <a:endParaRPr lang="en-US"/>
+          </a:p>
+        </p:txBody>
+      </p:sp>
     </p:spTree>
     <p:extLst>
       <p:ext uri="{BB962C8B-B14F-4D97-AF65-F5344CB8AC3E}">
@@ -4231,13 +4459,17 @@
         <p:spPr/>
         <p:txBody>
           <a:bodyPr>
-            <a:normAutofit/>
+            <a:normAutofit fontScale="90000"/>
           </a:bodyPr>
           <a:lstStyle/>
           <a:p>
             <a:r>
               <a:rPr lang="en-US" dirty="0" smtClean="0"/>
-              <a:t>Good Coding Practices in the Cloud</a:t>
+              <a:t>Enforcing Good </a:t>
+            </a:r>
+            <a:r>
+              <a:rPr lang="en-US" dirty="0" smtClean="0"/>
+              <a:t>Coding Practices in the Cloud</a:t>
             </a:r>
             <a:endParaRPr lang="en-US" dirty="0"/>
           </a:p>
@@ -4260,26 +4492,47 @@
           <a:p>
             <a:r>
               <a:rPr lang="en-US" dirty="0" smtClean="0"/>
-              <a:t>Enforce code reuse</a:t>
-            </a:r>
-          </a:p>
-          <a:p>
-            <a:r>
-              <a:rPr lang="en-US" dirty="0" smtClean="0"/>
-              <a:t>Enforce naming and versioning conventions</a:t>
-            </a:r>
-          </a:p>
-          <a:p>
-            <a:r>
-              <a:rPr lang="en-US" dirty="0" smtClean="0"/>
-              <a:t>Enforce backward compatible code updates</a:t>
-            </a:r>
-          </a:p>
-          <a:p>
-            <a:r>
-              <a:rPr lang="en-US" dirty="0" smtClean="0"/>
-              <a:t>Catch bad code before it goes into production</a:t>
-            </a:r>
+              <a:t>Code </a:t>
+            </a:r>
+            <a:r>
+              <a:rPr lang="en-US" dirty="0" smtClean="0"/>
+              <a:t>reuse</a:t>
+            </a:r>
+          </a:p>
+          <a:p>
+            <a:r>
+              <a:rPr lang="en-US" dirty="0" smtClean="0"/>
+              <a:t>Naming </a:t>
+            </a:r>
+            <a:r>
+              <a:rPr lang="en-US" dirty="0" smtClean="0"/>
+              <a:t>and versioning conventions</a:t>
+            </a:r>
+          </a:p>
+          <a:p>
+            <a:r>
+              <a:rPr lang="en-US" dirty="0" smtClean="0"/>
+              <a:t>Backward </a:t>
+            </a:r>
+            <a:r>
+              <a:rPr lang="en-US" dirty="0" smtClean="0"/>
+              <a:t>compatible code updates</a:t>
+            </a:r>
+          </a:p>
+          <a:p>
+            <a:r>
+              <a:rPr lang="en-US" dirty="0" smtClean="0"/>
+              <a:t>Prevent </a:t>
+            </a:r>
+            <a:r>
+              <a:rPr lang="en-US" dirty="0" smtClean="0"/>
+              <a:t>bad code </a:t>
+            </a:r>
+            <a:r>
+              <a:rPr lang="en-US" dirty="0" smtClean="0"/>
+              <a:t>from going into production</a:t>
+            </a:r>
+            <a:endParaRPr lang="en-US" dirty="0" smtClean="0"/>
           </a:p>
           <a:p>
             <a:r>
@@ -4295,6 +4548,29 @@
           </a:p>
           <a:p>
             <a:endParaRPr lang="en-US" dirty="0"/>
+          </a:p>
+        </p:txBody>
+      </p:sp>
+      <p:sp>
+        <p:nvSpPr>
+          <p:cNvPr id="4" name="Slide Number Placeholder 3"/>
+          <p:cNvSpPr>
+            <a:spLocks noGrp="1"/>
+          </p:cNvSpPr>
+          <p:nvPr>
+            <p:ph type="sldNum" sz="quarter" idx="12"/>
+          </p:nvPr>
+        </p:nvSpPr>
+        <p:spPr/>
+        <p:txBody>
+          <a:bodyPr/>
+          <a:lstStyle/>
+          <a:p>
+            <a:fld id="{D4755116-B387-CD40-9D82-4279FFF17F28}" type="slidenum">
+              <a:rPr lang="en-US" smtClean="0"/>
+              <a:t>11</a:t>
+            </a:fld>
+            <a:endParaRPr lang="en-US"/>
           </a:p>
         </p:txBody>
       </p:sp>
@@ -4596,6 +4872,29 @@
           </a:p>
         </p:txBody>
       </p:sp>
+      <p:sp>
+        <p:nvSpPr>
+          <p:cNvPr id="5" name="Slide Number Placeholder 4"/>
+          <p:cNvSpPr>
+            <a:spLocks noGrp="1"/>
+          </p:cNvSpPr>
+          <p:nvPr>
+            <p:ph type="sldNum" sz="quarter" idx="12"/>
+          </p:nvPr>
+        </p:nvSpPr>
+        <p:spPr/>
+        <p:txBody>
+          <a:bodyPr/>
+          <a:lstStyle/>
+          <a:p>
+            <a:fld id="{D4755116-B387-CD40-9D82-4279FFF17F28}" type="slidenum">
+              <a:rPr lang="en-US" smtClean="0"/>
+              <a:t>12</a:t>
+            </a:fld>
+            <a:endParaRPr lang="en-US"/>
+          </a:p>
+        </p:txBody>
+      </p:sp>
     </p:spTree>
     <p:extLst>
       <p:ext uri="{BB962C8B-B14F-4D97-AF65-F5344CB8AC3E}">
@@ -4681,6 +4980,29 @@
         </p:blipFill>
         <p:spPr/>
       </p:pic>
+      <p:sp>
+        <p:nvSpPr>
+          <p:cNvPr id="3" name="Slide Number Placeholder 2"/>
+          <p:cNvSpPr>
+            <a:spLocks noGrp="1"/>
+          </p:cNvSpPr>
+          <p:nvPr>
+            <p:ph type="sldNum" sz="quarter" idx="12"/>
+          </p:nvPr>
+        </p:nvSpPr>
+        <p:spPr/>
+        <p:txBody>
+          <a:bodyPr/>
+          <a:lstStyle/>
+          <a:p>
+            <a:fld id="{D4755116-B387-CD40-9D82-4279FFF17F28}" type="slidenum">
+              <a:rPr lang="en-US" smtClean="0"/>
+              <a:t>13</a:t>
+            </a:fld>
+            <a:endParaRPr lang="en-US"/>
+          </a:p>
+        </p:txBody>
+      </p:sp>
     </p:spTree>
     <p:extLst>
       <p:ext uri="{BB962C8B-B14F-4D97-AF65-F5344CB8AC3E}">
@@ -4871,6 +5193,29 @@
           </a:p>
         </p:txBody>
       </p:sp>
+      <p:sp>
+        <p:nvSpPr>
+          <p:cNvPr id="4" name="Slide Number Placeholder 3"/>
+          <p:cNvSpPr>
+            <a:spLocks noGrp="1"/>
+          </p:cNvSpPr>
+          <p:nvPr>
+            <p:ph type="sldNum" sz="quarter" idx="12"/>
+          </p:nvPr>
+        </p:nvSpPr>
+        <p:spPr/>
+        <p:txBody>
+          <a:bodyPr/>
+          <a:lstStyle/>
+          <a:p>
+            <a:fld id="{D4755116-B387-CD40-9D82-4279FFF17F28}" type="slidenum">
+              <a:rPr lang="en-US" smtClean="0"/>
+              <a:t>14</a:t>
+            </a:fld>
+            <a:endParaRPr lang="en-US"/>
+          </a:p>
+        </p:txBody>
+      </p:sp>
     </p:spTree>
     <p:extLst>
       <p:ext uri="{BB962C8B-B14F-4D97-AF65-F5344CB8AC3E}">
@@ -4966,6 +5311,29 @@
         </p:blipFill>
         <p:spPr/>
       </p:pic>
+      <p:sp>
+        <p:nvSpPr>
+          <p:cNvPr id="3" name="Slide Number Placeholder 2"/>
+          <p:cNvSpPr>
+            <a:spLocks noGrp="1"/>
+          </p:cNvSpPr>
+          <p:nvPr>
+            <p:ph type="sldNum" sz="quarter" idx="12"/>
+          </p:nvPr>
+        </p:nvSpPr>
+        <p:spPr/>
+        <p:txBody>
+          <a:bodyPr/>
+          <a:lstStyle/>
+          <a:p>
+            <a:fld id="{D4755116-B387-CD40-9D82-4279FFF17F28}" type="slidenum">
+              <a:rPr lang="en-US" smtClean="0"/>
+              <a:t>15</a:t>
+            </a:fld>
+            <a:endParaRPr lang="en-US"/>
+          </a:p>
+        </p:txBody>
+      </p:sp>
     </p:spTree>
     <p:extLst>
       <p:ext uri="{BB962C8B-B14F-4D97-AF65-F5344CB8AC3E}">
@@ -5068,6 +5436,29 @@
           </a:p>
         </p:txBody>
       </p:sp>
+      <p:sp>
+        <p:nvSpPr>
+          <p:cNvPr id="4" name="Slide Number Placeholder 3"/>
+          <p:cNvSpPr>
+            <a:spLocks noGrp="1"/>
+          </p:cNvSpPr>
+          <p:nvPr>
+            <p:ph type="sldNum" sz="quarter" idx="12"/>
+          </p:nvPr>
+        </p:nvSpPr>
+        <p:spPr/>
+        <p:txBody>
+          <a:bodyPr/>
+          <a:lstStyle/>
+          <a:p>
+            <a:fld id="{D4755116-B387-CD40-9D82-4279FFF17F28}" type="slidenum">
+              <a:rPr lang="en-US" smtClean="0"/>
+              <a:t>16</a:t>
+            </a:fld>
+            <a:endParaRPr lang="en-US"/>
+          </a:p>
+        </p:txBody>
+      </p:sp>
     </p:spTree>
     <p:extLst>
       <p:ext uri="{BB962C8B-B14F-4D97-AF65-F5344CB8AC3E}">
@@ -5124,7 +5515,15 @@
           <a:p>
             <a:r>
               <a:rPr lang="en-US" dirty="0" smtClean="0"/>
-              <a:t>Reasoning About Application Performance in the Cloud</a:t>
+              <a:t>Reasoning About </a:t>
+            </a:r>
+            <a:r>
+              <a:rPr lang="en-US" dirty="0" smtClean="0"/>
+              <a:t>Web Application </a:t>
+            </a:r>
+            <a:r>
+              <a:rPr lang="en-US" dirty="0" smtClean="0"/>
+              <a:t>Performance in the Cloud</a:t>
             </a:r>
             <a:endParaRPr lang="en-US" dirty="0"/>
           </a:p>
@@ -5149,7 +5548,15 @@
           <a:p>
             <a:r>
               <a:rPr lang="en-US" dirty="0" smtClean="0"/>
-              <a:t>Determine statistical bounds on application response times that are:</a:t>
+              <a:t>Determine </a:t>
+            </a:r>
+            <a:r>
+              <a:rPr lang="en-US" dirty="0" smtClean="0"/>
+              <a:t>bounds </a:t>
+            </a:r>
+            <a:r>
+              <a:rPr lang="en-US" dirty="0" smtClean="0"/>
+              <a:t>on application response times that are:</a:t>
             </a:r>
           </a:p>
           <a:p>
@@ -5183,6 +5590,29 @@
               <a:rPr lang="en-US" dirty="0" smtClean="0"/>
               <a:t>Enforce performance policies (design-time), and detect deviations (run-time)</a:t>
             </a:r>
+          </a:p>
+        </p:txBody>
+      </p:sp>
+      <p:sp>
+        <p:nvSpPr>
+          <p:cNvPr id="4" name="Slide Number Placeholder 3"/>
+          <p:cNvSpPr>
+            <a:spLocks noGrp="1"/>
+          </p:cNvSpPr>
+          <p:nvPr>
+            <p:ph type="sldNum" sz="quarter" idx="12"/>
+          </p:nvPr>
+        </p:nvSpPr>
+        <p:spPr/>
+        <p:txBody>
+          <a:bodyPr/>
+          <a:lstStyle/>
+          <a:p>
+            <a:fld id="{D4755116-B387-CD40-9D82-4279FFF17F28}" type="slidenum">
+              <a:rPr lang="en-US" smtClean="0"/>
+              <a:t>17</a:t>
+            </a:fld>
+            <a:endParaRPr lang="en-US"/>
           </a:p>
         </p:txBody>
       </p:sp>
@@ -5383,6 +5813,29 @@
           </a:p>
         </p:txBody>
       </p:sp>
+      <p:sp>
+        <p:nvSpPr>
+          <p:cNvPr id="5" name="Slide Number Placeholder 4"/>
+          <p:cNvSpPr>
+            <a:spLocks noGrp="1"/>
+          </p:cNvSpPr>
+          <p:nvPr>
+            <p:ph type="sldNum" sz="quarter" idx="12"/>
+          </p:nvPr>
+        </p:nvSpPr>
+        <p:spPr/>
+        <p:txBody>
+          <a:bodyPr/>
+          <a:lstStyle/>
+          <a:p>
+            <a:fld id="{D4755116-B387-CD40-9D82-4279FFF17F28}" type="slidenum">
+              <a:rPr lang="en-US" smtClean="0"/>
+              <a:t>18</a:t>
+            </a:fld>
+            <a:endParaRPr lang="en-US"/>
+          </a:p>
+        </p:txBody>
+      </p:sp>
     </p:spTree>
     <p:extLst>
       <p:ext uri="{BB962C8B-B14F-4D97-AF65-F5344CB8AC3E}">
@@ -5472,6 +5925,29 @@
         </p:blipFill>
         <p:spPr/>
       </p:pic>
+      <p:sp>
+        <p:nvSpPr>
+          <p:cNvPr id="3" name="Slide Number Placeholder 2"/>
+          <p:cNvSpPr>
+            <a:spLocks noGrp="1"/>
+          </p:cNvSpPr>
+          <p:nvPr>
+            <p:ph type="sldNum" sz="quarter" idx="12"/>
+          </p:nvPr>
+        </p:nvSpPr>
+        <p:spPr/>
+        <p:txBody>
+          <a:bodyPr/>
+          <a:lstStyle/>
+          <a:p>
+            <a:fld id="{D4755116-B387-CD40-9D82-4279FFF17F28}" type="slidenum">
+              <a:rPr lang="en-US" smtClean="0"/>
+              <a:t>19</a:t>
+            </a:fld>
+            <a:endParaRPr lang="en-US"/>
+          </a:p>
+        </p:txBody>
+      </p:sp>
     </p:spTree>
     <p:extLst>
       <p:ext uri="{BB962C8B-B14F-4D97-AF65-F5344CB8AC3E}">
@@ -5988,6 +6464,29 @@
           </a:p>
         </p:txBody>
       </p:sp>
+      <p:sp>
+        <p:nvSpPr>
+          <p:cNvPr id="3" name="Slide Number Placeholder 2"/>
+          <p:cNvSpPr>
+            <a:spLocks noGrp="1"/>
+          </p:cNvSpPr>
+          <p:nvPr>
+            <p:ph type="sldNum" sz="quarter" idx="12"/>
+          </p:nvPr>
+        </p:nvSpPr>
+        <p:spPr/>
+        <p:txBody>
+          <a:bodyPr/>
+          <a:lstStyle/>
+          <a:p>
+            <a:fld id="{D4755116-B387-CD40-9D82-4279FFF17F28}" type="slidenum">
+              <a:rPr lang="en-US" smtClean="0"/>
+              <a:t>2</a:t>
+            </a:fld>
+            <a:endParaRPr lang="en-US"/>
+          </a:p>
+        </p:txBody>
+      </p:sp>
     </p:spTree>
     <p:extLst>
       <p:ext uri="{BB962C8B-B14F-4D97-AF65-F5344CB8AC3E}">
@@ -6548,13 +7047,30 @@
             </a:r>
             <a:r>
               <a:rPr lang="en-US" dirty="0" smtClean="0"/>
-              <a:t>, that constitute a rare event</a:t>
-            </a:r>
-          </a:p>
-          <a:p>
-            <a:r>
-              <a:rPr lang="en-US" dirty="0" smtClean="0"/>
-              <a:t>We consider the SLA to have become invalid if this rare event occurs</a:t>
+              <a:t>, that constitute a </a:t>
+            </a:r>
+            <a:r>
+              <a:rPr lang="en-US" dirty="0" smtClean="0"/>
+              <a:t>change point</a:t>
+            </a:r>
+            <a:endParaRPr lang="en-US" dirty="0" smtClean="0"/>
+          </a:p>
+          <a:p>
+            <a:r>
+              <a:rPr lang="en-US" dirty="0" smtClean="0"/>
+              <a:t>We consider the SLA to have become invalid if this </a:t>
+            </a:r>
+            <a:r>
+              <a:rPr lang="en-US" dirty="0" smtClean="0"/>
+              <a:t>change point</a:t>
+            </a:r>
+            <a:r>
+              <a:rPr lang="en-US" dirty="0" smtClean="0"/>
+              <a:t> </a:t>
+            </a:r>
+            <a:r>
+              <a:rPr lang="en-US" dirty="0" smtClean="0"/>
+              <a:t>occurs</a:t>
             </a:r>
           </a:p>
           <a:p>
@@ -6935,6 +7451,29 @@
           </a:p>
         </p:txBody>
       </p:sp>
+      <p:sp>
+        <p:nvSpPr>
+          <p:cNvPr id="4" name="Slide Number Placeholder 3"/>
+          <p:cNvSpPr>
+            <a:spLocks noGrp="1"/>
+          </p:cNvSpPr>
+          <p:nvPr>
+            <p:ph type="sldNum" sz="quarter" idx="12"/>
+          </p:nvPr>
+        </p:nvSpPr>
+        <p:spPr/>
+        <p:txBody>
+          <a:bodyPr/>
+          <a:lstStyle/>
+          <a:p>
+            <a:fld id="{D4755116-B387-CD40-9D82-4279FFF17F28}" type="slidenum">
+              <a:rPr lang="en-US" smtClean="0"/>
+              <a:t>24</a:t>
+            </a:fld>
+            <a:endParaRPr lang="en-US"/>
+          </a:p>
+        </p:txBody>
+      </p:sp>
     </p:spTree>
     <p:extLst>
       <p:ext uri="{BB962C8B-B14F-4D97-AF65-F5344CB8AC3E}">
@@ -6985,13 +7524,17 @@
         <p:spPr/>
         <p:txBody>
           <a:bodyPr>
-            <a:normAutofit fontScale="90000"/>
+            <a:normAutofit/>
           </a:bodyPr>
           <a:lstStyle/>
           <a:p>
             <a:r>
               <a:rPr lang="en-US" dirty="0" smtClean="0"/>
-              <a:t>Performance Anomaly Detection and Bottleneck Identification</a:t>
+              <a:t>Performance </a:t>
+            </a:r>
+            <a:r>
+              <a:rPr lang="en-US" dirty="0" smtClean="0"/>
+              <a:t>Debugging</a:t>
             </a:r>
             <a:endParaRPr lang="en-US" dirty="0"/>
           </a:p>
@@ -7049,6 +7592,29 @@
               <a:t>No additional restrictions on application code</a:t>
             </a:r>
             <a:endParaRPr lang="en-US" dirty="0"/>
+          </a:p>
+        </p:txBody>
+      </p:sp>
+      <p:sp>
+        <p:nvSpPr>
+          <p:cNvPr id="4" name="Slide Number Placeholder 3"/>
+          <p:cNvSpPr>
+            <a:spLocks noGrp="1"/>
+          </p:cNvSpPr>
+          <p:nvPr>
+            <p:ph type="sldNum" sz="quarter" idx="12"/>
+          </p:nvPr>
+        </p:nvSpPr>
+        <p:spPr/>
+        <p:txBody>
+          <a:bodyPr/>
+          <a:lstStyle/>
+          <a:p>
+            <a:fld id="{D4755116-B387-CD40-9D82-4279FFF17F28}" type="slidenum">
+              <a:rPr lang="en-US" smtClean="0"/>
+              <a:t>25</a:t>
+            </a:fld>
+            <a:endParaRPr lang="en-US"/>
           </a:p>
         </p:txBody>
       </p:sp>
@@ -7186,6 +7752,29 @@
               <a:t>Linear regression and relative importance analysis</a:t>
             </a:r>
             <a:endParaRPr lang="en-US" dirty="0"/>
+          </a:p>
+        </p:txBody>
+      </p:sp>
+      <p:sp>
+        <p:nvSpPr>
+          <p:cNvPr id="4" name="Slide Number Placeholder 3"/>
+          <p:cNvSpPr>
+            <a:spLocks noGrp="1"/>
+          </p:cNvSpPr>
+          <p:nvPr>
+            <p:ph type="sldNum" sz="quarter" idx="12"/>
+          </p:nvPr>
+        </p:nvSpPr>
+        <p:spPr/>
+        <p:txBody>
+          <a:bodyPr/>
+          <a:lstStyle/>
+          <a:p>
+            <a:fld id="{D4755116-B387-CD40-9D82-4279FFF17F28}" type="slidenum">
+              <a:rPr lang="en-US" smtClean="0"/>
+              <a:t>26</a:t>
+            </a:fld>
+            <a:endParaRPr lang="en-US"/>
           </a:p>
         </p:txBody>
       </p:sp>
@@ -7787,6 +8376,29 @@
               <a:t>Bottleneck identification</a:t>
             </a:r>
             <a:endParaRPr lang="en-US" sz="1600" dirty="0"/>
+          </a:p>
+        </p:txBody>
+      </p:sp>
+      <p:sp>
+        <p:nvSpPr>
+          <p:cNvPr id="3" name="Slide Number Placeholder 2"/>
+          <p:cNvSpPr>
+            <a:spLocks noGrp="1"/>
+          </p:cNvSpPr>
+          <p:nvPr>
+            <p:ph type="sldNum" sz="quarter" idx="12"/>
+          </p:nvPr>
+        </p:nvSpPr>
+        <p:spPr/>
+        <p:txBody>
+          <a:bodyPr/>
+          <a:lstStyle/>
+          <a:p>
+            <a:fld id="{D4755116-B387-CD40-9D82-4279FFF17F28}" type="slidenum">
+              <a:rPr lang="en-US" smtClean="0"/>
+              <a:t>27</a:t>
+            </a:fld>
+            <a:endParaRPr lang="en-US"/>
           </a:p>
         </p:txBody>
       </p:sp>
@@ -8296,6 +8908,29 @@
           </a:p>
         </p:txBody>
       </p:sp>
+      <p:sp>
+        <p:nvSpPr>
+          <p:cNvPr id="5" name="Slide Number Placeholder 4"/>
+          <p:cNvSpPr>
+            <a:spLocks noGrp="1"/>
+          </p:cNvSpPr>
+          <p:nvPr>
+            <p:ph type="sldNum" sz="quarter" idx="12"/>
+          </p:nvPr>
+        </p:nvSpPr>
+        <p:spPr/>
+        <p:txBody>
+          <a:bodyPr/>
+          <a:lstStyle/>
+          <a:p>
+            <a:fld id="{D4755116-B387-CD40-9D82-4279FFF17F28}" type="slidenum">
+              <a:rPr lang="en-US" smtClean="0"/>
+              <a:t>28</a:t>
+            </a:fld>
+            <a:endParaRPr lang="en-US"/>
+          </a:p>
+        </p:txBody>
+      </p:sp>
     </p:spTree>
     <p:extLst>
       <p:ext uri="{BB962C8B-B14F-4D97-AF65-F5344CB8AC3E}">
@@ -8495,6 +9130,29 @@
               <a:t> 88, issue 421</a:t>
             </a:r>
             <a:endParaRPr lang="en-US" sz="1400" i="1" dirty="0"/>
+          </a:p>
+        </p:txBody>
+      </p:sp>
+      <p:sp>
+        <p:nvSpPr>
+          <p:cNvPr id="4" name="Slide Number Placeholder 3"/>
+          <p:cNvSpPr>
+            <a:spLocks noGrp="1"/>
+          </p:cNvSpPr>
+          <p:nvPr>
+            <p:ph type="sldNum" sz="quarter" idx="12"/>
+          </p:nvPr>
+        </p:nvSpPr>
+        <p:spPr/>
+        <p:txBody>
+          <a:bodyPr/>
+          <a:lstStyle/>
+          <a:p>
+            <a:fld id="{D4755116-B387-CD40-9D82-4279FFF17F28}" type="slidenum">
+              <a:rPr lang="en-US" smtClean="0"/>
+              <a:t>29</a:t>
+            </a:fld>
+            <a:endParaRPr lang="en-US"/>
           </a:p>
         </p:txBody>
       </p:sp>
@@ -9728,6 +10386,29 @@
           </a:p>
         </p:txBody>
       </p:sp>
+      <p:sp>
+        <p:nvSpPr>
+          <p:cNvPr id="3" name="Slide Number Placeholder 2"/>
+          <p:cNvSpPr>
+            <a:spLocks noGrp="1"/>
+          </p:cNvSpPr>
+          <p:nvPr>
+            <p:ph type="sldNum" sz="quarter" idx="12"/>
+          </p:nvPr>
+        </p:nvSpPr>
+        <p:spPr/>
+        <p:txBody>
+          <a:bodyPr/>
+          <a:lstStyle/>
+          <a:p>
+            <a:fld id="{D4755116-B387-CD40-9D82-4279FFF17F28}" type="slidenum">
+              <a:rPr lang="en-US" smtClean="0"/>
+              <a:t>3</a:t>
+            </a:fld>
+            <a:endParaRPr lang="en-US"/>
+          </a:p>
+        </p:txBody>
+      </p:sp>
     </p:spTree>
     <p:extLst>
       <p:ext uri="{BB962C8B-B14F-4D97-AF65-F5344CB8AC3E}">
@@ -9835,6 +10516,29 @@
               <a:t>Identifying workload changes</a:t>
             </a:r>
             <a:endParaRPr lang="en-US" dirty="0"/>
+          </a:p>
+        </p:txBody>
+      </p:sp>
+      <p:sp>
+        <p:nvSpPr>
+          <p:cNvPr id="4" name="Slide Number Placeholder 3"/>
+          <p:cNvSpPr>
+            <a:spLocks noGrp="1"/>
+          </p:cNvSpPr>
+          <p:nvPr>
+            <p:ph type="sldNum" sz="quarter" idx="12"/>
+          </p:nvPr>
+        </p:nvSpPr>
+        <p:spPr/>
+        <p:txBody>
+          <a:bodyPr/>
+          <a:lstStyle/>
+          <a:p>
+            <a:fld id="{D4755116-B387-CD40-9D82-4279FFF17F28}" type="slidenum">
+              <a:rPr lang="en-US" smtClean="0"/>
+              <a:t>30</a:t>
+            </a:fld>
+            <a:endParaRPr lang="en-US"/>
           </a:p>
         </p:txBody>
       </p:sp>
@@ -10213,6 +10917,29 @@
           </a:p>
         </p:txBody>
       </p:sp>
+      <p:sp>
+        <p:nvSpPr>
+          <p:cNvPr id="5" name="Slide Number Placeholder 4"/>
+          <p:cNvSpPr>
+            <a:spLocks noGrp="1"/>
+          </p:cNvSpPr>
+          <p:nvPr>
+            <p:ph type="sldNum" sz="quarter" idx="12"/>
+          </p:nvPr>
+        </p:nvSpPr>
+        <p:spPr/>
+        <p:txBody>
+          <a:bodyPr/>
+          <a:lstStyle/>
+          <a:p>
+            <a:fld id="{D4755116-B387-CD40-9D82-4279FFF17F28}" type="slidenum">
+              <a:rPr lang="en-US" smtClean="0"/>
+              <a:t>31</a:t>
+            </a:fld>
+            <a:endParaRPr lang="en-US"/>
+          </a:p>
+        </p:txBody>
+      </p:sp>
     </p:spTree>
     <p:extLst>
       <p:ext uri="{BB962C8B-B14F-4D97-AF65-F5344CB8AC3E}">
@@ -10292,14 +11019,27 @@
           <a:p>
             <a:r>
               <a:rPr lang="en-US" dirty="0" smtClean="0"/>
-              <a:t>Design-time governance and policy enforcement for cloud platforms, complete with a policy specification language. [Winter 2013]</a:t>
-            </a:r>
-          </a:p>
-          <a:p>
-            <a:r>
-              <a:rPr lang="en-US" dirty="0" smtClean="0"/>
-              <a:t>Framework for formulating, monitoring and invalidating performance SLAs for cloud-hosted web applications. [Fall 2015]</a:t>
-            </a:r>
+              <a:t>Design-time governance and policy enforcement for cloud platforms, complete with a policy specification language</a:t>
+            </a:r>
+            <a:r>
+              <a:rPr lang="en-US" dirty="0" smtClean="0"/>
+              <a:t>.</a:t>
+            </a:r>
+          </a:p>
+          <a:p>
+            <a:r>
+              <a:rPr lang="en-US" dirty="0" smtClean="0"/>
+              <a:t>Framework </a:t>
+            </a:r>
+            <a:r>
+              <a:rPr lang="en-US" dirty="0" smtClean="0"/>
+              <a:t>for formulating, monitoring and invalidating performance SLAs for cloud-hosted web applications</a:t>
+            </a:r>
+            <a:r>
+              <a:rPr lang="en-US" dirty="0" smtClean="0"/>
+              <a:t>.</a:t>
+            </a:r>
+            <a:endParaRPr lang="en-US" dirty="0" smtClean="0"/>
           </a:p>
           <a:p>
             <a:r>
@@ -10313,6 +11053,29 @@
               <a:t>Dissertation defense. [December 2016]</a:t>
             </a:r>
             <a:endParaRPr lang="en-US" dirty="0"/>
+          </a:p>
+        </p:txBody>
+      </p:sp>
+      <p:sp>
+        <p:nvSpPr>
+          <p:cNvPr id="4" name="Slide Number Placeholder 3"/>
+          <p:cNvSpPr>
+            <a:spLocks noGrp="1"/>
+          </p:cNvSpPr>
+          <p:nvPr>
+            <p:ph type="sldNum" sz="quarter" idx="12"/>
+          </p:nvPr>
+        </p:nvSpPr>
+        <p:spPr/>
+        <p:txBody>
+          <a:bodyPr/>
+          <a:lstStyle/>
+          <a:p>
+            <a:fld id="{D4755116-B387-CD40-9D82-4279FFF17F28}" type="slidenum">
+              <a:rPr lang="en-US" smtClean="0"/>
+              <a:t>32</a:t>
+            </a:fld>
+            <a:endParaRPr lang="en-US"/>
           </a:p>
         </p:txBody>
       </p:sp>
@@ -10840,6 +11603,29 @@
           </a:p>
         </p:txBody>
       </p:sp>
+      <p:sp>
+        <p:nvSpPr>
+          <p:cNvPr id="3" name="Slide Number Placeholder 2"/>
+          <p:cNvSpPr>
+            <a:spLocks noGrp="1"/>
+          </p:cNvSpPr>
+          <p:nvPr>
+            <p:ph type="sldNum" sz="quarter" idx="12"/>
+          </p:nvPr>
+        </p:nvSpPr>
+        <p:spPr/>
+        <p:txBody>
+          <a:bodyPr/>
+          <a:lstStyle/>
+          <a:p>
+            <a:fld id="{D4755116-B387-CD40-9D82-4279FFF17F28}" type="slidenum">
+              <a:rPr lang="en-US" smtClean="0"/>
+              <a:t>33</a:t>
+            </a:fld>
+            <a:endParaRPr lang="en-US"/>
+          </a:p>
+        </p:txBody>
+      </p:sp>
     </p:spTree>
     <p:extLst>
       <p:ext uri="{BB962C8B-B14F-4D97-AF65-F5344CB8AC3E}">
@@ -11438,6 +12224,29 @@
           </a:p>
         </p:txBody>
       </p:sp>
+      <p:sp>
+        <p:nvSpPr>
+          <p:cNvPr id="3" name="Slide Number Placeholder 2"/>
+          <p:cNvSpPr>
+            <a:spLocks noGrp="1"/>
+          </p:cNvSpPr>
+          <p:nvPr>
+            <p:ph type="sldNum" sz="quarter" idx="12"/>
+          </p:nvPr>
+        </p:nvSpPr>
+        <p:spPr/>
+        <p:txBody>
+          <a:bodyPr/>
+          <a:lstStyle/>
+          <a:p>
+            <a:fld id="{D4755116-B387-CD40-9D82-4279FFF17F28}" type="slidenum">
+              <a:rPr lang="en-US" smtClean="0"/>
+              <a:t>34</a:t>
+            </a:fld>
+            <a:endParaRPr lang="en-US"/>
+          </a:p>
+        </p:txBody>
+      </p:sp>
     </p:spTree>
     <p:extLst>
       <p:ext uri="{BB962C8B-B14F-4D97-AF65-F5344CB8AC3E}">
@@ -11448,6 +12257,13 @@
   <p:clrMapOvr>
     <a:masterClrMapping/>
   </p:clrMapOvr>
+  <p:timing>
+    <p:tnLst>
+      <p:par>
+        <p:cTn xmlns:p14="http://schemas.microsoft.com/office/powerpoint/2010/main" id="1" dur="indefinite" restart="never" nodeType="tmRoot"/>
+      </p:par>
+    </p:tnLst>
+  </p:timing>
 </p:sld>
 </file>
 
@@ -11987,6 +12803,29 @@
           </a:fontRef>
         </p:style>
       </p:cxnSp>
+      <p:sp>
+        <p:nvSpPr>
+          <p:cNvPr id="2" name="Slide Number Placeholder 1"/>
+          <p:cNvSpPr>
+            <a:spLocks noGrp="1"/>
+          </p:cNvSpPr>
+          <p:nvPr>
+            <p:ph type="sldNum" sz="quarter" idx="12"/>
+          </p:nvPr>
+        </p:nvSpPr>
+        <p:spPr/>
+        <p:txBody>
+          <a:bodyPr/>
+          <a:lstStyle/>
+          <a:p>
+            <a:fld id="{D4755116-B387-CD40-9D82-4279FFF17F28}" type="slidenum">
+              <a:rPr lang="en-US" smtClean="0"/>
+              <a:t>35</a:t>
+            </a:fld>
+            <a:endParaRPr lang="en-US"/>
+          </a:p>
+        </p:txBody>
+      </p:sp>
     </p:spTree>
     <p:extLst>
       <p:ext uri="{BB962C8B-B14F-4D97-AF65-F5344CB8AC3E}">
@@ -12102,6 +12941,29 @@
           </a:p>
         </p:txBody>
       </p:sp>
+      <p:sp>
+        <p:nvSpPr>
+          <p:cNvPr id="4" name="Slide Number Placeholder 3"/>
+          <p:cNvSpPr>
+            <a:spLocks noGrp="1"/>
+          </p:cNvSpPr>
+          <p:nvPr>
+            <p:ph type="sldNum" sz="quarter" idx="12"/>
+          </p:nvPr>
+        </p:nvSpPr>
+        <p:spPr/>
+        <p:txBody>
+          <a:bodyPr/>
+          <a:lstStyle/>
+          <a:p>
+            <a:fld id="{D4755116-B387-CD40-9D82-4279FFF17F28}" type="slidenum">
+              <a:rPr lang="en-US" smtClean="0"/>
+              <a:t>36</a:t>
+            </a:fld>
+            <a:endParaRPr lang="en-US"/>
+          </a:p>
+        </p:txBody>
+      </p:sp>
     </p:spTree>
     <p:extLst>
       <p:ext uri="{BB962C8B-B14F-4D97-AF65-F5344CB8AC3E}">
@@ -12198,6 +13060,29 @@
           </a:p>
         </p:txBody>
       </p:sp>
+      <p:sp>
+        <p:nvSpPr>
+          <p:cNvPr id="4" name="Slide Number Placeholder 3"/>
+          <p:cNvSpPr>
+            <a:spLocks noGrp="1"/>
+          </p:cNvSpPr>
+          <p:nvPr>
+            <p:ph type="sldNum" sz="quarter" idx="12"/>
+          </p:nvPr>
+        </p:nvSpPr>
+        <p:spPr/>
+        <p:txBody>
+          <a:bodyPr/>
+          <a:lstStyle/>
+          <a:p>
+            <a:fld id="{D4755116-B387-CD40-9D82-4279FFF17F28}" type="slidenum">
+              <a:rPr lang="en-US" smtClean="0"/>
+              <a:t>37</a:t>
+            </a:fld>
+            <a:endParaRPr lang="en-US"/>
+          </a:p>
+        </p:txBody>
+      </p:sp>
     </p:spTree>
     <p:extLst>
       <p:ext uri="{BB962C8B-B14F-4D97-AF65-F5344CB8AC3E}">
@@ -12300,6 +13185,29 @@
           </a:p>
         </p:txBody>
       </p:sp>
+      <p:sp>
+        <p:nvSpPr>
+          <p:cNvPr id="4" name="Slide Number Placeholder 3"/>
+          <p:cNvSpPr>
+            <a:spLocks noGrp="1"/>
+          </p:cNvSpPr>
+          <p:nvPr>
+            <p:ph type="sldNum" sz="quarter" idx="12"/>
+          </p:nvPr>
+        </p:nvSpPr>
+        <p:spPr/>
+        <p:txBody>
+          <a:bodyPr/>
+          <a:lstStyle/>
+          <a:p>
+            <a:fld id="{D4755116-B387-CD40-9D82-4279FFF17F28}" type="slidenum">
+              <a:rPr lang="en-US" smtClean="0"/>
+              <a:t>38</a:t>
+            </a:fld>
+            <a:endParaRPr lang="en-US"/>
+          </a:p>
+        </p:txBody>
+      </p:sp>
     </p:spTree>
     <p:extLst>
       <p:ext uri="{BB962C8B-B14F-4D97-AF65-F5344CB8AC3E}">
@@ -12433,6 +13341,29 @@
               <a:t>Future work</a:t>
             </a:r>
             <a:endParaRPr lang="en-US" dirty="0"/>
+          </a:p>
+        </p:txBody>
+      </p:sp>
+      <p:sp>
+        <p:nvSpPr>
+          <p:cNvPr id="4" name="Slide Number Placeholder 3"/>
+          <p:cNvSpPr>
+            <a:spLocks noGrp="1"/>
+          </p:cNvSpPr>
+          <p:nvPr>
+            <p:ph type="sldNum" sz="quarter" idx="12"/>
+          </p:nvPr>
+        </p:nvSpPr>
+        <p:spPr/>
+        <p:txBody>
+          <a:bodyPr/>
+          <a:lstStyle/>
+          <a:p>
+            <a:fld id="{D4755116-B387-CD40-9D82-4279FFF17F28}" type="slidenum">
+              <a:rPr lang="en-US" smtClean="0"/>
+              <a:t>39</a:t>
+            </a:fld>
+            <a:endParaRPr lang="en-US"/>
           </a:p>
         </p:txBody>
       </p:sp>
@@ -12720,6 +13651,29 @@
           </a:p>
         </p:txBody>
       </p:sp>
+      <p:sp>
+        <p:nvSpPr>
+          <p:cNvPr id="6" name="Slide Number Placeholder 5"/>
+          <p:cNvSpPr>
+            <a:spLocks noGrp="1"/>
+          </p:cNvSpPr>
+          <p:nvPr>
+            <p:ph type="sldNum" sz="quarter" idx="12"/>
+          </p:nvPr>
+        </p:nvSpPr>
+        <p:spPr/>
+        <p:txBody>
+          <a:bodyPr/>
+          <a:lstStyle/>
+          <a:p>
+            <a:fld id="{D4755116-B387-CD40-9D82-4279FFF17F28}" type="slidenum">
+              <a:rPr lang="en-US" smtClean="0"/>
+              <a:t>4</a:t>
+            </a:fld>
+            <a:endParaRPr lang="en-US"/>
+          </a:p>
+        </p:txBody>
+      </p:sp>
     </p:spTree>
     <p:extLst>
       <p:ext uri="{BB962C8B-B14F-4D97-AF65-F5344CB8AC3E}">
@@ -12804,6 +13758,29 @@
           </a:p>
         </p:txBody>
       </p:sp>
+      <p:sp>
+        <p:nvSpPr>
+          <p:cNvPr id="4" name="Slide Number Placeholder 3"/>
+          <p:cNvSpPr>
+            <a:spLocks noGrp="1"/>
+          </p:cNvSpPr>
+          <p:nvPr>
+            <p:ph type="sldNum" sz="quarter" idx="12"/>
+          </p:nvPr>
+        </p:nvSpPr>
+        <p:spPr/>
+        <p:txBody>
+          <a:bodyPr/>
+          <a:lstStyle/>
+          <a:p>
+            <a:fld id="{D4755116-B387-CD40-9D82-4279FFF17F28}" type="slidenum">
+              <a:rPr lang="en-US" smtClean="0"/>
+              <a:t>40</a:t>
+            </a:fld>
+            <a:endParaRPr lang="en-US"/>
+          </a:p>
+        </p:txBody>
+      </p:sp>
     </p:spTree>
     <p:extLst>
       <p:ext uri="{BB962C8B-B14F-4D97-AF65-F5344CB8AC3E}">
@@ -13238,6 +14215,29 @@
           </a:p>
         </p:txBody>
       </p:sp>
+      <p:sp>
+        <p:nvSpPr>
+          <p:cNvPr id="4" name="Slide Number Placeholder 3"/>
+          <p:cNvSpPr>
+            <a:spLocks noGrp="1"/>
+          </p:cNvSpPr>
+          <p:nvPr>
+            <p:ph type="sldNum" sz="quarter" idx="12"/>
+          </p:nvPr>
+        </p:nvSpPr>
+        <p:spPr/>
+        <p:txBody>
+          <a:bodyPr/>
+          <a:lstStyle/>
+          <a:p>
+            <a:fld id="{D4755116-B387-CD40-9D82-4279FFF17F28}" type="slidenum">
+              <a:rPr lang="en-US" smtClean="0"/>
+              <a:t>41</a:t>
+            </a:fld>
+            <a:endParaRPr lang="en-US"/>
+          </a:p>
+        </p:txBody>
+      </p:sp>
     </p:spTree>
     <p:extLst>
       <p:ext uri="{BB962C8B-B14F-4D97-AF65-F5344CB8AC3E}">
@@ -13397,6 +14397,29 @@
           </a:prstGeom>
         </p:spPr>
       </p:pic>
+      <p:sp>
+        <p:nvSpPr>
+          <p:cNvPr id="5" name="Slide Number Placeholder 4"/>
+          <p:cNvSpPr>
+            <a:spLocks noGrp="1"/>
+          </p:cNvSpPr>
+          <p:nvPr>
+            <p:ph type="sldNum" sz="quarter" idx="12"/>
+          </p:nvPr>
+        </p:nvSpPr>
+        <p:spPr/>
+        <p:txBody>
+          <a:bodyPr/>
+          <a:lstStyle/>
+          <a:p>
+            <a:fld id="{D4755116-B387-CD40-9D82-4279FFF17F28}" type="slidenum">
+              <a:rPr lang="en-US" smtClean="0"/>
+              <a:t>42</a:t>
+            </a:fld>
+            <a:endParaRPr lang="en-US"/>
+          </a:p>
+        </p:txBody>
+      </p:sp>
     </p:spTree>
     <p:extLst>
       <p:ext uri="{BB962C8B-B14F-4D97-AF65-F5344CB8AC3E}">
@@ -13482,6 +14505,29 @@
         </p:blipFill>
         <p:spPr/>
       </p:pic>
+      <p:sp>
+        <p:nvSpPr>
+          <p:cNvPr id="3" name="Slide Number Placeholder 2"/>
+          <p:cNvSpPr>
+            <a:spLocks noGrp="1"/>
+          </p:cNvSpPr>
+          <p:nvPr>
+            <p:ph type="sldNum" sz="quarter" idx="12"/>
+          </p:nvPr>
+        </p:nvSpPr>
+        <p:spPr/>
+        <p:txBody>
+          <a:bodyPr/>
+          <a:lstStyle/>
+          <a:p>
+            <a:fld id="{D4755116-B387-CD40-9D82-4279FFF17F28}" type="slidenum">
+              <a:rPr lang="en-US" smtClean="0"/>
+              <a:t>43</a:t>
+            </a:fld>
+            <a:endParaRPr lang="en-US"/>
+          </a:p>
+        </p:txBody>
+      </p:sp>
     </p:spTree>
     <p:extLst>
       <p:ext uri="{BB962C8B-B14F-4D97-AF65-F5344CB8AC3E}">
@@ -13575,6 +14621,29 @@
         </p:blipFill>
         <p:spPr/>
       </p:pic>
+      <p:sp>
+        <p:nvSpPr>
+          <p:cNvPr id="3" name="Slide Number Placeholder 2"/>
+          <p:cNvSpPr>
+            <a:spLocks noGrp="1"/>
+          </p:cNvSpPr>
+          <p:nvPr>
+            <p:ph type="sldNum" sz="quarter" idx="12"/>
+          </p:nvPr>
+        </p:nvSpPr>
+        <p:spPr/>
+        <p:txBody>
+          <a:bodyPr/>
+          <a:lstStyle/>
+          <a:p>
+            <a:fld id="{D4755116-B387-CD40-9D82-4279FFF17F28}" type="slidenum">
+              <a:rPr lang="en-US" smtClean="0"/>
+              <a:t>44</a:t>
+            </a:fld>
+            <a:endParaRPr lang="en-US"/>
+          </a:p>
+        </p:txBody>
+      </p:sp>
     </p:spTree>
     <p:extLst>
       <p:ext uri="{BB962C8B-B14F-4D97-AF65-F5344CB8AC3E}">
@@ -13691,6 +14760,29 @@
               <a:t>0 policies; 18322 APIs in DB; 33615 dependency edges </a:t>
             </a:r>
             <a:endParaRPr lang="en-US" dirty="0"/>
+          </a:p>
+        </p:txBody>
+      </p:sp>
+      <p:sp>
+        <p:nvSpPr>
+          <p:cNvPr id="3" name="Slide Number Placeholder 2"/>
+          <p:cNvSpPr>
+            <a:spLocks noGrp="1"/>
+          </p:cNvSpPr>
+          <p:nvPr>
+            <p:ph type="sldNum" sz="quarter" idx="12"/>
+          </p:nvPr>
+        </p:nvSpPr>
+        <p:spPr/>
+        <p:txBody>
+          <a:bodyPr/>
+          <a:lstStyle/>
+          <a:p>
+            <a:fld id="{D4755116-B387-CD40-9D82-4279FFF17F28}" type="slidenum">
+              <a:rPr lang="en-US" smtClean="0"/>
+              <a:t>45</a:t>
+            </a:fld>
+            <a:endParaRPr lang="en-US"/>
           </a:p>
         </p:txBody>
       </p:sp>
@@ -14940,6 +16032,29 @@
           </a:p>
         </p:txBody>
       </p:sp>
+      <p:sp>
+        <p:nvSpPr>
+          <p:cNvPr id="3" name="Slide Number Placeholder 2"/>
+          <p:cNvSpPr>
+            <a:spLocks noGrp="1"/>
+          </p:cNvSpPr>
+          <p:nvPr>
+            <p:ph type="sldNum" sz="quarter" idx="12"/>
+          </p:nvPr>
+        </p:nvSpPr>
+        <p:spPr/>
+        <p:txBody>
+          <a:bodyPr/>
+          <a:lstStyle/>
+          <a:p>
+            <a:fld id="{D4755116-B387-CD40-9D82-4279FFF17F28}" type="slidenum">
+              <a:rPr lang="en-US" smtClean="0"/>
+              <a:t>49</a:t>
+            </a:fld>
+            <a:endParaRPr lang="en-US"/>
+          </a:p>
+        </p:txBody>
+      </p:sp>
     </p:spTree>
     <p:extLst>
       <p:ext uri="{BB962C8B-B14F-4D97-AF65-F5344CB8AC3E}">
@@ -15072,6 +16187,29 @@
           </a:prstGeom>
         </p:spPr>
       </p:pic>
+      <p:sp>
+        <p:nvSpPr>
+          <p:cNvPr id="5" name="Slide Number Placeholder 4"/>
+          <p:cNvSpPr>
+            <a:spLocks noGrp="1"/>
+          </p:cNvSpPr>
+          <p:nvPr>
+            <p:ph type="sldNum" sz="quarter" idx="12"/>
+          </p:nvPr>
+        </p:nvSpPr>
+        <p:spPr/>
+        <p:txBody>
+          <a:bodyPr/>
+          <a:lstStyle/>
+          <a:p>
+            <a:fld id="{D4755116-B387-CD40-9D82-4279FFF17F28}" type="slidenum">
+              <a:rPr lang="en-US" smtClean="0"/>
+              <a:t>5</a:t>
+            </a:fld>
+            <a:endParaRPr lang="en-US"/>
+          </a:p>
+        </p:txBody>
+      </p:sp>
     </p:spTree>
     <p:extLst>
       <p:ext uri="{BB962C8B-B14F-4D97-AF65-F5344CB8AC3E}">
@@ -15191,6 +16329,29 @@
           </a:p>
         </p:txBody>
       </p:sp>
+      <p:sp>
+        <p:nvSpPr>
+          <p:cNvPr id="3" name="Slide Number Placeholder 2"/>
+          <p:cNvSpPr>
+            <a:spLocks noGrp="1"/>
+          </p:cNvSpPr>
+          <p:nvPr>
+            <p:ph type="sldNum" sz="quarter" idx="12"/>
+          </p:nvPr>
+        </p:nvSpPr>
+        <p:spPr/>
+        <p:txBody>
+          <a:bodyPr/>
+          <a:lstStyle/>
+          <a:p>
+            <a:fld id="{D4755116-B387-CD40-9D82-4279FFF17F28}" type="slidenum">
+              <a:rPr lang="en-US" smtClean="0"/>
+              <a:t>50</a:t>
+            </a:fld>
+            <a:endParaRPr lang="en-US"/>
+          </a:p>
+        </p:txBody>
+      </p:sp>
     </p:spTree>
     <p:extLst>
       <p:ext uri="{BB962C8B-B14F-4D97-AF65-F5344CB8AC3E}">
@@ -15247,7 +16408,11 @@
           <a:p>
             <a:r>
               <a:rPr lang="en-US" dirty="0" smtClean="0"/>
-              <a:t>Poor Support for Performance Anomaly Detection</a:t>
+              <a:t>Poor Support for Performance </a:t>
+            </a:r>
+            <a:r>
+              <a:rPr lang="en-US" dirty="0" smtClean="0"/>
+              <a:t>Debugging</a:t>
             </a:r>
             <a:endParaRPr lang="en-US" dirty="0"/>
           </a:p>
@@ -15331,6 +16496,29 @@
           </a:prstGeom>
         </p:spPr>
       </p:pic>
+      <p:sp>
+        <p:nvSpPr>
+          <p:cNvPr id="5" name="Slide Number Placeholder 4"/>
+          <p:cNvSpPr>
+            <a:spLocks noGrp="1"/>
+          </p:cNvSpPr>
+          <p:nvPr>
+            <p:ph type="sldNum" sz="quarter" idx="12"/>
+          </p:nvPr>
+        </p:nvSpPr>
+        <p:spPr/>
+        <p:txBody>
+          <a:bodyPr/>
+          <a:lstStyle/>
+          <a:p>
+            <a:fld id="{D4755116-B387-CD40-9D82-4279FFF17F28}" type="slidenum">
+              <a:rPr lang="en-US" smtClean="0"/>
+              <a:t>6</a:t>
+            </a:fld>
+            <a:endParaRPr lang="en-US"/>
+          </a:p>
+        </p:txBody>
+      </p:sp>
     </p:spTree>
     <p:extLst>
       <p:ext uri="{BB962C8B-B14F-4D97-AF65-F5344CB8AC3E}">
@@ -15423,8 +16611,13 @@
           <a:p>
             <a:r>
               <a:rPr lang="en-US" dirty="0" smtClean="0"/>
-              <a:t>Difficult to detect performance anomalies and identify bottlenecks</a:t>
-            </a:r>
+              <a:t>Difficult to </a:t>
+            </a:r>
+            <a:r>
+              <a:rPr lang="en-US" dirty="0" smtClean="0"/>
+              <a:t>debug performance issues</a:t>
+            </a:r>
+            <a:endParaRPr lang="en-US" dirty="0" smtClean="0"/>
           </a:p>
         </p:txBody>
       </p:sp>
@@ -15436,7 +16629,7 @@
         </p:nvSpPr>
         <p:spPr>
           <a:xfrm rot="16200000">
-            <a:off x="4169045" y="-53718"/>
+            <a:off x="4169045" y="-442825"/>
             <a:ext cx="778212" cy="8257297"/>
           </a:xfrm>
           <a:prstGeom prst="leftBrace">
@@ -15477,7 +16670,7 @@
         </p:nvSpPr>
         <p:spPr>
           <a:xfrm rot="10800000">
-            <a:off x="2181130" y="4607007"/>
+            <a:off x="2181130" y="4293425"/>
             <a:ext cx="4978425" cy="2067323"/>
           </a:xfrm>
           <a:prstGeom prst="cloud">
@@ -15517,7 +16710,7 @@
         </p:nvSpPr>
         <p:spPr>
           <a:xfrm>
-            <a:off x="3495313" y="5202833"/>
+            <a:off x="3495313" y="4968135"/>
             <a:ext cx="2444975" cy="923330"/>
           </a:xfrm>
           <a:prstGeom prst="rect">
@@ -15551,6 +16744,29 @@
               <a:t>Dependable</a:t>
             </a:r>
             <a:endParaRPr lang="en-US" dirty="0"/>
+          </a:p>
+        </p:txBody>
+      </p:sp>
+      <p:sp>
+        <p:nvSpPr>
+          <p:cNvPr id="4" name="Slide Number Placeholder 3"/>
+          <p:cNvSpPr>
+            <a:spLocks noGrp="1"/>
+          </p:cNvSpPr>
+          <p:nvPr>
+            <p:ph type="sldNum" sz="quarter" idx="12"/>
+          </p:nvPr>
+        </p:nvSpPr>
+        <p:spPr/>
+        <p:txBody>
+          <a:bodyPr/>
+          <a:lstStyle/>
+          <a:p>
+            <a:fld id="{D4755116-B387-CD40-9D82-4279FFF17F28}" type="slidenum">
+              <a:rPr lang="en-US" smtClean="0"/>
+              <a:t>7</a:t>
+            </a:fld>
+            <a:endParaRPr lang="en-US"/>
           </a:p>
         </p:txBody>
       </p:sp>
@@ -15655,6 +16871,29 @@
           </a:p>
         </p:txBody>
       </p:sp>
+      <p:sp>
+        <p:nvSpPr>
+          <p:cNvPr id="4" name="Slide Number Placeholder 3"/>
+          <p:cNvSpPr>
+            <a:spLocks noGrp="1"/>
+          </p:cNvSpPr>
+          <p:nvPr>
+            <p:ph type="sldNum" sz="quarter" idx="12"/>
+          </p:nvPr>
+        </p:nvSpPr>
+        <p:spPr/>
+        <p:txBody>
+          <a:bodyPr/>
+          <a:lstStyle/>
+          <a:p>
+            <a:fld id="{D4755116-B387-CD40-9D82-4279FFF17F28}" type="slidenum">
+              <a:rPr lang="en-US" smtClean="0"/>
+              <a:t>8</a:t>
+            </a:fld>
+            <a:endParaRPr lang="en-US"/>
+          </a:p>
+        </p:txBody>
+      </p:sp>
     </p:spTree>
     <p:extLst>
       <p:ext uri="{BB962C8B-B14F-4D97-AF65-F5344CB8AC3E}">
@@ -15704,12 +16943,18 @@
         </p:nvSpPr>
         <p:spPr/>
         <p:txBody>
-          <a:bodyPr/>
-          <a:lstStyle/>
-          <a:p>
-            <a:r>
-              <a:rPr lang="en-US" dirty="0" smtClean="0"/>
-              <a:t>Governance for Cloud</a:t>
+          <a:bodyPr>
+            <a:normAutofit fontScale="90000"/>
+          </a:bodyPr>
+          <a:lstStyle/>
+          <a:p>
+            <a:r>
+              <a:rPr lang="en-US" dirty="0" smtClean="0"/>
+              <a:t>Governance for </a:t>
+            </a:r>
+            <a:r>
+              <a:rPr lang="en-US" dirty="0" smtClean="0"/>
+              <a:t>Cloud-based Web Applications</a:t>
             </a:r>
             <a:endParaRPr lang="en-US" dirty="0"/>
           </a:p>
@@ -15770,6 +17015,29 @@
               <a:t>Automated: No human intervention</a:t>
             </a:r>
             <a:endParaRPr lang="en-US" dirty="0"/>
+          </a:p>
+        </p:txBody>
+      </p:sp>
+      <p:sp>
+        <p:nvSpPr>
+          <p:cNvPr id="4" name="Slide Number Placeholder 3"/>
+          <p:cNvSpPr>
+            <a:spLocks noGrp="1"/>
+          </p:cNvSpPr>
+          <p:nvPr>
+            <p:ph type="sldNum" sz="quarter" idx="12"/>
+          </p:nvPr>
+        </p:nvSpPr>
+        <p:spPr/>
+        <p:txBody>
+          <a:bodyPr/>
+          <a:lstStyle/>
+          <a:p>
+            <a:fld id="{D4755116-B387-CD40-9D82-4279FFF17F28}" type="slidenum">
+              <a:rPr lang="en-US" smtClean="0"/>
+              <a:t>9</a:t>
+            </a:fld>
+            <a:endParaRPr lang="en-US"/>
           </a:p>
         </p:txBody>
       </p:sp>
@@ -16558,4 +17826,324 @@
   </a:objectDefaults>
   <a:extraClrSchemeLst/>
 </a:theme>
+</file>
+
+<file path=ppt/theme/theme3.xml><?xml version="1.0" encoding="utf-8"?>
+<a:theme xmlns:a="http://schemas.openxmlformats.org/drawingml/2006/main" name="Office Theme">
+  <a:themeElements>
+    <a:clrScheme name="Office">
+      <a:dk1>
+        <a:sysClr val="windowText" lastClr="000000"/>
+      </a:dk1>
+      <a:lt1>
+        <a:sysClr val="window" lastClr="FFFFFF"/>
+      </a:lt1>
+      <a:dk2>
+        <a:srgbClr val="1F497D"/>
+      </a:dk2>
+      <a:lt2>
+        <a:srgbClr val="EEECE1"/>
+      </a:lt2>
+      <a:accent1>
+        <a:srgbClr val="4F81BD"/>
+      </a:accent1>
+      <a:accent2>
+        <a:srgbClr val="C0504D"/>
+      </a:accent2>
+      <a:accent3>
+        <a:srgbClr val="9BBB59"/>
+      </a:accent3>
+      <a:accent4>
+        <a:srgbClr val="8064A2"/>
+      </a:accent4>
+      <a:accent5>
+        <a:srgbClr val="4BACC6"/>
+      </a:accent5>
+      <a:accent6>
+        <a:srgbClr val="F79646"/>
+      </a:accent6>
+      <a:hlink>
+        <a:srgbClr val="0000FF"/>
+      </a:hlink>
+      <a:folHlink>
+        <a:srgbClr val="800080"/>
+      </a:folHlink>
+    </a:clrScheme>
+    <a:fontScheme name="Office">
+      <a:majorFont>
+        <a:latin typeface="Calibri"/>
+        <a:ea typeface=""/>
+        <a:cs typeface=""/>
+        <a:font script="Jpan" typeface="ＭＳ Ｐゴシック"/>
+        <a:font script="Hang" typeface="맑은 고딕"/>
+        <a:font script="Hans" typeface="宋体"/>
+        <a:font script="Hant" typeface="新細明體"/>
+        <a:font script="Arab" typeface="Times New Roman"/>
+        <a:font script="Hebr" typeface="Times New Roman"/>
+        <a:font script="Thai" typeface="Angsana New"/>
+        <a:font script="Ethi" typeface="Nyala"/>
+        <a:font script="Beng" typeface="Vrinda"/>
+        <a:font script="Gujr" typeface="Shruti"/>
+        <a:font script="Khmr" typeface="MoolBoran"/>
+        <a:font script="Knda" typeface="Tunga"/>
+        <a:font script="Guru" typeface="Raavi"/>
+        <a:font script="Cans" typeface="Euphemia"/>
+        <a:font script="Cher" typeface="Plantagenet Cherokee"/>
+        <a:font script="Yiii" typeface="Microsoft Yi Baiti"/>
+        <a:font script="Tibt" typeface="Microsoft Himalaya"/>
+        <a:font script="Thaa" typeface="MV Boli"/>
+        <a:font script="Deva" typeface="Mangal"/>
+        <a:font script="Telu" typeface="Gautami"/>
+        <a:font script="Taml" typeface="Latha"/>
+        <a:font script="Syrc" typeface="Estrangelo Edessa"/>
+        <a:font script="Orya" typeface="Kalinga"/>
+        <a:font script="Mlym" typeface="Kartika"/>
+        <a:font script="Laoo" typeface="DokChampa"/>
+        <a:font script="Sinh" typeface="Iskoola Pota"/>
+        <a:font script="Mong" typeface="Mongolian Baiti"/>
+        <a:font script="Viet" typeface="Times New Roman"/>
+        <a:font script="Uigh" typeface="Microsoft Uighur"/>
+        <a:font script="Geor" typeface="Sylfaen"/>
+      </a:majorFont>
+      <a:minorFont>
+        <a:latin typeface="Calibri"/>
+        <a:ea typeface=""/>
+        <a:cs typeface=""/>
+        <a:font script="Jpan" typeface="ＭＳ Ｐゴシック"/>
+        <a:font script="Hang" typeface="맑은 고딕"/>
+        <a:font script="Hans" typeface="宋体"/>
+        <a:font script="Hant" typeface="新細明體"/>
+        <a:font script="Arab" typeface="Arial"/>
+        <a:font script="Hebr" typeface="Arial"/>
+        <a:font script="Thai" typeface="Cordia New"/>
+        <a:font script="Ethi" typeface="Nyala"/>
+        <a:font script="Beng" typeface="Vrinda"/>
+        <a:font script="Gujr" typeface="Shruti"/>
+        <a:font script="Khmr" typeface="DaunPenh"/>
+        <a:font script="Knda" typeface="Tunga"/>
+        <a:font script="Guru" typeface="Raavi"/>
+        <a:font script="Cans" typeface="Euphemia"/>
+        <a:font script="Cher" typeface="Plantagenet Cherokee"/>
+        <a:font script="Yiii" typeface="Microsoft Yi Baiti"/>
+        <a:font script="Tibt" typeface="Microsoft Himalaya"/>
+        <a:font script="Thaa" typeface="MV Boli"/>
+        <a:font script="Deva" typeface="Mangal"/>
+        <a:font script="Telu" typeface="Gautami"/>
+        <a:font script="Taml" typeface="Latha"/>
+        <a:font script="Syrc" typeface="Estrangelo Edessa"/>
+        <a:font script="Orya" typeface="Kalinga"/>
+        <a:font script="Mlym" typeface="Kartika"/>
+        <a:font script="Laoo" typeface="DokChampa"/>
+        <a:font script="Sinh" typeface="Iskoola Pota"/>
+        <a:font script="Mong" typeface="Mongolian Baiti"/>
+        <a:font script="Viet" typeface="Arial"/>
+        <a:font script="Uigh" typeface="Microsoft Uighur"/>
+        <a:font script="Geor" typeface="Sylfaen"/>
+      </a:minorFont>
+    </a:fontScheme>
+    <a:fmtScheme name="Office">
+      <a:fillStyleLst>
+        <a:solidFill>
+          <a:schemeClr val="phClr"/>
+        </a:solidFill>
+        <a:gradFill rotWithShape="1">
+          <a:gsLst>
+            <a:gs pos="0">
+              <a:schemeClr val="phClr">
+                <a:tint val="50000"/>
+                <a:satMod val="300000"/>
+              </a:schemeClr>
+            </a:gs>
+            <a:gs pos="35000">
+              <a:schemeClr val="phClr">
+                <a:tint val="37000"/>
+                <a:satMod val="300000"/>
+              </a:schemeClr>
+            </a:gs>
+            <a:gs pos="100000">
+              <a:schemeClr val="phClr">
+                <a:tint val="15000"/>
+                <a:satMod val="350000"/>
+              </a:schemeClr>
+            </a:gs>
+          </a:gsLst>
+          <a:lin ang="16200000" scaled="1"/>
+        </a:gradFill>
+        <a:gradFill rotWithShape="1">
+          <a:gsLst>
+            <a:gs pos="0">
+              <a:schemeClr val="phClr">
+                <a:tint val="100000"/>
+                <a:shade val="100000"/>
+                <a:satMod val="130000"/>
+              </a:schemeClr>
+            </a:gs>
+            <a:gs pos="100000">
+              <a:schemeClr val="phClr">
+                <a:tint val="50000"/>
+                <a:shade val="100000"/>
+                <a:satMod val="350000"/>
+              </a:schemeClr>
+            </a:gs>
+          </a:gsLst>
+          <a:lin ang="16200000" scaled="0"/>
+        </a:gradFill>
+      </a:fillStyleLst>
+      <a:lnStyleLst>
+        <a:ln w="9525" cap="flat" cmpd="sng" algn="ctr">
+          <a:solidFill>
+            <a:schemeClr val="phClr">
+              <a:shade val="95000"/>
+              <a:satMod val="105000"/>
+            </a:schemeClr>
+          </a:solidFill>
+          <a:prstDash val="solid"/>
+        </a:ln>
+        <a:ln w="25400" cap="flat" cmpd="sng" algn="ctr">
+          <a:solidFill>
+            <a:schemeClr val="phClr"/>
+          </a:solidFill>
+          <a:prstDash val="solid"/>
+        </a:ln>
+        <a:ln w="38100" cap="flat" cmpd="sng" algn="ctr">
+          <a:solidFill>
+            <a:schemeClr val="phClr"/>
+          </a:solidFill>
+          <a:prstDash val="solid"/>
+        </a:ln>
+      </a:lnStyleLst>
+      <a:effectStyleLst>
+        <a:effectStyle>
+          <a:effectLst>
+            <a:outerShdw blurRad="40000" dist="20000" dir="5400000" rotWithShape="0">
+              <a:srgbClr val="000000">
+                <a:alpha val="38000"/>
+              </a:srgbClr>
+            </a:outerShdw>
+          </a:effectLst>
+        </a:effectStyle>
+        <a:effectStyle>
+          <a:effectLst>
+            <a:outerShdw blurRad="40000" dist="23000" dir="5400000" rotWithShape="0">
+              <a:srgbClr val="000000">
+                <a:alpha val="35000"/>
+              </a:srgbClr>
+            </a:outerShdw>
+          </a:effectLst>
+        </a:effectStyle>
+        <a:effectStyle>
+          <a:effectLst>
+            <a:outerShdw blurRad="40000" dist="23000" dir="5400000" rotWithShape="0">
+              <a:srgbClr val="000000">
+                <a:alpha val="35000"/>
+              </a:srgbClr>
+            </a:outerShdw>
+          </a:effectLst>
+          <a:scene3d>
+            <a:camera prst="orthographicFront">
+              <a:rot lat="0" lon="0" rev="0"/>
+            </a:camera>
+            <a:lightRig rig="threePt" dir="t">
+              <a:rot lat="0" lon="0" rev="1200000"/>
+            </a:lightRig>
+          </a:scene3d>
+          <a:sp3d>
+            <a:bevelT w="63500" h="25400"/>
+          </a:sp3d>
+        </a:effectStyle>
+      </a:effectStyleLst>
+      <a:bgFillStyleLst>
+        <a:solidFill>
+          <a:schemeClr val="phClr"/>
+        </a:solidFill>
+        <a:gradFill rotWithShape="1">
+          <a:gsLst>
+            <a:gs pos="0">
+              <a:schemeClr val="phClr">
+                <a:tint val="40000"/>
+                <a:satMod val="350000"/>
+              </a:schemeClr>
+            </a:gs>
+            <a:gs pos="40000">
+              <a:schemeClr val="phClr">
+                <a:tint val="45000"/>
+                <a:shade val="99000"/>
+                <a:satMod val="350000"/>
+              </a:schemeClr>
+            </a:gs>
+            <a:gs pos="100000">
+              <a:schemeClr val="phClr">
+                <a:shade val="20000"/>
+                <a:satMod val="255000"/>
+              </a:schemeClr>
+            </a:gs>
+          </a:gsLst>
+          <a:path path="circle">
+            <a:fillToRect l="50000" t="-80000" r="50000" b="180000"/>
+          </a:path>
+        </a:gradFill>
+        <a:gradFill rotWithShape="1">
+          <a:gsLst>
+            <a:gs pos="0">
+              <a:schemeClr val="phClr">
+                <a:tint val="80000"/>
+                <a:satMod val="300000"/>
+              </a:schemeClr>
+            </a:gs>
+            <a:gs pos="100000">
+              <a:schemeClr val="phClr">
+                <a:shade val="30000"/>
+                <a:satMod val="200000"/>
+              </a:schemeClr>
+            </a:gs>
+          </a:gsLst>
+          <a:path path="circle">
+            <a:fillToRect l="50000" t="50000" r="50000" b="50000"/>
+          </a:path>
+        </a:gradFill>
+      </a:bgFillStyleLst>
+    </a:fmtScheme>
+  </a:themeElements>
+  <a:objectDefaults>
+    <a:spDef>
+      <a:spPr/>
+      <a:bodyPr/>
+      <a:lstStyle/>
+      <a:style>
+        <a:lnRef idx="1">
+          <a:schemeClr val="accent1"/>
+        </a:lnRef>
+        <a:fillRef idx="3">
+          <a:schemeClr val="accent1"/>
+        </a:fillRef>
+        <a:effectRef idx="2">
+          <a:schemeClr val="accent1"/>
+        </a:effectRef>
+        <a:fontRef idx="minor">
+          <a:schemeClr val="lt1"/>
+        </a:fontRef>
+      </a:style>
+    </a:spDef>
+    <a:lnDef>
+      <a:spPr/>
+      <a:bodyPr/>
+      <a:lstStyle/>
+      <a:style>
+        <a:lnRef idx="2">
+          <a:schemeClr val="accent1"/>
+        </a:lnRef>
+        <a:fillRef idx="0">
+          <a:schemeClr val="accent1"/>
+        </a:fillRef>
+        <a:effectRef idx="1">
+          <a:schemeClr val="accent1"/>
+        </a:effectRef>
+        <a:fontRef idx="minor">
+          <a:schemeClr val="tx1"/>
+        </a:fontRef>
+      </a:style>
+    </a:lnDef>
+  </a:objectDefaults>
+  <a:extraClrSchemeLst/>
+</a:theme>
 </file>
--- a/Eager/elk-experiment/appserver/system_design.pptx
+++ b/Eager/elk-experiment/appserver/system_design.pptx
@@ -30,32 +30,32 @@
     <p:sldId id="286" r:id="rId18"/>
     <p:sldId id="288" r:id="rId19"/>
     <p:sldId id="287" r:id="rId20"/>
-    <p:sldId id="289" r:id="rId21"/>
-    <p:sldId id="292" r:id="rId22"/>
-    <p:sldId id="293" r:id="rId23"/>
-    <p:sldId id="290" r:id="rId24"/>
-    <p:sldId id="312" r:id="rId25"/>
-    <p:sldId id="296" r:id="rId26"/>
-    <p:sldId id="297" r:id="rId27"/>
-    <p:sldId id="298" r:id="rId28"/>
-    <p:sldId id="299" r:id="rId29"/>
-    <p:sldId id="301" r:id="rId30"/>
-    <p:sldId id="304" r:id="rId31"/>
-    <p:sldId id="300" r:id="rId32"/>
-    <p:sldId id="305" r:id="rId33"/>
-    <p:sldId id="306" r:id="rId34"/>
-    <p:sldId id="325" r:id="rId35"/>
-    <p:sldId id="318" r:id="rId36"/>
-    <p:sldId id="319" r:id="rId37"/>
-    <p:sldId id="320" r:id="rId38"/>
-    <p:sldId id="321" r:id="rId39"/>
-    <p:sldId id="322" r:id="rId40"/>
-    <p:sldId id="323" r:id="rId41"/>
-    <p:sldId id="324" r:id="rId42"/>
-    <p:sldId id="307" r:id="rId43"/>
-    <p:sldId id="308" r:id="rId44"/>
-    <p:sldId id="309" r:id="rId45"/>
-    <p:sldId id="310" r:id="rId46"/>
+    <p:sldId id="292" r:id="rId21"/>
+    <p:sldId id="290" r:id="rId22"/>
+    <p:sldId id="312" r:id="rId23"/>
+    <p:sldId id="296" r:id="rId24"/>
+    <p:sldId id="297" r:id="rId25"/>
+    <p:sldId id="298" r:id="rId26"/>
+    <p:sldId id="299" r:id="rId27"/>
+    <p:sldId id="301" r:id="rId28"/>
+    <p:sldId id="304" r:id="rId29"/>
+    <p:sldId id="300" r:id="rId30"/>
+    <p:sldId id="305" r:id="rId31"/>
+    <p:sldId id="306" r:id="rId32"/>
+    <p:sldId id="325" r:id="rId33"/>
+    <p:sldId id="318" r:id="rId34"/>
+    <p:sldId id="319" r:id="rId35"/>
+    <p:sldId id="320" r:id="rId36"/>
+    <p:sldId id="321" r:id="rId37"/>
+    <p:sldId id="322" r:id="rId38"/>
+    <p:sldId id="323" r:id="rId39"/>
+    <p:sldId id="324" r:id="rId40"/>
+    <p:sldId id="307" r:id="rId41"/>
+    <p:sldId id="308" r:id="rId42"/>
+    <p:sldId id="309" r:id="rId43"/>
+    <p:sldId id="310" r:id="rId44"/>
+    <p:sldId id="327" r:id="rId45"/>
+    <p:sldId id="328" r:id="rId46"/>
     <p:sldId id="313" r:id="rId47"/>
     <p:sldId id="314" r:id="rId48"/>
     <p:sldId id="315" r:id="rId49"/>
@@ -183,9 +183,7 @@
             <p14:sldId id="286"/>
             <p14:sldId id="288"/>
             <p14:sldId id="287"/>
-            <p14:sldId id="289"/>
             <p14:sldId id="292"/>
-            <p14:sldId id="293"/>
             <p14:sldId id="290"/>
             <p14:sldId id="312"/>
             <p14:sldId id="296"/>
@@ -213,6 +211,8 @@
             <p14:sldId id="308"/>
             <p14:sldId id="309"/>
             <p14:sldId id="310"/>
+            <p14:sldId id="327"/>
+            <p14:sldId id="328"/>
             <p14:sldId id="313"/>
             <p14:sldId id="314"/>
             <p14:sldId id="315"/>
@@ -308,7 +308,7 @@
           <a:p>
             <a:fld id="{37D14F8C-9F46-2E42-9999-888BFBC492E3}" type="datetimeFigureOut">
               <a:rPr lang="en-US" smtClean="0"/>
-              <a:t>4/21/16</a:t>
+              <a:t>4/22/16</a:t>
             </a:fld>
             <a:endParaRPr lang="en-US"/>
           </a:p>
@@ -474,7 +474,7 @@
           <a:p>
             <a:fld id="{C6B377BD-EE2D-6A4D-8791-40EA342A78BF}" type="datetimeFigureOut">
               <a:rPr lang="en-US" smtClean="0"/>
-              <a:t>4/21/16</a:t>
+              <a:t>4/22/16</a:t>
             </a:fld>
             <a:endParaRPr lang="en-US"/>
           </a:p>
@@ -990,7 +990,7 @@
           <a:p>
             <a:fld id="{6E605815-6331-9444-B06E-921213318926}" type="slidenum">
               <a:rPr lang="en-US" smtClean="0"/>
-              <a:t>32</a:t>
+              <a:t>30</a:t>
             </a:fld>
             <a:endParaRPr lang="en-US"/>
           </a:p>
@@ -1282,7 +1282,7 @@
           <a:p>
             <a:fld id="{8EE520D6-1199-3C41-9A6A-AA3E2C6DD588}" type="datetime1">
               <a:rPr lang="en-US" smtClean="0"/>
-              <a:t>4/21/16</a:t>
+              <a:t>4/22/16</a:t>
             </a:fld>
             <a:endParaRPr lang="en-US"/>
           </a:p>
@@ -1452,7 +1452,7 @@
           <a:p>
             <a:fld id="{6DE2AD85-55B3-6D40-8E45-4897033CE78D}" type="datetime1">
               <a:rPr lang="en-US" smtClean="0"/>
-              <a:t>4/21/16</a:t>
+              <a:t>4/22/16</a:t>
             </a:fld>
             <a:endParaRPr lang="en-US"/>
           </a:p>
@@ -1632,7 +1632,7 @@
           <a:p>
             <a:fld id="{9B6E2D90-BDC5-EC4E-97C9-9EBA924F9C2A}" type="datetime1">
               <a:rPr lang="en-US" smtClean="0"/>
-              <a:t>4/21/16</a:t>
+              <a:t>4/22/16</a:t>
             </a:fld>
             <a:endParaRPr lang="en-US"/>
           </a:p>
@@ -1802,7 +1802,7 @@
           <a:p>
             <a:fld id="{3C02FE2B-B967-F44C-97BF-619FFF540275}" type="datetime1">
               <a:rPr lang="en-US" smtClean="0"/>
-              <a:t>4/21/16</a:t>
+              <a:t>4/22/16</a:t>
             </a:fld>
             <a:endParaRPr lang="en-US"/>
           </a:p>
@@ -2048,7 +2048,7 @@
           <a:p>
             <a:fld id="{2E0BEB10-3E92-1544-85E8-C96C20A337CE}" type="datetime1">
               <a:rPr lang="en-US" smtClean="0"/>
-              <a:t>4/21/16</a:t>
+              <a:t>4/22/16</a:t>
             </a:fld>
             <a:endParaRPr lang="en-US"/>
           </a:p>
@@ -2336,7 +2336,7 @@
           <a:p>
             <a:fld id="{475FB051-8E54-8E49-8432-E38A630FF054}" type="datetime1">
               <a:rPr lang="en-US" smtClean="0"/>
-              <a:t>4/21/16</a:t>
+              <a:t>4/22/16</a:t>
             </a:fld>
             <a:endParaRPr lang="en-US"/>
           </a:p>
@@ -2758,7 +2758,7 @@
           <a:p>
             <a:fld id="{8BA679C2-08DD-074B-9C48-B348A1DFA775}" type="datetime1">
               <a:rPr lang="en-US" smtClean="0"/>
-              <a:t>4/21/16</a:t>
+              <a:t>4/22/16</a:t>
             </a:fld>
             <a:endParaRPr lang="en-US"/>
           </a:p>
@@ -2876,7 +2876,7 @@
           <a:p>
             <a:fld id="{FD8F829F-F712-8745-AC98-41D32B363003}" type="datetime1">
               <a:rPr lang="en-US" smtClean="0"/>
-              <a:t>4/21/16</a:t>
+              <a:t>4/22/16</a:t>
             </a:fld>
             <a:endParaRPr lang="en-US"/>
           </a:p>
@@ -2971,7 +2971,7 @@
           <a:p>
             <a:fld id="{B7766C51-9295-BA4E-9CC5-B913E9ED7975}" type="datetime1">
               <a:rPr lang="en-US" smtClean="0"/>
-              <a:t>4/21/16</a:t>
+              <a:t>4/22/16</a:t>
             </a:fld>
             <a:endParaRPr lang="en-US"/>
           </a:p>
@@ -3248,7 +3248,7 @@
           <a:p>
             <a:fld id="{DCC74353-384D-7548-8376-5A6CDDA54B35}" type="datetime1">
               <a:rPr lang="en-US" smtClean="0"/>
-              <a:t>4/21/16</a:t>
+              <a:t>4/22/16</a:t>
             </a:fld>
             <a:endParaRPr lang="en-US"/>
           </a:p>
@@ -3501,7 +3501,7 @@
           <a:p>
             <a:fld id="{912E0EE9-0FD5-A04C-8EF0-F3BFD9ED0CEF}" type="datetime1">
               <a:rPr lang="en-US" smtClean="0"/>
-              <a:t>4/21/16</a:t>
+              <a:t>4/22/16</a:t>
             </a:fld>
             <a:endParaRPr lang="en-US"/>
           </a:p>
@@ -3714,7 +3714,7 @@
           <a:p>
             <a:fld id="{E05DCBF9-A63F-9B48-BC2B-98F6B05BC7B3}" type="datetime1">
               <a:rPr lang="en-US" smtClean="0"/>
-              <a:t>4/21/16</a:t>
+              <a:t>4/22/16</a:t>
             </a:fld>
             <a:endParaRPr lang="en-US"/>
           </a:p>
@@ -4312,11 +4312,7 @@
           <a:p>
             <a:r>
               <a:rPr lang="en-US" dirty="0" smtClean="0"/>
-              <a:t>Cloud Platform</a:t>
-            </a:r>
-            <a:r>
-              <a:rPr lang="en-US" dirty="0" smtClean="0"/>
-              <a:t>-as-a-Service</a:t>
+              <a:t>Cloud Platform-as-a-Service</a:t>
             </a:r>
             <a:endParaRPr lang="en-US" dirty="0"/>
           </a:p>
@@ -4465,11 +4461,7 @@
           <a:p>
             <a:r>
               <a:rPr lang="en-US" dirty="0" smtClean="0"/>
-              <a:t>Enforcing Good </a:t>
-            </a:r>
-            <a:r>
-              <a:rPr lang="en-US" dirty="0" smtClean="0"/>
-              <a:t>Coding Practices in the Cloud</a:t>
+              <a:t>Enforcing Good Coding Practices in the Cloud</a:t>
             </a:r>
             <a:endParaRPr lang="en-US" dirty="0"/>
           </a:p>
@@ -4492,47 +4484,26 @@
           <a:p>
             <a:r>
               <a:rPr lang="en-US" dirty="0" smtClean="0"/>
-              <a:t>Code </a:t>
-            </a:r>
-            <a:r>
-              <a:rPr lang="en-US" dirty="0" smtClean="0"/>
-              <a:t>reuse</a:t>
-            </a:r>
-          </a:p>
-          <a:p>
-            <a:r>
-              <a:rPr lang="en-US" dirty="0" smtClean="0"/>
-              <a:t>Naming </a:t>
-            </a:r>
-            <a:r>
-              <a:rPr lang="en-US" dirty="0" smtClean="0"/>
-              <a:t>and versioning conventions</a:t>
-            </a:r>
-          </a:p>
-          <a:p>
-            <a:r>
-              <a:rPr lang="en-US" dirty="0" smtClean="0"/>
-              <a:t>Backward </a:t>
-            </a:r>
-            <a:r>
-              <a:rPr lang="en-US" dirty="0" smtClean="0"/>
-              <a:t>compatible code updates</a:t>
-            </a:r>
-          </a:p>
-          <a:p>
-            <a:r>
-              <a:rPr lang="en-US" dirty="0" smtClean="0"/>
-              <a:t>Prevent </a:t>
-            </a:r>
-            <a:r>
-              <a:rPr lang="en-US" dirty="0" smtClean="0"/>
-              <a:t>bad code </a:t>
-            </a:r>
-            <a:r>
-              <a:rPr lang="en-US" dirty="0" smtClean="0"/>
-              <a:t>from going into production</a:t>
-            </a:r>
-            <a:endParaRPr lang="en-US" dirty="0" smtClean="0"/>
+              <a:t>Code reuse</a:t>
+            </a:r>
+          </a:p>
+          <a:p>
+            <a:r>
+              <a:rPr lang="en-US" dirty="0" smtClean="0"/>
+              <a:t>Naming and versioning conventions</a:t>
+            </a:r>
+          </a:p>
+          <a:p>
+            <a:r>
+              <a:rPr lang="en-US" dirty="0" smtClean="0"/>
+              <a:t>Backward compatible code updates</a:t>
+            </a:r>
+          </a:p>
+          <a:p>
+            <a:r>
+              <a:rPr lang="en-US" dirty="0" smtClean="0"/>
+              <a:t>Prevent bad code from going into production</a:t>
+            </a:r>
           </a:p>
           <a:p>
             <a:r>
@@ -4760,10 +4731,12 @@
           </a:bodyPr>
           <a:lstStyle/>
           <a:p>
-            <a:pPr>
+            <a:pPr marL="285750" indent="-285750">
               <a:lnSpc>
                 <a:spcPct val="110000"/>
               </a:lnSpc>
+              <a:buFont typeface="Arial"/>
+              <a:buChar char="•"/>
             </a:pPr>
             <a:r>
               <a:rPr lang="en-US" sz="1400" i="1" dirty="0"/>
@@ -4823,10 +4796,12 @@
             </a:r>
           </a:p>
           <a:p>
-            <a:pPr>
+            <a:pPr marL="285750" indent="-285750">
               <a:lnSpc>
                 <a:spcPct val="110000"/>
               </a:lnSpc>
+              <a:buFont typeface="Arial"/>
+              <a:buChar char="•"/>
             </a:pPr>
             <a:r>
               <a:rPr lang="en-US" sz="1400" i="1" dirty="0"/>
@@ -5515,15 +5490,7 @@
           <a:p>
             <a:r>
               <a:rPr lang="en-US" dirty="0" smtClean="0"/>
-              <a:t>Reasoning About </a:t>
-            </a:r>
-            <a:r>
-              <a:rPr lang="en-US" dirty="0" smtClean="0"/>
-              <a:t>Web Application </a:t>
-            </a:r>
-            <a:r>
-              <a:rPr lang="en-US" dirty="0" smtClean="0"/>
-              <a:t>Performance in the Cloud</a:t>
+              <a:t>Reasoning About Web Application Performance in the Cloud</a:t>
             </a:r>
             <a:endParaRPr lang="en-US" dirty="0"/>
           </a:p>
@@ -5548,15 +5515,7 @@
           <a:p>
             <a:r>
               <a:rPr lang="en-US" dirty="0" smtClean="0"/>
-              <a:t>Determine </a:t>
-            </a:r>
-            <a:r>
-              <a:rPr lang="en-US" dirty="0" smtClean="0"/>
-              <a:t>bounds </a:t>
-            </a:r>
-            <a:r>
-              <a:rPr lang="en-US" dirty="0" smtClean="0"/>
-              <a:t>on application response times that are:</a:t>
+              <a:t>Determine bounds on application response times that are:</a:t>
             </a:r>
           </a:p>
           <a:p>
@@ -5746,10 +5705,12 @@
           </a:bodyPr>
           <a:lstStyle/>
           <a:p>
-            <a:pPr>
+            <a:pPr marL="285750" indent="-285750">
               <a:lnSpc>
                 <a:spcPct val="110000"/>
               </a:lnSpc>
+              <a:buFont typeface="Arial"/>
+              <a:buChar char="•"/>
             </a:pPr>
             <a:r>
               <a:rPr lang="en-US" sz="1400" i="1" dirty="0" smtClean="0"/>
@@ -5773,10 +5734,12 @@
             </a:r>
           </a:p>
           <a:p>
-            <a:pPr>
+            <a:pPr marL="285750" indent="-285750">
               <a:lnSpc>
                 <a:spcPct val="110000"/>
               </a:lnSpc>
+              <a:buFont typeface="Arial"/>
+              <a:buChar char="•"/>
             </a:pPr>
             <a:r>
               <a:rPr lang="en-US" sz="1400" i="1" dirty="0" smtClean="0"/>
@@ -5923,7 +5886,12 @@
             <a:fillRect/>
           </a:stretch>
         </p:blipFill>
-        <p:spPr/>
+        <p:spPr>
+          <a:xfrm>
+            <a:off x="-246848" y="1359198"/>
+            <a:ext cx="8667818" cy="4766966"/>
+          </a:xfrm>
+        </p:spPr>
       </p:pic>
       <p:sp>
         <p:nvSpPr>
@@ -5945,6 +5913,65 @@
               <a:t>19</a:t>
             </a:fld>
             <a:endParaRPr lang="en-US"/>
+          </a:p>
+        </p:txBody>
+      </p:sp>
+      <p:sp>
+        <p:nvSpPr>
+          <p:cNvPr id="5" name="Rectangular Callout 4"/>
+          <p:cNvSpPr/>
+          <p:nvPr/>
+        </p:nvSpPr>
+        <p:spPr>
+          <a:xfrm>
+            <a:off x="7154459" y="5108123"/>
+            <a:ext cx="1818705" cy="962817"/>
+          </a:xfrm>
+          <a:prstGeom prst="wedgeRectCallout">
+            <a:avLst>
+              <a:gd name="adj1" fmla="val -78667"/>
+              <a:gd name="adj2" fmla="val 15182"/>
+            </a:avLst>
+          </a:prstGeom>
+          <a:solidFill>
+            <a:srgbClr val="008000"/>
+          </a:solidFill>
+          <a:ln>
+            <a:noFill/>
+          </a:ln>
+        </p:spPr>
+        <p:style>
+          <a:lnRef idx="1">
+            <a:schemeClr val="accent1"/>
+          </a:lnRef>
+          <a:fillRef idx="3">
+            <a:schemeClr val="accent1"/>
+          </a:fillRef>
+          <a:effectRef idx="2">
+            <a:schemeClr val="accent1"/>
+          </a:effectRef>
+          <a:fontRef idx="minor">
+            <a:schemeClr val="lt1"/>
+          </a:fontRef>
+        </p:style>
+        <p:txBody>
+          <a:bodyPr rtlCol="0" anchor="ctr"/>
+          <a:lstStyle/>
+          <a:p>
+            <a:pPr algn="ctr"/>
+            <a:r>
+              <a:rPr lang="en-US" dirty="0" smtClean="0"/>
+              <a:t>API responds under Q </a:t>
+            </a:r>
+            <a:r>
+              <a:rPr lang="en-US" dirty="0" err="1" smtClean="0"/>
+              <a:t>ms</a:t>
+            </a:r>
+            <a:r>
+              <a:rPr lang="en-US" dirty="0" smtClean="0"/>
+              <a:t>, p% of the time</a:t>
+            </a:r>
+            <a:endParaRPr lang="en-US" dirty="0"/>
           </a:p>
         </p:txBody>
       </p:sp>
@@ -6536,14 +6563,157 @@
         </p:nvSpPr>
         <p:spPr/>
         <p:txBody>
+          <a:bodyPr/>
+          <a:lstStyle/>
+          <a:p>
+            <a:r>
+              <a:rPr lang="en-US" dirty="0" smtClean="0"/>
+              <a:t>SLA </a:t>
+            </a:r>
+            <a:r>
+              <a:rPr lang="en-US" dirty="0" smtClean="0"/>
+              <a:t>Durability</a:t>
+            </a:r>
+            <a:endParaRPr lang="en-US" dirty="0"/>
+          </a:p>
+        </p:txBody>
+      </p:sp>
+      <p:sp>
+        <p:nvSpPr>
+          <p:cNvPr id="3" name="Content Placeholder 2"/>
+          <p:cNvSpPr>
+            <a:spLocks noGrp="1"/>
+          </p:cNvSpPr>
+          <p:nvPr>
+            <p:ph idx="1"/>
+          </p:nvPr>
+        </p:nvSpPr>
+        <p:spPr/>
+        <p:txBody>
           <a:bodyPr>
-            <a:normAutofit fontScale="90000"/>
+            <a:normAutofit fontScale="92500" lnSpcReduction="10000"/>
           </a:bodyPr>
           <a:lstStyle/>
           <a:p>
             <a:r>
               <a:rPr lang="en-US" dirty="0" smtClean="0"/>
-              <a:t>QBETS: Queue Bounds Estimation from Time Series</a:t>
+              <a:t>Suppose Cerebro predicts that some API responds under </a:t>
+            </a:r>
+            <a:r>
+              <a:rPr lang="en-US" dirty="0" smtClean="0"/>
+              <a:t>Q </a:t>
+            </a:r>
+            <a:r>
+              <a:rPr lang="en-US" dirty="0" err="1" smtClean="0"/>
+              <a:t>ms</a:t>
+            </a:r>
+            <a:r>
+              <a:rPr lang="en-US" dirty="0" smtClean="0"/>
+              <a:t>, 95% of the </a:t>
+            </a:r>
+            <a:r>
+              <a:rPr lang="en-US" dirty="0" smtClean="0"/>
+              <a:t>time [JBW08].</a:t>
+            </a:r>
+            <a:endParaRPr lang="en-US" dirty="0" smtClean="0"/>
+          </a:p>
+          <a:p>
+            <a:pPr lvl="1"/>
+            <a:r>
+              <a:rPr lang="en-US" dirty="0" smtClean="0"/>
+              <a:t>Probability </a:t>
+            </a:r>
+            <a:r>
+              <a:rPr lang="en-US" dirty="0" smtClean="0"/>
+              <a:t>of observing 3 consecutive </a:t>
+            </a:r>
+            <a:r>
+              <a:rPr lang="en-US" dirty="0" smtClean="0"/>
+              <a:t>readings greater than Q: </a:t>
+            </a:r>
+            <a:r>
+              <a:rPr lang="en-US" dirty="0" smtClean="0"/>
+              <a:t>0.05</a:t>
+            </a:r>
+            <a:r>
+              <a:rPr lang="en-US" baseline="30000" dirty="0" smtClean="0"/>
+              <a:t>3 </a:t>
+            </a:r>
+            <a:r>
+              <a:rPr lang="en-US" dirty="0" smtClean="0"/>
+              <a:t>= </a:t>
+            </a:r>
+            <a:r>
+              <a:rPr lang="en-US" dirty="0" smtClean="0"/>
+              <a:t>0.000125</a:t>
+            </a:r>
+          </a:p>
+          <a:p>
+            <a:r>
+              <a:rPr lang="en-US" dirty="0"/>
+              <a:t>Each time </a:t>
+            </a:r>
+            <a:r>
+              <a:rPr lang="en-US" dirty="0" err="1"/>
+              <a:t>Cerebro</a:t>
+            </a:r>
+            <a:r>
+              <a:rPr lang="en-US" dirty="0"/>
+              <a:t> makes a </a:t>
+            </a:r>
+            <a:r>
+              <a:rPr lang="en-US" dirty="0" smtClean="0"/>
+              <a:t>prediction, </a:t>
+            </a:r>
+            <a:r>
+              <a:rPr lang="en-US" dirty="0"/>
+              <a:t>it </a:t>
+            </a:r>
+            <a:r>
+              <a:rPr lang="en-US" dirty="0" smtClean="0"/>
+              <a:t>computes </a:t>
+            </a:r>
+            <a:r>
+              <a:rPr lang="en-US" dirty="0"/>
+              <a:t>the </a:t>
+            </a:r>
+            <a:r>
+              <a:rPr lang="en-US" dirty="0" smtClean="0"/>
+              <a:t>autocorrelation </a:t>
+            </a:r>
+            <a:r>
+              <a:rPr lang="en-US" dirty="0"/>
+              <a:t>in the time series</a:t>
+            </a:r>
+          </a:p>
+          <a:p>
+            <a:r>
+              <a:rPr lang="en-US" dirty="0"/>
+              <a:t>Autocorrelation can be used to lookup a table, and determine </a:t>
+            </a:r>
+            <a:r>
+              <a:rPr lang="en-US" i="1" dirty="0" err="1"/>
+              <a:t>C</a:t>
+            </a:r>
+            <a:r>
+              <a:rPr lang="en-US" i="1" baseline="-25000" dirty="0" err="1"/>
+              <a:t>w</a:t>
+            </a:r>
+            <a:r>
+              <a:rPr lang="en-US" dirty="0"/>
+              <a:t>; the number of consecutive readings greater than </a:t>
+            </a:r>
+            <a:r>
+              <a:rPr lang="en-US" i="1" dirty="0"/>
+              <a:t>Q</a:t>
+            </a:r>
+            <a:r>
+              <a:rPr lang="en-US" dirty="0"/>
+              <a:t>, that constitute a change </a:t>
+            </a:r>
+            <a:r>
+              <a:rPr lang="en-US" dirty="0" smtClean="0"/>
+              <a:t>point</a:t>
             </a:r>
             <a:endParaRPr lang="en-US" dirty="0"/>
           </a:p>
@@ -6551,170 +6721,6 @@
       </p:sp>
       <p:sp>
         <p:nvSpPr>
-          <p:cNvPr id="3" name="Content Placeholder 2"/>
-          <p:cNvSpPr>
-            <a:spLocks noGrp="1"/>
-          </p:cNvSpPr>
-          <p:nvPr>
-            <p:ph idx="1"/>
-          </p:nvPr>
-        </p:nvSpPr>
-        <p:spPr/>
-        <p:txBody>
-          <a:bodyPr>
-            <a:normAutofit/>
-          </a:bodyPr>
-          <a:lstStyle/>
-          <a:p>
-            <a:r>
-              <a:rPr lang="en-US" dirty="0" smtClean="0"/>
-              <a:t>Analyzes the first </a:t>
-            </a:r>
-            <a:r>
-              <a:rPr lang="en-US" i="1" dirty="0" smtClean="0"/>
-              <a:t>n</a:t>
-            </a:r>
-            <a:r>
-              <a:rPr lang="en-US" dirty="0" smtClean="0"/>
-              <a:t> entries in a time series</a:t>
-            </a:r>
-          </a:p>
-          <a:p>
-            <a:r>
-              <a:rPr lang="en-US" dirty="0" smtClean="0"/>
-              <a:t>Predicts an upper bound for the </a:t>
-            </a:r>
-            <a:r>
-              <a:rPr lang="en-US" i="1" dirty="0" smtClean="0"/>
-              <a:t>(n+1)</a:t>
-            </a:r>
-            <a:r>
-              <a:rPr lang="en-US" baseline="30000" dirty="0" err="1" smtClean="0"/>
-              <a:t>th</a:t>
-            </a:r>
-            <a:r>
-              <a:rPr lang="en-US" dirty="0" smtClean="0"/>
-              <a:t> entry</a:t>
-            </a:r>
-          </a:p>
-          <a:p>
-            <a:pPr lvl="1"/>
-            <a:r>
-              <a:rPr lang="en-US" i="1" dirty="0" smtClean="0"/>
-              <a:t>QBETS([x</a:t>
-            </a:r>
-            <a:r>
-              <a:rPr lang="en-US" i="1" baseline="-25000" dirty="0" smtClean="0"/>
-              <a:t>1</a:t>
-            </a:r>
-            <a:r>
-              <a:rPr lang="en-US" i="1" dirty="0" smtClean="0"/>
-              <a:t>,x</a:t>
-            </a:r>
-            <a:r>
-              <a:rPr lang="en-US" i="1" baseline="-25000" dirty="0" smtClean="0"/>
-              <a:t>2</a:t>
-            </a:r>
-            <a:r>
-              <a:rPr lang="en-US" i="1" dirty="0" smtClean="0"/>
-              <a:t>,…</a:t>
-            </a:r>
-            <a:r>
-              <a:rPr lang="en-US" i="1" dirty="0" err="1" smtClean="0"/>
-              <a:t>x</a:t>
-            </a:r>
-            <a:r>
-              <a:rPr lang="en-US" i="1" baseline="-25000" dirty="0" err="1" smtClean="0"/>
-              <a:t>n</a:t>
-            </a:r>
-            <a:r>
-              <a:rPr lang="en-US" i="1" dirty="0" smtClean="0"/>
-              <a:t>], p) = Q</a:t>
-            </a:r>
-            <a:r>
-              <a:rPr lang="en-US" dirty="0" smtClean="0"/>
-              <a:t> where </a:t>
-            </a:r>
-            <a:r>
-              <a:rPr lang="en-US" i="1" dirty="0" smtClean="0"/>
-              <a:t>p </a:t>
-            </a:r>
-            <a:r>
-              <a:rPr lang="en-US" i="1" dirty="0" smtClean="0">
-                <a:sym typeface="Symbol"/>
-              </a:rPr>
-              <a:t> </a:t>
-            </a:r>
-            <a:r>
-              <a:rPr lang="en-US" i="1" dirty="0" smtClean="0"/>
-              <a:t>(0,1)</a:t>
-            </a:r>
-          </a:p>
-          <a:p>
-            <a:pPr lvl="1"/>
-            <a:r>
-              <a:rPr lang="en-US" i="1" dirty="0" smtClean="0"/>
-              <a:t>P(x</a:t>
-            </a:r>
-            <a:r>
-              <a:rPr lang="en-US" i="1" baseline="-25000" dirty="0" smtClean="0"/>
-              <a:t>n+1</a:t>
-            </a:r>
-            <a:r>
-              <a:rPr lang="en-US" i="1" dirty="0" smtClean="0"/>
-              <a:t> ≤ Q) ≥ p</a:t>
-            </a:r>
-          </a:p>
-          <a:p>
-            <a:r>
-              <a:rPr lang="en-US" dirty="0" smtClean="0"/>
-              <a:t>Cerebro uses QBETS to predict response time SLAs of the form:</a:t>
-            </a:r>
-          </a:p>
-          <a:p>
-            <a:pPr lvl="1"/>
-            <a:r>
-              <a:rPr lang="en-US" dirty="0" smtClean="0"/>
-              <a:t>Operation </a:t>
-            </a:r>
-            <a:r>
-              <a:rPr lang="en-US" i="1" dirty="0" smtClean="0"/>
-              <a:t>O</a:t>
-            </a:r>
-            <a:r>
-              <a:rPr lang="en-US" dirty="0" smtClean="0"/>
-              <a:t> responds </a:t>
-            </a:r>
-            <a:r>
-              <a:rPr lang="en-US" i="1" dirty="0" smtClean="0"/>
-              <a:t>under</a:t>
-            </a:r>
-            <a:r>
-              <a:rPr lang="en-US" dirty="0" smtClean="0"/>
-              <a:t> </a:t>
-            </a:r>
-            <a:r>
-              <a:rPr lang="en-US" i="1" dirty="0" smtClean="0"/>
-              <a:t>T</a:t>
-            </a:r>
-            <a:r>
-              <a:rPr lang="en-US" dirty="0" smtClean="0"/>
-              <a:t> milliseconds (100</a:t>
-            </a:r>
-            <a:r>
-              <a:rPr lang="en-US" i="1" dirty="0" smtClean="0"/>
-              <a:t>p)%</a:t>
-            </a:r>
-            <a:r>
-              <a:rPr lang="en-US" dirty="0" smtClean="0"/>
-              <a:t> of the time</a:t>
-            </a:r>
-            <a:endParaRPr lang="en-US" dirty="0"/>
-          </a:p>
-        </p:txBody>
-      </p:sp>
-      <p:sp>
-        <p:nvSpPr>
           <p:cNvPr id="4" name="Slide Number Placeholder 3"/>
           <p:cNvSpPr>
             <a:spLocks noGrp="1"/>
@@ -6728,78 +6734,18 @@
           <a:bodyPr/>
           <a:lstStyle/>
           <a:p>
-            <a:fld id="{3336F440-0623-F948-B0BF-C3A0BAE2BBD0}" type="slidenum">
+            <a:fld id="{4940F666-E5FA-274D-B0C1-53A0010BDC84}" type="slidenum">
               <a:rPr lang="en-US" smtClean="0"/>
-              <a:pPr/>
               <a:t>20</a:t>
             </a:fld>
             <a:endParaRPr lang="en-US"/>
           </a:p>
         </p:txBody>
       </p:sp>
-      <p:sp>
-        <p:nvSpPr>
-          <p:cNvPr id="5" name="TextBox 4"/>
-          <p:cNvSpPr txBox="1"/>
-          <p:nvPr/>
-        </p:nvSpPr>
-        <p:spPr>
-          <a:xfrm>
-            <a:off x="165100" y="6264335"/>
-            <a:ext cx="8788400" cy="562718"/>
-          </a:xfrm>
-          <a:prstGeom prst="rect">
-            <a:avLst/>
-          </a:prstGeom>
-          <a:noFill/>
-        </p:spPr>
-        <p:txBody>
-          <a:bodyPr wrap="square" rtlCol="0">
-            <a:spAutoFit/>
-          </a:bodyPr>
-          <a:lstStyle/>
-          <a:p>
-            <a:pPr>
-              <a:lnSpc>
-                <a:spcPct val="110000"/>
-              </a:lnSpc>
-            </a:pPr>
-            <a:r>
-              <a:rPr lang="en-US" sz="1400" i="1" dirty="0" smtClean="0"/>
-              <a:t>D. </a:t>
-            </a:r>
-            <a:r>
-              <a:rPr lang="en-US" sz="1400" i="1" dirty="0" err="1" smtClean="0"/>
-              <a:t>Nurmi</a:t>
-            </a:r>
-            <a:r>
-              <a:rPr lang="en-US" sz="1400" i="1" dirty="0" smtClean="0"/>
-              <a:t>, J. </a:t>
-            </a:r>
-            <a:r>
-              <a:rPr lang="en-US" sz="1400" i="1" dirty="0" err="1" smtClean="0"/>
-              <a:t>Brevik</a:t>
-            </a:r>
-            <a:r>
-              <a:rPr lang="en-US" sz="1400" i="1" dirty="0" smtClean="0"/>
-              <a:t> and R. </a:t>
-            </a:r>
-            <a:r>
-              <a:rPr lang="en-US" sz="1400" i="1" dirty="0" err="1" smtClean="0"/>
-              <a:t>Wolski</a:t>
-            </a:r>
-            <a:r>
-              <a:rPr lang="en-US" sz="1400" i="1" dirty="0" smtClean="0"/>
-              <a:t>, “QBETS: Queue Bounds Estimation from Time Series”, 2008 International Conference on Job Scheduling Strategies for Parallel Processing</a:t>
-            </a:r>
-            <a:endParaRPr lang="en-US" sz="1400" i="1" dirty="0"/>
-          </a:p>
-        </p:txBody>
-      </p:sp>
     </p:spTree>
     <p:extLst>
       <p:ext uri="{BB962C8B-B14F-4D97-AF65-F5344CB8AC3E}">
-        <p14:creationId xmlns:p14="http://schemas.microsoft.com/office/powerpoint/2010/main" val="605574221"/>
+        <p14:creationId xmlns:p14="http://schemas.microsoft.com/office/powerpoint/2010/main" val="2582674383"/>
       </p:ext>
     </p:extLst>
   </p:cSld>
@@ -6850,311 +6796,6 @@
           <a:p>
             <a:r>
               <a:rPr lang="en-US" dirty="0" smtClean="0"/>
-              <a:t>SLA Durability: An Example</a:t>
-            </a:r>
-            <a:endParaRPr lang="en-US" dirty="0"/>
-          </a:p>
-        </p:txBody>
-      </p:sp>
-      <p:sp>
-        <p:nvSpPr>
-          <p:cNvPr id="3" name="Content Placeholder 2"/>
-          <p:cNvSpPr>
-            <a:spLocks noGrp="1"/>
-          </p:cNvSpPr>
-          <p:nvPr>
-            <p:ph idx="1"/>
-          </p:nvPr>
-        </p:nvSpPr>
-        <p:spPr/>
-        <p:txBody>
-          <a:bodyPr>
-            <a:normAutofit lnSpcReduction="10000"/>
-          </a:bodyPr>
-          <a:lstStyle/>
-          <a:p>
-            <a:r>
-              <a:rPr lang="en-US" dirty="0" smtClean="0"/>
-              <a:t>Suppose Cerebro predicts that some API responds under 100ms, 95% of the time.</a:t>
-            </a:r>
-          </a:p>
-          <a:p>
-            <a:pPr lvl="1"/>
-            <a:r>
-              <a:rPr lang="en-US" dirty="0" smtClean="0"/>
-              <a:t>Probability of API response time exceeding 100ms is (1 – 0.01 * 95) = 0.05</a:t>
-            </a:r>
-          </a:p>
-          <a:p>
-            <a:pPr lvl="1"/>
-            <a:r>
-              <a:rPr lang="en-US" dirty="0" smtClean="0"/>
-              <a:t>Probability of observing 3 consecutive such readings is 0.05</a:t>
-            </a:r>
-            <a:r>
-              <a:rPr lang="en-US" baseline="30000" dirty="0" smtClean="0"/>
-              <a:t>3 </a:t>
-            </a:r>
-            <a:r>
-              <a:rPr lang="en-US" dirty="0" smtClean="0"/>
-              <a:t>= 0.000125</a:t>
-            </a:r>
-          </a:p>
-          <a:p>
-            <a:r>
-              <a:rPr lang="en-US" dirty="0" smtClean="0"/>
-              <a:t>This value 3 is conservative with regard to autocorrelation</a:t>
-            </a:r>
-          </a:p>
-          <a:p>
-            <a:pPr lvl="1"/>
-            <a:r>
-              <a:rPr lang="en-US" dirty="0" smtClean="0"/>
-              <a:t>E.g. To get the same small value 0.000125 with 0.5 autocorrelation, we need to observe 5 events</a:t>
-            </a:r>
-          </a:p>
-        </p:txBody>
-      </p:sp>
-      <p:sp>
-        <p:nvSpPr>
-          <p:cNvPr id="4" name="Slide Number Placeholder 3"/>
-          <p:cNvSpPr>
-            <a:spLocks noGrp="1"/>
-          </p:cNvSpPr>
-          <p:nvPr>
-            <p:ph type="sldNum" sz="quarter" idx="12"/>
-          </p:nvPr>
-        </p:nvSpPr>
-        <p:spPr/>
-        <p:txBody>
-          <a:bodyPr/>
-          <a:lstStyle/>
-          <a:p>
-            <a:fld id="{4940F666-E5FA-274D-B0C1-53A0010BDC84}" type="slidenum">
-              <a:rPr lang="en-US" smtClean="0"/>
-              <a:t>21</a:t>
-            </a:fld>
-            <a:endParaRPr lang="en-US"/>
-          </a:p>
-        </p:txBody>
-      </p:sp>
-    </p:spTree>
-    <p:extLst>
-      <p:ext uri="{BB962C8B-B14F-4D97-AF65-F5344CB8AC3E}">
-        <p14:creationId xmlns:p14="http://schemas.microsoft.com/office/powerpoint/2010/main" val="2582674383"/>
-      </p:ext>
-    </p:extLst>
-  </p:cSld>
-  <p:clrMapOvr>
-    <a:masterClrMapping/>
-  </p:clrMapOvr>
-  <p:timing>
-    <p:tnLst>
-      <p:par>
-        <p:cTn xmlns:p14="http://schemas.microsoft.com/office/powerpoint/2010/main" id="1" dur="indefinite" restart="never" nodeType="tmRoot"/>
-      </p:par>
-    </p:tnLst>
-  </p:timing>
-</p:sld>
-</file>
-
-<file path=ppt/slides/slide22.xml><?xml version="1.0" encoding="utf-8"?>
-<p:sld xmlns:a="http://schemas.openxmlformats.org/drawingml/2006/main" xmlns:r="http://schemas.openxmlformats.org/officeDocument/2006/relationships" xmlns:p="http://schemas.openxmlformats.org/presentationml/2006/main">
-  <p:cSld>
-    <p:spTree>
-      <p:nvGrpSpPr>
-        <p:cNvPr id="1" name=""/>
-        <p:cNvGrpSpPr/>
-        <p:nvPr/>
-      </p:nvGrpSpPr>
-      <p:grpSpPr>
-        <a:xfrm>
-          <a:off x="0" y="0"/>
-          <a:ext cx="0" cy="0"/>
-          <a:chOff x="0" y="0"/>
-          <a:chExt cx="0" cy="0"/>
-        </a:xfrm>
-      </p:grpSpPr>
-      <p:sp>
-        <p:nvSpPr>
-          <p:cNvPr id="2" name="Title 1"/>
-          <p:cNvSpPr>
-            <a:spLocks noGrp="1"/>
-          </p:cNvSpPr>
-          <p:nvPr>
-            <p:ph type="title"/>
-          </p:nvPr>
-        </p:nvSpPr>
-        <p:spPr/>
-        <p:txBody>
-          <a:bodyPr/>
-          <a:lstStyle/>
-          <a:p>
-            <a:r>
-              <a:rPr lang="en-US" dirty="0" smtClean="0"/>
-              <a:t>Detecting SLA Invalidation</a:t>
-            </a:r>
-            <a:endParaRPr lang="en-US" dirty="0"/>
-          </a:p>
-        </p:txBody>
-      </p:sp>
-      <p:sp>
-        <p:nvSpPr>
-          <p:cNvPr id="3" name="Content Placeholder 2"/>
-          <p:cNvSpPr>
-            <a:spLocks noGrp="1"/>
-          </p:cNvSpPr>
-          <p:nvPr>
-            <p:ph idx="1"/>
-          </p:nvPr>
-        </p:nvSpPr>
-        <p:spPr/>
-        <p:txBody>
-          <a:bodyPr>
-            <a:normAutofit lnSpcReduction="10000"/>
-          </a:bodyPr>
-          <a:lstStyle/>
-          <a:p>
-            <a:r>
-              <a:rPr lang="en-US" dirty="0" smtClean="0"/>
-              <a:t>Each time Cerebro makes a prediction, it computes the current autocorrelation in the time series</a:t>
-            </a:r>
-          </a:p>
-          <a:p>
-            <a:r>
-              <a:rPr lang="en-US" dirty="0" smtClean="0"/>
-              <a:t>Autocorrelation can be used to lookup a table, and determine </a:t>
-            </a:r>
-            <a:r>
-              <a:rPr lang="en-US" i="1" dirty="0" err="1" smtClean="0"/>
-              <a:t>C</a:t>
-            </a:r>
-            <a:r>
-              <a:rPr lang="en-US" i="1" baseline="-25000" dirty="0" err="1" smtClean="0"/>
-              <a:t>w</a:t>
-            </a:r>
-            <a:r>
-              <a:rPr lang="en-US" dirty="0"/>
-              <a:t>;</a:t>
-            </a:r>
-            <a:r>
-              <a:rPr lang="en-US" dirty="0" smtClean="0"/>
-              <a:t> the number of consecutive readings greater than </a:t>
-            </a:r>
-            <a:r>
-              <a:rPr lang="en-US" i="1" dirty="0" smtClean="0"/>
-              <a:t>Q</a:t>
-            </a:r>
-            <a:r>
-              <a:rPr lang="en-US" dirty="0" smtClean="0"/>
-              <a:t>, that constitute a </a:t>
-            </a:r>
-            <a:r>
-              <a:rPr lang="en-US" dirty="0" smtClean="0"/>
-              <a:t>change point</a:t>
-            </a:r>
-            <a:endParaRPr lang="en-US" dirty="0" smtClean="0"/>
-          </a:p>
-          <a:p>
-            <a:r>
-              <a:rPr lang="en-US" dirty="0" smtClean="0"/>
-              <a:t>We consider the SLA to have become invalid if this </a:t>
-            </a:r>
-            <a:r>
-              <a:rPr lang="en-US" dirty="0" smtClean="0"/>
-              <a:t>change point</a:t>
-            </a:r>
-            <a:r>
-              <a:rPr lang="en-US" dirty="0" smtClean="0"/>
-              <a:t> </a:t>
-            </a:r>
-            <a:r>
-              <a:rPr lang="en-US" dirty="0" smtClean="0"/>
-              <a:t>occurs</a:t>
-            </a:r>
-          </a:p>
-          <a:p>
-            <a:endParaRPr lang="en-US" dirty="0"/>
-          </a:p>
-        </p:txBody>
-      </p:sp>
-      <p:sp>
-        <p:nvSpPr>
-          <p:cNvPr id="4" name="Slide Number Placeholder 3"/>
-          <p:cNvSpPr>
-            <a:spLocks noGrp="1"/>
-          </p:cNvSpPr>
-          <p:nvPr>
-            <p:ph type="sldNum" sz="quarter" idx="12"/>
-          </p:nvPr>
-        </p:nvSpPr>
-        <p:spPr/>
-        <p:txBody>
-          <a:bodyPr/>
-          <a:lstStyle/>
-          <a:p>
-            <a:fld id="{4940F666-E5FA-274D-B0C1-53A0010BDC84}" type="slidenum">
-              <a:rPr lang="en-US" smtClean="0"/>
-              <a:t>22</a:t>
-            </a:fld>
-            <a:endParaRPr lang="en-US"/>
-          </a:p>
-        </p:txBody>
-      </p:sp>
-    </p:spTree>
-    <p:extLst>
-      <p:ext uri="{BB962C8B-B14F-4D97-AF65-F5344CB8AC3E}">
-        <p14:creationId xmlns:p14="http://schemas.microsoft.com/office/powerpoint/2010/main" val="2880975851"/>
-      </p:ext>
-    </p:extLst>
-  </p:cSld>
-  <p:clrMapOvr>
-    <a:masterClrMapping/>
-  </p:clrMapOvr>
-  <p:timing>
-    <p:tnLst>
-      <p:par>
-        <p:cTn xmlns:p14="http://schemas.microsoft.com/office/powerpoint/2010/main" id="1" dur="indefinite" restart="never" nodeType="tmRoot"/>
-      </p:par>
-    </p:tnLst>
-  </p:timing>
-</p:sld>
-</file>
-
-<file path=ppt/slides/slide23.xml><?xml version="1.0" encoding="utf-8"?>
-<p:sld xmlns:a="http://schemas.openxmlformats.org/drawingml/2006/main" xmlns:r="http://schemas.openxmlformats.org/officeDocument/2006/relationships" xmlns:p="http://schemas.openxmlformats.org/presentationml/2006/main">
-  <p:cSld>
-    <p:spTree>
-      <p:nvGrpSpPr>
-        <p:cNvPr id="1" name=""/>
-        <p:cNvGrpSpPr/>
-        <p:nvPr/>
-      </p:nvGrpSpPr>
-      <p:grpSpPr>
-        <a:xfrm>
-          <a:off x="0" y="0"/>
-          <a:ext cx="0" cy="0"/>
-          <a:chOff x="0" y="0"/>
-          <a:chExt cx="0" cy="0"/>
-        </a:xfrm>
-      </p:grpSpPr>
-      <p:sp>
-        <p:nvSpPr>
-          <p:cNvPr id="2" name="Title 1"/>
-          <p:cNvSpPr>
-            <a:spLocks noGrp="1"/>
-          </p:cNvSpPr>
-          <p:nvPr>
-            <p:ph type="title"/>
-          </p:nvPr>
-        </p:nvSpPr>
-        <p:spPr/>
-        <p:txBody>
-          <a:bodyPr/>
-          <a:lstStyle/>
-          <a:p>
-            <a:r>
-              <a:rPr lang="en-US" dirty="0" smtClean="0"/>
               <a:t>Prediction Correctness</a:t>
             </a:r>
             <a:endParaRPr lang="en-US" dirty="0"/>
@@ -7209,7 +6850,7 @@
             <a:fld id="{3336F440-0623-F948-B0BF-C3A0BAE2BBD0}" type="slidenum">
               <a:rPr lang="en-US" smtClean="0"/>
               <a:pPr/>
-              <a:t>23</a:t>
+              <a:t>21</a:t>
             </a:fld>
             <a:endParaRPr lang="en-US"/>
           </a:p>
@@ -7320,7 +6961,7 @@
 </p:sld>
 </file>
 
-<file path=ppt/slides/slide24.xml><?xml version="1.0" encoding="utf-8"?>
+<file path=ppt/slides/slide22.xml><?xml version="1.0" encoding="utf-8"?>
 <p:sld xmlns:a="http://schemas.openxmlformats.org/drawingml/2006/main" xmlns:r="http://schemas.openxmlformats.org/officeDocument/2006/relationships" xmlns:p="http://schemas.openxmlformats.org/presentationml/2006/main">
   <p:cSld>
     <p:spTree>
@@ -7383,16 +7024,25 @@
           <a:p>
             <a:r>
               <a:rPr lang="en-US" dirty="0" smtClean="0"/>
-              <a:t>Prediction tightness [App Engine, </a:t>
+              <a:t>Prediction tightness </a:t>
+            </a:r>
+            <a:r>
+              <a:rPr lang="en-US" dirty="0" smtClean="0"/>
+              <a:t>(App </a:t>
+            </a:r>
+            <a:r>
+              <a:rPr lang="en-US" dirty="0" smtClean="0"/>
+              <a:t>Engine, </a:t>
             </a:r>
             <a:r>
               <a:rPr lang="en-US" dirty="0" err="1" smtClean="0"/>
               <a:t>AppScale</a:t>
             </a:r>
             <a:r>
-              <a:rPr lang="en-US" dirty="0" smtClean="0"/>
-              <a:t>]</a:t>
-            </a:r>
+              <a:rPr lang="en-US" dirty="0"/>
+              <a:t>)</a:t>
+            </a:r>
+            <a:endParaRPr lang="en-US" dirty="0" smtClean="0"/>
           </a:p>
           <a:p>
             <a:pPr lvl="1"/>
@@ -7411,8 +7061,13 @@
           <a:p>
             <a:r>
               <a:rPr lang="en-US" dirty="0" smtClean="0"/>
-              <a:t>Durability [App Engine]</a:t>
-            </a:r>
+              <a:t>Durability </a:t>
+            </a:r>
+            <a:r>
+              <a:rPr lang="en-US" dirty="0" smtClean="0"/>
+              <a:t>(App Engine)</a:t>
+            </a:r>
+            <a:endParaRPr lang="en-US" dirty="0" smtClean="0"/>
           </a:p>
           <a:p>
             <a:pPr lvl="1"/>
@@ -7438,14 +7093,39 @@
             <a:pPr lvl="1"/>
             <a:r>
               <a:rPr lang="en-US" dirty="0" smtClean="0"/>
-              <a:t>10 seconds (with 24 hour history)</a:t>
-            </a:r>
+              <a:t>10 </a:t>
+            </a:r>
+            <a:r>
+              <a:rPr lang="en-US" dirty="0" smtClean="0"/>
+              <a:t>seconds: with </a:t>
+            </a:r>
+            <a:r>
+              <a:rPr lang="en-US" dirty="0" smtClean="0"/>
+              <a:t>24 hour </a:t>
+            </a:r>
+            <a:r>
+              <a:rPr lang="en-US" dirty="0" smtClean="0"/>
+              <a:t>history</a:t>
+            </a:r>
+            <a:endParaRPr lang="en-US" dirty="0" smtClean="0"/>
           </a:p>
           <a:p>
             <a:pPr lvl="1"/>
             <a:r>
               <a:rPr lang="en-US" dirty="0" smtClean="0"/>
-              <a:t>9.6 minutes (with 2 week history)</a:t>
+              <a:t>9.6 </a:t>
+            </a:r>
+            <a:r>
+              <a:rPr lang="en-US" dirty="0" smtClean="0"/>
+              <a:t>minutes: with </a:t>
+            </a:r>
+            <a:r>
+              <a:rPr lang="en-US" dirty="0" smtClean="0"/>
+              <a:t>2 week </a:t>
+            </a:r>
+            <a:r>
+              <a:rPr lang="en-US" dirty="0" smtClean="0"/>
+              <a:t>history</a:t>
             </a:r>
             <a:endParaRPr lang="en-US" dirty="0"/>
           </a:p>
@@ -7468,7 +7148,7 @@
           <a:p>
             <a:fld id="{D4755116-B387-CD40-9D82-4279FFF17F28}" type="slidenum">
               <a:rPr lang="en-US" smtClean="0"/>
-              <a:t>24</a:t>
+              <a:t>22</a:t>
             </a:fld>
             <a:endParaRPr lang="en-US"/>
           </a:p>
@@ -7494,7 +7174,7 @@
 </p:sld>
 </file>
 
-<file path=ppt/slides/slide25.xml><?xml version="1.0" encoding="utf-8"?>
+<file path=ppt/slides/slide23.xml><?xml version="1.0" encoding="utf-8"?>
 <p:sld xmlns:a="http://schemas.openxmlformats.org/drawingml/2006/main" xmlns:r="http://schemas.openxmlformats.org/officeDocument/2006/relationships" xmlns:p="http://schemas.openxmlformats.org/presentationml/2006/main">
   <p:cSld>
     <p:spTree>
@@ -7530,11 +7210,7 @@
           <a:p>
             <a:r>
               <a:rPr lang="en-US" dirty="0" smtClean="0"/>
-              <a:t>Performance </a:t>
-            </a:r>
-            <a:r>
-              <a:rPr lang="en-US" dirty="0" smtClean="0"/>
-              <a:t>Debugging</a:t>
+              <a:t>Performance Debugging</a:t>
             </a:r>
             <a:endParaRPr lang="en-US" dirty="0"/>
           </a:p>
@@ -7612,7 +7288,7 @@
           <a:p>
             <a:fld id="{D4755116-B387-CD40-9D82-4279FFF17F28}" type="slidenum">
               <a:rPr lang="en-US" smtClean="0"/>
-              <a:t>25</a:t>
+              <a:t>23</a:t>
             </a:fld>
             <a:endParaRPr lang="en-US"/>
           </a:p>
@@ -7638,7 +7314,7 @@
 </p:sld>
 </file>
 
-<file path=ppt/slides/slide26.xml><?xml version="1.0" encoding="utf-8"?>
+<file path=ppt/slides/slide24.xml><?xml version="1.0" encoding="utf-8"?>
 <p:sld xmlns:a="http://schemas.openxmlformats.org/drawingml/2006/main" xmlns:r="http://schemas.openxmlformats.org/officeDocument/2006/relationships" xmlns:p="http://schemas.openxmlformats.org/presentationml/2006/main">
   <p:cSld>
     <p:spTree>
@@ -7772,7 +7448,7 @@
           <a:p>
             <a:fld id="{D4755116-B387-CD40-9D82-4279FFF17F28}" type="slidenum">
               <a:rPr lang="en-US" smtClean="0"/>
-              <a:t>26</a:t>
+              <a:t>24</a:t>
             </a:fld>
             <a:endParaRPr lang="en-US"/>
           </a:p>
@@ -7798,7 +7474,7 @@
 </p:sld>
 </file>
 
-<file path=ppt/slides/slide27.xml><?xml version="1.0" encoding="utf-8"?>
+<file path=ppt/slides/slide25.xml><?xml version="1.0" encoding="utf-8"?>
 <p:sld xmlns:a="http://schemas.openxmlformats.org/drawingml/2006/main" xmlns:r="http://schemas.openxmlformats.org/officeDocument/2006/relationships" xmlns:p="http://schemas.openxmlformats.org/presentationml/2006/main">
   <p:cSld>
     <p:spTree>
@@ -8396,7 +8072,7 @@
           <a:p>
             <a:fld id="{D4755116-B387-CD40-9D82-4279FFF17F28}" type="slidenum">
               <a:rPr lang="en-US" smtClean="0"/>
-              <a:t>27</a:t>
+              <a:t>25</a:t>
             </a:fld>
             <a:endParaRPr lang="en-US"/>
           </a:p>
@@ -8733,6 +8409,291 @@
 </p:sld>
 </file>
 
+<file path=ppt/slides/slide26.xml><?xml version="1.0" encoding="utf-8"?>
+<p:sld xmlns:a="http://schemas.openxmlformats.org/drawingml/2006/main" xmlns:r="http://schemas.openxmlformats.org/officeDocument/2006/relationships" xmlns:p="http://schemas.openxmlformats.org/presentationml/2006/main">
+  <p:cSld>
+    <p:spTree>
+      <p:nvGrpSpPr>
+        <p:cNvPr id="1" name=""/>
+        <p:cNvGrpSpPr/>
+        <p:nvPr/>
+      </p:nvGrpSpPr>
+      <p:grpSpPr>
+        <a:xfrm>
+          <a:off x="0" y="0"/>
+          <a:ext cx="0" cy="0"/>
+          <a:chOff x="0" y="0"/>
+          <a:chExt cx="0" cy="0"/>
+        </a:xfrm>
+      </p:grpSpPr>
+      <p:sp>
+        <p:nvSpPr>
+          <p:cNvPr id="2" name="Title 1"/>
+          <p:cNvSpPr>
+            <a:spLocks noGrp="1"/>
+          </p:cNvSpPr>
+          <p:nvPr>
+            <p:ph type="title"/>
+          </p:nvPr>
+        </p:nvSpPr>
+        <p:spPr/>
+        <p:txBody>
+          <a:bodyPr/>
+          <a:lstStyle/>
+          <a:p>
+            <a:r>
+              <a:rPr lang="en-US" dirty="0" smtClean="0"/>
+              <a:t>Anomaly Detection</a:t>
+            </a:r>
+            <a:endParaRPr lang="en-US" dirty="0"/>
+          </a:p>
+        </p:txBody>
+      </p:sp>
+      <p:sp>
+        <p:nvSpPr>
+          <p:cNvPr id="3" name="Content Placeholder 2"/>
+          <p:cNvSpPr>
+            <a:spLocks noGrp="1"/>
+          </p:cNvSpPr>
+          <p:nvPr>
+            <p:ph idx="1"/>
+          </p:nvPr>
+        </p:nvSpPr>
+        <p:spPr/>
+        <p:txBody>
+          <a:bodyPr/>
+          <a:lstStyle/>
+          <a:p>
+            <a:r>
+              <a:rPr lang="en-US" dirty="0" smtClean="0"/>
+              <a:t>SLO-based detection</a:t>
+            </a:r>
+          </a:p>
+          <a:p>
+            <a:pPr lvl="1"/>
+            <a:r>
+              <a:rPr lang="en-US" dirty="0" smtClean="0"/>
+              <a:t>Probe the application periodically and record SLO</a:t>
+            </a:r>
+          </a:p>
+          <a:p>
+            <a:pPr lvl="1"/>
+            <a:r>
+              <a:rPr lang="en-US" dirty="0" smtClean="0"/>
+              <a:t>Periodically compute the observed SLA satisfaction level</a:t>
+            </a:r>
+          </a:p>
+          <a:p>
+            <a:r>
+              <a:rPr lang="en-US" dirty="0" smtClean="0"/>
+              <a:t>Correlation-based </a:t>
+            </a:r>
+            <a:r>
+              <a:rPr lang="en-US" dirty="0" smtClean="0"/>
+              <a:t>detection [MS10]</a:t>
+            </a:r>
+            <a:endParaRPr lang="en-US" dirty="0" smtClean="0"/>
+          </a:p>
+          <a:p>
+            <a:pPr lvl="1"/>
+            <a:r>
+              <a:rPr lang="en-US" dirty="0" smtClean="0"/>
+              <a:t>Statistically detect increases in response time that are not correlated with increases in workload</a:t>
+            </a:r>
+          </a:p>
+          <a:p>
+            <a:pPr lvl="1"/>
+            <a:r>
+              <a:rPr lang="en-US" dirty="0" smtClean="0"/>
+              <a:t>Pearson’s R and dynamic time warping</a:t>
+            </a:r>
+            <a:endParaRPr lang="en-US" dirty="0"/>
+          </a:p>
+        </p:txBody>
+      </p:sp>
+      <p:sp>
+        <p:nvSpPr>
+          <p:cNvPr id="5" name="Slide Number Placeholder 4"/>
+          <p:cNvSpPr>
+            <a:spLocks noGrp="1"/>
+          </p:cNvSpPr>
+          <p:nvPr>
+            <p:ph type="sldNum" sz="quarter" idx="12"/>
+          </p:nvPr>
+        </p:nvSpPr>
+        <p:spPr/>
+        <p:txBody>
+          <a:bodyPr/>
+          <a:lstStyle/>
+          <a:p>
+            <a:fld id="{D4755116-B387-CD40-9D82-4279FFF17F28}" type="slidenum">
+              <a:rPr lang="en-US" smtClean="0"/>
+              <a:t>26</a:t>
+            </a:fld>
+            <a:endParaRPr lang="en-US"/>
+          </a:p>
+        </p:txBody>
+      </p:sp>
+    </p:spTree>
+    <p:extLst>
+      <p:ext uri="{BB962C8B-B14F-4D97-AF65-F5344CB8AC3E}">
+        <p14:creationId xmlns:p14="http://schemas.microsoft.com/office/powerpoint/2010/main" val="1864197141"/>
+      </p:ext>
+    </p:extLst>
+  </p:cSld>
+  <p:clrMapOvr>
+    <a:masterClrMapping/>
+  </p:clrMapOvr>
+  <p:timing>
+    <p:tnLst>
+      <p:par>
+        <p:cTn xmlns:p14="http://schemas.microsoft.com/office/powerpoint/2010/main" id="1" dur="indefinite" restart="never" nodeType="tmRoot"/>
+      </p:par>
+    </p:tnLst>
+  </p:timing>
+</p:sld>
+</file>
+
+<file path=ppt/slides/slide27.xml><?xml version="1.0" encoding="utf-8"?>
+<p:sld xmlns:a="http://schemas.openxmlformats.org/drawingml/2006/main" xmlns:r="http://schemas.openxmlformats.org/officeDocument/2006/relationships" xmlns:p="http://schemas.openxmlformats.org/presentationml/2006/main">
+  <p:cSld>
+    <p:spTree>
+      <p:nvGrpSpPr>
+        <p:cNvPr id="1" name=""/>
+        <p:cNvGrpSpPr/>
+        <p:nvPr/>
+      </p:nvGrpSpPr>
+      <p:grpSpPr>
+        <a:xfrm>
+          <a:off x="0" y="0"/>
+          <a:ext cx="0" cy="0"/>
+          <a:chOff x="0" y="0"/>
+          <a:chExt cx="0" cy="0"/>
+        </a:xfrm>
+      </p:grpSpPr>
+      <p:sp>
+        <p:nvSpPr>
+          <p:cNvPr id="2" name="Title 1"/>
+          <p:cNvSpPr>
+            <a:spLocks noGrp="1"/>
+          </p:cNvSpPr>
+          <p:nvPr>
+            <p:ph type="title"/>
+          </p:nvPr>
+        </p:nvSpPr>
+        <p:spPr/>
+        <p:txBody>
+          <a:bodyPr/>
+          <a:lstStyle/>
+          <a:p>
+            <a:r>
+              <a:rPr lang="en-US" dirty="0" smtClean="0"/>
+              <a:t>Workload Analysis</a:t>
+            </a:r>
+            <a:endParaRPr lang="en-US" dirty="0"/>
+          </a:p>
+        </p:txBody>
+      </p:sp>
+      <p:sp>
+        <p:nvSpPr>
+          <p:cNvPr id="3" name="Content Placeholder 2"/>
+          <p:cNvSpPr>
+            <a:spLocks noGrp="1"/>
+          </p:cNvSpPr>
+          <p:nvPr>
+            <p:ph idx="1"/>
+          </p:nvPr>
+        </p:nvSpPr>
+        <p:spPr/>
+        <p:txBody>
+          <a:bodyPr/>
+          <a:lstStyle/>
+          <a:p>
+            <a:r>
+              <a:rPr lang="en-US" dirty="0" smtClean="0"/>
+              <a:t>Detect change points (level shifts) in workload traces</a:t>
+            </a:r>
+          </a:p>
+          <a:p>
+            <a:pPr lvl="1"/>
+            <a:r>
+              <a:rPr lang="en-US" dirty="0" smtClean="0"/>
+              <a:t>Especially the sudden increases in workload that precede a detected performance anomaly</a:t>
+            </a:r>
+          </a:p>
+          <a:p>
+            <a:r>
+              <a:rPr lang="en-US" dirty="0" smtClean="0"/>
+              <a:t>Binary segmentation</a:t>
+            </a:r>
+          </a:p>
+          <a:p>
+            <a:r>
+              <a:rPr lang="en-US" dirty="0" smtClean="0"/>
+              <a:t>Pruned Exact Linear Time (PELT</a:t>
+            </a:r>
+            <a:r>
+              <a:rPr lang="en-US" dirty="0" smtClean="0"/>
+              <a:t>) [KFE12]</a:t>
+            </a:r>
+            <a:endParaRPr lang="en-US" dirty="0" smtClean="0"/>
+          </a:p>
+          <a:p>
+            <a:r>
+              <a:rPr lang="en-US" dirty="0" smtClean="0"/>
+              <a:t>Chen &amp; Liu </a:t>
+            </a:r>
+            <a:r>
+              <a:rPr lang="en-US" dirty="0" smtClean="0"/>
+              <a:t>method [CL93]</a:t>
+            </a:r>
+            <a:endParaRPr lang="en-US" dirty="0"/>
+          </a:p>
+        </p:txBody>
+      </p:sp>
+      <p:sp>
+        <p:nvSpPr>
+          <p:cNvPr id="4" name="Slide Number Placeholder 3"/>
+          <p:cNvSpPr>
+            <a:spLocks noGrp="1"/>
+          </p:cNvSpPr>
+          <p:nvPr>
+            <p:ph type="sldNum" sz="quarter" idx="12"/>
+          </p:nvPr>
+        </p:nvSpPr>
+        <p:spPr/>
+        <p:txBody>
+          <a:bodyPr/>
+          <a:lstStyle/>
+          <a:p>
+            <a:fld id="{D4755116-B387-CD40-9D82-4279FFF17F28}" type="slidenum">
+              <a:rPr lang="en-US" smtClean="0"/>
+              <a:t>27</a:t>
+            </a:fld>
+            <a:endParaRPr lang="en-US"/>
+          </a:p>
+        </p:txBody>
+      </p:sp>
+    </p:spTree>
+    <p:extLst>
+      <p:ext uri="{BB962C8B-B14F-4D97-AF65-F5344CB8AC3E}">
+        <p14:creationId xmlns:p14="http://schemas.microsoft.com/office/powerpoint/2010/main" val="3695137885"/>
+      </p:ext>
+    </p:extLst>
+  </p:cSld>
+  <p:clrMapOvr>
+    <a:masterClrMapping/>
+  </p:clrMapOvr>
+  <p:timing>
+    <p:tnLst>
+      <p:par>
+        <p:cTn xmlns:p14="http://schemas.microsoft.com/office/powerpoint/2010/main" id="1" dur="indefinite" restart="never" nodeType="tmRoot"/>
+      </p:par>
+    </p:tnLst>
+  </p:timing>
+</p:sld>
+</file>
+
 <file path=ppt/slides/slide28.xml><?xml version="1.0" encoding="utf-8"?>
 <p:sld xmlns:a="http://schemas.openxmlformats.org/drawingml/2006/main" xmlns:r="http://schemas.openxmlformats.org/officeDocument/2006/relationships" xmlns:p="http://schemas.openxmlformats.org/presentationml/2006/main">
   <p:cSld>
@@ -8767,7 +8728,7 @@
           <a:p>
             <a:r>
               <a:rPr lang="en-US" dirty="0" smtClean="0"/>
-              <a:t>Anomaly Detection</a:t>
+              <a:t>Analyzing SDK Call Traces</a:t>
             </a:r>
             <a:endParaRPr lang="en-US" dirty="0"/>
           </a:p>
@@ -8790,41 +8751,34 @@
           <a:p>
             <a:r>
               <a:rPr lang="en-US" dirty="0" smtClean="0"/>
-              <a:t>SLO-based detection</a:t>
+              <a:t>Identify sequences of SDK calls invoked by application</a:t>
             </a:r>
           </a:p>
           <a:p>
             <a:pPr lvl="1"/>
             <a:r>
               <a:rPr lang="en-US" dirty="0" smtClean="0"/>
-              <a:t>Probe the application periodically and record SLO</a:t>
+              <a:t>Path identification</a:t>
+            </a:r>
+          </a:p>
+          <a:p>
+            <a:r>
+              <a:rPr lang="en-US" dirty="0" smtClean="0"/>
+              <a:t>Path distribution analysis</a:t>
             </a:r>
           </a:p>
           <a:p>
             <a:pPr lvl="1"/>
             <a:r>
               <a:rPr lang="en-US" dirty="0" smtClean="0"/>
-              <a:t>Periodically compute the observed SLA satisfaction level</a:t>
-            </a:r>
-          </a:p>
-          <a:p>
-            <a:r>
-              <a:rPr lang="en-US" dirty="0" smtClean="0"/>
-              <a:t>Correlation-based detection</a:t>
+              <a:t>Hot path identification</a:t>
             </a:r>
           </a:p>
           <a:p>
             <a:pPr lvl="1"/>
             <a:r>
               <a:rPr lang="en-US" dirty="0" smtClean="0"/>
-              <a:t>Statistically detect increases in response time that are not correlated with increases in workload</a:t>
-            </a:r>
-          </a:p>
-          <a:p>
-            <a:pPr lvl="1"/>
-            <a:r>
-              <a:rPr lang="en-US" dirty="0" smtClean="0"/>
-              <a:t>Pearson’s R and dynamic time warping</a:t>
+              <a:t>Identifying workload changes</a:t>
             </a:r>
             <a:endParaRPr lang="en-US" dirty="0"/>
           </a:p>
@@ -8832,85 +8786,7 @@
       </p:sp>
       <p:sp>
         <p:nvSpPr>
-          <p:cNvPr id="4" name="TextBox 3"/>
-          <p:cNvSpPr txBox="1"/>
-          <p:nvPr/>
-        </p:nvSpPr>
-        <p:spPr>
-          <a:xfrm>
-            <a:off x="165100" y="5800669"/>
-            <a:ext cx="8788400" cy="1036694"/>
-          </a:xfrm>
-          <a:prstGeom prst="rect">
-            <a:avLst/>
-          </a:prstGeom>
-          <a:noFill/>
-        </p:spPr>
-        <p:txBody>
-          <a:bodyPr wrap="square" rtlCol="0">
-            <a:spAutoFit/>
-          </a:bodyPr>
-          <a:lstStyle/>
-          <a:p>
-            <a:pPr>
-              <a:lnSpc>
-                <a:spcPct val="110000"/>
-              </a:lnSpc>
-            </a:pPr>
-            <a:r>
-              <a:rPr lang="en-US" sz="1400" i="1" dirty="0" smtClean="0"/>
-              <a:t>O. </a:t>
-            </a:r>
-            <a:r>
-              <a:rPr lang="en-US" sz="1400" i="1" dirty="0" err="1" smtClean="0"/>
-              <a:t>Ibidunmoye</a:t>
-            </a:r>
-            <a:r>
-              <a:rPr lang="en-US" sz="1400" i="1" dirty="0" smtClean="0"/>
-              <a:t>, F. Hernandez-Rodriguez and E. </a:t>
-            </a:r>
-            <a:r>
-              <a:rPr lang="en-US" sz="1400" i="1" dirty="0" err="1" smtClean="0"/>
-              <a:t>Elmroth</a:t>
-            </a:r>
-            <a:r>
-              <a:rPr lang="en-US" sz="1400" i="1" dirty="0" smtClean="0"/>
-              <a:t>, “Performance Anomaly Detection and Bottleneck Identification”, ACM Computing Surveys, 2015, Vol. 48</a:t>
-            </a:r>
-          </a:p>
-          <a:p>
-            <a:pPr>
-              <a:lnSpc>
-                <a:spcPct val="110000"/>
-              </a:lnSpc>
-            </a:pPr>
-            <a:r>
-              <a:rPr lang="en-US" sz="1400" i="1" dirty="0" smtClean="0"/>
-              <a:t>P. </a:t>
-            </a:r>
-            <a:r>
-              <a:rPr lang="en-US" sz="1400" i="1" dirty="0" err="1" smtClean="0"/>
-              <a:t>Magalhaes</a:t>
-            </a:r>
-            <a:r>
-              <a:rPr lang="en-US" sz="1400" i="1" dirty="0" smtClean="0"/>
-              <a:t> and L. Silva, “Detection of Performance Anomalies in Web-based Applications”, 2010 9</a:t>
-            </a:r>
-            <a:r>
-              <a:rPr lang="en-US" sz="1400" i="1" baseline="30000" dirty="0" smtClean="0"/>
-              <a:t>th</a:t>
-            </a:r>
-            <a:r>
-              <a:rPr lang="en-US" sz="1400" i="1" dirty="0" smtClean="0"/>
-              <a:t> International Symposium on Network Computing and Applications</a:t>
-            </a:r>
-            <a:endParaRPr lang="en-US" sz="1400" i="1" dirty="0"/>
-          </a:p>
-        </p:txBody>
-      </p:sp>
-      <p:sp>
-        <p:nvSpPr>
-          <p:cNvPr id="5" name="Slide Number Placeholder 4"/>
+          <p:cNvPr id="4" name="Slide Number Placeholder 3"/>
           <p:cNvSpPr>
             <a:spLocks noGrp="1"/>
           </p:cNvSpPr>
@@ -8934,7 +8810,7 @@
     </p:spTree>
     <p:extLst>
       <p:ext uri="{BB962C8B-B14F-4D97-AF65-F5344CB8AC3E}">
-        <p14:creationId xmlns:p14="http://schemas.microsoft.com/office/powerpoint/2010/main" val="1864197141"/>
+        <p14:creationId xmlns:p14="http://schemas.microsoft.com/office/powerpoint/2010/main" val="1919900667"/>
       </p:ext>
     </p:extLst>
   </p:cSld>
@@ -8985,7 +8861,7 @@
           <a:p>
             <a:r>
               <a:rPr lang="en-US" dirty="0" smtClean="0"/>
-              <a:t>Workload Analysis</a:t>
+              <a:t>Bottleneck Identification</a:t>
             </a:r>
             <a:endParaRPr lang="en-US" dirty="0"/>
           </a:p>
@@ -9008,134 +8884,260 @@
           <a:p>
             <a:r>
               <a:rPr lang="en-US" dirty="0" smtClean="0"/>
-              <a:t>Detect change points (level shifts) in workload traces</a:t>
-            </a:r>
-          </a:p>
-          <a:p>
-            <a:pPr lvl="1"/>
-            <a:r>
-              <a:rPr lang="en-US" dirty="0" smtClean="0"/>
-              <a:t>Especially the sudden increases in workload that precede a detected performance anomaly</a:t>
-            </a:r>
-          </a:p>
-          <a:p>
-            <a:r>
-              <a:rPr lang="en-US" dirty="0" smtClean="0"/>
-              <a:t>Binary segmentation</a:t>
-            </a:r>
-          </a:p>
-          <a:p>
-            <a:r>
-              <a:rPr lang="en-US" dirty="0" smtClean="0"/>
-              <a:t>Pruned Exact Linear Time (PELT)</a:t>
-            </a:r>
-          </a:p>
-          <a:p>
-            <a:r>
-              <a:rPr lang="en-US" dirty="0" smtClean="0"/>
-              <a:t>Chen &amp; Liu method</a:t>
-            </a:r>
+              <a:t>Suppose an application makes 3 SDK calls for each HTTP request.</a:t>
+            </a:r>
+          </a:p>
+          <a:p>
+            <a:pPr marL="0" indent="0">
+              <a:buNone/>
+            </a:pPr>
             <a:endParaRPr lang="en-US" dirty="0"/>
           </a:p>
-        </p:txBody>
-      </p:sp>
-      <p:sp>
-        <p:nvSpPr>
-          <p:cNvPr id="5" name="TextBox 4"/>
-          <p:cNvSpPr txBox="1"/>
-          <p:nvPr/>
-        </p:nvSpPr>
-        <p:spPr>
-          <a:xfrm>
-            <a:off x="165100" y="5739616"/>
-            <a:ext cx="8788400" cy="1036694"/>
-          </a:xfrm>
-          <a:prstGeom prst="rect">
-            <a:avLst/>
-          </a:prstGeom>
-          <a:noFill/>
-        </p:spPr>
-        <p:txBody>
-          <a:bodyPr wrap="square" rtlCol="0">
-            <a:spAutoFit/>
-          </a:bodyPr>
-          <a:lstStyle/>
-          <a:p>
-            <a:pPr>
-              <a:lnSpc>
-                <a:spcPct val="110000"/>
-              </a:lnSpc>
-            </a:pPr>
-            <a:r>
-              <a:rPr lang="en-US" sz="1400" i="1" dirty="0" smtClean="0"/>
-              <a:t>R. </a:t>
-            </a:r>
-            <a:r>
-              <a:rPr lang="en-US" sz="1400" i="1" dirty="0" err="1" smtClean="0"/>
-              <a:t>Killick</a:t>
-            </a:r>
-            <a:r>
-              <a:rPr lang="en-US" sz="1400" i="1" dirty="0" smtClean="0"/>
-              <a:t>, P. </a:t>
-            </a:r>
-            <a:r>
-              <a:rPr lang="en-US" sz="1400" i="1" dirty="0" err="1" smtClean="0"/>
-              <a:t>Fearnhead</a:t>
-            </a:r>
-            <a:r>
-              <a:rPr lang="en-US" sz="1400" i="1" dirty="0" smtClean="0"/>
-              <a:t> and I.A. </a:t>
-            </a:r>
-            <a:r>
-              <a:rPr lang="en-US" sz="1400" i="1" dirty="0" err="1" smtClean="0"/>
-              <a:t>Eckley</a:t>
-            </a:r>
-            <a:r>
-              <a:rPr lang="en-US" sz="1400" i="1" dirty="0" smtClean="0"/>
-              <a:t>, “Optimal Detection of </a:t>
-            </a:r>
-            <a:r>
-              <a:rPr lang="en-US" sz="1400" i="1" dirty="0" err="1" smtClean="0"/>
-              <a:t>Changepoints</a:t>
-            </a:r>
-            <a:r>
-              <a:rPr lang="en-US" sz="1400" i="1" dirty="0" smtClean="0"/>
-              <a:t> with a Linear Computational Cost”, Journal of the American Statistical Association, 2012, </a:t>
-            </a:r>
-            <a:r>
-              <a:rPr lang="en-US" sz="1400" i="1" dirty="0" err="1" smtClean="0"/>
-              <a:t>vol</a:t>
-            </a:r>
-            <a:r>
-              <a:rPr lang="en-US" sz="1400" i="1" dirty="0" smtClean="0"/>
-              <a:t> 107, issue 500</a:t>
-            </a:r>
-          </a:p>
-          <a:p>
-            <a:pPr>
-              <a:lnSpc>
-                <a:spcPct val="110000"/>
-              </a:lnSpc>
-            </a:pPr>
-            <a:r>
-              <a:rPr lang="en-US" sz="1400" i="1" dirty="0" smtClean="0"/>
-              <a:t>C. Chen and L. Liu, “Joint Estimation of Model Parameters and Outlier Effects in Time Series”, Journal of the American Statistical Association, 1993, </a:t>
-            </a:r>
-            <a:r>
-              <a:rPr lang="en-US" sz="1400" i="1" dirty="0" err="1" smtClean="0"/>
-              <a:t>vol</a:t>
-            </a:r>
-            <a:r>
-              <a:rPr lang="en-US" sz="1400" i="1" dirty="0" smtClean="0"/>
-              <a:t> 88, issue 421</a:t>
-            </a:r>
-            <a:endParaRPr lang="en-US" sz="1400" i="1" dirty="0"/>
-          </a:p>
-        </p:txBody>
-      </p:sp>
-      <p:sp>
-        <p:nvSpPr>
-          <p:cNvPr id="4" name="Slide Number Placeholder 3"/>
+          <a:p>
+            <a:endParaRPr lang="en-US" dirty="0" smtClean="0"/>
+          </a:p>
+          <a:p>
+            <a:r>
+              <a:rPr lang="en-US" dirty="0" smtClean="0"/>
+              <a:t>Linear regression model: Total = A + B + C</a:t>
+            </a:r>
+          </a:p>
+          <a:p>
+            <a:r>
+              <a:rPr lang="en-US" dirty="0" smtClean="0"/>
+              <a:t>Relative importance metric indicates the portion of variance in “Total” explained by each independent </a:t>
+            </a:r>
+            <a:r>
+              <a:rPr lang="en-US" dirty="0" smtClean="0"/>
+              <a:t>variable [G06]</a:t>
+            </a:r>
+            <a:endParaRPr lang="en-US" dirty="0"/>
+          </a:p>
+        </p:txBody>
+      </p:sp>
+      <p:graphicFrame>
+        <p:nvGraphicFramePr>
+          <p:cNvPr id="4" name="Table 3"/>
+          <p:cNvGraphicFramePr>
+            <a:graphicFrameLocks noGrp="1"/>
+          </p:cNvGraphicFramePr>
+          <p:nvPr>
+            <p:extLst>
+              <p:ext uri="{D42A27DB-BD31-4B8C-83A1-F6EECF244321}">
+                <p14:modId xmlns:p14="http://schemas.microsoft.com/office/powerpoint/2010/main" val="263786051"/>
+              </p:ext>
+            </p:extLst>
+          </p:nvPr>
+        </p:nvGraphicFramePr>
+        <p:xfrm>
+          <a:off x="1524000" y="2679567"/>
+          <a:ext cx="6096000" cy="1112520"/>
+        </p:xfrm>
+        <a:graphic>
+          <a:graphicData uri="http://schemas.openxmlformats.org/drawingml/2006/table">
+            <a:tbl>
+              <a:tblPr firstRow="1" bandRow="1">
+                <a:tableStyleId>{5C22544A-7EE6-4342-B048-85BDC9FD1C3A}</a:tableStyleId>
+              </a:tblPr>
+              <a:tblGrid>
+                <a:gridCol w="1524000"/>
+                <a:gridCol w="1524000"/>
+                <a:gridCol w="1524000"/>
+                <a:gridCol w="1524000"/>
+              </a:tblGrid>
+              <a:tr h="370840">
+                <a:tc>
+                  <a:txBody>
+                    <a:bodyPr/>
+                    <a:lstStyle/>
+                    <a:p>
+                      <a:pPr algn="ctr"/>
+                      <a:r>
+                        <a:rPr lang="en-US" dirty="0" smtClean="0"/>
+                        <a:t>A</a:t>
+                      </a:r>
+                      <a:endParaRPr lang="en-US" dirty="0"/>
+                    </a:p>
+                  </a:txBody>
+                  <a:tcPr/>
+                </a:tc>
+                <a:tc>
+                  <a:txBody>
+                    <a:bodyPr/>
+                    <a:lstStyle/>
+                    <a:p>
+                      <a:pPr algn="ctr"/>
+                      <a:r>
+                        <a:rPr lang="en-US" dirty="0" smtClean="0"/>
+                        <a:t>B</a:t>
+                      </a:r>
+                      <a:endParaRPr lang="en-US" dirty="0"/>
+                    </a:p>
+                  </a:txBody>
+                  <a:tcPr/>
+                </a:tc>
+                <a:tc>
+                  <a:txBody>
+                    <a:bodyPr/>
+                    <a:lstStyle/>
+                    <a:p>
+                      <a:pPr algn="ctr"/>
+                      <a:r>
+                        <a:rPr lang="en-US" dirty="0" smtClean="0"/>
+                        <a:t>C</a:t>
+                      </a:r>
+                      <a:endParaRPr lang="en-US" dirty="0"/>
+                    </a:p>
+                  </a:txBody>
+                  <a:tcPr/>
+                </a:tc>
+                <a:tc>
+                  <a:txBody>
+                    <a:bodyPr/>
+                    <a:lstStyle/>
+                    <a:p>
+                      <a:pPr algn="ctr"/>
+                      <a:r>
+                        <a:rPr lang="en-US" dirty="0" smtClean="0"/>
+                        <a:t>Total</a:t>
+                      </a:r>
+                      <a:endParaRPr lang="en-US" dirty="0"/>
+                    </a:p>
+                  </a:txBody>
+                  <a:tcPr/>
+                </a:tc>
+              </a:tr>
+              <a:tr h="370840">
+                <a:tc>
+                  <a:txBody>
+                    <a:bodyPr/>
+                    <a:lstStyle/>
+                    <a:p>
+                      <a:pPr algn="ctr"/>
+                      <a:r>
+                        <a:rPr lang="en-US" dirty="0" smtClean="0"/>
+                        <a:t>10</a:t>
+                      </a:r>
+                      <a:endParaRPr lang="en-US" dirty="0"/>
+                    </a:p>
+                  </a:txBody>
+                  <a:tcPr/>
+                </a:tc>
+                <a:tc>
+                  <a:txBody>
+                    <a:bodyPr/>
+                    <a:lstStyle/>
+                    <a:p>
+                      <a:pPr algn="ctr"/>
+                      <a:r>
+                        <a:rPr lang="en-US" dirty="0" smtClean="0"/>
+                        <a:t>18</a:t>
+                      </a:r>
+                      <a:endParaRPr lang="en-US" dirty="0"/>
+                    </a:p>
+                  </a:txBody>
+                  <a:tcPr/>
+                </a:tc>
+                <a:tc>
+                  <a:txBody>
+                    <a:bodyPr/>
+                    <a:lstStyle/>
+                    <a:p>
+                      <a:pPr algn="ctr"/>
+                      <a:r>
+                        <a:rPr lang="en-US" dirty="0" smtClean="0"/>
+                        <a:t>12</a:t>
+                      </a:r>
+                      <a:endParaRPr lang="en-US" dirty="0"/>
+                    </a:p>
+                  </a:txBody>
+                  <a:tcPr/>
+                </a:tc>
+                <a:tc>
+                  <a:txBody>
+                    <a:bodyPr/>
+                    <a:lstStyle/>
+                    <a:p>
+                      <a:pPr algn="ctr"/>
+                      <a:r>
+                        <a:rPr lang="en-US" dirty="0" smtClean="0"/>
+                        <a:t>44</a:t>
+                      </a:r>
+                      <a:endParaRPr lang="en-US" dirty="0"/>
+                    </a:p>
+                  </a:txBody>
+                  <a:tcPr/>
+                </a:tc>
+              </a:tr>
+              <a:tr h="370840">
+                <a:tc>
+                  <a:txBody>
+                    <a:bodyPr/>
+                    <a:lstStyle/>
+                    <a:p>
+                      <a:pPr algn="ctr"/>
+                      <a:r>
+                        <a:rPr lang="en-US" dirty="0" smtClean="0"/>
+                        <a:t>9</a:t>
+                      </a:r>
+                      <a:endParaRPr lang="en-US" dirty="0"/>
+                    </a:p>
+                  </a:txBody>
+                  <a:tcPr/>
+                </a:tc>
+                <a:tc>
+                  <a:txBody>
+                    <a:bodyPr/>
+                    <a:lstStyle/>
+                    <a:p>
+                      <a:pPr algn="ctr"/>
+                      <a:r>
+                        <a:rPr lang="en-US" dirty="0" smtClean="0"/>
+                        <a:t>20</a:t>
+                      </a:r>
+                      <a:endParaRPr lang="en-US" dirty="0"/>
+                    </a:p>
+                  </a:txBody>
+                  <a:tcPr/>
+                </a:tc>
+                <a:tc>
+                  <a:txBody>
+                    <a:bodyPr/>
+                    <a:lstStyle/>
+                    <a:p>
+                      <a:pPr algn="ctr"/>
+                      <a:r>
+                        <a:rPr lang="en-US" dirty="0" smtClean="0"/>
+                        <a:t>11</a:t>
+                      </a:r>
+                      <a:endParaRPr lang="en-US" dirty="0"/>
+                    </a:p>
+                  </a:txBody>
+                  <a:tcPr/>
+                </a:tc>
+                <a:tc>
+                  <a:txBody>
+                    <a:bodyPr/>
+                    <a:lstStyle/>
+                    <a:p>
+                      <a:pPr algn="ctr"/>
+                      <a:r>
+                        <a:rPr lang="en-US" dirty="0" smtClean="0"/>
+                        <a:t>42</a:t>
+                      </a:r>
+                      <a:endParaRPr lang="en-US" dirty="0"/>
+                    </a:p>
+                  </a:txBody>
+                  <a:tcPr/>
+                </a:tc>
+              </a:tr>
+            </a:tbl>
+          </a:graphicData>
+        </a:graphic>
+      </p:graphicFrame>
+      <p:sp>
+        <p:nvSpPr>
+          <p:cNvPr id="5" name="Slide Number Placeholder 4"/>
           <p:cNvSpPr>
             <a:spLocks noGrp="1"/>
           </p:cNvSpPr>
@@ -9159,7 +9161,7 @@
     </p:spTree>
     <p:extLst>
       <p:ext uri="{BB962C8B-B14F-4D97-AF65-F5344CB8AC3E}">
-        <p14:creationId xmlns:p14="http://schemas.microsoft.com/office/powerpoint/2010/main" val="3695137885"/>
+        <p14:creationId xmlns:p14="http://schemas.microsoft.com/office/powerpoint/2010/main" val="866085967"/>
       </p:ext>
     </p:extLst>
   </p:cSld>
@@ -10463,7 +10465,7 @@
           <a:p>
             <a:r>
               <a:rPr lang="en-US" dirty="0" smtClean="0"/>
-              <a:t>Analyzing SDK Call Traces</a:t>
+              <a:t>My Thesis</a:t>
             </a:r>
             <a:endParaRPr lang="en-US" dirty="0"/>
           </a:p>
@@ -10481,39 +10483,41 @@
         </p:nvSpPr>
         <p:spPr/>
         <p:txBody>
-          <a:bodyPr/>
-          <a:lstStyle/>
-          <a:p>
-            <a:r>
-              <a:rPr lang="en-US" dirty="0" smtClean="0"/>
-              <a:t>Identify sequences of SDK calls invoked by application</a:t>
-            </a:r>
-          </a:p>
-          <a:p>
-            <a:pPr lvl="1"/>
-            <a:r>
-              <a:rPr lang="en-US" dirty="0" smtClean="0"/>
-              <a:t>Path identification</a:t>
-            </a:r>
-          </a:p>
-          <a:p>
-            <a:r>
-              <a:rPr lang="en-US" dirty="0" smtClean="0"/>
-              <a:t>Path distribution analysis</a:t>
-            </a:r>
-          </a:p>
-          <a:p>
-            <a:pPr lvl="1"/>
-            <a:r>
-              <a:rPr lang="en-US" dirty="0" smtClean="0"/>
-              <a:t>Hot path identification</a:t>
-            </a:r>
-          </a:p>
-          <a:p>
-            <a:pPr lvl="1"/>
-            <a:r>
-              <a:rPr lang="en-US" dirty="0" smtClean="0"/>
-              <a:t>Identifying workload changes</a:t>
+          <a:bodyPr>
+            <a:normAutofit fontScale="92500" lnSpcReduction="10000"/>
+          </a:bodyPr>
+          <a:lstStyle/>
+          <a:p>
+            <a:r>
+              <a:rPr lang="en-US" dirty="0" smtClean="0"/>
+              <a:t>Design-time governance and policy enforcement for cloud platforms, complete with a policy specification language.</a:t>
+            </a:r>
+          </a:p>
+          <a:p>
+            <a:r>
+              <a:rPr lang="en-US" dirty="0" smtClean="0"/>
+              <a:t>Framework for formulating, monitoring and invalidating performance SLAs for cloud-hosted web applications.</a:t>
+            </a:r>
+          </a:p>
+          <a:p>
+            <a:r>
+              <a:rPr lang="en-US" dirty="0" smtClean="0"/>
+              <a:t>Scalable cloud application platform monitoring for performance anomaly detection and bottleneck identification. </a:t>
+            </a:r>
+            <a:r>
+              <a:rPr lang="en-US" dirty="0" smtClean="0"/>
+              <a:t>(Fall 2016)</a:t>
+            </a:r>
+            <a:endParaRPr lang="en-US" dirty="0" smtClean="0"/>
+          </a:p>
+          <a:p>
+            <a:r>
+              <a:rPr lang="en-US" dirty="0" smtClean="0"/>
+              <a:t>Dissertation defense. </a:t>
+            </a:r>
+            <a:r>
+              <a:rPr lang="en-US" dirty="0" smtClean="0"/>
+              <a:t>(December 2016)</a:t>
             </a:r>
             <a:endParaRPr lang="en-US" dirty="0"/>
           </a:p>
@@ -10545,7 +10549,7 @@
     </p:spTree>
     <p:extLst>
       <p:ext uri="{BB962C8B-B14F-4D97-AF65-F5344CB8AC3E}">
-        <p14:creationId xmlns:p14="http://schemas.microsoft.com/office/powerpoint/2010/main" val="1919900667"/>
+        <p14:creationId xmlns:p14="http://schemas.microsoft.com/office/powerpoint/2010/main" val="2296212584"/>
       </p:ext>
     </p:extLst>
   </p:cSld>
@@ -10596,7 +10600,7 @@
           <a:p>
             <a:r>
               <a:rPr lang="en-US" dirty="0" smtClean="0"/>
-              <a:t>Bottleneck Identification</a:t>
+              <a:t>Related Work</a:t>
             </a:r>
             <a:endParaRPr lang="en-US" dirty="0"/>
           </a:p>
@@ -10604,278 +10608,14 @@
       </p:sp>
       <p:sp>
         <p:nvSpPr>
-          <p:cNvPr id="3" name="Content Placeholder 2"/>
-          <p:cNvSpPr>
-            <a:spLocks noGrp="1"/>
-          </p:cNvSpPr>
-          <p:nvPr>
-            <p:ph idx="1"/>
-          </p:nvPr>
-        </p:nvSpPr>
-        <p:spPr/>
-        <p:txBody>
-          <a:bodyPr/>
-          <a:lstStyle/>
-          <a:p>
-            <a:r>
-              <a:rPr lang="en-US" dirty="0" smtClean="0"/>
-              <a:t>Suppose an application makes 3 SDK calls for each HTTP request.</a:t>
-            </a:r>
-          </a:p>
-          <a:p>
-            <a:pPr marL="0" indent="0">
-              <a:buNone/>
-            </a:pPr>
-            <a:endParaRPr lang="en-US" dirty="0"/>
-          </a:p>
-          <a:p>
-            <a:endParaRPr lang="en-US" dirty="0" smtClean="0"/>
-          </a:p>
-          <a:p>
-            <a:r>
-              <a:rPr lang="en-US" dirty="0" smtClean="0"/>
-              <a:t>Linear regression model: Total = A + B + C</a:t>
-            </a:r>
-          </a:p>
-          <a:p>
-            <a:r>
-              <a:rPr lang="en-US" dirty="0" smtClean="0"/>
-              <a:t>Relative importance metric indicates the portion of variance in “Total” explained by each independent variable</a:t>
-            </a:r>
-            <a:endParaRPr lang="en-US" dirty="0"/>
-          </a:p>
-        </p:txBody>
-      </p:sp>
-      <p:graphicFrame>
-        <p:nvGraphicFramePr>
-          <p:cNvPr id="4" name="Table 3"/>
-          <p:cNvGraphicFramePr>
-            <a:graphicFrameLocks noGrp="1"/>
-          </p:cNvGraphicFramePr>
-          <p:nvPr>
-            <p:extLst>
-              <p:ext uri="{D42A27DB-BD31-4B8C-83A1-F6EECF244321}">
-                <p14:modId xmlns:p14="http://schemas.microsoft.com/office/powerpoint/2010/main" val="263786051"/>
-              </p:ext>
-            </p:extLst>
-          </p:nvPr>
-        </p:nvGraphicFramePr>
-        <p:xfrm>
-          <a:off x="1524000" y="2679567"/>
-          <a:ext cx="6096000" cy="1112520"/>
-        </p:xfrm>
-        <a:graphic>
-          <a:graphicData uri="http://schemas.openxmlformats.org/drawingml/2006/table">
-            <a:tbl>
-              <a:tblPr firstRow="1" bandRow="1">
-                <a:tableStyleId>{5C22544A-7EE6-4342-B048-85BDC9FD1C3A}</a:tableStyleId>
-              </a:tblPr>
-              <a:tblGrid>
-                <a:gridCol w="1524000"/>
-                <a:gridCol w="1524000"/>
-                <a:gridCol w="1524000"/>
-                <a:gridCol w="1524000"/>
-              </a:tblGrid>
-              <a:tr h="370840">
-                <a:tc>
-                  <a:txBody>
-                    <a:bodyPr/>
-                    <a:lstStyle/>
-                    <a:p>
-                      <a:pPr algn="ctr"/>
-                      <a:r>
-                        <a:rPr lang="en-US" dirty="0" smtClean="0"/>
-                        <a:t>A</a:t>
-                      </a:r>
-                      <a:endParaRPr lang="en-US" dirty="0"/>
-                    </a:p>
-                  </a:txBody>
-                  <a:tcPr/>
-                </a:tc>
-                <a:tc>
-                  <a:txBody>
-                    <a:bodyPr/>
-                    <a:lstStyle/>
-                    <a:p>
-                      <a:pPr algn="ctr"/>
-                      <a:r>
-                        <a:rPr lang="en-US" dirty="0" smtClean="0"/>
-                        <a:t>B</a:t>
-                      </a:r>
-                      <a:endParaRPr lang="en-US" dirty="0"/>
-                    </a:p>
-                  </a:txBody>
-                  <a:tcPr/>
-                </a:tc>
-                <a:tc>
-                  <a:txBody>
-                    <a:bodyPr/>
-                    <a:lstStyle/>
-                    <a:p>
-                      <a:pPr algn="ctr"/>
-                      <a:r>
-                        <a:rPr lang="en-US" dirty="0" smtClean="0"/>
-                        <a:t>C</a:t>
-                      </a:r>
-                      <a:endParaRPr lang="en-US" dirty="0"/>
-                    </a:p>
-                  </a:txBody>
-                  <a:tcPr/>
-                </a:tc>
-                <a:tc>
-                  <a:txBody>
-                    <a:bodyPr/>
-                    <a:lstStyle/>
-                    <a:p>
-                      <a:pPr algn="ctr"/>
-                      <a:r>
-                        <a:rPr lang="en-US" dirty="0" smtClean="0"/>
-                        <a:t>Total</a:t>
-                      </a:r>
-                      <a:endParaRPr lang="en-US" dirty="0"/>
-                    </a:p>
-                  </a:txBody>
-                  <a:tcPr/>
-                </a:tc>
-              </a:tr>
-              <a:tr h="370840">
-                <a:tc>
-                  <a:txBody>
-                    <a:bodyPr/>
-                    <a:lstStyle/>
-                    <a:p>
-                      <a:pPr algn="ctr"/>
-                      <a:r>
-                        <a:rPr lang="en-US" dirty="0" smtClean="0"/>
-                        <a:t>10</a:t>
-                      </a:r>
-                      <a:endParaRPr lang="en-US" dirty="0"/>
-                    </a:p>
-                  </a:txBody>
-                  <a:tcPr/>
-                </a:tc>
-                <a:tc>
-                  <a:txBody>
-                    <a:bodyPr/>
-                    <a:lstStyle/>
-                    <a:p>
-                      <a:pPr algn="ctr"/>
-                      <a:r>
-                        <a:rPr lang="en-US" dirty="0" smtClean="0"/>
-                        <a:t>18</a:t>
-                      </a:r>
-                      <a:endParaRPr lang="en-US" dirty="0"/>
-                    </a:p>
-                  </a:txBody>
-                  <a:tcPr/>
-                </a:tc>
-                <a:tc>
-                  <a:txBody>
-                    <a:bodyPr/>
-                    <a:lstStyle/>
-                    <a:p>
-                      <a:pPr algn="ctr"/>
-                      <a:r>
-                        <a:rPr lang="en-US" dirty="0" smtClean="0"/>
-                        <a:t>12</a:t>
-                      </a:r>
-                      <a:endParaRPr lang="en-US" dirty="0"/>
-                    </a:p>
-                  </a:txBody>
-                  <a:tcPr/>
-                </a:tc>
-                <a:tc>
-                  <a:txBody>
-                    <a:bodyPr/>
-                    <a:lstStyle/>
-                    <a:p>
-                      <a:pPr algn="ctr"/>
-                      <a:r>
-                        <a:rPr lang="en-US" dirty="0" smtClean="0"/>
-                        <a:t>44</a:t>
-                      </a:r>
-                      <a:endParaRPr lang="en-US" dirty="0"/>
-                    </a:p>
-                  </a:txBody>
-                  <a:tcPr/>
-                </a:tc>
-              </a:tr>
-              <a:tr h="370840">
-                <a:tc>
-                  <a:txBody>
-                    <a:bodyPr/>
-                    <a:lstStyle/>
-                    <a:p>
-                      <a:pPr algn="ctr"/>
-                      <a:r>
-                        <a:rPr lang="en-US" dirty="0" smtClean="0"/>
-                        <a:t>9</a:t>
-                      </a:r>
-                      <a:endParaRPr lang="en-US" dirty="0"/>
-                    </a:p>
-                  </a:txBody>
-                  <a:tcPr/>
-                </a:tc>
-                <a:tc>
-                  <a:txBody>
-                    <a:bodyPr/>
-                    <a:lstStyle/>
-                    <a:p>
-                      <a:pPr algn="ctr"/>
-                      <a:r>
-                        <a:rPr lang="en-US" dirty="0" smtClean="0"/>
-                        <a:t>20</a:t>
-                      </a:r>
-                      <a:endParaRPr lang="en-US" dirty="0"/>
-                    </a:p>
-                  </a:txBody>
-                  <a:tcPr/>
-                </a:tc>
-                <a:tc>
-                  <a:txBody>
-                    <a:bodyPr/>
-                    <a:lstStyle/>
-                    <a:p>
-                      <a:pPr algn="ctr"/>
-                      <a:r>
-                        <a:rPr lang="en-US" dirty="0" smtClean="0"/>
-                        <a:t>11</a:t>
-                      </a:r>
-                      <a:endParaRPr lang="en-US" dirty="0"/>
-                    </a:p>
-                  </a:txBody>
-                  <a:tcPr/>
-                </a:tc>
-                <a:tc>
-                  <a:txBody>
-                    <a:bodyPr/>
-                    <a:lstStyle/>
-                    <a:p>
-                      <a:pPr algn="ctr"/>
-                      <a:r>
-                        <a:rPr lang="en-US" dirty="0" smtClean="0"/>
-                        <a:t>42</a:t>
-                      </a:r>
-                      <a:endParaRPr lang="en-US" dirty="0"/>
-                    </a:p>
-                  </a:txBody>
-                  <a:tcPr/>
-                </a:tc>
-              </a:tr>
-            </a:tbl>
-          </a:graphicData>
-        </a:graphic>
-      </p:graphicFrame>
-      <p:sp>
-        <p:nvSpPr>
-          <p:cNvPr id="6" name="TextBox 5"/>
+          <p:cNvPr id="4" name="TextBox 3"/>
           <p:cNvSpPr txBox="1"/>
           <p:nvPr/>
         </p:nvSpPr>
         <p:spPr>
           <a:xfrm>
-            <a:off x="165100" y="6387316"/>
-            <a:ext cx="8788400" cy="325730"/>
+            <a:off x="165100" y="1399391"/>
+            <a:ext cx="8788400" cy="5302475"/>
           </a:xfrm>
           <a:prstGeom prst="rect">
             <a:avLst/>
@@ -10894,32 +10634,477 @@
               </a:lnSpc>
             </a:pPr>
             <a:r>
+              <a:rPr lang="en-US" sz="1400" b="1" i="1" dirty="0"/>
+              <a:t>H. Jayathilaka, C. </a:t>
+            </a:r>
+            <a:r>
+              <a:rPr lang="en-US" sz="1400" b="1" i="1" dirty="0" err="1"/>
+              <a:t>Krintz</a:t>
+            </a:r>
+            <a:r>
+              <a:rPr lang="en-US" sz="1400" b="1" i="1" dirty="0"/>
+              <a:t> and R. </a:t>
+            </a:r>
+            <a:r>
+              <a:rPr lang="en-US" sz="1400" b="1" i="1" dirty="0" err="1"/>
+              <a:t>Wolski</a:t>
+            </a:r>
+            <a:r>
+              <a:rPr lang="en-US" sz="1400" b="1" i="1" dirty="0"/>
+              <a:t>, </a:t>
+            </a:r>
+            <a:r>
+              <a:rPr lang="en-US" sz="1400" b="1" i="1" dirty="0" smtClean="0"/>
+              <a:t>”Towards Automatically Estimating Porting Effort Between Web Service APIs” </a:t>
+            </a:r>
+            <a:r>
+              <a:rPr lang="en-US" sz="1400" b="1" i="1" dirty="0"/>
+              <a:t>IEEE International Conference on </a:t>
+            </a:r>
+            <a:r>
+              <a:rPr lang="en-US" sz="1400" b="1" i="1" dirty="0" smtClean="0"/>
+              <a:t>Services Computing 2014 (SCC).</a:t>
+            </a:r>
+          </a:p>
+          <a:p>
+            <a:pPr>
+              <a:lnSpc>
+                <a:spcPct val="110000"/>
+              </a:lnSpc>
+            </a:pPr>
+            <a:r>
+              <a:rPr lang="en-US" sz="1400" b="1" i="1" dirty="0"/>
+              <a:t>H. Jayathilaka, </a:t>
+            </a:r>
+            <a:r>
+              <a:rPr lang="en-US" sz="1400" b="1" i="1" dirty="0" smtClean="0"/>
+              <a:t>A. </a:t>
+            </a:r>
+            <a:r>
+              <a:rPr lang="en-US" sz="1400" b="1" i="1" dirty="0" err="1" smtClean="0"/>
+              <a:t>Pucher</a:t>
+            </a:r>
+            <a:r>
+              <a:rPr lang="en-US" sz="1400" b="1" i="1" dirty="0" smtClean="0"/>
+              <a:t>, C</a:t>
+            </a:r>
+            <a:r>
+              <a:rPr lang="en-US" sz="1400" b="1" i="1" dirty="0"/>
+              <a:t>. </a:t>
+            </a:r>
+            <a:r>
+              <a:rPr lang="en-US" sz="1400" b="1" i="1" dirty="0" err="1"/>
+              <a:t>Krintz</a:t>
+            </a:r>
+            <a:r>
+              <a:rPr lang="en-US" sz="1400" b="1" i="1" dirty="0"/>
+              <a:t> and R. </a:t>
+            </a:r>
+            <a:r>
+              <a:rPr lang="en-US" sz="1400" b="1" i="1" dirty="0" err="1"/>
+              <a:t>Wolski</a:t>
+            </a:r>
+            <a:r>
+              <a:rPr lang="en-US" sz="1400" b="1" i="1" dirty="0"/>
+              <a:t>, </a:t>
+            </a:r>
+            <a:r>
+              <a:rPr lang="en-US" sz="1400" b="1" i="1" dirty="0" smtClean="0"/>
+              <a:t>”Using Syntactic and Semantic Similarity of Web APIs to Estimate Porting Effort” International Journal of Services Computing, 2014, </a:t>
+            </a:r>
+            <a:r>
+              <a:rPr lang="en-US" sz="1400" b="1" i="1" dirty="0" err="1" smtClean="0"/>
+              <a:t>vol</a:t>
+            </a:r>
+            <a:r>
+              <a:rPr lang="en-US" sz="1400" b="1" i="1" dirty="0" smtClean="0"/>
+              <a:t> 2, issue 4</a:t>
+            </a:r>
+          </a:p>
+          <a:p>
+            <a:pPr>
+              <a:lnSpc>
+                <a:spcPct val="110000"/>
+              </a:lnSpc>
+            </a:pPr>
+            <a:r>
+              <a:rPr lang="en-US" sz="1400" b="1" i="1" dirty="0" smtClean="0"/>
+              <a:t>C</a:t>
+            </a:r>
+            <a:r>
+              <a:rPr lang="en-US" sz="1400" b="1" i="1" dirty="0"/>
+              <a:t>. </a:t>
+            </a:r>
+            <a:r>
+              <a:rPr lang="en-US" sz="1400" b="1" i="1" dirty="0" err="1"/>
+              <a:t>Krintz</a:t>
+            </a:r>
+            <a:r>
+              <a:rPr lang="en-US" sz="1400" b="1" i="1" dirty="0"/>
+              <a:t>, H. Jayathilaka, S. </a:t>
+            </a:r>
+            <a:r>
+              <a:rPr lang="en-US" sz="1400" b="1" i="1" dirty="0" err="1"/>
+              <a:t>Dimopoulos</a:t>
+            </a:r>
+            <a:r>
+              <a:rPr lang="en-US" sz="1400" b="1" i="1" dirty="0"/>
+              <a:t>, A. </a:t>
+            </a:r>
+            <a:r>
+              <a:rPr lang="en-US" sz="1400" b="1" i="1" dirty="0" err="1"/>
+              <a:t>Pucher</a:t>
+            </a:r>
+            <a:r>
+              <a:rPr lang="en-US" sz="1400" b="1" i="1" dirty="0"/>
+              <a:t>, R. </a:t>
+            </a:r>
+            <a:r>
+              <a:rPr lang="en-US" sz="1400" b="1" i="1" dirty="0" err="1"/>
+              <a:t>Wolski</a:t>
+            </a:r>
+            <a:r>
+              <a:rPr lang="en-US" sz="1400" b="1" i="1" dirty="0"/>
+              <a:t> and T. </a:t>
+            </a:r>
+            <a:r>
+              <a:rPr lang="en-US" sz="1400" b="1" i="1" dirty="0" err="1"/>
+              <a:t>Bultan</a:t>
+            </a:r>
+            <a:r>
+              <a:rPr lang="en-US" sz="1400" b="1" i="1" dirty="0"/>
+              <a:t>, "Cloud Platform Support for API Governance</a:t>
+            </a:r>
+            <a:r>
+              <a:rPr lang="en-US" sz="1400" b="1" i="1" dirty="0" smtClean="0"/>
+              <a:t>,” IEEE </a:t>
+            </a:r>
+            <a:r>
+              <a:rPr lang="en-US" sz="1400" b="1" i="1" dirty="0"/>
+              <a:t>International Conference </a:t>
+            </a:r>
+            <a:r>
+              <a:rPr lang="en-US" sz="1400" b="1" i="1" dirty="0" smtClean="0"/>
+              <a:t>on Cloud Engineering 2014 (IC2E).</a:t>
+            </a:r>
+          </a:p>
+          <a:p>
+            <a:pPr>
+              <a:lnSpc>
+                <a:spcPct val="110000"/>
+              </a:lnSpc>
+            </a:pPr>
+            <a:r>
+              <a:rPr lang="en-US" sz="1400" b="1" i="1" dirty="0" smtClean="0"/>
+              <a:t>H</a:t>
+            </a:r>
+            <a:r>
+              <a:rPr lang="en-US" sz="1400" b="1" i="1" dirty="0"/>
+              <a:t>. Jayathilaka, C. </a:t>
+            </a:r>
+            <a:r>
+              <a:rPr lang="en-US" sz="1400" b="1" i="1" dirty="0" err="1"/>
+              <a:t>Krintz</a:t>
+            </a:r>
+            <a:r>
+              <a:rPr lang="en-US" sz="1400" b="1" i="1" dirty="0"/>
+              <a:t> and R. </a:t>
+            </a:r>
+            <a:r>
+              <a:rPr lang="en-US" sz="1400" b="1" i="1" dirty="0" err="1"/>
+              <a:t>Wolski</a:t>
+            </a:r>
+            <a:r>
+              <a:rPr lang="en-US" sz="1400" b="1" i="1" dirty="0"/>
+              <a:t>, "EAGER: Deployment-Time API Governance for Modern </a:t>
+            </a:r>
+            <a:r>
+              <a:rPr lang="en-US" sz="1400" b="1" i="1" dirty="0" err="1"/>
+              <a:t>PaaS</a:t>
+            </a:r>
+            <a:r>
+              <a:rPr lang="en-US" sz="1400" b="1" i="1" dirty="0"/>
+              <a:t> Clouds</a:t>
+            </a:r>
+            <a:r>
+              <a:rPr lang="en-US" sz="1400" b="1" i="1" dirty="0" smtClean="0"/>
+              <a:t>,” IEEE </a:t>
+            </a:r>
+            <a:r>
+              <a:rPr lang="en-US" sz="1400" b="1" i="1" dirty="0"/>
+              <a:t>International Conference </a:t>
+            </a:r>
+            <a:r>
+              <a:rPr lang="en-US" sz="1400" b="1" i="1" dirty="0" smtClean="0"/>
+              <a:t>on Cloud Engineering 2015 (IC2E).</a:t>
+            </a:r>
+          </a:p>
+          <a:p>
+            <a:pPr>
+              <a:lnSpc>
+                <a:spcPct val="110000"/>
+              </a:lnSpc>
+            </a:pPr>
+            <a:r>
+              <a:rPr lang="en-US" sz="1400" b="1" i="1" dirty="0" smtClean="0"/>
+              <a:t>H</a:t>
+            </a:r>
+            <a:r>
+              <a:rPr lang="en-US" sz="1400" b="1" i="1" dirty="0"/>
+              <a:t>. Jayathilaka, C. </a:t>
+            </a:r>
+            <a:r>
+              <a:rPr lang="en-US" sz="1400" b="1" i="1" dirty="0" err="1"/>
+              <a:t>Krintz</a:t>
+            </a:r>
+            <a:r>
+              <a:rPr lang="en-US" sz="1400" b="1" i="1" dirty="0"/>
+              <a:t> and R. </a:t>
+            </a:r>
+            <a:r>
+              <a:rPr lang="en-US" sz="1400" b="1" i="1" dirty="0" err="1"/>
+              <a:t>Wolski</a:t>
+            </a:r>
+            <a:r>
+              <a:rPr lang="en-US" sz="1400" b="1" i="1" dirty="0"/>
+              <a:t>, “Response Time Service-Level Agreements for Cloud-hosted Web Applications”, 2015 ACM Symposium on Cloud Computing (SOCC)</a:t>
+            </a:r>
+          </a:p>
+          <a:p>
+            <a:pPr>
+              <a:lnSpc>
+                <a:spcPct val="110000"/>
+              </a:lnSpc>
+            </a:pPr>
+            <a:r>
+              <a:rPr lang="en-US" sz="1400" b="1" i="1" dirty="0" smtClean="0"/>
+              <a:t>H</a:t>
+            </a:r>
+            <a:r>
+              <a:rPr lang="en-US" sz="1400" b="1" i="1" dirty="0"/>
+              <a:t>. Jayathilaka, C. </a:t>
+            </a:r>
+            <a:r>
+              <a:rPr lang="en-US" sz="1400" b="1" i="1" dirty="0" err="1"/>
+              <a:t>Krintz</a:t>
+            </a:r>
+            <a:r>
+              <a:rPr lang="en-US" sz="1400" b="1" i="1" dirty="0"/>
+              <a:t> and R. </a:t>
+            </a:r>
+            <a:r>
+              <a:rPr lang="en-US" sz="1400" b="1" i="1" dirty="0" err="1"/>
+              <a:t>Wolski</a:t>
+            </a:r>
+            <a:r>
+              <a:rPr lang="en-US" sz="1400" b="1" i="1" dirty="0"/>
+              <a:t>, "Service-Level Agreement Durability for Web Service Response Time," 2015 IEEE 7th International Conference on Cloud Computing Technology and Science (</a:t>
+            </a:r>
+            <a:r>
+              <a:rPr lang="en-US" sz="1400" b="1" i="1" dirty="0" err="1"/>
+              <a:t>CloudCom</a:t>
+            </a:r>
+            <a:r>
+              <a:rPr lang="en-US" sz="1400" b="1" i="1" dirty="0" smtClean="0"/>
+              <a:t>)</a:t>
+            </a:r>
+          </a:p>
+          <a:p>
+            <a:pPr>
+              <a:lnSpc>
+                <a:spcPct val="110000"/>
+              </a:lnSpc>
+            </a:pPr>
+            <a:r>
               <a:rPr lang="en-US" sz="1400" i="1" dirty="0" smtClean="0"/>
-              <a:t>U. </a:t>
-            </a:r>
-            <a:r>
-              <a:rPr lang="en-US" sz="1400" i="1" dirty="0" err="1" smtClean="0"/>
-              <a:t>Gromping</a:t>
+              <a:t>[JBW08] D</a:t>
+            </a:r>
+            <a:r>
+              <a:rPr lang="en-US" sz="1400" i="1" dirty="0"/>
+              <a:t>. </a:t>
+            </a:r>
+            <a:r>
+              <a:rPr lang="en-US" sz="1400" i="1" dirty="0" err="1"/>
+              <a:t>Nurmi</a:t>
+            </a:r>
+            <a:r>
+              <a:rPr lang="en-US" sz="1400" i="1" dirty="0"/>
+              <a:t>, J. </a:t>
+            </a:r>
+            <a:r>
+              <a:rPr lang="en-US" sz="1400" i="1" dirty="0" err="1"/>
+              <a:t>Brevik</a:t>
+            </a:r>
+            <a:r>
+              <a:rPr lang="en-US" sz="1400" i="1" dirty="0"/>
+              <a:t> and R. </a:t>
+            </a:r>
+            <a:r>
+              <a:rPr lang="en-US" sz="1400" i="1" dirty="0" err="1"/>
+              <a:t>Wolski</a:t>
+            </a:r>
+            <a:r>
+              <a:rPr lang="en-US" sz="1400" i="1" dirty="0"/>
+              <a:t>, “QBETS: Queue Bounds Estimation from Time Series”, 2008 International Conference on Job Scheduling Strategies for Parallel </a:t>
             </a:r>
             <a:r>
               <a:rPr lang="en-US" sz="1400" i="1" dirty="0" smtClean="0"/>
-              <a:t>, “Relative Importance for Linear Regression in R”, Journal of Statistical Software, 2006, </a:t>
-            </a:r>
-            <a:r>
-              <a:rPr lang="en-US" sz="1400" i="1" dirty="0" err="1" smtClean="0"/>
+              <a:t>Processing</a:t>
+            </a:r>
+          </a:p>
+          <a:p>
+            <a:pPr>
+              <a:lnSpc>
+                <a:spcPct val="110000"/>
+              </a:lnSpc>
+            </a:pPr>
+            <a:r>
+              <a:rPr lang="en-US" sz="1400" i="1" dirty="0" smtClean="0"/>
+              <a:t>[IHE15] O</a:t>
+            </a:r>
+            <a:r>
+              <a:rPr lang="en-US" sz="1400" i="1" dirty="0"/>
+              <a:t>. </a:t>
+            </a:r>
+            <a:r>
+              <a:rPr lang="en-US" sz="1400" i="1" dirty="0" err="1"/>
+              <a:t>Ibidunmoye</a:t>
+            </a:r>
+            <a:r>
+              <a:rPr lang="en-US" sz="1400" i="1" dirty="0"/>
+              <a:t>, F. Hernandez-Rodriguez and E. </a:t>
+            </a:r>
+            <a:r>
+              <a:rPr lang="en-US" sz="1400" i="1" dirty="0" err="1"/>
+              <a:t>Elmroth</a:t>
+            </a:r>
+            <a:r>
+              <a:rPr lang="en-US" sz="1400" i="1" dirty="0"/>
+              <a:t>, “Performance Anomaly Detection and Bottleneck Identification”, ACM Computing Surveys, 2015, Vol. 48</a:t>
+            </a:r>
+          </a:p>
+          <a:p>
+            <a:pPr>
+              <a:lnSpc>
+                <a:spcPct val="110000"/>
+              </a:lnSpc>
+            </a:pPr>
+            <a:r>
+              <a:rPr lang="en-US" sz="1400" i="1" dirty="0" smtClean="0"/>
+              <a:t>[MS10] P</a:t>
+            </a:r>
+            <a:r>
+              <a:rPr lang="en-US" sz="1400" i="1" dirty="0"/>
+              <a:t>. </a:t>
+            </a:r>
+            <a:r>
+              <a:rPr lang="en-US" sz="1400" i="1" dirty="0" err="1"/>
+              <a:t>Magalhaes</a:t>
+            </a:r>
+            <a:r>
+              <a:rPr lang="en-US" sz="1400" i="1" dirty="0"/>
+              <a:t> and L. Silva, “Detection of Performance Anomalies in Web-based Applications”, 2010 9</a:t>
+            </a:r>
+            <a:r>
+              <a:rPr lang="en-US" sz="1400" i="1" baseline="30000" dirty="0"/>
+              <a:t>th</a:t>
+            </a:r>
+            <a:r>
+              <a:rPr lang="en-US" sz="1400" i="1" dirty="0"/>
+              <a:t> International Symposium on Network Computing and </a:t>
+            </a:r>
+            <a:r>
+              <a:rPr lang="en-US" sz="1400" i="1" dirty="0" smtClean="0"/>
+              <a:t>Applications</a:t>
+            </a:r>
+          </a:p>
+          <a:p>
+            <a:pPr>
+              <a:lnSpc>
+                <a:spcPct val="110000"/>
+              </a:lnSpc>
+            </a:pPr>
+            <a:r>
+              <a:rPr lang="en-US" sz="1400" i="1" dirty="0" smtClean="0"/>
+              <a:t>[KFE12] R</a:t>
+            </a:r>
+            <a:r>
+              <a:rPr lang="en-US" sz="1400" i="1" dirty="0"/>
+              <a:t>. </a:t>
+            </a:r>
+            <a:r>
+              <a:rPr lang="en-US" sz="1400" i="1" dirty="0" err="1"/>
+              <a:t>Killick</a:t>
+            </a:r>
+            <a:r>
+              <a:rPr lang="en-US" sz="1400" i="1" dirty="0"/>
+              <a:t>, P. </a:t>
+            </a:r>
+            <a:r>
+              <a:rPr lang="en-US" sz="1400" i="1" dirty="0" err="1"/>
+              <a:t>Fearnhead</a:t>
+            </a:r>
+            <a:r>
+              <a:rPr lang="en-US" sz="1400" i="1" dirty="0"/>
+              <a:t> and I.A. </a:t>
+            </a:r>
+            <a:r>
+              <a:rPr lang="en-US" sz="1400" i="1" dirty="0" err="1"/>
+              <a:t>Eckley</a:t>
+            </a:r>
+            <a:r>
+              <a:rPr lang="en-US" sz="1400" i="1" dirty="0"/>
+              <a:t>, “Optimal Detection of </a:t>
+            </a:r>
+            <a:r>
+              <a:rPr lang="en-US" sz="1400" i="1" dirty="0" err="1"/>
+              <a:t>Changepoints</a:t>
+            </a:r>
+            <a:r>
+              <a:rPr lang="en-US" sz="1400" i="1" dirty="0"/>
+              <a:t> with a Linear Computational Cost”, Journal of the American Statistical Association, 2012, </a:t>
+            </a:r>
+            <a:r>
+              <a:rPr lang="en-US" sz="1400" i="1" dirty="0" err="1"/>
               <a:t>vol</a:t>
             </a:r>
             <a:r>
+              <a:rPr lang="en-US" sz="1400" i="1" dirty="0"/>
+              <a:t> 107, issue 500</a:t>
+            </a:r>
+          </a:p>
+          <a:p>
+            <a:pPr>
+              <a:lnSpc>
+                <a:spcPct val="110000"/>
+              </a:lnSpc>
+            </a:pPr>
+            <a:r>
               <a:rPr lang="en-US" sz="1400" i="1" dirty="0" smtClean="0"/>
-              <a:t> 17, issue 1</a:t>
-            </a:r>
-            <a:endParaRPr lang="en-US" sz="1400" i="1" dirty="0"/>
-          </a:p>
-        </p:txBody>
-      </p:sp>
-      <p:sp>
-        <p:nvSpPr>
-          <p:cNvPr id="5" name="Slide Number Placeholder 4"/>
+              <a:t>[CL93] C</a:t>
+            </a:r>
+            <a:r>
+              <a:rPr lang="en-US" sz="1400" i="1" dirty="0"/>
+              <a:t>. Chen and L. Liu, “Joint Estimation of Model Parameters and Outlier Effects in Time Series”, Journal of the American Statistical Association, 1993, </a:t>
+            </a:r>
+            <a:r>
+              <a:rPr lang="en-US" sz="1400" i="1" dirty="0" err="1"/>
+              <a:t>vol</a:t>
+            </a:r>
+            <a:r>
+              <a:rPr lang="en-US" sz="1400" i="1" dirty="0"/>
+              <a:t> 88, issue </a:t>
+            </a:r>
+            <a:r>
+              <a:rPr lang="en-US" sz="1400" i="1" dirty="0" smtClean="0"/>
+              <a:t>421</a:t>
+            </a:r>
+          </a:p>
+        </p:txBody>
+      </p:sp>
+      <p:sp>
+        <p:nvSpPr>
+          <p:cNvPr id="3" name="Slide Number Placeholder 2"/>
           <p:cNvSpPr>
             <a:spLocks noGrp="1"/>
           </p:cNvSpPr>
@@ -10943,7 +11128,7 @@
     </p:spTree>
     <p:extLst>
       <p:ext uri="{BB962C8B-B14F-4D97-AF65-F5344CB8AC3E}">
-        <p14:creationId xmlns:p14="http://schemas.microsoft.com/office/powerpoint/2010/main" val="866085967"/>
+        <p14:creationId xmlns:p14="http://schemas.microsoft.com/office/powerpoint/2010/main" val="2047413276"/>
       </p:ext>
     </p:extLst>
   </p:cSld>
@@ -10994,145 +11179,6 @@
           <a:p>
             <a:r>
               <a:rPr lang="en-US" dirty="0" smtClean="0"/>
-              <a:t>My Thesis</a:t>
-            </a:r>
-            <a:endParaRPr lang="en-US" dirty="0"/>
-          </a:p>
-        </p:txBody>
-      </p:sp>
-      <p:sp>
-        <p:nvSpPr>
-          <p:cNvPr id="3" name="Content Placeholder 2"/>
-          <p:cNvSpPr>
-            <a:spLocks noGrp="1"/>
-          </p:cNvSpPr>
-          <p:nvPr>
-            <p:ph idx="1"/>
-          </p:nvPr>
-        </p:nvSpPr>
-        <p:spPr/>
-        <p:txBody>
-          <a:bodyPr>
-            <a:normAutofit fontScale="92500" lnSpcReduction="10000"/>
-          </a:bodyPr>
-          <a:lstStyle/>
-          <a:p>
-            <a:r>
-              <a:rPr lang="en-US" dirty="0" smtClean="0"/>
-              <a:t>Design-time governance and policy enforcement for cloud platforms, complete with a policy specification language</a:t>
-            </a:r>
-            <a:r>
-              <a:rPr lang="en-US" dirty="0" smtClean="0"/>
-              <a:t>.</a:t>
-            </a:r>
-          </a:p>
-          <a:p>
-            <a:r>
-              <a:rPr lang="en-US" dirty="0" smtClean="0"/>
-              <a:t>Framework </a:t>
-            </a:r>
-            <a:r>
-              <a:rPr lang="en-US" dirty="0" smtClean="0"/>
-              <a:t>for formulating, monitoring and invalidating performance SLAs for cloud-hosted web applications</a:t>
-            </a:r>
-            <a:r>
-              <a:rPr lang="en-US" dirty="0" smtClean="0"/>
-              <a:t>.</a:t>
-            </a:r>
-            <a:endParaRPr lang="en-US" dirty="0" smtClean="0"/>
-          </a:p>
-          <a:p>
-            <a:r>
-              <a:rPr lang="en-US" dirty="0" smtClean="0"/>
-              <a:t>Scalable cloud application platform monitoring for performance anomaly detection and bottleneck identification. [Fall 2016]</a:t>
-            </a:r>
-          </a:p>
-          <a:p>
-            <a:r>
-              <a:rPr lang="en-US" dirty="0" smtClean="0"/>
-              <a:t>Dissertation defense. [December 2016]</a:t>
-            </a:r>
-            <a:endParaRPr lang="en-US" dirty="0"/>
-          </a:p>
-        </p:txBody>
-      </p:sp>
-      <p:sp>
-        <p:nvSpPr>
-          <p:cNvPr id="4" name="Slide Number Placeholder 3"/>
-          <p:cNvSpPr>
-            <a:spLocks noGrp="1"/>
-          </p:cNvSpPr>
-          <p:nvPr>
-            <p:ph type="sldNum" sz="quarter" idx="12"/>
-          </p:nvPr>
-        </p:nvSpPr>
-        <p:spPr/>
-        <p:txBody>
-          <a:bodyPr/>
-          <a:lstStyle/>
-          <a:p>
-            <a:fld id="{D4755116-B387-CD40-9D82-4279FFF17F28}" type="slidenum">
-              <a:rPr lang="en-US" smtClean="0"/>
-              <a:t>32</a:t>
-            </a:fld>
-            <a:endParaRPr lang="en-US"/>
-          </a:p>
-        </p:txBody>
-      </p:sp>
-    </p:spTree>
-    <p:extLst>
-      <p:ext uri="{BB962C8B-B14F-4D97-AF65-F5344CB8AC3E}">
-        <p14:creationId xmlns:p14="http://schemas.microsoft.com/office/powerpoint/2010/main" val="2296212584"/>
-      </p:ext>
-    </p:extLst>
-  </p:cSld>
-  <p:clrMapOvr>
-    <a:masterClrMapping/>
-  </p:clrMapOvr>
-  <p:timing>
-    <p:tnLst>
-      <p:par>
-        <p:cTn xmlns:p14="http://schemas.microsoft.com/office/powerpoint/2010/main" id="1" dur="indefinite" restart="never" nodeType="tmRoot"/>
-      </p:par>
-    </p:tnLst>
-  </p:timing>
-</p:sld>
-</file>
-
-<file path=ppt/slides/slide33.xml><?xml version="1.0" encoding="utf-8"?>
-<p:sld xmlns:a="http://schemas.openxmlformats.org/drawingml/2006/main" xmlns:r="http://schemas.openxmlformats.org/officeDocument/2006/relationships" xmlns:p="http://schemas.openxmlformats.org/presentationml/2006/main">
-  <p:cSld>
-    <p:spTree>
-      <p:nvGrpSpPr>
-        <p:cNvPr id="1" name=""/>
-        <p:cNvGrpSpPr/>
-        <p:nvPr/>
-      </p:nvGrpSpPr>
-      <p:grpSpPr>
-        <a:xfrm>
-          <a:off x="0" y="0"/>
-          <a:ext cx="0" cy="0"/>
-          <a:chOff x="0" y="0"/>
-          <a:chExt cx="0" cy="0"/>
-        </a:xfrm>
-      </p:grpSpPr>
-      <p:sp>
-        <p:nvSpPr>
-          <p:cNvPr id="2" name="Title 1"/>
-          <p:cNvSpPr>
-            <a:spLocks noGrp="1"/>
-          </p:cNvSpPr>
-          <p:nvPr>
-            <p:ph type="title"/>
-          </p:nvPr>
-        </p:nvSpPr>
-        <p:spPr/>
-        <p:txBody>
-          <a:bodyPr/>
-          <a:lstStyle/>
-          <a:p>
-            <a:r>
-              <a:rPr lang="en-US" dirty="0" smtClean="0"/>
               <a:t>Related Work</a:t>
             </a:r>
             <a:endParaRPr lang="en-US" dirty="0"/>
@@ -11148,7 +11194,7 @@
         <p:spPr>
           <a:xfrm>
             <a:off x="165100" y="1399391"/>
-            <a:ext cx="8788400" cy="5302475"/>
+            <a:ext cx="8788400" cy="5539462"/>
           </a:xfrm>
           <a:prstGeom prst="rect">
             <a:avLst/>
@@ -11167,37 +11213,34 @@
               </a:lnSpc>
             </a:pPr>
             <a:r>
-              <a:rPr lang="en-US" sz="1400" b="1" i="1" dirty="0"/>
-              <a:t>H. Jayathilaka, C. </a:t>
-            </a:r>
-            <a:r>
-              <a:rPr lang="en-US" sz="1400" b="1" i="1" dirty="0" err="1"/>
-              <a:t>Krintz</a:t>
-            </a:r>
-            <a:r>
-              <a:rPr lang="en-US" sz="1400" b="1" i="1" dirty="0"/>
-              <a:t> and R. </a:t>
-            </a:r>
-            <a:r>
-              <a:rPr lang="en-US" sz="1400" b="1" i="1" dirty="0" err="1"/>
-              <a:t>Wolski</a:t>
-            </a:r>
-            <a:r>
-              <a:rPr lang="en-US" sz="1400" b="1" i="1" dirty="0"/>
-              <a:t>, </a:t>
-            </a:r>
-            <a:r>
-              <a:rPr lang="en-US" sz="1400" b="1" i="1" dirty="0" smtClean="0"/>
-              <a:t>”Towards Automatically Estimating Porting Effort Between Web Service APIs” </a:t>
-            </a:r>
-            <a:r>
-              <a:rPr lang="en-US" sz="1400" b="1" i="1" dirty="0"/>
-              <a:t>IEEE International Conference on </a:t>
-            </a:r>
-            <a:r>
-              <a:rPr lang="en-US" sz="1400" b="1" i="1" dirty="0" smtClean="0"/>
-              <a:t>Services Computing 2014 (SCC).</a:t>
-            </a:r>
+              <a:rPr lang="en-US" sz="1400" i="1" dirty="0" smtClean="0"/>
+              <a:t>[G06] U</a:t>
+            </a:r>
+            <a:r>
+              <a:rPr lang="en-US" sz="1400" i="1" dirty="0"/>
+              <a:t>. </a:t>
+            </a:r>
+            <a:r>
+              <a:rPr lang="en-US" sz="1400" i="1" dirty="0" err="1"/>
+              <a:t>Gromping</a:t>
+            </a:r>
+            <a:r>
+              <a:rPr lang="en-US" sz="1400" i="1" dirty="0"/>
+              <a:t>, “Relative Importance for Linear Regression in R”, Journal of Statistical Software, 2006, </a:t>
+            </a:r>
+            <a:r>
+              <a:rPr lang="en-US" sz="1400" i="1" dirty="0" err="1"/>
+              <a:t>vol</a:t>
+            </a:r>
+            <a:r>
+              <a:rPr lang="en-US" sz="1400" i="1" dirty="0"/>
+              <a:t> 17, </a:t>
+            </a:r>
+            <a:r>
+              <a:rPr lang="en-US" sz="1400" i="1" dirty="0" smtClean="0"/>
+              <a:t>issue 1</a:t>
+            </a:r>
+            <a:endParaRPr lang="en-US" sz="1400" i="1" dirty="0"/>
           </a:p>
           <a:p>
             <a:pPr>
@@ -11206,53 +11249,90 @@
               </a:lnSpc>
             </a:pPr>
             <a:r>
-              <a:rPr lang="en-US" sz="1400" b="1" i="1" dirty="0"/>
-              <a:t>H. Jayathilaka, </a:t>
-            </a:r>
-            <a:r>
-              <a:rPr lang="en-US" sz="1400" b="1" i="1" dirty="0" smtClean="0"/>
-              <a:t>A. </a:t>
-            </a:r>
-            <a:r>
-              <a:rPr lang="en-US" sz="1400" b="1" i="1" dirty="0" err="1" smtClean="0"/>
-              <a:t>Pucher</a:t>
-            </a:r>
-            <a:r>
-              <a:rPr lang="en-US" sz="1400" b="1" i="1" dirty="0" smtClean="0"/>
-              <a:t>, C</a:t>
-            </a:r>
-            <a:r>
-              <a:rPr lang="en-US" sz="1400" b="1" i="1" dirty="0"/>
-              <a:t>. </a:t>
-            </a:r>
-            <a:r>
-              <a:rPr lang="en-US" sz="1400" b="1" i="1" dirty="0" err="1"/>
-              <a:t>Krintz</a:t>
-            </a:r>
-            <a:r>
-              <a:rPr lang="en-US" sz="1400" b="1" i="1" dirty="0"/>
-              <a:t> and R. </a:t>
-            </a:r>
-            <a:r>
-              <a:rPr lang="en-US" sz="1400" b="1" i="1" dirty="0" err="1"/>
+              <a:rPr lang="en-US" sz="1400" i="1" dirty="0"/>
+              <a:t>D. </a:t>
+            </a:r>
+            <a:r>
+              <a:rPr lang="en-US" sz="1400" i="1" dirty="0" err="1"/>
+              <a:t>Nurmi</a:t>
+            </a:r>
+            <a:r>
+              <a:rPr lang="en-US" sz="1400" i="1" dirty="0"/>
+              <a:t>, R. </a:t>
+            </a:r>
+            <a:r>
+              <a:rPr lang="en-US" sz="1400" i="1" dirty="0" err="1"/>
               <a:t>Wolski</a:t>
             </a:r>
             <a:r>
-              <a:rPr lang="en-US" sz="1400" b="1" i="1" dirty="0"/>
-              <a:t>, </a:t>
-            </a:r>
-            <a:r>
-              <a:rPr lang="en-US" sz="1400" b="1" i="1" dirty="0" smtClean="0"/>
-              <a:t>”Using Syntactic and Semantic Similarity of Web APIs to Estimate Porting Effort” International Journal of Services Computing, 2014, </a:t>
-            </a:r>
-            <a:r>
-              <a:rPr lang="en-US" sz="1400" b="1" i="1" dirty="0" err="1" smtClean="0"/>
-              <a:t>vol</a:t>
-            </a:r>
-            <a:r>
-              <a:rPr lang="en-US" sz="1400" b="1" i="1" dirty="0" smtClean="0"/>
-              <a:t> 2, issue 4</a:t>
-            </a:r>
+              <a:rPr lang="en-US" sz="1400" i="1" dirty="0"/>
+              <a:t>, C. </a:t>
+            </a:r>
+            <a:r>
+              <a:rPr lang="en-US" sz="1400" i="1" dirty="0" err="1"/>
+              <a:t>Grzegorczyk</a:t>
+            </a:r>
+            <a:r>
+              <a:rPr lang="en-US" sz="1400" i="1" dirty="0"/>
+              <a:t>, G. </a:t>
+            </a:r>
+            <a:r>
+              <a:rPr lang="en-US" sz="1400" i="1" dirty="0" err="1"/>
+              <a:t>Obertelli</a:t>
+            </a:r>
+            <a:r>
+              <a:rPr lang="en-US" sz="1400" i="1" dirty="0"/>
+              <a:t>, S. </a:t>
+            </a:r>
+            <a:r>
+              <a:rPr lang="en-US" sz="1400" i="1" dirty="0" err="1"/>
+              <a:t>Soman</a:t>
+            </a:r>
+            <a:r>
+              <a:rPr lang="en-US" sz="1400" i="1" dirty="0"/>
+              <a:t>, L. </a:t>
+            </a:r>
+            <a:r>
+              <a:rPr lang="en-US" sz="1400" i="1" dirty="0" err="1"/>
+              <a:t>Youseff</a:t>
+            </a:r>
+            <a:r>
+              <a:rPr lang="en-US" sz="1400" i="1" dirty="0"/>
+              <a:t>, and D. </a:t>
+            </a:r>
+            <a:r>
+              <a:rPr lang="en-US" sz="1400" i="1" dirty="0" err="1" smtClean="0"/>
+              <a:t>Zagorodnov</a:t>
+            </a:r>
+            <a:r>
+              <a:rPr lang="en-US" sz="1400" i="1" dirty="0"/>
+              <a:t>,</a:t>
+            </a:r>
+            <a:r>
+              <a:rPr lang="en-US" sz="1400" i="1" dirty="0" smtClean="0"/>
+              <a:t> “The </a:t>
+            </a:r>
+            <a:r>
+              <a:rPr lang="en-US" sz="1400" i="1" dirty="0"/>
+              <a:t>Eucalyptus open-source cloud-computing </a:t>
+            </a:r>
+            <a:r>
+              <a:rPr lang="en-US" sz="1400" i="1" dirty="0" smtClean="0"/>
+              <a:t>system”, </a:t>
+            </a:r>
+            <a:r>
+              <a:rPr lang="en-US" sz="1400" i="1" dirty="0"/>
+              <a:t>In IEEE/ACM International </a:t>
+            </a:r>
+            <a:r>
+              <a:rPr lang="en-US" sz="1400" i="1" dirty="0" smtClean="0"/>
+              <a:t>Symposium </a:t>
+            </a:r>
+            <a:r>
+              <a:rPr lang="en-US" sz="1400" i="1" dirty="0"/>
+              <a:t>on Cluster Computing and the Grid, 2009 </a:t>
+            </a:r>
+            <a:endParaRPr lang="en-US" sz="1400" i="1" dirty="0" smtClean="0"/>
           </a:p>
           <a:p>
             <a:pPr>
@@ -11261,64 +11341,24 @@
               </a:lnSpc>
             </a:pPr>
             <a:r>
-              <a:rPr lang="en-US" sz="1400" b="1" i="1" dirty="0" smtClean="0"/>
-              <a:t>C</a:t>
-            </a:r>
-            <a:r>
-              <a:rPr lang="en-US" sz="1400" b="1" i="1" dirty="0"/>
-              <a:t>. </a:t>
-            </a:r>
-            <a:r>
-              <a:rPr lang="en-US" sz="1400" b="1" i="1" dirty="0" err="1"/>
+              <a:rPr lang="en-US" sz="1400" i="1" dirty="0" smtClean="0"/>
+              <a:t>C. </a:t>
+            </a:r>
+            <a:r>
+              <a:rPr lang="en-US" sz="1400" i="1" dirty="0" err="1" smtClean="0"/>
               <a:t>Krintz</a:t>
             </a:r>
             <a:r>
-              <a:rPr lang="en-US" sz="1400" b="1" i="1" dirty="0"/>
-              <a:t>, H. Jayathilaka, S. </a:t>
-            </a:r>
-            <a:r>
-              <a:rPr lang="en-US" sz="1400" b="1" i="1" dirty="0" err="1"/>
-              <a:t>Dimopoulos</a:t>
-            </a:r>
-            <a:r>
-              <a:rPr lang="en-US" sz="1400" b="1" i="1" dirty="0"/>
-              <a:t>, A. </a:t>
-            </a:r>
-            <a:r>
-              <a:rPr lang="en-US" sz="1400" b="1" i="1" dirty="0" err="1"/>
-              <a:t>Pucher</a:t>
-            </a:r>
-            <a:r>
-              <a:rPr lang="en-US" sz="1400" b="1" i="1" dirty="0"/>
-              <a:t>, R. </a:t>
-            </a:r>
-            <a:r>
-              <a:rPr lang="en-US" sz="1400" b="1" i="1" dirty="0" err="1"/>
-              <a:t>Wolski</a:t>
-            </a:r>
-            <a:r>
-              <a:rPr lang="en-US" sz="1400" b="1" i="1" dirty="0"/>
-              <a:t> and T. </a:t>
-            </a:r>
-            <a:r>
-              <a:rPr lang="en-US" sz="1400" b="1" i="1" dirty="0" err="1"/>
-              <a:t>Bultan</a:t>
-            </a:r>
-            <a:r>
-              <a:rPr lang="en-US" sz="1400" b="1" i="1" dirty="0"/>
-              <a:t>, "Cloud Platform Support for API Governance</a:t>
-            </a:r>
-            <a:r>
-              <a:rPr lang="en-US" sz="1400" b="1" i="1" dirty="0" smtClean="0"/>
-              <a:t>,” IEEE </a:t>
-            </a:r>
-            <a:r>
-              <a:rPr lang="en-US" sz="1400" b="1" i="1" dirty="0"/>
-              <a:t>International Conference </a:t>
-            </a:r>
-            <a:r>
-              <a:rPr lang="en-US" sz="1400" b="1" i="1" dirty="0" smtClean="0"/>
-              <a:t>on Cloud Engineering 2014 (IC2E).</a:t>
+              <a:rPr lang="en-US" sz="1400" i="1" dirty="0" smtClean="0"/>
+              <a:t>, “The </a:t>
+            </a:r>
+            <a:r>
+              <a:rPr lang="en-US" sz="1400" i="1" dirty="0" err="1" smtClean="0"/>
+              <a:t>AppScale</a:t>
+            </a:r>
+            <a:r>
+              <a:rPr lang="en-US" sz="1400" i="1" dirty="0" smtClean="0"/>
+              <a:t> Cloud Platform: Enabling Portable, Scalable Web Application Deployment”, IEEE Internet Computing, 2013.</a:t>
             </a:r>
           </a:p>
           <a:p>
@@ -11328,44 +11368,44 @@
               </a:lnSpc>
             </a:pPr>
             <a:r>
-              <a:rPr lang="en-US" sz="1400" b="1" i="1" dirty="0"/>
-              <a:t>H. Jayathilaka, C. </a:t>
-            </a:r>
-            <a:r>
-              <a:rPr lang="en-US" sz="1400" b="1" i="1" dirty="0" err="1"/>
-              <a:t>Krintz</a:t>
-            </a:r>
-            <a:r>
-              <a:rPr lang="en-US" sz="1400" b="1" i="1" dirty="0"/>
-              <a:t> and R. </a:t>
-            </a:r>
-            <a:r>
-              <a:rPr lang="en-US" sz="1400" b="1" i="1" dirty="0" err="1"/>
-              <a:t>Wolski</a:t>
-            </a:r>
-            <a:r>
-              <a:rPr lang="en-US" sz="1400" b="1" i="1" dirty="0"/>
-              <a:t>, "EAGER: Deployment-Time API Governance for Modern </a:t>
-            </a:r>
-            <a:r>
-              <a:rPr lang="en-US" sz="1400" b="1" i="1" dirty="0" err="1"/>
-              <a:t>PaaS</a:t>
-            </a:r>
-            <a:r>
-              <a:rPr lang="en-US" sz="1400" b="1" i="1" dirty="0"/>
-              <a:t> Clouds</a:t>
-            </a:r>
-            <a:r>
-              <a:rPr lang="en-US" sz="1400" b="1" i="1" dirty="0" smtClean="0"/>
-              <a:t>,” IEEE </a:t>
-            </a:r>
-            <a:r>
-              <a:rPr lang="en-US" sz="1400" b="1" i="1" dirty="0"/>
-              <a:t>International Conference </a:t>
-            </a:r>
-            <a:r>
-              <a:rPr lang="en-US" sz="1400" b="1" i="1" dirty="0" smtClean="0"/>
-              <a:t>on Cloud Engineering 2015 (IC2E).</a:t>
+              <a:rPr lang="en-US" sz="1400" i="1" dirty="0"/>
+              <a:t>S. </a:t>
+            </a:r>
+            <a:r>
+              <a:rPr lang="en-US" sz="1400" i="1" dirty="0" err="1"/>
+              <a:t>Bygde</a:t>
+            </a:r>
+            <a:r>
+              <a:rPr lang="en-US" sz="1400" i="1" dirty="0"/>
+              <a:t>. Static WCET analysis based on abstract </a:t>
+            </a:r>
+            <a:r>
+              <a:rPr lang="en-US" sz="1400" i="1" dirty="0" smtClean="0"/>
+              <a:t>interpretation </a:t>
+            </a:r>
+            <a:r>
+              <a:rPr lang="en-US" sz="1400" i="1" dirty="0"/>
+              <a:t>and counting of elements. PhD thesis, Ma ̈</a:t>
+            </a:r>
+            <a:r>
+              <a:rPr lang="en-US" sz="1400" i="1" dirty="0" err="1"/>
+              <a:t>lardalen</a:t>
+            </a:r>
+            <a:r>
+              <a:rPr lang="en-US" sz="1400" i="1" dirty="0"/>
+              <a:t> </a:t>
+            </a:r>
+            <a:r>
+              <a:rPr lang="en-US" sz="1400" i="1" dirty="0" smtClean="0"/>
+              <a:t>University</a:t>
+            </a:r>
+            <a:r>
+              <a:rPr lang="en-US" sz="1400" i="1" dirty="0"/>
+              <a:t>, 2010</a:t>
+            </a:r>
+            <a:r>
+              <a:rPr lang="en-US" sz="1400" i="1" dirty="0" smtClean="0"/>
+              <a:t>.</a:t>
             </a:r>
           </a:p>
           <a:p>
@@ -11375,24 +11415,36 @@
               </a:lnSpc>
             </a:pPr>
             <a:r>
-              <a:rPr lang="en-US" sz="1400" b="1" i="1" dirty="0"/>
-              <a:t>H. Jayathilaka, C. </a:t>
-            </a:r>
-            <a:r>
-              <a:rPr lang="en-US" sz="1400" b="1" i="1" dirty="0" err="1"/>
-              <a:t>Krintz</a:t>
-            </a:r>
-            <a:r>
-              <a:rPr lang="en-US" sz="1400" b="1" i="1" dirty="0"/>
-              <a:t> and R. </a:t>
-            </a:r>
-            <a:r>
-              <a:rPr lang="en-US" sz="1400" b="1" i="1" dirty="0" err="1"/>
-              <a:t>Wolski</a:t>
-            </a:r>
-            <a:r>
-              <a:rPr lang="en-US" sz="1400" b="1" i="1" dirty="0"/>
-              <a:t>, “Response Time Service-Level Agreements for Cloud-hosted Web Applications”, 2015 ACM Symposium on Cloud Computing (SOCC)</a:t>
+              <a:rPr lang="en-US" sz="1400" i="1" dirty="0"/>
+              <a:t>S. </a:t>
+            </a:r>
+            <a:r>
+              <a:rPr lang="en-US" sz="1400" i="1" dirty="0" err="1"/>
+              <a:t>Gulwani</a:t>
+            </a:r>
+            <a:r>
+              <a:rPr lang="en-US" sz="1400" i="1" dirty="0"/>
+              <a:t>, S. Jain, and E. </a:t>
+            </a:r>
+            <a:r>
+              <a:rPr lang="en-US" sz="1400" i="1" dirty="0" err="1"/>
+              <a:t>Koskinen</a:t>
+            </a:r>
+            <a:r>
+              <a:rPr lang="en-US" sz="1400" i="1" dirty="0"/>
+              <a:t>. Control-flow </a:t>
+            </a:r>
+            <a:r>
+              <a:rPr lang="en-US" sz="1400" i="1" dirty="0" smtClean="0"/>
+              <a:t>Refinement </a:t>
+            </a:r>
+            <a:r>
+              <a:rPr lang="en-US" sz="1400" i="1" dirty="0"/>
+              <a:t>and Progress Invariants for Bound Analysis. In ACM SIGPLAN Conference on Programming Language Design and Implementation, 2009 </a:t>
+            </a:r>
+            <a:r>
+              <a:rPr lang="en-US" sz="1400" i="1" dirty="0" smtClean="0"/>
+              <a:t> </a:t>
             </a:r>
           </a:p>
           <a:p>
@@ -11402,33 +11454,34 @@
               </a:lnSpc>
             </a:pPr>
             <a:r>
-              <a:rPr lang="en-US" sz="1400" b="1" i="1" dirty="0"/>
-              <a:t>H. Jayathilaka, C. </a:t>
-            </a:r>
-            <a:r>
-              <a:rPr lang="en-US" sz="1400" b="1" i="1" dirty="0" err="1"/>
-              <a:t>Krintz</a:t>
-            </a:r>
-            <a:r>
-              <a:rPr lang="en-US" sz="1400" b="1" i="1" dirty="0"/>
-              <a:t> and R. </a:t>
-            </a:r>
-            <a:r>
-              <a:rPr lang="en-US" sz="1400" b="1" i="1" dirty="0" err="1"/>
-              <a:t>Wolski</a:t>
-            </a:r>
-            <a:r>
-              <a:rPr lang="en-US" sz="1400" b="1" i="1" dirty="0"/>
-              <a:t>, "Service-Level Agreement Durability for Web Service Response Time," 2015 IEEE 7th International Conference on Cloud Computing Technology and Science (</a:t>
-            </a:r>
-            <a:r>
-              <a:rPr lang="en-US" sz="1400" b="1" i="1" dirty="0" err="1"/>
-              <a:t>CloudCom</a:t>
-            </a:r>
-            <a:r>
-              <a:rPr lang="en-US" sz="1400" b="1" i="1" dirty="0" smtClean="0"/>
-              <a:t>)</a:t>
-            </a:r>
+              <a:rPr lang="en-US" sz="1400" i="1" dirty="0" smtClean="0"/>
+              <a:t>R. </a:t>
+            </a:r>
+            <a:r>
+              <a:rPr lang="en-US" sz="1400" i="1" dirty="0" err="1" smtClean="0"/>
+              <a:t>Vallee-Rai</a:t>
+            </a:r>
+            <a:r>
+              <a:rPr lang="en-US" sz="1400" i="1" dirty="0" smtClean="0"/>
+              <a:t>, L. </a:t>
+            </a:r>
+            <a:r>
+              <a:rPr lang="en-US" sz="1400" i="1" dirty="0" err="1" smtClean="0"/>
+              <a:t>Hendren</a:t>
+            </a:r>
+            <a:r>
+              <a:rPr lang="en-US" sz="1400" i="1" dirty="0" smtClean="0"/>
+              <a:t>, V. </a:t>
+            </a:r>
+            <a:r>
+              <a:rPr lang="en-US" sz="1400" i="1" dirty="0" err="1" smtClean="0"/>
+              <a:t>Sundaresan</a:t>
+            </a:r>
+            <a:r>
+              <a:rPr lang="en-US" sz="1400" i="1" dirty="0" smtClean="0"/>
+              <a:t>, P. Lam, E. Gagnon and P. Co, “Soot – A Java Optimization Framework”, CASCON 1999.</a:t>
+            </a:r>
+            <a:endParaRPr lang="en-US" sz="1400" i="1" dirty="0"/>
           </a:p>
           <a:p>
             <a:pPr>
@@ -11438,36 +11491,17 @@
             </a:pPr>
             <a:r>
               <a:rPr lang="en-US" sz="1400" i="1" dirty="0"/>
-              <a:t>D. </a:t>
-            </a:r>
-            <a:r>
-              <a:rPr lang="en-US" sz="1400" i="1" dirty="0" err="1"/>
-              <a:t>Nurmi</a:t>
+              <a:t>R. T. Fielding. Architectural Styles and the Design of Network-based Software Architectures. PhD thesis, </a:t>
+            </a:r>
+            <a:r>
+              <a:rPr lang="en-US" sz="1400" i="1" dirty="0" smtClean="0"/>
+              <a:t>University </a:t>
             </a:r>
             <a:r>
               <a:rPr lang="en-US" sz="1400" i="1" dirty="0"/>
-              <a:t>, J. </a:t>
-            </a:r>
-            <a:r>
-              <a:rPr lang="en-US" sz="1400" i="1" dirty="0" err="1"/>
-              <a:t>Brevik</a:t>
-            </a:r>
-            <a:r>
-              <a:rPr lang="en-US" sz="1400" i="1" dirty="0"/>
-              <a:t> and R. </a:t>
-            </a:r>
-            <a:r>
-              <a:rPr lang="en-US" sz="1400" i="1" dirty="0" err="1"/>
-              <a:t>Wolski</a:t>
-            </a:r>
-            <a:r>
-              <a:rPr lang="en-US" sz="1400" i="1" dirty="0"/>
-              <a:t>, “QBETS: Queue Bounds Estimation from Time Series”, 2008 International Conference on Job Scheduling Strategies for Parallel </a:t>
-            </a:r>
-            <a:r>
-              <a:rPr lang="en-US" sz="1400" i="1" dirty="0" smtClean="0"/>
-              <a:t>Processing</a:t>
-            </a:r>
+              <a:t>of California, Irvine, 2000 </a:t>
+            </a:r>
+            <a:endParaRPr lang="en-US" sz="1400" i="1" dirty="0" smtClean="0"/>
           </a:p>
           <a:p>
             <a:pPr>
@@ -11477,23 +11511,43 @@
             </a:pPr>
             <a:r>
               <a:rPr lang="en-US" sz="1400" i="1" dirty="0"/>
-              <a:t>O. </a:t>
+              <a:t>L. Wu, S. </a:t>
             </a:r>
             <a:r>
               <a:rPr lang="en-US" sz="1400" i="1" dirty="0" err="1"/>
-              <a:t>Ibidunmoye</a:t>
+              <a:t>Garg</a:t>
             </a:r>
             <a:r>
               <a:rPr lang="en-US" sz="1400" i="1" dirty="0"/>
-              <a:t>, F. Hernandez-Rodriguez and E. </a:t>
+              <a:t>, R. </a:t>
             </a:r>
             <a:r>
               <a:rPr lang="en-US" sz="1400" i="1" dirty="0" err="1"/>
-              <a:t>Elmroth</a:t>
+              <a:t>Buyya</a:t>
             </a:r>
             <a:r>
               <a:rPr lang="en-US" sz="1400" i="1" dirty="0"/>
-              <a:t>, “Performance Anomaly Detection and Bottleneck Identification”, ACM Computing Surveys, 2015, Vol. 48</a:t>
+              <a:t>, C. Chen, and S. </a:t>
+            </a:r>
+            <a:r>
+              <a:rPr lang="en-US" sz="1400" i="1" dirty="0" err="1"/>
+              <a:t>Versteeg</a:t>
+            </a:r>
+            <a:r>
+              <a:rPr lang="en-US" sz="1400" i="1" dirty="0"/>
+              <a:t>. </a:t>
+            </a:r>
+            <a:r>
+              <a:rPr lang="en-US" sz="1400" i="1" dirty="0" smtClean="0"/>
+              <a:t>Automated </a:t>
+            </a:r>
+            <a:r>
+              <a:rPr lang="en-US" sz="1400" i="1" dirty="0"/>
+              <a:t>SLA Negotiation Framework for Cloud Computing. In IEEE/ACM International Symposium on Cluster, Cloud and Grid Computing, </a:t>
+            </a:r>
+            <a:r>
+              <a:rPr lang="en-US" sz="1400" i="1" dirty="0" smtClean="0"/>
+              <a:t>2013</a:t>
             </a:r>
           </a:p>
           <a:p>
@@ -11503,28 +11557,56 @@
               </a:lnSpc>
             </a:pPr>
             <a:r>
+              <a:rPr lang="en-US" sz="1400" i="1" dirty="0" smtClean="0"/>
+              <a:t>R. </a:t>
+            </a:r>
+            <a:r>
+              <a:rPr lang="en-US" sz="1400" i="1" dirty="0" err="1" smtClean="0"/>
+              <a:t>Killick</a:t>
+            </a:r>
+            <a:r>
               <a:rPr lang="en-US" sz="1400" i="1" dirty="0"/>
-              <a:t>P. </a:t>
+              <a:t> </a:t>
+            </a:r>
+            <a:r>
+              <a:rPr lang="en-US" sz="1400" i="1" dirty="0" smtClean="0"/>
+              <a:t>and I.A. </a:t>
+            </a:r>
+            <a:r>
+              <a:rPr lang="en-US" sz="1400" i="1" dirty="0" err="1" smtClean="0"/>
+              <a:t>Eckley</a:t>
+            </a:r>
+            <a:r>
+              <a:rPr lang="en-US" sz="1400" i="1" dirty="0" smtClean="0"/>
+              <a:t>, “</a:t>
+            </a:r>
+            <a:r>
+              <a:rPr lang="en-US" sz="1400" i="1" dirty="0" err="1" smtClean="0"/>
+              <a:t>Changepoint</a:t>
+            </a:r>
+            <a:r>
+              <a:rPr lang="en-US" sz="1400" i="1" dirty="0" smtClean="0"/>
+              <a:t>: An R Package for </a:t>
+            </a:r>
+            <a:r>
+              <a:rPr lang="en-US" sz="1400" i="1" dirty="0" err="1" smtClean="0"/>
+              <a:t>Changepoint</a:t>
+            </a:r>
+            <a:r>
+              <a:rPr lang="en-US" sz="1400" i="1" dirty="0" smtClean="0"/>
+              <a:t> Analysis”, Journal of Statistical Software, 2014, </a:t>
             </a:r>
             <a:r>
               <a:rPr lang="en-US" sz="1400" i="1" dirty="0" err="1"/>
-              <a:t>Magalhaes</a:t>
-            </a:r>
-            <a:r>
-              <a:rPr lang="en-US" sz="1400" i="1" dirty="0"/>
-              <a:t> and L. Silva, “Detection of Performance Anomalies in Web-based Applications”, 2010 9</a:t>
-            </a:r>
-            <a:r>
-              <a:rPr lang="en-US" sz="1400" i="1" baseline="30000" dirty="0"/>
-              <a:t>th</a:t>
-            </a:r>
-            <a:r>
-              <a:rPr lang="en-US" sz="1400" i="1" dirty="0"/>
-              <a:t> International Symposium on Network Computing and </a:t>
+              <a:t>v</a:t>
+            </a:r>
+            <a:r>
+              <a:rPr lang="en-US" sz="1400" i="1" dirty="0" err="1" smtClean="0"/>
+              <a:t>ol</a:t>
             </a:r>
             <a:r>
               <a:rPr lang="en-US" sz="1400" i="1" dirty="0" smtClean="0"/>
-              <a:t>Applications</a:t>
+              <a:t> 58, issue 3</a:t>
             </a:r>
           </a:p>
           <a:p>
@@ -11534,621 +11616,12 @@
               </a:lnSpc>
             </a:pPr>
             <a:r>
-              <a:rPr lang="en-US" sz="1400" i="1" dirty="0"/>
-              <a:t>R. </a:t>
-            </a:r>
-            <a:r>
-              <a:rPr lang="en-US" sz="1400" i="1" dirty="0" err="1"/>
-              <a:t>Killick</a:t>
-            </a:r>
-            <a:r>
-              <a:rPr lang="en-US" sz="1400" i="1" dirty="0"/>
-              <a:t>, P. </a:t>
-            </a:r>
-            <a:r>
-              <a:rPr lang="en-US" sz="1400" i="1" dirty="0" err="1"/>
-              <a:t>Fearnhead</a:t>
-            </a:r>
-            <a:r>
-              <a:rPr lang="en-US" sz="1400" i="1" dirty="0"/>
-              <a:t> and I.A. </a:t>
-            </a:r>
-            <a:r>
-              <a:rPr lang="en-US" sz="1400" i="1" dirty="0" err="1"/>
-              <a:t>Eckley</a:t>
-            </a:r>
-            <a:r>
-              <a:rPr lang="en-US" sz="1400" i="1" dirty="0"/>
-              <a:t>, “Optimal Detection of </a:t>
-            </a:r>
-            <a:r>
-              <a:rPr lang="en-US" sz="1400" i="1" dirty="0" err="1"/>
-              <a:t>Changepoints</a:t>
-            </a:r>
-            <a:r>
-              <a:rPr lang="en-US" sz="1400" i="1" dirty="0"/>
-              <a:t> with a Linear Computational Cost”, Journal of the American Statistical Association, 2012, </a:t>
-            </a:r>
-            <a:r>
-              <a:rPr lang="en-US" sz="1400" i="1" dirty="0" err="1"/>
-              <a:t>vol</a:t>
-            </a:r>
-            <a:r>
-              <a:rPr lang="en-US" sz="1400" i="1" dirty="0"/>
-              <a:t> 107, issue 500</a:t>
-            </a:r>
-          </a:p>
-          <a:p>
-            <a:pPr>
-              <a:lnSpc>
-                <a:spcPct val="110000"/>
-              </a:lnSpc>
-            </a:pPr>
-            <a:r>
-              <a:rPr lang="en-US" sz="1400" i="1" dirty="0"/>
-              <a:t>C. Chen and L. Liu, “Joint Estimation of Model Parameters and Outlier Effects in Time Series”, Journal of the American Statistical Association, 1993, </a:t>
-            </a:r>
-            <a:r>
-              <a:rPr lang="en-US" sz="1400" i="1" dirty="0" err="1"/>
-              <a:t>vol</a:t>
-            </a:r>
-            <a:r>
-              <a:rPr lang="en-US" sz="1400" i="1" dirty="0"/>
-              <a:t> 88, issue </a:t>
-            </a:r>
-            <a:r>
               <a:rPr lang="en-US" sz="1400" i="1" dirty="0" smtClean="0"/>
-              <a:t>421</a:t>
-            </a:r>
-          </a:p>
-        </p:txBody>
-      </p:sp>
-      <p:sp>
-        <p:nvSpPr>
-          <p:cNvPr id="3" name="Slide Number Placeholder 2"/>
-          <p:cNvSpPr>
-            <a:spLocks noGrp="1"/>
-          </p:cNvSpPr>
-          <p:nvPr>
-            <p:ph type="sldNum" sz="quarter" idx="12"/>
-          </p:nvPr>
-        </p:nvSpPr>
-        <p:spPr/>
-        <p:txBody>
-          <a:bodyPr/>
-          <a:lstStyle/>
-          <a:p>
-            <a:fld id="{D4755116-B387-CD40-9D82-4279FFF17F28}" type="slidenum">
-              <a:rPr lang="en-US" smtClean="0"/>
-              <a:t>33</a:t>
-            </a:fld>
-            <a:endParaRPr lang="en-US"/>
-          </a:p>
-        </p:txBody>
-      </p:sp>
-    </p:spTree>
-    <p:extLst>
-      <p:ext uri="{BB962C8B-B14F-4D97-AF65-F5344CB8AC3E}">
-        <p14:creationId xmlns:p14="http://schemas.microsoft.com/office/powerpoint/2010/main" val="2047413276"/>
-      </p:ext>
-    </p:extLst>
-  </p:cSld>
-  <p:clrMapOvr>
-    <a:masterClrMapping/>
-  </p:clrMapOvr>
-  <p:timing>
-    <p:tnLst>
-      <p:par>
-        <p:cTn xmlns:p14="http://schemas.microsoft.com/office/powerpoint/2010/main" id="1" dur="indefinite" restart="never" nodeType="tmRoot"/>
-      </p:par>
-    </p:tnLst>
-  </p:timing>
-</p:sld>
-</file>
-
-<file path=ppt/slides/slide34.xml><?xml version="1.0" encoding="utf-8"?>
-<p:sld xmlns:a="http://schemas.openxmlformats.org/drawingml/2006/main" xmlns:r="http://schemas.openxmlformats.org/officeDocument/2006/relationships" xmlns:p="http://schemas.openxmlformats.org/presentationml/2006/main">
-  <p:cSld>
-    <p:spTree>
-      <p:nvGrpSpPr>
-        <p:cNvPr id="1" name=""/>
-        <p:cNvGrpSpPr/>
-        <p:nvPr/>
-      </p:nvGrpSpPr>
-      <p:grpSpPr>
-        <a:xfrm>
-          <a:off x="0" y="0"/>
-          <a:ext cx="0" cy="0"/>
-          <a:chOff x="0" y="0"/>
-          <a:chExt cx="0" cy="0"/>
-        </a:xfrm>
-      </p:grpSpPr>
-      <p:sp>
-        <p:nvSpPr>
-          <p:cNvPr id="2" name="Title 1"/>
-          <p:cNvSpPr>
-            <a:spLocks noGrp="1"/>
-          </p:cNvSpPr>
-          <p:nvPr>
-            <p:ph type="title"/>
-          </p:nvPr>
-        </p:nvSpPr>
-        <p:spPr/>
-        <p:txBody>
-          <a:bodyPr/>
-          <a:lstStyle/>
-          <a:p>
-            <a:r>
-              <a:rPr lang="en-US" dirty="0" smtClean="0"/>
-              <a:t>Related Work</a:t>
-            </a:r>
-            <a:endParaRPr lang="en-US" dirty="0"/>
-          </a:p>
-        </p:txBody>
-      </p:sp>
-      <p:sp>
-        <p:nvSpPr>
-          <p:cNvPr id="4" name="TextBox 3"/>
-          <p:cNvSpPr txBox="1"/>
-          <p:nvPr/>
-        </p:nvSpPr>
-        <p:spPr>
-          <a:xfrm>
-            <a:off x="165100" y="1399391"/>
-            <a:ext cx="8788400" cy="5911872"/>
-          </a:xfrm>
-          <a:prstGeom prst="rect">
-            <a:avLst/>
-          </a:prstGeom>
-          <a:noFill/>
-        </p:spPr>
-        <p:txBody>
-          <a:bodyPr wrap="square" rtlCol="0">
-            <a:spAutoFit/>
-          </a:bodyPr>
-          <a:lstStyle/>
-          <a:p>
-            <a:pPr>
-              <a:lnSpc>
-                <a:spcPct val="110000"/>
-              </a:lnSpc>
-            </a:pPr>
-            <a:r>
-              <a:rPr lang="en-US" sz="1400" i="1" dirty="0" smtClean="0"/>
-              <a:t>U</a:t>
+              <a:t>A</a:t>
             </a:r>
             <a:r>
               <a:rPr lang="en-US" sz="1400" i="1" dirty="0"/>
               <a:t>. </a:t>
-            </a:r>
-            <a:r>
-              <a:rPr lang="en-US" sz="1400" i="1" dirty="0" err="1"/>
-              <a:t>Gromping</a:t>
-            </a:r>
-            <a:r>
-              <a:rPr lang="en-US" sz="1400" i="1" dirty="0"/>
-              <a:t>, “Relative Importance for Linear Regression in R”, Journal of Statistical Software, 2006, </a:t>
-            </a:r>
-            <a:r>
-              <a:rPr lang="en-US" sz="1400" i="1" dirty="0" err="1"/>
-              <a:t>vol</a:t>
-            </a:r>
-            <a:r>
-              <a:rPr lang="en-US" sz="1400" i="1" dirty="0"/>
-              <a:t> 17, issue 1</a:t>
-            </a:r>
-          </a:p>
-          <a:p>
-            <a:pPr>
-              <a:lnSpc>
-                <a:spcPct val="110000"/>
-              </a:lnSpc>
-            </a:pPr>
-            <a:r>
-              <a:rPr lang="en-US" sz="1400" i="1" dirty="0"/>
-              <a:t>D. </a:t>
-            </a:r>
-            <a:r>
-              <a:rPr lang="en-US" sz="1400" i="1" dirty="0" err="1"/>
-              <a:t>Nurmi</a:t>
-            </a:r>
-            <a:r>
-              <a:rPr lang="en-US" sz="1400" i="1" dirty="0"/>
-              <a:t>, R. </a:t>
-            </a:r>
-            <a:r>
-              <a:rPr lang="en-US" sz="1400" i="1" dirty="0" err="1"/>
-              <a:t>Wolski</a:t>
-            </a:r>
-            <a:r>
-              <a:rPr lang="en-US" sz="1400" i="1" dirty="0"/>
-              <a:t>, C. </a:t>
-            </a:r>
-            <a:r>
-              <a:rPr lang="en-US" sz="1400" i="1" dirty="0" err="1"/>
-              <a:t>Grzegorczyk</a:t>
-            </a:r>
-            <a:r>
-              <a:rPr lang="en-US" sz="1400" i="1" dirty="0"/>
-              <a:t>, G. </a:t>
-            </a:r>
-            <a:r>
-              <a:rPr lang="en-US" sz="1400" i="1" dirty="0" err="1"/>
-              <a:t>Obertelli</a:t>
-            </a:r>
-            <a:r>
-              <a:rPr lang="en-US" sz="1400" i="1" dirty="0"/>
-              <a:t>, S. </a:t>
-            </a:r>
-            <a:r>
-              <a:rPr lang="en-US" sz="1400" i="1" dirty="0" err="1"/>
-              <a:t>Soman</a:t>
-            </a:r>
-            <a:r>
-              <a:rPr lang="en-US" sz="1400" i="1" dirty="0"/>
-              <a:t>, L. </a:t>
-            </a:r>
-            <a:r>
-              <a:rPr lang="en-US" sz="1400" i="1" dirty="0" err="1"/>
-              <a:t>Youseff</a:t>
-            </a:r>
-            <a:r>
-              <a:rPr lang="en-US" sz="1400" i="1" dirty="0"/>
-              <a:t>, and D. </a:t>
-            </a:r>
-            <a:r>
-              <a:rPr lang="en-US" sz="1400" i="1" dirty="0" err="1" smtClean="0"/>
-              <a:t>Zagorodnov</a:t>
-            </a:r>
-            <a:r>
-              <a:rPr lang="en-US" sz="1400" i="1" dirty="0"/>
-              <a:t>,</a:t>
-            </a:r>
-            <a:r>
-              <a:rPr lang="en-US" sz="1400" i="1" dirty="0" smtClean="0"/>
-              <a:t> “The </a:t>
-            </a:r>
-            <a:r>
-              <a:rPr lang="en-US" sz="1400" i="1" dirty="0"/>
-              <a:t>Eucalyptus open-source cloud-computing </a:t>
-            </a:r>
-            <a:r>
-              <a:rPr lang="en-US" sz="1400" i="1" dirty="0" smtClean="0"/>
-              <a:t>system”, </a:t>
-            </a:r>
-            <a:r>
-              <a:rPr lang="en-US" sz="1400" i="1" dirty="0"/>
-              <a:t>In IEEE/ACM International </a:t>
-            </a:r>
-            <a:r>
-              <a:rPr lang="en-US" sz="1400" i="1" dirty="0" smtClean="0"/>
-              <a:t>Symposium </a:t>
-            </a:r>
-            <a:r>
-              <a:rPr lang="en-US" sz="1400" i="1" dirty="0"/>
-              <a:t>on Cluster Computing and the Grid, 2009 </a:t>
-            </a:r>
-            <a:endParaRPr lang="en-US" sz="1400" i="1" dirty="0" smtClean="0"/>
-          </a:p>
-          <a:p>
-            <a:pPr>
-              <a:lnSpc>
-                <a:spcPct val="110000"/>
-              </a:lnSpc>
-            </a:pPr>
-            <a:r>
-              <a:rPr lang="en-US" sz="1400" i="1" dirty="0" smtClean="0"/>
-              <a:t>C. </a:t>
-            </a:r>
-            <a:r>
-              <a:rPr lang="en-US" sz="1400" i="1" dirty="0" err="1" smtClean="0"/>
-              <a:t>Krintz</a:t>
-            </a:r>
-            <a:r>
-              <a:rPr lang="en-US" sz="1400" i="1" dirty="0" smtClean="0"/>
-              <a:t>, “The </a:t>
-            </a:r>
-            <a:r>
-              <a:rPr lang="en-US" sz="1400" i="1" dirty="0" err="1" smtClean="0"/>
-              <a:t>AppScale</a:t>
-            </a:r>
-            <a:r>
-              <a:rPr lang="en-US" sz="1400" i="1" dirty="0" smtClean="0"/>
-              <a:t> Cloud Platform: Enabling Portable, Scalable Web Application Deployment”, IEEE Internet Computing, 2013.</a:t>
-            </a:r>
-          </a:p>
-          <a:p>
-            <a:pPr>
-              <a:lnSpc>
-                <a:spcPct val="110000"/>
-              </a:lnSpc>
-            </a:pPr>
-            <a:r>
-              <a:rPr lang="en-US" sz="1400" i="1" dirty="0"/>
-              <a:t>S. </a:t>
-            </a:r>
-            <a:r>
-              <a:rPr lang="en-US" sz="1400" i="1" dirty="0" err="1"/>
-              <a:t>Bygde</a:t>
-            </a:r>
-            <a:r>
-              <a:rPr lang="en-US" sz="1400" i="1" dirty="0"/>
-              <a:t>. Static WCET analysis based on abstract </a:t>
-            </a:r>
-            <a:r>
-              <a:rPr lang="en-US" sz="1400" i="1" dirty="0" smtClean="0"/>
-              <a:t>interpretation </a:t>
-            </a:r>
-            <a:r>
-              <a:rPr lang="en-US" sz="1400" i="1" dirty="0"/>
-              <a:t>and counting of elements. PhD thesis, Ma ̈</a:t>
-            </a:r>
-            <a:r>
-              <a:rPr lang="en-US" sz="1400" i="1" dirty="0" err="1"/>
-              <a:t>lardalen</a:t>
-            </a:r>
-            <a:r>
-              <a:rPr lang="en-US" sz="1400" i="1" dirty="0"/>
-              <a:t> </a:t>
-            </a:r>
-            <a:r>
-              <a:rPr lang="en-US" sz="1400" i="1" dirty="0" smtClean="0"/>
-              <a:t>University</a:t>
-            </a:r>
-            <a:r>
-              <a:rPr lang="en-US" sz="1400" i="1" dirty="0"/>
-              <a:t>, 2010</a:t>
-            </a:r>
-            <a:r>
-              <a:rPr lang="en-US" sz="1400" i="1" dirty="0" smtClean="0"/>
-              <a:t>.</a:t>
-            </a:r>
-          </a:p>
-          <a:p>
-            <a:pPr>
-              <a:lnSpc>
-                <a:spcPct val="110000"/>
-              </a:lnSpc>
-            </a:pPr>
-            <a:r>
-              <a:rPr lang="en-US" sz="1400" i="1" dirty="0"/>
-              <a:t>S. </a:t>
-            </a:r>
-            <a:r>
-              <a:rPr lang="en-US" sz="1400" i="1" dirty="0" err="1"/>
-              <a:t>Gulwani</a:t>
-            </a:r>
-            <a:r>
-              <a:rPr lang="en-US" sz="1400" i="1" dirty="0"/>
-              <a:t>, S. Jain, and E. </a:t>
-            </a:r>
-            <a:r>
-              <a:rPr lang="en-US" sz="1400" i="1" dirty="0" err="1"/>
-              <a:t>Koskinen</a:t>
-            </a:r>
-            <a:r>
-              <a:rPr lang="en-US" sz="1400" i="1" dirty="0"/>
-              <a:t>. Control-flow </a:t>
-            </a:r>
-            <a:r>
-              <a:rPr lang="en-US" sz="1400" i="1" dirty="0" smtClean="0"/>
-              <a:t>Refinement </a:t>
-            </a:r>
-            <a:r>
-              <a:rPr lang="en-US" sz="1400" i="1" dirty="0"/>
-              <a:t>and Progress Invariants for Bound Analysis. In ACM SIGPLAN Conference on Programming Language Design and Implementation, 2009 </a:t>
-            </a:r>
-            <a:r>
-              <a:rPr lang="en-US" sz="1400" i="1" dirty="0" smtClean="0"/>
-              <a:t> </a:t>
-            </a:r>
-          </a:p>
-          <a:p>
-            <a:pPr>
-              <a:lnSpc>
-                <a:spcPct val="110000"/>
-              </a:lnSpc>
-            </a:pPr>
-            <a:r>
-              <a:rPr lang="en-US" sz="1400" i="1" dirty="0" smtClean="0"/>
-              <a:t>R. </a:t>
-            </a:r>
-            <a:r>
-              <a:rPr lang="en-US" sz="1400" i="1" dirty="0" err="1" smtClean="0"/>
-              <a:t>Vallee-Rai</a:t>
-            </a:r>
-            <a:r>
-              <a:rPr lang="en-US" sz="1400" i="1" dirty="0" smtClean="0"/>
-              <a:t>, L. </a:t>
-            </a:r>
-            <a:r>
-              <a:rPr lang="en-US" sz="1400" i="1" dirty="0" err="1" smtClean="0"/>
-              <a:t>Hendren</a:t>
-            </a:r>
-            <a:r>
-              <a:rPr lang="en-US" sz="1400" i="1" dirty="0" smtClean="0"/>
-              <a:t>, V. </a:t>
-            </a:r>
-            <a:r>
-              <a:rPr lang="en-US" sz="1400" i="1" dirty="0" err="1" smtClean="0"/>
-              <a:t>Sundaresan</a:t>
-            </a:r>
-            <a:r>
-              <a:rPr lang="en-US" sz="1400" i="1" dirty="0" smtClean="0"/>
-              <a:t>, P. Lam, E. Gagnon and P. Co, “Soot – A Java Optimization Framework”, CASCON 1999.</a:t>
-            </a:r>
-            <a:endParaRPr lang="en-US" sz="1400" i="1" dirty="0"/>
-          </a:p>
-          <a:p>
-            <a:pPr>
-              <a:lnSpc>
-                <a:spcPct val="110000"/>
-              </a:lnSpc>
-            </a:pPr>
-            <a:r>
-              <a:rPr lang="en-US" sz="1400" i="1" dirty="0"/>
-              <a:t>R. T. Fielding. Architectural Styles and the Design of Network-based Software Architectures. PhD thesis, </a:t>
-            </a:r>
-            <a:r>
-              <a:rPr lang="en-US" sz="1400" i="1" dirty="0" smtClean="0"/>
-              <a:t>University </a:t>
-            </a:r>
-            <a:r>
-              <a:rPr lang="en-US" sz="1400" i="1" dirty="0"/>
-              <a:t>of California, Irvine, 2000 </a:t>
-            </a:r>
-            <a:endParaRPr lang="en-US" sz="1400" i="1" dirty="0" smtClean="0"/>
-          </a:p>
-          <a:p>
-            <a:pPr>
-              <a:lnSpc>
-                <a:spcPct val="110000"/>
-              </a:lnSpc>
-            </a:pPr>
-            <a:r>
-              <a:rPr lang="en-US" sz="1400" i="1" dirty="0"/>
-              <a:t>L. Wu, S. </a:t>
-            </a:r>
-            <a:r>
-              <a:rPr lang="en-US" sz="1400" i="1" dirty="0" err="1"/>
-              <a:t>Garg</a:t>
-            </a:r>
-            <a:r>
-              <a:rPr lang="en-US" sz="1400" i="1" dirty="0"/>
-              <a:t>, R. </a:t>
-            </a:r>
-            <a:r>
-              <a:rPr lang="en-US" sz="1400" i="1" dirty="0" err="1"/>
-              <a:t>Buyya</a:t>
-            </a:r>
-            <a:r>
-              <a:rPr lang="en-US" sz="1400" i="1" dirty="0"/>
-              <a:t>, C. Chen, and S. </a:t>
-            </a:r>
-            <a:r>
-              <a:rPr lang="en-US" sz="1400" i="1" dirty="0" err="1"/>
-              <a:t>Versteeg</a:t>
-            </a:r>
-            <a:r>
-              <a:rPr lang="en-US" sz="1400" i="1" dirty="0"/>
-              <a:t>. </a:t>
-            </a:r>
-            <a:r>
-              <a:rPr lang="en-US" sz="1400" i="1" dirty="0" smtClean="0"/>
-              <a:t>Automated </a:t>
-            </a:r>
-            <a:r>
-              <a:rPr lang="en-US" sz="1400" i="1" dirty="0"/>
-              <a:t>SLA Negotiation Framework for Cloud Computing. In IEEE/ACM International Symposium on Cluster, Cloud and Grid Computing, </a:t>
-            </a:r>
-            <a:r>
-              <a:rPr lang="en-US" sz="1400" i="1" dirty="0" smtClean="0"/>
-              <a:t>2013</a:t>
-            </a:r>
-          </a:p>
-          <a:p>
-            <a:pPr>
-              <a:lnSpc>
-                <a:spcPct val="110000"/>
-              </a:lnSpc>
-            </a:pPr>
-            <a:r>
-              <a:rPr lang="en-US" sz="1400" i="1" dirty="0" smtClean="0"/>
-              <a:t>R. </a:t>
-            </a:r>
-            <a:r>
-              <a:rPr lang="en-US" sz="1400" i="1" dirty="0" err="1" smtClean="0"/>
-              <a:t>Killick</a:t>
-            </a:r>
-            <a:r>
-              <a:rPr lang="en-US" sz="1400" i="1" dirty="0"/>
-              <a:t> </a:t>
-            </a:r>
-            <a:r>
-              <a:rPr lang="en-US" sz="1400" i="1" dirty="0" smtClean="0"/>
-              <a:t>and I.A. </a:t>
-            </a:r>
-            <a:r>
-              <a:rPr lang="en-US" sz="1400" i="1" dirty="0" err="1" smtClean="0"/>
-              <a:t>Eckley</a:t>
-            </a:r>
-            <a:r>
-              <a:rPr lang="en-US" sz="1400" i="1" dirty="0" smtClean="0"/>
-              <a:t>, “</a:t>
-            </a:r>
-            <a:r>
-              <a:rPr lang="en-US" sz="1400" i="1" dirty="0" err="1" smtClean="0"/>
-              <a:t>Changepoint</a:t>
-            </a:r>
-            <a:r>
-              <a:rPr lang="en-US" sz="1400" i="1" dirty="0" smtClean="0"/>
-              <a:t>: An R Package for </a:t>
-            </a:r>
-            <a:r>
-              <a:rPr lang="en-US" sz="1400" i="1" dirty="0" err="1" smtClean="0"/>
-              <a:t>Changepoint</a:t>
-            </a:r>
-            <a:r>
-              <a:rPr lang="en-US" sz="1400" i="1" dirty="0" smtClean="0"/>
-              <a:t> Analysis”, Journal of Statistical Software, 2014, </a:t>
-            </a:r>
-            <a:r>
-              <a:rPr lang="en-US" sz="1400" i="1" dirty="0" err="1"/>
-              <a:t>v</a:t>
-            </a:r>
-            <a:r>
-              <a:rPr lang="en-US" sz="1400" i="1" dirty="0" err="1" smtClean="0"/>
-              <a:t>ol</a:t>
-            </a:r>
-            <a:r>
-              <a:rPr lang="en-US" sz="1400" i="1" dirty="0" smtClean="0"/>
-              <a:t> 58, issue 3</a:t>
-            </a:r>
-          </a:p>
-          <a:p>
-            <a:pPr>
-              <a:lnSpc>
-                <a:spcPct val="110000"/>
-              </a:lnSpc>
-            </a:pPr>
-            <a:r>
-              <a:rPr lang="en-US" sz="1400" i="1" dirty="0" smtClean="0"/>
-              <a:t>A. Keller </a:t>
-            </a:r>
-            <a:r>
-              <a:rPr lang="en-US" sz="1400" i="1" dirty="0"/>
-              <a:t>and H. Ludwig, “The WSLA Framework: Spec- </a:t>
-            </a:r>
-            <a:r>
-              <a:rPr lang="en-US" sz="1400" i="1" dirty="0" err="1"/>
-              <a:t>ifying</a:t>
-            </a:r>
-            <a:r>
-              <a:rPr lang="en-US" sz="1400" i="1" dirty="0"/>
-              <a:t> and Monitoring Service Level Agreements for Web Services,” J. </a:t>
-            </a:r>
-            <a:r>
-              <a:rPr lang="en-US" sz="1400" i="1" dirty="0" err="1"/>
-              <a:t>Netw</a:t>
-            </a:r>
-            <a:r>
-              <a:rPr lang="en-US" sz="1400" i="1" dirty="0"/>
-              <a:t>. Syst. Manage., vol. 11, no. 1, Mar. 2003</a:t>
-            </a:r>
-            <a:r>
-              <a:rPr lang="en-US" sz="1400" i="1" dirty="0" smtClean="0"/>
-              <a:t>.</a:t>
-            </a:r>
-          </a:p>
-          <a:p>
-            <a:pPr>
-              <a:lnSpc>
-                <a:spcPct val="110000"/>
-              </a:lnSpc>
-            </a:pPr>
-            <a:r>
-              <a:rPr lang="en-US" sz="1400" i="1" dirty="0"/>
-              <a:t>A. </a:t>
             </a:r>
             <a:r>
               <a:rPr lang="en-US" sz="1400" i="1" dirty="0" err="1"/>
@@ -12241,7 +11714,7 @@
           <a:p>
             <a:fld id="{D4755116-B387-CD40-9D82-4279FFF17F28}" type="slidenum">
               <a:rPr lang="en-US" smtClean="0"/>
-              <a:t>34</a:t>
+              <a:t>32</a:t>
             </a:fld>
             <a:endParaRPr lang="en-US"/>
           </a:p>
@@ -12267,7 +11740,7 @@
 </p:sld>
 </file>
 
-<file path=ppt/slides/slide35.xml><?xml version="1.0" encoding="utf-8"?>
+<file path=ppt/slides/slide33.xml><?xml version="1.0" encoding="utf-8"?>
 <p:sld xmlns:a="http://schemas.openxmlformats.org/drawingml/2006/main" xmlns:r="http://schemas.openxmlformats.org/officeDocument/2006/relationships" xmlns:p="http://schemas.openxmlformats.org/presentationml/2006/main">
   <p:cSld>
     <p:spTree>
@@ -12820,7 +12293,7 @@
           <a:p>
             <a:fld id="{D4755116-B387-CD40-9D82-4279FFF17F28}" type="slidenum">
               <a:rPr lang="en-US" smtClean="0"/>
-              <a:t>35</a:t>
+              <a:t>33</a:t>
             </a:fld>
             <a:endParaRPr lang="en-US"/>
           </a:p>
@@ -12830,6 +12303,263 @@
     <p:extLst>
       <p:ext uri="{BB962C8B-B14F-4D97-AF65-F5344CB8AC3E}">
         <p14:creationId xmlns:p14="http://schemas.microsoft.com/office/powerpoint/2010/main" val="1991026714"/>
+      </p:ext>
+    </p:extLst>
+  </p:cSld>
+  <p:clrMapOvr>
+    <a:masterClrMapping/>
+  </p:clrMapOvr>
+  <p:timing>
+    <p:tnLst>
+      <p:par>
+        <p:cTn xmlns:p14="http://schemas.microsoft.com/office/powerpoint/2010/main" id="1" dur="indefinite" restart="never" nodeType="tmRoot"/>
+      </p:par>
+    </p:tnLst>
+  </p:timing>
+</p:sld>
+</file>
+
+<file path=ppt/slides/slide34.xml><?xml version="1.0" encoding="utf-8"?>
+<p:sld xmlns:a="http://schemas.openxmlformats.org/drawingml/2006/main" xmlns:r="http://schemas.openxmlformats.org/officeDocument/2006/relationships" xmlns:p="http://schemas.openxmlformats.org/presentationml/2006/main">
+  <p:cSld>
+    <p:spTree>
+      <p:nvGrpSpPr>
+        <p:cNvPr id="1" name=""/>
+        <p:cNvGrpSpPr/>
+        <p:nvPr/>
+      </p:nvGrpSpPr>
+      <p:grpSpPr>
+        <a:xfrm>
+          <a:off x="0" y="0"/>
+          <a:ext cx="0" cy="0"/>
+          <a:chOff x="0" y="0"/>
+          <a:chExt cx="0" cy="0"/>
+        </a:xfrm>
+      </p:grpSpPr>
+      <p:sp>
+        <p:nvSpPr>
+          <p:cNvPr id="2" name="Title 1"/>
+          <p:cNvSpPr>
+            <a:spLocks noGrp="1"/>
+          </p:cNvSpPr>
+          <p:nvPr>
+            <p:ph type="title"/>
+          </p:nvPr>
+        </p:nvSpPr>
+        <p:spPr/>
+        <p:txBody>
+          <a:bodyPr/>
+          <a:lstStyle/>
+          <a:p>
+            <a:r>
+              <a:rPr lang="en-US" dirty="0" smtClean="0"/>
+              <a:t>Anomaly Detection</a:t>
+            </a:r>
+            <a:endParaRPr lang="en-US" dirty="0"/>
+          </a:p>
+        </p:txBody>
+      </p:sp>
+      <p:sp>
+        <p:nvSpPr>
+          <p:cNvPr id="3" name="Content Placeholder 2"/>
+          <p:cNvSpPr>
+            <a:spLocks noGrp="1"/>
+          </p:cNvSpPr>
+          <p:nvPr>
+            <p:ph idx="1"/>
+          </p:nvPr>
+        </p:nvSpPr>
+        <p:spPr/>
+        <p:txBody>
+          <a:bodyPr/>
+          <a:lstStyle/>
+          <a:p>
+            <a:r>
+              <a:rPr lang="en-US" dirty="0" smtClean="0"/>
+              <a:t>Support several different approaches</a:t>
+            </a:r>
+          </a:p>
+          <a:p>
+            <a:pPr lvl="1"/>
+            <a:r>
+              <a:rPr lang="en-US" dirty="0" smtClean="0"/>
+              <a:t>Threshold-based: p% of the requests in a time window must complete under T </a:t>
+            </a:r>
+            <a:r>
+              <a:rPr lang="en-US" dirty="0" err="1" smtClean="0"/>
+              <a:t>ms.</a:t>
+            </a:r>
+            <a:endParaRPr lang="en-US" dirty="0" smtClean="0"/>
+          </a:p>
+          <a:p>
+            <a:pPr lvl="1"/>
+            <a:r>
+              <a:rPr lang="en-US" dirty="0" smtClean="0"/>
+              <a:t>Correlation-based: The correlation between response time and load must be positive.</a:t>
+            </a:r>
+          </a:p>
+          <a:p>
+            <a:pPr lvl="1"/>
+            <a:r>
+              <a:rPr lang="en-US" dirty="0" smtClean="0"/>
+              <a:t>Other methods</a:t>
+            </a:r>
+          </a:p>
+          <a:p>
+            <a:r>
+              <a:rPr lang="en-US" dirty="0" smtClean="0"/>
+              <a:t>Configured per application</a:t>
+            </a:r>
+            <a:endParaRPr lang="en-US" dirty="0"/>
+          </a:p>
+        </p:txBody>
+      </p:sp>
+      <p:sp>
+        <p:nvSpPr>
+          <p:cNvPr id="4" name="Slide Number Placeholder 3"/>
+          <p:cNvSpPr>
+            <a:spLocks noGrp="1"/>
+          </p:cNvSpPr>
+          <p:nvPr>
+            <p:ph type="sldNum" sz="quarter" idx="12"/>
+          </p:nvPr>
+        </p:nvSpPr>
+        <p:spPr/>
+        <p:txBody>
+          <a:bodyPr/>
+          <a:lstStyle/>
+          <a:p>
+            <a:fld id="{D4755116-B387-CD40-9D82-4279FFF17F28}" type="slidenum">
+              <a:rPr lang="en-US" smtClean="0"/>
+              <a:t>34</a:t>
+            </a:fld>
+            <a:endParaRPr lang="en-US"/>
+          </a:p>
+        </p:txBody>
+      </p:sp>
+    </p:spTree>
+    <p:extLst>
+      <p:ext uri="{BB962C8B-B14F-4D97-AF65-F5344CB8AC3E}">
+        <p14:creationId xmlns:p14="http://schemas.microsoft.com/office/powerpoint/2010/main" val="419976513"/>
+      </p:ext>
+    </p:extLst>
+  </p:cSld>
+  <p:clrMapOvr>
+    <a:masterClrMapping/>
+  </p:clrMapOvr>
+  <p:timing>
+    <p:tnLst>
+      <p:par>
+        <p:cTn xmlns:p14="http://schemas.microsoft.com/office/powerpoint/2010/main" id="1" dur="indefinite" restart="never" nodeType="tmRoot"/>
+      </p:par>
+    </p:tnLst>
+  </p:timing>
+</p:sld>
+</file>
+
+<file path=ppt/slides/slide35.xml><?xml version="1.0" encoding="utf-8"?>
+<p:sld xmlns:a="http://schemas.openxmlformats.org/drawingml/2006/main" xmlns:r="http://schemas.openxmlformats.org/officeDocument/2006/relationships" xmlns:p="http://schemas.openxmlformats.org/presentationml/2006/main">
+  <p:cSld>
+    <p:spTree>
+      <p:nvGrpSpPr>
+        <p:cNvPr id="1" name=""/>
+        <p:cNvGrpSpPr/>
+        <p:nvPr/>
+      </p:nvGrpSpPr>
+      <p:grpSpPr>
+        <a:xfrm>
+          <a:off x="0" y="0"/>
+          <a:ext cx="0" cy="0"/>
+          <a:chOff x="0" y="0"/>
+          <a:chExt cx="0" cy="0"/>
+        </a:xfrm>
+      </p:grpSpPr>
+      <p:sp>
+        <p:nvSpPr>
+          <p:cNvPr id="2" name="Title 1"/>
+          <p:cNvSpPr>
+            <a:spLocks noGrp="1"/>
+          </p:cNvSpPr>
+          <p:nvPr>
+            <p:ph type="title"/>
+          </p:nvPr>
+        </p:nvSpPr>
+        <p:spPr/>
+        <p:txBody>
+          <a:bodyPr/>
+          <a:lstStyle/>
+          <a:p>
+            <a:r>
+              <a:rPr lang="en-US" dirty="0" smtClean="0"/>
+              <a:t>Root Cause Analysis</a:t>
+            </a:r>
+            <a:endParaRPr lang="en-US" dirty="0"/>
+          </a:p>
+        </p:txBody>
+      </p:sp>
+      <p:sp>
+        <p:nvSpPr>
+          <p:cNvPr id="3" name="Content Placeholder 2"/>
+          <p:cNvSpPr>
+            <a:spLocks noGrp="1"/>
+          </p:cNvSpPr>
+          <p:nvPr>
+            <p:ph idx="1"/>
+          </p:nvPr>
+        </p:nvSpPr>
+        <p:spPr/>
+        <p:txBody>
+          <a:bodyPr/>
+          <a:lstStyle/>
+          <a:p>
+            <a:r>
+              <a:rPr lang="en-US" dirty="0" smtClean="0"/>
+              <a:t>Use relative importance (RI) metric on specific paths to identify the most significant components (API calls) along each path</a:t>
+            </a:r>
+          </a:p>
+          <a:p>
+            <a:pPr lvl="1"/>
+            <a:r>
+              <a:rPr lang="en-US" dirty="0" smtClean="0"/>
+              <a:t>Check for both the RI values, and recent changes to the RI values</a:t>
+            </a:r>
+          </a:p>
+          <a:p>
+            <a:r>
+              <a:rPr lang="en-US" dirty="0" smtClean="0"/>
+              <a:t>If a performance anomaly happens in multiple paths, perform separate root cause analyses for each path</a:t>
+            </a:r>
+            <a:endParaRPr lang="en-US" dirty="0"/>
+          </a:p>
+        </p:txBody>
+      </p:sp>
+      <p:sp>
+        <p:nvSpPr>
+          <p:cNvPr id="4" name="Slide Number Placeholder 3"/>
+          <p:cNvSpPr>
+            <a:spLocks noGrp="1"/>
+          </p:cNvSpPr>
+          <p:nvPr>
+            <p:ph type="sldNum" sz="quarter" idx="12"/>
+          </p:nvPr>
+        </p:nvSpPr>
+        <p:spPr/>
+        <p:txBody>
+          <a:bodyPr/>
+          <a:lstStyle/>
+          <a:p>
+            <a:fld id="{D4755116-B387-CD40-9D82-4279FFF17F28}" type="slidenum">
+              <a:rPr lang="en-US" smtClean="0"/>
+              <a:t>35</a:t>
+            </a:fld>
+            <a:endParaRPr lang="en-US"/>
+          </a:p>
+        </p:txBody>
+      </p:sp>
+    </p:spTree>
+    <p:extLst>
+      <p:ext uri="{BB962C8B-B14F-4D97-AF65-F5344CB8AC3E}">
+        <p14:creationId xmlns:p14="http://schemas.microsoft.com/office/powerpoint/2010/main" val="374891472"/>
       </p:ext>
     </p:extLst>
   </p:cSld>
@@ -12880,7 +12610,7 @@
           <a:p>
             <a:r>
               <a:rPr lang="en-US" dirty="0" smtClean="0"/>
-              <a:t>Anomaly Detection</a:t>
+              <a:t>Path Analysis</a:t>
             </a:r>
             <a:endParaRPr lang="en-US" dirty="0"/>
           </a:p>
@@ -12903,39 +12633,26 @@
           <a:p>
             <a:r>
               <a:rPr lang="en-US" dirty="0" smtClean="0"/>
-              <a:t>Support several different approaches</a:t>
+              <a:t>Compute the distribution of requests over different paths</a:t>
             </a:r>
           </a:p>
           <a:p>
             <a:pPr lvl="1"/>
             <a:r>
               <a:rPr lang="en-US" dirty="0" smtClean="0"/>
-              <a:t>Threshold-based: p% of the requests in a time window must complete under T </a:t>
-            </a:r>
-            <a:r>
-              <a:rPr lang="en-US" dirty="0" err="1" smtClean="0"/>
-              <a:t>ms.</a:t>
-            </a:r>
-            <a:endParaRPr lang="en-US" dirty="0" smtClean="0"/>
-          </a:p>
-          <a:p>
-            <a:pPr lvl="1"/>
-            <a:r>
-              <a:rPr lang="en-US" dirty="0" smtClean="0"/>
-              <a:t>Correlation-based: The correlation between response time and load must be positive.</a:t>
-            </a:r>
-          </a:p>
-          <a:p>
-            <a:pPr lvl="1"/>
-            <a:r>
-              <a:rPr lang="en-US" dirty="0" smtClean="0"/>
-              <a:t>Other methods</a:t>
-            </a:r>
-          </a:p>
-          <a:p>
-            <a:r>
-              <a:rPr lang="en-US" dirty="0" smtClean="0"/>
-              <a:t>Configured per application</a:t>
+              <a:t>Evaluate how this distribution changes over time</a:t>
+            </a:r>
+          </a:p>
+          <a:p>
+            <a:r>
+              <a:rPr lang="en-US" dirty="0" smtClean="0"/>
+              <a:t>Novelty detection – appearance of new paths in the path distribution</a:t>
+            </a:r>
+          </a:p>
+          <a:p>
+            <a:r>
+              <a:rPr lang="en-US" dirty="0" smtClean="0"/>
+              <a:t>Summarize response time metric over different paths</a:t>
             </a:r>
             <a:endParaRPr lang="en-US" dirty="0"/>
           </a:p>
@@ -12967,7 +12684,7 @@
     </p:spTree>
     <p:extLst>
       <p:ext uri="{BB962C8B-B14F-4D97-AF65-F5344CB8AC3E}">
-        <p14:creationId xmlns:p14="http://schemas.microsoft.com/office/powerpoint/2010/main" val="419976513"/>
+        <p14:creationId xmlns:p14="http://schemas.microsoft.com/office/powerpoint/2010/main" val="3027907442"/>
       </p:ext>
     </p:extLst>
   </p:cSld>
@@ -13018,7 +12735,7 @@
           <a:p>
             <a:r>
               <a:rPr lang="en-US" dirty="0" smtClean="0"/>
-              <a:t>Root Cause Analysis</a:t>
+              <a:t>Outline</a:t>
             </a:r>
             <a:endParaRPr lang="en-US" dirty="0"/>
           </a:p>
@@ -13036,25 +12753,65 @@
         </p:nvSpPr>
         <p:spPr/>
         <p:txBody>
-          <a:bodyPr/>
-          <a:lstStyle/>
-          <a:p>
-            <a:r>
-              <a:rPr lang="en-US" dirty="0" smtClean="0"/>
-              <a:t>Use relative importance (RI) metric on specific paths to identify the most significant components (API calls) along each path</a:t>
+          <a:bodyPr>
+            <a:normAutofit lnSpcReduction="10000"/>
+          </a:bodyPr>
+          <a:lstStyle/>
+          <a:p>
+            <a:r>
+              <a:rPr lang="en-US" dirty="0" smtClean="0"/>
+              <a:t>Intro</a:t>
+            </a:r>
+          </a:p>
+          <a:p>
+            <a:r>
+              <a:rPr lang="en-US" dirty="0" smtClean="0"/>
+              <a:t>Motivation/Background</a:t>
             </a:r>
           </a:p>
           <a:p>
             <a:pPr lvl="1"/>
             <a:r>
               <a:rPr lang="en-US" dirty="0" smtClean="0"/>
-              <a:t>Check for both the RI values, and recent changes to the RI values</a:t>
-            </a:r>
-          </a:p>
-          <a:p>
-            <a:r>
-              <a:rPr lang="en-US" dirty="0" smtClean="0"/>
-              <a:t>If a performance anomaly happens in multiple paths, perform separate root cause analyses for each path</a:t>
+              <a:t>Thesis statement</a:t>
+            </a:r>
+          </a:p>
+          <a:p>
+            <a:r>
+              <a:rPr lang="en-US" dirty="0" smtClean="0"/>
+              <a:t>Result 1 (EAGER)</a:t>
+            </a:r>
+          </a:p>
+          <a:p>
+            <a:r>
+              <a:rPr lang="en-US" dirty="0" smtClean="0"/>
+              <a:t>Result 2 (</a:t>
+            </a:r>
+            <a:r>
+              <a:rPr lang="en-US" dirty="0" err="1" smtClean="0"/>
+              <a:t>Cerebro</a:t>
+            </a:r>
+            <a:r>
+              <a:rPr lang="en-US" dirty="0" smtClean="0"/>
+              <a:t>)</a:t>
+            </a:r>
+          </a:p>
+          <a:p>
+            <a:r>
+              <a:rPr lang="en-US" dirty="0" smtClean="0"/>
+              <a:t>Result 3 (Anomaly detection/Roots)</a:t>
+            </a:r>
+          </a:p>
+          <a:p>
+            <a:r>
+              <a:rPr lang="en-US" dirty="0" smtClean="0"/>
+              <a:t>Related work</a:t>
+            </a:r>
+          </a:p>
+          <a:p>
+            <a:r>
+              <a:rPr lang="en-US" dirty="0" smtClean="0"/>
+              <a:t>Future work</a:t>
             </a:r>
             <a:endParaRPr lang="en-US" dirty="0"/>
           </a:p>
@@ -13086,20 +12843,13 @@
     </p:spTree>
     <p:extLst>
       <p:ext uri="{BB962C8B-B14F-4D97-AF65-F5344CB8AC3E}">
-        <p14:creationId xmlns:p14="http://schemas.microsoft.com/office/powerpoint/2010/main" val="374891472"/>
+        <p14:creationId xmlns:p14="http://schemas.microsoft.com/office/powerpoint/2010/main" val="2916180106"/>
       </p:ext>
     </p:extLst>
   </p:cSld>
   <p:clrMapOvr>
     <a:masterClrMapping/>
   </p:clrMapOvr>
-  <p:timing>
-    <p:tnLst>
-      <p:par>
-        <p:cTn xmlns:p14="http://schemas.microsoft.com/office/powerpoint/2010/main" id="1" dur="indefinite" restart="never" nodeType="tmRoot"/>
-      </p:par>
-    </p:tnLst>
-  </p:timing>
 </p:sld>
 </file>
 
@@ -13137,7 +12887,7 @@
           <a:p>
             <a:r>
               <a:rPr lang="en-US" dirty="0" smtClean="0"/>
-              <a:t>Path Analysis</a:t>
+              <a:t>Thesis Question</a:t>
             </a:r>
             <a:endParaRPr lang="en-US" dirty="0"/>
           </a:p>
@@ -13155,33 +12905,15 @@
         </p:nvSpPr>
         <p:spPr/>
         <p:txBody>
-          <a:bodyPr/>
-          <a:lstStyle/>
-          <a:p>
-            <a:r>
-              <a:rPr lang="en-US" dirty="0" smtClean="0"/>
-              <a:t>Compute the distribution of requests over different paths</a:t>
-            </a:r>
-          </a:p>
-          <a:p>
-            <a:pPr lvl="1"/>
-            <a:r>
-              <a:rPr lang="en-US" dirty="0" smtClean="0"/>
-              <a:t>Evaluate how this distribution changes over time</a:t>
-            </a:r>
-          </a:p>
-          <a:p>
-            <a:r>
-              <a:rPr lang="en-US" dirty="0" smtClean="0"/>
-              <a:t>Novelty detection – appearance of new paths in the path distribution</a:t>
-            </a:r>
-          </a:p>
-          <a:p>
-            <a:r>
-              <a:rPr lang="en-US" dirty="0" smtClean="0"/>
-              <a:t>Summarize response time metric over different paths</a:t>
-            </a:r>
-            <a:endParaRPr lang="en-US" dirty="0"/>
+          <a:bodyPr>
+            <a:normAutofit fontScale="92500" lnSpcReduction="20000"/>
+          </a:bodyPr>
+          <a:lstStyle/>
+          <a:p>
+            <a:r>
+              <a:rPr lang="en-US" dirty="0" smtClean="0"/>
+              <a:t>Can we enforce design-time governance on web applications developed for a given Platform-as-a-Service cloud so as to ensure proper versioning, dependency management and conformance to other developer best practices, and also enforce run-time governance on them so as to automatically determine the expected runtime performance of the applications, detect SLA violations and detect performance anomalies and perform root cause analysis, with minimal developer intervention and no invasive instrumentation on the applications?</a:t>
+            </a:r>
           </a:p>
         </p:txBody>
       </p:sp>
@@ -13211,7 +12943,7 @@
     </p:spTree>
     <p:extLst>
       <p:ext uri="{BB962C8B-B14F-4D97-AF65-F5344CB8AC3E}">
-        <p14:creationId xmlns:p14="http://schemas.microsoft.com/office/powerpoint/2010/main" val="3027907442"/>
+        <p14:creationId xmlns:p14="http://schemas.microsoft.com/office/powerpoint/2010/main" val="2072488777"/>
       </p:ext>
     </p:extLst>
   </p:cSld>
@@ -13262,7 +12994,7 @@
           <a:p>
             <a:r>
               <a:rPr lang="en-US" dirty="0" smtClean="0"/>
-              <a:t>Outline</a:t>
+              <a:t>Example Policies</a:t>
             </a:r>
             <a:endParaRPr lang="en-US" dirty="0"/>
           </a:p>
@@ -13281,65 +13013,363 @@
         <p:spPr/>
         <p:txBody>
           <a:bodyPr>
-            <a:normAutofit lnSpcReduction="10000"/>
+            <a:normAutofit fontScale="62500" lnSpcReduction="20000"/>
           </a:bodyPr>
           <a:lstStyle/>
           <a:p>
-            <a:r>
-              <a:rPr lang="en-US" dirty="0" smtClean="0"/>
-              <a:t>Intro</a:t>
-            </a:r>
-          </a:p>
-          <a:p>
-            <a:r>
-              <a:rPr lang="en-US" dirty="0" smtClean="0"/>
-              <a:t>Motivation/Background</a:t>
-            </a:r>
-          </a:p>
-          <a:p>
-            <a:pPr lvl="1"/>
-            <a:r>
-              <a:rPr lang="en-US" dirty="0" smtClean="0"/>
-              <a:t>Thesis statement</a:t>
-            </a:r>
-          </a:p>
-          <a:p>
-            <a:r>
-              <a:rPr lang="en-US" dirty="0" smtClean="0"/>
-              <a:t>Result 1 (EAGER)</a:t>
-            </a:r>
-          </a:p>
-          <a:p>
-            <a:r>
-              <a:rPr lang="en-US" dirty="0" smtClean="0"/>
-              <a:t>Result 2 (</a:t>
-            </a:r>
-            <a:r>
-              <a:rPr lang="en-US" dirty="0" err="1" smtClean="0"/>
-              <a:t>Cerebro</a:t>
-            </a:r>
-            <a:r>
-              <a:rPr lang="en-US" dirty="0" smtClean="0"/>
+            <a:pPr marL="0" indent="0">
+              <a:buNone/>
+            </a:pPr>
+            <a:r>
+              <a:rPr lang="en-US" dirty="0">
+                <a:latin typeface="Courier"/>
+                <a:cs typeface="Courier"/>
+              </a:rPr>
+              <a:t>if </a:t>
+            </a:r>
+            <a:r>
+              <a:rPr lang="en-US" dirty="0" err="1">
+                <a:latin typeface="Courier"/>
+                <a:cs typeface="Courier"/>
+              </a:rPr>
+              <a:t>app.owner.endswith</a:t>
+            </a:r>
+            <a:r>
+              <a:rPr lang="en-US" dirty="0">
+                <a:latin typeface="Courier"/>
+                <a:cs typeface="Courier"/>
+              </a:rPr>
+              <a:t>(‘@</a:t>
+            </a:r>
+            <a:r>
+              <a:rPr lang="en-US" dirty="0" err="1">
+                <a:latin typeface="Courier"/>
+                <a:cs typeface="Courier"/>
+              </a:rPr>
+              <a:t>engineering.test.com</a:t>
+            </a:r>
+            <a:r>
+              <a:rPr lang="en-US" dirty="0">
+                <a:latin typeface="Courier"/>
+                <a:cs typeface="Courier"/>
+              </a:rPr>
+              <a:t>’):</a:t>
+            </a:r>
+          </a:p>
+          <a:p>
+            <a:pPr marL="0" indent="0">
+              <a:buNone/>
+            </a:pPr>
+            <a:r>
+              <a:rPr lang="en-US" dirty="0">
+                <a:latin typeface="Courier"/>
+                <a:cs typeface="Courier"/>
+              </a:rPr>
+              <a:t>  </a:t>
+            </a:r>
+            <a:r>
+              <a:rPr lang="en-US" dirty="0" err="1">
+                <a:latin typeface="Courier"/>
+                <a:cs typeface="Courier"/>
+              </a:rPr>
+              <a:t>assert_app_dependency</a:t>
+            </a:r>
+            <a:r>
+              <a:rPr lang="en-US" dirty="0">
+                <a:latin typeface="Courier"/>
+                <a:cs typeface="Courier"/>
+              </a:rPr>
+              <a:t>(app, ‘Log’, ‘1.0’)</a:t>
+            </a:r>
+          </a:p>
+          <a:p>
+            <a:pPr marL="0" indent="0">
+              <a:buNone/>
+            </a:pPr>
+            <a:r>
+              <a:rPr lang="en-US" dirty="0" err="1">
+                <a:latin typeface="Courier"/>
+                <a:cs typeface="Courier"/>
+              </a:rPr>
+              <a:t>elif</a:t>
+            </a:r>
+            <a:r>
+              <a:rPr lang="en-US" dirty="0">
+                <a:latin typeface="Courier"/>
+                <a:cs typeface="Courier"/>
+              </a:rPr>
+              <a:t> </a:t>
+            </a:r>
+            <a:r>
+              <a:rPr lang="en-US" dirty="0" err="1">
+                <a:latin typeface="Courier"/>
+                <a:cs typeface="Courier"/>
+              </a:rPr>
+              <a:t>app.owner.endswith</a:t>
+            </a:r>
+            <a:r>
+              <a:rPr lang="en-US" dirty="0">
+                <a:latin typeface="Courier"/>
+                <a:cs typeface="Courier"/>
+              </a:rPr>
+              <a:t>(‘@</a:t>
+            </a:r>
+            <a:r>
+              <a:rPr lang="en-US" dirty="0" err="1">
+                <a:latin typeface="Courier"/>
+                <a:cs typeface="Courier"/>
+              </a:rPr>
+              <a:t>sales.test.com</a:t>
+            </a:r>
+            <a:r>
+              <a:rPr lang="en-US" dirty="0">
+                <a:latin typeface="Courier"/>
+                <a:cs typeface="Courier"/>
+              </a:rPr>
+              <a:t>’):</a:t>
+            </a:r>
+          </a:p>
+          <a:p>
+            <a:pPr marL="0" indent="0">
+              <a:buNone/>
+            </a:pPr>
+            <a:r>
+              <a:rPr lang="en-US" dirty="0">
+                <a:latin typeface="Courier"/>
+                <a:cs typeface="Courier"/>
+              </a:rPr>
+              <a:t>  </a:t>
+            </a:r>
+            <a:r>
+              <a:rPr lang="en-US" dirty="0" err="1">
+                <a:latin typeface="Courier"/>
+                <a:cs typeface="Courier"/>
+              </a:rPr>
+              <a:t>assert_app_dependency</a:t>
+            </a:r>
+            <a:r>
+              <a:rPr lang="en-US" dirty="0">
+                <a:latin typeface="Courier"/>
+                <a:cs typeface="Courier"/>
+              </a:rPr>
+              <a:t>(app, ‘</a:t>
+            </a:r>
+            <a:r>
+              <a:rPr lang="en-US" dirty="0" err="1">
+                <a:latin typeface="Courier"/>
+                <a:cs typeface="Courier"/>
+              </a:rPr>
+              <a:t>AnalyticsLog</a:t>
+            </a:r>
+            <a:r>
+              <a:rPr lang="en-US" dirty="0">
+                <a:latin typeface="Courier"/>
+                <a:cs typeface="Courier"/>
+              </a:rPr>
+              <a:t>’, ‘1.0’)</a:t>
+            </a:r>
+          </a:p>
+          <a:p>
+            <a:pPr marL="0" indent="0">
+              <a:buNone/>
+            </a:pPr>
+            <a:r>
+              <a:rPr lang="en-US" dirty="0">
+                <a:latin typeface="Courier"/>
+                <a:cs typeface="Courier"/>
+              </a:rPr>
+              <a:t>else:</a:t>
+            </a:r>
+          </a:p>
+          <a:p>
+            <a:pPr marL="0" indent="0">
+              <a:buNone/>
+            </a:pPr>
+            <a:r>
+              <a:rPr lang="en-US" dirty="0">
+                <a:latin typeface="Courier"/>
+                <a:cs typeface="Courier"/>
+              </a:rPr>
+              <a:t>  </a:t>
+            </a:r>
+            <a:r>
+              <a:rPr lang="en-US" dirty="0" err="1">
+                <a:latin typeface="Courier"/>
+                <a:cs typeface="Courier"/>
+              </a:rPr>
+              <a:t>assert_app_dependency</a:t>
+            </a:r>
+            <a:r>
+              <a:rPr lang="en-US" dirty="0">
+                <a:latin typeface="Courier"/>
+                <a:cs typeface="Courier"/>
+              </a:rPr>
+              <a:t>(app, ‘</a:t>
+            </a:r>
+            <a:r>
+              <a:rPr lang="en-US" dirty="0" err="1">
+                <a:latin typeface="Courier"/>
+                <a:cs typeface="Courier"/>
+              </a:rPr>
+              <a:t>GenericLog</a:t>
+            </a:r>
+            <a:r>
+              <a:rPr lang="en-US" dirty="0">
+                <a:latin typeface="Courier"/>
+                <a:cs typeface="Courier"/>
+              </a:rPr>
+              <a:t>’, ‘1.0’)</a:t>
+            </a:r>
+          </a:p>
+          <a:p>
+            <a:pPr marL="0" indent="0">
+              <a:buNone/>
+            </a:pPr>
+            <a:endParaRPr lang="en-US" dirty="0" smtClean="0">
+              <a:latin typeface="Courier"/>
+              <a:cs typeface="Courier"/>
+            </a:endParaRPr>
+          </a:p>
+          <a:p>
+            <a:pPr marL="0" indent="0">
+              <a:buNone/>
+            </a:pPr>
+            <a:endParaRPr lang="en-US" dirty="0">
+              <a:latin typeface="Courier"/>
+              <a:cs typeface="Courier"/>
+            </a:endParaRPr>
+          </a:p>
+          <a:p>
+            <a:pPr marL="0" indent="0">
+              <a:buNone/>
+            </a:pPr>
+            <a:endParaRPr lang="en-US" dirty="0">
+              <a:latin typeface="Courier"/>
+              <a:cs typeface="Courier"/>
+            </a:endParaRPr>
+          </a:p>
+          <a:p>
+            <a:pPr marL="0" indent="0">
+              <a:buNone/>
+            </a:pPr>
+            <a:r>
+              <a:rPr lang="en-US" dirty="0">
+                <a:latin typeface="Courier"/>
+                <a:cs typeface="Courier"/>
+              </a:rPr>
+              <a:t>deprecated = filter(</a:t>
+            </a:r>
+          </a:p>
+          <a:p>
+            <a:pPr marL="0" indent="0">
+              <a:buNone/>
+            </a:pPr>
+            <a:r>
+              <a:rPr lang="en-US" dirty="0">
+                <a:latin typeface="Courier"/>
+                <a:cs typeface="Courier"/>
+              </a:rPr>
+              <a:t>  lambda </a:t>
+            </a:r>
+            <a:r>
+              <a:rPr lang="en-US" dirty="0" err="1">
+                <a:latin typeface="Courier"/>
+                <a:cs typeface="Courier"/>
+              </a:rPr>
+              <a:t>dep</a:t>
+            </a:r>
+            <a:r>
+              <a:rPr lang="en-US" dirty="0">
+                <a:latin typeface="Courier"/>
+                <a:cs typeface="Courier"/>
+              </a:rPr>
+              <a:t>: </a:t>
+            </a:r>
+            <a:r>
+              <a:rPr lang="en-US" dirty="0" err="1">
+                <a:latin typeface="Courier"/>
+                <a:cs typeface="Courier"/>
+              </a:rPr>
+              <a:t>dep.status</a:t>
+            </a:r>
+            <a:r>
+              <a:rPr lang="en-US" dirty="0">
+                <a:latin typeface="Courier"/>
+                <a:cs typeface="Courier"/>
+              </a:rPr>
+              <a:t> = ‘Deprecated’,</a:t>
+            </a:r>
+          </a:p>
+          <a:p>
+            <a:pPr marL="0" indent="0">
+              <a:buNone/>
+            </a:pPr>
+            <a:r>
+              <a:rPr lang="en-US" dirty="0">
+                <a:latin typeface="Courier"/>
+                <a:cs typeface="Courier"/>
+              </a:rPr>
+              <a:t>  </a:t>
+            </a:r>
+            <a:r>
+              <a:rPr lang="en-US" dirty="0" err="1">
+                <a:latin typeface="Courier"/>
+                <a:cs typeface="Courier"/>
+              </a:rPr>
+              <a:t>app.dependencies</a:t>
+            </a:r>
+            <a:r>
+              <a:rPr lang="en-US" dirty="0">
+                <a:latin typeface="Courier"/>
+                <a:cs typeface="Courier"/>
+              </a:rPr>
               <a:t>)</a:t>
             </a:r>
           </a:p>
           <a:p>
-            <a:r>
-              <a:rPr lang="en-US" dirty="0" smtClean="0"/>
-              <a:t>Result 3 (Anomaly detection/Roots)</a:t>
-            </a:r>
-          </a:p>
-          <a:p>
-            <a:r>
-              <a:rPr lang="en-US" dirty="0" smtClean="0"/>
-              <a:t>Related work</a:t>
-            </a:r>
-          </a:p>
-          <a:p>
-            <a:r>
-              <a:rPr lang="en-US" dirty="0" smtClean="0"/>
-              <a:t>Future work</a:t>
-            </a:r>
+            <a:pPr marL="0" indent="0">
+              <a:buNone/>
+            </a:pPr>
+            <a:r>
+              <a:rPr lang="en-US" dirty="0" err="1">
+                <a:latin typeface="Courier"/>
+                <a:cs typeface="Courier"/>
+              </a:rPr>
+              <a:t>assert_false</a:t>
+            </a:r>
+            <a:r>
+              <a:rPr lang="en-US" dirty="0">
+                <a:latin typeface="Courier"/>
+                <a:cs typeface="Courier"/>
+              </a:rPr>
+              <a:t>(deprecated, </a:t>
+            </a:r>
+          </a:p>
+          <a:p>
+            <a:pPr marL="0" indent="0">
+              <a:buNone/>
+            </a:pPr>
+            <a:r>
+              <a:rPr lang="en-US" dirty="0">
+                <a:latin typeface="Courier"/>
+                <a:cs typeface="Courier"/>
+              </a:rPr>
+              <a:t>  ‘must not use deprecated dependencies’)</a:t>
+            </a:r>
+          </a:p>
+          <a:p>
+            <a:pPr marL="0" indent="0">
+              <a:buNone/>
+            </a:pPr>
+            <a:endParaRPr lang="en-US" dirty="0">
+              <a:latin typeface="Courier"/>
+              <a:cs typeface="Courier"/>
+            </a:endParaRPr>
+          </a:p>
+          <a:p>
+            <a:pPr marL="0" indent="0">
+              <a:buNone/>
+            </a:pPr>
             <a:endParaRPr lang="en-US" dirty="0"/>
           </a:p>
         </p:txBody>
@@ -13370,13 +13400,20 @@
     </p:spTree>
     <p:extLst>
       <p:ext uri="{BB962C8B-B14F-4D97-AF65-F5344CB8AC3E}">
-        <p14:creationId xmlns:p14="http://schemas.microsoft.com/office/powerpoint/2010/main" val="2916180106"/>
+        <p14:creationId xmlns:p14="http://schemas.microsoft.com/office/powerpoint/2010/main" val="2299342324"/>
       </p:ext>
     </p:extLst>
   </p:cSld>
   <p:clrMapOvr>
     <a:masterClrMapping/>
   </p:clrMapOvr>
+  <p:timing>
+    <p:tnLst>
+      <p:par>
+        <p:cTn xmlns:p14="http://schemas.microsoft.com/office/powerpoint/2010/main" id="1" dur="indefinite" restart="never" nodeType="tmRoot"/>
+      </p:par>
+    </p:tnLst>
+  </p:timing>
 </p:sld>
 </file>
 
@@ -13728,7 +13765,7 @@
           <a:p>
             <a:r>
               <a:rPr lang="en-US" dirty="0" smtClean="0"/>
-              <a:t>Thesis Question</a:t>
+              <a:t>EAGER Prototype</a:t>
             </a:r>
             <a:endParaRPr lang="en-US" dirty="0"/>
           </a:p>
@@ -13746,21 +13783,96 @@
         </p:nvSpPr>
         <p:spPr/>
         <p:txBody>
-          <a:bodyPr>
-            <a:normAutofit fontScale="92500" lnSpcReduction="20000"/>
-          </a:bodyPr>
-          <a:lstStyle/>
-          <a:p>
-            <a:r>
-              <a:rPr lang="en-US" dirty="0" smtClean="0"/>
-              <a:t>Can we enforce design-time governance on web applications developed for a given Platform-as-a-Service cloud so as to ensure proper versioning, dependency management and conformance to other developer best practices, and also enforce run-time governance on them so as to automatically determine the expected runtime performance of the applications, detect SLA violations and detect performance anomalies and perform root cause analysis, with minimal developer intervention and no invasive instrumentation on the applications?</a:t>
-            </a:r>
-          </a:p>
-        </p:txBody>
-      </p:sp>
-      <p:sp>
-        <p:nvSpPr>
-          <p:cNvPr id="4" name="Slide Number Placeholder 3"/>
+          <a:bodyPr/>
+          <a:lstStyle/>
+          <a:p>
+            <a:r>
+              <a:rPr lang="en-US" dirty="0"/>
+              <a:t>Implemented into </a:t>
+            </a:r>
+            <a:r>
+              <a:rPr lang="en-US" dirty="0" err="1"/>
+              <a:t>AppScale</a:t>
+            </a:r>
+            <a:endParaRPr lang="en-US" dirty="0"/>
+          </a:p>
+          <a:p>
+            <a:pPr lvl="1"/>
+            <a:r>
+              <a:rPr lang="en-US" dirty="0">
+                <a:hlinkClick r:id="rId2"/>
+              </a:rPr>
+              <a:t>http://appscale.com</a:t>
+            </a:r>
+            <a:endParaRPr lang="en-US" dirty="0"/>
+          </a:p>
+          <a:p>
+            <a:r>
+              <a:rPr lang="en-US" dirty="0"/>
+              <a:t>Metadata Manager – MySQL</a:t>
+            </a:r>
+          </a:p>
+          <a:p>
+            <a:r>
+              <a:rPr lang="en-US" dirty="0"/>
+              <a:t>API Gateway and Discovery Portal – WSO2</a:t>
+            </a:r>
+          </a:p>
+          <a:p>
+            <a:r>
+              <a:rPr lang="en-US" dirty="0"/>
+              <a:t>All additional processes integrated into the task management subsystem of </a:t>
+            </a:r>
+            <a:r>
+              <a:rPr lang="en-US" dirty="0" err="1"/>
+              <a:t>AppScale</a:t>
+            </a:r>
+            <a:endParaRPr lang="en-US" dirty="0"/>
+          </a:p>
+          <a:p>
+            <a:r>
+              <a:rPr lang="en-US" dirty="0"/>
+              <a:t>Minimal code changes/additions</a:t>
+            </a:r>
+          </a:p>
+          <a:p>
+            <a:endParaRPr lang="en-US" dirty="0"/>
+          </a:p>
+        </p:txBody>
+      </p:sp>
+      <p:pic>
+        <p:nvPicPr>
+          <p:cNvPr id="4" name="Picture 3" descr="AppScale_Systems_Logo.png"/>
+          <p:cNvPicPr>
+            <a:picLocks noChangeAspect="1"/>
+          </p:cNvPicPr>
+          <p:nvPr/>
+        </p:nvPicPr>
+        <p:blipFill>
+          <a:blip r:embed="rId3">
+            <a:extLst>
+              <a:ext uri="{28A0092B-C50C-407E-A947-70E740481C1C}">
+                <a14:useLocalDpi xmlns:a14="http://schemas.microsoft.com/office/drawing/2010/main" val="0"/>
+              </a:ext>
+            </a:extLst>
+          </a:blip>
+          <a:stretch>
+            <a:fillRect/>
+          </a:stretch>
+        </p:blipFill>
+        <p:spPr>
+          <a:xfrm>
+            <a:off x="8026307" y="5323279"/>
+            <a:ext cx="1117693" cy="1605768"/>
+          </a:xfrm>
+          <a:prstGeom prst="rect">
+            <a:avLst/>
+          </a:prstGeom>
+        </p:spPr>
+      </p:pic>
+      <p:sp>
+        <p:nvSpPr>
+          <p:cNvPr id="5" name="Slide Number Placeholder 4"/>
           <p:cNvSpPr>
             <a:spLocks noGrp="1"/>
           </p:cNvSpPr>
@@ -13784,7 +13896,7 @@
     </p:spTree>
     <p:extLst>
       <p:ext uri="{BB962C8B-B14F-4D97-AF65-F5344CB8AC3E}">
-        <p14:creationId xmlns:p14="http://schemas.microsoft.com/office/powerpoint/2010/main" val="2072488777"/>
+        <p14:creationId xmlns:p14="http://schemas.microsoft.com/office/powerpoint/2010/main" val="1699778603"/>
       </p:ext>
     </p:extLst>
   </p:cSld>
@@ -13835,389 +13947,40 @@
           <a:p>
             <a:r>
               <a:rPr lang="en-US" dirty="0" smtClean="0"/>
-              <a:t>Example Policies</a:t>
+              <a:t>EAGER Overhead by App</a:t>
             </a:r>
             <a:endParaRPr lang="en-US" dirty="0"/>
           </a:p>
         </p:txBody>
       </p:sp>
-      <p:sp>
-        <p:nvSpPr>
-          <p:cNvPr id="3" name="Content Placeholder 2"/>
-          <p:cNvSpPr>
-            <a:spLocks noGrp="1"/>
-          </p:cNvSpPr>
+      <p:pic>
+        <p:nvPicPr>
+          <p:cNvPr id="4" name="Content Placeholder 3" descr="overhead_by_app.png"/>
+          <p:cNvPicPr>
+            <a:picLocks noGrp="1" noChangeAspect="1"/>
+          </p:cNvPicPr>
           <p:nvPr>
             <p:ph idx="1"/>
           </p:nvPr>
-        </p:nvSpPr>
-        <p:spPr/>
-        <p:txBody>
-          <a:bodyPr>
-            <a:normAutofit fontScale="62500" lnSpcReduction="20000"/>
-          </a:bodyPr>
-          <a:lstStyle/>
-          <a:p>
-            <a:pPr marL="0" indent="0">
-              <a:buNone/>
-            </a:pPr>
-            <a:r>
-              <a:rPr lang="en-US" dirty="0">
-                <a:latin typeface="Courier"/>
-                <a:cs typeface="Courier"/>
-              </a:rPr>
-              <a:t>if </a:t>
-            </a:r>
-            <a:r>
-              <a:rPr lang="en-US" dirty="0" err="1">
-                <a:latin typeface="Courier"/>
-                <a:cs typeface="Courier"/>
-              </a:rPr>
-              <a:t>app.owner.endswith</a:t>
-            </a:r>
-            <a:r>
-              <a:rPr lang="en-US" dirty="0">
-                <a:latin typeface="Courier"/>
-                <a:cs typeface="Courier"/>
-              </a:rPr>
-              <a:t>(‘@</a:t>
-            </a:r>
-            <a:r>
-              <a:rPr lang="en-US" dirty="0" err="1">
-                <a:latin typeface="Courier"/>
-                <a:cs typeface="Courier"/>
-              </a:rPr>
-              <a:t>engineering.test.com</a:t>
-            </a:r>
-            <a:r>
-              <a:rPr lang="en-US" dirty="0">
-                <a:latin typeface="Courier"/>
-                <a:cs typeface="Courier"/>
-              </a:rPr>
-              <a:t>’):</a:t>
-            </a:r>
-          </a:p>
-          <a:p>
-            <a:pPr marL="0" indent="0">
-              <a:buNone/>
-            </a:pPr>
-            <a:r>
-              <a:rPr lang="en-US" dirty="0">
-                <a:latin typeface="Courier"/>
-                <a:cs typeface="Courier"/>
-              </a:rPr>
-              <a:t>  </a:t>
-            </a:r>
-            <a:r>
-              <a:rPr lang="en-US" dirty="0" err="1">
-                <a:latin typeface="Courier"/>
-                <a:cs typeface="Courier"/>
-              </a:rPr>
-              <a:t>assert_app_dependency</a:t>
-            </a:r>
-            <a:r>
-              <a:rPr lang="en-US" dirty="0">
-                <a:latin typeface="Courier"/>
-                <a:cs typeface="Courier"/>
-              </a:rPr>
-              <a:t>(app, ‘Log’, ‘1.0’)</a:t>
-            </a:r>
-          </a:p>
-          <a:p>
-            <a:pPr marL="0" indent="0">
-              <a:buNone/>
-            </a:pPr>
-            <a:r>
-              <a:rPr lang="en-US" dirty="0" err="1">
-                <a:latin typeface="Courier"/>
-                <a:cs typeface="Courier"/>
-              </a:rPr>
-              <a:t>elif</a:t>
-            </a:r>
-            <a:r>
-              <a:rPr lang="en-US" dirty="0">
-                <a:latin typeface="Courier"/>
-                <a:cs typeface="Courier"/>
-              </a:rPr>
-              <a:t> </a:t>
-            </a:r>
-            <a:r>
-              <a:rPr lang="en-US" dirty="0" err="1">
-                <a:latin typeface="Courier"/>
-                <a:cs typeface="Courier"/>
-              </a:rPr>
-              <a:t>app.owner.endswith</a:t>
-            </a:r>
-            <a:r>
-              <a:rPr lang="en-US" dirty="0">
-                <a:latin typeface="Courier"/>
-                <a:cs typeface="Courier"/>
-              </a:rPr>
-              <a:t>(‘@</a:t>
-            </a:r>
-            <a:r>
-              <a:rPr lang="en-US" dirty="0" err="1">
-                <a:latin typeface="Courier"/>
-                <a:cs typeface="Courier"/>
-              </a:rPr>
-              <a:t>sales.test.com</a:t>
-            </a:r>
-            <a:r>
-              <a:rPr lang="en-US" dirty="0">
-                <a:latin typeface="Courier"/>
-                <a:cs typeface="Courier"/>
-              </a:rPr>
-              <a:t>’):</a:t>
-            </a:r>
-          </a:p>
-          <a:p>
-            <a:pPr marL="0" indent="0">
-              <a:buNone/>
-            </a:pPr>
-            <a:r>
-              <a:rPr lang="en-US" dirty="0">
-                <a:latin typeface="Courier"/>
-                <a:cs typeface="Courier"/>
-              </a:rPr>
-              <a:t>  </a:t>
-            </a:r>
-            <a:r>
-              <a:rPr lang="en-US" dirty="0" err="1">
-                <a:latin typeface="Courier"/>
-                <a:cs typeface="Courier"/>
-              </a:rPr>
-              <a:t>assert_app_dependency</a:t>
-            </a:r>
-            <a:r>
-              <a:rPr lang="en-US" dirty="0">
-                <a:latin typeface="Courier"/>
-                <a:cs typeface="Courier"/>
-              </a:rPr>
-              <a:t>(app, ‘</a:t>
-            </a:r>
-            <a:r>
-              <a:rPr lang="en-US" dirty="0" err="1">
-                <a:latin typeface="Courier"/>
-                <a:cs typeface="Courier"/>
-              </a:rPr>
-              <a:t>AnalyticsLog</a:t>
-            </a:r>
-            <a:r>
-              <a:rPr lang="en-US" dirty="0">
-                <a:latin typeface="Courier"/>
-                <a:cs typeface="Courier"/>
-              </a:rPr>
-              <a:t>’, ‘1.0’)</a:t>
-            </a:r>
-          </a:p>
-          <a:p>
-            <a:pPr marL="0" indent="0">
-              <a:buNone/>
-            </a:pPr>
-            <a:r>
-              <a:rPr lang="en-US" dirty="0">
-                <a:latin typeface="Courier"/>
-                <a:cs typeface="Courier"/>
-              </a:rPr>
-              <a:t>else:</a:t>
-            </a:r>
-          </a:p>
-          <a:p>
-            <a:pPr marL="0" indent="0">
-              <a:buNone/>
-            </a:pPr>
-            <a:r>
-              <a:rPr lang="en-US" dirty="0">
-                <a:latin typeface="Courier"/>
-                <a:cs typeface="Courier"/>
-              </a:rPr>
-              <a:t>  </a:t>
-            </a:r>
-            <a:r>
-              <a:rPr lang="en-US" dirty="0" err="1">
-                <a:latin typeface="Courier"/>
-                <a:cs typeface="Courier"/>
-              </a:rPr>
-              <a:t>assert_app_dependency</a:t>
-            </a:r>
-            <a:r>
-              <a:rPr lang="en-US" dirty="0">
-                <a:latin typeface="Courier"/>
-                <a:cs typeface="Courier"/>
-              </a:rPr>
-              <a:t>(app, ‘</a:t>
-            </a:r>
-            <a:r>
-              <a:rPr lang="en-US" dirty="0" err="1">
-                <a:latin typeface="Courier"/>
-                <a:cs typeface="Courier"/>
-              </a:rPr>
-              <a:t>GenericLog</a:t>
-            </a:r>
-            <a:r>
-              <a:rPr lang="en-US" dirty="0">
-                <a:latin typeface="Courier"/>
-                <a:cs typeface="Courier"/>
-              </a:rPr>
-              <a:t>’, ‘1.0’)</a:t>
-            </a:r>
-          </a:p>
-          <a:p>
-            <a:pPr marL="0" indent="0">
-              <a:buNone/>
-            </a:pPr>
-            <a:endParaRPr lang="en-US" dirty="0" smtClean="0">
-              <a:latin typeface="Courier"/>
-              <a:cs typeface="Courier"/>
-            </a:endParaRPr>
-          </a:p>
-          <a:p>
-            <a:pPr marL="0" indent="0">
-              <a:buNone/>
-            </a:pPr>
-            <a:endParaRPr lang="en-US" dirty="0">
-              <a:latin typeface="Courier"/>
-              <a:cs typeface="Courier"/>
-            </a:endParaRPr>
-          </a:p>
-          <a:p>
-            <a:pPr marL="0" indent="0">
-              <a:buNone/>
-            </a:pPr>
-            <a:endParaRPr lang="en-US" dirty="0">
-              <a:latin typeface="Courier"/>
-              <a:cs typeface="Courier"/>
-            </a:endParaRPr>
-          </a:p>
-          <a:p>
-            <a:pPr marL="0" indent="0">
-              <a:buNone/>
-            </a:pPr>
-            <a:r>
-              <a:rPr lang="en-US" dirty="0">
-                <a:latin typeface="Courier"/>
-                <a:cs typeface="Courier"/>
-              </a:rPr>
-              <a:t>deprecated = filter(</a:t>
-            </a:r>
-          </a:p>
-          <a:p>
-            <a:pPr marL="0" indent="0">
-              <a:buNone/>
-            </a:pPr>
-            <a:r>
-              <a:rPr lang="en-US" dirty="0">
-                <a:latin typeface="Courier"/>
-                <a:cs typeface="Courier"/>
-              </a:rPr>
-              <a:t>  lambda </a:t>
-            </a:r>
-            <a:r>
-              <a:rPr lang="en-US" dirty="0" err="1">
-                <a:latin typeface="Courier"/>
-                <a:cs typeface="Courier"/>
-              </a:rPr>
-              <a:t>dep</a:t>
-            </a:r>
-            <a:r>
-              <a:rPr lang="en-US" dirty="0">
-                <a:latin typeface="Courier"/>
-                <a:cs typeface="Courier"/>
-              </a:rPr>
-              <a:t>: </a:t>
-            </a:r>
-            <a:r>
-              <a:rPr lang="en-US" dirty="0" err="1">
-                <a:latin typeface="Courier"/>
-                <a:cs typeface="Courier"/>
-              </a:rPr>
-              <a:t>dep.status</a:t>
-            </a:r>
-            <a:r>
-              <a:rPr lang="en-US" dirty="0">
-                <a:latin typeface="Courier"/>
-                <a:cs typeface="Courier"/>
-              </a:rPr>
-              <a:t> = ‘Deprecated’,</a:t>
-            </a:r>
-          </a:p>
-          <a:p>
-            <a:pPr marL="0" indent="0">
-              <a:buNone/>
-            </a:pPr>
-            <a:r>
-              <a:rPr lang="en-US" dirty="0">
-                <a:latin typeface="Courier"/>
-                <a:cs typeface="Courier"/>
-              </a:rPr>
-              <a:t>  </a:t>
-            </a:r>
-            <a:r>
-              <a:rPr lang="en-US" dirty="0" err="1">
-                <a:latin typeface="Courier"/>
-                <a:cs typeface="Courier"/>
-              </a:rPr>
-              <a:t>app.dependencies</a:t>
-            </a:r>
-            <a:r>
-              <a:rPr lang="en-US" dirty="0">
-                <a:latin typeface="Courier"/>
-                <a:cs typeface="Courier"/>
-              </a:rPr>
-              <a:t>)</a:t>
-            </a:r>
-          </a:p>
-          <a:p>
-            <a:pPr marL="0" indent="0">
-              <a:buNone/>
-            </a:pPr>
-            <a:r>
-              <a:rPr lang="en-US" dirty="0" err="1">
-                <a:latin typeface="Courier"/>
-                <a:cs typeface="Courier"/>
-              </a:rPr>
-              <a:t>assert_false</a:t>
-            </a:r>
-            <a:r>
-              <a:rPr lang="en-US" dirty="0">
-                <a:latin typeface="Courier"/>
-                <a:cs typeface="Courier"/>
-              </a:rPr>
-              <a:t>(deprecated, </a:t>
-            </a:r>
-          </a:p>
-          <a:p>
-            <a:pPr marL="0" indent="0">
-              <a:buNone/>
-            </a:pPr>
-            <a:r>
-              <a:rPr lang="en-US" dirty="0">
-                <a:latin typeface="Courier"/>
-                <a:cs typeface="Courier"/>
-              </a:rPr>
-              <a:t>  ‘must not use deprecated dependencies’)</a:t>
-            </a:r>
-          </a:p>
-          <a:p>
-            <a:pPr marL="0" indent="0">
-              <a:buNone/>
-            </a:pPr>
-            <a:endParaRPr lang="en-US" dirty="0">
-              <a:latin typeface="Courier"/>
-              <a:cs typeface="Courier"/>
-            </a:endParaRPr>
-          </a:p>
-          <a:p>
-            <a:pPr marL="0" indent="0">
-              <a:buNone/>
-            </a:pPr>
-            <a:endParaRPr lang="en-US" dirty="0"/>
-          </a:p>
-        </p:txBody>
-      </p:sp>
-      <p:sp>
-        <p:nvSpPr>
-          <p:cNvPr id="4" name="Slide Number Placeholder 3"/>
+        </p:nvPicPr>
+        <p:blipFill>
+          <a:blip r:embed="rId2">
+            <a:extLst>
+              <a:ext uri="{28A0092B-C50C-407E-A947-70E740481C1C}">
+                <a14:useLocalDpi xmlns:a14="http://schemas.microsoft.com/office/drawing/2010/main" val="0"/>
+              </a:ext>
+            </a:extLst>
+          </a:blip>
+          <a:srcRect l="-7416" r="-7416"/>
+          <a:stretch>
+            <a:fillRect/>
+          </a:stretch>
+        </p:blipFill>
+        <p:spPr/>
+      </p:pic>
+      <p:sp>
+        <p:nvSpPr>
+          <p:cNvPr id="3" name="Slide Number Placeholder 2"/>
           <p:cNvSpPr>
             <a:spLocks noGrp="1"/>
           </p:cNvSpPr>
@@ -14241,7 +14004,7 @@
     </p:spTree>
     <p:extLst>
       <p:ext uri="{BB962C8B-B14F-4D97-AF65-F5344CB8AC3E}">
-        <p14:creationId xmlns:p14="http://schemas.microsoft.com/office/powerpoint/2010/main" val="2299342324"/>
+        <p14:creationId xmlns:p14="http://schemas.microsoft.com/office/powerpoint/2010/main" val="1956200155"/>
       </p:ext>
     </p:extLst>
   </p:cSld>
@@ -14292,114 +14055,48 @@
           <a:p>
             <a:r>
               <a:rPr lang="en-US" dirty="0" smtClean="0"/>
-              <a:t>EAGER Prototype</a:t>
-            </a:r>
-            <a:endParaRPr lang="en-US" dirty="0"/>
-          </a:p>
-        </p:txBody>
-      </p:sp>
-      <p:sp>
-        <p:nvSpPr>
-          <p:cNvPr id="3" name="Content Placeholder 2"/>
-          <p:cNvSpPr>
-            <a:spLocks noGrp="1"/>
-          </p:cNvSpPr>
-          <p:nvPr>
-            <p:ph idx="1"/>
-          </p:nvPr>
-        </p:nvSpPr>
-        <p:spPr/>
-        <p:txBody>
-          <a:bodyPr/>
-          <a:lstStyle/>
-          <a:p>
-            <a:r>
-              <a:rPr lang="en-US" dirty="0"/>
-              <a:t>Implemented into </a:t>
-            </a:r>
-            <a:r>
-              <a:rPr lang="en-US" dirty="0" err="1"/>
-              <a:t>AppScale</a:t>
-            </a:r>
-            <a:endParaRPr lang="en-US" dirty="0"/>
-          </a:p>
-          <a:p>
-            <a:pPr lvl="1"/>
-            <a:r>
-              <a:rPr lang="en-US" dirty="0">
-                <a:hlinkClick r:id="rId2"/>
-              </a:rPr>
-              <a:t>http://appscale.com</a:t>
-            </a:r>
-            <a:endParaRPr lang="en-US" dirty="0"/>
-          </a:p>
-          <a:p>
-            <a:r>
-              <a:rPr lang="en-US" dirty="0"/>
-              <a:t>Metadata Manager – MySQL</a:t>
-            </a:r>
-          </a:p>
-          <a:p>
-            <a:r>
-              <a:rPr lang="en-US" dirty="0"/>
-              <a:t>API Gateway and Discovery Portal – WSO2</a:t>
-            </a:r>
-          </a:p>
-          <a:p>
-            <a:r>
-              <a:rPr lang="en-US" dirty="0"/>
-              <a:t>All additional processes integrated into the task management subsystem of </a:t>
-            </a:r>
-            <a:r>
-              <a:rPr lang="en-US" dirty="0" err="1"/>
-              <a:t>AppScale</a:t>
-            </a:r>
-            <a:endParaRPr lang="en-US" dirty="0"/>
-          </a:p>
-          <a:p>
-            <a:r>
-              <a:rPr lang="en-US" dirty="0"/>
-              <a:t>Minimal code changes/additions</a:t>
-            </a:r>
-          </a:p>
-          <a:p>
+              <a:t>EAGER Overhead </a:t>
+            </a:r>
+            <a:r>
+              <a:rPr lang="en-US" dirty="0" err="1" smtClean="0"/>
+              <a:t>vs</a:t>
+            </a:r>
+            <a:r>
+              <a:rPr lang="en-US" dirty="0" smtClean="0"/>
+              <a:t> Policies</a:t>
+            </a:r>
             <a:endParaRPr lang="en-US" dirty="0"/>
           </a:p>
         </p:txBody>
       </p:sp>
       <p:pic>
         <p:nvPicPr>
-          <p:cNvPr id="4" name="Picture 3" descr="AppScale_Systems_Logo.png"/>
+          <p:cNvPr id="4" name="Content Placeholder 5" descr="overhead_by_policies.png"/>
           <p:cNvPicPr>
-            <a:picLocks noChangeAspect="1"/>
+            <a:picLocks noGrp="1" noChangeAspect="1"/>
           </p:cNvPicPr>
-          <p:nvPr/>
+          <p:nvPr>
+            <p:ph idx="1"/>
+          </p:nvPr>
         </p:nvPicPr>
         <p:blipFill>
-          <a:blip r:embed="rId3">
+          <a:blip r:embed="rId2">
             <a:extLst>
               <a:ext uri="{28A0092B-C50C-407E-A947-70E740481C1C}">
                 <a14:useLocalDpi xmlns:a14="http://schemas.microsoft.com/office/drawing/2010/main" val="0"/>
               </a:ext>
             </a:extLst>
           </a:blip>
+          <a:srcRect l="-7502" r="-7502"/>
           <a:stretch>
             <a:fillRect/>
           </a:stretch>
         </p:blipFill>
-        <p:spPr>
-          <a:xfrm>
-            <a:off x="8026307" y="5323279"/>
-            <a:ext cx="1117693" cy="1605768"/>
-          </a:xfrm>
-          <a:prstGeom prst="rect">
-            <a:avLst/>
-          </a:prstGeom>
-        </p:spPr>
+        <p:spPr/>
       </p:pic>
       <p:sp>
         <p:nvSpPr>
-          <p:cNvPr id="5" name="Slide Number Placeholder 4"/>
+          <p:cNvPr id="3" name="Slide Number Placeholder 2"/>
           <p:cNvSpPr>
             <a:spLocks noGrp="1"/>
           </p:cNvSpPr>
@@ -14423,7 +14120,7 @@
     </p:spTree>
     <p:extLst>
       <p:ext uri="{BB962C8B-B14F-4D97-AF65-F5344CB8AC3E}">
-        <p14:creationId xmlns:p14="http://schemas.microsoft.com/office/powerpoint/2010/main" val="1699778603"/>
+        <p14:creationId xmlns:p14="http://schemas.microsoft.com/office/powerpoint/2010/main" val="1901845792"/>
       </p:ext>
     </p:extLst>
   </p:cSld>
@@ -14473,8 +14170,12 @@
           <a:lstStyle/>
           <a:p>
             <a:r>
-              <a:rPr lang="en-US" dirty="0" smtClean="0"/>
-              <a:t>EAGER Overhead by App</a:t>
+              <a:rPr lang="en-US" dirty="0" err="1" smtClean="0"/>
+              <a:t>ProgrammableWeb</a:t>
+            </a:r>
+            <a:r>
+              <a:rPr lang="en-US" dirty="0" smtClean="0"/>
+              <a:t> Dataset</a:t>
             </a:r>
             <a:endParaRPr lang="en-US" dirty="0"/>
           </a:p>
@@ -14482,7 +14183,7 @@
       </p:sp>
       <p:pic>
         <p:nvPicPr>
-          <p:cNvPr id="4" name="Content Placeholder 3" descr="overhead_by_app.png"/>
+          <p:cNvPr id="4" name="Content Placeholder 3" descr="pweb_sample_overhead.png"/>
           <p:cNvPicPr>
             <a:picLocks noGrp="1" noChangeAspect="1"/>
           </p:cNvPicPr>
@@ -14498,13 +14199,43 @@
               </a:ext>
             </a:extLst>
           </a:blip>
-          <a:srcRect l="-7416" r="-7416"/>
+          <a:srcRect l="-7502" r="-7502"/>
           <a:stretch>
             <a:fillRect/>
           </a:stretch>
         </p:blipFill>
         <p:spPr/>
       </p:pic>
+      <p:sp>
+        <p:nvSpPr>
+          <p:cNvPr id="5" name="TextBox 4"/>
+          <p:cNvSpPr txBox="1"/>
+          <p:nvPr/>
+        </p:nvSpPr>
+        <p:spPr>
+          <a:xfrm>
+            <a:off x="457200" y="6466022"/>
+            <a:ext cx="8229600" cy="369332"/>
+          </a:xfrm>
+          <a:prstGeom prst="rect">
+            <a:avLst/>
+          </a:prstGeom>
+          <a:noFill/>
+        </p:spPr>
+        <p:txBody>
+          <a:bodyPr wrap="square" rtlCol="0">
+            <a:spAutoFit/>
+          </a:bodyPr>
+          <a:lstStyle/>
+          <a:p>
+            <a:r>
+              <a:rPr lang="en-US" dirty="0" smtClean="0"/>
+              <a:t>0 policies; 18322 APIs in DB; 33615 dependency edges </a:t>
+            </a:r>
+            <a:endParaRPr lang="en-US" dirty="0"/>
+          </a:p>
+        </p:txBody>
+      </p:sp>
       <p:sp>
         <p:nvSpPr>
           <p:cNvPr id="3" name="Slide Number Placeholder 2"/>
@@ -14531,7 +14262,7 @@
     </p:spTree>
     <p:extLst>
       <p:ext uri="{BB962C8B-B14F-4D97-AF65-F5344CB8AC3E}">
-        <p14:creationId xmlns:p14="http://schemas.microsoft.com/office/powerpoint/2010/main" val="1956200155"/>
+        <p14:creationId xmlns:p14="http://schemas.microsoft.com/office/powerpoint/2010/main" val="21886181"/>
       </p:ext>
     </p:extLst>
   </p:cSld>
@@ -14577,77 +14308,270 @@
         </p:nvSpPr>
         <p:spPr/>
         <p:txBody>
+          <a:bodyPr>
+            <a:normAutofit fontScale="90000"/>
+          </a:bodyPr>
+          <a:lstStyle/>
+          <a:p>
+            <a:r>
+              <a:rPr lang="en-US" dirty="0" smtClean="0"/>
+              <a:t>QBETS: Queue Bounds Estimation from Time Series</a:t>
+            </a:r>
+            <a:endParaRPr lang="en-US" dirty="0"/>
+          </a:p>
+        </p:txBody>
+      </p:sp>
+      <p:sp>
+        <p:nvSpPr>
+          <p:cNvPr id="3" name="Content Placeholder 2"/>
+          <p:cNvSpPr>
+            <a:spLocks noGrp="1"/>
+          </p:cNvSpPr>
+          <p:nvPr>
+            <p:ph idx="1"/>
+          </p:nvPr>
+        </p:nvSpPr>
+        <p:spPr/>
+        <p:txBody>
+          <a:bodyPr>
+            <a:normAutofit/>
+          </a:bodyPr>
+          <a:lstStyle/>
+          <a:p>
+            <a:r>
+              <a:rPr lang="en-US" dirty="0" smtClean="0"/>
+              <a:t>Analyzes the first </a:t>
+            </a:r>
+            <a:r>
+              <a:rPr lang="en-US" i="1" dirty="0" smtClean="0"/>
+              <a:t>n</a:t>
+            </a:r>
+            <a:r>
+              <a:rPr lang="en-US" dirty="0" smtClean="0"/>
+              <a:t> entries in a time series</a:t>
+            </a:r>
+          </a:p>
+          <a:p>
+            <a:r>
+              <a:rPr lang="en-US" dirty="0" smtClean="0"/>
+              <a:t>Predicts an upper bound for the </a:t>
+            </a:r>
+            <a:r>
+              <a:rPr lang="en-US" i="1" dirty="0" smtClean="0"/>
+              <a:t>(n+1)</a:t>
+            </a:r>
+            <a:r>
+              <a:rPr lang="en-US" baseline="30000" dirty="0" err="1" smtClean="0"/>
+              <a:t>th</a:t>
+            </a:r>
+            <a:r>
+              <a:rPr lang="en-US" dirty="0" smtClean="0"/>
+              <a:t> entry</a:t>
+            </a:r>
+          </a:p>
+          <a:p>
+            <a:pPr lvl="1"/>
+            <a:r>
+              <a:rPr lang="en-US" i="1" dirty="0" smtClean="0"/>
+              <a:t>QBETS([x</a:t>
+            </a:r>
+            <a:r>
+              <a:rPr lang="en-US" i="1" baseline="-25000" dirty="0" smtClean="0"/>
+              <a:t>1</a:t>
+            </a:r>
+            <a:r>
+              <a:rPr lang="en-US" i="1" dirty="0" smtClean="0"/>
+              <a:t>,x</a:t>
+            </a:r>
+            <a:r>
+              <a:rPr lang="en-US" i="1" baseline="-25000" dirty="0" smtClean="0"/>
+              <a:t>2</a:t>
+            </a:r>
+            <a:r>
+              <a:rPr lang="en-US" i="1" dirty="0" smtClean="0"/>
+              <a:t>,…</a:t>
+            </a:r>
+            <a:r>
+              <a:rPr lang="en-US" i="1" dirty="0" err="1" smtClean="0"/>
+              <a:t>x</a:t>
+            </a:r>
+            <a:r>
+              <a:rPr lang="en-US" i="1" baseline="-25000" dirty="0" err="1" smtClean="0"/>
+              <a:t>n</a:t>
+            </a:r>
+            <a:r>
+              <a:rPr lang="en-US" i="1" dirty="0" smtClean="0"/>
+              <a:t>], p) = Q</a:t>
+            </a:r>
+            <a:r>
+              <a:rPr lang="en-US" dirty="0" smtClean="0"/>
+              <a:t> where </a:t>
+            </a:r>
+            <a:r>
+              <a:rPr lang="en-US" i="1" dirty="0" smtClean="0"/>
+              <a:t>p </a:t>
+            </a:r>
+            <a:r>
+              <a:rPr lang="en-US" i="1" dirty="0" smtClean="0">
+                <a:sym typeface="Symbol"/>
+              </a:rPr>
+              <a:t> </a:t>
+            </a:r>
+            <a:r>
+              <a:rPr lang="en-US" i="1" dirty="0" smtClean="0"/>
+              <a:t>(0,1)</a:t>
+            </a:r>
+          </a:p>
+          <a:p>
+            <a:pPr lvl="1"/>
+            <a:r>
+              <a:rPr lang="en-US" i="1" dirty="0" smtClean="0"/>
+              <a:t>P(x</a:t>
+            </a:r>
+            <a:r>
+              <a:rPr lang="en-US" i="1" baseline="-25000" dirty="0" smtClean="0"/>
+              <a:t>n+1</a:t>
+            </a:r>
+            <a:r>
+              <a:rPr lang="en-US" i="1" dirty="0" smtClean="0"/>
+              <a:t> ≤ Q) ≥ p</a:t>
+            </a:r>
+          </a:p>
+          <a:p>
+            <a:r>
+              <a:rPr lang="en-US" dirty="0" smtClean="0"/>
+              <a:t>Cerebro uses QBETS to predict response time SLAs of the form:</a:t>
+            </a:r>
+          </a:p>
+          <a:p>
+            <a:pPr lvl="1"/>
+            <a:r>
+              <a:rPr lang="en-US" dirty="0" smtClean="0"/>
+              <a:t>Operation </a:t>
+            </a:r>
+            <a:r>
+              <a:rPr lang="en-US" i="1" dirty="0" smtClean="0"/>
+              <a:t>O</a:t>
+            </a:r>
+            <a:r>
+              <a:rPr lang="en-US" dirty="0" smtClean="0"/>
+              <a:t> responds </a:t>
+            </a:r>
+            <a:r>
+              <a:rPr lang="en-US" i="1" dirty="0" smtClean="0"/>
+              <a:t>under</a:t>
+            </a:r>
+            <a:r>
+              <a:rPr lang="en-US" dirty="0" smtClean="0"/>
+              <a:t> </a:t>
+            </a:r>
+            <a:r>
+              <a:rPr lang="en-US" i="1" dirty="0" smtClean="0"/>
+              <a:t>T</a:t>
+            </a:r>
+            <a:r>
+              <a:rPr lang="en-US" dirty="0" smtClean="0"/>
+              <a:t> milliseconds (100</a:t>
+            </a:r>
+            <a:r>
+              <a:rPr lang="en-US" i="1" dirty="0" smtClean="0"/>
+              <a:t>p)%</a:t>
+            </a:r>
+            <a:r>
+              <a:rPr lang="en-US" dirty="0" smtClean="0"/>
+              <a:t> of the time</a:t>
+            </a:r>
+            <a:endParaRPr lang="en-US" dirty="0"/>
+          </a:p>
+        </p:txBody>
+      </p:sp>
+      <p:sp>
+        <p:nvSpPr>
+          <p:cNvPr id="4" name="Slide Number Placeholder 3"/>
+          <p:cNvSpPr>
+            <a:spLocks noGrp="1"/>
+          </p:cNvSpPr>
+          <p:nvPr>
+            <p:ph type="sldNum" sz="quarter" idx="12"/>
+          </p:nvPr>
+        </p:nvSpPr>
+        <p:spPr/>
+        <p:txBody>
           <a:bodyPr/>
           <a:lstStyle/>
           <a:p>
-            <a:r>
-              <a:rPr lang="en-US" dirty="0" smtClean="0"/>
-              <a:t>EAGER Overhead </a:t>
-            </a:r>
-            <a:r>
-              <a:rPr lang="en-US" dirty="0" err="1" smtClean="0"/>
-              <a:t>vs</a:t>
-            </a:r>
-            <a:r>
-              <a:rPr lang="en-US" dirty="0" smtClean="0"/>
-              <a:t> Policies</a:t>
-            </a:r>
-            <a:endParaRPr lang="en-US" dirty="0"/>
-          </a:p>
-        </p:txBody>
-      </p:sp>
-      <p:pic>
-        <p:nvPicPr>
-          <p:cNvPr id="4" name="Content Placeholder 5" descr="overhead_by_policies.png"/>
-          <p:cNvPicPr>
-            <a:picLocks noGrp="1" noChangeAspect="1"/>
-          </p:cNvPicPr>
-          <p:nvPr>
-            <p:ph idx="1"/>
-          </p:nvPr>
-        </p:nvPicPr>
-        <p:blipFill>
-          <a:blip r:embed="rId2">
-            <a:extLst>
-              <a:ext uri="{28A0092B-C50C-407E-A947-70E740481C1C}">
-                <a14:useLocalDpi xmlns:a14="http://schemas.microsoft.com/office/drawing/2010/main" val="0"/>
-              </a:ext>
-            </a:extLst>
-          </a:blip>
-          <a:srcRect l="-7502" r="-7502"/>
-          <a:stretch>
-            <a:fillRect/>
-          </a:stretch>
-        </p:blipFill>
-        <p:spPr/>
-      </p:pic>
-      <p:sp>
-        <p:nvSpPr>
-          <p:cNvPr id="3" name="Slide Number Placeholder 2"/>
-          <p:cNvSpPr>
-            <a:spLocks noGrp="1"/>
-          </p:cNvSpPr>
-          <p:nvPr>
-            <p:ph type="sldNum" sz="quarter" idx="12"/>
-          </p:nvPr>
-        </p:nvSpPr>
-        <p:spPr/>
-        <p:txBody>
-          <a:bodyPr/>
-          <a:lstStyle/>
-          <a:p>
-            <a:fld id="{D4755116-B387-CD40-9D82-4279FFF17F28}" type="slidenum">
+            <a:fld id="{3336F440-0623-F948-B0BF-C3A0BAE2BBD0}" type="slidenum">
               <a:rPr lang="en-US" smtClean="0"/>
+              <a:pPr/>
               <a:t>44</a:t>
             </a:fld>
             <a:endParaRPr lang="en-US"/>
           </a:p>
         </p:txBody>
       </p:sp>
+      <p:sp>
+        <p:nvSpPr>
+          <p:cNvPr id="5" name="TextBox 4"/>
+          <p:cNvSpPr txBox="1"/>
+          <p:nvPr/>
+        </p:nvSpPr>
+        <p:spPr>
+          <a:xfrm>
+            <a:off x="165100" y="6264335"/>
+            <a:ext cx="8788400" cy="562718"/>
+          </a:xfrm>
+          <a:prstGeom prst="rect">
+            <a:avLst/>
+          </a:prstGeom>
+          <a:noFill/>
+        </p:spPr>
+        <p:txBody>
+          <a:bodyPr wrap="square" rtlCol="0">
+            <a:spAutoFit/>
+          </a:bodyPr>
+          <a:lstStyle/>
+          <a:p>
+            <a:pPr>
+              <a:lnSpc>
+                <a:spcPct val="110000"/>
+              </a:lnSpc>
+            </a:pPr>
+            <a:r>
+              <a:rPr lang="en-US" sz="1400" i="1" dirty="0" smtClean="0"/>
+              <a:t>D. </a:t>
+            </a:r>
+            <a:r>
+              <a:rPr lang="en-US" sz="1400" i="1" dirty="0" err="1" smtClean="0"/>
+              <a:t>Nurmi</a:t>
+            </a:r>
+            <a:r>
+              <a:rPr lang="en-US" sz="1400" i="1" dirty="0" smtClean="0"/>
+              <a:t>, J. </a:t>
+            </a:r>
+            <a:r>
+              <a:rPr lang="en-US" sz="1400" i="1" dirty="0" err="1" smtClean="0"/>
+              <a:t>Brevik</a:t>
+            </a:r>
+            <a:r>
+              <a:rPr lang="en-US" sz="1400" i="1" dirty="0" smtClean="0"/>
+              <a:t> and R. </a:t>
+            </a:r>
+            <a:r>
+              <a:rPr lang="en-US" sz="1400" i="1" dirty="0" err="1" smtClean="0"/>
+              <a:t>Wolski</a:t>
+            </a:r>
+            <a:r>
+              <a:rPr lang="en-US" sz="1400" i="1" dirty="0" smtClean="0"/>
+              <a:t>, “QBETS: Queue Bounds Estimation from Time Series”, 2008 International Conference on Job Scheduling Strategies for Parallel Processing</a:t>
+            </a:r>
+            <a:endParaRPr lang="en-US" sz="1400" i="1" dirty="0"/>
+          </a:p>
+        </p:txBody>
+      </p:sp>
     </p:spTree>
     <p:extLst>
       <p:ext uri="{BB962C8B-B14F-4D97-AF65-F5344CB8AC3E}">
-        <p14:creationId xmlns:p14="http://schemas.microsoft.com/office/powerpoint/2010/main" val="1901845792"/>
+        <p14:creationId xmlns:p14="http://schemas.microsoft.com/office/powerpoint/2010/main" val="42999633"/>
       </p:ext>
     </p:extLst>
   </p:cSld>
@@ -14697,75 +14621,79 @@
           <a:lstStyle/>
           <a:p>
             <a:r>
-              <a:rPr lang="en-US" dirty="0" err="1" smtClean="0"/>
-              <a:t>ProgrammableWeb</a:t>
-            </a:r>
-            <a:r>
-              <a:rPr lang="en-US" dirty="0" smtClean="0"/>
-              <a:t> Dataset</a:t>
+              <a:rPr lang="en-US" dirty="0" smtClean="0"/>
+              <a:t>Detecting SLA Invalidation</a:t>
             </a:r>
             <a:endParaRPr lang="en-US" dirty="0"/>
           </a:p>
         </p:txBody>
       </p:sp>
-      <p:pic>
-        <p:nvPicPr>
-          <p:cNvPr id="4" name="Content Placeholder 3" descr="pweb_sample_overhead.png"/>
-          <p:cNvPicPr>
-            <a:picLocks noGrp="1" noChangeAspect="1"/>
-          </p:cNvPicPr>
+      <p:sp>
+        <p:nvSpPr>
+          <p:cNvPr id="3" name="Content Placeholder 2"/>
+          <p:cNvSpPr>
+            <a:spLocks noGrp="1"/>
+          </p:cNvSpPr>
           <p:nvPr>
             <p:ph idx="1"/>
           </p:nvPr>
-        </p:nvPicPr>
-        <p:blipFill>
-          <a:blip r:embed="rId2">
-            <a:extLst>
-              <a:ext uri="{28A0092B-C50C-407E-A947-70E740481C1C}">
-                <a14:useLocalDpi xmlns:a14="http://schemas.microsoft.com/office/drawing/2010/main" val="0"/>
-              </a:ext>
-            </a:extLst>
-          </a:blip>
-          <a:srcRect l="-7502" r="-7502"/>
-          <a:stretch>
-            <a:fillRect/>
-          </a:stretch>
-        </p:blipFill>
-        <p:spPr/>
-      </p:pic>
-      <p:sp>
-        <p:nvSpPr>
-          <p:cNvPr id="5" name="TextBox 4"/>
-          <p:cNvSpPr txBox="1"/>
-          <p:nvPr/>
-        </p:nvSpPr>
-        <p:spPr>
-          <a:xfrm>
-            <a:off x="457200" y="6466022"/>
-            <a:ext cx="8229600" cy="369332"/>
-          </a:xfrm>
-          <a:prstGeom prst="rect">
-            <a:avLst/>
-          </a:prstGeom>
-          <a:noFill/>
-        </p:spPr>
-        <p:txBody>
-          <a:bodyPr wrap="square" rtlCol="0">
-            <a:spAutoFit/>
+        </p:nvSpPr>
+        <p:spPr/>
+        <p:txBody>
+          <a:bodyPr>
+            <a:normAutofit lnSpcReduction="10000"/>
           </a:bodyPr>
           <a:lstStyle/>
           <a:p>
             <a:r>
               <a:rPr lang="en-US" dirty="0" smtClean="0"/>
-              <a:t>0 policies; 18322 APIs in DB; 33615 dependency edges </a:t>
-            </a:r>
+              <a:t>Each time Cerebro makes a prediction, it computes the current autocorrelation in the time series</a:t>
+            </a:r>
+          </a:p>
+          <a:p>
+            <a:r>
+              <a:rPr lang="en-US" dirty="0" smtClean="0"/>
+              <a:t>Autocorrelation can be used to lookup a table, and determine </a:t>
+            </a:r>
+            <a:r>
+              <a:rPr lang="en-US" i="1" dirty="0" err="1" smtClean="0"/>
+              <a:t>C</a:t>
+            </a:r>
+            <a:r>
+              <a:rPr lang="en-US" i="1" baseline="-25000" dirty="0" err="1" smtClean="0"/>
+              <a:t>w</a:t>
+            </a:r>
+            <a:r>
+              <a:rPr lang="en-US" dirty="0"/>
+              <a:t>;</a:t>
+            </a:r>
+            <a:r>
+              <a:rPr lang="en-US" dirty="0" smtClean="0"/>
+              <a:t> the number of consecutive readings greater than </a:t>
+            </a:r>
+            <a:r>
+              <a:rPr lang="en-US" i="1" dirty="0" smtClean="0"/>
+              <a:t>Q</a:t>
+            </a:r>
+            <a:r>
+              <a:rPr lang="en-US" dirty="0" smtClean="0"/>
+              <a:t>, that constitute a change point</a:t>
+            </a:r>
+          </a:p>
+          <a:p>
+            <a:r>
+              <a:rPr lang="en-US" dirty="0" smtClean="0"/>
+              <a:t>We consider the SLA to have become invalid if this change point occurs</a:t>
+            </a:r>
+          </a:p>
+          <a:p>
             <a:endParaRPr lang="en-US" dirty="0"/>
           </a:p>
         </p:txBody>
       </p:sp>
       <p:sp>
         <p:nvSpPr>
-          <p:cNvPr id="3" name="Slide Number Placeholder 2"/>
+          <p:cNvPr id="4" name="Slide Number Placeholder 3"/>
           <p:cNvSpPr>
             <a:spLocks noGrp="1"/>
           </p:cNvSpPr>
@@ -14778,7 +14706,7 @@
           <a:bodyPr/>
           <a:lstStyle/>
           <a:p>
-            <a:fld id="{D4755116-B387-CD40-9D82-4279FFF17F28}" type="slidenum">
+            <a:fld id="{4940F666-E5FA-274D-B0C1-53A0010BDC84}" type="slidenum">
               <a:rPr lang="en-US" smtClean="0"/>
               <a:t>45</a:t>
             </a:fld>
@@ -14789,7 +14717,7 @@
     </p:spTree>
     <p:extLst>
       <p:ext uri="{BB962C8B-B14F-4D97-AF65-F5344CB8AC3E}">
-        <p14:creationId xmlns:p14="http://schemas.microsoft.com/office/powerpoint/2010/main" val="21886181"/>
+        <p14:creationId xmlns:p14="http://schemas.microsoft.com/office/powerpoint/2010/main" val="2159115509"/>
       </p:ext>
     </p:extLst>
   </p:cSld>
@@ -16408,11 +16336,11 @@
           <a:p>
             <a:r>
               <a:rPr lang="en-US" dirty="0" smtClean="0"/>
-              <a:t>Poor Support for Performance </a:t>
-            </a:r>
-            <a:r>
-              <a:rPr lang="en-US" dirty="0" smtClean="0"/>
-              <a:t>Debugging</a:t>
+              <a:t>Poor </a:t>
+            </a:r>
+            <a:r>
+              <a:rPr lang="en-US" dirty="0" smtClean="0"/>
+              <a:t>Performance Debugging Support</a:t>
             </a:r>
             <a:endParaRPr lang="en-US" dirty="0"/>
           </a:p>
@@ -16611,13 +16539,8 @@
           <a:p>
             <a:r>
               <a:rPr lang="en-US" dirty="0" smtClean="0"/>
-              <a:t>Difficult to </a:t>
-            </a:r>
-            <a:r>
-              <a:rPr lang="en-US" dirty="0" smtClean="0"/>
-              <a:t>debug performance issues</a:t>
-            </a:r>
-            <a:endParaRPr lang="en-US" dirty="0" smtClean="0"/>
+              <a:t>Difficult to debug performance issues</a:t>
+            </a:r>
           </a:p>
         </p:txBody>
       </p:sp>
@@ -16950,11 +16873,7 @@
           <a:p>
             <a:r>
               <a:rPr lang="en-US" dirty="0" smtClean="0"/>
-              <a:t>Governance for </a:t>
-            </a:r>
-            <a:r>
-              <a:rPr lang="en-US" dirty="0" smtClean="0"/>
-              <a:t>Cloud-based Web Applications</a:t>
+              <a:t>Governance for Cloud-based Web Applications</a:t>
             </a:r>
             <a:endParaRPr lang="en-US" dirty="0"/>
           </a:p>

--- a/Eager/elk-experiment/appserver/system_design.pptx
+++ b/Eager/elk-experiment/appserver/system_design.pptx
@@ -308,7 +308,7 @@
           <a:p>
             <a:fld id="{37D14F8C-9F46-2E42-9999-888BFBC492E3}" type="datetimeFigureOut">
               <a:rPr lang="en-US" smtClean="0"/>
-              <a:t>4/22/16</a:t>
+              <a:t>4/26/16</a:t>
             </a:fld>
             <a:endParaRPr lang="en-US"/>
           </a:p>
@@ -474,7 +474,7 @@
           <a:p>
             <a:fld id="{C6B377BD-EE2D-6A4D-8791-40EA342A78BF}" type="datetimeFigureOut">
               <a:rPr lang="en-US" smtClean="0"/>
-              <a:t>4/22/16</a:t>
+              <a:t>4/26/16</a:t>
             </a:fld>
             <a:endParaRPr lang="en-US"/>
           </a:p>
@@ -1282,7 +1282,7 @@
           <a:p>
             <a:fld id="{8EE520D6-1199-3C41-9A6A-AA3E2C6DD588}" type="datetime1">
               <a:rPr lang="en-US" smtClean="0"/>
-              <a:t>4/22/16</a:t>
+              <a:t>4/26/16</a:t>
             </a:fld>
             <a:endParaRPr lang="en-US"/>
           </a:p>
@@ -1452,7 +1452,7 @@
           <a:p>
             <a:fld id="{6DE2AD85-55B3-6D40-8E45-4897033CE78D}" type="datetime1">
               <a:rPr lang="en-US" smtClean="0"/>
-              <a:t>4/22/16</a:t>
+              <a:t>4/26/16</a:t>
             </a:fld>
             <a:endParaRPr lang="en-US"/>
           </a:p>
@@ -1632,7 +1632,7 @@
           <a:p>
             <a:fld id="{9B6E2D90-BDC5-EC4E-97C9-9EBA924F9C2A}" type="datetime1">
               <a:rPr lang="en-US" smtClean="0"/>
-              <a:t>4/22/16</a:t>
+              <a:t>4/26/16</a:t>
             </a:fld>
             <a:endParaRPr lang="en-US"/>
           </a:p>
@@ -1802,7 +1802,7 @@
           <a:p>
             <a:fld id="{3C02FE2B-B967-F44C-97BF-619FFF540275}" type="datetime1">
               <a:rPr lang="en-US" smtClean="0"/>
-              <a:t>4/22/16</a:t>
+              <a:t>4/26/16</a:t>
             </a:fld>
             <a:endParaRPr lang="en-US"/>
           </a:p>
@@ -2048,7 +2048,7 @@
           <a:p>
             <a:fld id="{2E0BEB10-3E92-1544-85E8-C96C20A337CE}" type="datetime1">
               <a:rPr lang="en-US" smtClean="0"/>
-              <a:t>4/22/16</a:t>
+              <a:t>4/26/16</a:t>
             </a:fld>
             <a:endParaRPr lang="en-US"/>
           </a:p>
@@ -2336,7 +2336,7 @@
           <a:p>
             <a:fld id="{475FB051-8E54-8E49-8432-E38A630FF054}" type="datetime1">
               <a:rPr lang="en-US" smtClean="0"/>
-              <a:t>4/22/16</a:t>
+              <a:t>4/26/16</a:t>
             </a:fld>
             <a:endParaRPr lang="en-US"/>
           </a:p>
@@ -2758,7 +2758,7 @@
           <a:p>
             <a:fld id="{8BA679C2-08DD-074B-9C48-B348A1DFA775}" type="datetime1">
               <a:rPr lang="en-US" smtClean="0"/>
-              <a:t>4/22/16</a:t>
+              <a:t>4/26/16</a:t>
             </a:fld>
             <a:endParaRPr lang="en-US"/>
           </a:p>
@@ -2876,7 +2876,7 @@
           <a:p>
             <a:fld id="{FD8F829F-F712-8745-AC98-41D32B363003}" type="datetime1">
               <a:rPr lang="en-US" smtClean="0"/>
-              <a:t>4/22/16</a:t>
+              <a:t>4/26/16</a:t>
             </a:fld>
             <a:endParaRPr lang="en-US"/>
           </a:p>
@@ -2971,7 +2971,7 @@
           <a:p>
             <a:fld id="{B7766C51-9295-BA4E-9CC5-B913E9ED7975}" type="datetime1">
               <a:rPr lang="en-US" smtClean="0"/>
-              <a:t>4/22/16</a:t>
+              <a:t>4/26/16</a:t>
             </a:fld>
             <a:endParaRPr lang="en-US"/>
           </a:p>
@@ -3248,7 +3248,7 @@
           <a:p>
             <a:fld id="{DCC74353-384D-7548-8376-5A6CDDA54B35}" type="datetime1">
               <a:rPr lang="en-US" smtClean="0"/>
-              <a:t>4/22/16</a:t>
+              <a:t>4/26/16</a:t>
             </a:fld>
             <a:endParaRPr lang="en-US"/>
           </a:p>
@@ -3501,7 +3501,7 @@
           <a:p>
             <a:fld id="{912E0EE9-0FD5-A04C-8EF0-F3BFD9ED0CEF}" type="datetime1">
               <a:rPr lang="en-US" smtClean="0"/>
-              <a:t>4/22/16</a:t>
+              <a:t>4/26/16</a:t>
             </a:fld>
             <a:endParaRPr lang="en-US"/>
           </a:p>
@@ -3714,7 +3714,7 @@
           <a:p>
             <a:fld id="{E05DCBF9-A63F-9B48-BC2B-98F6B05BC7B3}" type="datetime1">
               <a:rPr lang="en-US" smtClean="0"/>
-              <a:t>4/22/16</a:t>
+              <a:t>4/26/16</a:t>
             </a:fld>
             <a:endParaRPr lang="en-US"/>
           </a:p>
@@ -4508,7 +4508,11 @@
           <a:p>
             <a:r>
               <a:rPr lang="en-US" dirty="0" smtClean="0"/>
-              <a:t>Simple mechanism to specify conventions/policies to be enforced</a:t>
+              <a:t>Simple mechanism to specify conventions/policies to be </a:t>
+            </a:r>
+            <a:r>
+              <a:rPr lang="en-US" dirty="0" smtClean="0"/>
+              <a:t>enforced</a:t>
             </a:r>
           </a:p>
           <a:p>
@@ -5406,8 +5410,19 @@
             <a:pPr lvl="1"/>
             <a:r>
               <a:rPr lang="en-US" dirty="0" smtClean="0"/>
-              <a:t>Less than 100ms for 1000 policies</a:t>
-            </a:r>
+              <a:t>Less than 100ms for 1000 </a:t>
+            </a:r>
+            <a:r>
+              <a:rPr lang="en-US" dirty="0" smtClean="0"/>
+              <a:t>policies</a:t>
+            </a:r>
+          </a:p>
+          <a:p>
+            <a:r>
+              <a:rPr lang="en-US" dirty="0" smtClean="0"/>
+              <a:t>No significant change in overhead due to the number of dependencies</a:t>
+            </a:r>
+            <a:endParaRPr lang="en-US" dirty="0" smtClean="0"/>
           </a:p>
         </p:txBody>
       </p:sp>
@@ -5988,9 +6003,88 @@
   <p:timing>
     <p:tnLst>
       <p:par>
-        <p:cTn xmlns:p14="http://schemas.microsoft.com/office/powerpoint/2010/main" id="1" dur="indefinite" restart="never" nodeType="tmRoot"/>
+        <p:cTn xmlns:p14="http://schemas.microsoft.com/office/powerpoint/2010/main" id="1" dur="indefinite" restart="never" nodeType="tmRoot">
+          <p:childTnLst>
+            <p:seq concurrent="1" nextAc="seek">
+              <p:cTn id="2" dur="indefinite" nodeType="mainSeq">
+                <p:childTnLst>
+                  <p:par>
+                    <p:cTn id="3" fill="hold">
+                      <p:stCondLst>
+                        <p:cond delay="indefinite"/>
+                      </p:stCondLst>
+                      <p:childTnLst>
+                        <p:par>
+                          <p:cTn id="4" fill="hold">
+                            <p:stCondLst>
+                              <p:cond delay="0"/>
+                            </p:stCondLst>
+                            <p:childTnLst>
+                              <p:par>
+                                <p:cTn id="5" presetID="3" presetClass="entr" presetSubtype="10" fill="hold" grpId="0" nodeType="clickEffect">
+                                  <p:stCondLst>
+                                    <p:cond delay="0"/>
+                                  </p:stCondLst>
+                                  <p:childTnLst>
+                                    <p:set>
+                                      <p:cBhvr>
+                                        <p:cTn id="6" dur="1" fill="hold">
+                                          <p:stCondLst>
+                                            <p:cond delay="0"/>
+                                          </p:stCondLst>
+                                        </p:cTn>
+                                        <p:tgtEl>
+                                          <p:spTgt spid="5"/>
+                                        </p:tgtEl>
+                                        <p:attrNameLst>
+                                          <p:attrName>style.visibility</p:attrName>
+                                        </p:attrNameLst>
+                                      </p:cBhvr>
+                                      <p:to>
+                                        <p:strVal val="visible"/>
+                                      </p:to>
+                                    </p:set>
+                                    <p:animEffect transition="in" filter="blinds(horizontal)">
+                                      <p:cBhvr>
+                                        <p:cTn id="7" dur="500"/>
+                                        <p:tgtEl>
+                                          <p:spTgt spid="5"/>
+                                        </p:tgtEl>
+                                      </p:cBhvr>
+                                    </p:animEffect>
+                                  </p:childTnLst>
+                                </p:cTn>
+                              </p:par>
+                            </p:childTnLst>
+                          </p:cTn>
+                        </p:par>
+                      </p:childTnLst>
+                    </p:cTn>
+                  </p:par>
+                </p:childTnLst>
+              </p:cTn>
+              <p:prevCondLst>
+                <p:cond evt="onPrev" delay="0">
+                  <p:tgtEl>
+                    <p:sldTgt/>
+                  </p:tgtEl>
+                </p:cond>
+              </p:prevCondLst>
+              <p:nextCondLst>
+                <p:cond evt="onNext" delay="0">
+                  <p:tgtEl>
+                    <p:sldTgt/>
+                  </p:tgtEl>
+                </p:cond>
+              </p:nextCondLst>
+            </p:seq>
+          </p:childTnLst>
+        </p:cTn>
       </p:par>
     </p:tnLst>
+    <p:bldLst>
+      <p:bldP spid="5" grpId="0" animBg="1"/>
+    </p:bldLst>
   </p:timing>
 </p:sld>
 </file>
@@ -6568,11 +6662,7 @@
           <a:p>
             <a:r>
               <a:rPr lang="en-US" dirty="0" smtClean="0"/>
-              <a:t>SLA </a:t>
-            </a:r>
-            <a:r>
-              <a:rPr lang="en-US" dirty="0" smtClean="0"/>
-              <a:t>Durability</a:t>
+              <a:t>SLA Durability</a:t>
             </a:r>
             <a:endParaRPr lang="en-US" dirty="0"/>
           </a:p>
@@ -6597,11 +6687,7 @@
           <a:p>
             <a:r>
               <a:rPr lang="en-US" dirty="0" smtClean="0"/>
-              <a:t>Suppose Cerebro predicts that some API responds under </a:t>
-            </a:r>
-            <a:r>
-              <a:rPr lang="en-US" dirty="0" smtClean="0"/>
-              <a:t>Q </a:t>
+              <a:t>Suppose Cerebro predicts that some API responds under Q </a:t>
             </a:r>
             <a:r>
               <a:rPr lang="en-US" dirty="0" err="1" smtClean="0"/>
@@ -6609,31 +6695,14 @@
             </a:r>
             <a:r>
               <a:rPr lang="en-US" dirty="0" smtClean="0"/>
-              <a:t>, 95% of the </a:t>
-            </a:r>
-            <a:r>
-              <a:rPr lang="en-US" dirty="0" smtClean="0"/>
-              <a:t>time [JBW08].</a:t>
-            </a:r>
-            <a:endParaRPr lang="en-US" dirty="0" smtClean="0"/>
+              <a:t>, 95% of the time [JBW08].</a:t>
+            </a:r>
           </a:p>
           <a:p>
             <a:pPr lvl="1"/>
             <a:r>
               <a:rPr lang="en-US" dirty="0" smtClean="0"/>
-              <a:t>Probability </a:t>
-            </a:r>
-            <a:r>
-              <a:rPr lang="en-US" dirty="0" smtClean="0"/>
-              <a:t>of observing 3 consecutive </a:t>
-            </a:r>
-            <a:r>
-              <a:rPr lang="en-US" dirty="0" smtClean="0"/>
-              <a:t>readings greater than Q: </a:t>
-            </a:r>
-            <a:r>
-              <a:rPr lang="en-US" dirty="0" smtClean="0"/>
-              <a:t>0.05</a:t>
+              <a:t>Probability of observing 3 consecutive readings greater than Q: 0.05</a:t>
             </a:r>
             <a:r>
               <a:rPr lang="en-US" baseline="30000" dirty="0" smtClean="0"/>
@@ -6641,11 +6710,7 @@
             </a:r>
             <a:r>
               <a:rPr lang="en-US" dirty="0" smtClean="0"/>
-              <a:t>= </a:t>
-            </a:r>
-            <a:r>
-              <a:rPr lang="en-US" dirty="0" smtClean="0"/>
-              <a:t>0.000125</a:t>
+              <a:t>= 0.000125</a:t>
             </a:r>
           </a:p>
           <a:p>
@@ -7024,15 +7089,7 @@
           <a:p>
             <a:r>
               <a:rPr lang="en-US" dirty="0" smtClean="0"/>
-              <a:t>Prediction tightness </a:t>
-            </a:r>
-            <a:r>
-              <a:rPr lang="en-US" dirty="0" smtClean="0"/>
-              <a:t>(App </a:t>
-            </a:r>
-            <a:r>
-              <a:rPr lang="en-US" dirty="0" smtClean="0"/>
-              <a:t>Engine, </a:t>
+              <a:t>Prediction tightness (App Engine, </a:t>
             </a:r>
             <a:r>
               <a:rPr lang="en-US" dirty="0" err="1" smtClean="0"/>
@@ -7061,13 +7118,8 @@
           <a:p>
             <a:r>
               <a:rPr lang="en-US" dirty="0" smtClean="0"/>
-              <a:t>Durability </a:t>
-            </a:r>
-            <a:r>
-              <a:rPr lang="en-US" dirty="0" smtClean="0"/>
-              <a:t>(App Engine)</a:t>
-            </a:r>
-            <a:endParaRPr lang="en-US" dirty="0" smtClean="0"/>
+              <a:t>Durability (App Engine)</a:t>
+            </a:r>
           </a:p>
           <a:p>
             <a:pPr lvl="1"/>
@@ -7093,39 +7145,14 @@
             <a:pPr lvl="1"/>
             <a:r>
               <a:rPr lang="en-US" dirty="0" smtClean="0"/>
-              <a:t>10 </a:t>
-            </a:r>
-            <a:r>
-              <a:rPr lang="en-US" dirty="0" smtClean="0"/>
-              <a:t>seconds: with </a:t>
-            </a:r>
-            <a:r>
-              <a:rPr lang="en-US" dirty="0" smtClean="0"/>
-              <a:t>24 hour </a:t>
-            </a:r>
-            <a:r>
-              <a:rPr lang="en-US" dirty="0" smtClean="0"/>
-              <a:t>history</a:t>
-            </a:r>
-            <a:endParaRPr lang="en-US" dirty="0" smtClean="0"/>
+              <a:t>10 seconds: with 24 hour history</a:t>
+            </a:r>
           </a:p>
           <a:p>
             <a:pPr lvl="1"/>
             <a:r>
               <a:rPr lang="en-US" dirty="0" smtClean="0"/>
-              <a:t>9.6 </a:t>
-            </a:r>
-            <a:r>
-              <a:rPr lang="en-US" dirty="0" smtClean="0"/>
-              <a:t>minutes: with </a:t>
-            </a:r>
-            <a:r>
-              <a:rPr lang="en-US" dirty="0" smtClean="0"/>
-              <a:t>2 week </a:t>
-            </a:r>
-            <a:r>
-              <a:rPr lang="en-US" dirty="0" smtClean="0"/>
-              <a:t>history</a:t>
+              <a:t>9.6 minutes: with 2 week history</a:t>
             </a:r>
             <a:endParaRPr lang="en-US" dirty="0"/>
           </a:p>
@@ -8486,13 +8513,8 @@
           <a:p>
             <a:r>
               <a:rPr lang="en-US" dirty="0" smtClean="0"/>
-              <a:t>Correlation-based </a:t>
-            </a:r>
-            <a:r>
-              <a:rPr lang="en-US" dirty="0" smtClean="0"/>
-              <a:t>detection [MS10]</a:t>
-            </a:r>
-            <a:endParaRPr lang="en-US" dirty="0" smtClean="0"/>
+              <a:t>Correlation-based detection [MS10]</a:t>
+            </a:r>
           </a:p>
           <a:p>
             <a:pPr lvl="1"/>
@@ -8630,22 +8652,13 @@
           <a:p>
             <a:r>
               <a:rPr lang="en-US" dirty="0" smtClean="0"/>
-              <a:t>Pruned Exact Linear Time (PELT</a:t>
-            </a:r>
-            <a:r>
-              <a:rPr lang="en-US" dirty="0" smtClean="0"/>
-              <a:t>) [KFE12]</a:t>
-            </a:r>
-            <a:endParaRPr lang="en-US" dirty="0" smtClean="0"/>
-          </a:p>
-          <a:p>
-            <a:r>
-              <a:rPr lang="en-US" dirty="0" smtClean="0"/>
-              <a:t>Chen &amp; Liu </a:t>
-            </a:r>
-            <a:r>
-              <a:rPr lang="en-US" dirty="0" smtClean="0"/>
-              <a:t>method [CL93]</a:t>
+              <a:t>Pruned Exact Linear Time (PELT) [KFE12]</a:t>
+            </a:r>
+          </a:p>
+          <a:p>
+            <a:r>
+              <a:rPr lang="en-US" dirty="0" smtClean="0"/>
+              <a:t>Chen &amp; Liu method [CL93]</a:t>
             </a:r>
             <a:endParaRPr lang="en-US" dirty="0"/>
           </a:p>
@@ -8905,11 +8918,7 @@
           <a:p>
             <a:r>
               <a:rPr lang="en-US" dirty="0" smtClean="0"/>
-              <a:t>Relative importance metric indicates the portion of variance in “Total” explained by each independent </a:t>
-            </a:r>
-            <a:r>
-              <a:rPr lang="en-US" dirty="0" smtClean="0"/>
-              <a:t>variable [G06]</a:t>
+              <a:t>Relative importance metric indicates the portion of variance in “Total” explained by each independent variable [G06]</a:t>
             </a:r>
             <a:endParaRPr lang="en-US" dirty="0"/>
           </a:p>
@@ -10502,22 +10511,13 @@
           <a:p>
             <a:r>
               <a:rPr lang="en-US" dirty="0" smtClean="0"/>
-              <a:t>Scalable cloud application platform monitoring for performance anomaly detection and bottleneck identification. </a:t>
-            </a:r>
-            <a:r>
-              <a:rPr lang="en-US" dirty="0" smtClean="0"/>
-              <a:t>(Fall 2016)</a:t>
-            </a:r>
-            <a:endParaRPr lang="en-US" dirty="0" smtClean="0"/>
-          </a:p>
-          <a:p>
-            <a:r>
-              <a:rPr lang="en-US" dirty="0" smtClean="0"/>
-              <a:t>Dissertation defense. </a:t>
-            </a:r>
-            <a:r>
-              <a:rPr lang="en-US" dirty="0" smtClean="0"/>
-              <a:t>(December 2016)</a:t>
+              <a:t>Scalable cloud application platform monitoring for performance anomaly detection and bottleneck identification. (Fall 2016)</a:t>
+            </a:r>
+          </a:p>
+          <a:p>
+            <a:r>
+              <a:rPr lang="en-US" dirty="0" smtClean="0"/>
+              <a:t>Dissertation defense. (December 2016)</a:t>
             </a:r>
             <a:endParaRPr lang="en-US" dirty="0"/>
           </a:p>
@@ -16336,11 +16336,7 @@
           <a:p>
             <a:r>
               <a:rPr lang="en-US" dirty="0" smtClean="0"/>
-              <a:t>Poor </a:t>
-            </a:r>
-            <a:r>
-              <a:rPr lang="en-US" dirty="0" smtClean="0"/>
-              <a:t>Performance Debugging Support</a:t>
+              <a:t>Poor Performance Debugging Support</a:t>
             </a:r>
             <a:endParaRPr lang="en-US" dirty="0"/>
           </a:p>
@@ -16384,11 +16380,7 @@
           <a:p>
             <a:r>
               <a:rPr lang="en-US" dirty="0" smtClean="0"/>
-              <a:t>Limited support for anomaly detection and </a:t>
-            </a:r>
-            <a:r>
-              <a:rPr lang="en-US" smtClean="0"/>
-              <a:t>bottleneck identification</a:t>
+              <a:t>Limited support for anomaly detection and bottleneck identification</a:t>
             </a:r>
             <a:endParaRPr lang="en-US" dirty="0"/>
           </a:p>
@@ -16416,7 +16408,7 @@
         </p:blipFill>
         <p:spPr>
           <a:xfrm>
-            <a:off x="1264313" y="3447740"/>
+            <a:off x="457200" y="3447740"/>
             <a:ext cx="1686678" cy="1368111"/>
           </a:xfrm>
           <a:prstGeom prst="rect">
@@ -16447,6 +16439,96 @@
           </a:p>
         </p:txBody>
       </p:sp>
+      <p:pic>
+        <p:nvPicPr>
+          <p:cNvPr id="6" name="Picture 5" descr="Datadog_Logo.png"/>
+          <p:cNvPicPr>
+            <a:picLocks noChangeAspect="1"/>
+          </p:cNvPicPr>
+          <p:nvPr/>
+        </p:nvPicPr>
+        <p:blipFill>
+          <a:blip r:embed="rId3">
+            <a:extLst>
+              <a:ext uri="{28A0092B-C50C-407E-A947-70E740481C1C}">
+                <a14:useLocalDpi xmlns:a14="http://schemas.microsoft.com/office/drawing/2010/main" val="0"/>
+              </a:ext>
+            </a:extLst>
+          </a:blip>
+          <a:stretch>
+            <a:fillRect/>
+          </a:stretch>
+        </p:blipFill>
+        <p:spPr>
+          <a:xfrm>
+            <a:off x="2602418" y="3373442"/>
+            <a:ext cx="1442409" cy="1442409"/>
+          </a:xfrm>
+          <a:prstGeom prst="rect">
+            <a:avLst/>
+          </a:prstGeom>
+        </p:spPr>
+      </p:pic>
+      <p:pic>
+        <p:nvPicPr>
+          <p:cNvPr id="7" name="Picture 6" descr="dynatrace-squarelogo-1458744847928.png"/>
+          <p:cNvPicPr>
+            <a:picLocks noChangeAspect="1"/>
+          </p:cNvPicPr>
+          <p:nvPr/>
+        </p:nvPicPr>
+        <p:blipFill>
+          <a:blip r:embed="rId4">
+            <a:extLst>
+              <a:ext uri="{28A0092B-C50C-407E-A947-70E740481C1C}">
+                <a14:useLocalDpi xmlns:a14="http://schemas.microsoft.com/office/drawing/2010/main" val="0"/>
+              </a:ext>
+            </a:extLst>
+          </a:blip>
+          <a:stretch>
+            <a:fillRect/>
+          </a:stretch>
+        </p:blipFill>
+        <p:spPr>
+          <a:xfrm>
+            <a:off x="4614460" y="3354353"/>
+            <a:ext cx="1652951" cy="1652951"/>
+          </a:xfrm>
+          <a:prstGeom prst="rect">
+            <a:avLst/>
+          </a:prstGeom>
+        </p:spPr>
+      </p:pic>
+      <p:pic>
+        <p:nvPicPr>
+          <p:cNvPr id="8" name="Picture 7" descr="sensu.png"/>
+          <p:cNvPicPr>
+            <a:picLocks noChangeAspect="1"/>
+          </p:cNvPicPr>
+          <p:nvPr/>
+        </p:nvPicPr>
+        <p:blipFill>
+          <a:blip r:embed="rId5">
+            <a:extLst>
+              <a:ext uri="{28A0092B-C50C-407E-A947-70E740481C1C}">
+                <a14:useLocalDpi xmlns:a14="http://schemas.microsoft.com/office/drawing/2010/main" val="0"/>
+              </a:ext>
+            </a:extLst>
+          </a:blip>
+          <a:stretch>
+            <a:fillRect/>
+          </a:stretch>
+        </p:blipFill>
+        <p:spPr>
+          <a:xfrm>
+            <a:off x="6934200" y="3291851"/>
+            <a:ext cx="1752600" cy="1524000"/>
+          </a:xfrm>
+          <a:prstGeom prst="rect">
+            <a:avLst/>
+          </a:prstGeom>
+        </p:spPr>
+      </p:pic>
     </p:spTree>
     <p:extLst>
       <p:ext uri="{BB962C8B-B14F-4D97-AF65-F5344CB8AC3E}">

--- a/Eager/elk-experiment/appserver/system_design.pptx
+++ b/Eager/elk-experiment/appserver/system_design.pptx
@@ -308,7 +308,7 @@
           <a:p>
             <a:fld id="{37D14F8C-9F46-2E42-9999-888BFBC492E3}" type="datetimeFigureOut">
               <a:rPr lang="en-US" smtClean="0"/>
-              <a:t>4/26/16</a:t>
+              <a:t>4/28/16</a:t>
             </a:fld>
             <a:endParaRPr lang="en-US"/>
           </a:p>
@@ -474,7 +474,7 @@
           <a:p>
             <a:fld id="{C6B377BD-EE2D-6A4D-8791-40EA342A78BF}" type="datetimeFigureOut">
               <a:rPr lang="en-US" smtClean="0"/>
-              <a:t>4/26/16</a:t>
+              <a:t>4/28/16</a:t>
             </a:fld>
             <a:endParaRPr lang="en-US"/>
           </a:p>
@@ -787,66 +787,11 @@
           <a:bodyPr/>
           <a:lstStyle/>
           <a:p>
-            <a:pPr marL="0" marR="0" indent="0" algn="l" defTabSz="457200" rtl="0" eaLnBrk="1" fontAlgn="auto" latinLnBrk="0" hangingPunct="1">
-              <a:lnSpc>
-                <a:spcPct val="100000"/>
-              </a:lnSpc>
-              <a:spcBef>
-                <a:spcPts val="0"/>
-              </a:spcBef>
-              <a:spcAft>
-                <a:spcPts val="0"/>
-              </a:spcAft>
-              <a:buClrTx/>
-              <a:buSzTx/>
-              <a:buFontTx/>
-              <a:buNone/>
-              <a:tabLst/>
-              <a:defRPr/>
-            </a:pPr>
-            <a:r>
-              <a:rPr lang="en-US" dirty="0" smtClean="0"/>
-              <a:t>Can we enforce design-time governance on web applications developed for a given cloud platform so as to ensure proper versioning, dependency management and conformance to other developer best practices, and also enforce run-time governance on them so as to automatically determine the expected runtime performance of the applications, detect SLA violations and detect performance anomalies and perform root cause analysis, with minimal developer intervention and no invasive instrumentation on the applications?</a:t>
-            </a:r>
-          </a:p>
-          <a:p>
-            <a:endParaRPr lang="en-US" dirty="0" smtClean="0"/>
-          </a:p>
-          <a:p>
-            <a:endParaRPr lang="en-US" dirty="0" smtClean="0"/>
-          </a:p>
-          <a:p>
+            <a:r>
+              <a:rPr lang="en-US" dirty="0" smtClean="0"/>
+              <a:t>Explain the utility model</a:t>
+            </a:r>
             <a:endParaRPr lang="en-US" dirty="0"/>
-          </a:p>
-          <a:p>
-            <a:r>
-              <a:rPr lang="en-US" dirty="0"/>
-              <a:t>----- Meeting Notes (4/14/16 14:44) -----</a:t>
-            </a:r>
-          </a:p>
-          <a:p>
-            <a:r>
-              <a:rPr lang="en-US" dirty="0"/>
-              <a:t>can we define and enforce efficient policies that govern administrative conformance, developer best practices, and performance objectives through automated analysis and diagnostics for cloud applications?</a:t>
-            </a:r>
-          </a:p>
-          <a:p>
-            <a:r>
-              <a:rPr lang="en-US" dirty="0"/>
-              <a:t>- governance</a:t>
-            </a:r>
-          </a:p>
-          <a:p>
-            <a:r>
-              <a:rPr lang="en-US" dirty="0"/>
-              <a:t>- automated</a:t>
-            </a:r>
-          </a:p>
-          <a:p>
-            <a:r>
-              <a:rPr lang="en-US" dirty="0"/>
-              <a:t>- efficient: non-invasive, simple, productivity enhancing</a:t>
-            </a:r>
           </a:p>
         </p:txBody>
       </p:sp>
@@ -867,7 +812,7 @@
           <a:p>
             <a:fld id="{6E605815-6331-9444-B06E-921213318926}" type="slidenum">
               <a:rPr lang="en-US" smtClean="0"/>
-              <a:t>8</a:t>
+              <a:t>2</a:t>
             </a:fld>
             <a:endParaRPr lang="en-US"/>
           </a:p>
@@ -876,7 +821,1068 @@
     </p:spTree>
     <p:extLst>
       <p:ext uri="{BB962C8B-B14F-4D97-AF65-F5344CB8AC3E}">
-        <p14:creationId xmlns:p14="http://schemas.microsoft.com/office/powerpoint/2010/main" val="801249288"/>
+        <p14:creationId xmlns:p14="http://schemas.microsoft.com/office/powerpoint/2010/main" val="4292821385"/>
+      </p:ext>
+    </p:extLst>
+  </p:cSld>
+  <p:clrMapOvr>
+    <a:masterClrMapping/>
+  </p:clrMapOvr>
+</p:notes>
+</file>
+
+<file path=ppt/notesSlides/notesSlide10.xml><?xml version="1.0" encoding="utf-8"?>
+<p:notes xmlns:a="http://schemas.openxmlformats.org/drawingml/2006/main" xmlns:r="http://schemas.openxmlformats.org/officeDocument/2006/relationships" xmlns:p="http://schemas.openxmlformats.org/presentationml/2006/main">
+  <p:cSld>
+    <p:spTree>
+      <p:nvGrpSpPr>
+        <p:cNvPr id="1" name=""/>
+        <p:cNvGrpSpPr/>
+        <p:nvPr/>
+      </p:nvGrpSpPr>
+      <p:grpSpPr>
+        <a:xfrm>
+          <a:off x="0" y="0"/>
+          <a:ext cx="0" cy="0"/>
+          <a:chOff x="0" y="0"/>
+          <a:chExt cx="0" cy="0"/>
+        </a:xfrm>
+      </p:grpSpPr>
+      <p:sp>
+        <p:nvSpPr>
+          <p:cNvPr id="2" name="Slide Image Placeholder 1"/>
+          <p:cNvSpPr>
+            <a:spLocks noGrp="1" noRot="1" noChangeAspect="1"/>
+          </p:cNvSpPr>
+          <p:nvPr>
+            <p:ph type="sldImg"/>
+          </p:nvPr>
+        </p:nvSpPr>
+        <p:spPr/>
+      </p:sp>
+      <p:sp>
+        <p:nvSpPr>
+          <p:cNvPr id="3" name="Notes Placeholder 2"/>
+          <p:cNvSpPr>
+            <a:spLocks noGrp="1"/>
+          </p:cNvSpPr>
+          <p:nvPr>
+            <p:ph type="body" idx="1"/>
+          </p:nvPr>
+        </p:nvSpPr>
+        <p:spPr/>
+        <p:txBody>
+          <a:bodyPr/>
+          <a:lstStyle/>
+          <a:p>
+            <a:r>
+              <a:rPr lang="en-US" dirty="0" smtClean="0"/>
+              <a:t>Why bounds? To form SLAs</a:t>
+            </a:r>
+          </a:p>
+          <a:p>
+            <a:endParaRPr lang="en-US" dirty="0"/>
+          </a:p>
+        </p:txBody>
+      </p:sp>
+      <p:sp>
+        <p:nvSpPr>
+          <p:cNvPr id="4" name="Slide Number Placeholder 3"/>
+          <p:cNvSpPr>
+            <a:spLocks noGrp="1"/>
+          </p:cNvSpPr>
+          <p:nvPr>
+            <p:ph type="sldNum" sz="quarter" idx="10"/>
+          </p:nvPr>
+        </p:nvSpPr>
+        <p:spPr/>
+        <p:txBody>
+          <a:bodyPr/>
+          <a:lstStyle/>
+          <a:p>
+            <a:fld id="{6E605815-6331-9444-B06E-921213318926}" type="slidenum">
+              <a:rPr lang="en-US" smtClean="0"/>
+              <a:t>17</a:t>
+            </a:fld>
+            <a:endParaRPr lang="en-US"/>
+          </a:p>
+        </p:txBody>
+      </p:sp>
+    </p:spTree>
+    <p:extLst>
+      <p:ext uri="{BB962C8B-B14F-4D97-AF65-F5344CB8AC3E}">
+        <p14:creationId xmlns:p14="http://schemas.microsoft.com/office/powerpoint/2010/main" val="800395983"/>
+      </p:ext>
+    </p:extLst>
+  </p:cSld>
+  <p:clrMapOvr>
+    <a:masterClrMapping/>
+  </p:clrMapOvr>
+</p:notes>
+</file>
+
+<file path=ppt/notesSlides/notesSlide11.xml><?xml version="1.0" encoding="utf-8"?>
+<p:notes xmlns:a="http://schemas.openxmlformats.org/drawingml/2006/main" xmlns:r="http://schemas.openxmlformats.org/officeDocument/2006/relationships" xmlns:p="http://schemas.openxmlformats.org/presentationml/2006/main">
+  <p:cSld>
+    <p:spTree>
+      <p:nvGrpSpPr>
+        <p:cNvPr id="1" name=""/>
+        <p:cNvGrpSpPr/>
+        <p:nvPr/>
+      </p:nvGrpSpPr>
+      <p:grpSpPr>
+        <a:xfrm>
+          <a:off x="0" y="0"/>
+          <a:ext cx="0" cy="0"/>
+          <a:chOff x="0" y="0"/>
+          <a:chExt cx="0" cy="0"/>
+        </a:xfrm>
+      </p:grpSpPr>
+      <p:sp>
+        <p:nvSpPr>
+          <p:cNvPr id="2" name="Slide Image Placeholder 1"/>
+          <p:cNvSpPr>
+            <a:spLocks noGrp="1" noRot="1" noChangeAspect="1"/>
+          </p:cNvSpPr>
+          <p:nvPr>
+            <p:ph type="sldImg"/>
+          </p:nvPr>
+        </p:nvSpPr>
+        <p:spPr/>
+      </p:sp>
+      <p:sp>
+        <p:nvSpPr>
+          <p:cNvPr id="3" name="Notes Placeholder 2"/>
+          <p:cNvSpPr>
+            <a:spLocks noGrp="1"/>
+          </p:cNvSpPr>
+          <p:nvPr>
+            <p:ph type="body" idx="1"/>
+          </p:nvPr>
+        </p:nvSpPr>
+        <p:spPr/>
+        <p:txBody>
+          <a:bodyPr/>
+          <a:lstStyle/>
+          <a:p>
+            <a:r>
+              <a:rPr lang="en-US" dirty="0" smtClean="0"/>
+              <a:t>Where’s the static analyzer running?</a:t>
+            </a:r>
+          </a:p>
+          <a:p>
+            <a:r>
+              <a:rPr lang="en-US" dirty="0" smtClean="0"/>
+              <a:t>Explain the intuition – apps spend most of their time</a:t>
+            </a:r>
+            <a:r>
+              <a:rPr lang="en-US" baseline="0" dirty="0" smtClean="0"/>
+              <a:t> on </a:t>
+            </a:r>
+            <a:r>
+              <a:rPr lang="en-US" baseline="0" dirty="0" err="1" smtClean="0"/>
+              <a:t>PaaS</a:t>
+            </a:r>
+            <a:r>
+              <a:rPr lang="en-US" baseline="0" dirty="0" smtClean="0"/>
+              <a:t> SDK</a:t>
+            </a:r>
+          </a:p>
+          <a:p>
+            <a:endParaRPr lang="en-US" dirty="0"/>
+          </a:p>
+        </p:txBody>
+      </p:sp>
+      <p:sp>
+        <p:nvSpPr>
+          <p:cNvPr id="4" name="Slide Number Placeholder 3"/>
+          <p:cNvSpPr>
+            <a:spLocks noGrp="1"/>
+          </p:cNvSpPr>
+          <p:nvPr>
+            <p:ph type="sldNum" sz="quarter" idx="10"/>
+          </p:nvPr>
+        </p:nvSpPr>
+        <p:spPr/>
+        <p:txBody>
+          <a:bodyPr/>
+          <a:lstStyle/>
+          <a:p>
+            <a:fld id="{6E605815-6331-9444-B06E-921213318926}" type="slidenum">
+              <a:rPr lang="en-US" smtClean="0"/>
+              <a:t>19</a:t>
+            </a:fld>
+            <a:endParaRPr lang="en-US"/>
+          </a:p>
+        </p:txBody>
+      </p:sp>
+    </p:spTree>
+    <p:extLst>
+      <p:ext uri="{BB962C8B-B14F-4D97-AF65-F5344CB8AC3E}">
+        <p14:creationId xmlns:p14="http://schemas.microsoft.com/office/powerpoint/2010/main" val="137340415"/>
+      </p:ext>
+    </p:extLst>
+  </p:cSld>
+  <p:clrMapOvr>
+    <a:masterClrMapping/>
+  </p:clrMapOvr>
+</p:notes>
+</file>
+
+<file path=ppt/notesSlides/notesSlide12.xml><?xml version="1.0" encoding="utf-8"?>
+<p:notes xmlns:a="http://schemas.openxmlformats.org/drawingml/2006/main" xmlns:r="http://schemas.openxmlformats.org/officeDocument/2006/relationships" xmlns:p="http://schemas.openxmlformats.org/presentationml/2006/main">
+  <p:cSld>
+    <p:spTree>
+      <p:nvGrpSpPr>
+        <p:cNvPr id="1" name=""/>
+        <p:cNvGrpSpPr/>
+        <p:nvPr/>
+      </p:nvGrpSpPr>
+      <p:grpSpPr>
+        <a:xfrm>
+          <a:off x="0" y="0"/>
+          <a:ext cx="0" cy="0"/>
+          <a:chOff x="0" y="0"/>
+          <a:chExt cx="0" cy="0"/>
+        </a:xfrm>
+      </p:grpSpPr>
+      <p:sp>
+        <p:nvSpPr>
+          <p:cNvPr id="2" name="Slide Image Placeholder 1"/>
+          <p:cNvSpPr>
+            <a:spLocks noGrp="1" noRot="1" noChangeAspect="1"/>
+          </p:cNvSpPr>
+          <p:nvPr>
+            <p:ph type="sldImg"/>
+          </p:nvPr>
+        </p:nvSpPr>
+        <p:spPr/>
+      </p:sp>
+      <p:sp>
+        <p:nvSpPr>
+          <p:cNvPr id="3" name="Notes Placeholder 2"/>
+          <p:cNvSpPr>
+            <a:spLocks noGrp="1"/>
+          </p:cNvSpPr>
+          <p:nvPr>
+            <p:ph type="body" idx="1"/>
+          </p:nvPr>
+        </p:nvSpPr>
+        <p:spPr/>
+        <p:txBody>
+          <a:bodyPr/>
+          <a:lstStyle/>
+          <a:p>
+            <a:r>
+              <a:rPr lang="en-US" dirty="0" smtClean="0"/>
+              <a:t>94.6 rounds to 95</a:t>
+            </a:r>
+            <a:endParaRPr lang="en-US" dirty="0"/>
+          </a:p>
+        </p:txBody>
+      </p:sp>
+      <p:sp>
+        <p:nvSpPr>
+          <p:cNvPr id="4" name="Slide Number Placeholder 3"/>
+          <p:cNvSpPr>
+            <a:spLocks noGrp="1"/>
+          </p:cNvSpPr>
+          <p:nvPr>
+            <p:ph type="sldNum" sz="quarter" idx="10"/>
+          </p:nvPr>
+        </p:nvSpPr>
+        <p:spPr/>
+        <p:txBody>
+          <a:bodyPr/>
+          <a:lstStyle/>
+          <a:p>
+            <a:fld id="{6E605815-6331-9444-B06E-921213318926}" type="slidenum">
+              <a:rPr lang="en-US" smtClean="0"/>
+              <a:t>21</a:t>
+            </a:fld>
+            <a:endParaRPr lang="en-US"/>
+          </a:p>
+        </p:txBody>
+      </p:sp>
+    </p:spTree>
+    <p:extLst>
+      <p:ext uri="{BB962C8B-B14F-4D97-AF65-F5344CB8AC3E}">
+        <p14:creationId xmlns:p14="http://schemas.microsoft.com/office/powerpoint/2010/main" val="2117320294"/>
+      </p:ext>
+    </p:extLst>
+  </p:cSld>
+  <p:clrMapOvr>
+    <a:masterClrMapping/>
+  </p:clrMapOvr>
+</p:notes>
+</file>
+
+<file path=ppt/notesSlides/notesSlide13.xml><?xml version="1.0" encoding="utf-8"?>
+<p:notes xmlns:a="http://schemas.openxmlformats.org/drawingml/2006/main" xmlns:r="http://schemas.openxmlformats.org/officeDocument/2006/relationships" xmlns:p="http://schemas.openxmlformats.org/presentationml/2006/main">
+  <p:cSld>
+    <p:spTree>
+      <p:nvGrpSpPr>
+        <p:cNvPr id="1" name=""/>
+        <p:cNvGrpSpPr/>
+        <p:nvPr/>
+      </p:nvGrpSpPr>
+      <p:grpSpPr>
+        <a:xfrm>
+          <a:off x="0" y="0"/>
+          <a:ext cx="0" cy="0"/>
+          <a:chOff x="0" y="0"/>
+          <a:chExt cx="0" cy="0"/>
+        </a:xfrm>
+      </p:grpSpPr>
+      <p:sp>
+        <p:nvSpPr>
+          <p:cNvPr id="2" name="Slide Image Placeholder 1"/>
+          <p:cNvSpPr>
+            <a:spLocks noGrp="1" noRot="1" noChangeAspect="1"/>
+          </p:cNvSpPr>
+          <p:nvPr>
+            <p:ph type="sldImg"/>
+          </p:nvPr>
+        </p:nvSpPr>
+        <p:spPr/>
+      </p:sp>
+      <p:sp>
+        <p:nvSpPr>
+          <p:cNvPr id="3" name="Notes Placeholder 2"/>
+          <p:cNvSpPr>
+            <a:spLocks noGrp="1"/>
+          </p:cNvSpPr>
+          <p:nvPr>
+            <p:ph type="body" idx="1"/>
+          </p:nvPr>
+        </p:nvSpPr>
+        <p:spPr/>
+        <p:txBody>
+          <a:bodyPr/>
+          <a:lstStyle/>
+          <a:p>
+            <a:r>
+              <a:rPr lang="en-US" dirty="0" smtClean="0"/>
+              <a:t>Durability test ran for 3 months</a:t>
+            </a:r>
+          </a:p>
+          <a:p>
+            <a:r>
+              <a:rPr lang="en-US" dirty="0" smtClean="0"/>
+              <a:t>Remove</a:t>
+            </a:r>
+            <a:r>
+              <a:rPr lang="en-US" baseline="0" dirty="0" smtClean="0"/>
+              <a:t> the 2 week history point</a:t>
+            </a:r>
+            <a:endParaRPr lang="en-US" dirty="0" smtClean="0"/>
+          </a:p>
+        </p:txBody>
+      </p:sp>
+      <p:sp>
+        <p:nvSpPr>
+          <p:cNvPr id="4" name="Slide Number Placeholder 3"/>
+          <p:cNvSpPr>
+            <a:spLocks noGrp="1"/>
+          </p:cNvSpPr>
+          <p:nvPr>
+            <p:ph type="sldNum" sz="quarter" idx="10"/>
+          </p:nvPr>
+        </p:nvSpPr>
+        <p:spPr/>
+        <p:txBody>
+          <a:bodyPr/>
+          <a:lstStyle/>
+          <a:p>
+            <a:fld id="{6E605815-6331-9444-B06E-921213318926}" type="slidenum">
+              <a:rPr lang="en-US" smtClean="0"/>
+              <a:t>22</a:t>
+            </a:fld>
+            <a:endParaRPr lang="en-US"/>
+          </a:p>
+        </p:txBody>
+      </p:sp>
+    </p:spTree>
+    <p:extLst>
+      <p:ext uri="{BB962C8B-B14F-4D97-AF65-F5344CB8AC3E}">
+        <p14:creationId xmlns:p14="http://schemas.microsoft.com/office/powerpoint/2010/main" val="3877329376"/>
+      </p:ext>
+    </p:extLst>
+  </p:cSld>
+  <p:clrMapOvr>
+    <a:masterClrMapping/>
+  </p:clrMapOvr>
+</p:notes>
+</file>
+
+<file path=ppt/notesSlides/notesSlide14.xml><?xml version="1.0" encoding="utf-8"?>
+<p:notes xmlns:a="http://schemas.openxmlformats.org/drawingml/2006/main" xmlns:r="http://schemas.openxmlformats.org/officeDocument/2006/relationships" xmlns:p="http://schemas.openxmlformats.org/presentationml/2006/main">
+  <p:cSld>
+    <p:spTree>
+      <p:nvGrpSpPr>
+        <p:cNvPr id="1" name=""/>
+        <p:cNvGrpSpPr/>
+        <p:nvPr/>
+      </p:nvGrpSpPr>
+      <p:grpSpPr>
+        <a:xfrm>
+          <a:off x="0" y="0"/>
+          <a:ext cx="0" cy="0"/>
+          <a:chOff x="0" y="0"/>
+          <a:chExt cx="0" cy="0"/>
+        </a:xfrm>
+      </p:grpSpPr>
+      <p:sp>
+        <p:nvSpPr>
+          <p:cNvPr id="2" name="Slide Image Placeholder 1"/>
+          <p:cNvSpPr>
+            <a:spLocks noGrp="1" noRot="1" noChangeAspect="1"/>
+          </p:cNvSpPr>
+          <p:nvPr>
+            <p:ph type="sldImg"/>
+          </p:nvPr>
+        </p:nvSpPr>
+        <p:spPr/>
+      </p:sp>
+      <p:sp>
+        <p:nvSpPr>
+          <p:cNvPr id="3" name="Notes Placeholder 2"/>
+          <p:cNvSpPr>
+            <a:spLocks noGrp="1"/>
+          </p:cNvSpPr>
+          <p:nvPr>
+            <p:ph type="body" idx="1"/>
+          </p:nvPr>
+        </p:nvSpPr>
+        <p:spPr/>
+        <p:txBody>
+          <a:bodyPr/>
+          <a:lstStyle/>
+          <a:p>
+            <a:r>
+              <a:rPr lang="en-US" dirty="0" smtClean="0"/>
+              <a:t>Correlated instead</a:t>
+            </a:r>
+            <a:r>
+              <a:rPr lang="en-US" baseline="0" dirty="0" smtClean="0"/>
+              <a:t> of explained by</a:t>
+            </a:r>
+          </a:p>
+          <a:p>
+            <a:r>
+              <a:rPr lang="en-US" baseline="0" dirty="0" smtClean="0"/>
+              <a:t>Use an action sequence diagram</a:t>
+            </a:r>
+            <a:endParaRPr lang="en-US" dirty="0"/>
+          </a:p>
+        </p:txBody>
+      </p:sp>
+      <p:sp>
+        <p:nvSpPr>
+          <p:cNvPr id="4" name="Slide Number Placeholder 3"/>
+          <p:cNvSpPr>
+            <a:spLocks noGrp="1"/>
+          </p:cNvSpPr>
+          <p:nvPr>
+            <p:ph type="sldNum" sz="quarter" idx="10"/>
+          </p:nvPr>
+        </p:nvSpPr>
+        <p:spPr/>
+        <p:txBody>
+          <a:bodyPr/>
+          <a:lstStyle/>
+          <a:p>
+            <a:fld id="{6E605815-6331-9444-B06E-921213318926}" type="slidenum">
+              <a:rPr lang="en-US" smtClean="0"/>
+              <a:t>23</a:t>
+            </a:fld>
+            <a:endParaRPr lang="en-US"/>
+          </a:p>
+        </p:txBody>
+      </p:sp>
+    </p:spTree>
+    <p:extLst>
+      <p:ext uri="{BB962C8B-B14F-4D97-AF65-F5344CB8AC3E}">
+        <p14:creationId xmlns:p14="http://schemas.microsoft.com/office/powerpoint/2010/main" val="577673501"/>
+      </p:ext>
+    </p:extLst>
+  </p:cSld>
+  <p:clrMapOvr>
+    <a:masterClrMapping/>
+  </p:clrMapOvr>
+</p:notes>
+</file>
+
+<file path=ppt/notesSlides/notesSlide15.xml><?xml version="1.0" encoding="utf-8"?>
+<p:notes xmlns:a="http://schemas.openxmlformats.org/drawingml/2006/main" xmlns:r="http://schemas.openxmlformats.org/officeDocument/2006/relationships" xmlns:p="http://schemas.openxmlformats.org/presentationml/2006/main">
+  <p:cSld>
+    <p:spTree>
+      <p:nvGrpSpPr>
+        <p:cNvPr id="1" name=""/>
+        <p:cNvGrpSpPr/>
+        <p:nvPr/>
+      </p:nvGrpSpPr>
+      <p:grpSpPr>
+        <a:xfrm>
+          <a:off x="0" y="0"/>
+          <a:ext cx="0" cy="0"/>
+          <a:chOff x="0" y="0"/>
+          <a:chExt cx="0" cy="0"/>
+        </a:xfrm>
+      </p:grpSpPr>
+      <p:sp>
+        <p:nvSpPr>
+          <p:cNvPr id="2" name="Slide Image Placeholder 1"/>
+          <p:cNvSpPr>
+            <a:spLocks noGrp="1" noRot="1" noChangeAspect="1"/>
+          </p:cNvSpPr>
+          <p:nvPr>
+            <p:ph type="sldImg"/>
+          </p:nvPr>
+        </p:nvSpPr>
+        <p:spPr/>
+      </p:sp>
+      <p:sp>
+        <p:nvSpPr>
+          <p:cNvPr id="3" name="Notes Placeholder 2"/>
+          <p:cNvSpPr>
+            <a:spLocks noGrp="1"/>
+          </p:cNvSpPr>
+          <p:nvPr>
+            <p:ph type="body" idx="1"/>
+          </p:nvPr>
+        </p:nvSpPr>
+        <p:spPr/>
+        <p:txBody>
+          <a:bodyPr/>
+          <a:lstStyle/>
+          <a:p>
+            <a:r>
+              <a:rPr lang="en-US" dirty="0" smtClean="0"/>
+              <a:t>Use existing tools/methods</a:t>
+            </a:r>
+          </a:p>
+          <a:p>
+            <a:r>
+              <a:rPr lang="en-US" dirty="0" smtClean="0"/>
+              <a:t>Implement</a:t>
+            </a:r>
+            <a:r>
+              <a:rPr lang="en-US" baseline="0" dirty="0" smtClean="0"/>
+              <a:t> a framework that allows using different methods and test them</a:t>
+            </a:r>
+            <a:endParaRPr lang="en-US" dirty="0"/>
+          </a:p>
+        </p:txBody>
+      </p:sp>
+      <p:sp>
+        <p:nvSpPr>
+          <p:cNvPr id="4" name="Slide Number Placeholder 3"/>
+          <p:cNvSpPr>
+            <a:spLocks noGrp="1"/>
+          </p:cNvSpPr>
+          <p:nvPr>
+            <p:ph type="sldNum" sz="quarter" idx="10"/>
+          </p:nvPr>
+        </p:nvSpPr>
+        <p:spPr/>
+        <p:txBody>
+          <a:bodyPr/>
+          <a:lstStyle/>
+          <a:p>
+            <a:fld id="{6E605815-6331-9444-B06E-921213318926}" type="slidenum">
+              <a:rPr lang="en-US" smtClean="0"/>
+              <a:t>24</a:t>
+            </a:fld>
+            <a:endParaRPr lang="en-US"/>
+          </a:p>
+        </p:txBody>
+      </p:sp>
+    </p:spTree>
+    <p:extLst>
+      <p:ext uri="{BB962C8B-B14F-4D97-AF65-F5344CB8AC3E}">
+        <p14:creationId xmlns:p14="http://schemas.microsoft.com/office/powerpoint/2010/main" val="3458402424"/>
+      </p:ext>
+    </p:extLst>
+  </p:cSld>
+  <p:clrMapOvr>
+    <a:masterClrMapping/>
+  </p:clrMapOvr>
+</p:notes>
+</file>
+
+<file path=ppt/notesSlides/notesSlide16.xml><?xml version="1.0" encoding="utf-8"?>
+<p:notes xmlns:a="http://schemas.openxmlformats.org/drawingml/2006/main" xmlns:r="http://schemas.openxmlformats.org/officeDocument/2006/relationships" xmlns:p="http://schemas.openxmlformats.org/presentationml/2006/main">
+  <p:cSld>
+    <p:spTree>
+      <p:nvGrpSpPr>
+        <p:cNvPr id="1" name=""/>
+        <p:cNvGrpSpPr/>
+        <p:nvPr/>
+      </p:nvGrpSpPr>
+      <p:grpSpPr>
+        <a:xfrm>
+          <a:off x="0" y="0"/>
+          <a:ext cx="0" cy="0"/>
+          <a:chOff x="0" y="0"/>
+          <a:chExt cx="0" cy="0"/>
+        </a:xfrm>
+      </p:grpSpPr>
+      <p:sp>
+        <p:nvSpPr>
+          <p:cNvPr id="2" name="Slide Image Placeholder 1"/>
+          <p:cNvSpPr>
+            <a:spLocks noGrp="1" noRot="1" noChangeAspect="1"/>
+          </p:cNvSpPr>
+          <p:nvPr>
+            <p:ph type="sldImg"/>
+          </p:nvPr>
+        </p:nvSpPr>
+        <p:spPr/>
+      </p:sp>
+      <p:sp>
+        <p:nvSpPr>
+          <p:cNvPr id="3" name="Notes Placeholder 2"/>
+          <p:cNvSpPr>
+            <a:spLocks noGrp="1"/>
+          </p:cNvSpPr>
+          <p:nvPr>
+            <p:ph type="body" idx="1"/>
+          </p:nvPr>
+        </p:nvSpPr>
+        <p:spPr/>
+        <p:txBody>
+          <a:bodyPr/>
+          <a:lstStyle/>
+          <a:p>
+            <a:r>
+              <a:rPr lang="en-US" dirty="0" smtClean="0"/>
+              <a:t>Without application instrumentation</a:t>
+            </a:r>
+          </a:p>
+          <a:p>
+            <a:r>
+              <a:rPr lang="en-US" dirty="0" smtClean="0"/>
+              <a:t>Sequences instead of paths</a:t>
+            </a:r>
+          </a:p>
+          <a:p>
+            <a:r>
+              <a:rPr lang="en-US" dirty="0" smtClean="0"/>
+              <a:t>Call sequences</a:t>
+            </a:r>
+            <a:endParaRPr lang="en-US" dirty="0"/>
+          </a:p>
+        </p:txBody>
+      </p:sp>
+      <p:sp>
+        <p:nvSpPr>
+          <p:cNvPr id="4" name="Slide Number Placeholder 3"/>
+          <p:cNvSpPr>
+            <a:spLocks noGrp="1"/>
+          </p:cNvSpPr>
+          <p:nvPr>
+            <p:ph type="sldNum" sz="quarter" idx="10"/>
+          </p:nvPr>
+        </p:nvSpPr>
+        <p:spPr/>
+        <p:txBody>
+          <a:bodyPr/>
+          <a:lstStyle/>
+          <a:p>
+            <a:fld id="{6E605815-6331-9444-B06E-921213318926}" type="slidenum">
+              <a:rPr lang="en-US" smtClean="0"/>
+              <a:t>28</a:t>
+            </a:fld>
+            <a:endParaRPr lang="en-US"/>
+          </a:p>
+        </p:txBody>
+      </p:sp>
+    </p:spTree>
+    <p:extLst>
+      <p:ext uri="{BB962C8B-B14F-4D97-AF65-F5344CB8AC3E}">
+        <p14:creationId xmlns:p14="http://schemas.microsoft.com/office/powerpoint/2010/main" val="3355842071"/>
+      </p:ext>
+    </p:extLst>
+  </p:cSld>
+  <p:clrMapOvr>
+    <a:masterClrMapping/>
+  </p:clrMapOvr>
+</p:notes>
+</file>
+
+<file path=ppt/notesSlides/notesSlide17.xml><?xml version="1.0" encoding="utf-8"?>
+<p:notes xmlns:a="http://schemas.openxmlformats.org/drawingml/2006/main" xmlns:r="http://schemas.openxmlformats.org/officeDocument/2006/relationships" xmlns:p="http://schemas.openxmlformats.org/presentationml/2006/main">
+  <p:cSld>
+    <p:spTree>
+      <p:nvGrpSpPr>
+        <p:cNvPr id="1" name=""/>
+        <p:cNvGrpSpPr/>
+        <p:nvPr/>
+      </p:nvGrpSpPr>
+      <p:grpSpPr>
+        <a:xfrm>
+          <a:off x="0" y="0"/>
+          <a:ext cx="0" cy="0"/>
+          <a:chOff x="0" y="0"/>
+          <a:chExt cx="0" cy="0"/>
+        </a:xfrm>
+      </p:grpSpPr>
+      <p:sp>
+        <p:nvSpPr>
+          <p:cNvPr id="2" name="Slide Image Placeholder 1"/>
+          <p:cNvSpPr>
+            <a:spLocks noGrp="1" noRot="1" noChangeAspect="1"/>
+          </p:cNvSpPr>
+          <p:nvPr>
+            <p:ph type="sldImg"/>
+          </p:nvPr>
+        </p:nvSpPr>
+        <p:spPr/>
+      </p:sp>
+      <p:sp>
+        <p:nvSpPr>
+          <p:cNvPr id="3" name="Notes Placeholder 2"/>
+          <p:cNvSpPr>
+            <a:spLocks noGrp="1"/>
+          </p:cNvSpPr>
+          <p:nvPr>
+            <p:ph type="body" idx="1"/>
+          </p:nvPr>
+        </p:nvSpPr>
+        <p:spPr/>
+        <p:txBody>
+          <a:bodyPr/>
+          <a:lstStyle/>
+          <a:p>
+            <a:r>
+              <a:rPr lang="en-US" dirty="0" smtClean="0"/>
+              <a:t>Use a detailed</a:t>
+            </a:r>
+            <a:r>
+              <a:rPr lang="en-US" baseline="0" dirty="0" smtClean="0"/>
+              <a:t> code diagram</a:t>
+            </a:r>
+            <a:endParaRPr lang="en-US" dirty="0"/>
+          </a:p>
+        </p:txBody>
+      </p:sp>
+      <p:sp>
+        <p:nvSpPr>
+          <p:cNvPr id="4" name="Slide Number Placeholder 3"/>
+          <p:cNvSpPr>
+            <a:spLocks noGrp="1"/>
+          </p:cNvSpPr>
+          <p:nvPr>
+            <p:ph type="sldNum" sz="quarter" idx="10"/>
+          </p:nvPr>
+        </p:nvSpPr>
+        <p:spPr/>
+        <p:txBody>
+          <a:bodyPr/>
+          <a:lstStyle/>
+          <a:p>
+            <a:fld id="{6E605815-6331-9444-B06E-921213318926}" type="slidenum">
+              <a:rPr lang="en-US" smtClean="0"/>
+              <a:t>29</a:t>
+            </a:fld>
+            <a:endParaRPr lang="en-US"/>
+          </a:p>
+        </p:txBody>
+      </p:sp>
+    </p:spTree>
+    <p:extLst>
+      <p:ext uri="{BB962C8B-B14F-4D97-AF65-F5344CB8AC3E}">
+        <p14:creationId xmlns:p14="http://schemas.microsoft.com/office/powerpoint/2010/main" val="640735186"/>
+      </p:ext>
+    </p:extLst>
+  </p:cSld>
+  <p:clrMapOvr>
+    <a:masterClrMapping/>
+  </p:clrMapOvr>
+</p:notes>
+</file>
+
+<file path=ppt/notesSlides/notesSlide18.xml><?xml version="1.0" encoding="utf-8"?>
+<p:notes xmlns:a="http://schemas.openxmlformats.org/drawingml/2006/main" xmlns:r="http://schemas.openxmlformats.org/officeDocument/2006/relationships" xmlns:p="http://schemas.openxmlformats.org/presentationml/2006/main">
+  <p:cSld>
+    <p:spTree>
+      <p:nvGrpSpPr>
+        <p:cNvPr id="1" name=""/>
+        <p:cNvGrpSpPr/>
+        <p:nvPr/>
+      </p:nvGrpSpPr>
+      <p:grpSpPr>
+        <a:xfrm>
+          <a:off x="0" y="0"/>
+          <a:ext cx="0" cy="0"/>
+          <a:chOff x="0" y="0"/>
+          <a:chExt cx="0" cy="0"/>
+        </a:xfrm>
+      </p:grpSpPr>
+      <p:sp>
+        <p:nvSpPr>
+          <p:cNvPr id="2" name="Slide Image Placeholder 1"/>
+          <p:cNvSpPr>
+            <a:spLocks noGrp="1" noRot="1" noChangeAspect="1"/>
+          </p:cNvSpPr>
+          <p:nvPr>
+            <p:ph type="sldImg"/>
+          </p:nvPr>
+        </p:nvSpPr>
+        <p:spPr/>
+      </p:sp>
+      <p:sp>
+        <p:nvSpPr>
+          <p:cNvPr id="3" name="Notes Placeholder 2"/>
+          <p:cNvSpPr>
+            <a:spLocks noGrp="1"/>
+          </p:cNvSpPr>
+          <p:nvPr>
+            <p:ph type="body" idx="1"/>
+          </p:nvPr>
+        </p:nvSpPr>
+        <p:spPr/>
+        <p:txBody>
+          <a:bodyPr/>
+          <a:lstStyle/>
+          <a:p>
+            <a:r>
+              <a:rPr lang="en-US" dirty="0" smtClean="0"/>
+              <a:t>Explain</a:t>
+            </a:r>
+            <a:r>
+              <a:rPr lang="en-US" baseline="0" dirty="0" smtClean="0"/>
+              <a:t> my contributions</a:t>
+            </a:r>
+          </a:p>
+          <a:p>
+            <a:pPr marL="171450" indent="-171450">
+              <a:buFontTx/>
+              <a:buChar char="-"/>
+            </a:pPr>
+            <a:r>
+              <a:rPr lang="en-US" baseline="0" dirty="0" smtClean="0"/>
+              <a:t>Deployment time governance, scalable</a:t>
+            </a:r>
+          </a:p>
+          <a:p>
+            <a:pPr marL="171450" indent="-171450">
+              <a:buFontTx/>
+              <a:buChar char="-"/>
+            </a:pPr>
+            <a:r>
+              <a:rPr lang="en-US" baseline="0" dirty="0" smtClean="0"/>
+              <a:t>Correct, tight SLAs without any testing or instrumentation</a:t>
+            </a:r>
+          </a:p>
+          <a:p>
+            <a:pPr marL="171450" indent="-171450">
+              <a:buFontTx/>
+              <a:buChar char="-"/>
+            </a:pPr>
+            <a:endParaRPr lang="en-US" baseline="0" dirty="0" smtClean="0"/>
+          </a:p>
+          <a:p>
+            <a:pPr marL="171450" indent="-171450">
+              <a:buFontTx/>
+              <a:buChar char="-"/>
+            </a:pPr>
+            <a:endParaRPr lang="en-US" dirty="0" smtClean="0"/>
+          </a:p>
+          <a:p>
+            <a:pPr marL="171450" indent="-171450">
+              <a:buFontTx/>
+              <a:buChar char="-"/>
+            </a:pPr>
+            <a:r>
+              <a:rPr lang="en-US" dirty="0" smtClean="0"/>
+              <a:t>Methodology for formulating</a:t>
+            </a:r>
+            <a:r>
+              <a:rPr lang="is-IS" dirty="0" smtClean="0"/>
+              <a:t>…</a:t>
+            </a:r>
+          </a:p>
+          <a:p>
+            <a:pPr marL="171450" indent="-171450">
+              <a:buFontTx/>
+              <a:buChar char="-"/>
+            </a:pPr>
+            <a:r>
+              <a:rPr lang="is-IS" smtClean="0"/>
+              <a:t>Frmaework for scalable cloud app....</a:t>
+            </a:r>
+            <a:endParaRPr lang="en-US" dirty="0"/>
+          </a:p>
+          <a:p>
+            <a:r>
+              <a:rPr lang="en-US" dirty="0"/>
+              <a:t>----- Meeting Notes (4/14/16 14:44) -----</a:t>
+            </a:r>
+          </a:p>
+          <a:p>
+            <a:r>
+              <a:rPr lang="en-US" dirty="0"/>
+              <a:t>3 chapter intros for EAGER, </a:t>
+            </a:r>
+            <a:r>
+              <a:rPr lang="en-US" dirty="0" err="1"/>
+              <a:t>Cerebro</a:t>
+            </a:r>
+            <a:r>
+              <a:rPr lang="en-US" dirty="0"/>
+              <a:t>, Roots</a:t>
+            </a:r>
+          </a:p>
+          <a:p>
+            <a:endParaRPr lang="en-US" dirty="0"/>
+          </a:p>
+          <a:p>
+            <a:r>
+              <a:rPr lang="en-US" dirty="0"/>
+              <a:t>My thesis will....</a:t>
+            </a:r>
+          </a:p>
+          <a:p>
+            <a:endParaRPr lang="en-US" dirty="0"/>
+          </a:p>
+          <a:p>
+            <a:r>
+              <a:rPr lang="en-US" dirty="0"/>
+              <a:t>Add timeline</a:t>
+            </a:r>
+          </a:p>
+          <a:p>
+            <a:endParaRPr lang="en-US" dirty="0"/>
+          </a:p>
+          <a:p>
+            <a:r>
+              <a:rPr lang="en-US" dirty="0"/>
+              <a:t>Related work</a:t>
+            </a:r>
+          </a:p>
+        </p:txBody>
+      </p:sp>
+      <p:sp>
+        <p:nvSpPr>
+          <p:cNvPr id="4" name="Slide Number Placeholder 3"/>
+          <p:cNvSpPr>
+            <a:spLocks noGrp="1"/>
+          </p:cNvSpPr>
+          <p:nvPr>
+            <p:ph type="sldNum" sz="quarter" idx="10"/>
+          </p:nvPr>
+        </p:nvSpPr>
+        <p:spPr/>
+        <p:txBody>
+          <a:bodyPr/>
+          <a:lstStyle/>
+          <a:p>
+            <a:fld id="{6E605815-6331-9444-B06E-921213318926}" type="slidenum">
+              <a:rPr lang="en-US" smtClean="0"/>
+              <a:t>30</a:t>
+            </a:fld>
+            <a:endParaRPr lang="en-US"/>
+          </a:p>
+        </p:txBody>
+      </p:sp>
+    </p:spTree>
+    <p:extLst>
+      <p:ext uri="{BB962C8B-B14F-4D97-AF65-F5344CB8AC3E}">
+        <p14:creationId xmlns:p14="http://schemas.microsoft.com/office/powerpoint/2010/main" val="3675898073"/>
+      </p:ext>
+    </p:extLst>
+  </p:cSld>
+  <p:clrMapOvr>
+    <a:masterClrMapping/>
+  </p:clrMapOvr>
+</p:notes>
+</file>
+
+<file path=ppt/notesSlides/notesSlide19.xml><?xml version="1.0" encoding="utf-8"?>
+<p:notes xmlns:a="http://schemas.openxmlformats.org/drawingml/2006/main" xmlns:r="http://schemas.openxmlformats.org/officeDocument/2006/relationships" xmlns:p="http://schemas.openxmlformats.org/presentationml/2006/main">
+  <p:cSld>
+    <p:spTree>
+      <p:nvGrpSpPr>
+        <p:cNvPr id="1" name=""/>
+        <p:cNvGrpSpPr/>
+        <p:nvPr/>
+      </p:nvGrpSpPr>
+      <p:grpSpPr>
+        <a:xfrm>
+          <a:off x="0" y="0"/>
+          <a:ext cx="0" cy="0"/>
+          <a:chOff x="0" y="0"/>
+          <a:chExt cx="0" cy="0"/>
+        </a:xfrm>
+      </p:grpSpPr>
+      <p:sp>
+        <p:nvSpPr>
+          <p:cNvPr id="2" name="Slide Image Placeholder 1"/>
+          <p:cNvSpPr>
+            <a:spLocks noGrp="1" noRot="1" noChangeAspect="1"/>
+          </p:cNvSpPr>
+          <p:nvPr>
+            <p:ph type="sldImg"/>
+          </p:nvPr>
+        </p:nvSpPr>
+        <p:spPr/>
+      </p:sp>
+      <p:sp>
+        <p:nvSpPr>
+          <p:cNvPr id="3" name="Notes Placeholder 2"/>
+          <p:cNvSpPr>
+            <a:spLocks noGrp="1"/>
+          </p:cNvSpPr>
+          <p:nvPr>
+            <p:ph type="body" idx="1"/>
+          </p:nvPr>
+        </p:nvSpPr>
+        <p:spPr/>
+        <p:txBody>
+          <a:bodyPr/>
+          <a:lstStyle/>
+          <a:p>
+            <a:r>
+              <a:rPr lang="en-US" dirty="0" smtClean="0"/>
+              <a:t>Outlier at t</a:t>
+            </a:r>
+            <a:r>
+              <a:rPr lang="en-US" baseline="0" dirty="0" smtClean="0"/>
+              <a:t> = 101 detected as a Level Shift (LS).</a:t>
+            </a:r>
+            <a:endParaRPr lang="en-US" dirty="0"/>
+          </a:p>
+        </p:txBody>
+      </p:sp>
+      <p:sp>
+        <p:nvSpPr>
+          <p:cNvPr id="4" name="Slide Number Placeholder 3"/>
+          <p:cNvSpPr>
+            <a:spLocks noGrp="1"/>
+          </p:cNvSpPr>
+          <p:nvPr>
+            <p:ph type="sldNum" sz="quarter" idx="10"/>
+          </p:nvPr>
+        </p:nvSpPr>
+        <p:spPr/>
+        <p:txBody>
+          <a:bodyPr/>
+          <a:lstStyle/>
+          <a:p>
+            <a:fld id="{F7278AEC-EE64-7842-B08E-D93D33560D10}" type="slidenum">
+              <a:rPr lang="en-US" smtClean="0"/>
+              <a:t>49</a:t>
+            </a:fld>
+            <a:endParaRPr lang="en-US"/>
+          </a:p>
+        </p:txBody>
+      </p:sp>
+    </p:spTree>
+    <p:extLst>
+      <p:ext uri="{BB962C8B-B14F-4D97-AF65-F5344CB8AC3E}">
+        <p14:creationId xmlns:p14="http://schemas.microsoft.com/office/powerpoint/2010/main" val="3404154749"/>
       </p:ext>
     </p:extLst>
   </p:cSld>
@@ -930,46 +1936,23 @@
           <a:bodyPr/>
           <a:lstStyle/>
           <a:p>
-            <a:endParaRPr lang="en-US"/>
-          </a:p>
-          <a:p>
-            <a:r>
-              <a:rPr lang="en-US"/>
-              <a:t>----- Meeting Notes (4/14/16 14:44) -----</a:t>
-            </a:r>
-          </a:p>
-          <a:p>
-            <a:r>
-              <a:rPr lang="en-US"/>
-              <a:t>3 chapter intros for EAGER, Cerebro, Roots</a:t>
-            </a:r>
-          </a:p>
-          <a:p>
-            <a:endParaRPr lang="en-US"/>
-          </a:p>
-          <a:p>
-            <a:r>
-              <a:rPr lang="en-US"/>
-              <a:t>My thesis will....</a:t>
-            </a:r>
-          </a:p>
-          <a:p>
-            <a:endParaRPr lang="en-US"/>
-          </a:p>
-          <a:p>
-            <a:r>
-              <a:rPr lang="en-US"/>
-              <a:t>Add timeline</a:t>
-            </a:r>
-          </a:p>
-          <a:p>
-            <a:endParaRPr lang="en-US"/>
-          </a:p>
-          <a:p>
-            <a:r>
-              <a:rPr lang="en-US"/>
-              <a:t>Related work</a:t>
-            </a:r>
+            <a:r>
+              <a:rPr lang="en-US" dirty="0" smtClean="0"/>
+              <a:t>Define SLAs and SLOs</a:t>
+            </a:r>
+          </a:p>
+          <a:p>
+            <a:r>
+              <a:rPr lang="en-US" dirty="0" smtClean="0"/>
+              <a:t>Why we need to “reason” about performance? To form SLAs</a:t>
+            </a:r>
+          </a:p>
+          <a:p>
+            <a:r>
+              <a:rPr lang="en-US" dirty="0" smtClean="0"/>
+              <a:t>Remove picture</a:t>
+            </a:r>
+            <a:endParaRPr lang="en-US" dirty="0"/>
           </a:p>
         </p:txBody>
       </p:sp>
@@ -990,7 +1973,7 @@
           <a:p>
             <a:fld id="{6E605815-6331-9444-B06E-921213318926}" type="slidenum">
               <a:rPr lang="en-US" smtClean="0"/>
-              <a:t>30</a:t>
+              <a:t>5</a:t>
             </a:fld>
             <a:endParaRPr lang="en-US"/>
           </a:p>
@@ -999,7 +1982,7 @@
     </p:spTree>
     <p:extLst>
       <p:ext uri="{BB962C8B-B14F-4D97-AF65-F5344CB8AC3E}">
-        <p14:creationId xmlns:p14="http://schemas.microsoft.com/office/powerpoint/2010/main" val="3675898073"/>
+        <p14:creationId xmlns:p14="http://schemas.microsoft.com/office/powerpoint/2010/main" val="830382234"/>
       </p:ext>
     </p:extLst>
   </p:cSld>
@@ -1053,16 +2036,67 @@
           <a:bodyPr/>
           <a:lstStyle/>
           <a:p>
-            <a:r>
-              <a:rPr lang="en-US" dirty="0" smtClean="0"/>
-              <a:t>Outlier at t</a:t>
-            </a:r>
-            <a:r>
-              <a:rPr lang="en-US" baseline="0" dirty="0" smtClean="0"/>
-              <a:t> = 101 detected as a Level Shift (LS).</a:t>
-            </a:r>
+            <a:pPr marL="0" marR="0" indent="0" algn="l" defTabSz="457200" rtl="0" eaLnBrk="1" fontAlgn="auto" latinLnBrk="0" hangingPunct="1">
+              <a:lnSpc>
+                <a:spcPct val="100000"/>
+              </a:lnSpc>
+              <a:spcBef>
+                <a:spcPts val="0"/>
+              </a:spcBef>
+              <a:spcAft>
+                <a:spcPts val="0"/>
+              </a:spcAft>
+              <a:buClrTx/>
+              <a:buSzTx/>
+              <a:buFontTx/>
+              <a:buNone/>
+              <a:tabLst/>
+              <a:defRPr/>
+            </a:pPr>
+            <a:r>
+              <a:rPr lang="en-US" dirty="0" smtClean="0"/>
+              <a:t>Can we enforce design-time governance on web applications developed for a given cloud platform so as to ensure proper versioning, dependency management and conformance to other developer best practices, and also enforce run-time governance on them so as to automatically determine the expected runtime performance of the applications, detect SLA violations and detect performance anomalies and perform root cause analysis, with minimal developer intervention and no invasive instrumentation on the applications?</a:t>
+            </a:r>
+          </a:p>
+          <a:p>
+            <a:endParaRPr lang="en-US" dirty="0" smtClean="0"/>
+          </a:p>
+          <a:p>
+            <a:endParaRPr lang="en-US" dirty="0" smtClean="0"/>
+          </a:p>
+          <a:p>
             <a:endParaRPr lang="en-US" dirty="0"/>
           </a:p>
+          <a:p>
+            <a:r>
+              <a:rPr lang="en-US" dirty="0"/>
+              <a:t>----- Meeting Notes (4/14/16 14:44) -----</a:t>
+            </a:r>
+          </a:p>
+          <a:p>
+            <a:r>
+              <a:rPr lang="en-US" dirty="0"/>
+              <a:t>can we define and enforce efficient policies that govern administrative conformance, developer best practices, and performance objectives through automated analysis and diagnostics for cloud applications?</a:t>
+            </a:r>
+          </a:p>
+          <a:p>
+            <a:r>
+              <a:rPr lang="en-US" dirty="0"/>
+              <a:t>- governance</a:t>
+            </a:r>
+          </a:p>
+          <a:p>
+            <a:r>
+              <a:rPr lang="en-US" dirty="0"/>
+              <a:t>- automated</a:t>
+            </a:r>
+          </a:p>
+          <a:p>
+            <a:r>
+              <a:rPr lang="en-US" dirty="0"/>
+              <a:t>- efficient: non-invasive, simple, productivity enhancing</a:t>
+            </a:r>
+          </a:p>
         </p:txBody>
       </p:sp>
       <p:sp>
@@ -1080,9 +2114,9 @@
           <a:bodyPr/>
           <a:lstStyle/>
           <a:p>
-            <a:fld id="{F7278AEC-EE64-7842-B08E-D93D33560D10}" type="slidenum">
+            <a:fld id="{6E605815-6331-9444-B06E-921213318926}" type="slidenum">
               <a:rPr lang="en-US" smtClean="0"/>
-              <a:t>49</a:t>
+              <a:t>8</a:t>
             </a:fld>
             <a:endParaRPr lang="en-US"/>
           </a:p>
@@ -1091,7 +2125,632 @@
     </p:spTree>
     <p:extLst>
       <p:ext uri="{BB962C8B-B14F-4D97-AF65-F5344CB8AC3E}">
-        <p14:creationId xmlns:p14="http://schemas.microsoft.com/office/powerpoint/2010/main" val="3404154749"/>
+        <p14:creationId xmlns:p14="http://schemas.microsoft.com/office/powerpoint/2010/main" val="801249288"/>
+      </p:ext>
+    </p:extLst>
+  </p:cSld>
+  <p:clrMapOvr>
+    <a:masterClrMapping/>
+  </p:clrMapOvr>
+</p:notes>
+</file>
+
+<file path=ppt/notesSlides/notesSlide4.xml><?xml version="1.0" encoding="utf-8"?>
+<p:notes xmlns:a="http://schemas.openxmlformats.org/drawingml/2006/main" xmlns:r="http://schemas.openxmlformats.org/officeDocument/2006/relationships" xmlns:p="http://schemas.openxmlformats.org/presentationml/2006/main">
+  <p:cSld>
+    <p:spTree>
+      <p:nvGrpSpPr>
+        <p:cNvPr id="1" name=""/>
+        <p:cNvGrpSpPr/>
+        <p:nvPr/>
+      </p:nvGrpSpPr>
+      <p:grpSpPr>
+        <a:xfrm>
+          <a:off x="0" y="0"/>
+          <a:ext cx="0" cy="0"/>
+          <a:chOff x="0" y="0"/>
+          <a:chExt cx="0" cy="0"/>
+        </a:xfrm>
+      </p:grpSpPr>
+      <p:sp>
+        <p:nvSpPr>
+          <p:cNvPr id="2" name="Slide Image Placeholder 1"/>
+          <p:cNvSpPr>
+            <a:spLocks noGrp="1" noRot="1" noChangeAspect="1"/>
+          </p:cNvSpPr>
+          <p:nvPr>
+            <p:ph type="sldImg"/>
+          </p:nvPr>
+        </p:nvSpPr>
+        <p:spPr/>
+      </p:sp>
+      <p:sp>
+        <p:nvSpPr>
+          <p:cNvPr id="3" name="Notes Placeholder 2"/>
+          <p:cNvSpPr>
+            <a:spLocks noGrp="1"/>
+          </p:cNvSpPr>
+          <p:nvPr>
+            <p:ph type="body" idx="1"/>
+          </p:nvPr>
+        </p:nvSpPr>
+        <p:spPr/>
+        <p:txBody>
+          <a:bodyPr/>
+          <a:lstStyle/>
+          <a:p>
+            <a:r>
+              <a:rPr lang="en-US" dirty="0" smtClean="0"/>
+              <a:t>Low overhead,</a:t>
+            </a:r>
+            <a:r>
+              <a:rPr lang="en-US" baseline="0" dirty="0" smtClean="0"/>
+              <a:t> Without human intervention</a:t>
+            </a:r>
+          </a:p>
+          <a:p>
+            <a:r>
+              <a:rPr lang="en-US" baseline="0" dirty="0" smtClean="0"/>
+              <a:t>“parameters for the system”</a:t>
+            </a:r>
+          </a:p>
+          <a:p>
+            <a:r>
+              <a:rPr lang="en-US" baseline="0" dirty="0" smtClean="0"/>
+              <a:t>Define governance – Application of policies to control system behavior</a:t>
+            </a:r>
+            <a:endParaRPr lang="en-US" dirty="0"/>
+          </a:p>
+        </p:txBody>
+      </p:sp>
+      <p:sp>
+        <p:nvSpPr>
+          <p:cNvPr id="4" name="Slide Number Placeholder 3"/>
+          <p:cNvSpPr>
+            <a:spLocks noGrp="1"/>
+          </p:cNvSpPr>
+          <p:nvPr>
+            <p:ph type="sldNum" sz="quarter" idx="10"/>
+          </p:nvPr>
+        </p:nvSpPr>
+        <p:spPr/>
+        <p:txBody>
+          <a:bodyPr/>
+          <a:lstStyle/>
+          <a:p>
+            <a:fld id="{6E605815-6331-9444-B06E-921213318926}" type="slidenum">
+              <a:rPr lang="en-US" smtClean="0"/>
+              <a:t>9</a:t>
+            </a:fld>
+            <a:endParaRPr lang="en-US"/>
+          </a:p>
+        </p:txBody>
+      </p:sp>
+    </p:spTree>
+    <p:extLst>
+      <p:ext uri="{BB962C8B-B14F-4D97-AF65-F5344CB8AC3E}">
+        <p14:creationId xmlns:p14="http://schemas.microsoft.com/office/powerpoint/2010/main" val="3693781556"/>
+      </p:ext>
+    </p:extLst>
+  </p:cSld>
+  <p:clrMapOvr>
+    <a:masterClrMapping/>
+  </p:clrMapOvr>
+</p:notes>
+</file>
+
+<file path=ppt/notesSlides/notesSlide5.xml><?xml version="1.0" encoding="utf-8"?>
+<p:notes xmlns:a="http://schemas.openxmlformats.org/drawingml/2006/main" xmlns:r="http://schemas.openxmlformats.org/officeDocument/2006/relationships" xmlns:p="http://schemas.openxmlformats.org/presentationml/2006/main">
+  <p:cSld>
+    <p:spTree>
+      <p:nvGrpSpPr>
+        <p:cNvPr id="1" name=""/>
+        <p:cNvGrpSpPr/>
+        <p:nvPr/>
+      </p:nvGrpSpPr>
+      <p:grpSpPr>
+        <a:xfrm>
+          <a:off x="0" y="0"/>
+          <a:ext cx="0" cy="0"/>
+          <a:chOff x="0" y="0"/>
+          <a:chExt cx="0" cy="0"/>
+        </a:xfrm>
+      </p:grpSpPr>
+      <p:sp>
+        <p:nvSpPr>
+          <p:cNvPr id="2" name="Slide Image Placeholder 1"/>
+          <p:cNvSpPr>
+            <a:spLocks noGrp="1" noRot="1" noChangeAspect="1"/>
+          </p:cNvSpPr>
+          <p:nvPr>
+            <p:ph type="sldImg"/>
+          </p:nvPr>
+        </p:nvSpPr>
+        <p:spPr/>
+      </p:sp>
+      <p:sp>
+        <p:nvSpPr>
+          <p:cNvPr id="3" name="Notes Placeholder 2"/>
+          <p:cNvSpPr>
+            <a:spLocks noGrp="1"/>
+          </p:cNvSpPr>
+          <p:nvPr>
+            <p:ph type="body" idx="1"/>
+          </p:nvPr>
+        </p:nvSpPr>
+        <p:spPr/>
+        <p:txBody>
+          <a:bodyPr/>
+          <a:lstStyle/>
+          <a:p>
+            <a:r>
+              <a:rPr lang="en-US" dirty="0" smtClean="0"/>
+              <a:t>Remove (a) and (b)</a:t>
+            </a:r>
+          </a:p>
+          <a:p>
+            <a:r>
+              <a:rPr lang="en-US" dirty="0" err="1" smtClean="0"/>
+              <a:t>PaaS</a:t>
+            </a:r>
+            <a:r>
+              <a:rPr lang="en-US" dirty="0" smtClean="0"/>
+              <a:t> logos</a:t>
+            </a:r>
+          </a:p>
+          <a:p>
+            <a:r>
+              <a:rPr lang="en-US" dirty="0" smtClean="0"/>
+              <a:t>Explain we use </a:t>
+            </a:r>
+            <a:r>
+              <a:rPr lang="en-US" dirty="0" err="1" smtClean="0"/>
+              <a:t>PaaS</a:t>
+            </a:r>
+            <a:r>
+              <a:rPr lang="en-US" dirty="0" smtClean="0"/>
+              <a:t> in the research a lot – provides a good </a:t>
+            </a:r>
+            <a:r>
+              <a:rPr lang="en-US" dirty="0" err="1" smtClean="0"/>
+              <a:t>impl</a:t>
+            </a:r>
+            <a:r>
+              <a:rPr lang="en-US" dirty="0" smtClean="0"/>
+              <a:t> framework for non-intrusive</a:t>
+            </a:r>
+            <a:r>
+              <a:rPr lang="en-US" baseline="0" dirty="0" smtClean="0"/>
+              <a:t> governance, real applications for testing</a:t>
+            </a:r>
+          </a:p>
+          <a:p>
+            <a:r>
+              <a:rPr lang="en-US" baseline="0" dirty="0" smtClean="0"/>
+              <a:t>Explain </a:t>
+            </a:r>
+            <a:r>
+              <a:rPr lang="en-US" baseline="0" dirty="0" err="1" smtClean="0"/>
+              <a:t>PaaS</a:t>
+            </a:r>
+            <a:r>
+              <a:rPr lang="en-US" baseline="0" dirty="0" smtClean="0"/>
+              <a:t> app lifecycle (deployment time </a:t>
+            </a:r>
+            <a:r>
+              <a:rPr lang="en-US" baseline="0" dirty="0" err="1" smtClean="0"/>
+              <a:t>vs</a:t>
+            </a:r>
+            <a:r>
+              <a:rPr lang="en-US" baseline="0" dirty="0" smtClean="0"/>
+              <a:t> run time)</a:t>
+            </a:r>
+            <a:endParaRPr lang="en-US" dirty="0"/>
+          </a:p>
+        </p:txBody>
+      </p:sp>
+      <p:sp>
+        <p:nvSpPr>
+          <p:cNvPr id="4" name="Slide Number Placeholder 3"/>
+          <p:cNvSpPr>
+            <a:spLocks noGrp="1"/>
+          </p:cNvSpPr>
+          <p:nvPr>
+            <p:ph type="sldNum" sz="quarter" idx="10"/>
+          </p:nvPr>
+        </p:nvSpPr>
+        <p:spPr/>
+        <p:txBody>
+          <a:bodyPr/>
+          <a:lstStyle/>
+          <a:p>
+            <a:fld id="{6E605815-6331-9444-B06E-921213318926}" type="slidenum">
+              <a:rPr lang="en-US" smtClean="0"/>
+              <a:t>10</a:t>
+            </a:fld>
+            <a:endParaRPr lang="en-US"/>
+          </a:p>
+        </p:txBody>
+      </p:sp>
+    </p:spTree>
+    <p:extLst>
+      <p:ext uri="{BB962C8B-B14F-4D97-AF65-F5344CB8AC3E}">
+        <p14:creationId xmlns:p14="http://schemas.microsoft.com/office/powerpoint/2010/main" val="1234915967"/>
+      </p:ext>
+    </p:extLst>
+  </p:cSld>
+  <p:clrMapOvr>
+    <a:masterClrMapping/>
+  </p:clrMapOvr>
+</p:notes>
+</file>
+
+<file path=ppt/notesSlides/notesSlide6.xml><?xml version="1.0" encoding="utf-8"?>
+<p:notes xmlns:a="http://schemas.openxmlformats.org/drawingml/2006/main" xmlns:r="http://schemas.openxmlformats.org/officeDocument/2006/relationships" xmlns:p="http://schemas.openxmlformats.org/presentationml/2006/main">
+  <p:cSld>
+    <p:spTree>
+      <p:nvGrpSpPr>
+        <p:cNvPr id="1" name=""/>
+        <p:cNvGrpSpPr/>
+        <p:nvPr/>
+      </p:nvGrpSpPr>
+      <p:grpSpPr>
+        <a:xfrm>
+          <a:off x="0" y="0"/>
+          <a:ext cx="0" cy="0"/>
+          <a:chOff x="0" y="0"/>
+          <a:chExt cx="0" cy="0"/>
+        </a:xfrm>
+      </p:grpSpPr>
+      <p:sp>
+        <p:nvSpPr>
+          <p:cNvPr id="2" name="Slide Image Placeholder 1"/>
+          <p:cNvSpPr>
+            <a:spLocks noGrp="1" noRot="1" noChangeAspect="1"/>
+          </p:cNvSpPr>
+          <p:nvPr>
+            <p:ph type="sldImg"/>
+          </p:nvPr>
+        </p:nvSpPr>
+        <p:spPr/>
+      </p:sp>
+      <p:sp>
+        <p:nvSpPr>
+          <p:cNvPr id="3" name="Notes Placeholder 2"/>
+          <p:cNvSpPr>
+            <a:spLocks noGrp="1"/>
+          </p:cNvSpPr>
+          <p:nvPr>
+            <p:ph type="body" idx="1"/>
+          </p:nvPr>
+        </p:nvSpPr>
+        <p:spPr/>
+        <p:txBody>
+          <a:bodyPr/>
+          <a:lstStyle/>
+          <a:p>
+            <a:r>
+              <a:rPr lang="en-US" dirty="0" smtClean="0"/>
+              <a:t>Make it clear that these are goals</a:t>
+            </a:r>
+            <a:endParaRPr lang="en-US" dirty="0"/>
+          </a:p>
+        </p:txBody>
+      </p:sp>
+      <p:sp>
+        <p:nvSpPr>
+          <p:cNvPr id="4" name="Slide Number Placeholder 3"/>
+          <p:cNvSpPr>
+            <a:spLocks noGrp="1"/>
+          </p:cNvSpPr>
+          <p:nvPr>
+            <p:ph type="sldNum" sz="quarter" idx="10"/>
+          </p:nvPr>
+        </p:nvSpPr>
+        <p:spPr/>
+        <p:txBody>
+          <a:bodyPr/>
+          <a:lstStyle/>
+          <a:p>
+            <a:fld id="{6E605815-6331-9444-B06E-921213318926}" type="slidenum">
+              <a:rPr lang="en-US" smtClean="0"/>
+              <a:t>11</a:t>
+            </a:fld>
+            <a:endParaRPr lang="en-US"/>
+          </a:p>
+        </p:txBody>
+      </p:sp>
+    </p:spTree>
+    <p:extLst>
+      <p:ext uri="{BB962C8B-B14F-4D97-AF65-F5344CB8AC3E}">
+        <p14:creationId xmlns:p14="http://schemas.microsoft.com/office/powerpoint/2010/main" val="2527794609"/>
+      </p:ext>
+    </p:extLst>
+  </p:cSld>
+  <p:clrMapOvr>
+    <a:masterClrMapping/>
+  </p:clrMapOvr>
+</p:notes>
+</file>
+
+<file path=ppt/notesSlides/notesSlide7.xml><?xml version="1.0" encoding="utf-8"?>
+<p:notes xmlns:a="http://schemas.openxmlformats.org/drawingml/2006/main" xmlns:r="http://schemas.openxmlformats.org/officeDocument/2006/relationships" xmlns:p="http://schemas.openxmlformats.org/presentationml/2006/main">
+  <p:cSld>
+    <p:spTree>
+      <p:nvGrpSpPr>
+        <p:cNvPr id="1" name=""/>
+        <p:cNvGrpSpPr/>
+        <p:nvPr/>
+      </p:nvGrpSpPr>
+      <p:grpSpPr>
+        <a:xfrm>
+          <a:off x="0" y="0"/>
+          <a:ext cx="0" cy="0"/>
+          <a:chOff x="0" y="0"/>
+          <a:chExt cx="0" cy="0"/>
+        </a:xfrm>
+      </p:grpSpPr>
+      <p:sp>
+        <p:nvSpPr>
+          <p:cNvPr id="2" name="Slide Image Placeholder 1"/>
+          <p:cNvSpPr>
+            <a:spLocks noGrp="1" noRot="1" noChangeAspect="1"/>
+          </p:cNvSpPr>
+          <p:nvPr>
+            <p:ph type="sldImg"/>
+          </p:nvPr>
+        </p:nvSpPr>
+        <p:spPr/>
+      </p:sp>
+      <p:sp>
+        <p:nvSpPr>
+          <p:cNvPr id="3" name="Notes Placeholder 2"/>
+          <p:cNvSpPr>
+            <a:spLocks noGrp="1"/>
+          </p:cNvSpPr>
+          <p:nvPr>
+            <p:ph type="body" idx="1"/>
+          </p:nvPr>
+        </p:nvSpPr>
+        <p:spPr/>
+        <p:txBody>
+          <a:bodyPr/>
+          <a:lstStyle/>
+          <a:p>
+            <a:r>
+              <a:rPr lang="en-US" dirty="0" smtClean="0"/>
+              <a:t>Emphasize</a:t>
+            </a:r>
+            <a:r>
+              <a:rPr lang="en-US" baseline="0" dirty="0" smtClean="0"/>
+              <a:t> the importance of deployment time governance – fail fast, no runtime overhead</a:t>
+            </a:r>
+            <a:endParaRPr lang="en-US" dirty="0"/>
+          </a:p>
+        </p:txBody>
+      </p:sp>
+      <p:sp>
+        <p:nvSpPr>
+          <p:cNvPr id="4" name="Slide Number Placeholder 3"/>
+          <p:cNvSpPr>
+            <a:spLocks noGrp="1"/>
+          </p:cNvSpPr>
+          <p:nvPr>
+            <p:ph type="sldNum" sz="quarter" idx="10"/>
+          </p:nvPr>
+        </p:nvSpPr>
+        <p:spPr/>
+        <p:txBody>
+          <a:bodyPr/>
+          <a:lstStyle/>
+          <a:p>
+            <a:fld id="{6E605815-6331-9444-B06E-921213318926}" type="slidenum">
+              <a:rPr lang="en-US" smtClean="0"/>
+              <a:t>13</a:t>
+            </a:fld>
+            <a:endParaRPr lang="en-US"/>
+          </a:p>
+        </p:txBody>
+      </p:sp>
+    </p:spTree>
+    <p:extLst>
+      <p:ext uri="{BB962C8B-B14F-4D97-AF65-F5344CB8AC3E}">
+        <p14:creationId xmlns:p14="http://schemas.microsoft.com/office/powerpoint/2010/main" val="756080791"/>
+      </p:ext>
+    </p:extLst>
+  </p:cSld>
+  <p:clrMapOvr>
+    <a:masterClrMapping/>
+  </p:clrMapOvr>
+</p:notes>
+</file>
+
+<file path=ppt/notesSlides/notesSlide8.xml><?xml version="1.0" encoding="utf-8"?>
+<p:notes xmlns:a="http://schemas.openxmlformats.org/drawingml/2006/main" xmlns:r="http://schemas.openxmlformats.org/officeDocument/2006/relationships" xmlns:p="http://schemas.openxmlformats.org/presentationml/2006/main">
+  <p:cSld>
+    <p:spTree>
+      <p:nvGrpSpPr>
+        <p:cNvPr id="1" name=""/>
+        <p:cNvGrpSpPr/>
+        <p:nvPr/>
+      </p:nvGrpSpPr>
+      <p:grpSpPr>
+        <a:xfrm>
+          <a:off x="0" y="0"/>
+          <a:ext cx="0" cy="0"/>
+          <a:chOff x="0" y="0"/>
+          <a:chExt cx="0" cy="0"/>
+        </a:xfrm>
+      </p:grpSpPr>
+      <p:sp>
+        <p:nvSpPr>
+          <p:cNvPr id="2" name="Slide Image Placeholder 1"/>
+          <p:cNvSpPr>
+            <a:spLocks noGrp="1" noRot="1" noChangeAspect="1"/>
+          </p:cNvSpPr>
+          <p:nvPr>
+            <p:ph type="sldImg"/>
+          </p:nvPr>
+        </p:nvSpPr>
+        <p:spPr/>
+      </p:sp>
+      <p:sp>
+        <p:nvSpPr>
+          <p:cNvPr id="3" name="Notes Placeholder 2"/>
+          <p:cNvSpPr>
+            <a:spLocks noGrp="1"/>
+          </p:cNvSpPr>
+          <p:nvPr>
+            <p:ph type="body" idx="1"/>
+          </p:nvPr>
+        </p:nvSpPr>
+        <p:spPr/>
+        <p:txBody>
+          <a:bodyPr/>
+          <a:lstStyle/>
+          <a:p>
+            <a:r>
+              <a:rPr lang="en-US" dirty="0" smtClean="0"/>
+              <a:t>Describe the goal of the experiment</a:t>
+            </a:r>
+          </a:p>
+          <a:p>
+            <a:r>
+              <a:rPr lang="en-US" dirty="0" smtClean="0"/>
+              <a:t>Explain how the database was populated,</a:t>
+            </a:r>
+            <a:r>
+              <a:rPr lang="en-US" baseline="0" dirty="0" smtClean="0"/>
+              <a:t> Describe axis</a:t>
+            </a:r>
+            <a:endParaRPr lang="en-US" dirty="0"/>
+          </a:p>
+        </p:txBody>
+      </p:sp>
+      <p:sp>
+        <p:nvSpPr>
+          <p:cNvPr id="4" name="Slide Number Placeholder 3"/>
+          <p:cNvSpPr>
+            <a:spLocks noGrp="1"/>
+          </p:cNvSpPr>
+          <p:nvPr>
+            <p:ph type="sldNum" sz="quarter" idx="10"/>
+          </p:nvPr>
+        </p:nvSpPr>
+        <p:spPr/>
+        <p:txBody>
+          <a:bodyPr/>
+          <a:lstStyle/>
+          <a:p>
+            <a:fld id="{6E605815-6331-9444-B06E-921213318926}" type="slidenum">
+              <a:rPr lang="en-US" smtClean="0"/>
+              <a:t>15</a:t>
+            </a:fld>
+            <a:endParaRPr lang="en-US"/>
+          </a:p>
+        </p:txBody>
+      </p:sp>
+    </p:spTree>
+    <p:extLst>
+      <p:ext uri="{BB962C8B-B14F-4D97-AF65-F5344CB8AC3E}">
+        <p14:creationId xmlns:p14="http://schemas.microsoft.com/office/powerpoint/2010/main" val="869872194"/>
+      </p:ext>
+    </p:extLst>
+  </p:cSld>
+  <p:clrMapOvr>
+    <a:masterClrMapping/>
+  </p:clrMapOvr>
+</p:notes>
+</file>
+
+<file path=ppt/notesSlides/notesSlide9.xml><?xml version="1.0" encoding="utf-8"?>
+<p:notes xmlns:a="http://schemas.openxmlformats.org/drawingml/2006/main" xmlns:r="http://schemas.openxmlformats.org/officeDocument/2006/relationships" xmlns:p="http://schemas.openxmlformats.org/presentationml/2006/main">
+  <p:cSld>
+    <p:spTree>
+      <p:nvGrpSpPr>
+        <p:cNvPr id="1" name=""/>
+        <p:cNvGrpSpPr/>
+        <p:nvPr/>
+      </p:nvGrpSpPr>
+      <p:grpSpPr>
+        <a:xfrm>
+          <a:off x="0" y="0"/>
+          <a:ext cx="0" cy="0"/>
+          <a:chOff x="0" y="0"/>
+          <a:chExt cx="0" cy="0"/>
+        </a:xfrm>
+      </p:grpSpPr>
+      <p:sp>
+        <p:nvSpPr>
+          <p:cNvPr id="2" name="Slide Image Placeholder 1"/>
+          <p:cNvSpPr>
+            <a:spLocks noGrp="1" noRot="1" noChangeAspect="1"/>
+          </p:cNvSpPr>
+          <p:nvPr>
+            <p:ph type="sldImg"/>
+          </p:nvPr>
+        </p:nvSpPr>
+        <p:spPr/>
+      </p:sp>
+      <p:sp>
+        <p:nvSpPr>
+          <p:cNvPr id="3" name="Notes Placeholder 2"/>
+          <p:cNvSpPr>
+            <a:spLocks noGrp="1"/>
+          </p:cNvSpPr>
+          <p:nvPr>
+            <p:ph type="body" idx="1"/>
+          </p:nvPr>
+        </p:nvSpPr>
+        <p:spPr/>
+        <p:txBody>
+          <a:bodyPr/>
+          <a:lstStyle/>
+          <a:p>
+            <a:r>
+              <a:rPr lang="en-US" dirty="0" smtClean="0"/>
+              <a:t>Other experimental findings</a:t>
+            </a:r>
+            <a:r>
+              <a:rPr lang="is-IS" dirty="0" smtClean="0"/>
+              <a:t>…</a:t>
+            </a:r>
+          </a:p>
+          <a:p>
+            <a:endParaRPr lang="en-US" dirty="0" smtClean="0"/>
+          </a:p>
+          <a:p>
+            <a:endParaRPr lang="en-US" dirty="0"/>
+          </a:p>
+        </p:txBody>
+      </p:sp>
+      <p:sp>
+        <p:nvSpPr>
+          <p:cNvPr id="4" name="Slide Number Placeholder 3"/>
+          <p:cNvSpPr>
+            <a:spLocks noGrp="1"/>
+          </p:cNvSpPr>
+          <p:nvPr>
+            <p:ph type="sldNum" sz="quarter" idx="10"/>
+          </p:nvPr>
+        </p:nvSpPr>
+        <p:spPr/>
+        <p:txBody>
+          <a:bodyPr/>
+          <a:lstStyle/>
+          <a:p>
+            <a:fld id="{6E605815-6331-9444-B06E-921213318926}" type="slidenum">
+              <a:rPr lang="en-US" smtClean="0"/>
+              <a:t>16</a:t>
+            </a:fld>
+            <a:endParaRPr lang="en-US"/>
+          </a:p>
+        </p:txBody>
+      </p:sp>
+    </p:spTree>
+    <p:extLst>
+      <p:ext uri="{BB962C8B-B14F-4D97-AF65-F5344CB8AC3E}">
+        <p14:creationId xmlns:p14="http://schemas.microsoft.com/office/powerpoint/2010/main" val="3410591639"/>
       </p:ext>
     </p:extLst>
   </p:cSld>
@@ -1282,7 +2941,7 @@
           <a:p>
             <a:fld id="{8EE520D6-1199-3C41-9A6A-AA3E2C6DD588}" type="datetime1">
               <a:rPr lang="en-US" smtClean="0"/>
-              <a:t>4/26/16</a:t>
+              <a:t>4/28/16</a:t>
             </a:fld>
             <a:endParaRPr lang="en-US"/>
           </a:p>
@@ -1452,7 +3111,7 @@
           <a:p>
             <a:fld id="{6DE2AD85-55B3-6D40-8E45-4897033CE78D}" type="datetime1">
               <a:rPr lang="en-US" smtClean="0"/>
-              <a:t>4/26/16</a:t>
+              <a:t>4/28/16</a:t>
             </a:fld>
             <a:endParaRPr lang="en-US"/>
           </a:p>
@@ -1632,7 +3291,7 @@
           <a:p>
             <a:fld id="{9B6E2D90-BDC5-EC4E-97C9-9EBA924F9C2A}" type="datetime1">
               <a:rPr lang="en-US" smtClean="0"/>
-              <a:t>4/26/16</a:t>
+              <a:t>4/28/16</a:t>
             </a:fld>
             <a:endParaRPr lang="en-US"/>
           </a:p>
@@ -1802,7 +3461,7 @@
           <a:p>
             <a:fld id="{3C02FE2B-B967-F44C-97BF-619FFF540275}" type="datetime1">
               <a:rPr lang="en-US" smtClean="0"/>
-              <a:t>4/26/16</a:t>
+              <a:t>4/28/16</a:t>
             </a:fld>
             <a:endParaRPr lang="en-US"/>
           </a:p>
@@ -2048,7 +3707,7 @@
           <a:p>
             <a:fld id="{2E0BEB10-3E92-1544-85E8-C96C20A337CE}" type="datetime1">
               <a:rPr lang="en-US" smtClean="0"/>
-              <a:t>4/26/16</a:t>
+              <a:t>4/28/16</a:t>
             </a:fld>
             <a:endParaRPr lang="en-US"/>
           </a:p>
@@ -2336,7 +3995,7 @@
           <a:p>
             <a:fld id="{475FB051-8E54-8E49-8432-E38A630FF054}" type="datetime1">
               <a:rPr lang="en-US" smtClean="0"/>
-              <a:t>4/26/16</a:t>
+              <a:t>4/28/16</a:t>
             </a:fld>
             <a:endParaRPr lang="en-US"/>
           </a:p>
@@ -2758,7 +4417,7 @@
           <a:p>
             <a:fld id="{8BA679C2-08DD-074B-9C48-B348A1DFA775}" type="datetime1">
               <a:rPr lang="en-US" smtClean="0"/>
-              <a:t>4/26/16</a:t>
+              <a:t>4/28/16</a:t>
             </a:fld>
             <a:endParaRPr lang="en-US"/>
           </a:p>
@@ -2876,7 +4535,7 @@
           <a:p>
             <a:fld id="{FD8F829F-F712-8745-AC98-41D32B363003}" type="datetime1">
               <a:rPr lang="en-US" smtClean="0"/>
-              <a:t>4/26/16</a:t>
+              <a:t>4/28/16</a:t>
             </a:fld>
             <a:endParaRPr lang="en-US"/>
           </a:p>
@@ -2971,7 +4630,7 @@
           <a:p>
             <a:fld id="{B7766C51-9295-BA4E-9CC5-B913E9ED7975}" type="datetime1">
               <a:rPr lang="en-US" smtClean="0"/>
-              <a:t>4/26/16</a:t>
+              <a:t>4/28/16</a:t>
             </a:fld>
             <a:endParaRPr lang="en-US"/>
           </a:p>
@@ -3248,7 +4907,7 @@
           <a:p>
             <a:fld id="{DCC74353-384D-7548-8376-5A6CDDA54B35}" type="datetime1">
               <a:rPr lang="en-US" smtClean="0"/>
-              <a:t>4/26/16</a:t>
+              <a:t>4/28/16</a:t>
             </a:fld>
             <a:endParaRPr lang="en-US"/>
           </a:p>
@@ -3501,7 +5160,7 @@
           <a:p>
             <a:fld id="{912E0EE9-0FD5-A04C-8EF0-F3BFD9ED0CEF}" type="datetime1">
               <a:rPr lang="en-US" smtClean="0"/>
-              <a:t>4/26/16</a:t>
+              <a:t>4/28/16</a:t>
             </a:fld>
             <a:endParaRPr lang="en-US"/>
           </a:p>
@@ -3714,7 +5373,7 @@
           <a:p>
             <a:fld id="{E05DCBF9-A63F-9B48-BC2B-98F6B05BC7B3}" type="datetime1">
               <a:rPr lang="en-US" smtClean="0"/>
-              <a:t>4/26/16</a:t>
+              <a:t>4/28/16</a:t>
             </a:fld>
             <a:endParaRPr lang="en-US"/>
           </a:p>
@@ -4360,7 +6019,7 @@
           <p:nvPr/>
         </p:nvPicPr>
         <p:blipFill>
-          <a:blip r:embed="rId2">
+          <a:blip r:embed="rId3">
             <a:extLst>
               <a:ext uri="{28A0092B-C50C-407E-A947-70E740481C1C}">
                 <a14:useLocalDpi xmlns:a14="http://schemas.microsoft.com/office/drawing/2010/main" val="0"/>
@@ -4508,11 +6167,7 @@
           <a:p>
             <a:r>
               <a:rPr lang="en-US" dirty="0" smtClean="0"/>
-              <a:t>Simple mechanism to specify conventions/policies to be </a:t>
-            </a:r>
-            <a:r>
-              <a:rPr lang="en-US" dirty="0" smtClean="0"/>
-              <a:t>enforced</a:t>
+              <a:t>Simple mechanism to specify conventions/policies to be enforced</a:t>
             </a:r>
           </a:p>
           <a:p>
@@ -4945,7 +6600,7 @@
           </p:nvPr>
         </p:nvPicPr>
         <p:blipFill>
-          <a:blip r:embed="rId2">
+          <a:blip r:embed="rId3">
             <a:extLst>
               <a:ext uri="{28A0092B-C50C-407E-A947-70E740481C1C}">
                 <a14:useLocalDpi xmlns:a14="http://schemas.microsoft.com/office/drawing/2010/main" val="0"/>
@@ -5276,7 +6931,7 @@
           </p:nvPr>
         </p:nvPicPr>
         <p:blipFill>
-          <a:blip r:embed="rId2">
+          <a:blip r:embed="rId3">
             <a:extLst>
               <a:ext uri="{28A0092B-C50C-407E-A947-70E740481C1C}">
                 <a14:useLocalDpi xmlns:a14="http://schemas.microsoft.com/office/drawing/2010/main" val="0"/>
@@ -5410,11 +7065,7 @@
             <a:pPr lvl="1"/>
             <a:r>
               <a:rPr lang="en-US" dirty="0" smtClean="0"/>
-              <a:t>Less than 100ms for 1000 </a:t>
-            </a:r>
-            <a:r>
-              <a:rPr lang="en-US" dirty="0" smtClean="0"/>
-              <a:t>policies</a:t>
+              <a:t>Less than 100ms for 1000 policies</a:t>
             </a:r>
           </a:p>
           <a:p>
@@ -5422,7 +7073,6 @@
               <a:rPr lang="en-US" dirty="0" smtClean="0"/>
               <a:t>No significant change in overhead due to the number of dependencies</a:t>
             </a:r>
-            <a:endParaRPr lang="en-US" dirty="0" smtClean="0"/>
           </a:p>
         </p:txBody>
       </p:sp>
@@ -5889,7 +7539,7 @@
           </p:nvPr>
         </p:nvPicPr>
         <p:blipFill>
-          <a:blip r:embed="rId2">
+          <a:blip r:embed="rId3">
             <a:extLst>
               <a:ext uri="{28A0092B-C50C-407E-A947-70E740481C1C}">
                 <a14:useLocalDpi xmlns:a14="http://schemas.microsoft.com/office/drawing/2010/main" val="0"/>
@@ -6390,7 +8040,7 @@
           <p:nvPr/>
         </p:nvPicPr>
         <p:blipFill>
-          <a:blip r:embed="rId2">
+          <a:blip r:embed="rId3">
             <a:extLst>
               <a:ext uri="{28A0092B-C50C-407E-A947-70E740481C1C}">
                 <a14:useLocalDpi xmlns:a14="http://schemas.microsoft.com/office/drawing/2010/main" val="0"/>
@@ -6420,7 +8070,7 @@
           <p:nvPr/>
         </p:nvPicPr>
         <p:blipFill>
-          <a:blip r:embed="rId3">
+          <a:blip r:embed="rId4">
             <a:extLst>
               <a:ext uri="{28A0092B-C50C-407E-A947-70E740481C1C}">
                 <a14:useLocalDpi xmlns:a14="http://schemas.microsoft.com/office/drawing/2010/main" val="0"/>
@@ -6450,7 +8100,7 @@
           <p:nvPr/>
         </p:nvPicPr>
         <p:blipFill>
-          <a:blip r:embed="rId4">
+          <a:blip r:embed="rId5">
             <a:extLst>
               <a:ext uri="{28A0092B-C50C-407E-A947-70E740481C1C}">
                 <a14:useLocalDpi xmlns:a14="http://schemas.microsoft.com/office/drawing/2010/main" val="0"/>
@@ -6878,7 +8528,7 @@
           </p:nvPr>
         </p:nvPicPr>
         <p:blipFill>
-          <a:blip r:embed="rId2">
+          <a:blip r:embed="rId3">
             <a:extLst>
               <a:ext uri="{28A0092B-C50C-407E-A947-70E740481C1C}">
                 <a14:useLocalDpi xmlns:a14="http://schemas.microsoft.com/office/drawing/2010/main" val="0"/>
@@ -16094,7 +17744,7 @@
           <p:nvPr/>
         </p:nvPicPr>
         <p:blipFill>
-          <a:blip r:embed="rId2">
+          <a:blip r:embed="rId3">
             <a:extLst>
               <a:ext uri="{28A0092B-C50C-407E-A947-70E740481C1C}">
                 <a14:useLocalDpi xmlns:a14="http://schemas.microsoft.com/office/drawing/2010/main" val="0"/>

--- a/Eager/elk-experiment/appserver/system_design.pptx
+++ b/Eager/elk-experiment/appserver/system_design.pptx
@@ -316,7 +316,7 @@
           <a:p>
             <a:fld id="{37D14F8C-9F46-2E42-9999-888BFBC492E3}" type="datetimeFigureOut">
               <a:rPr lang="en-US" smtClean="0"/>
-              <a:t>5/2/16</a:t>
+              <a:t>5/7/16</a:t>
             </a:fld>
             <a:endParaRPr lang="en-US"/>
           </a:p>
@@ -482,7 +482,7 @@
           <a:p>
             <a:fld id="{C6B377BD-EE2D-6A4D-8791-40EA342A78BF}" type="datetimeFigureOut">
               <a:rPr lang="en-US" smtClean="0"/>
-              <a:t>5/2/16</a:t>
+              <a:t>5/7/16</a:t>
             </a:fld>
             <a:endParaRPr lang="en-US"/>
           </a:p>
@@ -2949,7 +2949,7 @@
           <a:p>
             <a:fld id="{8EE520D6-1199-3C41-9A6A-AA3E2C6DD588}" type="datetime1">
               <a:rPr lang="en-US" smtClean="0"/>
-              <a:t>5/2/16</a:t>
+              <a:t>5/7/16</a:t>
             </a:fld>
             <a:endParaRPr lang="en-US"/>
           </a:p>
@@ -3119,7 +3119,7 @@
           <a:p>
             <a:fld id="{6DE2AD85-55B3-6D40-8E45-4897033CE78D}" type="datetime1">
               <a:rPr lang="en-US" smtClean="0"/>
-              <a:t>5/2/16</a:t>
+              <a:t>5/7/16</a:t>
             </a:fld>
             <a:endParaRPr lang="en-US"/>
           </a:p>
@@ -3299,7 +3299,7 @@
           <a:p>
             <a:fld id="{9B6E2D90-BDC5-EC4E-97C9-9EBA924F9C2A}" type="datetime1">
               <a:rPr lang="en-US" smtClean="0"/>
-              <a:t>5/2/16</a:t>
+              <a:t>5/7/16</a:t>
             </a:fld>
             <a:endParaRPr lang="en-US"/>
           </a:p>
@@ -3469,7 +3469,7 @@
           <a:p>
             <a:fld id="{3C02FE2B-B967-F44C-97BF-619FFF540275}" type="datetime1">
               <a:rPr lang="en-US" smtClean="0"/>
-              <a:t>5/2/16</a:t>
+              <a:t>5/7/16</a:t>
             </a:fld>
             <a:endParaRPr lang="en-US"/>
           </a:p>
@@ -3715,7 +3715,7 @@
           <a:p>
             <a:fld id="{2E0BEB10-3E92-1544-85E8-C96C20A337CE}" type="datetime1">
               <a:rPr lang="en-US" smtClean="0"/>
-              <a:t>5/2/16</a:t>
+              <a:t>5/7/16</a:t>
             </a:fld>
             <a:endParaRPr lang="en-US"/>
           </a:p>
@@ -4003,7 +4003,7 @@
           <a:p>
             <a:fld id="{475FB051-8E54-8E49-8432-E38A630FF054}" type="datetime1">
               <a:rPr lang="en-US" smtClean="0"/>
-              <a:t>5/2/16</a:t>
+              <a:t>5/7/16</a:t>
             </a:fld>
             <a:endParaRPr lang="en-US"/>
           </a:p>
@@ -4425,7 +4425,7 @@
           <a:p>
             <a:fld id="{8BA679C2-08DD-074B-9C48-B348A1DFA775}" type="datetime1">
               <a:rPr lang="en-US" smtClean="0"/>
-              <a:t>5/2/16</a:t>
+              <a:t>5/7/16</a:t>
             </a:fld>
             <a:endParaRPr lang="en-US"/>
           </a:p>
@@ -4543,7 +4543,7 @@
           <a:p>
             <a:fld id="{FD8F829F-F712-8745-AC98-41D32B363003}" type="datetime1">
               <a:rPr lang="en-US" smtClean="0"/>
-              <a:t>5/2/16</a:t>
+              <a:t>5/7/16</a:t>
             </a:fld>
             <a:endParaRPr lang="en-US"/>
           </a:p>
@@ -4638,7 +4638,7 @@
           <a:p>
             <a:fld id="{B7766C51-9295-BA4E-9CC5-B913E9ED7975}" type="datetime1">
               <a:rPr lang="en-US" smtClean="0"/>
-              <a:t>5/2/16</a:t>
+              <a:t>5/7/16</a:t>
             </a:fld>
             <a:endParaRPr lang="en-US"/>
           </a:p>
@@ -4915,7 +4915,7 @@
           <a:p>
             <a:fld id="{DCC74353-384D-7548-8376-5A6CDDA54B35}" type="datetime1">
               <a:rPr lang="en-US" smtClean="0"/>
-              <a:t>5/2/16</a:t>
+              <a:t>5/7/16</a:t>
             </a:fld>
             <a:endParaRPr lang="en-US"/>
           </a:p>
@@ -5168,7 +5168,7 @@
           <a:p>
             <a:fld id="{912E0EE9-0FD5-A04C-8EF0-F3BFD9ED0CEF}" type="datetime1">
               <a:rPr lang="en-US" smtClean="0"/>
-              <a:t>5/2/16</a:t>
+              <a:t>5/7/16</a:t>
             </a:fld>
             <a:endParaRPr lang="en-US"/>
           </a:p>
@@ -5381,7 +5381,7 @@
           <a:p>
             <a:fld id="{E05DCBF9-A63F-9B48-BC2B-98F6B05BC7B3}" type="datetime1">
               <a:rPr lang="en-US" smtClean="0"/>
-              <a:t>5/2/16</a:t>
+              <a:t>5/7/16</a:t>
             </a:fld>
             <a:endParaRPr lang="en-US"/>
           </a:p>
@@ -5979,7 +5979,11 @@
           <a:p>
             <a:r>
               <a:rPr lang="en-US" dirty="0" smtClean="0"/>
-              <a:t>Research Goals</a:t>
+              <a:t>Research </a:t>
+            </a:r>
+            <a:r>
+              <a:rPr lang="en-US" dirty="0" smtClean="0"/>
+              <a:t>Contributions</a:t>
             </a:r>
             <a:endParaRPr lang="en-US" dirty="0"/>
           </a:p>
@@ -6631,6 +6635,59 @@
                       </p:childTnLst>
                     </p:cTn>
                   </p:par>
+                  <p:par>
+                    <p:cTn id="16" fill="hold">
+                      <p:stCondLst>
+                        <p:cond delay="indefinite"/>
+                      </p:stCondLst>
+                      <p:childTnLst>
+                        <p:par>
+                          <p:cTn id="17" fill="hold">
+                            <p:stCondLst>
+                              <p:cond delay="0"/>
+                            </p:stCondLst>
+                            <p:childTnLst>
+                              <p:par>
+                                <p:cTn id="18" presetID="3" presetClass="entr" presetSubtype="10" fill="hold" grpId="0" nodeType="clickEffect">
+                                  <p:stCondLst>
+                                    <p:cond delay="0"/>
+                                  </p:stCondLst>
+                                  <p:childTnLst>
+                                    <p:set>
+                                      <p:cBhvr>
+                                        <p:cTn id="19" dur="1" fill="hold">
+                                          <p:stCondLst>
+                                            <p:cond delay="0"/>
+                                          </p:stCondLst>
+                                        </p:cTn>
+                                        <p:tgtEl>
+                                          <p:spTgt spid="6"/>
+                                        </p:tgtEl>
+                                        <p:attrNameLst>
+                                          <p:attrName>style.visibility</p:attrName>
+                                        </p:attrNameLst>
+                                      </p:cBhvr>
+                                      <p:to>
+                                        <p:strVal val="visible"/>
+                                      </p:to>
+                                    </p:set>
+                                    <p:animEffect transition="in" filter="blinds(horizontal)">
+                                      <p:cBhvr>
+                                        <p:cTn id="20" dur="500"/>
+                                        <p:tgtEl>
+                                          <p:spTgt spid="6"/>
+                                        </p:tgtEl>
+                                      </p:cBhvr>
+                                    </p:animEffect>
+                                  </p:childTnLst>
+                                </p:cTn>
+                              </p:par>
+                            </p:childTnLst>
+                          </p:cTn>
+                        </p:par>
+                      </p:childTnLst>
+                    </p:cTn>
+                  </p:par>
                 </p:childTnLst>
               </p:cTn>
               <p:prevCondLst>
@@ -6653,6 +6710,7 @@
       </p:par>
     </p:tnLst>
     <p:bldLst>
+      <p:bldP spid="6" grpId="0" animBg="1"/>
       <p:bldP spid="10" grpId="0" animBg="1"/>
       <p:bldP spid="11" grpId="0"/>
     </p:bldLst>
@@ -6694,7 +6752,11 @@
           <a:p>
             <a:r>
               <a:rPr lang="en-US" dirty="0" smtClean="0"/>
-              <a:t>Research Goals</a:t>
+              <a:t>Research </a:t>
+            </a:r>
+            <a:r>
+              <a:rPr lang="en-US" dirty="0"/>
+              <a:t>Contributions</a:t>
             </a:r>
             <a:endParaRPr lang="en-US" dirty="0"/>
           </a:p>
@@ -7857,7 +7919,11 @@
           <a:p>
             <a:r>
               <a:rPr lang="en-US" dirty="0" smtClean="0"/>
-              <a:t>Research Goals</a:t>
+              <a:t>Research </a:t>
+            </a:r>
+            <a:r>
+              <a:rPr lang="en-US" dirty="0"/>
+              <a:t>Contributions</a:t>
             </a:r>
             <a:endParaRPr lang="en-US" dirty="0"/>
           </a:p>
@@ -8577,11 +8643,7 @@
           <a:p>
             <a:r>
               <a:rPr lang="en-US" dirty="0" smtClean="0"/>
-              <a:t>Enforce </a:t>
-            </a:r>
-            <a:r>
-              <a:rPr lang="en-US" dirty="0" smtClean="0"/>
-              <a:t>performance policies (design-time), and detect deviations (run-time)</a:t>
+              <a:t>Enforce performance policies (design-time), and detect deviations (run-time)</a:t>
             </a:r>
           </a:p>
         </p:txBody>
@@ -8697,13 +8759,8 @@
           <a:p>
             <a:r>
               <a:rPr lang="en-US" dirty="0" smtClean="0"/>
-              <a:t>Fully </a:t>
-            </a:r>
-            <a:r>
-              <a:rPr lang="en-US" dirty="0" smtClean="0"/>
-              <a:t>automatic &amp; no code instrumentation</a:t>
-            </a:r>
-            <a:endParaRPr lang="en-US" dirty="0" smtClean="0"/>
+              <a:t>Fully automatic &amp; no code instrumentation</a:t>
+            </a:r>
           </a:p>
           <a:p>
             <a:r>
@@ -9720,7 +9777,11 @@
           <a:p>
             <a:r>
               <a:rPr lang="en-US" dirty="0" smtClean="0"/>
-              <a:t>Research Goals</a:t>
+              <a:t>Research </a:t>
+            </a:r>
+            <a:r>
+              <a:rPr lang="en-US" dirty="0"/>
+              <a:t>Contributions</a:t>
             </a:r>
             <a:endParaRPr lang="en-US" dirty="0"/>
           </a:p>
@@ -9886,15 +9947,7 @@
           <a:p>
             <a:r>
               <a:rPr lang="en-US" dirty="0" smtClean="0"/>
-              <a:t>Check if the application performance is </a:t>
-            </a:r>
-            <a:r>
-              <a:rPr lang="en-US" dirty="0" smtClean="0"/>
-              <a:t>correlated with </a:t>
-            </a:r>
-            <a:r>
-              <a:rPr lang="en-US" dirty="0" smtClean="0"/>
-              <a:t>the workload</a:t>
+              <a:t>Check if the application performance is correlated with the workload</a:t>
             </a:r>
           </a:p>
           <a:p>
@@ -12577,11 +12630,7 @@
           <a:p>
             <a:r>
               <a:rPr lang="en-US" dirty="0" smtClean="0"/>
-              <a:t>Analyzing SDK Call </a:t>
-            </a:r>
-            <a:r>
-              <a:rPr lang="en-US" dirty="0" smtClean="0"/>
-              <a:t>Sequences</a:t>
+              <a:t>Analyzing SDK Call Sequences</a:t>
             </a:r>
             <a:endParaRPr lang="en-US" dirty="0"/>
           </a:p>
@@ -13086,37 +13135,13 @@
           <a:p>
             <a:r>
               <a:rPr lang="en-US" dirty="0" smtClean="0"/>
-              <a:t>Scalable deployment-</a:t>
-            </a:r>
-            <a:r>
-              <a:rPr lang="en-US" dirty="0" smtClean="0"/>
-              <a:t>time governance and policy enforcement </a:t>
-            </a:r>
-            <a:r>
-              <a:rPr lang="en-US" dirty="0" smtClean="0"/>
-              <a:t>framework </a:t>
-            </a:r>
-            <a:r>
-              <a:rPr lang="en-US" dirty="0" smtClean="0"/>
-              <a:t>for </a:t>
-            </a:r>
-            <a:r>
-              <a:rPr lang="en-US" dirty="0" smtClean="0"/>
-              <a:t>cloud platforms, complete with a policy specification language.</a:t>
-            </a:r>
-          </a:p>
-          <a:p>
-            <a:r>
-              <a:rPr lang="en-US" dirty="0" smtClean="0"/>
-              <a:t>Mechanism </a:t>
-            </a:r>
-            <a:r>
-              <a:rPr lang="en-US" dirty="0" smtClean="0"/>
-              <a:t>for </a:t>
-            </a:r>
-            <a:r>
-              <a:rPr lang="en-US" dirty="0" smtClean="0"/>
-              <a:t>formulating correct, tight and durable performance SLAs for cloud applications, with </a:t>
+              <a:t>Scalable deployment-time governance and policy enforcement framework for cloud platforms, complete with a policy specification language.</a:t>
+            </a:r>
+          </a:p>
+          <a:p>
+            <a:r>
+              <a:rPr lang="en-US" dirty="0" smtClean="0"/>
+              <a:t>Mechanism for formulating correct, tight and durable performance SLAs for cloud applications, with </a:t>
             </a:r>
             <a:r>
               <a:rPr lang="en-US" dirty="0"/>
@@ -13126,7 +13151,6 @@
               <a:rPr lang="en-US" dirty="0" smtClean="0"/>
               <a:t>LA monitoring and invalidation</a:t>
             </a:r>
-            <a:endParaRPr lang="en-US" dirty="0" smtClean="0"/>
           </a:p>
           <a:p>
             <a:r>
@@ -17430,18 +17454,29 @@
           <a:p>
             <a:r>
               <a:rPr lang="en-US" dirty="0" smtClean="0"/>
-              <a:t>Cannot form performance </a:t>
-            </a:r>
-            <a:r>
-              <a:rPr lang="en-US" dirty="0" smtClean="0"/>
-              <a:t>SLOs and SLAs</a:t>
+              <a:t>Cannot form performance SLOs and SLAs</a:t>
             </a:r>
           </a:p>
           <a:p>
             <a:pPr lvl="1"/>
             <a:r>
               <a:rPr lang="en-US" dirty="0" smtClean="0"/>
-              <a:t>Minimum service level the service provider is obligated to maintain</a:t>
+              <a:t>SLA = SLOs + Penalties</a:t>
+            </a:r>
+          </a:p>
+          <a:p>
+            <a:pPr lvl="1"/>
+            <a:r>
+              <a:rPr lang="en-US" dirty="0" smtClean="0"/>
+              <a:t>SLO = </a:t>
+            </a:r>
+            <a:r>
+              <a:rPr lang="en-US" dirty="0"/>
+              <a:t>Minimum service level the service provider is obligated to </a:t>
+            </a:r>
+            <a:r>
+              <a:rPr lang="en-US" dirty="0" smtClean="0"/>
+              <a:t>maintain</a:t>
             </a:r>
             <a:endParaRPr lang="en-US" dirty="0"/>
           </a:p>
@@ -17535,6 +17570,67 @@
                                           <p:spTgt spid="3">
                                             <p:txEl>
                                               <p:pRg st="4" end="4"/>
+                                            </p:txEl>
+                                          </p:spTgt>
+                                        </p:tgtEl>
+                                      </p:cBhvr>
+                                    </p:animEffect>
+                                  </p:childTnLst>
+                                </p:cTn>
+                              </p:par>
+                            </p:childTnLst>
+                          </p:cTn>
+                        </p:par>
+                      </p:childTnLst>
+                    </p:cTn>
+                  </p:par>
+                  <p:par>
+                    <p:cTn id="8" fill="hold">
+                      <p:stCondLst>
+                        <p:cond delay="indefinite"/>
+                      </p:stCondLst>
+                      <p:childTnLst>
+                        <p:par>
+                          <p:cTn id="9" fill="hold">
+                            <p:stCondLst>
+                              <p:cond delay="0"/>
+                            </p:stCondLst>
+                            <p:childTnLst>
+                              <p:par>
+                                <p:cTn id="10" presetID="3" presetClass="entr" presetSubtype="10" fill="hold" nodeType="clickEffect">
+                                  <p:stCondLst>
+                                    <p:cond delay="0"/>
+                                  </p:stCondLst>
+                                  <p:childTnLst>
+                                    <p:set>
+                                      <p:cBhvr>
+                                        <p:cTn id="11" dur="1" fill="hold">
+                                          <p:stCondLst>
+                                            <p:cond delay="0"/>
+                                          </p:stCondLst>
+                                        </p:cTn>
+                                        <p:tgtEl>
+                                          <p:spTgt spid="3">
+                                            <p:txEl>
+                                              <p:pRg st="5" end="5"/>
+                                            </p:txEl>
+                                          </p:spTgt>
+                                        </p:tgtEl>
+                                        <p:attrNameLst>
+                                          <p:attrName>style.visibility</p:attrName>
+                                        </p:attrNameLst>
+                                      </p:cBhvr>
+                                      <p:to>
+                                        <p:strVal val="visible"/>
+                                      </p:to>
+                                    </p:set>
+                                    <p:animEffect transition="in" filter="blinds(horizontal)">
+                                      <p:cBhvr>
+                                        <p:cTn id="12" dur="500"/>
+                                        <p:tgtEl>
+                                          <p:spTgt spid="3">
+                                            <p:txEl>
+                                              <p:pRg st="5" end="5"/>
                                             </p:txEl>
                                           </p:spTgt>
                                         </p:tgtEl>
@@ -19839,38 +19935,17 @@
               <a:rPr lang="en-US" dirty="0" smtClean="0"/>
               <a:t>Detection</a:t>
             </a:r>
-            <a:endParaRPr lang="en-US" dirty="0" smtClean="0"/>
-          </a:p>
-          <a:p>
-            <a:r>
-              <a:rPr lang="en-US" dirty="0" smtClean="0"/>
-              <a:t>Efficient: Non-invasive, </a:t>
-            </a:r>
-            <a:r>
-              <a:rPr lang="en-US" dirty="0" smtClean="0"/>
-              <a:t>Low </a:t>
-            </a:r>
-            <a:r>
-              <a:rPr lang="en-US" dirty="0" smtClean="0"/>
-              <a:t>overhead</a:t>
-            </a:r>
-          </a:p>
-          <a:p>
-            <a:r>
-              <a:rPr lang="en-US" dirty="0" smtClean="0"/>
-              <a:t>Automated: </a:t>
-            </a:r>
-            <a:r>
-              <a:rPr lang="en-US" dirty="0" smtClean="0"/>
-              <a:t>Without</a:t>
-            </a:r>
-            <a:r>
-              <a:rPr lang="en-US" dirty="0" smtClean="0"/>
-              <a:t> </a:t>
-            </a:r>
-            <a:r>
-              <a:rPr lang="en-US" dirty="0" smtClean="0"/>
-              <a:t>human intervention</a:t>
+          </a:p>
+          <a:p>
+            <a:r>
+              <a:rPr lang="en-US" dirty="0" smtClean="0"/>
+              <a:t>Efficient: Non-invasive, Low overhead</a:t>
+            </a:r>
+          </a:p>
+          <a:p>
+            <a:r>
+              <a:rPr lang="en-US" dirty="0" smtClean="0"/>
+              <a:t>Automated: Without human intervention</a:t>
             </a:r>
             <a:endParaRPr lang="en-US" dirty="0"/>
           </a:p>

--- a/Eager/elk-experiment/appserver/system_design.pptx
+++ b/Eager/elk-experiment/appserver/system_design.pptx
@@ -316,7 +316,7 @@
           <a:p>
             <a:fld id="{37D14F8C-9F46-2E42-9999-888BFBC492E3}" type="datetimeFigureOut">
               <a:rPr lang="en-US" smtClean="0"/>
-              <a:t>5/7/16</a:t>
+              <a:t>5/9/16</a:t>
             </a:fld>
             <a:endParaRPr lang="en-US"/>
           </a:p>
@@ -482,7 +482,7 @@
           <a:p>
             <a:fld id="{C6B377BD-EE2D-6A4D-8791-40EA342A78BF}" type="datetimeFigureOut">
               <a:rPr lang="en-US" smtClean="0"/>
-              <a:t>5/7/16</a:t>
+              <a:t>5/9/16</a:t>
             </a:fld>
             <a:endParaRPr lang="en-US"/>
           </a:p>
@@ -2949,7 +2949,7 @@
           <a:p>
             <a:fld id="{8EE520D6-1199-3C41-9A6A-AA3E2C6DD588}" type="datetime1">
               <a:rPr lang="en-US" smtClean="0"/>
-              <a:t>5/7/16</a:t>
+              <a:t>5/9/16</a:t>
             </a:fld>
             <a:endParaRPr lang="en-US"/>
           </a:p>
@@ -3119,7 +3119,7 @@
           <a:p>
             <a:fld id="{6DE2AD85-55B3-6D40-8E45-4897033CE78D}" type="datetime1">
               <a:rPr lang="en-US" smtClean="0"/>
-              <a:t>5/7/16</a:t>
+              <a:t>5/9/16</a:t>
             </a:fld>
             <a:endParaRPr lang="en-US"/>
           </a:p>
@@ -3299,7 +3299,7 @@
           <a:p>
             <a:fld id="{9B6E2D90-BDC5-EC4E-97C9-9EBA924F9C2A}" type="datetime1">
               <a:rPr lang="en-US" smtClean="0"/>
-              <a:t>5/7/16</a:t>
+              <a:t>5/9/16</a:t>
             </a:fld>
             <a:endParaRPr lang="en-US"/>
           </a:p>
@@ -3469,7 +3469,7 @@
           <a:p>
             <a:fld id="{3C02FE2B-B967-F44C-97BF-619FFF540275}" type="datetime1">
               <a:rPr lang="en-US" smtClean="0"/>
-              <a:t>5/7/16</a:t>
+              <a:t>5/9/16</a:t>
             </a:fld>
             <a:endParaRPr lang="en-US"/>
           </a:p>
@@ -3715,7 +3715,7 @@
           <a:p>
             <a:fld id="{2E0BEB10-3E92-1544-85E8-C96C20A337CE}" type="datetime1">
               <a:rPr lang="en-US" smtClean="0"/>
-              <a:t>5/7/16</a:t>
+              <a:t>5/9/16</a:t>
             </a:fld>
             <a:endParaRPr lang="en-US"/>
           </a:p>
@@ -4003,7 +4003,7 @@
           <a:p>
             <a:fld id="{475FB051-8E54-8E49-8432-E38A630FF054}" type="datetime1">
               <a:rPr lang="en-US" smtClean="0"/>
-              <a:t>5/7/16</a:t>
+              <a:t>5/9/16</a:t>
             </a:fld>
             <a:endParaRPr lang="en-US"/>
           </a:p>
@@ -4425,7 +4425,7 @@
           <a:p>
             <a:fld id="{8BA679C2-08DD-074B-9C48-B348A1DFA775}" type="datetime1">
               <a:rPr lang="en-US" smtClean="0"/>
-              <a:t>5/7/16</a:t>
+              <a:t>5/9/16</a:t>
             </a:fld>
             <a:endParaRPr lang="en-US"/>
           </a:p>
@@ -4543,7 +4543,7 @@
           <a:p>
             <a:fld id="{FD8F829F-F712-8745-AC98-41D32B363003}" type="datetime1">
               <a:rPr lang="en-US" smtClean="0"/>
-              <a:t>5/7/16</a:t>
+              <a:t>5/9/16</a:t>
             </a:fld>
             <a:endParaRPr lang="en-US"/>
           </a:p>
@@ -4638,7 +4638,7 @@
           <a:p>
             <a:fld id="{B7766C51-9295-BA4E-9CC5-B913E9ED7975}" type="datetime1">
               <a:rPr lang="en-US" smtClean="0"/>
-              <a:t>5/7/16</a:t>
+              <a:t>5/9/16</a:t>
             </a:fld>
             <a:endParaRPr lang="en-US"/>
           </a:p>
@@ -4915,7 +4915,7 @@
           <a:p>
             <a:fld id="{DCC74353-384D-7548-8376-5A6CDDA54B35}" type="datetime1">
               <a:rPr lang="en-US" smtClean="0"/>
-              <a:t>5/7/16</a:t>
+              <a:t>5/9/16</a:t>
             </a:fld>
             <a:endParaRPr lang="en-US"/>
           </a:p>
@@ -5168,7 +5168,7 @@
           <a:p>
             <a:fld id="{912E0EE9-0FD5-A04C-8EF0-F3BFD9ED0CEF}" type="datetime1">
               <a:rPr lang="en-US" smtClean="0"/>
-              <a:t>5/7/16</a:t>
+              <a:t>5/9/16</a:t>
             </a:fld>
             <a:endParaRPr lang="en-US"/>
           </a:p>
@@ -5381,7 +5381,7 @@
           <a:p>
             <a:fld id="{E05DCBF9-A63F-9B48-BC2B-98F6B05BC7B3}" type="datetime1">
               <a:rPr lang="en-US" smtClean="0"/>
-              <a:t>5/7/16</a:t>
+              <a:t>5/9/16</a:t>
             </a:fld>
             <a:endParaRPr lang="en-US"/>
           </a:p>
@@ -5979,11 +5979,7 @@
           <a:p>
             <a:r>
               <a:rPr lang="en-US" dirty="0" smtClean="0"/>
-              <a:t>Research </a:t>
-            </a:r>
-            <a:r>
-              <a:rPr lang="en-US" dirty="0" smtClean="0"/>
-              <a:t>Contributions</a:t>
+              <a:t>Research Contributions</a:t>
             </a:r>
             <a:endParaRPr lang="en-US" dirty="0"/>
           </a:p>
@@ -6758,7 +6754,6 @@
               <a:rPr lang="en-US" dirty="0"/>
               <a:t>Contributions</a:t>
             </a:r>
-            <a:endParaRPr lang="en-US" dirty="0"/>
           </a:p>
         </p:txBody>
       </p:sp>
@@ -7925,7 +7920,6 @@
               <a:rPr lang="en-US" dirty="0"/>
               <a:t>Contributions</a:t>
             </a:r>
-            <a:endParaRPr lang="en-US" dirty="0"/>
           </a:p>
         </p:txBody>
       </p:sp>
@@ -9783,7 +9777,6 @@
               <a:rPr lang="en-US" dirty="0"/>
               <a:t>Contributions</a:t>
             </a:r>
-            <a:endParaRPr lang="en-US" dirty="0"/>
           </a:p>
         </p:txBody>
       </p:sp>
@@ -20020,7 +20013,7 @@
                                         <p:tgtEl>
                                           <p:spTgt spid="3">
                                             <p:txEl>
-                                              <p:pRg st="4" end="4"/>
+                                              <p:pRg st="1" end="1"/>
                                             </p:txEl>
                                           </p:spTgt>
                                         </p:tgtEl>
@@ -20038,6 +20031,189 @@
                                         <p:tgtEl>
                                           <p:spTgt spid="3">
                                             <p:txEl>
+                                              <p:pRg st="1" end="1"/>
+                                            </p:txEl>
+                                          </p:spTgt>
+                                        </p:tgtEl>
+                                      </p:cBhvr>
+                                    </p:animEffect>
+                                  </p:childTnLst>
+                                </p:cTn>
+                              </p:par>
+                            </p:childTnLst>
+                          </p:cTn>
+                        </p:par>
+                      </p:childTnLst>
+                    </p:cTn>
+                  </p:par>
+                  <p:par>
+                    <p:cTn id="8" fill="hold">
+                      <p:stCondLst>
+                        <p:cond delay="indefinite"/>
+                      </p:stCondLst>
+                      <p:childTnLst>
+                        <p:par>
+                          <p:cTn id="9" fill="hold">
+                            <p:stCondLst>
+                              <p:cond delay="0"/>
+                            </p:stCondLst>
+                            <p:childTnLst>
+                              <p:par>
+                                <p:cTn id="10" presetID="3" presetClass="entr" presetSubtype="10" fill="hold" nodeType="clickEffect">
+                                  <p:stCondLst>
+                                    <p:cond delay="0"/>
+                                  </p:stCondLst>
+                                  <p:childTnLst>
+                                    <p:set>
+                                      <p:cBhvr>
+                                        <p:cTn id="11" dur="1" fill="hold">
+                                          <p:stCondLst>
+                                            <p:cond delay="0"/>
+                                          </p:stCondLst>
+                                        </p:cTn>
+                                        <p:tgtEl>
+                                          <p:spTgt spid="3">
+                                            <p:txEl>
+                                              <p:pRg st="2" end="2"/>
+                                            </p:txEl>
+                                          </p:spTgt>
+                                        </p:tgtEl>
+                                        <p:attrNameLst>
+                                          <p:attrName>style.visibility</p:attrName>
+                                        </p:attrNameLst>
+                                      </p:cBhvr>
+                                      <p:to>
+                                        <p:strVal val="visible"/>
+                                      </p:to>
+                                    </p:set>
+                                    <p:animEffect transition="in" filter="blinds(horizontal)">
+                                      <p:cBhvr>
+                                        <p:cTn id="12" dur="500"/>
+                                        <p:tgtEl>
+                                          <p:spTgt spid="3">
+                                            <p:txEl>
+                                              <p:pRg st="2" end="2"/>
+                                            </p:txEl>
+                                          </p:spTgt>
+                                        </p:tgtEl>
+                                      </p:cBhvr>
+                                    </p:animEffect>
+                                  </p:childTnLst>
+                                </p:cTn>
+                              </p:par>
+                            </p:childTnLst>
+                          </p:cTn>
+                        </p:par>
+                      </p:childTnLst>
+                    </p:cTn>
+                  </p:par>
+                  <p:par>
+                    <p:cTn id="13" fill="hold">
+                      <p:stCondLst>
+                        <p:cond delay="indefinite"/>
+                      </p:stCondLst>
+                      <p:childTnLst>
+                        <p:par>
+                          <p:cTn id="14" fill="hold">
+                            <p:stCondLst>
+                              <p:cond delay="0"/>
+                            </p:stCondLst>
+                            <p:childTnLst>
+                              <p:par>
+                                <p:cTn id="15" presetID="3" presetClass="entr" presetSubtype="10" fill="hold" nodeType="clickEffect">
+                                  <p:stCondLst>
+                                    <p:cond delay="0"/>
+                                  </p:stCondLst>
+                                  <p:childTnLst>
+                                    <p:set>
+                                      <p:cBhvr>
+                                        <p:cTn id="16" dur="1" fill="hold">
+                                          <p:stCondLst>
+                                            <p:cond delay="0"/>
+                                          </p:stCondLst>
+                                        </p:cTn>
+                                        <p:tgtEl>
+                                          <p:spTgt spid="3">
+                                            <p:txEl>
+                                              <p:pRg st="3" end="3"/>
+                                            </p:txEl>
+                                          </p:spTgt>
+                                        </p:tgtEl>
+                                        <p:attrNameLst>
+                                          <p:attrName>style.visibility</p:attrName>
+                                        </p:attrNameLst>
+                                      </p:cBhvr>
+                                      <p:to>
+                                        <p:strVal val="visible"/>
+                                      </p:to>
+                                    </p:set>
+                                    <p:animEffect transition="in" filter="blinds(horizontal)">
+                                      <p:cBhvr>
+                                        <p:cTn id="17" dur="500"/>
+                                        <p:tgtEl>
+                                          <p:spTgt spid="3">
+                                            <p:txEl>
+                                              <p:pRg st="3" end="3"/>
+                                            </p:txEl>
+                                          </p:spTgt>
+                                        </p:tgtEl>
+                                      </p:cBhvr>
+                                    </p:animEffect>
+                                  </p:childTnLst>
+                                </p:cTn>
+                              </p:par>
+                            </p:childTnLst>
+                          </p:cTn>
+                        </p:par>
+                      </p:childTnLst>
+                    </p:cTn>
+                  </p:par>
+                  <p:par>
+                    <p:cTn id="18" fill="hold">
+                      <p:stCondLst>
+                        <p:cond delay="indefinite"/>
+                      </p:stCondLst>
+                      <p:childTnLst>
+                        <p:par>
+                          <p:cTn id="19" fill="hold">
+                            <p:stCondLst>
+                              <p:cond delay="0"/>
+                            </p:stCondLst>
+                            <p:childTnLst>
+                              <p:par>
+                                <p:cTn id="20" presetID="3" presetClass="entr" presetSubtype="10" fill="hold" nodeType="clickEffect">
+                                  <p:stCondLst>
+                                    <p:cond delay="0"/>
+                                  </p:stCondLst>
+                                  <p:childTnLst>
+                                    <p:set>
+                                      <p:cBhvr>
+                                        <p:cTn id="21" dur="1" fill="hold">
+                                          <p:stCondLst>
+                                            <p:cond delay="0"/>
+                                          </p:stCondLst>
+                                        </p:cTn>
+                                        <p:tgtEl>
+                                          <p:spTgt spid="3">
+                                            <p:txEl>
+                                              <p:pRg st="4" end="4"/>
+                                            </p:txEl>
+                                          </p:spTgt>
+                                        </p:tgtEl>
+                                        <p:attrNameLst>
+                                          <p:attrName>style.visibility</p:attrName>
+                                        </p:attrNameLst>
+                                      </p:cBhvr>
+                                      <p:to>
+                                        <p:strVal val="visible"/>
+                                      </p:to>
+                                    </p:set>
+                                    <p:animEffect transition="in" filter="blinds(horizontal)">
+                                      <p:cBhvr>
+                                        <p:cTn id="22" dur="500"/>
+                                        <p:tgtEl>
+                                          <p:spTgt spid="3">
+                                            <p:txEl>
                                               <p:pRg st="4" end="4"/>
                                             </p:txEl>
                                           </p:spTgt>
@@ -20048,14 +20224,14 @@
                                 </p:cTn>
                               </p:par>
                               <p:par>
-                                <p:cTn id="8" presetID="3" presetClass="entr" presetSubtype="10" fill="hold" nodeType="withEffect">
+                                <p:cTn id="23" presetID="3" presetClass="entr" presetSubtype="10" fill="hold" nodeType="withEffect">
                                   <p:stCondLst>
                                     <p:cond delay="0"/>
                                   </p:stCondLst>
                                   <p:childTnLst>
                                     <p:set>
                                       <p:cBhvr>
-                                        <p:cTn id="9" dur="1" fill="hold">
+                                        <p:cTn id="24" dur="1" fill="hold">
                                           <p:stCondLst>
                                             <p:cond delay="0"/>
                                           </p:stCondLst>
@@ -20077,7 +20253,7 @@
                                     </p:set>
                                     <p:animEffect transition="in" filter="blinds(horizontal)">
                                       <p:cBhvr>
-                                        <p:cTn id="10" dur="500"/>
+                                        <p:cTn id="25" dur="500"/>
                                         <p:tgtEl>
                                           <p:spTgt spid="3">
                                             <p:txEl>

--- a/Eager/elk-experiment/appserver/system_design.pptx
+++ b/Eager/elk-experiment/appserver/system_design.pptx
@@ -316,7 +316,7 @@
           <a:p>
             <a:fld id="{37D14F8C-9F46-2E42-9999-888BFBC492E3}" type="datetimeFigureOut">
               <a:rPr lang="en-US" smtClean="0"/>
-              <a:t>5/9/16</a:t>
+              <a:t>5/16/16</a:t>
             </a:fld>
             <a:endParaRPr lang="en-US"/>
           </a:p>
@@ -482,7 +482,7 @@
           <a:p>
             <a:fld id="{C6B377BD-EE2D-6A4D-8791-40EA342A78BF}" type="datetimeFigureOut">
               <a:rPr lang="en-US" smtClean="0"/>
-              <a:t>5/9/16</a:t>
+              <a:t>5/16/16</a:t>
             </a:fld>
             <a:endParaRPr lang="en-US"/>
           </a:p>
@@ -1169,20 +1169,6 @@
           <a:bodyPr/>
           <a:lstStyle/>
           <a:p>
-            <a:r>
-              <a:rPr lang="en-US" dirty="0" smtClean="0"/>
-              <a:t>Durability test ran for 3 months</a:t>
-            </a:r>
-          </a:p>
-          <a:p>
-            <a:r>
-              <a:rPr lang="en-US" dirty="0" smtClean="0"/>
-              <a:t>Remove</a:t>
-            </a:r>
-            <a:r>
-              <a:rPr lang="en-US" baseline="0" dirty="0" smtClean="0"/>
-              <a:t> the 2 week history point</a:t>
-            </a:r>
             <a:endParaRPr lang="en-US" dirty="0" smtClean="0"/>
           </a:p>
         </p:txBody>
@@ -1267,20 +1253,6 @@
           <a:bodyPr/>
           <a:lstStyle/>
           <a:p>
-            <a:r>
-              <a:rPr lang="en-US" dirty="0" smtClean="0"/>
-              <a:t>Correlated instead</a:t>
-            </a:r>
-            <a:r>
-              <a:rPr lang="en-US" baseline="0" dirty="0" smtClean="0"/>
-              <a:t> of explained by</a:t>
-            </a:r>
-          </a:p>
-          <a:p>
-            <a:r>
-              <a:rPr lang="en-US" baseline="0" dirty="0" smtClean="0"/>
-              <a:t>Use an action sequence diagram</a:t>
-            </a:r>
             <a:endParaRPr lang="en-US" dirty="0"/>
           </a:p>
         </p:txBody>
@@ -1463,22 +1435,6 @@
           <a:bodyPr/>
           <a:lstStyle/>
           <a:p>
-            <a:r>
-              <a:rPr lang="en-US" dirty="0" smtClean="0"/>
-              <a:t>Without application instrumentation</a:t>
-            </a:r>
-          </a:p>
-          <a:p>
-            <a:r>
-              <a:rPr lang="en-US" dirty="0" smtClean="0"/>
-              <a:t>Sequences instead of paths</a:t>
-            </a:r>
-          </a:p>
-          <a:p>
-            <a:r>
-              <a:rPr lang="en-US" dirty="0" smtClean="0"/>
-              <a:t>Call sequences</a:t>
-            </a:r>
             <a:endParaRPr lang="en-US" dirty="0"/>
           </a:p>
         </p:txBody>
@@ -1944,22 +1900,6 @@
           <a:bodyPr/>
           <a:lstStyle/>
           <a:p>
-            <a:r>
-              <a:rPr lang="en-US" dirty="0" smtClean="0"/>
-              <a:t>Define SLAs and SLOs</a:t>
-            </a:r>
-          </a:p>
-          <a:p>
-            <a:r>
-              <a:rPr lang="en-US" dirty="0" smtClean="0"/>
-              <a:t>Why we need to “reason” about performance? To form SLAs</a:t>
-            </a:r>
-          </a:p>
-          <a:p>
-            <a:r>
-              <a:rPr lang="en-US" dirty="0" smtClean="0"/>
-              <a:t>Remove picture</a:t>
-            </a:r>
             <a:endParaRPr lang="en-US" dirty="0"/>
           </a:p>
         </p:txBody>
@@ -2187,26 +2127,6 @@
           <a:bodyPr/>
           <a:lstStyle/>
           <a:p>
-            <a:r>
-              <a:rPr lang="en-US" dirty="0" smtClean="0"/>
-              <a:t>Low overhead,</a:t>
-            </a:r>
-            <a:r>
-              <a:rPr lang="en-US" baseline="0" dirty="0" smtClean="0"/>
-              <a:t> Without human intervention</a:t>
-            </a:r>
-          </a:p>
-          <a:p>
-            <a:r>
-              <a:rPr lang="en-US" baseline="0" dirty="0" smtClean="0"/>
-              <a:t>“parameters for the system”</a:t>
-            </a:r>
-          </a:p>
-          <a:p>
-            <a:r>
-              <a:rPr lang="en-US" baseline="0" dirty="0" smtClean="0"/>
-              <a:t>Define governance – Application of policies to control system behavior</a:t>
-            </a:r>
             <a:endParaRPr lang="en-US" dirty="0"/>
           </a:p>
         </p:txBody>
@@ -2291,68 +2211,6 @@
           <a:bodyPr/>
           <a:lstStyle/>
           <a:p>
-            <a:r>
-              <a:rPr lang="en-US" dirty="0" smtClean="0"/>
-              <a:t>Remove (a) and (b)</a:t>
-            </a:r>
-          </a:p>
-          <a:p>
-            <a:r>
-              <a:rPr lang="en-US" dirty="0" err="1" smtClean="0"/>
-              <a:t>PaaS</a:t>
-            </a:r>
-            <a:r>
-              <a:rPr lang="en-US" dirty="0" smtClean="0"/>
-              <a:t> logos</a:t>
-            </a:r>
-          </a:p>
-          <a:p>
-            <a:r>
-              <a:rPr lang="en-US" dirty="0" smtClean="0"/>
-              <a:t>Explain we use </a:t>
-            </a:r>
-            <a:r>
-              <a:rPr lang="en-US" dirty="0" err="1" smtClean="0"/>
-              <a:t>PaaS</a:t>
-            </a:r>
-            <a:r>
-              <a:rPr lang="en-US" dirty="0" smtClean="0"/>
-              <a:t> in the research a lot – provides a good </a:t>
-            </a:r>
-            <a:r>
-              <a:rPr lang="en-US" dirty="0" err="1" smtClean="0"/>
-              <a:t>impl</a:t>
-            </a:r>
-            <a:r>
-              <a:rPr lang="en-US" dirty="0" smtClean="0"/>
-              <a:t> framework for non-intrusive</a:t>
-            </a:r>
-            <a:r>
-              <a:rPr lang="en-US" baseline="0" dirty="0" smtClean="0"/>
-              <a:t> governance, real applications for testing</a:t>
-            </a:r>
-          </a:p>
-          <a:p>
-            <a:r>
-              <a:rPr lang="en-US" baseline="0" dirty="0" smtClean="0"/>
-              <a:t>Explain </a:t>
-            </a:r>
-            <a:r>
-              <a:rPr lang="en-US" baseline="0" dirty="0" err="1" smtClean="0"/>
-              <a:t>PaaS</a:t>
-            </a:r>
-            <a:r>
-              <a:rPr lang="en-US" baseline="0" dirty="0" smtClean="0"/>
-              <a:t> app lifecycle (deployment time </a:t>
-            </a:r>
-            <a:r>
-              <a:rPr lang="en-US" baseline="0" dirty="0" err="1" smtClean="0"/>
-              <a:t>vs</a:t>
-            </a:r>
-            <a:r>
-              <a:rPr lang="en-US" baseline="0" dirty="0" smtClean="0"/>
-              <a:t> run time)</a:t>
-            </a:r>
             <a:endParaRPr lang="en-US" dirty="0"/>
           </a:p>
         </p:txBody>
@@ -2437,10 +2295,6 @@
           <a:bodyPr/>
           <a:lstStyle/>
           <a:p>
-            <a:r>
-              <a:rPr lang="en-US" dirty="0" smtClean="0"/>
-              <a:t>Make it clear that these are goals</a:t>
-            </a:r>
             <a:endParaRPr lang="en-US" dirty="0"/>
           </a:p>
         </p:txBody>
@@ -2949,7 +2803,7 @@
           <a:p>
             <a:fld id="{8EE520D6-1199-3C41-9A6A-AA3E2C6DD588}" type="datetime1">
               <a:rPr lang="en-US" smtClean="0"/>
-              <a:t>5/9/16</a:t>
+              <a:t>5/16/16</a:t>
             </a:fld>
             <a:endParaRPr lang="en-US"/>
           </a:p>
@@ -3119,7 +2973,7 @@
           <a:p>
             <a:fld id="{6DE2AD85-55B3-6D40-8E45-4897033CE78D}" type="datetime1">
               <a:rPr lang="en-US" smtClean="0"/>
-              <a:t>5/9/16</a:t>
+              <a:t>5/16/16</a:t>
             </a:fld>
             <a:endParaRPr lang="en-US"/>
           </a:p>
@@ -3299,7 +3153,7 @@
           <a:p>
             <a:fld id="{9B6E2D90-BDC5-EC4E-97C9-9EBA924F9C2A}" type="datetime1">
               <a:rPr lang="en-US" smtClean="0"/>
-              <a:t>5/9/16</a:t>
+              <a:t>5/16/16</a:t>
             </a:fld>
             <a:endParaRPr lang="en-US"/>
           </a:p>
@@ -3469,7 +3323,7 @@
           <a:p>
             <a:fld id="{3C02FE2B-B967-F44C-97BF-619FFF540275}" type="datetime1">
               <a:rPr lang="en-US" smtClean="0"/>
-              <a:t>5/9/16</a:t>
+              <a:t>5/16/16</a:t>
             </a:fld>
             <a:endParaRPr lang="en-US"/>
           </a:p>
@@ -3715,7 +3569,7 @@
           <a:p>
             <a:fld id="{2E0BEB10-3E92-1544-85E8-C96C20A337CE}" type="datetime1">
               <a:rPr lang="en-US" smtClean="0"/>
-              <a:t>5/9/16</a:t>
+              <a:t>5/16/16</a:t>
             </a:fld>
             <a:endParaRPr lang="en-US"/>
           </a:p>
@@ -4003,7 +3857,7 @@
           <a:p>
             <a:fld id="{475FB051-8E54-8E49-8432-E38A630FF054}" type="datetime1">
               <a:rPr lang="en-US" smtClean="0"/>
-              <a:t>5/9/16</a:t>
+              <a:t>5/16/16</a:t>
             </a:fld>
             <a:endParaRPr lang="en-US"/>
           </a:p>
@@ -4425,7 +4279,7 @@
           <a:p>
             <a:fld id="{8BA679C2-08DD-074B-9C48-B348A1DFA775}" type="datetime1">
               <a:rPr lang="en-US" smtClean="0"/>
-              <a:t>5/9/16</a:t>
+              <a:t>5/16/16</a:t>
             </a:fld>
             <a:endParaRPr lang="en-US"/>
           </a:p>
@@ -4543,7 +4397,7 @@
           <a:p>
             <a:fld id="{FD8F829F-F712-8745-AC98-41D32B363003}" type="datetime1">
               <a:rPr lang="en-US" smtClean="0"/>
-              <a:t>5/9/16</a:t>
+              <a:t>5/16/16</a:t>
             </a:fld>
             <a:endParaRPr lang="en-US"/>
           </a:p>
@@ -4638,7 +4492,7 @@
           <a:p>
             <a:fld id="{B7766C51-9295-BA4E-9CC5-B913E9ED7975}" type="datetime1">
               <a:rPr lang="en-US" smtClean="0"/>
-              <a:t>5/9/16</a:t>
+              <a:t>5/16/16</a:t>
             </a:fld>
             <a:endParaRPr lang="en-US"/>
           </a:p>
@@ -4915,7 +4769,7 @@
           <a:p>
             <a:fld id="{DCC74353-384D-7548-8376-5A6CDDA54B35}" type="datetime1">
               <a:rPr lang="en-US" smtClean="0"/>
-              <a:t>5/9/16</a:t>
+              <a:t>5/16/16</a:t>
             </a:fld>
             <a:endParaRPr lang="en-US"/>
           </a:p>
@@ -5168,7 +5022,7 @@
           <a:p>
             <a:fld id="{912E0EE9-0FD5-A04C-8EF0-F3BFD9ED0CEF}" type="datetime1">
               <a:rPr lang="en-US" smtClean="0"/>
-              <a:t>5/9/16</a:t>
+              <a:t>5/16/16</a:t>
             </a:fld>
             <a:endParaRPr lang="en-US"/>
           </a:p>
@@ -5381,7 +5235,7 @@
           <a:p>
             <a:fld id="{E05DCBF9-A63F-9B48-BC2B-98F6B05BC7B3}" type="datetime1">
               <a:rPr lang="en-US" smtClean="0"/>
-              <a:t>5/9/16</a:t>
+              <a:t>5/16/16</a:t>
             </a:fld>
             <a:endParaRPr lang="en-US"/>
           </a:p>
@@ -9619,7 +9473,7 @@
         <p:spPr/>
         <p:txBody>
           <a:bodyPr>
-            <a:normAutofit fontScale="92500" lnSpcReduction="10000"/>
+            <a:normAutofit lnSpcReduction="10000"/>
           </a:bodyPr>
           <a:lstStyle/>
           <a:p>
@@ -9681,16 +9535,13 @@
             <a:pPr lvl="1"/>
             <a:r>
               <a:rPr lang="en-US" dirty="0" smtClean="0"/>
-              <a:t>10 seconds: with 24 hour history</a:t>
-            </a:r>
-          </a:p>
-          <a:p>
-            <a:pPr lvl="1"/>
-            <a:r>
-              <a:rPr lang="en-US" dirty="0" smtClean="0"/>
-              <a:t>9.6 minutes: with 2 week history</a:t>
-            </a:r>
-            <a:endParaRPr lang="en-US" dirty="0"/>
+              <a:t>10 seconds: with 24 hour </a:t>
+            </a:r>
+            <a:r>
+              <a:rPr lang="en-US" dirty="0" smtClean="0"/>
+              <a:t>history</a:t>
+            </a:r>
+            <a:endParaRPr lang="en-US" dirty="0" smtClean="0"/>
           </a:p>
         </p:txBody>
       </p:sp>
@@ -12646,27 +12497,37 @@
           <a:p>
             <a:r>
               <a:rPr lang="en-US" dirty="0" smtClean="0"/>
-              <a:t>Identify sequences of SDK calls invoked by application</a:t>
+              <a:t>Identify sequences of SDK calls invoked by </a:t>
+            </a:r>
+            <a:r>
+              <a:rPr lang="en-US" dirty="0" smtClean="0"/>
+              <a:t>application without application instrumentation</a:t>
+            </a:r>
+            <a:endParaRPr lang="en-US" dirty="0" smtClean="0"/>
+          </a:p>
+          <a:p>
+            <a:r>
+              <a:rPr lang="en-US" dirty="0" smtClean="0"/>
+              <a:t>Call sequence </a:t>
+            </a:r>
+            <a:r>
+              <a:rPr lang="en-US" dirty="0" smtClean="0"/>
+              <a:t>distribution analysis</a:t>
             </a:r>
           </a:p>
           <a:p>
             <a:pPr lvl="1"/>
             <a:r>
               <a:rPr lang="en-US" dirty="0" smtClean="0"/>
-              <a:t>Path identification</a:t>
-            </a:r>
-          </a:p>
-          <a:p>
-            <a:r>
-              <a:rPr lang="en-US" dirty="0" smtClean="0"/>
-              <a:t>Path distribution analysis</a:t>
-            </a:r>
-          </a:p>
-          <a:p>
-            <a:pPr lvl="1"/>
-            <a:r>
-              <a:rPr lang="en-US" dirty="0" smtClean="0"/>
-              <a:t>Hot path identification</a:t>
+              <a:t>Hot </a:t>
+            </a:r>
+            <a:r>
+              <a:rPr lang="en-US" dirty="0" smtClean="0"/>
+              <a:t>call sequence </a:t>
+            </a:r>
+            <a:r>
+              <a:rPr lang="en-US" dirty="0" smtClean="0"/>
+              <a:t>identification</a:t>
             </a:r>
           </a:p>
           <a:p>

--- a/Eager/elk-experiment/appserver/system_design.pptx
+++ b/Eager/elk-experiment/appserver/system_design.pptx
@@ -316,7 +316,7 @@
           <a:p>
             <a:fld id="{37D14F8C-9F46-2E42-9999-888BFBC492E3}" type="datetimeFigureOut">
               <a:rPr lang="en-US" smtClean="0"/>
-              <a:t>5/16/16</a:t>
+              <a:t>5/18/16</a:t>
             </a:fld>
             <a:endParaRPr lang="en-US"/>
           </a:p>
@@ -482,7 +482,7 @@
           <a:p>
             <a:fld id="{C6B377BD-EE2D-6A4D-8791-40EA342A78BF}" type="datetimeFigureOut">
               <a:rPr lang="en-US" smtClean="0"/>
-              <a:t>5/16/16</a:t>
+              <a:t>5/18/16</a:t>
             </a:fld>
             <a:endParaRPr lang="en-US"/>
           </a:p>
@@ -795,10 +795,6 @@
           <a:bodyPr/>
           <a:lstStyle/>
           <a:p>
-            <a:r>
-              <a:rPr lang="en-US" dirty="0" smtClean="0"/>
-              <a:t>Explain the utility model</a:t>
-            </a:r>
             <a:endParaRPr lang="en-US" dirty="0"/>
           </a:p>
         </p:txBody>
@@ -2803,7 +2799,7 @@
           <a:p>
             <a:fld id="{8EE520D6-1199-3C41-9A6A-AA3E2C6DD588}" type="datetime1">
               <a:rPr lang="en-US" smtClean="0"/>
-              <a:t>5/16/16</a:t>
+              <a:t>5/18/16</a:t>
             </a:fld>
             <a:endParaRPr lang="en-US"/>
           </a:p>
@@ -2973,7 +2969,7 @@
           <a:p>
             <a:fld id="{6DE2AD85-55B3-6D40-8E45-4897033CE78D}" type="datetime1">
               <a:rPr lang="en-US" smtClean="0"/>
-              <a:t>5/16/16</a:t>
+              <a:t>5/18/16</a:t>
             </a:fld>
             <a:endParaRPr lang="en-US"/>
           </a:p>
@@ -3153,7 +3149,7 @@
           <a:p>
             <a:fld id="{9B6E2D90-BDC5-EC4E-97C9-9EBA924F9C2A}" type="datetime1">
               <a:rPr lang="en-US" smtClean="0"/>
-              <a:t>5/16/16</a:t>
+              <a:t>5/18/16</a:t>
             </a:fld>
             <a:endParaRPr lang="en-US"/>
           </a:p>
@@ -3323,7 +3319,7 @@
           <a:p>
             <a:fld id="{3C02FE2B-B967-F44C-97BF-619FFF540275}" type="datetime1">
               <a:rPr lang="en-US" smtClean="0"/>
-              <a:t>5/16/16</a:t>
+              <a:t>5/18/16</a:t>
             </a:fld>
             <a:endParaRPr lang="en-US"/>
           </a:p>
@@ -3569,7 +3565,7 @@
           <a:p>
             <a:fld id="{2E0BEB10-3E92-1544-85E8-C96C20A337CE}" type="datetime1">
               <a:rPr lang="en-US" smtClean="0"/>
-              <a:t>5/16/16</a:t>
+              <a:t>5/18/16</a:t>
             </a:fld>
             <a:endParaRPr lang="en-US"/>
           </a:p>
@@ -3857,7 +3853,7 @@
           <a:p>
             <a:fld id="{475FB051-8E54-8E49-8432-E38A630FF054}" type="datetime1">
               <a:rPr lang="en-US" smtClean="0"/>
-              <a:t>5/16/16</a:t>
+              <a:t>5/18/16</a:t>
             </a:fld>
             <a:endParaRPr lang="en-US"/>
           </a:p>
@@ -4279,7 +4275,7 @@
           <a:p>
             <a:fld id="{8BA679C2-08DD-074B-9C48-B348A1DFA775}" type="datetime1">
               <a:rPr lang="en-US" smtClean="0"/>
-              <a:t>5/16/16</a:t>
+              <a:t>5/18/16</a:t>
             </a:fld>
             <a:endParaRPr lang="en-US"/>
           </a:p>
@@ -4397,7 +4393,7 @@
           <a:p>
             <a:fld id="{FD8F829F-F712-8745-AC98-41D32B363003}" type="datetime1">
               <a:rPr lang="en-US" smtClean="0"/>
-              <a:t>5/16/16</a:t>
+              <a:t>5/18/16</a:t>
             </a:fld>
             <a:endParaRPr lang="en-US"/>
           </a:p>
@@ -4492,7 +4488,7 @@
           <a:p>
             <a:fld id="{B7766C51-9295-BA4E-9CC5-B913E9ED7975}" type="datetime1">
               <a:rPr lang="en-US" smtClean="0"/>
-              <a:t>5/16/16</a:t>
+              <a:t>5/18/16</a:t>
             </a:fld>
             <a:endParaRPr lang="en-US"/>
           </a:p>
@@ -4769,7 +4765,7 @@
           <a:p>
             <a:fld id="{DCC74353-384D-7548-8376-5A6CDDA54B35}" type="datetime1">
               <a:rPr lang="en-US" smtClean="0"/>
-              <a:t>5/16/16</a:t>
+              <a:t>5/18/16</a:t>
             </a:fld>
             <a:endParaRPr lang="en-US"/>
           </a:p>
@@ -5022,7 +5018,7 @@
           <a:p>
             <a:fld id="{912E0EE9-0FD5-A04C-8EF0-F3BFD9ED0CEF}" type="datetime1">
               <a:rPr lang="en-US" smtClean="0"/>
-              <a:t>5/16/16</a:t>
+              <a:t>5/18/16</a:t>
             </a:fld>
             <a:endParaRPr lang="en-US"/>
           </a:p>
@@ -5235,7 +5231,7 @@
           <a:p>
             <a:fld id="{E05DCBF9-A63F-9B48-BC2B-98F6B05BC7B3}" type="datetime1">
               <a:rPr lang="en-US" smtClean="0"/>
-              <a:t>5/16/16</a:t>
+              <a:t>5/18/16</a:t>
             </a:fld>
             <a:endParaRPr lang="en-US"/>
           </a:p>
@@ -6054,8 +6050,8 @@
         </p:nvSpPr>
         <p:spPr>
           <a:xfrm>
-            <a:off x="7330386" y="3092485"/>
-            <a:ext cx="1687731" cy="3263865"/>
+            <a:off x="7219946" y="3092485"/>
+            <a:ext cx="1798171" cy="3263865"/>
           </a:xfrm>
           <a:prstGeom prst="wedgeRectCallout">
             <a:avLst>
@@ -6139,18 +6135,13 @@
           <a:p>
             <a:pPr algn="ctr"/>
             <a:r>
-              <a:rPr lang="en-US" dirty="0" err="1" smtClean="0">
+              <a:rPr lang="en-US" dirty="0" smtClean="0">
                 <a:solidFill>
                   <a:schemeClr val="tx1"/>
                 </a:solidFill>
               </a:rPr>
-              <a:t>Stratos</a:t>
-            </a:r>
-            <a:endParaRPr lang="en-US" dirty="0">
-              <a:solidFill>
-                <a:schemeClr val="tx1"/>
-              </a:solidFill>
-            </a:endParaRPr>
+              <a:t>Elastic Beanstalk</a:t>
+            </a:r>
           </a:p>
         </p:txBody>
       </p:sp>
@@ -9535,13 +9526,8 @@
             <a:pPr lvl="1"/>
             <a:r>
               <a:rPr lang="en-US" dirty="0" smtClean="0"/>
-              <a:t>10 seconds: with 24 hour </a:t>
-            </a:r>
-            <a:r>
-              <a:rPr lang="en-US" dirty="0" smtClean="0"/>
-              <a:t>history</a:t>
-            </a:r>
-            <a:endParaRPr lang="en-US" dirty="0" smtClean="0"/>
+              <a:t>10 seconds: with 24 hour history</a:t>
+            </a:r>
           </a:p>
         </p:txBody>
       </p:sp>
@@ -10035,6 +10021,9 @@
           <a:prstGeom prst="rect">
             <a:avLst/>
           </a:prstGeom>
+          <a:solidFill>
+            <a:schemeClr val="accent1"/>
+          </a:solidFill>
         </p:spPr>
         <p:style>
           <a:lnRef idx="1">
@@ -10081,6 +10070,9 @@
           <a:prstGeom prst="rect">
             <a:avLst/>
           </a:prstGeom>
+          <a:solidFill>
+            <a:schemeClr val="accent1"/>
+          </a:solidFill>
         </p:spPr>
         <p:style>
           <a:lnRef idx="1">
@@ -10123,6 +10115,9 @@
           <a:prstGeom prst="rect">
             <a:avLst/>
           </a:prstGeom>
+          <a:solidFill>
+            <a:schemeClr val="accent1"/>
+          </a:solidFill>
         </p:spPr>
         <p:style>
           <a:lnRef idx="1">
@@ -10238,7 +10233,7 @@
             <a:avLst/>
           </a:prstGeom>
           <a:solidFill>
-            <a:srgbClr val="61D659"/>
+            <a:srgbClr val="20783D"/>
           </a:solidFill>
           <a:ln>
             <a:noFill/>
@@ -10293,7 +10288,7 @@
             <a:avLst/>
           </a:prstGeom>
           <a:solidFill>
-            <a:srgbClr val="61D659"/>
+            <a:srgbClr val="20783D"/>
           </a:solidFill>
           <a:ln>
             <a:noFill/>
@@ -10348,7 +10343,7 @@
             <a:avLst/>
           </a:prstGeom>
           <a:solidFill>
-            <a:srgbClr val="61D659"/>
+            <a:srgbClr val="20783D"/>
           </a:solidFill>
           <a:ln>
             <a:noFill/>
@@ -10474,7 +10469,7 @@
             <a:avLst/>
           </a:prstGeom>
           <a:solidFill>
-            <a:srgbClr val="FF0000"/>
+            <a:srgbClr val="C6113F"/>
           </a:solidFill>
           <a:ln>
             <a:noFill/>
@@ -10529,7 +10524,7 @@
             <a:avLst/>
           </a:prstGeom>
           <a:solidFill>
-            <a:srgbClr val="FF0000"/>
+            <a:srgbClr val="C6113F"/>
           </a:solidFill>
           <a:ln>
             <a:noFill/>
@@ -12497,37 +12492,20 @@
           <a:p>
             <a:r>
               <a:rPr lang="en-US" dirty="0" smtClean="0"/>
-              <a:t>Identify sequences of SDK calls invoked by </a:t>
-            </a:r>
-            <a:r>
-              <a:rPr lang="en-US" dirty="0" smtClean="0"/>
-              <a:t>application without application instrumentation</a:t>
-            </a:r>
-            <a:endParaRPr lang="en-US" dirty="0" smtClean="0"/>
-          </a:p>
-          <a:p>
-            <a:r>
-              <a:rPr lang="en-US" dirty="0" smtClean="0"/>
-              <a:t>Call sequence </a:t>
-            </a:r>
-            <a:r>
-              <a:rPr lang="en-US" dirty="0" smtClean="0"/>
-              <a:t>distribution analysis</a:t>
+              <a:t>Identify sequences of SDK calls invoked by application without application instrumentation</a:t>
+            </a:r>
+          </a:p>
+          <a:p>
+            <a:r>
+              <a:rPr lang="en-US" dirty="0" smtClean="0"/>
+              <a:t>Call sequence distribution analysis</a:t>
             </a:r>
           </a:p>
           <a:p>
             <a:pPr lvl="1"/>
             <a:r>
               <a:rPr lang="en-US" dirty="0" smtClean="0"/>
-              <a:t>Hot </a:t>
-            </a:r>
-            <a:r>
-              <a:rPr lang="en-US" dirty="0" smtClean="0"/>
-              <a:t>call sequence </a:t>
-            </a:r>
-            <a:r>
-              <a:rPr lang="en-US" dirty="0" smtClean="0"/>
-              <a:t>identification</a:t>
+              <a:t>Hot call sequence identification</a:t>
             </a:r>
           </a:p>
           <a:p>
@@ -12633,260 +12611,32 @@
             <p:ph idx="1"/>
           </p:nvPr>
         </p:nvSpPr>
-        <p:spPr/>
-        <p:txBody>
-          <a:bodyPr/>
-          <a:lstStyle/>
-          <a:p>
-            <a:r>
-              <a:rPr lang="en-US" dirty="0" smtClean="0"/>
-              <a:t>Suppose an application makes 3 SDK calls for each HTTP request.</a:t>
-            </a:r>
-          </a:p>
-          <a:p>
-            <a:pPr marL="0" indent="0">
-              <a:buNone/>
-            </a:pPr>
+        <p:spPr>
+          <a:xfrm>
+            <a:off x="457200" y="3755161"/>
+            <a:ext cx="8229600" cy="2371002"/>
+          </a:xfrm>
+        </p:spPr>
+        <p:txBody>
+          <a:bodyPr>
+            <a:normAutofit fontScale="92500" lnSpcReduction="10000"/>
+          </a:bodyPr>
+          <a:lstStyle/>
+          <a:p>
+            <a:r>
+              <a:rPr lang="en-US" dirty="0" smtClean="0"/>
+              <a:t>Model total response time using multiple linear regression</a:t>
+            </a:r>
+          </a:p>
+          <a:p>
+            <a:r>
+              <a:rPr lang="en-US" dirty="0" smtClean="0"/>
+              <a:t>Relative importance metric indicates the portion of variance in total response time explained by each independent variable [G06]</a:t>
+            </a:r>
             <a:endParaRPr lang="en-US" dirty="0"/>
           </a:p>
-          <a:p>
-            <a:endParaRPr lang="en-US" dirty="0" smtClean="0"/>
-          </a:p>
-          <a:p>
-            <a:r>
-              <a:rPr lang="en-US" dirty="0" smtClean="0"/>
-              <a:t>Linear regression model: Total = A + B + C</a:t>
-            </a:r>
-          </a:p>
-          <a:p>
-            <a:r>
-              <a:rPr lang="en-US" dirty="0" smtClean="0"/>
-              <a:t>Relative importance metric indicates the portion of variance in “Total” explained by each independent variable [G06]</a:t>
-            </a:r>
-            <a:endParaRPr lang="en-US" dirty="0"/>
-          </a:p>
-        </p:txBody>
-      </p:sp>
-      <p:graphicFrame>
-        <p:nvGraphicFramePr>
-          <p:cNvPr id="4" name="Table 3"/>
-          <p:cNvGraphicFramePr>
-            <a:graphicFrameLocks noGrp="1"/>
-          </p:cNvGraphicFramePr>
-          <p:nvPr>
-            <p:extLst>
-              <p:ext uri="{D42A27DB-BD31-4B8C-83A1-F6EECF244321}">
-                <p14:modId xmlns:p14="http://schemas.microsoft.com/office/powerpoint/2010/main" val="263786051"/>
-              </p:ext>
-            </p:extLst>
-          </p:nvPr>
-        </p:nvGraphicFramePr>
-        <p:xfrm>
-          <a:off x="1524000" y="2679567"/>
-          <a:ext cx="6096000" cy="1112520"/>
-        </p:xfrm>
-        <a:graphic>
-          <a:graphicData uri="http://schemas.openxmlformats.org/drawingml/2006/table">
-            <a:tbl>
-              <a:tblPr firstRow="1" bandRow="1">
-                <a:tableStyleId>{5C22544A-7EE6-4342-B048-85BDC9FD1C3A}</a:tableStyleId>
-              </a:tblPr>
-              <a:tblGrid>
-                <a:gridCol w="1524000"/>
-                <a:gridCol w="1524000"/>
-                <a:gridCol w="1524000"/>
-                <a:gridCol w="1524000"/>
-              </a:tblGrid>
-              <a:tr h="370840">
-                <a:tc>
-                  <a:txBody>
-                    <a:bodyPr/>
-                    <a:lstStyle/>
-                    <a:p>
-                      <a:pPr algn="ctr"/>
-                      <a:r>
-                        <a:rPr lang="en-US" dirty="0" smtClean="0"/>
-                        <a:t>A</a:t>
-                      </a:r>
-                      <a:endParaRPr lang="en-US" dirty="0"/>
-                    </a:p>
-                  </a:txBody>
-                  <a:tcPr/>
-                </a:tc>
-                <a:tc>
-                  <a:txBody>
-                    <a:bodyPr/>
-                    <a:lstStyle/>
-                    <a:p>
-                      <a:pPr algn="ctr"/>
-                      <a:r>
-                        <a:rPr lang="en-US" dirty="0" smtClean="0"/>
-                        <a:t>B</a:t>
-                      </a:r>
-                      <a:endParaRPr lang="en-US" dirty="0"/>
-                    </a:p>
-                  </a:txBody>
-                  <a:tcPr/>
-                </a:tc>
-                <a:tc>
-                  <a:txBody>
-                    <a:bodyPr/>
-                    <a:lstStyle/>
-                    <a:p>
-                      <a:pPr algn="ctr"/>
-                      <a:r>
-                        <a:rPr lang="en-US" dirty="0" smtClean="0"/>
-                        <a:t>C</a:t>
-                      </a:r>
-                      <a:endParaRPr lang="en-US" dirty="0"/>
-                    </a:p>
-                  </a:txBody>
-                  <a:tcPr/>
-                </a:tc>
-                <a:tc>
-                  <a:txBody>
-                    <a:bodyPr/>
-                    <a:lstStyle/>
-                    <a:p>
-                      <a:pPr algn="ctr"/>
-                      <a:r>
-                        <a:rPr lang="en-US" dirty="0" smtClean="0"/>
-                        <a:t>Total</a:t>
-                      </a:r>
-                      <a:endParaRPr lang="en-US" dirty="0"/>
-                    </a:p>
-                  </a:txBody>
-                  <a:tcPr/>
-                </a:tc>
-              </a:tr>
-              <a:tr h="370840">
-                <a:tc>
-                  <a:txBody>
-                    <a:bodyPr/>
-                    <a:lstStyle/>
-                    <a:p>
-                      <a:pPr algn="ctr"/>
-                      <a:r>
-                        <a:rPr lang="en-US" dirty="0" smtClean="0"/>
-                        <a:t>10</a:t>
-                      </a:r>
-                      <a:endParaRPr lang="en-US" dirty="0"/>
-                    </a:p>
-                  </a:txBody>
-                  <a:tcPr/>
-                </a:tc>
-                <a:tc>
-                  <a:txBody>
-                    <a:bodyPr/>
-                    <a:lstStyle/>
-                    <a:p>
-                      <a:pPr algn="ctr"/>
-                      <a:r>
-                        <a:rPr lang="en-US" dirty="0" smtClean="0"/>
-                        <a:t>18</a:t>
-                      </a:r>
-                      <a:endParaRPr lang="en-US" dirty="0"/>
-                    </a:p>
-                  </a:txBody>
-                  <a:tcPr/>
-                </a:tc>
-                <a:tc>
-                  <a:txBody>
-                    <a:bodyPr/>
-                    <a:lstStyle/>
-                    <a:p>
-                      <a:pPr algn="ctr"/>
-                      <a:r>
-                        <a:rPr lang="en-US" dirty="0" smtClean="0"/>
-                        <a:t>12</a:t>
-                      </a:r>
-                      <a:endParaRPr lang="en-US" dirty="0"/>
-                    </a:p>
-                  </a:txBody>
-                  <a:tcPr/>
-                </a:tc>
-                <a:tc>
-                  <a:txBody>
-                    <a:bodyPr/>
-                    <a:lstStyle/>
-                    <a:p>
-                      <a:pPr algn="ctr"/>
-                      <a:r>
-                        <a:rPr lang="en-US" dirty="0" smtClean="0"/>
-                        <a:t>44</a:t>
-                      </a:r>
-                      <a:endParaRPr lang="en-US" dirty="0"/>
-                    </a:p>
-                  </a:txBody>
-                  <a:tcPr/>
-                </a:tc>
-              </a:tr>
-              <a:tr h="370840">
-                <a:tc>
-                  <a:txBody>
-                    <a:bodyPr/>
-                    <a:lstStyle/>
-                    <a:p>
-                      <a:pPr algn="ctr"/>
-                      <a:r>
-                        <a:rPr lang="en-US" dirty="0" smtClean="0"/>
-                        <a:t>9</a:t>
-                      </a:r>
-                      <a:endParaRPr lang="en-US" dirty="0"/>
-                    </a:p>
-                  </a:txBody>
-                  <a:tcPr/>
-                </a:tc>
-                <a:tc>
-                  <a:txBody>
-                    <a:bodyPr/>
-                    <a:lstStyle/>
-                    <a:p>
-                      <a:pPr algn="ctr"/>
-                      <a:r>
-                        <a:rPr lang="en-US" dirty="0" smtClean="0"/>
-                        <a:t>20</a:t>
-                      </a:r>
-                      <a:endParaRPr lang="en-US" dirty="0"/>
-                    </a:p>
-                  </a:txBody>
-                  <a:tcPr/>
-                </a:tc>
-                <a:tc>
-                  <a:txBody>
-                    <a:bodyPr/>
-                    <a:lstStyle/>
-                    <a:p>
-                      <a:pPr algn="ctr"/>
-                      <a:r>
-                        <a:rPr lang="en-US" dirty="0" smtClean="0"/>
-                        <a:t>11</a:t>
-                      </a:r>
-                      <a:endParaRPr lang="en-US" dirty="0"/>
-                    </a:p>
-                  </a:txBody>
-                  <a:tcPr/>
-                </a:tc>
-                <a:tc>
-                  <a:txBody>
-                    <a:bodyPr/>
-                    <a:lstStyle/>
-                    <a:p>
-                      <a:pPr algn="ctr"/>
-                      <a:r>
-                        <a:rPr lang="en-US" dirty="0" smtClean="0"/>
-                        <a:t>42</a:t>
-                      </a:r>
-                      <a:endParaRPr lang="en-US" dirty="0"/>
-                    </a:p>
-                  </a:txBody>
-                  <a:tcPr/>
-                </a:tc>
-              </a:tr>
-            </a:tbl>
-          </a:graphicData>
-        </a:graphic>
-      </p:graphicFrame>
+        </p:txBody>
+      </p:sp>
       <p:sp>
         <p:nvSpPr>
           <p:cNvPr id="5" name="Slide Number Placeholder 4"/>
@@ -12907,6 +12657,481 @@
               <a:t>33</a:t>
             </a:fld>
             <a:endParaRPr lang="en-US"/>
+          </a:p>
+        </p:txBody>
+      </p:sp>
+      <p:sp>
+        <p:nvSpPr>
+          <p:cNvPr id="6" name="TextBox 5"/>
+          <p:cNvSpPr txBox="1"/>
+          <p:nvPr/>
+        </p:nvSpPr>
+        <p:spPr>
+          <a:xfrm>
+            <a:off x="131147" y="1472861"/>
+            <a:ext cx="8881707" cy="2492990"/>
+          </a:xfrm>
+          <a:prstGeom prst="rect">
+            <a:avLst/>
+          </a:prstGeom>
+          <a:noFill/>
+        </p:spPr>
+        <p:txBody>
+          <a:bodyPr wrap="square" rtlCol="0">
+            <a:spAutoFit/>
+          </a:bodyPr>
+          <a:lstStyle/>
+          <a:p>
+            <a:r>
+              <a:rPr lang="en-US" sz="1600" dirty="0">
+                <a:latin typeface="Courier"/>
+                <a:cs typeface="Courier"/>
+              </a:rPr>
+              <a:t>protected void </a:t>
+            </a:r>
+            <a:r>
+              <a:rPr lang="en-US" sz="1600" dirty="0" err="1">
+                <a:latin typeface="Courier"/>
+                <a:cs typeface="Courier"/>
+              </a:rPr>
+              <a:t>doGet</a:t>
+            </a:r>
+            <a:r>
+              <a:rPr lang="en-US" sz="1600" dirty="0">
+                <a:latin typeface="Courier"/>
+                <a:cs typeface="Courier"/>
+              </a:rPr>
+              <a:t>(</a:t>
+            </a:r>
+            <a:r>
+              <a:rPr lang="en-US" sz="1600" dirty="0" err="1">
+                <a:latin typeface="Courier"/>
+                <a:cs typeface="Courier"/>
+              </a:rPr>
+              <a:t>HttpServletRequest</a:t>
+            </a:r>
+            <a:r>
+              <a:rPr lang="en-US" sz="1600" dirty="0">
+                <a:latin typeface="Courier"/>
+                <a:cs typeface="Courier"/>
+              </a:rPr>
+              <a:t> </a:t>
+            </a:r>
+            <a:r>
+              <a:rPr lang="en-US" sz="1600" dirty="0" err="1">
+                <a:latin typeface="Courier"/>
+                <a:cs typeface="Courier"/>
+              </a:rPr>
+              <a:t>req</a:t>
+            </a:r>
+            <a:r>
+              <a:rPr lang="en-US" sz="1600" dirty="0" smtClean="0">
+                <a:latin typeface="Courier"/>
+                <a:cs typeface="Courier"/>
+              </a:rPr>
+              <a:t>, </a:t>
+            </a:r>
+            <a:r>
+              <a:rPr lang="en-US" sz="1600" dirty="0" err="1" smtClean="0">
+                <a:latin typeface="Courier"/>
+                <a:cs typeface="Courier"/>
+              </a:rPr>
+              <a:t>HttpServletResponse</a:t>
+            </a:r>
+            <a:r>
+              <a:rPr lang="en-US" sz="1600" dirty="0" smtClean="0">
+                <a:latin typeface="Courier"/>
+                <a:cs typeface="Courier"/>
+              </a:rPr>
+              <a:t> res) {</a:t>
+            </a:r>
+            <a:r>
+              <a:rPr lang="en-US" sz="1600" dirty="0">
+                <a:latin typeface="Courier"/>
+                <a:cs typeface="Courier"/>
+              </a:rPr>
+              <a:t/>
+            </a:r>
+            <a:br>
+              <a:rPr lang="en-US" sz="1600" dirty="0">
+                <a:latin typeface="Courier"/>
+                <a:cs typeface="Courier"/>
+              </a:rPr>
+            </a:br>
+            <a:r>
+              <a:rPr lang="en-US" sz="1600" dirty="0" smtClean="0">
+                <a:latin typeface="Courier"/>
+                <a:cs typeface="Courier"/>
+              </a:rPr>
+              <a:t>    String </a:t>
+            </a:r>
+            <a:r>
+              <a:rPr lang="en-US" sz="1600" dirty="0" err="1">
+                <a:latin typeface="Courier"/>
+                <a:cs typeface="Courier"/>
+              </a:rPr>
+              <a:t>userId</a:t>
+            </a:r>
+            <a:r>
+              <a:rPr lang="en-US" sz="1600" dirty="0">
+                <a:latin typeface="Courier"/>
+                <a:cs typeface="Courier"/>
+              </a:rPr>
+              <a:t> = </a:t>
+            </a:r>
+            <a:r>
+              <a:rPr lang="en-US" sz="1600" dirty="0" err="1">
+                <a:latin typeface="Courier"/>
+                <a:cs typeface="Courier"/>
+              </a:rPr>
+              <a:t>req.getParameter</a:t>
+            </a:r>
+            <a:r>
+              <a:rPr lang="en-US" sz="1600" dirty="0">
+                <a:latin typeface="Courier"/>
+                <a:cs typeface="Courier"/>
+              </a:rPr>
+              <a:t>("user");</a:t>
+            </a:r>
+            <a:br>
+              <a:rPr lang="en-US" sz="1600" dirty="0">
+                <a:latin typeface="Courier"/>
+                <a:cs typeface="Courier"/>
+              </a:rPr>
+            </a:br>
+            <a:r>
+              <a:rPr lang="en-US" sz="1600" dirty="0">
+                <a:latin typeface="Courier"/>
+                <a:cs typeface="Courier"/>
+              </a:rPr>
+              <a:t>    </a:t>
+            </a:r>
+            <a:r>
+              <a:rPr lang="en-US" sz="1600" b="1" dirty="0">
+                <a:solidFill>
+                  <a:srgbClr val="0000FF"/>
+                </a:solidFill>
+                <a:latin typeface="Courier"/>
+                <a:cs typeface="Courier"/>
+              </a:rPr>
+              <a:t>Entity entity = </a:t>
+            </a:r>
+            <a:r>
+              <a:rPr lang="en-US" sz="1600" b="1" dirty="0" err="1">
+                <a:solidFill>
+                  <a:srgbClr val="0000FF"/>
+                </a:solidFill>
+                <a:latin typeface="Courier"/>
+                <a:cs typeface="Courier"/>
+              </a:rPr>
+              <a:t>datastore.get</a:t>
+            </a:r>
+            <a:r>
+              <a:rPr lang="en-US" sz="1600" b="1" dirty="0" smtClean="0">
+                <a:solidFill>
+                  <a:srgbClr val="0000FF"/>
+                </a:solidFill>
+                <a:latin typeface="Courier"/>
+                <a:cs typeface="Courier"/>
+              </a:rPr>
+              <a:t>(</a:t>
+            </a:r>
+            <a:r>
+              <a:rPr lang="en-US" sz="1600" b="1" dirty="0" err="1" smtClean="0">
+                <a:solidFill>
+                  <a:srgbClr val="0000FF"/>
+                </a:solidFill>
+                <a:latin typeface="Courier"/>
+                <a:cs typeface="Courier"/>
+              </a:rPr>
+              <a:t>newKey</a:t>
+            </a:r>
+            <a:r>
+              <a:rPr lang="en-US" sz="1600" b="1" dirty="0" smtClean="0">
+                <a:solidFill>
+                  <a:srgbClr val="0000FF"/>
+                </a:solidFill>
+                <a:latin typeface="Courier"/>
+                <a:cs typeface="Courier"/>
+              </a:rPr>
+              <a:t>(</a:t>
+            </a:r>
+            <a:r>
+              <a:rPr lang="en-US" sz="1600" b="1" dirty="0">
+                <a:solidFill>
+                  <a:srgbClr val="0000FF"/>
+                </a:solidFill>
+                <a:latin typeface="Courier"/>
+                <a:cs typeface="Courier"/>
+              </a:rPr>
+              <a:t>"USER_INFO", </a:t>
+            </a:r>
+            <a:r>
+              <a:rPr lang="en-US" sz="1600" b="1" dirty="0" err="1">
+                <a:solidFill>
+                  <a:srgbClr val="0000FF"/>
+                </a:solidFill>
+                <a:latin typeface="Courier"/>
+                <a:cs typeface="Courier"/>
+              </a:rPr>
+              <a:t>userId</a:t>
+            </a:r>
+            <a:r>
+              <a:rPr lang="en-US" sz="1600" b="1" dirty="0">
+                <a:solidFill>
+                  <a:srgbClr val="0000FF"/>
+                </a:solidFill>
+                <a:latin typeface="Courier"/>
+                <a:cs typeface="Courier"/>
+              </a:rPr>
+              <a:t>));</a:t>
+            </a:r>
+            <a:br>
+              <a:rPr lang="en-US" sz="1600" b="1" dirty="0">
+                <a:solidFill>
+                  <a:srgbClr val="0000FF"/>
+                </a:solidFill>
+                <a:latin typeface="Courier"/>
+                <a:cs typeface="Courier"/>
+              </a:rPr>
+            </a:br>
+            <a:r>
+              <a:rPr lang="en-US" sz="1600" dirty="0">
+                <a:latin typeface="Courier"/>
+                <a:cs typeface="Courier"/>
+              </a:rPr>
+              <a:t>    </a:t>
+            </a:r>
+            <a:r>
+              <a:rPr lang="en-US" sz="1600" dirty="0" err="1">
+                <a:latin typeface="Courier"/>
+                <a:cs typeface="Courier"/>
+              </a:rPr>
+              <a:t>populateResponse</a:t>
+            </a:r>
+            <a:r>
+              <a:rPr lang="en-US" sz="1600" dirty="0">
+                <a:latin typeface="Courier"/>
+                <a:cs typeface="Courier"/>
+              </a:rPr>
+              <a:t>(</a:t>
+            </a:r>
+            <a:r>
+              <a:rPr lang="en-US" sz="1600" dirty="0" err="1">
+                <a:latin typeface="Courier"/>
+                <a:cs typeface="Courier"/>
+              </a:rPr>
+              <a:t>userId</a:t>
+            </a:r>
+            <a:r>
+              <a:rPr lang="en-US" sz="1600" dirty="0">
+                <a:latin typeface="Courier"/>
+                <a:cs typeface="Courier"/>
+              </a:rPr>
+              <a:t>, entity, </a:t>
+            </a:r>
+            <a:r>
+              <a:rPr lang="en-US" sz="1600" dirty="0" smtClean="0">
+                <a:latin typeface="Courier"/>
+                <a:cs typeface="Courier"/>
+              </a:rPr>
+              <a:t>res)</a:t>
+            </a:r>
+            <a:r>
+              <a:rPr lang="en-US" sz="1600" dirty="0">
+                <a:latin typeface="Courier"/>
+                <a:cs typeface="Courier"/>
+              </a:rPr>
+              <a:t>;</a:t>
+            </a:r>
+            <a:br>
+              <a:rPr lang="en-US" sz="1600" dirty="0">
+                <a:latin typeface="Courier"/>
+                <a:cs typeface="Courier"/>
+              </a:rPr>
+            </a:br>
+            <a:r>
+              <a:rPr lang="en-US" sz="1600" dirty="0">
+                <a:latin typeface="Courier"/>
+                <a:cs typeface="Courier"/>
+              </a:rPr>
+              <a:t>    Entity </a:t>
+            </a:r>
+            <a:r>
+              <a:rPr lang="en-US" sz="1600" dirty="0" err="1">
+                <a:latin typeface="Courier"/>
+                <a:cs typeface="Courier"/>
+              </a:rPr>
+              <a:t>userEvent</a:t>
+            </a:r>
+            <a:r>
+              <a:rPr lang="en-US" sz="1600" dirty="0">
+                <a:latin typeface="Courier"/>
+                <a:cs typeface="Courier"/>
+              </a:rPr>
+              <a:t> = new Entity("USER_EVENT");</a:t>
+            </a:r>
+            <a:br>
+              <a:rPr lang="en-US" sz="1600" dirty="0">
+                <a:latin typeface="Courier"/>
+                <a:cs typeface="Courier"/>
+              </a:rPr>
+            </a:br>
+            <a:r>
+              <a:rPr lang="en-US" sz="1600" dirty="0">
+                <a:latin typeface="Courier"/>
+                <a:cs typeface="Courier"/>
+              </a:rPr>
+              <a:t>    </a:t>
+            </a:r>
+            <a:r>
+              <a:rPr lang="en-US" sz="1600" dirty="0" err="1">
+                <a:latin typeface="Courier"/>
+                <a:cs typeface="Courier"/>
+              </a:rPr>
+              <a:t>userEvent.setProperty</a:t>
+            </a:r>
+            <a:r>
+              <a:rPr lang="en-US" sz="1600" dirty="0">
+                <a:latin typeface="Courier"/>
+                <a:cs typeface="Courier"/>
+              </a:rPr>
+              <a:t>("user", </a:t>
+            </a:r>
+            <a:r>
+              <a:rPr lang="en-US" sz="1600" dirty="0" err="1">
+                <a:latin typeface="Courier"/>
+                <a:cs typeface="Courier"/>
+              </a:rPr>
+              <a:t>userId</a:t>
+            </a:r>
+            <a:r>
+              <a:rPr lang="en-US" sz="1600" dirty="0">
+                <a:latin typeface="Courier"/>
+                <a:cs typeface="Courier"/>
+              </a:rPr>
+              <a:t>);</a:t>
+            </a:r>
+            <a:br>
+              <a:rPr lang="en-US" sz="1600" dirty="0">
+                <a:latin typeface="Courier"/>
+                <a:cs typeface="Courier"/>
+              </a:rPr>
+            </a:br>
+            <a:r>
+              <a:rPr lang="en-US" sz="1600" dirty="0">
+                <a:latin typeface="Courier"/>
+                <a:cs typeface="Courier"/>
+              </a:rPr>
+              <a:t>    </a:t>
+            </a:r>
+            <a:r>
+              <a:rPr lang="en-US" sz="1600" dirty="0" err="1">
+                <a:latin typeface="Courier"/>
+                <a:cs typeface="Courier"/>
+              </a:rPr>
+              <a:t>userEvent.setProperty</a:t>
+            </a:r>
+            <a:r>
+              <a:rPr lang="en-US" sz="1600" dirty="0">
+                <a:latin typeface="Courier"/>
+                <a:cs typeface="Courier"/>
+              </a:rPr>
+              <a:t>("date", </a:t>
+            </a:r>
+            <a:r>
+              <a:rPr lang="en-US" sz="1600" dirty="0" err="1">
+                <a:latin typeface="Courier"/>
+                <a:cs typeface="Courier"/>
+              </a:rPr>
+              <a:t>System.</a:t>
+            </a:r>
+            <a:r>
+              <a:rPr lang="en-US" sz="1600" i="1" dirty="0" err="1">
+                <a:latin typeface="Courier"/>
+                <a:cs typeface="Courier"/>
+              </a:rPr>
+              <a:t>currentTimeMillis</a:t>
+            </a:r>
+            <a:r>
+              <a:rPr lang="en-US" sz="1600" dirty="0">
+                <a:latin typeface="Courier"/>
+                <a:cs typeface="Courier"/>
+              </a:rPr>
+              <a:t>());</a:t>
+            </a:r>
+            <a:br>
+              <a:rPr lang="en-US" sz="1600" dirty="0">
+                <a:latin typeface="Courier"/>
+                <a:cs typeface="Courier"/>
+              </a:rPr>
+            </a:br>
+            <a:r>
+              <a:rPr lang="en-US" sz="1600" dirty="0">
+                <a:latin typeface="Courier"/>
+                <a:cs typeface="Courier"/>
+              </a:rPr>
+              <a:t>    </a:t>
+            </a:r>
+            <a:r>
+              <a:rPr lang="en-US" sz="1600" b="1" dirty="0" err="1">
+                <a:solidFill>
+                  <a:srgbClr val="0000FF"/>
+                </a:solidFill>
+                <a:latin typeface="Courier"/>
+                <a:cs typeface="Courier"/>
+              </a:rPr>
+              <a:t>datastore.put</a:t>
+            </a:r>
+            <a:r>
+              <a:rPr lang="en-US" sz="1600" b="1" dirty="0">
+                <a:solidFill>
+                  <a:srgbClr val="0000FF"/>
+                </a:solidFill>
+                <a:latin typeface="Courier"/>
+                <a:cs typeface="Courier"/>
+              </a:rPr>
+              <a:t>(</a:t>
+            </a:r>
+            <a:r>
+              <a:rPr lang="en-US" sz="1600" b="1" dirty="0" err="1">
+                <a:solidFill>
+                  <a:srgbClr val="0000FF"/>
+                </a:solidFill>
+                <a:latin typeface="Courier"/>
+                <a:cs typeface="Courier"/>
+              </a:rPr>
+              <a:t>userEvent</a:t>
+            </a:r>
+            <a:r>
+              <a:rPr lang="en-US" sz="1600" b="1" dirty="0">
+                <a:solidFill>
+                  <a:srgbClr val="0000FF"/>
+                </a:solidFill>
+                <a:latin typeface="Courier"/>
+                <a:cs typeface="Courier"/>
+              </a:rPr>
+              <a:t>);</a:t>
+            </a:r>
+            <a:br>
+              <a:rPr lang="en-US" sz="1600" b="1" dirty="0">
+                <a:solidFill>
+                  <a:srgbClr val="0000FF"/>
+                </a:solidFill>
+                <a:latin typeface="Courier"/>
+                <a:cs typeface="Courier"/>
+              </a:rPr>
+            </a:br>
+            <a:r>
+              <a:rPr lang="en-US" sz="1600" dirty="0">
+                <a:latin typeface="Courier"/>
+                <a:cs typeface="Courier"/>
+              </a:rPr>
+              <a:t>}</a:t>
+            </a:r>
+          </a:p>
+          <a:p>
+            <a:endParaRPr lang="en-US" sz="1200" dirty="0"/>
           </a:p>
         </p:txBody>
       </p:sp>
@@ -17432,33 +17657,15 @@
                                   </p:childTnLst>
                                 </p:cTn>
                               </p:par>
-                            </p:childTnLst>
-                          </p:cTn>
-                        </p:par>
-                      </p:childTnLst>
-                    </p:cTn>
-                  </p:par>
-                  <p:par>
-                    <p:cTn id="8" fill="hold">
-                      <p:stCondLst>
-                        <p:cond delay="indefinite"/>
-                      </p:stCondLst>
-                      <p:childTnLst>
-                        <p:par>
-                          <p:cTn id="9" fill="hold">
-                            <p:stCondLst>
-                              <p:cond delay="0"/>
-                            </p:stCondLst>
-                            <p:childTnLst>
                               <p:par>
-                                <p:cTn id="10" presetID="3" presetClass="entr" presetSubtype="10" fill="hold" nodeType="clickEffect">
+                                <p:cTn id="8" presetID="3" presetClass="entr" presetSubtype="10" fill="hold" nodeType="withEffect">
                                   <p:stCondLst>
                                     <p:cond delay="0"/>
                                   </p:stCondLst>
                                   <p:childTnLst>
                                     <p:set>
                                       <p:cBhvr>
-                                        <p:cTn id="11" dur="1" fill="hold">
+                                        <p:cTn id="9" dur="1" fill="hold">
                                           <p:stCondLst>
                                             <p:cond delay="0"/>
                                           </p:stCondLst>
@@ -17480,7 +17687,7 @@
                                     </p:set>
                                     <p:animEffect transition="in" filter="blinds(horizontal)">
                                       <p:cBhvr>
-                                        <p:cTn id="12" dur="500"/>
+                                        <p:cTn id="10" dur="500"/>
                                         <p:tgtEl>
                                           <p:spTgt spid="3">
                                             <p:txEl>

--- a/Eager/elk-experiment/appserver/system_design.pptx
+++ b/Eager/elk-experiment/appserver/system_design.pptx
@@ -316,7 +316,7 @@
           <a:p>
             <a:fld id="{37D14F8C-9F46-2E42-9999-888BFBC492E3}" type="datetimeFigureOut">
               <a:rPr lang="en-US" smtClean="0"/>
-              <a:t>5/18/16</a:t>
+              <a:t>5/22/16</a:t>
             </a:fld>
             <a:endParaRPr lang="en-US"/>
           </a:p>
@@ -482,7 +482,7 @@
           <a:p>
             <a:fld id="{C6B377BD-EE2D-6A4D-8791-40EA342A78BF}" type="datetimeFigureOut">
               <a:rPr lang="en-US" smtClean="0"/>
-              <a:t>5/18/16</a:t>
+              <a:t>5/22/16</a:t>
             </a:fld>
             <a:endParaRPr lang="en-US"/>
           </a:p>
@@ -881,8 +881,15 @@
           <a:p>
             <a:r>
               <a:rPr lang="en-US" dirty="0" smtClean="0"/>
-              <a:t>Why bounds? To form SLAs</a:t>
-            </a:r>
+              <a:t>Other experimental findings</a:t>
+            </a:r>
+            <a:r>
+              <a:rPr lang="is-IS" dirty="0" smtClean="0"/>
+              <a:t>…</a:t>
+            </a:r>
+          </a:p>
+          <a:p>
+            <a:endParaRPr lang="en-US" dirty="0" smtClean="0"/>
           </a:p>
           <a:p>
             <a:endParaRPr lang="en-US" dirty="0"/>
@@ -906,7 +913,7 @@
           <a:p>
             <a:fld id="{6E605815-6331-9444-B06E-921213318926}" type="slidenum">
               <a:rPr lang="en-US" smtClean="0"/>
-              <a:t>20</a:t>
+              <a:t>18</a:t>
             </a:fld>
             <a:endParaRPr lang="en-US"/>
           </a:p>
@@ -915,7 +922,7 @@
     </p:spTree>
     <p:extLst>
       <p:ext uri="{BB962C8B-B14F-4D97-AF65-F5344CB8AC3E}">
-        <p14:creationId xmlns:p14="http://schemas.microsoft.com/office/powerpoint/2010/main" val="800395983"/>
+        <p14:creationId xmlns:p14="http://schemas.microsoft.com/office/powerpoint/2010/main" val="3410591639"/>
       </p:ext>
     </p:extLst>
   </p:cSld>
@@ -971,25 +978,7 @@
           <a:p>
             <a:r>
               <a:rPr lang="en-US" dirty="0" smtClean="0"/>
-              <a:t>Where’s the static analyzer running?</a:t>
-            </a:r>
-          </a:p>
-          <a:p>
-            <a:r>
-              <a:rPr lang="en-US" dirty="0" smtClean="0"/>
-              <a:t>Explain the intuition – apps spend most of their time</a:t>
-            </a:r>
-            <a:r>
-              <a:rPr lang="en-US" baseline="0" dirty="0" smtClean="0"/>
-              <a:t> on </a:t>
-            </a:r>
-            <a:r>
-              <a:rPr lang="en-US" baseline="0" dirty="0" err="1" smtClean="0"/>
-              <a:t>PaaS</a:t>
-            </a:r>
-            <a:r>
-              <a:rPr lang="en-US" baseline="0" dirty="0" smtClean="0"/>
-              <a:t> SDK</a:t>
+              <a:t>Why bounds? To form SLAs</a:t>
             </a:r>
           </a:p>
           <a:p>
@@ -1014,7 +1003,7 @@
           <a:p>
             <a:fld id="{6E605815-6331-9444-B06E-921213318926}" type="slidenum">
               <a:rPr lang="en-US" smtClean="0"/>
-              <a:t>22</a:t>
+              <a:t>20</a:t>
             </a:fld>
             <a:endParaRPr lang="en-US"/>
           </a:p>
@@ -1023,7 +1012,7 @@
     </p:spTree>
     <p:extLst>
       <p:ext uri="{BB962C8B-B14F-4D97-AF65-F5344CB8AC3E}">
-        <p14:creationId xmlns:p14="http://schemas.microsoft.com/office/powerpoint/2010/main" val="137340415"/>
+        <p14:creationId xmlns:p14="http://schemas.microsoft.com/office/powerpoint/2010/main" val="800395983"/>
       </p:ext>
     </p:extLst>
   </p:cSld>
@@ -1079,8 +1068,28 @@
           <a:p>
             <a:r>
               <a:rPr lang="en-US" dirty="0" smtClean="0"/>
-              <a:t>94.6 rounds to 95</a:t>
-            </a:r>
+              <a:t>Where’s the static analyzer running?</a:t>
+            </a:r>
+          </a:p>
+          <a:p>
+            <a:r>
+              <a:rPr lang="en-US" dirty="0" smtClean="0"/>
+              <a:t>Explain the intuition – apps spend most of their time</a:t>
+            </a:r>
+            <a:r>
+              <a:rPr lang="en-US" baseline="0" dirty="0" smtClean="0"/>
+              <a:t> on </a:t>
+            </a:r>
+            <a:r>
+              <a:rPr lang="en-US" baseline="0" dirty="0" err="1" smtClean="0"/>
+              <a:t>PaaS</a:t>
+            </a:r>
+            <a:r>
+              <a:rPr lang="en-US" baseline="0" dirty="0" smtClean="0"/>
+              <a:t> SDK</a:t>
+            </a:r>
+          </a:p>
+          <a:p>
             <a:endParaRPr lang="en-US" dirty="0"/>
           </a:p>
         </p:txBody>
@@ -1102,7 +1111,7 @@
           <a:p>
             <a:fld id="{6E605815-6331-9444-B06E-921213318926}" type="slidenum">
               <a:rPr lang="en-US" smtClean="0"/>
-              <a:t>24</a:t>
+              <a:t>22</a:t>
             </a:fld>
             <a:endParaRPr lang="en-US"/>
           </a:p>
@@ -1111,7 +1120,7 @@
     </p:spTree>
     <p:extLst>
       <p:ext uri="{BB962C8B-B14F-4D97-AF65-F5344CB8AC3E}">
-        <p14:creationId xmlns:p14="http://schemas.microsoft.com/office/powerpoint/2010/main" val="2117320294"/>
+        <p14:creationId xmlns:p14="http://schemas.microsoft.com/office/powerpoint/2010/main" val="137340415"/>
       </p:ext>
     </p:extLst>
   </p:cSld>
@@ -1165,7 +1174,11 @@
           <a:bodyPr/>
           <a:lstStyle/>
           <a:p>
-            <a:endParaRPr lang="en-US" dirty="0" smtClean="0"/>
+            <a:r>
+              <a:rPr lang="en-US" dirty="0" smtClean="0"/>
+              <a:t>94.6 rounds to 95</a:t>
+            </a:r>
+            <a:endParaRPr lang="en-US" dirty="0"/>
           </a:p>
         </p:txBody>
       </p:sp>
@@ -1186,7 +1199,7 @@
           <a:p>
             <a:fld id="{6E605815-6331-9444-B06E-921213318926}" type="slidenum">
               <a:rPr lang="en-US" smtClean="0"/>
-              <a:t>25</a:t>
+              <a:t>24</a:t>
             </a:fld>
             <a:endParaRPr lang="en-US"/>
           </a:p>
@@ -1195,7 +1208,7 @@
     </p:spTree>
     <p:extLst>
       <p:ext uri="{BB962C8B-B14F-4D97-AF65-F5344CB8AC3E}">
-        <p14:creationId xmlns:p14="http://schemas.microsoft.com/office/powerpoint/2010/main" val="3877329376"/>
+        <p14:creationId xmlns:p14="http://schemas.microsoft.com/office/powerpoint/2010/main" val="2117320294"/>
       </p:ext>
     </p:extLst>
   </p:cSld>
@@ -1249,7 +1262,7 @@
           <a:bodyPr/>
           <a:lstStyle/>
           <a:p>
-            <a:endParaRPr lang="en-US" dirty="0"/>
+            <a:endParaRPr lang="en-US" dirty="0" smtClean="0"/>
           </a:p>
         </p:txBody>
       </p:sp>
@@ -1270,7 +1283,7 @@
           <a:p>
             <a:fld id="{6E605815-6331-9444-B06E-921213318926}" type="slidenum">
               <a:rPr lang="en-US" smtClean="0"/>
-              <a:t>27</a:t>
+              <a:t>25</a:t>
             </a:fld>
             <a:endParaRPr lang="en-US"/>
           </a:p>
@@ -1279,7 +1292,7 @@
     </p:spTree>
     <p:extLst>
       <p:ext uri="{BB962C8B-B14F-4D97-AF65-F5344CB8AC3E}">
-        <p14:creationId xmlns:p14="http://schemas.microsoft.com/office/powerpoint/2010/main" val="577673501"/>
+        <p14:creationId xmlns:p14="http://schemas.microsoft.com/office/powerpoint/2010/main" val="3877329376"/>
       </p:ext>
     </p:extLst>
   </p:cSld>
@@ -1333,20 +1346,6 @@
           <a:bodyPr/>
           <a:lstStyle/>
           <a:p>
-            <a:r>
-              <a:rPr lang="en-US" dirty="0" smtClean="0"/>
-              <a:t>Use existing tools/methods</a:t>
-            </a:r>
-          </a:p>
-          <a:p>
-            <a:r>
-              <a:rPr lang="en-US" dirty="0" smtClean="0"/>
-              <a:t>Implement</a:t>
-            </a:r>
-            <a:r>
-              <a:rPr lang="en-US" baseline="0" dirty="0" smtClean="0"/>
-              <a:t> a framework that allows using different methods and test them</a:t>
-            </a:r>
             <a:endParaRPr lang="en-US" dirty="0"/>
           </a:p>
         </p:txBody>
@@ -1368,7 +1367,7 @@
           <a:p>
             <a:fld id="{6E605815-6331-9444-B06E-921213318926}" type="slidenum">
               <a:rPr lang="en-US" smtClean="0"/>
-              <a:t>28</a:t>
+              <a:t>27</a:t>
             </a:fld>
             <a:endParaRPr lang="en-US"/>
           </a:p>
@@ -1377,7 +1376,7 @@
     </p:spTree>
     <p:extLst>
       <p:ext uri="{BB962C8B-B14F-4D97-AF65-F5344CB8AC3E}">
-        <p14:creationId xmlns:p14="http://schemas.microsoft.com/office/powerpoint/2010/main" val="3458402424"/>
+        <p14:creationId xmlns:p14="http://schemas.microsoft.com/office/powerpoint/2010/main" val="577673501"/>
       </p:ext>
     </p:extLst>
   </p:cSld>
@@ -1431,6 +1430,20 @@
           <a:bodyPr/>
           <a:lstStyle/>
           <a:p>
+            <a:r>
+              <a:rPr lang="en-US" dirty="0" smtClean="0"/>
+              <a:t>Use existing tools/methods</a:t>
+            </a:r>
+          </a:p>
+          <a:p>
+            <a:r>
+              <a:rPr lang="en-US" dirty="0" smtClean="0"/>
+              <a:t>Implement</a:t>
+            </a:r>
+            <a:r>
+              <a:rPr lang="en-US" baseline="0" dirty="0" smtClean="0"/>
+              <a:t> a framework that allows using different methods and test them</a:t>
+            </a:r>
             <a:endParaRPr lang="en-US" dirty="0"/>
           </a:p>
         </p:txBody>
@@ -1452,7 +1465,7 @@
           <a:p>
             <a:fld id="{6E605815-6331-9444-B06E-921213318926}" type="slidenum">
               <a:rPr lang="en-US" smtClean="0"/>
-              <a:t>32</a:t>
+              <a:t>28</a:t>
             </a:fld>
             <a:endParaRPr lang="en-US"/>
           </a:p>
@@ -1461,7 +1474,7 @@
     </p:spTree>
     <p:extLst>
       <p:ext uri="{BB962C8B-B14F-4D97-AF65-F5344CB8AC3E}">
-        <p14:creationId xmlns:p14="http://schemas.microsoft.com/office/powerpoint/2010/main" val="3355842071"/>
+        <p14:creationId xmlns:p14="http://schemas.microsoft.com/office/powerpoint/2010/main" val="3458402424"/>
       </p:ext>
     </p:extLst>
   </p:cSld>
@@ -1515,14 +1528,6 @@
           <a:bodyPr/>
           <a:lstStyle/>
           <a:p>
-            <a:r>
-              <a:rPr lang="en-US" dirty="0" smtClean="0"/>
-              <a:t>Use a detailed</a:t>
-            </a:r>
-            <a:r>
-              <a:rPr lang="en-US" baseline="0" dirty="0" smtClean="0"/>
-              <a:t> code diagram</a:t>
-            </a:r>
             <a:endParaRPr lang="en-US" dirty="0"/>
           </a:p>
         </p:txBody>
@@ -1544,7 +1549,7 @@
           <a:p>
             <a:fld id="{6E605815-6331-9444-B06E-921213318926}" type="slidenum">
               <a:rPr lang="en-US" smtClean="0"/>
-              <a:t>33</a:t>
+              <a:t>32</a:t>
             </a:fld>
             <a:endParaRPr lang="en-US"/>
           </a:p>
@@ -1553,7 +1558,7 @@
     </p:spTree>
     <p:extLst>
       <p:ext uri="{BB962C8B-B14F-4D97-AF65-F5344CB8AC3E}">
-        <p14:creationId xmlns:p14="http://schemas.microsoft.com/office/powerpoint/2010/main" val="640735186"/>
+        <p14:creationId xmlns:p14="http://schemas.microsoft.com/office/powerpoint/2010/main" val="3355842071"/>
       </p:ext>
     </p:extLst>
   </p:cSld>
@@ -1609,118 +1614,13 @@
           <a:p>
             <a:r>
               <a:rPr lang="en-US" dirty="0" smtClean="0"/>
-              <a:t>Explain</a:t>
+              <a:t>Use a detailed</a:t>
             </a:r>
             <a:r>
               <a:rPr lang="en-US" baseline="0" dirty="0" smtClean="0"/>
-              <a:t> my contributions</a:t>
-            </a:r>
-          </a:p>
-          <a:p>
-            <a:pPr marL="171450" indent="-171450">
-              <a:buFontTx/>
-              <a:buChar char="-"/>
-            </a:pPr>
-            <a:r>
-              <a:rPr lang="en-US" baseline="0" dirty="0" smtClean="0"/>
-              <a:t>Deployment time governance, scalable</a:t>
-            </a:r>
-          </a:p>
-          <a:p>
-            <a:pPr marL="171450" indent="-171450">
-              <a:buFontTx/>
-              <a:buChar char="-"/>
-            </a:pPr>
-            <a:r>
-              <a:rPr lang="en-US" baseline="0" dirty="0" smtClean="0"/>
-              <a:t>Correct, tight SLAs without any testing or instrumentation</a:t>
-            </a:r>
-          </a:p>
-          <a:p>
-            <a:pPr marL="171450" indent="-171450">
-              <a:buFontTx/>
-              <a:buChar char="-"/>
-            </a:pPr>
-            <a:endParaRPr lang="en-US" baseline="0" dirty="0" smtClean="0"/>
-          </a:p>
-          <a:p>
-            <a:pPr marL="171450" indent="-171450">
-              <a:buFontTx/>
-              <a:buChar char="-"/>
-            </a:pPr>
-            <a:endParaRPr lang="en-US" dirty="0" smtClean="0"/>
-          </a:p>
-          <a:p>
-            <a:pPr marL="171450" indent="-171450">
-              <a:buFontTx/>
-              <a:buChar char="-"/>
-            </a:pPr>
-            <a:r>
-              <a:rPr lang="en-US" dirty="0" smtClean="0"/>
-              <a:t>Methodology for formulating</a:t>
-            </a:r>
-            <a:r>
-              <a:rPr lang="is-IS" dirty="0" smtClean="0"/>
-              <a:t>…</a:t>
-            </a:r>
-          </a:p>
-          <a:p>
-            <a:pPr marL="171450" indent="-171450">
-              <a:buFontTx/>
-              <a:buChar char="-"/>
-            </a:pPr>
-            <a:r>
-              <a:rPr lang="is-IS" smtClean="0"/>
-              <a:t>Frmaework for scalable cloud app....</a:t>
+              <a:t> code diagram</a:t>
             </a:r>
             <a:endParaRPr lang="en-US" dirty="0"/>
-          </a:p>
-          <a:p>
-            <a:r>
-              <a:rPr lang="en-US" dirty="0"/>
-              <a:t>----- Meeting Notes (4/14/16 14:44) -----</a:t>
-            </a:r>
-          </a:p>
-          <a:p>
-            <a:r>
-              <a:rPr lang="en-US" dirty="0"/>
-              <a:t>3 chapter intros for EAGER, </a:t>
-            </a:r>
-            <a:r>
-              <a:rPr lang="en-US" dirty="0" err="1"/>
-              <a:t>Cerebro</a:t>
-            </a:r>
-            <a:r>
-              <a:rPr lang="en-US" dirty="0"/>
-              <a:t>, Roots</a:t>
-            </a:r>
-          </a:p>
-          <a:p>
-            <a:endParaRPr lang="en-US" dirty="0"/>
-          </a:p>
-          <a:p>
-            <a:r>
-              <a:rPr lang="en-US" dirty="0"/>
-              <a:t>My thesis will....</a:t>
-            </a:r>
-          </a:p>
-          <a:p>
-            <a:endParaRPr lang="en-US" dirty="0"/>
-          </a:p>
-          <a:p>
-            <a:r>
-              <a:rPr lang="en-US" dirty="0"/>
-              <a:t>Add timeline</a:t>
-            </a:r>
-          </a:p>
-          <a:p>
-            <a:endParaRPr lang="en-US" dirty="0"/>
-          </a:p>
-          <a:p>
-            <a:r>
-              <a:rPr lang="en-US" dirty="0"/>
-              <a:t>Related work</a:t>
-            </a:r>
           </a:p>
         </p:txBody>
       </p:sp>
@@ -1741,7 +1641,7 @@
           <a:p>
             <a:fld id="{6E605815-6331-9444-B06E-921213318926}" type="slidenum">
               <a:rPr lang="en-US" smtClean="0"/>
-              <a:t>34</a:t>
+              <a:t>33</a:t>
             </a:fld>
             <a:endParaRPr lang="en-US"/>
           </a:p>
@@ -1750,7 +1650,7 @@
     </p:spTree>
     <p:extLst>
       <p:ext uri="{BB962C8B-B14F-4D97-AF65-F5344CB8AC3E}">
-        <p14:creationId xmlns:p14="http://schemas.microsoft.com/office/powerpoint/2010/main" val="3675898073"/>
+        <p14:creationId xmlns:p14="http://schemas.microsoft.com/office/powerpoint/2010/main" val="640735186"/>
       </p:ext>
     </p:extLst>
   </p:cSld>
@@ -1806,14 +1706,119 @@
           <a:p>
             <a:r>
               <a:rPr lang="en-US" dirty="0" smtClean="0"/>
-              <a:t>Outlier at t</a:t>
+              <a:t>Explain</a:t>
             </a:r>
             <a:r>
               <a:rPr lang="en-US" baseline="0" dirty="0" smtClean="0"/>
-              <a:t> = 101 detected as a Level Shift (LS).</a:t>
+              <a:t> my contributions</a:t>
+            </a:r>
+          </a:p>
+          <a:p>
+            <a:pPr marL="171450" indent="-171450">
+              <a:buFontTx/>
+              <a:buChar char="-"/>
+            </a:pPr>
+            <a:r>
+              <a:rPr lang="en-US" baseline="0" dirty="0" smtClean="0"/>
+              <a:t>Deployment time governance, scalable</a:t>
+            </a:r>
+          </a:p>
+          <a:p>
+            <a:pPr marL="171450" indent="-171450">
+              <a:buFontTx/>
+              <a:buChar char="-"/>
+            </a:pPr>
+            <a:r>
+              <a:rPr lang="en-US" baseline="0" dirty="0" smtClean="0"/>
+              <a:t>Correct, tight SLAs without any testing or instrumentation</a:t>
+            </a:r>
+          </a:p>
+          <a:p>
+            <a:pPr marL="171450" indent="-171450">
+              <a:buFontTx/>
+              <a:buChar char="-"/>
+            </a:pPr>
+            <a:endParaRPr lang="en-US" baseline="0" dirty="0" smtClean="0"/>
+          </a:p>
+          <a:p>
+            <a:pPr marL="171450" indent="-171450">
+              <a:buFontTx/>
+              <a:buChar char="-"/>
+            </a:pPr>
+            <a:endParaRPr lang="en-US" dirty="0" smtClean="0"/>
+          </a:p>
+          <a:p>
+            <a:pPr marL="171450" indent="-171450">
+              <a:buFontTx/>
+              <a:buChar char="-"/>
+            </a:pPr>
+            <a:r>
+              <a:rPr lang="en-US" dirty="0" smtClean="0"/>
+              <a:t>Methodology for formulating</a:t>
+            </a:r>
+            <a:r>
+              <a:rPr lang="is-IS" dirty="0" smtClean="0"/>
+              <a:t>…</a:t>
+            </a:r>
+          </a:p>
+          <a:p>
+            <a:pPr marL="171450" indent="-171450">
+              <a:buFontTx/>
+              <a:buChar char="-"/>
+            </a:pPr>
+            <a:r>
+              <a:rPr lang="is-IS" smtClean="0"/>
+              <a:t>Frmaework for scalable cloud app....</a:t>
             </a:r>
             <a:endParaRPr lang="en-US" dirty="0"/>
           </a:p>
+          <a:p>
+            <a:r>
+              <a:rPr lang="en-US" dirty="0"/>
+              <a:t>----- Meeting Notes (4/14/16 14:44) -----</a:t>
+            </a:r>
+          </a:p>
+          <a:p>
+            <a:r>
+              <a:rPr lang="en-US" dirty="0"/>
+              <a:t>3 chapter intros for EAGER, </a:t>
+            </a:r>
+            <a:r>
+              <a:rPr lang="en-US" dirty="0" err="1"/>
+              <a:t>Cerebro</a:t>
+            </a:r>
+            <a:r>
+              <a:rPr lang="en-US" dirty="0"/>
+              <a:t>, Roots</a:t>
+            </a:r>
+          </a:p>
+          <a:p>
+            <a:endParaRPr lang="en-US" dirty="0"/>
+          </a:p>
+          <a:p>
+            <a:r>
+              <a:rPr lang="en-US" dirty="0"/>
+              <a:t>My thesis will....</a:t>
+            </a:r>
+          </a:p>
+          <a:p>
+            <a:endParaRPr lang="en-US" dirty="0"/>
+          </a:p>
+          <a:p>
+            <a:r>
+              <a:rPr lang="en-US" dirty="0"/>
+              <a:t>Add timeline</a:t>
+            </a:r>
+          </a:p>
+          <a:p>
+            <a:endParaRPr lang="en-US" dirty="0"/>
+          </a:p>
+          <a:p>
+            <a:r>
+              <a:rPr lang="en-US" dirty="0"/>
+              <a:t>Related work</a:t>
+            </a:r>
+          </a:p>
         </p:txBody>
       </p:sp>
       <p:sp>
@@ -1831,9 +1836,9 @@
           <a:bodyPr/>
           <a:lstStyle/>
           <a:p>
-            <a:fld id="{F7278AEC-EE64-7842-B08E-D93D33560D10}" type="slidenum">
+            <a:fld id="{6E605815-6331-9444-B06E-921213318926}" type="slidenum">
               <a:rPr lang="en-US" smtClean="0"/>
-              <a:t>53</a:t>
+              <a:t>34</a:t>
             </a:fld>
             <a:endParaRPr lang="en-US"/>
           </a:p>
@@ -1842,7 +1847,7 @@
     </p:spTree>
     <p:extLst>
       <p:ext uri="{BB962C8B-B14F-4D97-AF65-F5344CB8AC3E}">
-        <p14:creationId xmlns:p14="http://schemas.microsoft.com/office/powerpoint/2010/main" val="3404154749"/>
+        <p14:creationId xmlns:p14="http://schemas.microsoft.com/office/powerpoint/2010/main" val="3675898073"/>
       </p:ext>
     </p:extLst>
   </p:cSld>
@@ -1927,6 +1932,98 @@
     <p:extLst>
       <p:ext uri="{BB962C8B-B14F-4D97-AF65-F5344CB8AC3E}">
         <p14:creationId xmlns:p14="http://schemas.microsoft.com/office/powerpoint/2010/main" val="830382234"/>
+      </p:ext>
+    </p:extLst>
+  </p:cSld>
+  <p:clrMapOvr>
+    <a:masterClrMapping/>
+  </p:clrMapOvr>
+</p:notes>
+</file>
+
+<file path=ppt/notesSlides/notesSlide20.xml><?xml version="1.0" encoding="utf-8"?>
+<p:notes xmlns:a="http://schemas.openxmlformats.org/drawingml/2006/main" xmlns:r="http://schemas.openxmlformats.org/officeDocument/2006/relationships" xmlns:p="http://schemas.openxmlformats.org/presentationml/2006/main">
+  <p:cSld>
+    <p:spTree>
+      <p:nvGrpSpPr>
+        <p:cNvPr id="1" name=""/>
+        <p:cNvGrpSpPr/>
+        <p:nvPr/>
+      </p:nvGrpSpPr>
+      <p:grpSpPr>
+        <a:xfrm>
+          <a:off x="0" y="0"/>
+          <a:ext cx="0" cy="0"/>
+          <a:chOff x="0" y="0"/>
+          <a:chExt cx="0" cy="0"/>
+        </a:xfrm>
+      </p:grpSpPr>
+      <p:sp>
+        <p:nvSpPr>
+          <p:cNvPr id="2" name="Slide Image Placeholder 1"/>
+          <p:cNvSpPr>
+            <a:spLocks noGrp="1" noRot="1" noChangeAspect="1"/>
+          </p:cNvSpPr>
+          <p:nvPr>
+            <p:ph type="sldImg"/>
+          </p:nvPr>
+        </p:nvSpPr>
+        <p:spPr/>
+      </p:sp>
+      <p:sp>
+        <p:nvSpPr>
+          <p:cNvPr id="3" name="Notes Placeholder 2"/>
+          <p:cNvSpPr>
+            <a:spLocks noGrp="1"/>
+          </p:cNvSpPr>
+          <p:nvPr>
+            <p:ph type="body" idx="1"/>
+          </p:nvPr>
+        </p:nvSpPr>
+        <p:spPr/>
+        <p:txBody>
+          <a:bodyPr/>
+          <a:lstStyle/>
+          <a:p>
+            <a:r>
+              <a:rPr lang="en-US" dirty="0" smtClean="0"/>
+              <a:t>Outlier at t</a:t>
+            </a:r>
+            <a:r>
+              <a:rPr lang="en-US" baseline="0" dirty="0" smtClean="0"/>
+              <a:t> = 101 detected as a Level Shift (LS).</a:t>
+            </a:r>
+            <a:endParaRPr lang="en-US" dirty="0"/>
+          </a:p>
+        </p:txBody>
+      </p:sp>
+      <p:sp>
+        <p:nvSpPr>
+          <p:cNvPr id="4" name="Slide Number Placeholder 3"/>
+          <p:cNvSpPr>
+            <a:spLocks noGrp="1"/>
+          </p:cNvSpPr>
+          <p:nvPr>
+            <p:ph type="sldNum" sz="quarter" idx="10"/>
+          </p:nvPr>
+        </p:nvSpPr>
+        <p:spPr/>
+        <p:txBody>
+          <a:bodyPr/>
+          <a:lstStyle/>
+          <a:p>
+            <a:fld id="{F7278AEC-EE64-7842-B08E-D93D33560D10}" type="slidenum">
+              <a:rPr lang="en-US" smtClean="0"/>
+              <a:t>53</a:t>
+            </a:fld>
+            <a:endParaRPr lang="en-US"/>
+          </a:p>
+        </p:txBody>
+      </p:sp>
+    </p:spTree>
+    <p:extLst>
+      <p:ext uri="{BB962C8B-B14F-4D97-AF65-F5344CB8AC3E}">
+        <p14:creationId xmlns:p14="http://schemas.microsoft.com/office/powerpoint/2010/main" val="3404154749"/>
       </p:ext>
     </p:extLst>
   </p:cSld>
@@ -2377,11 +2474,11 @@
           <a:p>
             <a:r>
               <a:rPr lang="en-US" dirty="0" smtClean="0"/>
-              <a:t>Emphasize</a:t>
+              <a:t>Policy enforcement at the granularity</a:t>
             </a:r>
             <a:r>
               <a:rPr lang="en-US" baseline="0" dirty="0" smtClean="0"/>
-              <a:t> the importance of deployment time governance – fail fast, no runtime overhead</a:t>
+              <a:t> of APIs</a:t>
             </a:r>
             <a:endParaRPr lang="en-US" dirty="0"/>
           </a:p>
@@ -2404,7 +2501,7 @@
           <a:p>
             <a:fld id="{6E605815-6331-9444-B06E-921213318926}" type="slidenum">
               <a:rPr lang="en-US" smtClean="0"/>
-              <a:t>15</a:t>
+              <a:t>14</a:t>
             </a:fld>
             <a:endParaRPr lang="en-US"/>
           </a:p>
@@ -2413,7 +2510,7 @@
     </p:spTree>
     <p:extLst>
       <p:ext uri="{BB962C8B-B14F-4D97-AF65-F5344CB8AC3E}">
-        <p14:creationId xmlns:p14="http://schemas.microsoft.com/office/powerpoint/2010/main" val="756080791"/>
+        <p14:creationId xmlns:p14="http://schemas.microsoft.com/office/powerpoint/2010/main" val="290145462"/>
       </p:ext>
     </p:extLst>
   </p:cSld>
@@ -2469,17 +2566,11 @@
           <a:p>
             <a:r>
               <a:rPr lang="en-US" dirty="0" smtClean="0"/>
-              <a:t>Describe the goal of the experiment</a:t>
-            </a:r>
-          </a:p>
-          <a:p>
-            <a:r>
-              <a:rPr lang="en-US" dirty="0" smtClean="0"/>
-              <a:t>Explain how the database was populated,</a:t>
+              <a:t>Emphasize</a:t>
             </a:r>
             <a:r>
               <a:rPr lang="en-US" baseline="0" dirty="0" smtClean="0"/>
-              <a:t> Describe axis</a:t>
+              <a:t> the importance of deployment time governance – fail fast, no runtime overhead</a:t>
             </a:r>
             <a:endParaRPr lang="en-US" dirty="0"/>
           </a:p>
@@ -2502,7 +2593,7 @@
           <a:p>
             <a:fld id="{6E605815-6331-9444-B06E-921213318926}" type="slidenum">
               <a:rPr lang="en-US" smtClean="0"/>
-              <a:t>17</a:t>
+              <a:t>15</a:t>
             </a:fld>
             <a:endParaRPr lang="en-US"/>
           </a:p>
@@ -2511,7 +2602,7 @@
     </p:spTree>
     <p:extLst>
       <p:ext uri="{BB962C8B-B14F-4D97-AF65-F5344CB8AC3E}">
-        <p14:creationId xmlns:p14="http://schemas.microsoft.com/office/powerpoint/2010/main" val="869872194"/>
+        <p14:creationId xmlns:p14="http://schemas.microsoft.com/office/powerpoint/2010/main" val="756080791"/>
       </p:ext>
     </p:extLst>
   </p:cSld>
@@ -2567,17 +2658,18 @@
           <a:p>
             <a:r>
               <a:rPr lang="en-US" dirty="0" smtClean="0"/>
-              <a:t>Other experimental findings</a:t>
-            </a:r>
-            <a:r>
-              <a:rPr lang="is-IS" dirty="0" smtClean="0"/>
-              <a:t>…</a:t>
-            </a:r>
-          </a:p>
-          <a:p>
-            <a:endParaRPr lang="en-US" dirty="0" smtClean="0"/>
-          </a:p>
-          <a:p>
+              <a:t>Describe the goal of the experiment</a:t>
+            </a:r>
+          </a:p>
+          <a:p>
+            <a:r>
+              <a:rPr lang="en-US" dirty="0" smtClean="0"/>
+              <a:t>Explain how the database was populated,</a:t>
+            </a:r>
+            <a:r>
+              <a:rPr lang="en-US" baseline="0" dirty="0" smtClean="0"/>
+              <a:t> Describe axis</a:t>
+            </a:r>
             <a:endParaRPr lang="en-US" dirty="0"/>
           </a:p>
         </p:txBody>
@@ -2599,7 +2691,7 @@
           <a:p>
             <a:fld id="{6E605815-6331-9444-B06E-921213318926}" type="slidenum">
               <a:rPr lang="en-US" smtClean="0"/>
-              <a:t>18</a:t>
+              <a:t>17</a:t>
             </a:fld>
             <a:endParaRPr lang="en-US"/>
           </a:p>
@@ -2608,7 +2700,7 @@
     </p:spTree>
     <p:extLst>
       <p:ext uri="{BB962C8B-B14F-4D97-AF65-F5344CB8AC3E}">
-        <p14:creationId xmlns:p14="http://schemas.microsoft.com/office/powerpoint/2010/main" val="3410591639"/>
+        <p14:creationId xmlns:p14="http://schemas.microsoft.com/office/powerpoint/2010/main" val="869872194"/>
       </p:ext>
     </p:extLst>
   </p:cSld>
@@ -2799,7 +2891,7 @@
           <a:p>
             <a:fld id="{8EE520D6-1199-3C41-9A6A-AA3E2C6DD588}" type="datetime1">
               <a:rPr lang="en-US" smtClean="0"/>
-              <a:t>5/18/16</a:t>
+              <a:t>5/22/16</a:t>
             </a:fld>
             <a:endParaRPr lang="en-US"/>
           </a:p>
@@ -2969,7 +3061,7 @@
           <a:p>
             <a:fld id="{6DE2AD85-55B3-6D40-8E45-4897033CE78D}" type="datetime1">
               <a:rPr lang="en-US" smtClean="0"/>
-              <a:t>5/18/16</a:t>
+              <a:t>5/22/16</a:t>
             </a:fld>
             <a:endParaRPr lang="en-US"/>
           </a:p>
@@ -3149,7 +3241,7 @@
           <a:p>
             <a:fld id="{9B6E2D90-BDC5-EC4E-97C9-9EBA924F9C2A}" type="datetime1">
               <a:rPr lang="en-US" smtClean="0"/>
-              <a:t>5/18/16</a:t>
+              <a:t>5/22/16</a:t>
             </a:fld>
             <a:endParaRPr lang="en-US"/>
           </a:p>
@@ -3319,7 +3411,7 @@
           <a:p>
             <a:fld id="{3C02FE2B-B967-F44C-97BF-619FFF540275}" type="datetime1">
               <a:rPr lang="en-US" smtClean="0"/>
-              <a:t>5/18/16</a:t>
+              <a:t>5/22/16</a:t>
             </a:fld>
             <a:endParaRPr lang="en-US"/>
           </a:p>
@@ -3565,7 +3657,7 @@
           <a:p>
             <a:fld id="{2E0BEB10-3E92-1544-85E8-C96C20A337CE}" type="datetime1">
               <a:rPr lang="en-US" smtClean="0"/>
-              <a:t>5/18/16</a:t>
+              <a:t>5/22/16</a:t>
             </a:fld>
             <a:endParaRPr lang="en-US"/>
           </a:p>
@@ -3853,7 +3945,7 @@
           <a:p>
             <a:fld id="{475FB051-8E54-8E49-8432-E38A630FF054}" type="datetime1">
               <a:rPr lang="en-US" smtClean="0"/>
-              <a:t>5/18/16</a:t>
+              <a:t>5/22/16</a:t>
             </a:fld>
             <a:endParaRPr lang="en-US"/>
           </a:p>
@@ -4275,7 +4367,7 @@
           <a:p>
             <a:fld id="{8BA679C2-08DD-074B-9C48-B348A1DFA775}" type="datetime1">
               <a:rPr lang="en-US" smtClean="0"/>
-              <a:t>5/18/16</a:t>
+              <a:t>5/22/16</a:t>
             </a:fld>
             <a:endParaRPr lang="en-US"/>
           </a:p>
@@ -4393,7 +4485,7 @@
           <a:p>
             <a:fld id="{FD8F829F-F712-8745-AC98-41D32B363003}" type="datetime1">
               <a:rPr lang="en-US" smtClean="0"/>
-              <a:t>5/18/16</a:t>
+              <a:t>5/22/16</a:t>
             </a:fld>
             <a:endParaRPr lang="en-US"/>
           </a:p>
@@ -4488,7 +4580,7 @@
           <a:p>
             <a:fld id="{B7766C51-9295-BA4E-9CC5-B913E9ED7975}" type="datetime1">
               <a:rPr lang="en-US" smtClean="0"/>
-              <a:t>5/18/16</a:t>
+              <a:t>5/22/16</a:t>
             </a:fld>
             <a:endParaRPr lang="en-US"/>
           </a:p>
@@ -4765,7 +4857,7 @@
           <a:p>
             <a:fld id="{DCC74353-384D-7548-8376-5A6CDDA54B35}" type="datetime1">
               <a:rPr lang="en-US" smtClean="0"/>
-              <a:t>5/18/16</a:t>
+              <a:t>5/22/16</a:t>
             </a:fld>
             <a:endParaRPr lang="en-US"/>
           </a:p>
@@ -5018,7 +5110,7 @@
           <a:p>
             <a:fld id="{912E0EE9-0FD5-A04C-8EF0-F3BFD9ED0CEF}" type="datetime1">
               <a:rPr lang="en-US" smtClean="0"/>
-              <a:t>5/18/16</a:t>
+              <a:t>5/22/16</a:t>
             </a:fld>
             <a:endParaRPr lang="en-US"/>
           </a:p>
@@ -5231,7 +5323,7 @@
           <a:p>
             <a:fld id="{E05DCBF9-A63F-9B48-BC2B-98F6B05BC7B3}" type="datetime1">
               <a:rPr lang="en-US" smtClean="0"/>
-              <a:t>5/18/16</a:t>
+              <a:t>5/22/16</a:t>
             </a:fld>
             <a:endParaRPr lang="en-US"/>
           </a:p>
@@ -17533,8 +17625,13 @@
           <a:p>
             <a:r>
               <a:rPr lang="en-US" dirty="0" smtClean="0"/>
-              <a:t>Cannot form performance SLOs and SLAs</a:t>
-            </a:r>
+              <a:t>Cannot form </a:t>
+            </a:r>
+            <a:r>
+              <a:rPr lang="en-US" dirty="0" smtClean="0"/>
+              <a:t>performance SLAs</a:t>
+            </a:r>
+            <a:endParaRPr lang="en-US" dirty="0" smtClean="0"/>
           </a:p>
           <a:p>
             <a:pPr lvl="1"/>
